--- a/doc/manuscript/figures_tables/C_pools_fig.pptx
+++ b/doc/manuscript/figures_tables/C_pools_fig.pptx
@@ -2966,116 +2966,6 @@
           <a:chExt cx="0" cy="0"/>
         </a:xfrm>
       </p:grpSpPr>
-      <p:grpSp>
-        <p:nvGrpSpPr>
-          <p:cNvPr id="71" name="Group 70">
-            <a:extLst>
-              <a:ext uri="{FF2B5EF4-FFF2-40B4-BE49-F238E27FC236}">
-                <a16:creationId xmlns:a16="http://schemas.microsoft.com/office/drawing/2014/main" id="{8EA4DA08-F0C2-794A-B94C-05D78F4F01D3}"/>
-              </a:ext>
-            </a:extLst>
-          </p:cNvPr>
-          <p:cNvGrpSpPr/>
-          <p:nvPr/>
-        </p:nvGrpSpPr>
-        <p:grpSpPr>
-          <a:xfrm>
-            <a:off x="1576815" y="3510811"/>
-            <a:ext cx="1250663" cy="263232"/>
-            <a:chOff x="1892190" y="3325247"/>
-            <a:chExt cx="1250663" cy="263232"/>
-          </a:xfrm>
-        </p:grpSpPr>
-        <p:sp>
-          <p:nvSpPr>
-            <p:cNvPr id="52" name="Rectangle 51">
-              <a:extLst>
-                <a:ext uri="{FF2B5EF4-FFF2-40B4-BE49-F238E27FC236}">
-                  <a16:creationId xmlns:a16="http://schemas.microsoft.com/office/drawing/2014/main" id="{1296D62D-5781-9747-8D7F-1C9CE68953EB}"/>
-                </a:ext>
-              </a:extLst>
-            </p:cNvPr>
-            <p:cNvSpPr/>
-            <p:nvPr/>
-          </p:nvSpPr>
-          <p:spPr>
-            <a:xfrm>
-              <a:off x="1946730" y="3325247"/>
-              <a:ext cx="1163782" cy="246221"/>
-            </a:xfrm>
-            <a:prstGeom prst="rect">
-              <a:avLst/>
-            </a:prstGeom>
-            <a:solidFill>
-              <a:srgbClr val="DCE0CE"/>
-            </a:solidFill>
-            <a:ln>
-              <a:solidFill>
-                <a:schemeClr val="tx1"/>
-              </a:solidFill>
-            </a:ln>
-          </p:spPr>
-          <p:style>
-            <a:lnRef idx="2">
-              <a:schemeClr val="accent1">
-                <a:shade val="50000"/>
-              </a:schemeClr>
-            </a:lnRef>
-            <a:fillRef idx="1">
-              <a:schemeClr val="accent1"/>
-            </a:fillRef>
-            <a:effectRef idx="0">
-              <a:schemeClr val="accent1"/>
-            </a:effectRef>
-            <a:fontRef idx="minor">
-              <a:schemeClr val="lt1"/>
-            </a:fontRef>
-          </p:style>
-          <p:txBody>
-            <a:bodyPr rtlCol="0" anchor="ctr"/>
-            <a:lstStyle/>
-            <a:p>
-              <a:pPr algn="ctr"/>
-              <a:endParaRPr lang="en-US"/>
-            </a:p>
-          </p:txBody>
-        </p:sp>
-        <p:sp>
-          <p:nvSpPr>
-            <p:cNvPr id="18" name="TextBox 17">
-              <a:extLst>
-                <a:ext uri="{FF2B5EF4-FFF2-40B4-BE49-F238E27FC236}">
-                  <a16:creationId xmlns:a16="http://schemas.microsoft.com/office/drawing/2014/main" id="{AF0DAF4B-DD37-B442-941F-C470F202CB73}"/>
-                </a:ext>
-              </a:extLst>
-            </p:cNvPr>
-            <p:cNvSpPr txBox="1"/>
-            <p:nvPr/>
-          </p:nvSpPr>
-          <p:spPr>
-            <a:xfrm>
-              <a:off x="1892190" y="3342258"/>
-              <a:ext cx="1250663" cy="246221"/>
-            </a:xfrm>
-            <a:prstGeom prst="rect">
-              <a:avLst/>
-            </a:prstGeom>
-            <a:noFill/>
-          </p:spPr>
-          <p:txBody>
-            <a:bodyPr wrap="square" rtlCol="0">
-              <a:spAutoFit/>
-            </a:bodyPr>
-            <a:lstStyle/>
-            <a:p>
-              <a:r>
-                <a:rPr lang="en-US" sz="1000" dirty="0"/>
-                <a:t>Dead organic matter</a:t>
-              </a:r>
-            </a:p>
-          </p:txBody>
-        </p:sp>
-      </p:grpSp>
       <p:cxnSp>
         <p:nvCxnSpPr>
           <p:cNvPr id="37" name="Straight Connector 36">
@@ -3087,15 +2977,15 @@
           </p:cNvPr>
           <p:cNvCxnSpPr>
             <a:cxnSpLocks/>
-            <a:stCxn id="60" idx="3"/>
-            <a:endCxn id="18" idx="1"/>
+            <a:stCxn id="330" idx="3"/>
+            <a:endCxn id="302" idx="1"/>
           </p:cNvCxnSpPr>
           <p:nvPr/>
         </p:nvCxnSpPr>
         <p:spPr>
           <a:xfrm>
-            <a:off x="1483153" y="3193214"/>
-            <a:ext cx="93662" cy="457719"/>
+            <a:off x="1441780" y="2805438"/>
+            <a:ext cx="184211" cy="1208507"/>
           </a:xfrm>
           <a:prstGeom prst="line">
             <a:avLst/>
@@ -3127,15 +3017,15 @@
           </p:cNvPr>
           <p:cNvCxnSpPr>
             <a:cxnSpLocks/>
-            <a:stCxn id="60" idx="3"/>
-            <a:endCxn id="45" idx="1"/>
+            <a:stCxn id="330" idx="3"/>
+            <a:endCxn id="260" idx="1"/>
           </p:cNvCxnSpPr>
           <p:nvPr/>
         </p:nvCxnSpPr>
         <p:spPr>
           <a:xfrm flipV="1">
-            <a:off x="1483153" y="1607251"/>
-            <a:ext cx="93662" cy="1585963"/>
+            <a:off x="1441780" y="1380026"/>
+            <a:ext cx="184211" cy="1425412"/>
           </a:xfrm>
           <a:prstGeom prst="line">
             <a:avLst/>
@@ -3167,15 +3057,15 @@
           </p:cNvPr>
           <p:cNvCxnSpPr>
             <a:cxnSpLocks/>
-            <a:stCxn id="60" idx="3"/>
-            <a:endCxn id="56" idx="1"/>
+            <a:stCxn id="330" idx="3"/>
+            <a:endCxn id="309" idx="1"/>
           </p:cNvCxnSpPr>
           <p:nvPr/>
         </p:nvCxnSpPr>
         <p:spPr>
           <a:xfrm>
-            <a:off x="1483153" y="3193214"/>
-            <a:ext cx="93662" cy="2021600"/>
+            <a:off x="1441780" y="2805438"/>
+            <a:ext cx="184211" cy="2865353"/>
           </a:xfrm>
           <a:prstGeom prst="line">
             <a:avLst/>
@@ -3196,336 +3086,6 @@
           </a:fontRef>
         </p:style>
       </p:cxnSp>
-      <p:grpSp>
-        <p:nvGrpSpPr>
-          <p:cNvPr id="70" name="Group 69">
-            <a:extLst>
-              <a:ext uri="{FF2B5EF4-FFF2-40B4-BE49-F238E27FC236}">
-                <a16:creationId xmlns:a16="http://schemas.microsoft.com/office/drawing/2014/main" id="{AF67380A-F9BA-184C-8E77-A8C31C9773C8}"/>
-              </a:ext>
-            </a:extLst>
-          </p:cNvPr>
-          <p:cNvGrpSpPr/>
-          <p:nvPr/>
-        </p:nvGrpSpPr>
-        <p:grpSpPr>
-          <a:xfrm>
-            <a:off x="1576815" y="5091703"/>
-            <a:ext cx="1163782" cy="246221"/>
-            <a:chOff x="1931182" y="4887848"/>
-            <a:chExt cx="1163782" cy="246221"/>
-          </a:xfrm>
-        </p:grpSpPr>
-        <p:sp>
-          <p:nvSpPr>
-            <p:cNvPr id="56" name="Rectangle 55">
-              <a:extLst>
-                <a:ext uri="{FF2B5EF4-FFF2-40B4-BE49-F238E27FC236}">
-                  <a16:creationId xmlns:a16="http://schemas.microsoft.com/office/drawing/2014/main" id="{5B7E337A-D4DC-0148-AA36-80A6FCA9450A}"/>
-                </a:ext>
-              </a:extLst>
-            </p:cNvPr>
-            <p:cNvSpPr/>
-            <p:nvPr/>
-          </p:nvSpPr>
-          <p:spPr>
-            <a:xfrm>
-              <a:off x="1931182" y="4887848"/>
-              <a:ext cx="1163782" cy="246221"/>
-            </a:xfrm>
-            <a:prstGeom prst="rect">
-              <a:avLst/>
-            </a:prstGeom>
-            <a:solidFill>
-              <a:srgbClr val="BEA884"/>
-            </a:solidFill>
-            <a:ln>
-              <a:solidFill>
-                <a:schemeClr val="tx1"/>
-              </a:solidFill>
-            </a:ln>
-          </p:spPr>
-          <p:style>
-            <a:lnRef idx="2">
-              <a:schemeClr val="accent1">
-                <a:shade val="50000"/>
-              </a:schemeClr>
-            </a:lnRef>
-            <a:fillRef idx="1">
-              <a:schemeClr val="accent1"/>
-            </a:fillRef>
-            <a:effectRef idx="0">
-              <a:schemeClr val="accent1"/>
-            </a:effectRef>
-            <a:fontRef idx="minor">
-              <a:schemeClr val="lt1"/>
-            </a:fontRef>
-          </p:style>
-          <p:txBody>
-            <a:bodyPr rtlCol="0" anchor="ctr"/>
-            <a:lstStyle/>
-            <a:p>
-              <a:pPr algn="ctr"/>
-              <a:endParaRPr lang="en-US"/>
-            </a:p>
-          </p:txBody>
-        </p:sp>
-        <p:sp>
-          <p:nvSpPr>
-            <p:cNvPr id="58" name="TextBox 57">
-              <a:extLst>
-                <a:ext uri="{FF2B5EF4-FFF2-40B4-BE49-F238E27FC236}">
-                  <a16:creationId xmlns:a16="http://schemas.microsoft.com/office/drawing/2014/main" id="{12E70370-9B9A-B046-A477-271F6841567C}"/>
-                </a:ext>
-              </a:extLst>
-            </p:cNvPr>
-            <p:cNvSpPr txBox="1"/>
-            <p:nvPr/>
-          </p:nvSpPr>
-          <p:spPr>
-            <a:xfrm>
-              <a:off x="2303721" y="4887848"/>
-              <a:ext cx="418704" cy="246221"/>
-            </a:xfrm>
-            <a:prstGeom prst="rect">
-              <a:avLst/>
-            </a:prstGeom>
-            <a:noFill/>
-          </p:spPr>
-          <p:txBody>
-            <a:bodyPr wrap="none" rtlCol="0">
-              <a:spAutoFit/>
-            </a:bodyPr>
-            <a:lstStyle/>
-            <a:p>
-              <a:r>
-                <a:rPr lang="en-US" sz="1000" dirty="0"/>
-                <a:t>Soils</a:t>
-              </a:r>
-            </a:p>
-          </p:txBody>
-        </p:sp>
-      </p:grpSp>
-      <p:grpSp>
-        <p:nvGrpSpPr>
-          <p:cNvPr id="78" name="Group 77">
-            <a:extLst>
-              <a:ext uri="{FF2B5EF4-FFF2-40B4-BE49-F238E27FC236}">
-                <a16:creationId xmlns:a16="http://schemas.microsoft.com/office/drawing/2014/main" id="{9FFDD90A-D8CE-0D4B-9A46-AFA2FE0FE472}"/>
-              </a:ext>
-            </a:extLst>
-          </p:cNvPr>
-          <p:cNvGrpSpPr/>
-          <p:nvPr/>
-        </p:nvGrpSpPr>
-        <p:grpSpPr>
-          <a:xfrm>
-            <a:off x="3178380" y="1771396"/>
-            <a:ext cx="1501447" cy="493776"/>
-            <a:chOff x="1637285" y="1400841"/>
-            <a:chExt cx="1501447" cy="493776"/>
-          </a:xfrm>
-        </p:grpSpPr>
-        <p:grpSp>
-          <p:nvGrpSpPr>
-            <p:cNvPr id="79" name="Group 78">
-              <a:extLst>
-                <a:ext uri="{FF2B5EF4-FFF2-40B4-BE49-F238E27FC236}">
-                  <a16:creationId xmlns:a16="http://schemas.microsoft.com/office/drawing/2014/main" id="{B0C8E18C-79BC-114A-895C-2CF148D15DF7}"/>
-                </a:ext>
-              </a:extLst>
-            </p:cNvPr>
-            <p:cNvGrpSpPr/>
-            <p:nvPr/>
-          </p:nvGrpSpPr>
-          <p:grpSpPr>
-            <a:xfrm>
-              <a:off x="1637285" y="1400841"/>
-              <a:ext cx="1345240" cy="493776"/>
-              <a:chOff x="255672" y="1455518"/>
-              <a:chExt cx="1345240" cy="493776"/>
-            </a:xfrm>
-          </p:grpSpPr>
-          <p:sp>
-            <p:nvSpPr>
-              <p:cNvPr id="82" name="Rectangle 81">
-                <a:extLst>
-                  <a:ext uri="{FF2B5EF4-FFF2-40B4-BE49-F238E27FC236}">
-                    <a16:creationId xmlns:a16="http://schemas.microsoft.com/office/drawing/2014/main" id="{5C6D32B8-C0C2-7148-96D3-E690E230457E}"/>
-                  </a:ext>
-                </a:extLst>
-              </p:cNvPr>
-              <p:cNvSpPr/>
-              <p:nvPr/>
-            </p:nvSpPr>
-            <p:spPr>
-              <a:xfrm>
-                <a:off x="255672" y="1455518"/>
-                <a:ext cx="1345240" cy="493776"/>
-              </a:xfrm>
-              <a:prstGeom prst="rect">
-                <a:avLst/>
-              </a:prstGeom>
-              <a:solidFill>
-                <a:srgbClr val="A3C3CF"/>
-              </a:solidFill>
-              <a:ln>
-                <a:solidFill>
-                  <a:schemeClr val="tx1"/>
-                </a:solidFill>
-              </a:ln>
-            </p:spPr>
-            <p:style>
-              <a:lnRef idx="2">
-                <a:schemeClr val="accent1">
-                  <a:shade val="50000"/>
-                </a:schemeClr>
-              </a:lnRef>
-              <a:fillRef idx="1">
-                <a:schemeClr val="accent1"/>
-              </a:fillRef>
-              <a:effectRef idx="0">
-                <a:schemeClr val="accent1"/>
-              </a:effectRef>
-              <a:fontRef idx="minor">
-                <a:schemeClr val="lt1"/>
-              </a:fontRef>
-            </p:style>
-            <p:txBody>
-              <a:bodyPr rtlCol="0" anchor="ctr"/>
-              <a:lstStyle/>
-              <a:p>
-                <a:pPr algn="ctr"/>
-                <a:endParaRPr lang="en-US"/>
-              </a:p>
-            </p:txBody>
-          </p:sp>
-          <p:sp>
-            <p:nvSpPr>
-              <p:cNvPr id="83" name="Rectangle 82">
-                <a:extLst>
-                  <a:ext uri="{FF2B5EF4-FFF2-40B4-BE49-F238E27FC236}">
-                    <a16:creationId xmlns:a16="http://schemas.microsoft.com/office/drawing/2014/main" id="{24EF3E10-DA4E-3C4A-9012-296A06965446}"/>
-                  </a:ext>
-                </a:extLst>
-              </p:cNvPr>
-              <p:cNvSpPr/>
-              <p:nvPr/>
-            </p:nvSpPr>
-            <p:spPr>
-              <a:xfrm>
-                <a:off x="255672" y="1700515"/>
-                <a:ext cx="1345240" cy="246221"/>
-              </a:xfrm>
-              <a:prstGeom prst="rect">
-                <a:avLst/>
-              </a:prstGeom>
-              <a:solidFill>
-                <a:schemeClr val="bg1"/>
-              </a:solidFill>
-              <a:ln>
-                <a:solidFill>
-                  <a:schemeClr val="tx1"/>
-                </a:solidFill>
-              </a:ln>
-            </p:spPr>
-            <p:style>
-              <a:lnRef idx="2">
-                <a:schemeClr val="accent1">
-                  <a:shade val="50000"/>
-                </a:schemeClr>
-              </a:lnRef>
-              <a:fillRef idx="1">
-                <a:schemeClr val="accent1"/>
-              </a:fillRef>
-              <a:effectRef idx="0">
-                <a:schemeClr val="accent1"/>
-              </a:effectRef>
-              <a:fontRef idx="minor">
-                <a:schemeClr val="lt1"/>
-              </a:fontRef>
-            </p:style>
-            <p:txBody>
-              <a:bodyPr rtlCol="0" anchor="ctr"/>
-              <a:lstStyle/>
-              <a:p>
-                <a:pPr algn="ctr"/>
-                <a:endParaRPr lang="en-US"/>
-              </a:p>
-            </p:txBody>
-          </p:sp>
-        </p:grpSp>
-        <p:sp>
-          <p:nvSpPr>
-            <p:cNvPr id="80" name="TextBox 79">
-              <a:extLst>
-                <a:ext uri="{FF2B5EF4-FFF2-40B4-BE49-F238E27FC236}">
-                  <a16:creationId xmlns:a16="http://schemas.microsoft.com/office/drawing/2014/main" id="{37E52901-1EFD-FF4F-A5CB-4AE567028AFF}"/>
-                </a:ext>
-              </a:extLst>
-            </p:cNvPr>
-            <p:cNvSpPr txBox="1"/>
-            <p:nvPr/>
-          </p:nvSpPr>
-          <p:spPr>
-            <a:xfrm>
-              <a:off x="1644615" y="1417896"/>
-              <a:ext cx="1494117" cy="246221"/>
-            </a:xfrm>
-            <a:prstGeom prst="rect">
-              <a:avLst/>
-            </a:prstGeom>
-            <a:noFill/>
-          </p:spPr>
-          <p:txBody>
-            <a:bodyPr wrap="square" rtlCol="0">
-              <a:spAutoFit/>
-            </a:bodyPr>
-            <a:lstStyle/>
-            <a:p>
-              <a:r>
-                <a:rPr lang="en-US" sz="1000" dirty="0"/>
-                <a:t>Belowground biomass</a:t>
-              </a:r>
-            </a:p>
-          </p:txBody>
-        </p:sp>
-        <p:sp>
-          <p:nvSpPr>
-            <p:cNvPr id="81" name="TextBox 80">
-              <a:extLst>
-                <a:ext uri="{FF2B5EF4-FFF2-40B4-BE49-F238E27FC236}">
-                  <a16:creationId xmlns:a16="http://schemas.microsoft.com/office/drawing/2014/main" id="{846ADAFB-4DD0-2947-9026-7EFE7D30DA52}"/>
-                </a:ext>
-              </a:extLst>
-            </p:cNvPr>
-            <p:cNvSpPr txBox="1"/>
-            <p:nvPr/>
-          </p:nvSpPr>
-          <p:spPr>
-            <a:xfrm>
-              <a:off x="1850039" y="1645838"/>
-              <a:ext cx="893193" cy="246221"/>
-            </a:xfrm>
-            <a:prstGeom prst="rect">
-              <a:avLst/>
-            </a:prstGeom>
-            <a:noFill/>
-          </p:spPr>
-          <p:txBody>
-            <a:bodyPr wrap="none" rtlCol="0">
-              <a:spAutoFit/>
-            </a:bodyPr>
-            <a:lstStyle/>
-            <a:p>
-              <a:r>
-                <a:rPr lang="en-US" sz="1000" i="1" dirty="0"/>
-                <a:t>biomass_root</a:t>
-              </a:r>
-            </a:p>
-          </p:txBody>
-        </p:sp>
-      </p:grpSp>
       <p:cxnSp>
         <p:nvCxnSpPr>
           <p:cNvPr id="84" name="Straight Connector 83">
@@ -3537,15 +3097,15 @@
           </p:cNvPr>
           <p:cNvCxnSpPr>
             <a:cxnSpLocks/>
-            <a:stCxn id="45" idx="3"/>
-            <a:endCxn id="74" idx="1"/>
+            <a:stCxn id="260" idx="3"/>
+            <a:endCxn id="251" idx="1"/>
           </p:cNvCxnSpPr>
           <p:nvPr/>
         </p:nvCxnSpPr>
         <p:spPr>
           <a:xfrm flipV="1">
-            <a:off x="2740597" y="535773"/>
-            <a:ext cx="437783" cy="1071478"/>
+            <a:off x="2971231" y="195822"/>
+            <a:ext cx="176461" cy="1184204"/>
           </a:xfrm>
           <a:prstGeom prst="line">
             <a:avLst/>
@@ -3577,14 +3137,15 @@
           </p:cNvPr>
           <p:cNvCxnSpPr>
             <a:cxnSpLocks/>
-            <a:stCxn id="80" idx="1"/>
+            <a:stCxn id="295" idx="1"/>
+            <a:endCxn id="260" idx="3"/>
           </p:cNvCxnSpPr>
           <p:nvPr/>
         </p:nvCxnSpPr>
         <p:spPr>
           <a:xfrm flipH="1" flipV="1">
-            <a:off x="2751882" y="1597730"/>
-            <a:ext cx="433828" cy="313832"/>
+            <a:off x="2971231" y="1380026"/>
+            <a:ext cx="176461" cy="188971"/>
           </a:xfrm>
           <a:prstGeom prst="line">
             <a:avLst/>
@@ -3605,228 +3166,6 @@
           </a:fontRef>
         </p:style>
       </p:cxnSp>
-      <p:grpSp>
-        <p:nvGrpSpPr>
-          <p:cNvPr id="91" name="Group 90">
-            <a:extLst>
-              <a:ext uri="{FF2B5EF4-FFF2-40B4-BE49-F238E27FC236}">
-                <a16:creationId xmlns:a16="http://schemas.microsoft.com/office/drawing/2014/main" id="{86FCCA86-EB06-084B-AD79-81AAC0ACDCF8}"/>
-              </a:ext>
-            </a:extLst>
-          </p:cNvPr>
-          <p:cNvGrpSpPr/>
-          <p:nvPr/>
-        </p:nvGrpSpPr>
-        <p:grpSpPr>
-          <a:xfrm>
-            <a:off x="3178380" y="3151206"/>
-            <a:ext cx="1345240" cy="493776"/>
-            <a:chOff x="1637285" y="1400841"/>
-            <a:chExt cx="1345240" cy="493776"/>
-          </a:xfrm>
-        </p:grpSpPr>
-        <p:grpSp>
-          <p:nvGrpSpPr>
-            <p:cNvPr id="92" name="Group 91">
-              <a:extLst>
-                <a:ext uri="{FF2B5EF4-FFF2-40B4-BE49-F238E27FC236}">
-                  <a16:creationId xmlns:a16="http://schemas.microsoft.com/office/drawing/2014/main" id="{C01E76F7-84F3-2841-BE15-341ACDAAADBF}"/>
-                </a:ext>
-              </a:extLst>
-            </p:cNvPr>
-            <p:cNvGrpSpPr/>
-            <p:nvPr/>
-          </p:nvGrpSpPr>
-          <p:grpSpPr>
-            <a:xfrm>
-              <a:off x="1637285" y="1400841"/>
-              <a:ext cx="1345240" cy="493776"/>
-              <a:chOff x="255672" y="1455518"/>
-              <a:chExt cx="1345240" cy="493776"/>
-            </a:xfrm>
-          </p:grpSpPr>
-          <p:sp>
-            <p:nvSpPr>
-              <p:cNvPr id="95" name="Rectangle 94">
-                <a:extLst>
-                  <a:ext uri="{FF2B5EF4-FFF2-40B4-BE49-F238E27FC236}">
-                    <a16:creationId xmlns:a16="http://schemas.microsoft.com/office/drawing/2014/main" id="{E259EAB5-8D1B-BA4F-800C-57670415C545}"/>
-                  </a:ext>
-                </a:extLst>
-              </p:cNvPr>
-              <p:cNvSpPr/>
-              <p:nvPr/>
-            </p:nvSpPr>
-            <p:spPr>
-              <a:xfrm>
-                <a:off x="255672" y="1455518"/>
-                <a:ext cx="1345240" cy="493776"/>
-              </a:xfrm>
-              <a:prstGeom prst="rect">
-                <a:avLst/>
-              </a:prstGeom>
-              <a:solidFill>
-                <a:schemeClr val="bg2">
-                  <a:lumMod val="90000"/>
-                </a:schemeClr>
-              </a:solidFill>
-              <a:ln>
-                <a:solidFill>
-                  <a:schemeClr val="tx1"/>
-                </a:solidFill>
-              </a:ln>
-            </p:spPr>
-            <p:style>
-              <a:lnRef idx="2">
-                <a:schemeClr val="accent1">
-                  <a:shade val="50000"/>
-                </a:schemeClr>
-              </a:lnRef>
-              <a:fillRef idx="1">
-                <a:schemeClr val="accent1"/>
-              </a:fillRef>
-              <a:effectRef idx="0">
-                <a:schemeClr val="accent1"/>
-              </a:effectRef>
-              <a:fontRef idx="minor">
-                <a:schemeClr val="lt1"/>
-              </a:fontRef>
-            </p:style>
-            <p:txBody>
-              <a:bodyPr rtlCol="0" anchor="ctr"/>
-              <a:lstStyle/>
-              <a:p>
-                <a:pPr algn="ctr"/>
-                <a:endParaRPr lang="en-US"/>
-              </a:p>
-            </p:txBody>
-          </p:sp>
-          <p:sp>
-            <p:nvSpPr>
-              <p:cNvPr id="96" name="Rectangle 95">
-                <a:extLst>
-                  <a:ext uri="{FF2B5EF4-FFF2-40B4-BE49-F238E27FC236}">
-                    <a16:creationId xmlns:a16="http://schemas.microsoft.com/office/drawing/2014/main" id="{8437C123-8B6E-A64C-A175-93E9F6306DF6}"/>
-                  </a:ext>
-                </a:extLst>
-              </p:cNvPr>
-              <p:cNvSpPr/>
-              <p:nvPr/>
-            </p:nvSpPr>
-            <p:spPr>
-              <a:xfrm>
-                <a:off x="255672" y="1700515"/>
-                <a:ext cx="1345240" cy="246221"/>
-              </a:xfrm>
-              <a:prstGeom prst="rect">
-                <a:avLst/>
-              </a:prstGeom>
-              <a:solidFill>
-                <a:schemeClr val="bg1"/>
-              </a:solidFill>
-              <a:ln>
-                <a:solidFill>
-                  <a:schemeClr val="tx1"/>
-                </a:solidFill>
-              </a:ln>
-            </p:spPr>
-            <p:style>
-              <a:lnRef idx="2">
-                <a:schemeClr val="accent1">
-                  <a:shade val="50000"/>
-                </a:schemeClr>
-              </a:lnRef>
-              <a:fillRef idx="1">
-                <a:schemeClr val="accent1"/>
-              </a:fillRef>
-              <a:effectRef idx="0">
-                <a:schemeClr val="accent1"/>
-              </a:effectRef>
-              <a:fontRef idx="minor">
-                <a:schemeClr val="lt1"/>
-              </a:fontRef>
-            </p:style>
-            <p:txBody>
-              <a:bodyPr rtlCol="0" anchor="ctr"/>
-              <a:lstStyle/>
-              <a:p>
-                <a:pPr algn="ctr"/>
-                <a:endParaRPr lang="en-US"/>
-              </a:p>
-            </p:txBody>
-          </p:sp>
-        </p:grpSp>
-        <p:sp>
-          <p:nvSpPr>
-            <p:cNvPr id="93" name="TextBox 92">
-              <a:extLst>
-                <a:ext uri="{FF2B5EF4-FFF2-40B4-BE49-F238E27FC236}">
-                  <a16:creationId xmlns:a16="http://schemas.microsoft.com/office/drawing/2014/main" id="{DC81AF53-C738-EF4C-AB44-1FDFCD488CD3}"/>
-                </a:ext>
-              </a:extLst>
-            </p:cNvPr>
-            <p:cNvSpPr txBox="1"/>
-            <p:nvPr/>
-          </p:nvSpPr>
-          <p:spPr>
-            <a:xfrm>
-              <a:off x="1881521" y="1406805"/>
-              <a:ext cx="777777" cy="246221"/>
-            </a:xfrm>
-            <a:prstGeom prst="rect">
-              <a:avLst/>
-            </a:prstGeom>
-            <a:noFill/>
-          </p:spPr>
-          <p:txBody>
-            <a:bodyPr wrap="none" rtlCol="0">
-              <a:spAutoFit/>
-            </a:bodyPr>
-            <a:lstStyle/>
-            <a:p>
-              <a:r>
-                <a:rPr lang="en-US" sz="1000" dirty="0"/>
-                <a:t>Dead wood</a:t>
-              </a:r>
-            </a:p>
-          </p:txBody>
-        </p:sp>
-        <p:sp>
-          <p:nvSpPr>
-            <p:cNvPr id="94" name="TextBox 93">
-              <a:extLst>
-                <a:ext uri="{FF2B5EF4-FFF2-40B4-BE49-F238E27FC236}">
-                  <a16:creationId xmlns:a16="http://schemas.microsoft.com/office/drawing/2014/main" id="{49516EBB-3939-E449-943B-F23A77DF4BA6}"/>
-                </a:ext>
-              </a:extLst>
-            </p:cNvPr>
-            <p:cNvSpPr txBox="1"/>
-            <p:nvPr/>
-          </p:nvSpPr>
-          <p:spPr>
-            <a:xfrm>
-              <a:off x="1904764" y="1645838"/>
-              <a:ext cx="731290" cy="246221"/>
-            </a:xfrm>
-            <a:prstGeom prst="rect">
-              <a:avLst/>
-            </a:prstGeom>
-            <a:noFill/>
-          </p:spPr>
-          <p:txBody>
-            <a:bodyPr wrap="none" rtlCol="0">
-              <a:spAutoFit/>
-            </a:bodyPr>
-            <a:lstStyle/>
-            <a:p>
-              <a:r>
-                <a:rPr lang="en-US" sz="1000" i="1" dirty="0"/>
-                <a:t>deadwood</a:t>
-              </a:r>
-            </a:p>
-          </p:txBody>
-        </p:sp>
-      </p:grpSp>
       <p:cxnSp>
         <p:nvCxnSpPr>
           <p:cNvPr id="97" name="Straight Connector 96">
@@ -3838,15 +3177,15 @@
           </p:cNvPr>
           <p:cNvCxnSpPr>
             <a:cxnSpLocks/>
-            <a:stCxn id="52" idx="3"/>
-            <a:endCxn id="95" idx="1"/>
+            <a:stCxn id="302" idx="3"/>
+            <a:endCxn id="276" idx="1"/>
           </p:cNvCxnSpPr>
           <p:nvPr/>
         </p:nvCxnSpPr>
         <p:spPr>
           <a:xfrm flipV="1">
-            <a:off x="2795137" y="3398094"/>
-            <a:ext cx="383243" cy="235828"/>
+            <a:off x="2971231" y="2938128"/>
+            <a:ext cx="176461" cy="1075817"/>
           </a:xfrm>
           <a:prstGeom prst="line">
             <a:avLst/>
@@ -3867,226 +3206,6 @@
           </a:fontRef>
         </p:style>
       </p:cxnSp>
-      <p:grpSp>
-        <p:nvGrpSpPr>
-          <p:cNvPr id="105" name="Group 104">
-            <a:extLst>
-              <a:ext uri="{FF2B5EF4-FFF2-40B4-BE49-F238E27FC236}">
-                <a16:creationId xmlns:a16="http://schemas.microsoft.com/office/drawing/2014/main" id="{B6B1037A-BDFC-0E4F-A2C4-0114BE1448A6}"/>
-              </a:ext>
-            </a:extLst>
-          </p:cNvPr>
-          <p:cNvGrpSpPr/>
-          <p:nvPr/>
-        </p:nvGrpSpPr>
-        <p:grpSpPr>
-          <a:xfrm>
-            <a:off x="3178380" y="5091036"/>
-            <a:ext cx="1345240" cy="493776"/>
-            <a:chOff x="1776746" y="1400841"/>
-            <a:chExt cx="1345240" cy="493776"/>
-          </a:xfrm>
-        </p:grpSpPr>
-        <p:grpSp>
-          <p:nvGrpSpPr>
-            <p:cNvPr id="106" name="Group 105">
-              <a:extLst>
-                <a:ext uri="{FF2B5EF4-FFF2-40B4-BE49-F238E27FC236}">
-                  <a16:creationId xmlns:a16="http://schemas.microsoft.com/office/drawing/2014/main" id="{36803BD9-1CA0-BC48-9161-3D7411F2F046}"/>
-                </a:ext>
-              </a:extLst>
-            </p:cNvPr>
-            <p:cNvGrpSpPr/>
-            <p:nvPr/>
-          </p:nvGrpSpPr>
-          <p:grpSpPr>
-            <a:xfrm>
-              <a:off x="1776746" y="1400841"/>
-              <a:ext cx="1345240" cy="493776"/>
-              <a:chOff x="395133" y="1455518"/>
-              <a:chExt cx="1345240" cy="493776"/>
-            </a:xfrm>
-          </p:grpSpPr>
-          <p:sp>
-            <p:nvSpPr>
-              <p:cNvPr id="109" name="Rectangle 108">
-                <a:extLst>
-                  <a:ext uri="{FF2B5EF4-FFF2-40B4-BE49-F238E27FC236}">
-                    <a16:creationId xmlns:a16="http://schemas.microsoft.com/office/drawing/2014/main" id="{99D11E0C-E3CE-B84B-A39D-D97ED2EA1E66}"/>
-                  </a:ext>
-                </a:extLst>
-              </p:cNvPr>
-              <p:cNvSpPr/>
-              <p:nvPr/>
-            </p:nvSpPr>
-            <p:spPr>
-              <a:xfrm>
-                <a:off x="395133" y="1455518"/>
-                <a:ext cx="1345240" cy="493776"/>
-              </a:xfrm>
-              <a:prstGeom prst="rect">
-                <a:avLst/>
-              </a:prstGeom>
-              <a:solidFill>
-                <a:srgbClr val="BEA884"/>
-              </a:solidFill>
-              <a:ln>
-                <a:solidFill>
-                  <a:schemeClr val="tx1"/>
-                </a:solidFill>
-              </a:ln>
-            </p:spPr>
-            <p:style>
-              <a:lnRef idx="2">
-                <a:schemeClr val="accent1">
-                  <a:shade val="50000"/>
-                </a:schemeClr>
-              </a:lnRef>
-              <a:fillRef idx="1">
-                <a:schemeClr val="accent1"/>
-              </a:fillRef>
-              <a:effectRef idx="0">
-                <a:schemeClr val="accent1"/>
-              </a:effectRef>
-              <a:fontRef idx="minor">
-                <a:schemeClr val="lt1"/>
-              </a:fontRef>
-            </p:style>
-            <p:txBody>
-              <a:bodyPr rtlCol="0" anchor="ctr"/>
-              <a:lstStyle/>
-              <a:p>
-                <a:pPr algn="ctr"/>
-                <a:endParaRPr lang="en-US"/>
-              </a:p>
-            </p:txBody>
-          </p:sp>
-          <p:sp>
-            <p:nvSpPr>
-              <p:cNvPr id="110" name="Rectangle 109">
-                <a:extLst>
-                  <a:ext uri="{FF2B5EF4-FFF2-40B4-BE49-F238E27FC236}">
-                    <a16:creationId xmlns:a16="http://schemas.microsoft.com/office/drawing/2014/main" id="{2C70BA0C-AECE-8C43-9703-236001A8CB38}"/>
-                  </a:ext>
-                </a:extLst>
-              </p:cNvPr>
-              <p:cNvSpPr/>
-              <p:nvPr/>
-            </p:nvSpPr>
-            <p:spPr>
-              <a:xfrm>
-                <a:off x="395133" y="1700515"/>
-                <a:ext cx="1345240" cy="246221"/>
-              </a:xfrm>
-              <a:prstGeom prst="rect">
-                <a:avLst/>
-              </a:prstGeom>
-              <a:solidFill>
-                <a:schemeClr val="bg1"/>
-              </a:solidFill>
-              <a:ln>
-                <a:solidFill>
-                  <a:schemeClr val="tx1"/>
-                </a:solidFill>
-              </a:ln>
-            </p:spPr>
-            <p:style>
-              <a:lnRef idx="2">
-                <a:schemeClr val="accent1">
-                  <a:shade val="50000"/>
-                </a:schemeClr>
-              </a:lnRef>
-              <a:fillRef idx="1">
-                <a:schemeClr val="accent1"/>
-              </a:fillRef>
-              <a:effectRef idx="0">
-                <a:schemeClr val="accent1"/>
-              </a:effectRef>
-              <a:fontRef idx="minor">
-                <a:schemeClr val="lt1"/>
-              </a:fontRef>
-            </p:style>
-            <p:txBody>
-              <a:bodyPr rtlCol="0" anchor="ctr"/>
-              <a:lstStyle/>
-              <a:p>
-                <a:pPr algn="ctr"/>
-                <a:endParaRPr lang="en-US"/>
-              </a:p>
-            </p:txBody>
-          </p:sp>
-        </p:grpSp>
-        <p:sp>
-          <p:nvSpPr>
-            <p:cNvPr id="107" name="TextBox 106">
-              <a:extLst>
-                <a:ext uri="{FF2B5EF4-FFF2-40B4-BE49-F238E27FC236}">
-                  <a16:creationId xmlns:a16="http://schemas.microsoft.com/office/drawing/2014/main" id="{366AB5AE-E25C-7540-ABF7-D61F1BD8DB43}"/>
-                </a:ext>
-              </a:extLst>
-            </p:cNvPr>
-            <p:cNvSpPr txBox="1"/>
-            <p:nvPr/>
-          </p:nvSpPr>
-          <p:spPr>
-            <a:xfrm>
-              <a:off x="1857698" y="1406805"/>
-              <a:ext cx="1183337" cy="246221"/>
-            </a:xfrm>
-            <a:prstGeom prst="rect">
-              <a:avLst/>
-            </a:prstGeom>
-            <a:noFill/>
-          </p:spPr>
-          <p:txBody>
-            <a:bodyPr wrap="none" rtlCol="0">
-              <a:spAutoFit/>
-            </a:bodyPr>
-            <a:lstStyle/>
-            <a:p>
-              <a:r>
-                <a:rPr lang="en-US" sz="1000" dirty="0"/>
-                <a:t>Soil organic matter</a:t>
-              </a:r>
-            </a:p>
-          </p:txBody>
-        </p:sp>
-        <p:sp>
-          <p:nvSpPr>
-            <p:cNvPr id="108" name="TextBox 107">
-              <a:extLst>
-                <a:ext uri="{FF2B5EF4-FFF2-40B4-BE49-F238E27FC236}">
-                  <a16:creationId xmlns:a16="http://schemas.microsoft.com/office/drawing/2014/main" id="{CF1BFA3B-EACD-ED4A-AF47-76ADB30A6193}"/>
-                </a:ext>
-              </a:extLst>
-            </p:cNvPr>
-            <p:cNvSpPr txBox="1"/>
-            <p:nvPr/>
-          </p:nvSpPr>
-          <p:spPr>
-            <a:xfrm>
-              <a:off x="2097347" y="1645838"/>
-              <a:ext cx="704039" cy="246221"/>
-            </a:xfrm>
-            <a:prstGeom prst="rect">
-              <a:avLst/>
-            </a:prstGeom>
-            <a:noFill/>
-          </p:spPr>
-          <p:txBody>
-            <a:bodyPr wrap="none" rtlCol="0">
-              <a:spAutoFit/>
-            </a:bodyPr>
-            <a:lstStyle/>
-            <a:p>
-              <a:r>
-                <a:rPr lang="en-US" sz="1000" i="1" dirty="0"/>
-                <a:t>SOM, SOC</a:t>
-              </a:r>
-            </a:p>
-          </p:txBody>
-        </p:sp>
-      </p:grpSp>
       <p:cxnSp>
         <p:nvCxnSpPr>
           <p:cNvPr id="111" name="Straight Connector 110">
@@ -4098,15 +3217,15 @@
           </p:cNvPr>
           <p:cNvCxnSpPr>
             <a:cxnSpLocks/>
-            <a:stCxn id="52" idx="3"/>
-            <a:endCxn id="118" idx="1"/>
+            <a:stCxn id="302" idx="3"/>
+            <a:endCxn id="339" idx="1"/>
           </p:cNvCxnSpPr>
           <p:nvPr/>
         </p:nvCxnSpPr>
         <p:spPr>
           <a:xfrm>
-            <a:off x="2795137" y="3633922"/>
-            <a:ext cx="383243" cy="1013289"/>
+            <a:off x="2971231" y="4013945"/>
+            <a:ext cx="176461" cy="284106"/>
           </a:xfrm>
           <a:prstGeom prst="line">
             <a:avLst/>
@@ -4127,226 +3246,6 @@
           </a:fontRef>
         </p:style>
       </p:cxnSp>
-      <p:grpSp>
-        <p:nvGrpSpPr>
-          <p:cNvPr id="114" name="Group 113">
-            <a:extLst>
-              <a:ext uri="{FF2B5EF4-FFF2-40B4-BE49-F238E27FC236}">
-                <a16:creationId xmlns:a16="http://schemas.microsoft.com/office/drawing/2014/main" id="{22DF6FA9-B196-7245-A0FF-26098C13BC43}"/>
-              </a:ext>
-            </a:extLst>
-          </p:cNvPr>
-          <p:cNvGrpSpPr/>
-          <p:nvPr/>
-        </p:nvGrpSpPr>
-        <p:grpSpPr>
-          <a:xfrm>
-            <a:off x="3178380" y="4400323"/>
-            <a:ext cx="1345240" cy="493776"/>
-            <a:chOff x="1637285" y="1400841"/>
-            <a:chExt cx="1345240" cy="493776"/>
-          </a:xfrm>
-        </p:grpSpPr>
-        <p:grpSp>
-          <p:nvGrpSpPr>
-            <p:cNvPr id="115" name="Group 114">
-              <a:extLst>
-                <a:ext uri="{FF2B5EF4-FFF2-40B4-BE49-F238E27FC236}">
-                  <a16:creationId xmlns:a16="http://schemas.microsoft.com/office/drawing/2014/main" id="{D76F1787-126D-C54E-A23B-B5EB49F9FD67}"/>
-                </a:ext>
-              </a:extLst>
-            </p:cNvPr>
-            <p:cNvGrpSpPr/>
-            <p:nvPr/>
-          </p:nvGrpSpPr>
-          <p:grpSpPr>
-            <a:xfrm>
-              <a:off x="1637285" y="1400841"/>
-              <a:ext cx="1345240" cy="493776"/>
-              <a:chOff x="255672" y="1455518"/>
-              <a:chExt cx="1345240" cy="493776"/>
-            </a:xfrm>
-          </p:grpSpPr>
-          <p:sp>
-            <p:nvSpPr>
-              <p:cNvPr id="118" name="Rectangle 117">
-                <a:extLst>
-                  <a:ext uri="{FF2B5EF4-FFF2-40B4-BE49-F238E27FC236}">
-                    <a16:creationId xmlns:a16="http://schemas.microsoft.com/office/drawing/2014/main" id="{93C5E95D-3AB9-B742-ABC9-D4EA01800368}"/>
-                  </a:ext>
-                </a:extLst>
-              </p:cNvPr>
-              <p:cNvSpPr/>
-              <p:nvPr/>
-            </p:nvSpPr>
-            <p:spPr>
-              <a:xfrm>
-                <a:off x="255672" y="1455518"/>
-                <a:ext cx="1345240" cy="493776"/>
-              </a:xfrm>
-              <a:prstGeom prst="rect">
-                <a:avLst/>
-              </a:prstGeom>
-              <a:solidFill>
-                <a:srgbClr val="BCC182"/>
-              </a:solidFill>
-              <a:ln>
-                <a:solidFill>
-                  <a:schemeClr val="tx1"/>
-                </a:solidFill>
-              </a:ln>
-            </p:spPr>
-            <p:style>
-              <a:lnRef idx="2">
-                <a:schemeClr val="accent1">
-                  <a:shade val="50000"/>
-                </a:schemeClr>
-              </a:lnRef>
-              <a:fillRef idx="1">
-                <a:schemeClr val="accent1"/>
-              </a:fillRef>
-              <a:effectRef idx="0">
-                <a:schemeClr val="accent1"/>
-              </a:effectRef>
-              <a:fontRef idx="minor">
-                <a:schemeClr val="lt1"/>
-              </a:fontRef>
-            </p:style>
-            <p:txBody>
-              <a:bodyPr rtlCol="0" anchor="ctr"/>
-              <a:lstStyle/>
-              <a:p>
-                <a:pPr algn="ctr"/>
-                <a:endParaRPr lang="en-US"/>
-              </a:p>
-            </p:txBody>
-          </p:sp>
-          <p:sp>
-            <p:nvSpPr>
-              <p:cNvPr id="119" name="Rectangle 118">
-                <a:extLst>
-                  <a:ext uri="{FF2B5EF4-FFF2-40B4-BE49-F238E27FC236}">
-                    <a16:creationId xmlns:a16="http://schemas.microsoft.com/office/drawing/2014/main" id="{0CFA1509-BAFB-5C49-8C2A-85F8657EB417}"/>
-                  </a:ext>
-                </a:extLst>
-              </p:cNvPr>
-              <p:cNvSpPr/>
-              <p:nvPr/>
-            </p:nvSpPr>
-            <p:spPr>
-              <a:xfrm>
-                <a:off x="255672" y="1700515"/>
-                <a:ext cx="1345240" cy="246221"/>
-              </a:xfrm>
-              <a:prstGeom prst="rect">
-                <a:avLst/>
-              </a:prstGeom>
-              <a:solidFill>
-                <a:schemeClr val="bg1"/>
-              </a:solidFill>
-              <a:ln>
-                <a:solidFill>
-                  <a:schemeClr val="tx1"/>
-                </a:solidFill>
-              </a:ln>
-            </p:spPr>
-            <p:style>
-              <a:lnRef idx="2">
-                <a:schemeClr val="accent1">
-                  <a:shade val="50000"/>
-                </a:schemeClr>
-              </a:lnRef>
-              <a:fillRef idx="1">
-                <a:schemeClr val="accent1"/>
-              </a:fillRef>
-              <a:effectRef idx="0">
-                <a:schemeClr val="accent1"/>
-              </a:effectRef>
-              <a:fontRef idx="minor">
-                <a:schemeClr val="lt1"/>
-              </a:fontRef>
-            </p:style>
-            <p:txBody>
-              <a:bodyPr rtlCol="0" anchor="ctr"/>
-              <a:lstStyle/>
-              <a:p>
-                <a:pPr algn="ctr"/>
-                <a:endParaRPr lang="en-US"/>
-              </a:p>
-            </p:txBody>
-          </p:sp>
-        </p:grpSp>
-        <p:sp>
-          <p:nvSpPr>
-            <p:cNvPr id="116" name="TextBox 115">
-              <a:extLst>
-                <a:ext uri="{FF2B5EF4-FFF2-40B4-BE49-F238E27FC236}">
-                  <a16:creationId xmlns:a16="http://schemas.microsoft.com/office/drawing/2014/main" id="{9C088A7B-8031-974C-9D30-BD661AD735B9}"/>
-                </a:ext>
-              </a:extLst>
-            </p:cNvPr>
-            <p:cNvSpPr txBox="1"/>
-            <p:nvPr/>
-          </p:nvSpPr>
-          <p:spPr>
-            <a:xfrm>
-              <a:off x="2078111" y="1406805"/>
-              <a:ext cx="463588" cy="246221"/>
-            </a:xfrm>
-            <a:prstGeom prst="rect">
-              <a:avLst/>
-            </a:prstGeom>
-            <a:noFill/>
-          </p:spPr>
-          <p:txBody>
-            <a:bodyPr wrap="none" rtlCol="0">
-              <a:spAutoFit/>
-            </a:bodyPr>
-            <a:lstStyle/>
-            <a:p>
-              <a:r>
-                <a:rPr lang="en-US" sz="1000" dirty="0"/>
-                <a:t>Litter</a:t>
-              </a:r>
-            </a:p>
-          </p:txBody>
-        </p:sp>
-        <p:sp>
-          <p:nvSpPr>
-            <p:cNvPr id="117" name="TextBox 116">
-              <a:extLst>
-                <a:ext uri="{FF2B5EF4-FFF2-40B4-BE49-F238E27FC236}">
-                  <a16:creationId xmlns:a16="http://schemas.microsoft.com/office/drawing/2014/main" id="{23FC5997-91AD-7847-9093-8B3D589D1D8E}"/>
-                </a:ext>
-              </a:extLst>
-            </p:cNvPr>
-            <p:cNvSpPr txBox="1"/>
-            <p:nvPr/>
-          </p:nvSpPr>
-          <p:spPr>
-            <a:xfrm>
-              <a:off x="1870522" y="1645838"/>
-              <a:ext cx="878767" cy="246221"/>
-            </a:xfrm>
-            <a:prstGeom prst="rect">
-              <a:avLst/>
-            </a:prstGeom>
-            <a:noFill/>
-          </p:spPr>
-          <p:txBody>
-            <a:bodyPr wrap="none" rtlCol="0">
-              <a:spAutoFit/>
-            </a:bodyPr>
-            <a:lstStyle/>
-            <a:p>
-              <a:r>
-                <a:rPr lang="en-US" sz="1000" i="1" dirty="0"/>
-                <a:t>organic.layer</a:t>
-              </a:r>
-            </a:p>
-          </p:txBody>
-        </p:sp>
-      </p:grpSp>
       <p:cxnSp>
         <p:nvCxnSpPr>
           <p:cNvPr id="121" name="Straight Connector 120">
@@ -4358,15 +3257,15 @@
           </p:cNvPr>
           <p:cNvCxnSpPr>
             <a:cxnSpLocks/>
-            <a:stCxn id="56" idx="3"/>
-            <a:endCxn id="109" idx="1"/>
+            <a:stCxn id="309" idx="3"/>
+            <a:endCxn id="320" idx="1"/>
           </p:cNvCxnSpPr>
           <p:nvPr/>
         </p:nvCxnSpPr>
         <p:spPr>
-          <a:xfrm>
-            <a:off x="2740597" y="5214814"/>
-            <a:ext cx="437783" cy="123110"/>
+          <a:xfrm flipV="1">
+            <a:off x="2971231" y="5658307"/>
+            <a:ext cx="176461" cy="12484"/>
           </a:xfrm>
           <a:prstGeom prst="line">
             <a:avLst/>
@@ -4387,904 +3286,6 @@
           </a:fontRef>
         </p:style>
       </p:cxnSp>
-      <p:grpSp>
-        <p:nvGrpSpPr>
-          <p:cNvPr id="124" name="Group 123">
-            <a:extLst>
-              <a:ext uri="{FF2B5EF4-FFF2-40B4-BE49-F238E27FC236}">
-                <a16:creationId xmlns:a16="http://schemas.microsoft.com/office/drawing/2014/main" id="{3BB719D9-2C19-6046-97D8-7361D636CD25}"/>
-              </a:ext>
-            </a:extLst>
-          </p:cNvPr>
-          <p:cNvGrpSpPr/>
-          <p:nvPr/>
-        </p:nvGrpSpPr>
-        <p:grpSpPr>
-          <a:xfrm>
-            <a:off x="4991304" y="262764"/>
-            <a:ext cx="1345268" cy="493776"/>
-            <a:chOff x="1637257" y="1400841"/>
-            <a:chExt cx="1345268" cy="493776"/>
-          </a:xfrm>
-        </p:grpSpPr>
-        <p:grpSp>
-          <p:nvGrpSpPr>
-            <p:cNvPr id="125" name="Group 124">
-              <a:extLst>
-                <a:ext uri="{FF2B5EF4-FFF2-40B4-BE49-F238E27FC236}">
-                  <a16:creationId xmlns:a16="http://schemas.microsoft.com/office/drawing/2014/main" id="{B63C967E-DC4C-9040-A3B0-3BCFEAD3254C}"/>
-                </a:ext>
-              </a:extLst>
-            </p:cNvPr>
-            <p:cNvGrpSpPr/>
-            <p:nvPr/>
-          </p:nvGrpSpPr>
-          <p:grpSpPr>
-            <a:xfrm>
-              <a:off x="1637271" y="1400841"/>
-              <a:ext cx="1345254" cy="493776"/>
-              <a:chOff x="255658" y="1455518"/>
-              <a:chExt cx="1345254" cy="493776"/>
-            </a:xfrm>
-          </p:grpSpPr>
-          <p:sp>
-            <p:nvSpPr>
-              <p:cNvPr id="128" name="Rectangle 127">
-                <a:extLst>
-                  <a:ext uri="{FF2B5EF4-FFF2-40B4-BE49-F238E27FC236}">
-                    <a16:creationId xmlns:a16="http://schemas.microsoft.com/office/drawing/2014/main" id="{E354514E-14E9-DA4D-9761-7EE9448CC667}"/>
-                  </a:ext>
-                </a:extLst>
-              </p:cNvPr>
-              <p:cNvSpPr/>
-              <p:nvPr/>
-            </p:nvSpPr>
-            <p:spPr>
-              <a:xfrm>
-                <a:off x="255672" y="1455518"/>
-                <a:ext cx="1345240" cy="493776"/>
-              </a:xfrm>
-              <a:prstGeom prst="rect">
-                <a:avLst/>
-              </a:prstGeom>
-              <a:solidFill>
-                <a:schemeClr val="accent6">
-                  <a:lumMod val="40000"/>
-                  <a:lumOff val="60000"/>
-                </a:schemeClr>
-              </a:solidFill>
-              <a:ln>
-                <a:solidFill>
-                  <a:schemeClr val="tx1"/>
-                </a:solidFill>
-              </a:ln>
-            </p:spPr>
-            <p:style>
-              <a:lnRef idx="2">
-                <a:schemeClr val="accent1">
-                  <a:shade val="50000"/>
-                </a:schemeClr>
-              </a:lnRef>
-              <a:fillRef idx="1">
-                <a:schemeClr val="accent1"/>
-              </a:fillRef>
-              <a:effectRef idx="0">
-                <a:schemeClr val="accent1"/>
-              </a:effectRef>
-              <a:fontRef idx="minor">
-                <a:schemeClr val="lt1"/>
-              </a:fontRef>
-            </p:style>
-            <p:txBody>
-              <a:bodyPr rtlCol="0" anchor="ctr"/>
-              <a:lstStyle/>
-              <a:p>
-                <a:pPr algn="ctr"/>
-                <a:endParaRPr lang="en-US"/>
-              </a:p>
-            </p:txBody>
-          </p:sp>
-          <p:sp>
-            <p:nvSpPr>
-              <p:cNvPr id="129" name="Rectangle 128">
-                <a:extLst>
-                  <a:ext uri="{FF2B5EF4-FFF2-40B4-BE49-F238E27FC236}">
-                    <a16:creationId xmlns:a16="http://schemas.microsoft.com/office/drawing/2014/main" id="{2B1E129C-D0DE-DC45-91EE-F613A115069E}"/>
-                  </a:ext>
-                </a:extLst>
-              </p:cNvPr>
-              <p:cNvSpPr/>
-              <p:nvPr/>
-            </p:nvSpPr>
-            <p:spPr>
-              <a:xfrm>
-                <a:off x="255658" y="1700515"/>
-                <a:ext cx="1345240" cy="246221"/>
-              </a:xfrm>
-              <a:prstGeom prst="rect">
-                <a:avLst/>
-              </a:prstGeom>
-              <a:solidFill>
-                <a:schemeClr val="bg1"/>
-              </a:solidFill>
-              <a:ln>
-                <a:solidFill>
-                  <a:schemeClr val="tx1"/>
-                </a:solidFill>
-              </a:ln>
-            </p:spPr>
-            <p:style>
-              <a:lnRef idx="2">
-                <a:schemeClr val="accent1">
-                  <a:shade val="50000"/>
-                </a:schemeClr>
-              </a:lnRef>
-              <a:fillRef idx="1">
-                <a:schemeClr val="accent1"/>
-              </a:fillRef>
-              <a:effectRef idx="0">
-                <a:schemeClr val="accent1"/>
-              </a:effectRef>
-              <a:fontRef idx="minor">
-                <a:schemeClr val="lt1"/>
-              </a:fontRef>
-            </p:style>
-            <p:txBody>
-              <a:bodyPr rtlCol="0" anchor="ctr"/>
-              <a:lstStyle/>
-              <a:p>
-                <a:pPr algn="ctr"/>
-                <a:endParaRPr lang="en-US"/>
-              </a:p>
-            </p:txBody>
-          </p:sp>
-        </p:grpSp>
-        <p:sp>
-          <p:nvSpPr>
-            <p:cNvPr id="126" name="TextBox 125">
-              <a:extLst>
-                <a:ext uri="{FF2B5EF4-FFF2-40B4-BE49-F238E27FC236}">
-                  <a16:creationId xmlns:a16="http://schemas.microsoft.com/office/drawing/2014/main" id="{9BA3DD6E-51BE-D945-8AD0-3BCF389550BD}"/>
-                </a:ext>
-              </a:extLst>
-            </p:cNvPr>
-            <p:cNvSpPr txBox="1"/>
-            <p:nvPr/>
-          </p:nvSpPr>
-          <p:spPr>
-            <a:xfrm>
-              <a:off x="1637257" y="1409308"/>
-              <a:ext cx="1345254" cy="246221"/>
-            </a:xfrm>
-            <a:prstGeom prst="rect">
-              <a:avLst/>
-            </a:prstGeom>
-            <a:noFill/>
-          </p:spPr>
-          <p:txBody>
-            <a:bodyPr wrap="square" rtlCol="0">
-              <a:spAutoFit/>
-            </a:bodyPr>
-            <a:lstStyle/>
-            <a:p>
-              <a:pPr algn="ctr"/>
-              <a:r>
-                <a:rPr lang="en-US" sz="1000" dirty="0"/>
-                <a:t>Foliage biomass</a:t>
-              </a:r>
-            </a:p>
-          </p:txBody>
-        </p:sp>
-        <p:sp>
-          <p:nvSpPr>
-            <p:cNvPr id="127" name="TextBox 126">
-              <a:extLst>
-                <a:ext uri="{FF2B5EF4-FFF2-40B4-BE49-F238E27FC236}">
-                  <a16:creationId xmlns:a16="http://schemas.microsoft.com/office/drawing/2014/main" id="{163E39A2-BEFF-0E42-B4EF-2D086CEBA7B7}"/>
-                </a:ext>
-              </a:extLst>
-            </p:cNvPr>
-            <p:cNvSpPr txBox="1"/>
-            <p:nvPr/>
-          </p:nvSpPr>
-          <p:spPr>
-            <a:xfrm>
-              <a:off x="1644615" y="1645838"/>
-              <a:ext cx="1337896" cy="246221"/>
-            </a:xfrm>
-            <a:prstGeom prst="rect">
-              <a:avLst/>
-            </a:prstGeom>
-            <a:noFill/>
-          </p:spPr>
-          <p:txBody>
-            <a:bodyPr wrap="square" rtlCol="0">
-              <a:spAutoFit/>
-            </a:bodyPr>
-            <a:lstStyle/>
-            <a:p>
-              <a:pPr algn="ctr"/>
-              <a:r>
-                <a:rPr lang="en-US" sz="1000" i="1" dirty="0"/>
-                <a:t>biomass_ag_foliage</a:t>
-              </a:r>
-            </a:p>
-          </p:txBody>
-        </p:sp>
-      </p:grpSp>
-      <p:grpSp>
-        <p:nvGrpSpPr>
-          <p:cNvPr id="130" name="Group 129">
-            <a:extLst>
-              <a:ext uri="{FF2B5EF4-FFF2-40B4-BE49-F238E27FC236}">
-                <a16:creationId xmlns:a16="http://schemas.microsoft.com/office/drawing/2014/main" id="{5FE7B2A2-536C-5243-B354-1C9A43629B26}"/>
-              </a:ext>
-            </a:extLst>
-          </p:cNvPr>
-          <p:cNvGrpSpPr/>
-          <p:nvPr/>
-        </p:nvGrpSpPr>
-        <p:grpSpPr>
-          <a:xfrm>
-            <a:off x="4991304" y="831678"/>
-            <a:ext cx="1345254" cy="621293"/>
-            <a:chOff x="1637271" y="1270766"/>
-            <a:chExt cx="1345254" cy="621293"/>
-          </a:xfrm>
-        </p:grpSpPr>
-        <p:grpSp>
-          <p:nvGrpSpPr>
-            <p:cNvPr id="131" name="Group 130">
-              <a:extLst>
-                <a:ext uri="{FF2B5EF4-FFF2-40B4-BE49-F238E27FC236}">
-                  <a16:creationId xmlns:a16="http://schemas.microsoft.com/office/drawing/2014/main" id="{B8930ED2-A747-9B4B-B995-91C2FC96986D}"/>
-                </a:ext>
-              </a:extLst>
-            </p:cNvPr>
-            <p:cNvGrpSpPr/>
-            <p:nvPr/>
-          </p:nvGrpSpPr>
-          <p:grpSpPr>
-            <a:xfrm>
-              <a:off x="1637271" y="1299241"/>
-              <a:ext cx="1345254" cy="592818"/>
-              <a:chOff x="255658" y="1353918"/>
-              <a:chExt cx="1345254" cy="592818"/>
-            </a:xfrm>
-          </p:grpSpPr>
-          <p:sp>
-            <p:nvSpPr>
-              <p:cNvPr id="134" name="Rectangle 133">
-                <a:extLst>
-                  <a:ext uri="{FF2B5EF4-FFF2-40B4-BE49-F238E27FC236}">
-                    <a16:creationId xmlns:a16="http://schemas.microsoft.com/office/drawing/2014/main" id="{96AC5500-783C-D043-B703-99D65515817C}"/>
-                  </a:ext>
-                </a:extLst>
-              </p:cNvPr>
-              <p:cNvSpPr/>
-              <p:nvPr/>
-            </p:nvSpPr>
-            <p:spPr>
-              <a:xfrm>
-                <a:off x="255672" y="1353918"/>
-                <a:ext cx="1345240" cy="493776"/>
-              </a:xfrm>
-              <a:prstGeom prst="rect">
-                <a:avLst/>
-              </a:prstGeom>
-              <a:solidFill>
-                <a:schemeClr val="accent6">
-                  <a:lumMod val="40000"/>
-                  <a:lumOff val="60000"/>
-                </a:schemeClr>
-              </a:solidFill>
-              <a:ln>
-                <a:solidFill>
-                  <a:schemeClr val="tx1"/>
-                </a:solidFill>
-              </a:ln>
-            </p:spPr>
-            <p:style>
-              <a:lnRef idx="2">
-                <a:schemeClr val="accent1">
-                  <a:shade val="50000"/>
-                </a:schemeClr>
-              </a:lnRef>
-              <a:fillRef idx="1">
-                <a:schemeClr val="accent1"/>
-              </a:fillRef>
-              <a:effectRef idx="0">
-                <a:schemeClr val="accent1"/>
-              </a:effectRef>
-              <a:fontRef idx="minor">
-                <a:schemeClr val="lt1"/>
-              </a:fontRef>
-            </p:style>
-            <p:txBody>
-              <a:bodyPr rtlCol="0" anchor="ctr"/>
-              <a:lstStyle/>
-              <a:p>
-                <a:pPr algn="ctr"/>
-                <a:endParaRPr lang="en-US"/>
-              </a:p>
-            </p:txBody>
-          </p:sp>
-          <p:sp>
-            <p:nvSpPr>
-              <p:cNvPr id="135" name="Rectangle 134">
-                <a:extLst>
-                  <a:ext uri="{FF2B5EF4-FFF2-40B4-BE49-F238E27FC236}">
-                    <a16:creationId xmlns:a16="http://schemas.microsoft.com/office/drawing/2014/main" id="{5283EB3B-19AA-1042-9E85-E034B158DD79}"/>
-                  </a:ext>
-                </a:extLst>
-              </p:cNvPr>
-              <p:cNvSpPr/>
-              <p:nvPr/>
-            </p:nvSpPr>
-            <p:spPr>
-              <a:xfrm>
-                <a:off x="255658" y="1700515"/>
-                <a:ext cx="1345240" cy="246221"/>
-              </a:xfrm>
-              <a:prstGeom prst="rect">
-                <a:avLst/>
-              </a:prstGeom>
-              <a:solidFill>
-                <a:schemeClr val="bg1"/>
-              </a:solidFill>
-              <a:ln>
-                <a:solidFill>
-                  <a:schemeClr val="tx1"/>
-                </a:solidFill>
-              </a:ln>
-            </p:spPr>
-            <p:style>
-              <a:lnRef idx="2">
-                <a:schemeClr val="accent1">
-                  <a:shade val="50000"/>
-                </a:schemeClr>
-              </a:lnRef>
-              <a:fillRef idx="1">
-                <a:schemeClr val="accent1"/>
-              </a:fillRef>
-              <a:effectRef idx="0">
-                <a:schemeClr val="accent1"/>
-              </a:effectRef>
-              <a:fontRef idx="minor">
-                <a:schemeClr val="lt1"/>
-              </a:fontRef>
-            </p:style>
-            <p:txBody>
-              <a:bodyPr rtlCol="0" anchor="ctr"/>
-              <a:lstStyle/>
-              <a:p>
-                <a:pPr algn="ctr"/>
-                <a:endParaRPr lang="en-US"/>
-              </a:p>
-            </p:txBody>
-          </p:sp>
-        </p:grpSp>
-        <p:sp>
-          <p:nvSpPr>
-            <p:cNvPr id="132" name="TextBox 131">
-              <a:extLst>
-                <a:ext uri="{FF2B5EF4-FFF2-40B4-BE49-F238E27FC236}">
-                  <a16:creationId xmlns:a16="http://schemas.microsoft.com/office/drawing/2014/main" id="{07DCF321-6796-2A4F-8BEE-BC6EB3675E53}"/>
-                </a:ext>
-              </a:extLst>
-            </p:cNvPr>
-            <p:cNvSpPr txBox="1"/>
-            <p:nvPr/>
-          </p:nvSpPr>
-          <p:spPr>
-            <a:xfrm>
-              <a:off x="1674062" y="1270766"/>
-              <a:ext cx="1271776" cy="400110"/>
-            </a:xfrm>
-            <a:prstGeom prst="rect">
-              <a:avLst/>
-            </a:prstGeom>
-            <a:noFill/>
-          </p:spPr>
-          <p:txBody>
-            <a:bodyPr wrap="square" rtlCol="0">
-              <a:spAutoFit/>
-            </a:bodyPr>
-            <a:lstStyle/>
-            <a:p>
-              <a:pPr algn="ctr"/>
-              <a:r>
-                <a:rPr lang="en-US" sz="1000" dirty="0"/>
-                <a:t>Aboveground woody biomass</a:t>
-              </a:r>
-            </a:p>
-          </p:txBody>
-        </p:sp>
-        <p:sp>
-          <p:nvSpPr>
-            <p:cNvPr id="133" name="TextBox 132">
-              <a:extLst>
-                <a:ext uri="{FF2B5EF4-FFF2-40B4-BE49-F238E27FC236}">
-                  <a16:creationId xmlns:a16="http://schemas.microsoft.com/office/drawing/2014/main" id="{1BE77AD4-FB79-3E4F-A6DA-2B725278C4A7}"/>
-                </a:ext>
-              </a:extLst>
-            </p:cNvPr>
-            <p:cNvSpPr txBox="1"/>
-            <p:nvPr/>
-          </p:nvSpPr>
-          <p:spPr>
-            <a:xfrm>
-              <a:off x="1644615" y="1645838"/>
-              <a:ext cx="1337896" cy="246221"/>
-            </a:xfrm>
-            <a:prstGeom prst="rect">
-              <a:avLst/>
-            </a:prstGeom>
-            <a:noFill/>
-          </p:spPr>
-          <p:txBody>
-            <a:bodyPr wrap="square" rtlCol="0">
-              <a:spAutoFit/>
-            </a:bodyPr>
-            <a:lstStyle/>
-            <a:p>
-              <a:pPr algn="ctr"/>
-              <a:r>
-                <a:rPr lang="en-US" sz="1000" i="1" dirty="0"/>
-                <a:t>biomass_ag_woody</a:t>
-              </a:r>
-            </a:p>
-          </p:txBody>
-        </p:sp>
-      </p:grpSp>
-      <p:grpSp>
-        <p:nvGrpSpPr>
-          <p:cNvPr id="136" name="Group 135">
-            <a:extLst>
-              <a:ext uri="{FF2B5EF4-FFF2-40B4-BE49-F238E27FC236}">
-                <a16:creationId xmlns:a16="http://schemas.microsoft.com/office/drawing/2014/main" id="{CDF521A6-B043-4C4C-BA03-465EDD45BC9A}"/>
-              </a:ext>
-            </a:extLst>
-          </p:cNvPr>
-          <p:cNvGrpSpPr/>
-          <p:nvPr/>
-        </p:nvGrpSpPr>
-        <p:grpSpPr>
-          <a:xfrm>
-            <a:off x="4991304" y="2758827"/>
-            <a:ext cx="1345254" cy="493776"/>
-            <a:chOff x="1637271" y="1400841"/>
-            <a:chExt cx="1345254" cy="493776"/>
-          </a:xfrm>
-        </p:grpSpPr>
-        <p:grpSp>
-          <p:nvGrpSpPr>
-            <p:cNvPr id="137" name="Group 136">
-              <a:extLst>
-                <a:ext uri="{FF2B5EF4-FFF2-40B4-BE49-F238E27FC236}">
-                  <a16:creationId xmlns:a16="http://schemas.microsoft.com/office/drawing/2014/main" id="{E4AB07BC-8584-7F4E-93E8-0986DA0AD831}"/>
-                </a:ext>
-              </a:extLst>
-            </p:cNvPr>
-            <p:cNvGrpSpPr/>
-            <p:nvPr/>
-          </p:nvGrpSpPr>
-          <p:grpSpPr>
-            <a:xfrm>
-              <a:off x="1637271" y="1400841"/>
-              <a:ext cx="1345254" cy="493776"/>
-              <a:chOff x="255658" y="1455518"/>
-              <a:chExt cx="1345254" cy="493776"/>
-            </a:xfrm>
-          </p:grpSpPr>
-          <p:sp>
-            <p:nvSpPr>
-              <p:cNvPr id="140" name="Rectangle 139">
-                <a:extLst>
-                  <a:ext uri="{FF2B5EF4-FFF2-40B4-BE49-F238E27FC236}">
-                    <a16:creationId xmlns:a16="http://schemas.microsoft.com/office/drawing/2014/main" id="{81249CE8-374D-4C4D-B367-C722512EDDCD}"/>
-                  </a:ext>
-                </a:extLst>
-              </p:cNvPr>
-              <p:cNvSpPr/>
-              <p:nvPr/>
-            </p:nvSpPr>
-            <p:spPr>
-              <a:xfrm>
-                <a:off x="255672" y="1455518"/>
-                <a:ext cx="1345240" cy="493776"/>
-              </a:xfrm>
-              <a:prstGeom prst="rect">
-                <a:avLst/>
-              </a:prstGeom>
-              <a:solidFill>
-                <a:schemeClr val="bg1">
-                  <a:lumMod val="85000"/>
-                </a:schemeClr>
-              </a:solidFill>
-              <a:ln>
-                <a:solidFill>
-                  <a:schemeClr val="tx1"/>
-                </a:solidFill>
-              </a:ln>
-            </p:spPr>
-            <p:style>
-              <a:lnRef idx="2">
-                <a:schemeClr val="accent1">
-                  <a:shade val="50000"/>
-                </a:schemeClr>
-              </a:lnRef>
-              <a:fillRef idx="1">
-                <a:schemeClr val="accent1"/>
-              </a:fillRef>
-              <a:effectRef idx="0">
-                <a:schemeClr val="accent1"/>
-              </a:effectRef>
-              <a:fontRef idx="minor">
-                <a:schemeClr val="lt1"/>
-              </a:fontRef>
-            </p:style>
-            <p:txBody>
-              <a:bodyPr rtlCol="0" anchor="ctr"/>
-              <a:lstStyle/>
-              <a:p>
-                <a:pPr algn="ctr"/>
-                <a:endParaRPr lang="en-US"/>
-              </a:p>
-            </p:txBody>
-          </p:sp>
-          <p:sp>
-            <p:nvSpPr>
-              <p:cNvPr id="141" name="Rectangle 140">
-                <a:extLst>
-                  <a:ext uri="{FF2B5EF4-FFF2-40B4-BE49-F238E27FC236}">
-                    <a16:creationId xmlns:a16="http://schemas.microsoft.com/office/drawing/2014/main" id="{5D4D2A46-5E3D-0243-8121-E65453A71BEF}"/>
-                  </a:ext>
-                </a:extLst>
-              </p:cNvPr>
-              <p:cNvSpPr/>
-              <p:nvPr/>
-            </p:nvSpPr>
-            <p:spPr>
-              <a:xfrm>
-                <a:off x="255658" y="1700515"/>
-                <a:ext cx="1345240" cy="246221"/>
-              </a:xfrm>
-              <a:prstGeom prst="rect">
-                <a:avLst/>
-              </a:prstGeom>
-              <a:solidFill>
-                <a:schemeClr val="bg1"/>
-              </a:solidFill>
-              <a:ln>
-                <a:solidFill>
-                  <a:schemeClr val="tx1"/>
-                </a:solidFill>
-              </a:ln>
-            </p:spPr>
-            <p:style>
-              <a:lnRef idx="2">
-                <a:schemeClr val="accent1">
-                  <a:shade val="50000"/>
-                </a:schemeClr>
-              </a:lnRef>
-              <a:fillRef idx="1">
-                <a:schemeClr val="accent1"/>
-              </a:fillRef>
-              <a:effectRef idx="0">
-                <a:schemeClr val="accent1"/>
-              </a:effectRef>
-              <a:fontRef idx="minor">
-                <a:schemeClr val="lt1"/>
-              </a:fontRef>
-            </p:style>
-            <p:txBody>
-              <a:bodyPr rtlCol="0" anchor="ctr"/>
-              <a:lstStyle/>
-              <a:p>
-                <a:pPr algn="ctr"/>
-                <a:endParaRPr lang="en-US"/>
-              </a:p>
-            </p:txBody>
-          </p:sp>
-        </p:grpSp>
-        <p:sp>
-          <p:nvSpPr>
-            <p:cNvPr id="138" name="TextBox 137">
-              <a:extLst>
-                <a:ext uri="{FF2B5EF4-FFF2-40B4-BE49-F238E27FC236}">
-                  <a16:creationId xmlns:a16="http://schemas.microsoft.com/office/drawing/2014/main" id="{67769EEB-A970-004A-BF5B-6EB53EF88DB4}"/>
-                </a:ext>
-              </a:extLst>
-            </p:cNvPr>
-            <p:cNvSpPr txBox="1"/>
-            <p:nvPr/>
-          </p:nvSpPr>
-          <p:spPr>
-            <a:xfrm>
-              <a:off x="1666705" y="1409308"/>
-              <a:ext cx="1293730" cy="246221"/>
-            </a:xfrm>
-            <a:prstGeom prst="rect">
-              <a:avLst/>
-            </a:prstGeom>
-            <a:noFill/>
-          </p:spPr>
-          <p:txBody>
-            <a:bodyPr wrap="square" rtlCol="0">
-              <a:spAutoFit/>
-            </a:bodyPr>
-            <a:lstStyle/>
-            <a:p>
-              <a:pPr algn="ctr"/>
-              <a:r>
-                <a:rPr lang="en-US" sz="1000" dirty="0"/>
-                <a:t>Standing dead wood</a:t>
-              </a:r>
-            </a:p>
-          </p:txBody>
-        </p:sp>
-        <p:sp>
-          <p:nvSpPr>
-            <p:cNvPr id="139" name="TextBox 138">
-              <a:extLst>
-                <a:ext uri="{FF2B5EF4-FFF2-40B4-BE49-F238E27FC236}">
-                  <a16:creationId xmlns:a16="http://schemas.microsoft.com/office/drawing/2014/main" id="{37B26027-9445-0049-A047-C6CAC77989A7}"/>
-                </a:ext>
-              </a:extLst>
-            </p:cNvPr>
-            <p:cNvSpPr txBox="1"/>
-            <p:nvPr/>
-          </p:nvSpPr>
-          <p:spPr>
-            <a:xfrm>
-              <a:off x="1644615" y="1645838"/>
-              <a:ext cx="1337896" cy="246221"/>
-            </a:xfrm>
-            <a:prstGeom prst="rect">
-              <a:avLst/>
-            </a:prstGeom>
-            <a:noFill/>
-          </p:spPr>
-          <p:txBody>
-            <a:bodyPr wrap="square" rtlCol="0">
-              <a:spAutoFit/>
-            </a:bodyPr>
-            <a:lstStyle/>
-            <a:p>
-              <a:pPr algn="ctr"/>
-              <a:r>
-                <a:rPr lang="en-US" sz="1000" i="1" dirty="0"/>
-                <a:t>deadwood_standing</a:t>
-              </a:r>
-            </a:p>
-          </p:txBody>
-        </p:sp>
-      </p:grpSp>
-      <p:grpSp>
-        <p:nvGrpSpPr>
-          <p:cNvPr id="142" name="Group 141">
-            <a:extLst>
-              <a:ext uri="{FF2B5EF4-FFF2-40B4-BE49-F238E27FC236}">
-                <a16:creationId xmlns:a16="http://schemas.microsoft.com/office/drawing/2014/main" id="{3953DECE-EDBF-D74F-B685-2B9A31294FED}"/>
-              </a:ext>
-            </a:extLst>
-          </p:cNvPr>
-          <p:cNvGrpSpPr/>
-          <p:nvPr/>
-        </p:nvGrpSpPr>
-        <p:grpSpPr>
-          <a:xfrm>
-            <a:off x="4991304" y="3362322"/>
-            <a:ext cx="1345254" cy="493776"/>
-            <a:chOff x="1637271" y="1400841"/>
-            <a:chExt cx="1345254" cy="493776"/>
-          </a:xfrm>
-        </p:grpSpPr>
-        <p:grpSp>
-          <p:nvGrpSpPr>
-            <p:cNvPr id="143" name="Group 142">
-              <a:extLst>
-                <a:ext uri="{FF2B5EF4-FFF2-40B4-BE49-F238E27FC236}">
-                  <a16:creationId xmlns:a16="http://schemas.microsoft.com/office/drawing/2014/main" id="{90AAB3CD-15C5-F14F-9331-1BF8D4EF14B6}"/>
-                </a:ext>
-              </a:extLst>
-            </p:cNvPr>
-            <p:cNvGrpSpPr/>
-            <p:nvPr/>
-          </p:nvGrpSpPr>
-          <p:grpSpPr>
-            <a:xfrm>
-              <a:off x="1637271" y="1400841"/>
-              <a:ext cx="1345254" cy="493776"/>
-              <a:chOff x="255658" y="1455518"/>
-              <a:chExt cx="1345254" cy="493776"/>
-            </a:xfrm>
-          </p:grpSpPr>
-          <p:sp>
-            <p:nvSpPr>
-              <p:cNvPr id="146" name="Rectangle 145">
-                <a:extLst>
-                  <a:ext uri="{FF2B5EF4-FFF2-40B4-BE49-F238E27FC236}">
-                    <a16:creationId xmlns:a16="http://schemas.microsoft.com/office/drawing/2014/main" id="{AAF279E2-5C48-FC4D-A24C-9FA927A0EFB3}"/>
-                  </a:ext>
-                </a:extLst>
-              </p:cNvPr>
-              <p:cNvSpPr/>
-              <p:nvPr/>
-            </p:nvSpPr>
-            <p:spPr>
-              <a:xfrm>
-                <a:off x="255672" y="1455518"/>
-                <a:ext cx="1345240" cy="493776"/>
-              </a:xfrm>
-              <a:prstGeom prst="rect">
-                <a:avLst/>
-              </a:prstGeom>
-              <a:solidFill>
-                <a:schemeClr val="bg1">
-                  <a:lumMod val="85000"/>
-                </a:schemeClr>
-              </a:solidFill>
-              <a:ln>
-                <a:solidFill>
-                  <a:schemeClr val="tx1"/>
-                </a:solidFill>
-              </a:ln>
-            </p:spPr>
-            <p:style>
-              <a:lnRef idx="2">
-                <a:schemeClr val="accent1">
-                  <a:shade val="50000"/>
-                </a:schemeClr>
-              </a:lnRef>
-              <a:fillRef idx="1">
-                <a:schemeClr val="accent1"/>
-              </a:fillRef>
-              <a:effectRef idx="0">
-                <a:schemeClr val="accent1"/>
-              </a:effectRef>
-              <a:fontRef idx="minor">
-                <a:schemeClr val="lt1"/>
-              </a:fontRef>
-            </p:style>
-            <p:txBody>
-              <a:bodyPr rtlCol="0" anchor="ctr"/>
-              <a:lstStyle/>
-              <a:p>
-                <a:pPr algn="ctr"/>
-                <a:endParaRPr lang="en-US"/>
-              </a:p>
-            </p:txBody>
-          </p:sp>
-          <p:sp>
-            <p:nvSpPr>
-              <p:cNvPr id="147" name="Rectangle 146">
-                <a:extLst>
-                  <a:ext uri="{FF2B5EF4-FFF2-40B4-BE49-F238E27FC236}">
-                    <a16:creationId xmlns:a16="http://schemas.microsoft.com/office/drawing/2014/main" id="{4DCBB7B2-6CBD-904A-A9CF-D0835CBCD233}"/>
-                  </a:ext>
-                </a:extLst>
-              </p:cNvPr>
-              <p:cNvSpPr/>
-              <p:nvPr/>
-            </p:nvSpPr>
-            <p:spPr>
-              <a:xfrm>
-                <a:off x="255658" y="1700515"/>
-                <a:ext cx="1345240" cy="246221"/>
-              </a:xfrm>
-              <a:prstGeom prst="rect">
-                <a:avLst/>
-              </a:prstGeom>
-              <a:solidFill>
-                <a:schemeClr val="bg1"/>
-              </a:solidFill>
-              <a:ln>
-                <a:solidFill>
-                  <a:schemeClr val="tx1"/>
-                </a:solidFill>
-              </a:ln>
-            </p:spPr>
-            <p:style>
-              <a:lnRef idx="2">
-                <a:schemeClr val="accent1">
-                  <a:shade val="50000"/>
-                </a:schemeClr>
-              </a:lnRef>
-              <a:fillRef idx="1">
-                <a:schemeClr val="accent1"/>
-              </a:fillRef>
-              <a:effectRef idx="0">
-                <a:schemeClr val="accent1"/>
-              </a:effectRef>
-              <a:fontRef idx="minor">
-                <a:schemeClr val="lt1"/>
-              </a:fontRef>
-            </p:style>
-            <p:txBody>
-              <a:bodyPr rtlCol="0" anchor="ctr"/>
-              <a:lstStyle/>
-              <a:p>
-                <a:pPr algn="ctr"/>
-                <a:endParaRPr lang="en-US"/>
-              </a:p>
-            </p:txBody>
-          </p:sp>
-        </p:grpSp>
-        <p:sp>
-          <p:nvSpPr>
-            <p:cNvPr id="144" name="TextBox 143">
-              <a:extLst>
-                <a:ext uri="{FF2B5EF4-FFF2-40B4-BE49-F238E27FC236}">
-                  <a16:creationId xmlns:a16="http://schemas.microsoft.com/office/drawing/2014/main" id="{F1D3F59E-B670-9A44-8A96-657EA86E1F02}"/>
-                </a:ext>
-              </a:extLst>
-            </p:cNvPr>
-            <p:cNvSpPr txBox="1"/>
-            <p:nvPr/>
-          </p:nvSpPr>
-          <p:spPr>
-            <a:xfrm>
-              <a:off x="1651973" y="1409308"/>
-              <a:ext cx="1315820" cy="246221"/>
-            </a:xfrm>
-            <a:prstGeom prst="rect">
-              <a:avLst/>
-            </a:prstGeom>
-            <a:noFill/>
-          </p:spPr>
-          <p:txBody>
-            <a:bodyPr wrap="square" rtlCol="0">
-              <a:spAutoFit/>
-            </a:bodyPr>
-            <a:lstStyle/>
-            <a:p>
-              <a:pPr algn="ctr"/>
-              <a:r>
-                <a:rPr lang="en-US" sz="1000" dirty="0"/>
-                <a:t>Fallen dead wood</a:t>
-              </a:r>
-            </a:p>
-          </p:txBody>
-        </p:sp>
-        <p:sp>
-          <p:nvSpPr>
-            <p:cNvPr id="145" name="TextBox 144">
-              <a:extLst>
-                <a:ext uri="{FF2B5EF4-FFF2-40B4-BE49-F238E27FC236}">
-                  <a16:creationId xmlns:a16="http://schemas.microsoft.com/office/drawing/2014/main" id="{39BBDC49-8C11-F147-B366-88D68CE088AF}"/>
-                </a:ext>
-              </a:extLst>
-            </p:cNvPr>
-            <p:cNvSpPr txBox="1"/>
-            <p:nvPr/>
-          </p:nvSpPr>
-          <p:spPr>
-            <a:xfrm>
-              <a:off x="1644615" y="1645838"/>
-              <a:ext cx="1337896" cy="246221"/>
-            </a:xfrm>
-            <a:prstGeom prst="rect">
-              <a:avLst/>
-            </a:prstGeom>
-            <a:noFill/>
-          </p:spPr>
-          <p:txBody>
-            <a:bodyPr wrap="square" rtlCol="0">
-              <a:spAutoFit/>
-            </a:bodyPr>
-            <a:lstStyle/>
-            <a:p>
-              <a:pPr algn="ctr"/>
-              <a:r>
-                <a:rPr lang="en-US" sz="1000" i="1" dirty="0"/>
-                <a:t>deadwood_down</a:t>
-              </a:r>
-            </a:p>
-          </p:txBody>
-        </p:sp>
-      </p:grpSp>
       <p:cxnSp>
         <p:nvCxnSpPr>
           <p:cNvPr id="148" name="Straight Connector 147">
@@ -5296,14 +3297,15 @@
           </p:cNvPr>
           <p:cNvCxnSpPr>
             <a:cxnSpLocks/>
-            <a:stCxn id="76" idx="3"/>
+            <a:stCxn id="251" idx="3"/>
+            <a:endCxn id="287" idx="1"/>
           </p:cNvCxnSpPr>
           <p:nvPr/>
         </p:nvCxnSpPr>
         <p:spPr>
           <a:xfrm flipV="1">
-            <a:off x="4552945" y="276855"/>
-            <a:ext cx="438359" cy="374228"/>
+            <a:off x="4492932" y="193887"/>
+            <a:ext cx="714349" cy="1935"/>
           </a:xfrm>
           <a:prstGeom prst="line">
             <a:avLst/>
@@ -5335,15 +3337,15 @@
           </p:cNvPr>
           <p:cNvCxnSpPr>
             <a:cxnSpLocks/>
-            <a:stCxn id="134" idx="1"/>
-            <a:endCxn id="74" idx="3"/>
+            <a:stCxn id="269" idx="1"/>
+            <a:endCxn id="251" idx="3"/>
           </p:cNvCxnSpPr>
           <p:nvPr/>
         </p:nvCxnSpPr>
         <p:spPr>
           <a:xfrm flipH="1" flipV="1">
-            <a:off x="4526826" y="535773"/>
-            <a:ext cx="464492" cy="571268"/>
+            <a:off x="4492932" y="195822"/>
+            <a:ext cx="714349" cy="1065106"/>
           </a:xfrm>
           <a:prstGeom prst="line">
             <a:avLst/>
@@ -5375,15 +3377,15 @@
           </p:cNvPr>
           <p:cNvCxnSpPr>
             <a:cxnSpLocks/>
-            <a:stCxn id="140" idx="1"/>
-            <a:endCxn id="95" idx="3"/>
+            <a:stCxn id="412" idx="1"/>
+            <a:endCxn id="276" idx="3"/>
           </p:cNvCxnSpPr>
           <p:nvPr/>
         </p:nvCxnSpPr>
         <p:spPr>
-          <a:xfrm flipH="1">
-            <a:off x="4523620" y="3005715"/>
-            <a:ext cx="467698" cy="392379"/>
+          <a:xfrm flipH="1" flipV="1">
+            <a:off x="4519292" y="2938128"/>
+            <a:ext cx="687989" cy="1932679"/>
           </a:xfrm>
           <a:prstGeom prst="line">
             <a:avLst/>
@@ -5415,15 +3417,15 @@
           </p:cNvPr>
           <p:cNvCxnSpPr>
             <a:cxnSpLocks/>
-            <a:stCxn id="146" idx="1"/>
-            <a:endCxn id="95" idx="3"/>
+            <a:stCxn id="419" idx="1"/>
+            <a:endCxn id="276" idx="3"/>
           </p:cNvCxnSpPr>
           <p:nvPr/>
         </p:nvCxnSpPr>
         <p:spPr>
           <a:xfrm flipH="1" flipV="1">
-            <a:off x="4523620" y="3398094"/>
-            <a:ext cx="467698" cy="211116"/>
+            <a:off x="4519292" y="2938128"/>
+            <a:ext cx="687989" cy="2961388"/>
           </a:xfrm>
           <a:prstGeom prst="line">
             <a:avLst/>
@@ -5444,450 +3446,6 @@
           </a:fontRef>
         </p:style>
       </p:cxnSp>
-      <p:grpSp>
-        <p:nvGrpSpPr>
-          <p:cNvPr id="161" name="Group 160">
-            <a:extLst>
-              <a:ext uri="{FF2B5EF4-FFF2-40B4-BE49-F238E27FC236}">
-                <a16:creationId xmlns:a16="http://schemas.microsoft.com/office/drawing/2014/main" id="{479086D1-A5E8-3246-B5AE-7804BBBA0991}"/>
-              </a:ext>
-            </a:extLst>
-          </p:cNvPr>
-          <p:cNvGrpSpPr/>
-          <p:nvPr/>
-        </p:nvGrpSpPr>
-        <p:grpSpPr>
-          <a:xfrm>
-            <a:off x="4991304" y="1568620"/>
-            <a:ext cx="1345254" cy="493776"/>
-            <a:chOff x="1637271" y="1400841"/>
-            <a:chExt cx="1345254" cy="493776"/>
-          </a:xfrm>
-        </p:grpSpPr>
-        <p:grpSp>
-          <p:nvGrpSpPr>
-            <p:cNvPr id="162" name="Group 161">
-              <a:extLst>
-                <a:ext uri="{FF2B5EF4-FFF2-40B4-BE49-F238E27FC236}">
-                  <a16:creationId xmlns:a16="http://schemas.microsoft.com/office/drawing/2014/main" id="{C7E13513-479E-F642-AC4A-E123F71E5D69}"/>
-                </a:ext>
-              </a:extLst>
-            </p:cNvPr>
-            <p:cNvGrpSpPr/>
-            <p:nvPr/>
-          </p:nvGrpSpPr>
-          <p:grpSpPr>
-            <a:xfrm>
-              <a:off x="1637271" y="1400841"/>
-              <a:ext cx="1345254" cy="493776"/>
-              <a:chOff x="255658" y="1455518"/>
-              <a:chExt cx="1345254" cy="493776"/>
-            </a:xfrm>
-          </p:grpSpPr>
-          <p:sp>
-            <p:nvSpPr>
-              <p:cNvPr id="165" name="Rectangle 164">
-                <a:extLst>
-                  <a:ext uri="{FF2B5EF4-FFF2-40B4-BE49-F238E27FC236}">
-                    <a16:creationId xmlns:a16="http://schemas.microsoft.com/office/drawing/2014/main" id="{627F4E76-275B-344C-AD56-AA052EE82C09}"/>
-                  </a:ext>
-                </a:extLst>
-              </p:cNvPr>
-              <p:cNvSpPr/>
-              <p:nvPr/>
-            </p:nvSpPr>
-            <p:spPr>
-              <a:xfrm>
-                <a:off x="255672" y="1455518"/>
-                <a:ext cx="1345240" cy="493776"/>
-              </a:xfrm>
-              <a:prstGeom prst="rect">
-                <a:avLst/>
-              </a:prstGeom>
-              <a:solidFill>
-                <a:srgbClr val="A3C3CF"/>
-              </a:solidFill>
-              <a:ln>
-                <a:solidFill>
-                  <a:schemeClr val="tx1"/>
-                </a:solidFill>
-              </a:ln>
-            </p:spPr>
-            <p:style>
-              <a:lnRef idx="2">
-                <a:schemeClr val="accent1">
-                  <a:shade val="50000"/>
-                </a:schemeClr>
-              </a:lnRef>
-              <a:fillRef idx="1">
-                <a:schemeClr val="accent1"/>
-              </a:fillRef>
-              <a:effectRef idx="0">
-                <a:schemeClr val="accent1"/>
-              </a:effectRef>
-              <a:fontRef idx="minor">
-                <a:schemeClr val="lt1"/>
-              </a:fontRef>
-            </p:style>
-            <p:txBody>
-              <a:bodyPr rtlCol="0" anchor="ctr"/>
-              <a:lstStyle/>
-              <a:p>
-                <a:pPr algn="ctr"/>
-                <a:endParaRPr lang="en-US"/>
-              </a:p>
-            </p:txBody>
-          </p:sp>
-          <p:sp>
-            <p:nvSpPr>
-              <p:cNvPr id="166" name="Rectangle 165">
-                <a:extLst>
-                  <a:ext uri="{FF2B5EF4-FFF2-40B4-BE49-F238E27FC236}">
-                    <a16:creationId xmlns:a16="http://schemas.microsoft.com/office/drawing/2014/main" id="{698EA9BF-EBA3-674F-8B9D-AA31A351C559}"/>
-                  </a:ext>
-                </a:extLst>
-              </p:cNvPr>
-              <p:cNvSpPr/>
-              <p:nvPr/>
-            </p:nvSpPr>
-            <p:spPr>
-              <a:xfrm>
-                <a:off x="255658" y="1700515"/>
-                <a:ext cx="1345240" cy="246221"/>
-              </a:xfrm>
-              <a:prstGeom prst="rect">
-                <a:avLst/>
-              </a:prstGeom>
-              <a:solidFill>
-                <a:schemeClr val="bg1"/>
-              </a:solidFill>
-              <a:ln>
-                <a:solidFill>
-                  <a:schemeClr val="tx1"/>
-                </a:solidFill>
-              </a:ln>
-            </p:spPr>
-            <p:style>
-              <a:lnRef idx="2">
-                <a:schemeClr val="accent1">
-                  <a:shade val="50000"/>
-                </a:schemeClr>
-              </a:lnRef>
-              <a:fillRef idx="1">
-                <a:schemeClr val="accent1"/>
-              </a:fillRef>
-              <a:effectRef idx="0">
-                <a:schemeClr val="accent1"/>
-              </a:effectRef>
-              <a:fontRef idx="minor">
-                <a:schemeClr val="lt1"/>
-              </a:fontRef>
-            </p:style>
-            <p:txBody>
-              <a:bodyPr rtlCol="0" anchor="ctr"/>
-              <a:lstStyle/>
-              <a:p>
-                <a:pPr algn="ctr"/>
-                <a:endParaRPr lang="en-US"/>
-              </a:p>
-            </p:txBody>
-          </p:sp>
-        </p:grpSp>
-        <p:sp>
-          <p:nvSpPr>
-            <p:cNvPr id="163" name="TextBox 162">
-              <a:extLst>
-                <a:ext uri="{FF2B5EF4-FFF2-40B4-BE49-F238E27FC236}">
-                  <a16:creationId xmlns:a16="http://schemas.microsoft.com/office/drawing/2014/main" id="{A659EE53-9319-E84A-A40C-D93257166E6A}"/>
-                </a:ext>
-              </a:extLst>
-            </p:cNvPr>
-            <p:cNvSpPr txBox="1"/>
-            <p:nvPr/>
-          </p:nvSpPr>
-          <p:spPr>
-            <a:xfrm>
-              <a:off x="1674063" y="1409308"/>
-              <a:ext cx="1293730" cy="246221"/>
-            </a:xfrm>
-            <a:prstGeom prst="rect">
-              <a:avLst/>
-            </a:prstGeom>
-            <a:noFill/>
-          </p:spPr>
-          <p:txBody>
-            <a:bodyPr wrap="square" rtlCol="0">
-              <a:spAutoFit/>
-            </a:bodyPr>
-            <a:lstStyle/>
-            <a:p>
-              <a:pPr algn="ctr"/>
-              <a:r>
-                <a:rPr lang="en-US" sz="1000" dirty="0"/>
-                <a:t>Fine root biomass</a:t>
-              </a:r>
-            </a:p>
-          </p:txBody>
-        </p:sp>
-        <p:sp>
-          <p:nvSpPr>
-            <p:cNvPr id="164" name="TextBox 163">
-              <a:extLst>
-                <a:ext uri="{FF2B5EF4-FFF2-40B4-BE49-F238E27FC236}">
-                  <a16:creationId xmlns:a16="http://schemas.microsoft.com/office/drawing/2014/main" id="{B1319EBC-AB88-794C-935A-E5AC01D15C31}"/>
-                </a:ext>
-              </a:extLst>
-            </p:cNvPr>
-            <p:cNvSpPr txBox="1"/>
-            <p:nvPr/>
-          </p:nvSpPr>
-          <p:spPr>
-            <a:xfrm>
-              <a:off x="1644615" y="1645838"/>
-              <a:ext cx="1337896" cy="246221"/>
-            </a:xfrm>
-            <a:prstGeom prst="rect">
-              <a:avLst/>
-            </a:prstGeom>
-            <a:noFill/>
-          </p:spPr>
-          <p:txBody>
-            <a:bodyPr wrap="square" rtlCol="0">
-              <a:spAutoFit/>
-            </a:bodyPr>
-            <a:lstStyle/>
-            <a:p>
-              <a:pPr algn="ctr"/>
-              <a:r>
-                <a:rPr lang="en-US" sz="1000" i="1" dirty="0"/>
-                <a:t>biomass_root_fine</a:t>
-              </a:r>
-            </a:p>
-          </p:txBody>
-        </p:sp>
-      </p:grpSp>
-      <p:grpSp>
-        <p:nvGrpSpPr>
-          <p:cNvPr id="167" name="Group 166">
-            <a:extLst>
-              <a:ext uri="{FF2B5EF4-FFF2-40B4-BE49-F238E27FC236}">
-                <a16:creationId xmlns:a16="http://schemas.microsoft.com/office/drawing/2014/main" id="{9048094E-AC46-CA40-9497-3E86E2CF59AD}"/>
-              </a:ext>
-            </a:extLst>
-          </p:cNvPr>
-          <p:cNvGrpSpPr/>
-          <p:nvPr/>
-        </p:nvGrpSpPr>
-        <p:grpSpPr>
-          <a:xfrm>
-            <a:off x="4991304" y="2121513"/>
-            <a:ext cx="1345254" cy="493776"/>
-            <a:chOff x="1637271" y="1400841"/>
-            <a:chExt cx="1345254" cy="493776"/>
-          </a:xfrm>
-        </p:grpSpPr>
-        <p:grpSp>
-          <p:nvGrpSpPr>
-            <p:cNvPr id="168" name="Group 167">
-              <a:extLst>
-                <a:ext uri="{FF2B5EF4-FFF2-40B4-BE49-F238E27FC236}">
-                  <a16:creationId xmlns:a16="http://schemas.microsoft.com/office/drawing/2014/main" id="{4D960209-8000-A643-A8C4-72FE6A51D05E}"/>
-                </a:ext>
-              </a:extLst>
-            </p:cNvPr>
-            <p:cNvGrpSpPr/>
-            <p:nvPr/>
-          </p:nvGrpSpPr>
-          <p:grpSpPr>
-            <a:xfrm>
-              <a:off x="1637271" y="1400841"/>
-              <a:ext cx="1345254" cy="493776"/>
-              <a:chOff x="255658" y="1455518"/>
-              <a:chExt cx="1345254" cy="493776"/>
-            </a:xfrm>
-          </p:grpSpPr>
-          <p:sp>
-            <p:nvSpPr>
-              <p:cNvPr id="171" name="Rectangle 170">
-                <a:extLst>
-                  <a:ext uri="{FF2B5EF4-FFF2-40B4-BE49-F238E27FC236}">
-                    <a16:creationId xmlns:a16="http://schemas.microsoft.com/office/drawing/2014/main" id="{5372702B-5E04-9443-8686-894279767C31}"/>
-                  </a:ext>
-                </a:extLst>
-              </p:cNvPr>
-              <p:cNvSpPr/>
-              <p:nvPr/>
-            </p:nvSpPr>
-            <p:spPr>
-              <a:xfrm>
-                <a:off x="255672" y="1455518"/>
-                <a:ext cx="1345240" cy="493776"/>
-              </a:xfrm>
-              <a:prstGeom prst="rect">
-                <a:avLst/>
-              </a:prstGeom>
-              <a:solidFill>
-                <a:srgbClr val="A3C3CF"/>
-              </a:solidFill>
-              <a:ln>
-                <a:solidFill>
-                  <a:schemeClr val="tx1"/>
-                </a:solidFill>
-              </a:ln>
-            </p:spPr>
-            <p:style>
-              <a:lnRef idx="2">
-                <a:schemeClr val="accent1">
-                  <a:shade val="50000"/>
-                </a:schemeClr>
-              </a:lnRef>
-              <a:fillRef idx="1">
-                <a:schemeClr val="accent1"/>
-              </a:fillRef>
-              <a:effectRef idx="0">
-                <a:schemeClr val="accent1"/>
-              </a:effectRef>
-              <a:fontRef idx="minor">
-                <a:schemeClr val="lt1"/>
-              </a:fontRef>
-            </p:style>
-            <p:txBody>
-              <a:bodyPr rtlCol="0" anchor="ctr"/>
-              <a:lstStyle/>
-              <a:p>
-                <a:pPr algn="ctr"/>
-                <a:endParaRPr lang="en-US"/>
-              </a:p>
-            </p:txBody>
-          </p:sp>
-          <p:sp>
-            <p:nvSpPr>
-              <p:cNvPr id="172" name="Rectangle 171">
-                <a:extLst>
-                  <a:ext uri="{FF2B5EF4-FFF2-40B4-BE49-F238E27FC236}">
-                    <a16:creationId xmlns:a16="http://schemas.microsoft.com/office/drawing/2014/main" id="{3F92E45F-D3AA-7B4D-876D-7C634BA6266E}"/>
-                  </a:ext>
-                </a:extLst>
-              </p:cNvPr>
-              <p:cNvSpPr/>
-              <p:nvPr/>
-            </p:nvSpPr>
-            <p:spPr>
-              <a:xfrm>
-                <a:off x="255658" y="1700515"/>
-                <a:ext cx="1345240" cy="246221"/>
-              </a:xfrm>
-              <a:prstGeom prst="rect">
-                <a:avLst/>
-              </a:prstGeom>
-              <a:solidFill>
-                <a:schemeClr val="bg1"/>
-              </a:solidFill>
-              <a:ln>
-                <a:solidFill>
-                  <a:schemeClr val="tx1"/>
-                </a:solidFill>
-              </a:ln>
-            </p:spPr>
-            <p:style>
-              <a:lnRef idx="2">
-                <a:schemeClr val="accent1">
-                  <a:shade val="50000"/>
-                </a:schemeClr>
-              </a:lnRef>
-              <a:fillRef idx="1">
-                <a:schemeClr val="accent1"/>
-              </a:fillRef>
-              <a:effectRef idx="0">
-                <a:schemeClr val="accent1"/>
-              </a:effectRef>
-              <a:fontRef idx="minor">
-                <a:schemeClr val="lt1"/>
-              </a:fontRef>
-            </p:style>
-            <p:txBody>
-              <a:bodyPr rtlCol="0" anchor="ctr"/>
-              <a:lstStyle/>
-              <a:p>
-                <a:pPr algn="ctr"/>
-                <a:endParaRPr lang="en-US"/>
-              </a:p>
-            </p:txBody>
-          </p:sp>
-        </p:grpSp>
-        <p:sp>
-          <p:nvSpPr>
-            <p:cNvPr id="169" name="TextBox 168">
-              <a:extLst>
-                <a:ext uri="{FF2B5EF4-FFF2-40B4-BE49-F238E27FC236}">
-                  <a16:creationId xmlns:a16="http://schemas.microsoft.com/office/drawing/2014/main" id="{8AA88CE2-849C-FF43-A736-2DC10F989495}"/>
-                </a:ext>
-              </a:extLst>
-            </p:cNvPr>
-            <p:cNvSpPr txBox="1"/>
-            <p:nvPr/>
-          </p:nvSpPr>
-          <p:spPr>
-            <a:xfrm>
-              <a:off x="1672273" y="1409308"/>
-              <a:ext cx="1271775" cy="246221"/>
-            </a:xfrm>
-            <a:prstGeom prst="rect">
-              <a:avLst/>
-            </a:prstGeom>
-            <a:noFill/>
-          </p:spPr>
-          <p:txBody>
-            <a:bodyPr wrap="square" rtlCol="0">
-              <a:spAutoFit/>
-            </a:bodyPr>
-            <a:lstStyle/>
-            <a:p>
-              <a:pPr algn="ctr"/>
-              <a:r>
-                <a:rPr lang="en-US" sz="1000" dirty="0"/>
-                <a:t>Coarse root biomass</a:t>
-              </a:r>
-            </a:p>
-          </p:txBody>
-        </p:sp>
-        <p:sp>
-          <p:nvSpPr>
-            <p:cNvPr id="170" name="TextBox 169">
-              <a:extLst>
-                <a:ext uri="{FF2B5EF4-FFF2-40B4-BE49-F238E27FC236}">
-                  <a16:creationId xmlns:a16="http://schemas.microsoft.com/office/drawing/2014/main" id="{9CC639BA-A783-4F4B-822B-79694D6359AE}"/>
-                </a:ext>
-              </a:extLst>
-            </p:cNvPr>
-            <p:cNvSpPr txBox="1"/>
-            <p:nvPr/>
-          </p:nvSpPr>
-          <p:spPr>
-            <a:xfrm>
-              <a:off x="1644615" y="1645838"/>
-              <a:ext cx="1337896" cy="246221"/>
-            </a:xfrm>
-            <a:prstGeom prst="rect">
-              <a:avLst/>
-            </a:prstGeom>
-            <a:noFill/>
-          </p:spPr>
-          <p:txBody>
-            <a:bodyPr wrap="square" rtlCol="0">
-              <a:spAutoFit/>
-            </a:bodyPr>
-            <a:lstStyle/>
-            <a:p>
-              <a:pPr algn="ctr"/>
-              <a:r>
-                <a:rPr lang="en-US" sz="1000" i="1" dirty="0"/>
-                <a:t>biomass_root_coarse</a:t>
-              </a:r>
-            </a:p>
-          </p:txBody>
-        </p:sp>
-      </p:grpSp>
       <p:cxnSp>
         <p:nvCxnSpPr>
           <p:cNvPr id="173" name="Straight Connector 172">
@@ -5899,15 +3457,15 @@
           </p:cNvPr>
           <p:cNvCxnSpPr>
             <a:cxnSpLocks/>
-            <a:stCxn id="165" idx="1"/>
-            <a:endCxn id="82" idx="3"/>
+            <a:stCxn id="244" idx="1"/>
+            <a:endCxn id="295" idx="3"/>
           </p:cNvCxnSpPr>
           <p:nvPr/>
         </p:nvCxnSpPr>
         <p:spPr>
-          <a:xfrm flipH="1">
-            <a:off x="4523620" y="1815508"/>
-            <a:ext cx="467698" cy="202776"/>
+          <a:xfrm flipH="1" flipV="1">
+            <a:off x="4519292" y="1568997"/>
+            <a:ext cx="687989" cy="734610"/>
           </a:xfrm>
           <a:prstGeom prst="line">
             <a:avLst/>
@@ -5939,15 +3497,55 @@
           </p:cNvPr>
           <p:cNvCxnSpPr>
             <a:cxnSpLocks/>
-            <a:stCxn id="171" idx="1"/>
-            <a:endCxn id="82" idx="3"/>
+            <a:stCxn id="382" idx="1"/>
+            <a:endCxn id="295" idx="3"/>
           </p:cNvCxnSpPr>
           <p:nvPr/>
         </p:nvCxnSpPr>
         <p:spPr>
           <a:xfrm flipH="1" flipV="1">
-            <a:off x="4523620" y="2018284"/>
-            <a:ext cx="467698" cy="350117"/>
+            <a:off x="4519292" y="1568997"/>
+            <a:ext cx="687989" cy="1751589"/>
+          </a:xfrm>
+          <a:prstGeom prst="line">
+            <a:avLst/>
+          </a:prstGeom>
+        </p:spPr>
+        <p:style>
+          <a:lnRef idx="1">
+            <a:schemeClr val="dk1"/>
+          </a:lnRef>
+          <a:fillRef idx="0">
+            <a:schemeClr val="dk1"/>
+          </a:fillRef>
+          <a:effectRef idx="0">
+            <a:schemeClr val="dk1"/>
+          </a:effectRef>
+          <a:fontRef idx="minor">
+            <a:schemeClr val="tx1"/>
+          </a:fontRef>
+        </p:style>
+      </p:cxnSp>
+      <p:cxnSp>
+        <p:nvCxnSpPr>
+          <p:cNvPr id="200" name="Straight Connector 199">
+            <a:extLst>
+              <a:ext uri="{FF2B5EF4-FFF2-40B4-BE49-F238E27FC236}">
+                <a16:creationId xmlns:a16="http://schemas.microsoft.com/office/drawing/2014/main" id="{E9FCF53C-91BB-5B4E-9527-54903A5FDD7B}"/>
+              </a:ext>
+            </a:extLst>
+          </p:cNvPr>
+          <p:cNvCxnSpPr>
+            <a:cxnSpLocks/>
+            <a:stCxn id="392" idx="1"/>
+            <a:endCxn id="276" idx="3"/>
+          </p:cNvCxnSpPr>
+          <p:nvPr/>
+        </p:nvCxnSpPr>
+        <p:spPr>
+          <a:xfrm flipH="1" flipV="1">
+            <a:off x="4519292" y="2938128"/>
+            <a:ext cx="687989" cy="1390201"/>
           </a:xfrm>
           <a:prstGeom prst="line">
             <a:avLst/>
@@ -5970,10 +3568,10 @@
       </p:cxnSp>
       <p:grpSp>
         <p:nvGrpSpPr>
-          <p:cNvPr id="194" name="Group 193">
+          <p:cNvPr id="245" name="Group 244">
             <a:extLst>
               <a:ext uri="{FF2B5EF4-FFF2-40B4-BE49-F238E27FC236}">
-                <a16:creationId xmlns:a16="http://schemas.microsoft.com/office/drawing/2014/main" id="{630051C9-E362-1043-AB13-4892661A30C9}"/>
+                <a16:creationId xmlns:a16="http://schemas.microsoft.com/office/drawing/2014/main" id="{F979FDB3-72DD-DC41-8A4D-68061ADC8916}"/>
               </a:ext>
             </a:extLst>
           </p:cNvPr>
@@ -5982,18 +3580,18 @@
         </p:nvGrpSpPr>
         <p:grpSpPr>
           <a:xfrm>
-            <a:off x="4998662" y="3996905"/>
-            <a:ext cx="1345240" cy="254688"/>
-            <a:chOff x="1637285" y="1400841"/>
-            <a:chExt cx="1345240" cy="254688"/>
+            <a:off x="5207281" y="2180163"/>
+            <a:ext cx="1555612" cy="974581"/>
+            <a:chOff x="90095" y="47551"/>
+            <a:chExt cx="1555612" cy="974581"/>
           </a:xfrm>
         </p:grpSpPr>
         <p:sp>
           <p:nvSpPr>
-            <p:cNvPr id="198" name="Rectangle 197">
+            <p:cNvPr id="231" name="Rectangle 230">
               <a:extLst>
                 <a:ext uri="{FF2B5EF4-FFF2-40B4-BE49-F238E27FC236}">
-                  <a16:creationId xmlns:a16="http://schemas.microsoft.com/office/drawing/2014/main" id="{D2828DD0-B4E2-A74A-A82C-B8412334288C}"/>
+                  <a16:creationId xmlns:a16="http://schemas.microsoft.com/office/drawing/2014/main" id="{05629D89-9DE6-9742-883C-D6537DA8C9FA}"/>
                 </a:ext>
               </a:extLst>
             </p:cNvPr>
@@ -6002,15 +3600,590 @@
           </p:nvSpPr>
           <p:spPr>
             <a:xfrm>
-              <a:off x="1637285" y="1400841"/>
-              <a:ext cx="1345240" cy="254688"/>
+              <a:off x="91227" y="530805"/>
+              <a:ext cx="1554480" cy="246888"/>
             </a:xfrm>
             <a:prstGeom prst="rect">
               <a:avLst/>
             </a:prstGeom>
             <a:solidFill>
-              <a:schemeClr val="bg1">
-                <a:lumMod val="85000"/>
+              <a:schemeClr val="bg1"/>
+            </a:solidFill>
+            <a:ln>
+              <a:solidFill>
+                <a:schemeClr val="tx1"/>
+              </a:solidFill>
+            </a:ln>
+          </p:spPr>
+          <p:style>
+            <a:lnRef idx="2">
+              <a:schemeClr val="accent1">
+                <a:shade val="50000"/>
+              </a:schemeClr>
+            </a:lnRef>
+            <a:fillRef idx="1">
+              <a:schemeClr val="accent1"/>
+            </a:fillRef>
+            <a:effectRef idx="0">
+              <a:schemeClr val="accent1"/>
+            </a:effectRef>
+            <a:fontRef idx="minor">
+              <a:schemeClr val="lt1"/>
+            </a:fontRef>
+          </p:style>
+          <p:txBody>
+            <a:bodyPr rtlCol="0" anchor="ctr"/>
+            <a:lstStyle/>
+            <a:p>
+              <a:pPr algn="ctr"/>
+              <a:r>
+                <a:rPr lang="en-US" sz="1000" dirty="0">
+                  <a:solidFill>
+                    <a:schemeClr val="tx1"/>
+                  </a:solidFill>
+                </a:rPr>
+                <a:t>▲ </a:t>
+              </a:r>
+              <a:r>
+                <a:rPr lang="en-US" sz="1000" i="1" dirty="0">
+                  <a:solidFill>
+                    <a:schemeClr val="tx1"/>
+                  </a:solidFill>
+                </a:rPr>
+                <a:t>BNPP_root_fine</a:t>
+              </a:r>
+              <a:endParaRPr lang="en-US" sz="1000" dirty="0">
+                <a:solidFill>
+                  <a:schemeClr val="tx1"/>
+                </a:solidFill>
+              </a:endParaRPr>
+            </a:p>
+          </p:txBody>
+        </p:sp>
+        <p:sp>
+          <p:nvSpPr>
+            <p:cNvPr id="232" name="Rectangle 231">
+              <a:extLst>
+                <a:ext uri="{FF2B5EF4-FFF2-40B4-BE49-F238E27FC236}">
+                  <a16:creationId xmlns:a16="http://schemas.microsoft.com/office/drawing/2014/main" id="{523E8C3D-D146-0444-8FD0-93B3F3AAADF5}"/>
+                </a:ext>
+              </a:extLst>
+            </p:cNvPr>
+            <p:cNvSpPr/>
+            <p:nvPr/>
+          </p:nvSpPr>
+          <p:spPr>
+            <a:xfrm>
+              <a:off x="91227" y="775244"/>
+              <a:ext cx="1554480" cy="246888"/>
+            </a:xfrm>
+            <a:prstGeom prst="rect">
+              <a:avLst/>
+            </a:prstGeom>
+            <a:solidFill>
+              <a:schemeClr val="bg1"/>
+            </a:solidFill>
+            <a:ln>
+              <a:solidFill>
+                <a:schemeClr val="tx1"/>
+              </a:solidFill>
+            </a:ln>
+          </p:spPr>
+          <p:style>
+            <a:lnRef idx="2">
+              <a:schemeClr val="accent1">
+                <a:shade val="50000"/>
+              </a:schemeClr>
+            </a:lnRef>
+            <a:fillRef idx="1">
+              <a:schemeClr val="accent1"/>
+            </a:fillRef>
+            <a:effectRef idx="0">
+              <a:schemeClr val="accent1"/>
+            </a:effectRef>
+            <a:fontRef idx="minor">
+              <a:schemeClr val="lt1"/>
+            </a:fontRef>
+          </p:style>
+          <p:txBody>
+            <a:bodyPr lIns="0" rIns="0" rtlCol="0" anchor="ctr"/>
+            <a:lstStyle/>
+            <a:p>
+              <a:pPr algn="ctr"/>
+              <a:r>
+                <a:rPr lang="en-US" sz="1000" i="1" dirty="0">
+                  <a:solidFill>
+                    <a:schemeClr val="tx1"/>
+                  </a:solidFill>
+                </a:rPr>
+                <a:t>▼ </a:t>
+              </a:r>
+              <a:r>
+                <a:rPr lang="en-US" sz="900" i="1" dirty="0">
+                  <a:solidFill>
+                    <a:schemeClr val="tx1"/>
+                  </a:solidFill>
+                </a:rPr>
+                <a:t>BNPP_root.turnover_fine</a:t>
+              </a:r>
+              <a:endParaRPr lang="en-US" sz="1000" dirty="0">
+                <a:solidFill>
+                  <a:schemeClr val="tx1"/>
+                </a:solidFill>
+              </a:endParaRPr>
+            </a:p>
+          </p:txBody>
+        </p:sp>
+        <p:sp>
+          <p:nvSpPr>
+            <p:cNvPr id="241" name="Rectangle 240">
+              <a:extLst>
+                <a:ext uri="{FF2B5EF4-FFF2-40B4-BE49-F238E27FC236}">
+                  <a16:creationId xmlns:a16="http://schemas.microsoft.com/office/drawing/2014/main" id="{A5B4B88A-9BAC-A84C-8B22-14C62AB86F89}"/>
+                </a:ext>
+              </a:extLst>
+            </p:cNvPr>
+            <p:cNvSpPr/>
+            <p:nvPr/>
+          </p:nvSpPr>
+          <p:spPr>
+            <a:xfrm>
+              <a:off x="91227" y="291479"/>
+              <a:ext cx="1554480" cy="246888"/>
+            </a:xfrm>
+            <a:prstGeom prst="rect">
+              <a:avLst/>
+            </a:prstGeom>
+            <a:solidFill>
+              <a:schemeClr val="bg1"/>
+            </a:solidFill>
+            <a:ln>
+              <a:solidFill>
+                <a:schemeClr val="tx1"/>
+              </a:solidFill>
+            </a:ln>
+          </p:spPr>
+          <p:style>
+            <a:lnRef idx="2">
+              <a:schemeClr val="accent1">
+                <a:shade val="50000"/>
+              </a:schemeClr>
+            </a:lnRef>
+            <a:fillRef idx="1">
+              <a:schemeClr val="accent1"/>
+            </a:fillRef>
+            <a:effectRef idx="0">
+              <a:schemeClr val="accent1"/>
+            </a:effectRef>
+            <a:fontRef idx="minor">
+              <a:schemeClr val="lt1"/>
+            </a:fontRef>
+          </p:style>
+          <p:txBody>
+            <a:bodyPr rtlCol="0" anchor="ctr"/>
+            <a:lstStyle/>
+            <a:p>
+              <a:pPr algn="ctr"/>
+              <a:r>
+                <a:rPr lang="en-US" sz="1000" i="1" dirty="0">
+                  <a:solidFill>
+                    <a:schemeClr val="tx1"/>
+                  </a:solidFill>
+                </a:rPr>
+                <a:t>biomass_root_fine</a:t>
+              </a:r>
+            </a:p>
+          </p:txBody>
+        </p:sp>
+        <p:sp>
+          <p:nvSpPr>
+            <p:cNvPr id="244" name="Rectangle 243">
+              <a:extLst>
+                <a:ext uri="{FF2B5EF4-FFF2-40B4-BE49-F238E27FC236}">
+                  <a16:creationId xmlns:a16="http://schemas.microsoft.com/office/drawing/2014/main" id="{6BF72C95-3049-8841-816A-94C36D006694}"/>
+                </a:ext>
+              </a:extLst>
+            </p:cNvPr>
+            <p:cNvSpPr/>
+            <p:nvPr/>
+          </p:nvSpPr>
+          <p:spPr>
+            <a:xfrm>
+              <a:off x="90095" y="47551"/>
+              <a:ext cx="1554480" cy="246888"/>
+            </a:xfrm>
+            <a:prstGeom prst="rect">
+              <a:avLst/>
+            </a:prstGeom>
+            <a:solidFill>
+              <a:srgbClr val="A3C3CF"/>
+            </a:solidFill>
+            <a:ln>
+              <a:solidFill>
+                <a:schemeClr val="tx1"/>
+              </a:solidFill>
+            </a:ln>
+          </p:spPr>
+          <p:style>
+            <a:lnRef idx="2">
+              <a:schemeClr val="accent1">
+                <a:shade val="50000"/>
+              </a:schemeClr>
+            </a:lnRef>
+            <a:fillRef idx="1">
+              <a:schemeClr val="accent1"/>
+            </a:fillRef>
+            <a:effectRef idx="0">
+              <a:schemeClr val="accent1"/>
+            </a:effectRef>
+            <a:fontRef idx="minor">
+              <a:schemeClr val="lt1"/>
+            </a:fontRef>
+          </p:style>
+          <p:txBody>
+            <a:bodyPr rtlCol="0" anchor="ctr"/>
+            <a:lstStyle/>
+            <a:p>
+              <a:pPr algn="ctr"/>
+              <a:r>
+                <a:rPr lang="en-US" sz="1000" dirty="0">
+                  <a:solidFill>
+                    <a:schemeClr val="tx1"/>
+                  </a:solidFill>
+                </a:rPr>
+                <a:t>Fine root biomass</a:t>
+              </a:r>
+            </a:p>
+          </p:txBody>
+        </p:sp>
+      </p:grpSp>
+      <p:grpSp>
+        <p:nvGrpSpPr>
+          <p:cNvPr id="246" name="Group 245">
+            <a:extLst>
+              <a:ext uri="{FF2B5EF4-FFF2-40B4-BE49-F238E27FC236}">
+                <a16:creationId xmlns:a16="http://schemas.microsoft.com/office/drawing/2014/main" id="{A13D904A-9325-3741-9C8D-D7A112212F0E}"/>
+              </a:ext>
+            </a:extLst>
+          </p:cNvPr>
+          <p:cNvGrpSpPr/>
+          <p:nvPr/>
+        </p:nvGrpSpPr>
+        <p:grpSpPr>
+          <a:xfrm>
+            <a:off x="3147692" y="72711"/>
+            <a:ext cx="1346372" cy="1223293"/>
+            <a:chOff x="90095" y="47552"/>
+            <a:chExt cx="1346372" cy="1223293"/>
+          </a:xfrm>
+        </p:grpSpPr>
+        <p:sp>
+          <p:nvSpPr>
+            <p:cNvPr id="247" name="Rectangle 246">
+              <a:extLst>
+                <a:ext uri="{FF2B5EF4-FFF2-40B4-BE49-F238E27FC236}">
+                  <a16:creationId xmlns:a16="http://schemas.microsoft.com/office/drawing/2014/main" id="{543BDB13-5C19-9D4C-B8E3-69DF54CFE741}"/>
+                </a:ext>
+              </a:extLst>
+            </p:cNvPr>
+            <p:cNvSpPr/>
+            <p:nvPr/>
+          </p:nvSpPr>
+          <p:spPr>
+            <a:xfrm>
+              <a:off x="91227" y="780186"/>
+              <a:ext cx="1345240" cy="246221"/>
+            </a:xfrm>
+            <a:prstGeom prst="rect">
+              <a:avLst/>
+            </a:prstGeom>
+            <a:solidFill>
+              <a:schemeClr val="bg1"/>
+            </a:solidFill>
+            <a:ln>
+              <a:solidFill>
+                <a:schemeClr val="tx1"/>
+              </a:solidFill>
+            </a:ln>
+          </p:spPr>
+          <p:style>
+            <a:lnRef idx="2">
+              <a:schemeClr val="accent1">
+                <a:shade val="50000"/>
+              </a:schemeClr>
+            </a:lnRef>
+            <a:fillRef idx="1">
+              <a:schemeClr val="accent1"/>
+            </a:fillRef>
+            <a:effectRef idx="0">
+              <a:schemeClr val="accent1"/>
+            </a:effectRef>
+            <a:fontRef idx="minor">
+              <a:schemeClr val="lt1"/>
+            </a:fontRef>
+          </p:style>
+          <p:txBody>
+            <a:bodyPr rtlCol="0" anchor="ctr"/>
+            <a:lstStyle/>
+            <a:p>
+              <a:pPr algn="ctr"/>
+              <a:r>
+                <a:rPr lang="en-US" sz="1000" dirty="0">
+                  <a:solidFill>
+                    <a:schemeClr val="tx1"/>
+                  </a:solidFill>
+                </a:rPr>
+                <a:t>▲ </a:t>
+              </a:r>
+              <a:r>
+                <a:rPr lang="en-US" sz="1000" i="1" dirty="0">
+                  <a:solidFill>
+                    <a:schemeClr val="tx1"/>
+                  </a:solidFill>
+                </a:rPr>
+                <a:t>ANPP_woody_stem</a:t>
+              </a:r>
+              <a:endParaRPr lang="en-US" sz="1000" dirty="0">
+                <a:solidFill>
+                  <a:schemeClr val="tx1"/>
+                </a:solidFill>
+              </a:endParaRPr>
+            </a:p>
+          </p:txBody>
+        </p:sp>
+        <p:sp>
+          <p:nvSpPr>
+            <p:cNvPr id="248" name="Rectangle 247">
+              <a:extLst>
+                <a:ext uri="{FF2B5EF4-FFF2-40B4-BE49-F238E27FC236}">
+                  <a16:creationId xmlns:a16="http://schemas.microsoft.com/office/drawing/2014/main" id="{A9ACA5E3-7DAD-E341-9A1C-620D0D593D7C}"/>
+                </a:ext>
+              </a:extLst>
+            </p:cNvPr>
+            <p:cNvSpPr/>
+            <p:nvPr/>
+          </p:nvSpPr>
+          <p:spPr>
+            <a:xfrm>
+              <a:off x="91227" y="1024624"/>
+              <a:ext cx="1345240" cy="246221"/>
+            </a:xfrm>
+            <a:prstGeom prst="rect">
+              <a:avLst/>
+            </a:prstGeom>
+            <a:solidFill>
+              <a:schemeClr val="bg1"/>
+            </a:solidFill>
+            <a:ln>
+              <a:solidFill>
+                <a:schemeClr val="tx1"/>
+              </a:solidFill>
+            </a:ln>
+          </p:spPr>
+          <p:style>
+            <a:lnRef idx="2">
+              <a:schemeClr val="accent1">
+                <a:shade val="50000"/>
+              </a:schemeClr>
+            </a:lnRef>
+            <a:fillRef idx="1">
+              <a:schemeClr val="accent1"/>
+            </a:fillRef>
+            <a:effectRef idx="0">
+              <a:schemeClr val="accent1"/>
+            </a:effectRef>
+            <a:fontRef idx="minor">
+              <a:schemeClr val="lt1"/>
+            </a:fontRef>
+          </p:style>
+          <p:txBody>
+            <a:bodyPr rtlCol="0" anchor="ctr"/>
+            <a:lstStyle/>
+            <a:p>
+              <a:pPr algn="ctr"/>
+              <a:r>
+                <a:rPr lang="en-US" sz="1000" i="1" dirty="0">
+                  <a:solidFill>
+                    <a:schemeClr val="tx1"/>
+                  </a:solidFill>
+                </a:rPr>
+                <a:t>▼ woody_mortality</a:t>
+              </a:r>
+              <a:r>
+                <a:rPr lang="en-US" sz="1000" i="1" baseline="30000" dirty="0">
+                  <a:solidFill>
+                    <a:schemeClr val="tx1"/>
+                  </a:solidFill>
+                </a:rPr>
+                <a:t>2</a:t>
+              </a:r>
+              <a:endParaRPr lang="en-US" sz="1000" dirty="0">
+                <a:solidFill>
+                  <a:schemeClr val="tx1"/>
+                </a:solidFill>
+              </a:endParaRPr>
+            </a:p>
+          </p:txBody>
+        </p:sp>
+        <p:sp>
+          <p:nvSpPr>
+            <p:cNvPr id="249" name="Rectangle 248">
+              <a:extLst>
+                <a:ext uri="{FF2B5EF4-FFF2-40B4-BE49-F238E27FC236}">
+                  <a16:creationId xmlns:a16="http://schemas.microsoft.com/office/drawing/2014/main" id="{5A8B025F-C575-7F42-941B-03CF1F9A6268}"/>
+                </a:ext>
+              </a:extLst>
+            </p:cNvPr>
+            <p:cNvSpPr/>
+            <p:nvPr/>
+          </p:nvSpPr>
+          <p:spPr>
+            <a:xfrm>
+              <a:off x="91227" y="536478"/>
+              <a:ext cx="1345240" cy="246221"/>
+            </a:xfrm>
+            <a:prstGeom prst="rect">
+              <a:avLst/>
+            </a:prstGeom>
+            <a:solidFill>
+              <a:schemeClr val="bg1"/>
+            </a:solidFill>
+            <a:ln>
+              <a:solidFill>
+                <a:schemeClr val="tx1"/>
+              </a:solidFill>
+            </a:ln>
+          </p:spPr>
+          <p:style>
+            <a:lnRef idx="2">
+              <a:schemeClr val="accent1">
+                <a:shade val="50000"/>
+              </a:schemeClr>
+            </a:lnRef>
+            <a:fillRef idx="1">
+              <a:schemeClr val="accent1"/>
+            </a:fillRef>
+            <a:effectRef idx="0">
+              <a:schemeClr val="accent1"/>
+            </a:effectRef>
+            <a:fontRef idx="minor">
+              <a:schemeClr val="lt1"/>
+            </a:fontRef>
+          </p:style>
+          <p:txBody>
+            <a:bodyPr rtlCol="0" anchor="ctr"/>
+            <a:lstStyle/>
+            <a:p>
+              <a:pPr algn="ctr"/>
+              <a:r>
+                <a:rPr lang="en-US" sz="1000" dirty="0">
+                  <a:solidFill>
+                    <a:schemeClr val="tx1"/>
+                  </a:solidFill>
+                </a:rPr>
+                <a:t>△</a:t>
+              </a:r>
+              <a:r>
+                <a:rPr lang="en-US" sz="1000" i="1" dirty="0">
+                  <a:solidFill>
+                    <a:schemeClr val="tx1"/>
+                  </a:solidFill>
+                </a:rPr>
+                <a:t> delta.agb</a:t>
+              </a:r>
+              <a:endParaRPr lang="en-US" sz="1000" dirty="0">
+                <a:solidFill>
+                  <a:schemeClr val="tx1"/>
+                </a:solidFill>
+              </a:endParaRPr>
+            </a:p>
+          </p:txBody>
+        </p:sp>
+        <p:sp>
+          <p:nvSpPr>
+            <p:cNvPr id="250" name="Rectangle 249">
+              <a:extLst>
+                <a:ext uri="{FF2B5EF4-FFF2-40B4-BE49-F238E27FC236}">
+                  <a16:creationId xmlns:a16="http://schemas.microsoft.com/office/drawing/2014/main" id="{E5C11E05-4E48-DA4F-B322-626DD143E6F4}"/>
+                </a:ext>
+              </a:extLst>
+            </p:cNvPr>
+            <p:cNvSpPr/>
+            <p:nvPr/>
+          </p:nvSpPr>
+          <p:spPr>
+            <a:xfrm>
+              <a:off x="91227" y="291480"/>
+              <a:ext cx="1345240" cy="246221"/>
+            </a:xfrm>
+            <a:prstGeom prst="rect">
+              <a:avLst/>
+            </a:prstGeom>
+            <a:solidFill>
+              <a:schemeClr val="bg1"/>
+            </a:solidFill>
+            <a:ln>
+              <a:solidFill>
+                <a:schemeClr val="tx1"/>
+              </a:solidFill>
+            </a:ln>
+          </p:spPr>
+          <p:style>
+            <a:lnRef idx="2">
+              <a:schemeClr val="accent1">
+                <a:shade val="50000"/>
+              </a:schemeClr>
+            </a:lnRef>
+            <a:fillRef idx="1">
+              <a:schemeClr val="accent1"/>
+            </a:fillRef>
+            <a:effectRef idx="0">
+              <a:schemeClr val="accent1"/>
+            </a:effectRef>
+            <a:fontRef idx="minor">
+              <a:schemeClr val="lt1"/>
+            </a:fontRef>
+          </p:style>
+          <p:txBody>
+            <a:bodyPr rtlCol="0" anchor="ctr"/>
+            <a:lstStyle/>
+            <a:p>
+              <a:pPr algn="ctr"/>
+              <a:r>
+                <a:rPr lang="en-US" sz="1000" i="1" dirty="0">
+                  <a:solidFill>
+                    <a:schemeClr val="tx1"/>
+                  </a:solidFill>
+                </a:rPr>
+                <a:t>biomass_ag</a:t>
+              </a:r>
+            </a:p>
+          </p:txBody>
+        </p:sp>
+        <p:sp>
+          <p:nvSpPr>
+            <p:cNvPr id="251" name="Rectangle 250">
+              <a:extLst>
+                <a:ext uri="{FF2B5EF4-FFF2-40B4-BE49-F238E27FC236}">
+                  <a16:creationId xmlns:a16="http://schemas.microsoft.com/office/drawing/2014/main" id="{A4EBC0E0-F95B-7C46-B545-1646038C58D9}"/>
+                </a:ext>
+              </a:extLst>
+            </p:cNvPr>
+            <p:cNvSpPr/>
+            <p:nvPr/>
+          </p:nvSpPr>
+          <p:spPr>
+            <a:xfrm>
+              <a:off x="90095" y="47552"/>
+              <a:ext cx="1345240" cy="246221"/>
+            </a:xfrm>
+            <a:prstGeom prst="rect">
+              <a:avLst/>
+            </a:prstGeom>
+            <a:solidFill>
+              <a:schemeClr val="accent6">
+                <a:lumMod val="40000"/>
+                <a:lumOff val="60000"/>
               </a:schemeClr>
             </a:solidFill>
             <a:ln>
@@ -6040,42 +4213,1481 @@
             <a:lstStyle/>
             <a:p>
               <a:pPr algn="ctr"/>
-              <a:endParaRPr lang="en-US"/>
+              <a:r>
+                <a:rPr lang="en-US" sz="1000" dirty="0">
+                  <a:solidFill>
+                    <a:schemeClr val="tx1"/>
+                  </a:solidFill>
+                </a:rPr>
+                <a:t>Aboveground biomass</a:t>
+              </a:r>
+            </a:p>
+          </p:txBody>
+        </p:sp>
+      </p:grpSp>
+      <p:grpSp>
+        <p:nvGrpSpPr>
+          <p:cNvPr id="255" name="Group 254">
+            <a:extLst>
+              <a:ext uri="{FF2B5EF4-FFF2-40B4-BE49-F238E27FC236}">
+                <a16:creationId xmlns:a16="http://schemas.microsoft.com/office/drawing/2014/main" id="{21196B20-55A3-7745-A197-34634C6BF9E0}"/>
+              </a:ext>
+            </a:extLst>
+          </p:cNvPr>
+          <p:cNvGrpSpPr/>
+          <p:nvPr/>
+        </p:nvGrpSpPr>
+        <p:grpSpPr>
+          <a:xfrm>
+            <a:off x="1625991" y="1256915"/>
+            <a:ext cx="1346372" cy="1223293"/>
+            <a:chOff x="90095" y="47552"/>
+            <a:chExt cx="1346372" cy="1223293"/>
+          </a:xfrm>
+        </p:grpSpPr>
+        <p:sp>
+          <p:nvSpPr>
+            <p:cNvPr id="256" name="Rectangle 255">
+              <a:extLst>
+                <a:ext uri="{FF2B5EF4-FFF2-40B4-BE49-F238E27FC236}">
+                  <a16:creationId xmlns:a16="http://schemas.microsoft.com/office/drawing/2014/main" id="{CAB1C4E2-9D7C-804F-B449-6F9D9F426FE4}"/>
+                </a:ext>
+              </a:extLst>
+            </p:cNvPr>
+            <p:cNvSpPr/>
+            <p:nvPr/>
+          </p:nvSpPr>
+          <p:spPr>
+            <a:xfrm>
+              <a:off x="91227" y="780186"/>
+              <a:ext cx="1345240" cy="246221"/>
+            </a:xfrm>
+            <a:prstGeom prst="rect">
+              <a:avLst/>
+            </a:prstGeom>
+            <a:solidFill>
+              <a:schemeClr val="bg1"/>
+            </a:solidFill>
+            <a:ln>
+              <a:solidFill>
+                <a:schemeClr val="tx1"/>
+              </a:solidFill>
+            </a:ln>
+          </p:spPr>
+          <p:style>
+            <a:lnRef idx="2">
+              <a:schemeClr val="accent1">
+                <a:shade val="50000"/>
+              </a:schemeClr>
+            </a:lnRef>
+            <a:fillRef idx="1">
+              <a:schemeClr val="accent1"/>
+            </a:fillRef>
+            <a:effectRef idx="0">
+              <a:schemeClr val="accent1"/>
+            </a:effectRef>
+            <a:fontRef idx="minor">
+              <a:schemeClr val="lt1"/>
+            </a:fontRef>
+          </p:style>
+          <p:txBody>
+            <a:bodyPr rtlCol="0" anchor="ctr"/>
+            <a:lstStyle/>
+            <a:p>
+              <a:pPr algn="ctr"/>
+              <a:r>
+                <a:rPr lang="en-US" sz="1000" dirty="0">
+                  <a:solidFill>
+                    <a:schemeClr val="tx1"/>
+                  </a:solidFill>
+                </a:rPr>
+                <a:t>▲</a:t>
+              </a:r>
+              <a:r>
+                <a:rPr lang="en-US" sz="1000" i="1" dirty="0">
+                  <a:solidFill>
+                    <a:schemeClr val="tx1"/>
+                  </a:solidFill>
+                </a:rPr>
+                <a:t>NPP_woody</a:t>
+              </a:r>
             </a:p>
           </p:txBody>
         </p:sp>
         <p:sp>
           <p:nvSpPr>
-            <p:cNvPr id="196" name="TextBox 195">
+            <p:cNvPr id="257" name="Rectangle 256">
               <a:extLst>
                 <a:ext uri="{FF2B5EF4-FFF2-40B4-BE49-F238E27FC236}">
-                  <a16:creationId xmlns:a16="http://schemas.microsoft.com/office/drawing/2014/main" id="{70DDC5DD-6258-8941-A3C6-DDC346AEAD3B}"/>
+                  <a16:creationId xmlns:a16="http://schemas.microsoft.com/office/drawing/2014/main" id="{C800541A-17F6-A747-BF9B-1626B3175E75}"/>
                 </a:ext>
               </a:extLst>
             </p:cNvPr>
-            <p:cNvSpPr txBox="1"/>
+            <p:cNvSpPr/>
             <p:nvPr/>
           </p:nvSpPr>
           <p:spPr>
             <a:xfrm>
-              <a:off x="1651973" y="1409308"/>
-              <a:ext cx="1315820" cy="246221"/>
+              <a:off x="91227" y="1024624"/>
+              <a:ext cx="1345240" cy="246221"/>
             </a:xfrm>
             <a:prstGeom prst="rect">
               <a:avLst/>
             </a:prstGeom>
-            <a:noFill/>
+            <a:solidFill>
+              <a:schemeClr val="bg1"/>
+            </a:solidFill>
+            <a:ln>
+              <a:solidFill>
+                <a:schemeClr val="tx1"/>
+              </a:solidFill>
+            </a:ln>
           </p:spPr>
+          <p:style>
+            <a:lnRef idx="2">
+              <a:schemeClr val="accent1">
+                <a:shade val="50000"/>
+              </a:schemeClr>
+            </a:lnRef>
+            <a:fillRef idx="1">
+              <a:schemeClr val="accent1"/>
+            </a:fillRef>
+            <a:effectRef idx="0">
+              <a:schemeClr val="accent1"/>
+            </a:effectRef>
+            <a:fontRef idx="minor">
+              <a:schemeClr val="lt1"/>
+            </a:fontRef>
+          </p:style>
           <p:txBody>
-            <a:bodyPr wrap="square" rtlCol="0">
-              <a:spAutoFit/>
-            </a:bodyPr>
+            <a:bodyPr rtlCol="0" anchor="ctr"/>
             <a:lstStyle/>
             <a:p>
               <a:pPr algn="ctr"/>
               <a:r>
-                <a:rPr lang="en-US" sz="1000" dirty="0"/>
-                <a:t>Dead coarse roots</a:t>
+                <a:rPr lang="en-US" sz="1000" i="1" dirty="0">
+                  <a:solidFill>
+                    <a:schemeClr val="tx1"/>
+                  </a:solidFill>
+                </a:rPr>
+                <a:t>▼</a:t>
+              </a:r>
+              <a:r>
+                <a:rPr lang="en-US" sz="1000" dirty="0">
+                  <a:solidFill>
+                    <a:schemeClr val="tx1"/>
+                  </a:solidFill>
+                </a:rPr>
+                <a:t>⌀</a:t>
+              </a:r>
+            </a:p>
+          </p:txBody>
+        </p:sp>
+        <p:sp>
+          <p:nvSpPr>
+            <p:cNvPr id="258" name="Rectangle 257">
+              <a:extLst>
+                <a:ext uri="{FF2B5EF4-FFF2-40B4-BE49-F238E27FC236}">
+                  <a16:creationId xmlns:a16="http://schemas.microsoft.com/office/drawing/2014/main" id="{C64FC82D-C69C-124B-B30E-31A411517D0B}"/>
+                </a:ext>
+              </a:extLst>
+            </p:cNvPr>
+            <p:cNvSpPr/>
+            <p:nvPr/>
+          </p:nvSpPr>
+          <p:spPr>
+            <a:xfrm>
+              <a:off x="91227" y="536478"/>
+              <a:ext cx="1345240" cy="246221"/>
+            </a:xfrm>
+            <a:prstGeom prst="rect">
+              <a:avLst/>
+            </a:prstGeom>
+            <a:solidFill>
+              <a:schemeClr val="bg1"/>
+            </a:solidFill>
+            <a:ln>
+              <a:solidFill>
+                <a:schemeClr val="tx1"/>
+              </a:solidFill>
+            </a:ln>
+          </p:spPr>
+          <p:style>
+            <a:lnRef idx="2">
+              <a:schemeClr val="accent1">
+                <a:shade val="50000"/>
+              </a:schemeClr>
+            </a:lnRef>
+            <a:fillRef idx="1">
+              <a:schemeClr val="accent1"/>
+            </a:fillRef>
+            <a:effectRef idx="0">
+              <a:schemeClr val="accent1"/>
+            </a:effectRef>
+            <a:fontRef idx="minor">
+              <a:schemeClr val="lt1"/>
+            </a:fontRef>
+          </p:style>
+          <p:txBody>
+            <a:bodyPr rtlCol="0" anchor="ctr"/>
+            <a:lstStyle/>
+            <a:p>
+              <a:pPr algn="ctr"/>
+              <a:r>
+                <a:rPr lang="en-US" sz="1000" dirty="0">
+                  <a:solidFill>
+                    <a:schemeClr val="tx1"/>
+                  </a:solidFill>
+                </a:rPr>
+                <a:t>△</a:t>
+              </a:r>
+              <a:r>
+                <a:rPr lang="en-US" sz="1000" i="1" dirty="0">
+                  <a:solidFill>
+                    <a:schemeClr val="tx1"/>
+                  </a:solidFill>
+                </a:rPr>
+                <a:t> delta.biomass</a:t>
+              </a:r>
+              <a:endParaRPr lang="en-US" sz="1000" dirty="0">
+                <a:solidFill>
+                  <a:schemeClr val="tx1"/>
+                </a:solidFill>
+              </a:endParaRPr>
+            </a:p>
+          </p:txBody>
+        </p:sp>
+        <p:sp>
+          <p:nvSpPr>
+            <p:cNvPr id="259" name="Rectangle 258">
+              <a:extLst>
+                <a:ext uri="{FF2B5EF4-FFF2-40B4-BE49-F238E27FC236}">
+                  <a16:creationId xmlns:a16="http://schemas.microsoft.com/office/drawing/2014/main" id="{00649335-F2B7-9242-8C28-DE95D716054C}"/>
+                </a:ext>
+              </a:extLst>
+            </p:cNvPr>
+            <p:cNvSpPr/>
+            <p:nvPr/>
+          </p:nvSpPr>
+          <p:spPr>
+            <a:xfrm>
+              <a:off x="91227" y="291480"/>
+              <a:ext cx="1345240" cy="246221"/>
+            </a:xfrm>
+            <a:prstGeom prst="rect">
+              <a:avLst/>
+            </a:prstGeom>
+            <a:solidFill>
+              <a:schemeClr val="bg1"/>
+            </a:solidFill>
+            <a:ln>
+              <a:solidFill>
+                <a:schemeClr val="tx1"/>
+              </a:solidFill>
+            </a:ln>
+          </p:spPr>
+          <p:style>
+            <a:lnRef idx="2">
+              <a:schemeClr val="accent1">
+                <a:shade val="50000"/>
+              </a:schemeClr>
+            </a:lnRef>
+            <a:fillRef idx="1">
+              <a:schemeClr val="accent1"/>
+            </a:fillRef>
+            <a:effectRef idx="0">
+              <a:schemeClr val="accent1"/>
+            </a:effectRef>
+            <a:fontRef idx="minor">
+              <a:schemeClr val="lt1"/>
+            </a:fontRef>
+          </p:style>
+          <p:txBody>
+            <a:bodyPr rtlCol="0" anchor="ctr"/>
+            <a:lstStyle/>
+            <a:p>
+              <a:pPr algn="ctr"/>
+              <a:r>
+                <a:rPr lang="en-US" sz="1000" i="1" dirty="0">
+                  <a:solidFill>
+                    <a:schemeClr val="tx1"/>
+                  </a:solidFill>
+                </a:rPr>
+                <a:t>biomass</a:t>
+              </a:r>
+            </a:p>
+          </p:txBody>
+        </p:sp>
+        <p:sp>
+          <p:nvSpPr>
+            <p:cNvPr id="260" name="Rectangle 259">
+              <a:extLst>
+                <a:ext uri="{FF2B5EF4-FFF2-40B4-BE49-F238E27FC236}">
+                  <a16:creationId xmlns:a16="http://schemas.microsoft.com/office/drawing/2014/main" id="{F47C31C7-D461-4F49-8234-70A0ECA14CFA}"/>
+                </a:ext>
+              </a:extLst>
+            </p:cNvPr>
+            <p:cNvSpPr/>
+            <p:nvPr/>
+          </p:nvSpPr>
+          <p:spPr>
+            <a:xfrm>
+              <a:off x="90095" y="47552"/>
+              <a:ext cx="1345240" cy="246221"/>
+            </a:xfrm>
+            <a:prstGeom prst="rect">
+              <a:avLst/>
+            </a:prstGeom>
+            <a:solidFill>
+              <a:srgbClr val="A8CFC5"/>
+            </a:solidFill>
+            <a:ln>
+              <a:solidFill>
+                <a:schemeClr val="tx1"/>
+              </a:solidFill>
+            </a:ln>
+          </p:spPr>
+          <p:style>
+            <a:lnRef idx="2">
+              <a:schemeClr val="accent1">
+                <a:shade val="50000"/>
+              </a:schemeClr>
+            </a:lnRef>
+            <a:fillRef idx="1">
+              <a:schemeClr val="accent1"/>
+            </a:fillRef>
+            <a:effectRef idx="0">
+              <a:schemeClr val="accent1"/>
+            </a:effectRef>
+            <a:fontRef idx="minor">
+              <a:schemeClr val="lt1"/>
+            </a:fontRef>
+          </p:style>
+          <p:txBody>
+            <a:bodyPr rtlCol="0" anchor="ctr"/>
+            <a:lstStyle/>
+            <a:p>
+              <a:pPr algn="ctr"/>
+              <a:r>
+                <a:rPr lang="en-US" sz="1000" dirty="0">
+                  <a:solidFill>
+                    <a:schemeClr val="tx1"/>
+                  </a:solidFill>
+                </a:rPr>
+                <a:t>Biomass</a:t>
+              </a:r>
+            </a:p>
+          </p:txBody>
+        </p:sp>
+      </p:grpSp>
+      <p:grpSp>
+        <p:nvGrpSpPr>
+          <p:cNvPr id="264" name="Group 263">
+            <a:extLst>
+              <a:ext uri="{FF2B5EF4-FFF2-40B4-BE49-F238E27FC236}">
+                <a16:creationId xmlns:a16="http://schemas.microsoft.com/office/drawing/2014/main" id="{5A2C7F6C-4509-DC44-B251-858CFFBEA84F}"/>
+              </a:ext>
+            </a:extLst>
+          </p:cNvPr>
+          <p:cNvGrpSpPr/>
+          <p:nvPr/>
+        </p:nvGrpSpPr>
+        <p:grpSpPr>
+          <a:xfrm>
+            <a:off x="5207281" y="1102546"/>
+            <a:ext cx="1555612" cy="1035219"/>
+            <a:chOff x="90095" y="-22990"/>
+            <a:chExt cx="1555612" cy="1035219"/>
+          </a:xfrm>
+        </p:grpSpPr>
+        <p:sp>
+          <p:nvSpPr>
+            <p:cNvPr id="265" name="Rectangle 264">
+              <a:extLst>
+                <a:ext uri="{FF2B5EF4-FFF2-40B4-BE49-F238E27FC236}">
+                  <a16:creationId xmlns:a16="http://schemas.microsoft.com/office/drawing/2014/main" id="{34511690-8A18-BE40-AEE4-4CFB2DBD5AD8}"/>
+                </a:ext>
+              </a:extLst>
+            </p:cNvPr>
+            <p:cNvSpPr/>
+            <p:nvPr/>
+          </p:nvSpPr>
+          <p:spPr>
+            <a:xfrm>
+              <a:off x="91227" y="530806"/>
+              <a:ext cx="1554480" cy="246221"/>
+            </a:xfrm>
+            <a:prstGeom prst="rect">
+              <a:avLst/>
+            </a:prstGeom>
+            <a:solidFill>
+              <a:schemeClr val="bg1"/>
+            </a:solidFill>
+            <a:ln>
+              <a:solidFill>
+                <a:schemeClr val="tx1"/>
+              </a:solidFill>
+            </a:ln>
+          </p:spPr>
+          <p:style>
+            <a:lnRef idx="2">
+              <a:schemeClr val="accent1">
+                <a:shade val="50000"/>
+              </a:schemeClr>
+            </a:lnRef>
+            <a:fillRef idx="1">
+              <a:schemeClr val="accent1"/>
+            </a:fillRef>
+            <a:effectRef idx="0">
+              <a:schemeClr val="accent1"/>
+            </a:effectRef>
+            <a:fontRef idx="minor">
+              <a:schemeClr val="lt1"/>
+            </a:fontRef>
+          </p:style>
+          <p:txBody>
+            <a:bodyPr lIns="0" rIns="0" rtlCol="0" anchor="ctr"/>
+            <a:lstStyle/>
+            <a:p>
+              <a:pPr algn="ctr"/>
+              <a:r>
+                <a:rPr lang="en-US" sz="1000" dirty="0">
+                  <a:solidFill>
+                    <a:schemeClr val="tx1"/>
+                  </a:solidFill>
+                </a:rPr>
+                <a:t>▲ </a:t>
+              </a:r>
+              <a:r>
+                <a:rPr lang="en-US" sz="1000" i="1" dirty="0">
+                  <a:solidFill>
+                    <a:schemeClr val="tx1"/>
+                  </a:solidFill>
+                </a:rPr>
+                <a:t>ANPP_woody_stem</a:t>
+              </a:r>
+              <a:endParaRPr lang="en-US" sz="1000" dirty="0">
+                <a:solidFill>
+                  <a:schemeClr val="tx1"/>
+                </a:solidFill>
+              </a:endParaRPr>
+            </a:p>
+          </p:txBody>
+        </p:sp>
+        <p:sp>
+          <p:nvSpPr>
+            <p:cNvPr id="266" name="Rectangle 265">
+              <a:extLst>
+                <a:ext uri="{FF2B5EF4-FFF2-40B4-BE49-F238E27FC236}">
+                  <a16:creationId xmlns:a16="http://schemas.microsoft.com/office/drawing/2014/main" id="{098076E1-E407-A54B-A0B7-590E6B29369A}"/>
+                </a:ext>
+              </a:extLst>
+            </p:cNvPr>
+            <p:cNvSpPr/>
+            <p:nvPr/>
+          </p:nvSpPr>
+          <p:spPr>
+            <a:xfrm>
+              <a:off x="91227" y="766008"/>
+              <a:ext cx="1554480" cy="246221"/>
+            </a:xfrm>
+            <a:prstGeom prst="rect">
+              <a:avLst/>
+            </a:prstGeom>
+            <a:solidFill>
+              <a:schemeClr val="bg1"/>
+            </a:solidFill>
+            <a:ln>
+              <a:solidFill>
+                <a:schemeClr val="tx1"/>
+              </a:solidFill>
+            </a:ln>
+          </p:spPr>
+          <p:style>
+            <a:lnRef idx="2">
+              <a:schemeClr val="accent1">
+                <a:shade val="50000"/>
+              </a:schemeClr>
+            </a:lnRef>
+            <a:fillRef idx="1">
+              <a:schemeClr val="accent1"/>
+            </a:fillRef>
+            <a:effectRef idx="0">
+              <a:schemeClr val="accent1"/>
+            </a:effectRef>
+            <a:fontRef idx="minor">
+              <a:schemeClr val="lt1"/>
+            </a:fontRef>
+          </p:style>
+          <p:txBody>
+            <a:bodyPr lIns="0" rIns="0" rtlCol="0" anchor="ctr"/>
+            <a:lstStyle/>
+            <a:p>
+              <a:pPr algn="ctr"/>
+              <a:r>
+                <a:rPr lang="en-US" sz="1000" i="1" dirty="0">
+                  <a:solidFill>
+                    <a:schemeClr val="tx1"/>
+                  </a:solidFill>
+                </a:rPr>
+                <a:t>▼ woody_mortality</a:t>
+              </a:r>
+              <a:r>
+                <a:rPr lang="en-US" sz="1000" i="1" baseline="30000" dirty="0">
+                  <a:solidFill>
+                    <a:schemeClr val="tx1"/>
+                  </a:solidFill>
+                </a:rPr>
+                <a:t>2</a:t>
+              </a:r>
+              <a:endParaRPr lang="en-US" sz="1000" dirty="0">
+                <a:solidFill>
+                  <a:schemeClr val="tx1"/>
+                </a:solidFill>
+              </a:endParaRPr>
+            </a:p>
+          </p:txBody>
+        </p:sp>
+        <p:sp>
+          <p:nvSpPr>
+            <p:cNvPr id="268" name="Rectangle 267">
+              <a:extLst>
+                <a:ext uri="{FF2B5EF4-FFF2-40B4-BE49-F238E27FC236}">
+                  <a16:creationId xmlns:a16="http://schemas.microsoft.com/office/drawing/2014/main" id="{925E6E69-1453-C643-A650-118FCA7F72FD}"/>
+                </a:ext>
+              </a:extLst>
+            </p:cNvPr>
+            <p:cNvSpPr/>
+            <p:nvPr/>
+          </p:nvSpPr>
+          <p:spPr>
+            <a:xfrm>
+              <a:off x="91227" y="291480"/>
+              <a:ext cx="1554480" cy="246221"/>
+            </a:xfrm>
+            <a:prstGeom prst="rect">
+              <a:avLst/>
+            </a:prstGeom>
+            <a:solidFill>
+              <a:schemeClr val="bg1"/>
+            </a:solidFill>
+            <a:ln>
+              <a:solidFill>
+                <a:schemeClr val="tx1"/>
+              </a:solidFill>
+            </a:ln>
+          </p:spPr>
+          <p:style>
+            <a:lnRef idx="2">
+              <a:schemeClr val="accent1">
+                <a:shade val="50000"/>
+              </a:schemeClr>
+            </a:lnRef>
+            <a:fillRef idx="1">
+              <a:schemeClr val="accent1"/>
+            </a:fillRef>
+            <a:effectRef idx="0">
+              <a:schemeClr val="accent1"/>
+            </a:effectRef>
+            <a:fontRef idx="minor">
+              <a:schemeClr val="lt1"/>
+            </a:fontRef>
+          </p:style>
+          <p:txBody>
+            <a:bodyPr lIns="0" rIns="0" rtlCol="0" anchor="ctr"/>
+            <a:lstStyle/>
+            <a:p>
+              <a:pPr algn="ctr"/>
+              <a:r>
+                <a:rPr lang="en-US" sz="1000" i="1" dirty="0">
+                  <a:solidFill>
+                    <a:schemeClr val="tx1"/>
+                  </a:solidFill>
+                </a:rPr>
+                <a:t>biomass_ag_woody</a:t>
+              </a:r>
+            </a:p>
+          </p:txBody>
+        </p:sp>
+        <p:sp>
+          <p:nvSpPr>
+            <p:cNvPr id="269" name="Rectangle 268">
+              <a:extLst>
+                <a:ext uri="{FF2B5EF4-FFF2-40B4-BE49-F238E27FC236}">
+                  <a16:creationId xmlns:a16="http://schemas.microsoft.com/office/drawing/2014/main" id="{44367FEB-7307-CF43-B99F-F5DF6DA5BFA0}"/>
+                </a:ext>
+              </a:extLst>
+            </p:cNvPr>
+            <p:cNvSpPr/>
+            <p:nvPr/>
+          </p:nvSpPr>
+          <p:spPr>
+            <a:xfrm>
+              <a:off x="90095" y="-22990"/>
+              <a:ext cx="1554480" cy="316763"/>
+            </a:xfrm>
+            <a:prstGeom prst="rect">
+              <a:avLst/>
+            </a:prstGeom>
+            <a:solidFill>
+              <a:schemeClr val="accent6">
+                <a:lumMod val="40000"/>
+                <a:lumOff val="60000"/>
+              </a:schemeClr>
+            </a:solidFill>
+            <a:ln>
+              <a:solidFill>
+                <a:schemeClr val="tx1"/>
+              </a:solidFill>
+            </a:ln>
+          </p:spPr>
+          <p:style>
+            <a:lnRef idx="2">
+              <a:schemeClr val="accent1">
+                <a:shade val="50000"/>
+              </a:schemeClr>
+            </a:lnRef>
+            <a:fillRef idx="1">
+              <a:schemeClr val="accent1"/>
+            </a:fillRef>
+            <a:effectRef idx="0">
+              <a:schemeClr val="accent1"/>
+            </a:effectRef>
+            <a:fontRef idx="minor">
+              <a:schemeClr val="lt1"/>
+            </a:fontRef>
+          </p:style>
+          <p:txBody>
+            <a:bodyPr lIns="18288" rIns="18288" rtlCol="0" anchor="ctr"/>
+            <a:lstStyle/>
+            <a:p>
+              <a:pPr algn="ctr"/>
+              <a:r>
+                <a:rPr lang="en-US" sz="1000" dirty="0">
+                  <a:solidFill>
+                    <a:schemeClr val="tx1"/>
+                  </a:solidFill>
+                </a:rPr>
+                <a:t>Aboveground woody biomass</a:t>
+              </a:r>
+            </a:p>
+          </p:txBody>
+        </p:sp>
+      </p:grpSp>
+      <p:grpSp>
+        <p:nvGrpSpPr>
+          <p:cNvPr id="271" name="Group 270">
+            <a:extLst>
+              <a:ext uri="{FF2B5EF4-FFF2-40B4-BE49-F238E27FC236}">
+                <a16:creationId xmlns:a16="http://schemas.microsoft.com/office/drawing/2014/main" id="{51588750-BA78-9E4B-A58F-83921A16A1F3}"/>
+              </a:ext>
+            </a:extLst>
+          </p:cNvPr>
+          <p:cNvGrpSpPr/>
+          <p:nvPr/>
+        </p:nvGrpSpPr>
+        <p:grpSpPr>
+          <a:xfrm>
+            <a:off x="3147692" y="2815017"/>
+            <a:ext cx="1372732" cy="1223293"/>
+            <a:chOff x="90095" y="47552"/>
+            <a:chExt cx="1372732" cy="1223293"/>
+          </a:xfrm>
+        </p:grpSpPr>
+        <p:sp>
+          <p:nvSpPr>
+            <p:cNvPr id="272" name="Rectangle 271">
+              <a:extLst>
+                <a:ext uri="{FF2B5EF4-FFF2-40B4-BE49-F238E27FC236}">
+                  <a16:creationId xmlns:a16="http://schemas.microsoft.com/office/drawing/2014/main" id="{46BE2097-3C3B-B241-8A57-CBEC639A8760}"/>
+                </a:ext>
+              </a:extLst>
+            </p:cNvPr>
+            <p:cNvSpPr/>
+            <p:nvPr/>
+          </p:nvSpPr>
+          <p:spPr>
+            <a:xfrm>
+              <a:off x="91227" y="780186"/>
+              <a:ext cx="1371600" cy="246221"/>
+            </a:xfrm>
+            <a:prstGeom prst="rect">
+              <a:avLst/>
+            </a:prstGeom>
+            <a:solidFill>
+              <a:schemeClr val="bg1"/>
+            </a:solidFill>
+            <a:ln>
+              <a:solidFill>
+                <a:schemeClr val="tx1"/>
+              </a:solidFill>
+            </a:ln>
+          </p:spPr>
+          <p:style>
+            <a:lnRef idx="2">
+              <a:schemeClr val="accent1">
+                <a:shade val="50000"/>
+              </a:schemeClr>
+            </a:lnRef>
+            <a:fillRef idx="1">
+              <a:schemeClr val="accent1"/>
+            </a:fillRef>
+            <a:effectRef idx="0">
+              <a:schemeClr val="accent1"/>
+            </a:effectRef>
+            <a:fontRef idx="minor">
+              <a:schemeClr val="lt1"/>
+            </a:fontRef>
+          </p:style>
+          <p:txBody>
+            <a:bodyPr rtlCol="0" anchor="ctr"/>
+            <a:lstStyle/>
+            <a:p>
+              <a:pPr algn="ctr"/>
+              <a:r>
+                <a:rPr lang="en-US" sz="1000" dirty="0">
+                  <a:solidFill>
+                    <a:schemeClr val="tx1"/>
+                  </a:solidFill>
+                </a:rPr>
+                <a:t>▲ </a:t>
+              </a:r>
+              <a:r>
+                <a:rPr lang="en-US" sz="1000" i="1" dirty="0">
+                  <a:solidFill>
+                    <a:schemeClr val="tx1"/>
+                  </a:solidFill>
+                </a:rPr>
+                <a:t>woody_mortality</a:t>
+              </a:r>
+              <a:r>
+                <a:rPr lang="en-US" sz="1000" baseline="30000" dirty="0">
+                  <a:solidFill>
+                    <a:schemeClr val="tx1"/>
+                  </a:solidFill>
+                </a:rPr>
+                <a:t>1,</a:t>
+              </a:r>
+              <a:r>
+                <a:rPr lang="en-US" sz="1000" i="1" baseline="30000" dirty="0">
+                  <a:solidFill>
+                    <a:schemeClr val="tx1"/>
+                  </a:solidFill>
+                </a:rPr>
+                <a:t>2</a:t>
+              </a:r>
+              <a:endParaRPr lang="en-US" sz="1000" dirty="0">
+                <a:solidFill>
+                  <a:schemeClr val="tx1"/>
+                </a:solidFill>
+              </a:endParaRPr>
+            </a:p>
+          </p:txBody>
+        </p:sp>
+        <p:sp>
+          <p:nvSpPr>
+            <p:cNvPr id="273" name="Rectangle 272">
+              <a:extLst>
+                <a:ext uri="{FF2B5EF4-FFF2-40B4-BE49-F238E27FC236}">
+                  <a16:creationId xmlns:a16="http://schemas.microsoft.com/office/drawing/2014/main" id="{5373C836-F852-3E46-ACE9-FBC89A9EEFD0}"/>
+                </a:ext>
+              </a:extLst>
+            </p:cNvPr>
+            <p:cNvSpPr/>
+            <p:nvPr/>
+          </p:nvSpPr>
+          <p:spPr>
+            <a:xfrm>
+              <a:off x="91227" y="1024624"/>
+              <a:ext cx="1371600" cy="246221"/>
+            </a:xfrm>
+            <a:prstGeom prst="rect">
+              <a:avLst/>
+            </a:prstGeom>
+            <a:solidFill>
+              <a:schemeClr val="bg1"/>
+            </a:solidFill>
+            <a:ln>
+              <a:solidFill>
+                <a:schemeClr val="tx1"/>
+              </a:solidFill>
+            </a:ln>
+          </p:spPr>
+          <p:style>
+            <a:lnRef idx="2">
+              <a:schemeClr val="accent1">
+                <a:shade val="50000"/>
+              </a:schemeClr>
+            </a:lnRef>
+            <a:fillRef idx="1">
+              <a:schemeClr val="accent1"/>
+            </a:fillRef>
+            <a:effectRef idx="0">
+              <a:schemeClr val="accent1"/>
+            </a:effectRef>
+            <a:fontRef idx="minor">
+              <a:schemeClr val="lt1"/>
+            </a:fontRef>
+          </p:style>
+          <p:txBody>
+            <a:bodyPr lIns="45720" rIns="45720" rtlCol="0" anchor="ctr"/>
+            <a:lstStyle/>
+            <a:p>
+              <a:pPr algn="ctr"/>
+              <a:r>
+                <a:rPr lang="en-US" sz="1000" i="1" dirty="0">
+                  <a:solidFill>
+                    <a:schemeClr val="tx1"/>
+                  </a:solidFill>
+                </a:rPr>
+                <a:t>▼ R_het_deadwood</a:t>
+              </a:r>
+              <a:r>
+                <a:rPr lang="en-US" sz="1000" baseline="30000" dirty="0">
+                  <a:solidFill>
+                    <a:schemeClr val="tx1"/>
+                  </a:solidFill>
+                </a:rPr>
+                <a:t>1,3</a:t>
+              </a:r>
+              <a:r>
+                <a:rPr lang="en-US" sz="1000" dirty="0">
+                  <a:solidFill>
+                    <a:schemeClr val="tx1"/>
+                  </a:solidFill>
+                </a:rPr>
+                <a:t> </a:t>
+              </a:r>
+            </a:p>
+          </p:txBody>
+        </p:sp>
+        <p:sp>
+          <p:nvSpPr>
+            <p:cNvPr id="274" name="Rectangle 273">
+              <a:extLst>
+                <a:ext uri="{FF2B5EF4-FFF2-40B4-BE49-F238E27FC236}">
+                  <a16:creationId xmlns:a16="http://schemas.microsoft.com/office/drawing/2014/main" id="{1AAB0F52-7BE7-3643-92A4-33DA0D6A308A}"/>
+                </a:ext>
+              </a:extLst>
+            </p:cNvPr>
+            <p:cNvSpPr/>
+            <p:nvPr/>
+          </p:nvSpPr>
+          <p:spPr>
+            <a:xfrm>
+              <a:off x="91227" y="536478"/>
+              <a:ext cx="1371600" cy="246221"/>
+            </a:xfrm>
+            <a:prstGeom prst="rect">
+              <a:avLst/>
+            </a:prstGeom>
+            <a:solidFill>
+              <a:schemeClr val="bg1"/>
+            </a:solidFill>
+            <a:ln>
+              <a:solidFill>
+                <a:schemeClr val="tx1"/>
+              </a:solidFill>
+            </a:ln>
+          </p:spPr>
+          <p:style>
+            <a:lnRef idx="2">
+              <a:schemeClr val="accent1">
+                <a:shade val="50000"/>
+              </a:schemeClr>
+            </a:lnRef>
+            <a:fillRef idx="1">
+              <a:schemeClr val="accent1"/>
+            </a:fillRef>
+            <a:effectRef idx="0">
+              <a:schemeClr val="accent1"/>
+            </a:effectRef>
+            <a:fontRef idx="minor">
+              <a:schemeClr val="lt1"/>
+            </a:fontRef>
+          </p:style>
+          <p:txBody>
+            <a:bodyPr rtlCol="0" anchor="ctr"/>
+            <a:lstStyle/>
+            <a:p>
+              <a:pPr algn="ctr"/>
+              <a:r>
+                <a:rPr lang="en-US" sz="1000" dirty="0">
+                  <a:solidFill>
+                    <a:schemeClr val="tx1"/>
+                  </a:solidFill>
+                </a:rPr>
+                <a:t>△</a:t>
+              </a:r>
+              <a:r>
+                <a:rPr lang="en-US" sz="1000" i="1" dirty="0">
+                  <a:solidFill>
+                    <a:schemeClr val="tx1"/>
+                  </a:solidFill>
+                </a:rPr>
+                <a:t> delta.deadwood</a:t>
+              </a:r>
+              <a:r>
+                <a:rPr lang="en-US" sz="1000" baseline="30000" dirty="0">
+                  <a:solidFill>
+                    <a:schemeClr val="tx1"/>
+                  </a:solidFill>
+                </a:rPr>
+                <a:t>1</a:t>
+              </a:r>
+              <a:endParaRPr lang="en-US" sz="1000" dirty="0">
+                <a:solidFill>
+                  <a:schemeClr val="tx1"/>
+                </a:solidFill>
+              </a:endParaRPr>
+            </a:p>
+          </p:txBody>
+        </p:sp>
+        <p:sp>
+          <p:nvSpPr>
+            <p:cNvPr id="275" name="Rectangle 274">
+              <a:extLst>
+                <a:ext uri="{FF2B5EF4-FFF2-40B4-BE49-F238E27FC236}">
+                  <a16:creationId xmlns:a16="http://schemas.microsoft.com/office/drawing/2014/main" id="{A8FED04B-5C12-B049-8EDC-8E2C8FAB6BEE}"/>
+                </a:ext>
+              </a:extLst>
+            </p:cNvPr>
+            <p:cNvSpPr/>
+            <p:nvPr/>
+          </p:nvSpPr>
+          <p:spPr>
+            <a:xfrm>
+              <a:off x="91227" y="291480"/>
+              <a:ext cx="1371600" cy="246221"/>
+            </a:xfrm>
+            <a:prstGeom prst="rect">
+              <a:avLst/>
+            </a:prstGeom>
+            <a:solidFill>
+              <a:schemeClr val="bg1"/>
+            </a:solidFill>
+            <a:ln>
+              <a:solidFill>
+                <a:schemeClr val="tx1"/>
+              </a:solidFill>
+            </a:ln>
+          </p:spPr>
+          <p:style>
+            <a:lnRef idx="2">
+              <a:schemeClr val="accent1">
+                <a:shade val="50000"/>
+              </a:schemeClr>
+            </a:lnRef>
+            <a:fillRef idx="1">
+              <a:schemeClr val="accent1"/>
+            </a:fillRef>
+            <a:effectRef idx="0">
+              <a:schemeClr val="accent1"/>
+            </a:effectRef>
+            <a:fontRef idx="minor">
+              <a:schemeClr val="lt1"/>
+            </a:fontRef>
+          </p:style>
+          <p:txBody>
+            <a:bodyPr rtlCol="0" anchor="ctr"/>
+            <a:lstStyle/>
+            <a:p>
+              <a:pPr algn="ctr"/>
+              <a:r>
+                <a:rPr lang="en-US" sz="1000" i="1" dirty="0">
+                  <a:solidFill>
+                    <a:schemeClr val="tx1"/>
+                  </a:solidFill>
+                </a:rPr>
+                <a:t>deadwood</a:t>
+              </a:r>
+              <a:r>
+                <a:rPr lang="en-US" sz="1000" baseline="30000" dirty="0">
+                  <a:solidFill>
+                    <a:schemeClr val="tx1"/>
+                  </a:solidFill>
+                </a:rPr>
+                <a:t>1</a:t>
+              </a:r>
+              <a:endParaRPr lang="en-US" sz="1000" i="1" dirty="0">
+                <a:solidFill>
+                  <a:schemeClr val="tx1"/>
+                </a:solidFill>
+              </a:endParaRPr>
+            </a:p>
+          </p:txBody>
+        </p:sp>
+        <p:sp>
+          <p:nvSpPr>
+            <p:cNvPr id="276" name="Rectangle 275">
+              <a:extLst>
+                <a:ext uri="{FF2B5EF4-FFF2-40B4-BE49-F238E27FC236}">
+                  <a16:creationId xmlns:a16="http://schemas.microsoft.com/office/drawing/2014/main" id="{ACD90970-8680-C044-B871-378C0CAA215F}"/>
+                </a:ext>
+              </a:extLst>
+            </p:cNvPr>
+            <p:cNvSpPr/>
+            <p:nvPr/>
+          </p:nvSpPr>
+          <p:spPr>
+            <a:xfrm>
+              <a:off x="90095" y="47552"/>
+              <a:ext cx="1371600" cy="246221"/>
+            </a:xfrm>
+            <a:prstGeom prst="rect">
+              <a:avLst/>
+            </a:prstGeom>
+            <a:solidFill>
+              <a:srgbClr val="DCE0CE"/>
+            </a:solidFill>
+            <a:ln>
+              <a:solidFill>
+                <a:schemeClr val="tx1"/>
+              </a:solidFill>
+            </a:ln>
+          </p:spPr>
+          <p:style>
+            <a:lnRef idx="2">
+              <a:schemeClr val="accent1">
+                <a:shade val="50000"/>
+              </a:schemeClr>
+            </a:lnRef>
+            <a:fillRef idx="1">
+              <a:schemeClr val="accent1"/>
+            </a:fillRef>
+            <a:effectRef idx="0">
+              <a:schemeClr val="accent1"/>
+            </a:effectRef>
+            <a:fontRef idx="minor">
+              <a:schemeClr val="lt1"/>
+            </a:fontRef>
+          </p:style>
+          <p:txBody>
+            <a:bodyPr rtlCol="0" anchor="ctr"/>
+            <a:lstStyle/>
+            <a:p>
+              <a:pPr algn="ctr"/>
+              <a:r>
+                <a:rPr lang="en-US" sz="1000" dirty="0">
+                  <a:solidFill>
+                    <a:schemeClr val="tx1"/>
+                  </a:solidFill>
+                </a:rPr>
+                <a:t>Dead wood</a:t>
+              </a:r>
+              <a:endParaRPr lang="en-US" sz="1000" baseline="30000" dirty="0">
+                <a:solidFill>
+                  <a:schemeClr val="tx1"/>
+                </a:solidFill>
+              </a:endParaRPr>
+            </a:p>
+          </p:txBody>
+        </p:sp>
+      </p:grpSp>
+      <p:sp>
+        <p:nvSpPr>
+          <p:cNvPr id="281" name="TextBox 280">
+            <a:extLst>
+              <a:ext uri="{FF2B5EF4-FFF2-40B4-BE49-F238E27FC236}">
+                <a16:creationId xmlns:a16="http://schemas.microsoft.com/office/drawing/2014/main" id="{A79AB057-7A64-D746-8EA8-FAC2B6AB5441}"/>
+              </a:ext>
+            </a:extLst>
+          </p:cNvPr>
+          <p:cNvSpPr txBox="1"/>
+          <p:nvPr/>
+        </p:nvSpPr>
+        <p:spPr>
+          <a:xfrm>
+            <a:off x="0" y="7680061"/>
+            <a:ext cx="6769459" cy="1528624"/>
+          </a:xfrm>
+          <a:prstGeom prst="rect">
+            <a:avLst/>
+          </a:prstGeom>
+          <a:noFill/>
+        </p:spPr>
+        <p:txBody>
+          <a:bodyPr wrap="square" rtlCol="0">
+            <a:spAutoFit/>
+          </a:bodyPr>
+          <a:lstStyle/>
+          <a:p>
+            <a:r>
+              <a:rPr lang="en-US" sz="1000" baseline="30000" dirty="0"/>
+              <a:t>1</a:t>
+            </a:r>
+            <a:r>
+              <a:rPr lang="en-US" sz="1000" dirty="0"/>
+              <a:t> incomplete: excludes belowground components </a:t>
+            </a:r>
+          </a:p>
+          <a:p>
+            <a:r>
+              <a:rPr lang="en-US" sz="1000" baseline="30000" dirty="0"/>
+              <a:t>2 </a:t>
+            </a:r>
+            <a:r>
+              <a:rPr lang="en-US" sz="1000" dirty="0"/>
+              <a:t>incomplete: excludes large </a:t>
+            </a:r>
+            <a:r>
+              <a:rPr lang="en-US" sz="1000" dirty="0" err="1"/>
+              <a:t>branchfall</a:t>
+            </a:r>
+            <a:r>
+              <a:rPr lang="en-US" sz="1000" dirty="0"/>
+              <a:t>; also, under IPCC definitions, outflux from </a:t>
+            </a:r>
+            <a:r>
+              <a:rPr lang="en-US" sz="1000" i="1" dirty="0"/>
+              <a:t>biomass_ag </a:t>
+            </a:r>
+            <a:r>
+              <a:rPr lang="en-US" sz="1000" dirty="0"/>
+              <a:t>should include all sizes, influx to Dead wood should include only above the minimum diameter chosen for dead wood</a:t>
+            </a:r>
+          </a:p>
+          <a:p>
+            <a:r>
+              <a:rPr lang="en-US" sz="1000" baseline="30000" dirty="0"/>
+              <a:t>3 </a:t>
+            </a:r>
+            <a:r>
+              <a:rPr lang="en-US" sz="1000" dirty="0"/>
+              <a:t>incomplete: excludes breakage into pieces less than dead wood threshold size</a:t>
+            </a:r>
+          </a:p>
+          <a:p>
+            <a:r>
+              <a:rPr lang="en-US" sz="1000" baseline="30000" dirty="0"/>
+              <a:t>4</a:t>
+            </a:r>
+            <a:r>
+              <a:rPr lang="en-US" sz="1000" dirty="0"/>
+              <a:t> foliage production is generally measured by collecting leaf-fall, a method that assumes that the influx = outflux (foliage biomass is roughly constant year-to-year)</a:t>
+            </a:r>
+          </a:p>
+          <a:p>
+            <a:r>
+              <a:rPr lang="en-US" sz="1000" baseline="30000" dirty="0"/>
+              <a:t>5 </a:t>
+            </a:r>
+            <a:r>
+              <a:rPr lang="en-US" sz="1000" dirty="0"/>
+              <a:t>incomplete: excludes woody_mortality of stems &lt;10 cm DBH, decomposition of dead wood (aboveground and coarse roots) into sizes classified as litter. </a:t>
+            </a:r>
+          </a:p>
+          <a:p>
+            <a:r>
+              <a:rPr lang="en-US" sz="1000" baseline="30000" dirty="0"/>
+              <a:t>6 </a:t>
+            </a:r>
+          </a:p>
+          <a:p>
+            <a:r>
+              <a:rPr lang="en-US" sz="1000" baseline="30000" dirty="0"/>
+              <a:t>7</a:t>
+            </a:r>
+          </a:p>
+        </p:txBody>
+      </p:sp>
+      <p:grpSp>
+        <p:nvGrpSpPr>
+          <p:cNvPr id="283" name="Group 282">
+            <a:extLst>
+              <a:ext uri="{FF2B5EF4-FFF2-40B4-BE49-F238E27FC236}">
+                <a16:creationId xmlns:a16="http://schemas.microsoft.com/office/drawing/2014/main" id="{9311EC2D-64C9-EB4F-A553-ED10063CC617}"/>
+              </a:ext>
+            </a:extLst>
+          </p:cNvPr>
+          <p:cNvGrpSpPr/>
+          <p:nvPr/>
+        </p:nvGrpSpPr>
+        <p:grpSpPr>
+          <a:xfrm>
+            <a:off x="5207281" y="70443"/>
+            <a:ext cx="1555612" cy="989705"/>
+            <a:chOff x="90095" y="-22990"/>
+            <a:chExt cx="1555612" cy="989705"/>
+          </a:xfrm>
+        </p:grpSpPr>
+        <p:sp>
+          <p:nvSpPr>
+            <p:cNvPr id="284" name="Rectangle 283">
+              <a:extLst>
+                <a:ext uri="{FF2B5EF4-FFF2-40B4-BE49-F238E27FC236}">
+                  <a16:creationId xmlns:a16="http://schemas.microsoft.com/office/drawing/2014/main" id="{27488537-0569-AA42-AE4A-34FBBDE0D11E}"/>
+                </a:ext>
+              </a:extLst>
+            </p:cNvPr>
+            <p:cNvSpPr/>
+            <p:nvPr/>
+          </p:nvSpPr>
+          <p:spPr>
+            <a:xfrm>
+              <a:off x="91227" y="475389"/>
+              <a:ext cx="1554480" cy="246888"/>
+            </a:xfrm>
+            <a:prstGeom prst="rect">
+              <a:avLst/>
+            </a:prstGeom>
+            <a:solidFill>
+              <a:schemeClr val="bg1"/>
+            </a:solidFill>
+            <a:ln>
+              <a:solidFill>
+                <a:schemeClr val="tx1"/>
+              </a:solidFill>
+            </a:ln>
+          </p:spPr>
+          <p:style>
+            <a:lnRef idx="2">
+              <a:schemeClr val="accent1">
+                <a:shade val="50000"/>
+              </a:schemeClr>
+            </a:lnRef>
+            <a:fillRef idx="1">
+              <a:schemeClr val="accent1"/>
+            </a:fillRef>
+            <a:effectRef idx="0">
+              <a:schemeClr val="accent1"/>
+            </a:effectRef>
+            <a:fontRef idx="minor">
+              <a:schemeClr val="lt1"/>
+            </a:fontRef>
+          </p:style>
+          <p:txBody>
+            <a:bodyPr rtlCol="0" anchor="ctr"/>
+            <a:lstStyle/>
+            <a:p>
+              <a:pPr algn="ctr"/>
+              <a:r>
+                <a:rPr lang="en-US" sz="1000" dirty="0">
+                  <a:solidFill>
+                    <a:schemeClr val="tx1"/>
+                  </a:solidFill>
+                </a:rPr>
+                <a:t>▲ </a:t>
+              </a:r>
+              <a:r>
+                <a:rPr lang="en-US" sz="1000" i="1" dirty="0">
+                  <a:solidFill>
+                    <a:schemeClr val="tx1"/>
+                  </a:solidFill>
+                </a:rPr>
+                <a:t>ANPP_foliage</a:t>
+              </a:r>
+              <a:r>
+                <a:rPr lang="en-US" sz="1000" i="1" baseline="30000" dirty="0">
+                  <a:solidFill>
+                    <a:schemeClr val="tx1"/>
+                  </a:solidFill>
+                </a:rPr>
+                <a:t>4</a:t>
+              </a:r>
+              <a:endParaRPr lang="en-US" sz="1000" dirty="0">
+                <a:solidFill>
+                  <a:schemeClr val="tx1"/>
+                </a:solidFill>
+              </a:endParaRPr>
+            </a:p>
+          </p:txBody>
+        </p:sp>
+        <p:sp>
+          <p:nvSpPr>
+            <p:cNvPr id="285" name="Rectangle 284">
+              <a:extLst>
+                <a:ext uri="{FF2B5EF4-FFF2-40B4-BE49-F238E27FC236}">
+                  <a16:creationId xmlns:a16="http://schemas.microsoft.com/office/drawing/2014/main" id="{D8642653-6C38-D448-9AC4-E936A1712F64}"/>
+                </a:ext>
+              </a:extLst>
+            </p:cNvPr>
+            <p:cNvSpPr/>
+            <p:nvPr/>
+          </p:nvSpPr>
+          <p:spPr>
+            <a:xfrm>
+              <a:off x="91227" y="719827"/>
+              <a:ext cx="1554480" cy="246888"/>
+            </a:xfrm>
+            <a:prstGeom prst="rect">
+              <a:avLst/>
+            </a:prstGeom>
+            <a:solidFill>
+              <a:schemeClr val="bg1"/>
+            </a:solidFill>
+            <a:ln>
+              <a:solidFill>
+                <a:schemeClr val="tx1"/>
+              </a:solidFill>
+            </a:ln>
+          </p:spPr>
+          <p:style>
+            <a:lnRef idx="2">
+              <a:schemeClr val="accent1">
+                <a:shade val="50000"/>
+              </a:schemeClr>
+            </a:lnRef>
+            <a:fillRef idx="1">
+              <a:schemeClr val="accent1"/>
+            </a:fillRef>
+            <a:effectRef idx="0">
+              <a:schemeClr val="accent1"/>
+            </a:effectRef>
+            <a:fontRef idx="minor">
+              <a:schemeClr val="lt1"/>
+            </a:fontRef>
+          </p:style>
+          <p:txBody>
+            <a:bodyPr rtlCol="0" anchor="ctr"/>
+            <a:lstStyle/>
+            <a:p>
+              <a:pPr algn="ctr"/>
+              <a:r>
+                <a:rPr lang="en-US" sz="1000" i="1" dirty="0">
+                  <a:solidFill>
+                    <a:schemeClr val="tx1"/>
+                  </a:solidFill>
+                </a:rPr>
+                <a:t>▼ ANPP_foliage</a:t>
+              </a:r>
+              <a:r>
+                <a:rPr lang="en-US" sz="1000" i="1" baseline="30000" dirty="0">
+                  <a:solidFill>
+                    <a:schemeClr val="tx1"/>
+                  </a:solidFill>
+                </a:rPr>
+                <a:t>4</a:t>
+              </a:r>
+              <a:endParaRPr lang="en-US" sz="1000" dirty="0">
+                <a:solidFill>
+                  <a:schemeClr val="tx1"/>
+                </a:solidFill>
+              </a:endParaRPr>
+            </a:p>
+          </p:txBody>
+        </p:sp>
+        <p:sp>
+          <p:nvSpPr>
+            <p:cNvPr id="286" name="Rectangle 285">
+              <a:extLst>
+                <a:ext uri="{FF2B5EF4-FFF2-40B4-BE49-F238E27FC236}">
+                  <a16:creationId xmlns:a16="http://schemas.microsoft.com/office/drawing/2014/main" id="{AA01EBDE-B1C3-ED4A-A294-360E9C1CF4F1}"/>
+                </a:ext>
+              </a:extLst>
+            </p:cNvPr>
+            <p:cNvSpPr/>
+            <p:nvPr/>
+          </p:nvSpPr>
+          <p:spPr>
+            <a:xfrm>
+              <a:off x="91227" y="226827"/>
+              <a:ext cx="1554480" cy="246888"/>
+            </a:xfrm>
+            <a:prstGeom prst="rect">
+              <a:avLst/>
+            </a:prstGeom>
+            <a:solidFill>
+              <a:schemeClr val="bg1"/>
+            </a:solidFill>
+            <a:ln>
+              <a:solidFill>
+                <a:schemeClr val="tx1"/>
+              </a:solidFill>
+            </a:ln>
+          </p:spPr>
+          <p:style>
+            <a:lnRef idx="2">
+              <a:schemeClr val="accent1">
+                <a:shade val="50000"/>
+              </a:schemeClr>
+            </a:lnRef>
+            <a:fillRef idx="1">
+              <a:schemeClr val="accent1"/>
+            </a:fillRef>
+            <a:effectRef idx="0">
+              <a:schemeClr val="accent1"/>
+            </a:effectRef>
+            <a:fontRef idx="minor">
+              <a:schemeClr val="lt1"/>
+            </a:fontRef>
+          </p:style>
+          <p:txBody>
+            <a:bodyPr rtlCol="0" anchor="ctr"/>
+            <a:lstStyle/>
+            <a:p>
+              <a:pPr algn="ctr"/>
+              <a:r>
+                <a:rPr lang="en-US" sz="1000" i="1" dirty="0">
+                  <a:solidFill>
+                    <a:schemeClr val="tx1"/>
+                  </a:solidFill>
+                </a:rPr>
+                <a:t>biomass_ag_foliage</a:t>
+              </a:r>
+            </a:p>
+          </p:txBody>
+        </p:sp>
+        <p:sp>
+          <p:nvSpPr>
+            <p:cNvPr id="287" name="Rectangle 286">
+              <a:extLst>
+                <a:ext uri="{FF2B5EF4-FFF2-40B4-BE49-F238E27FC236}">
+                  <a16:creationId xmlns:a16="http://schemas.microsoft.com/office/drawing/2014/main" id="{716411C3-1E65-914D-9EA9-EFE26E2FB6D8}"/>
+                </a:ext>
+              </a:extLst>
+            </p:cNvPr>
+            <p:cNvSpPr/>
+            <p:nvPr/>
+          </p:nvSpPr>
+          <p:spPr>
+            <a:xfrm>
+              <a:off x="90095" y="-22990"/>
+              <a:ext cx="1554480" cy="246888"/>
+            </a:xfrm>
+            <a:prstGeom prst="rect">
+              <a:avLst/>
+            </a:prstGeom>
+            <a:solidFill>
+              <a:schemeClr val="accent6">
+                <a:lumMod val="40000"/>
+                <a:lumOff val="60000"/>
+              </a:schemeClr>
+            </a:solidFill>
+            <a:ln>
+              <a:solidFill>
+                <a:schemeClr val="tx1"/>
+              </a:solidFill>
+            </a:ln>
+          </p:spPr>
+          <p:style>
+            <a:lnRef idx="2">
+              <a:schemeClr val="accent1">
+                <a:shade val="50000"/>
+              </a:schemeClr>
+            </a:lnRef>
+            <a:fillRef idx="1">
+              <a:schemeClr val="accent1"/>
+            </a:fillRef>
+            <a:effectRef idx="0">
+              <a:schemeClr val="accent1"/>
+            </a:effectRef>
+            <a:fontRef idx="minor">
+              <a:schemeClr val="lt1"/>
+            </a:fontRef>
+          </p:style>
+          <p:txBody>
+            <a:bodyPr rtlCol="0" anchor="ctr"/>
+            <a:lstStyle/>
+            <a:p>
+              <a:pPr algn="ctr"/>
+              <a:r>
+                <a:rPr lang="en-US" sz="1000" dirty="0">
+                  <a:solidFill>
+                    <a:schemeClr val="tx1"/>
+                  </a:solidFill>
+                </a:rPr>
+                <a:t>Foliage biomass</a:t>
               </a:r>
             </a:p>
           </p:txBody>
@@ -6083,28 +5695,40 @@
       </p:grpSp>
       <p:cxnSp>
         <p:nvCxnSpPr>
-          <p:cNvPr id="200" name="Straight Connector 199">
+          <p:cNvPr id="300" name="Curved Connector 299">
             <a:extLst>
               <a:ext uri="{FF2B5EF4-FFF2-40B4-BE49-F238E27FC236}">
-                <a16:creationId xmlns:a16="http://schemas.microsoft.com/office/drawing/2014/main" id="{E9FCF53C-91BB-5B4E-9527-54903A5FDD7B}"/>
+                <a16:creationId xmlns:a16="http://schemas.microsoft.com/office/drawing/2014/main" id="{030B4F1E-62F9-A143-A69D-A457562A0024}"/>
               </a:ext>
             </a:extLst>
           </p:cNvPr>
           <p:cNvCxnSpPr>
             <a:cxnSpLocks/>
-            <a:stCxn id="198" idx="1"/>
-            <a:endCxn id="95" idx="3"/>
+            <a:stCxn id="266" idx="1"/>
+            <a:endCxn id="272" idx="3"/>
           </p:cNvCxnSpPr>
           <p:nvPr/>
         </p:nvCxnSpPr>
         <p:spPr>
-          <a:xfrm flipH="1" flipV="1">
-            <a:off x="4523620" y="3398094"/>
-            <a:ext cx="475042" cy="726155"/>
+          <a:xfrm rot="10800000" flipV="1">
+            <a:off x="4520425" y="2014654"/>
+            <a:ext cx="687989" cy="1656107"/>
           </a:xfrm>
-          <a:prstGeom prst="line">
-            <a:avLst/>
+          <a:prstGeom prst="curvedConnector3">
+            <a:avLst>
+              <a:gd name="adj1" fmla="val 50000"/>
+            </a:avLst>
           </a:prstGeom>
+          <a:ln w="12700">
+            <a:solidFill>
+              <a:schemeClr val="accent6">
+                <a:lumMod val="60000"/>
+                <a:lumOff val="40000"/>
+              </a:schemeClr>
+            </a:solidFill>
+            <a:prstDash val="solid"/>
+            <a:tailEnd type="triangle"/>
+          </a:ln>
         </p:spPr>
         <p:style>
           <a:lnRef idx="1">
@@ -6123,10 +5747,10 @@
       </p:cxnSp>
       <p:sp>
         <p:nvSpPr>
-          <p:cNvPr id="207" name="Rectangle 206">
+          <p:cNvPr id="302" name="Rectangle 301">
             <a:extLst>
               <a:ext uri="{FF2B5EF4-FFF2-40B4-BE49-F238E27FC236}">
-                <a16:creationId xmlns:a16="http://schemas.microsoft.com/office/drawing/2014/main" id="{FBBA213E-7A79-EC4F-B773-42ECF1DC7F51}"/>
+                <a16:creationId xmlns:a16="http://schemas.microsoft.com/office/drawing/2014/main" id="{8AE3A907-6299-B74B-8E04-2A28A6BF7EA8}"/>
               </a:ext>
             </a:extLst>
           </p:cNvPr>
@@ -6135,14 +5759,14 @@
         </p:nvSpPr>
         <p:spPr>
           <a:xfrm>
-            <a:off x="3178366" y="2468169"/>
+            <a:off x="1625991" y="3890834"/>
             <a:ext cx="1345240" cy="246221"/>
           </a:xfrm>
           <a:prstGeom prst="rect">
             <a:avLst/>
           </a:prstGeom>
           <a:solidFill>
-            <a:schemeClr val="bg1"/>
+            <a:srgbClr val="DBE0BB"/>
           </a:solidFill>
           <a:ln>
             <a:solidFill>
@@ -6177,25 +5801,17 @@
                   <a:schemeClr val="tx1"/>
                 </a:solidFill>
               </a:rPr>
-              <a:t>▲</a:t>
-            </a:r>
-            <a:r>
-              <a:rPr lang="en-US" sz="1000" i="1" dirty="0">
-                <a:solidFill>
-                  <a:schemeClr val="tx1"/>
-                </a:solidFill>
-              </a:rPr>
-              <a:t>BNPP_root</a:t>
+              <a:t>Dead organic matter</a:t>
             </a:r>
           </a:p>
         </p:txBody>
       </p:sp>
       <p:sp>
         <p:nvSpPr>
-          <p:cNvPr id="208" name="Rectangle 207">
+          <p:cNvPr id="309" name="Rectangle 308">
             <a:extLst>
               <a:ext uri="{FF2B5EF4-FFF2-40B4-BE49-F238E27FC236}">
-                <a16:creationId xmlns:a16="http://schemas.microsoft.com/office/drawing/2014/main" id="{A16A887A-0F8A-374B-A00C-A8223BF15AD0}"/>
+                <a16:creationId xmlns:a16="http://schemas.microsoft.com/office/drawing/2014/main" id="{14D267F4-6BC9-5345-85DD-0DD93D31BE48}"/>
               </a:ext>
             </a:extLst>
           </p:cNvPr>
@@ -6204,14 +5820,14 @@
         </p:nvSpPr>
         <p:spPr>
           <a:xfrm>
-            <a:off x="3178366" y="2703371"/>
+            <a:off x="1625991" y="5547680"/>
             <a:ext cx="1345240" cy="246221"/>
           </a:xfrm>
           <a:prstGeom prst="rect">
             <a:avLst/>
           </a:prstGeom>
           <a:solidFill>
-            <a:schemeClr val="bg1"/>
+            <a:srgbClr val="ACA081"/>
           </a:solidFill>
           <a:ln>
             <a:solidFill>
@@ -6241,170 +5857,22 @@
           <a:p>
             <a:pPr algn="ctr"/>
             <a:r>
-              <a:rPr lang="en-US" sz="1000" i="1" dirty="0">
-                <a:solidFill>
-                  <a:schemeClr val="tx1"/>
-                </a:solidFill>
-              </a:rPr>
-              <a:t>▼</a:t>
-            </a:r>
-            <a:endParaRPr lang="en-US" sz="1000" dirty="0">
-              <a:solidFill>
-                <a:schemeClr val="tx1"/>
-              </a:solidFill>
-            </a:endParaRPr>
-          </a:p>
-        </p:txBody>
-      </p:sp>
-      <p:sp>
-        <p:nvSpPr>
-          <p:cNvPr id="209" name="Rectangle 208">
-            <a:extLst>
-              <a:ext uri="{FF2B5EF4-FFF2-40B4-BE49-F238E27FC236}">
-                <a16:creationId xmlns:a16="http://schemas.microsoft.com/office/drawing/2014/main" id="{7895D6F3-B5CA-4647-8EE1-E63792791537}"/>
-              </a:ext>
-            </a:extLst>
-          </p:cNvPr>
-          <p:cNvSpPr/>
-          <p:nvPr/>
-        </p:nvSpPr>
-        <p:spPr>
-          <a:xfrm>
-            <a:off x="3171036" y="3642598"/>
-            <a:ext cx="1345240" cy="246221"/>
-          </a:xfrm>
-          <a:prstGeom prst="rect">
-            <a:avLst/>
-          </a:prstGeom>
-          <a:solidFill>
-            <a:schemeClr val="bg1"/>
-          </a:solidFill>
-          <a:ln>
-            <a:solidFill>
-              <a:schemeClr val="tx1"/>
-            </a:solidFill>
-          </a:ln>
-        </p:spPr>
-        <p:style>
-          <a:lnRef idx="2">
-            <a:schemeClr val="accent1">
-              <a:shade val="50000"/>
-            </a:schemeClr>
-          </a:lnRef>
-          <a:fillRef idx="1">
-            <a:schemeClr val="accent1"/>
-          </a:fillRef>
-          <a:effectRef idx="0">
-            <a:schemeClr val="accent1"/>
-          </a:effectRef>
-          <a:fontRef idx="minor">
-            <a:schemeClr val="lt1"/>
-          </a:fontRef>
-        </p:style>
-        <p:txBody>
-          <a:bodyPr rtlCol="0" anchor="ctr"/>
-          <a:lstStyle/>
-          <a:p>
-            <a:pPr algn="ctr"/>
-            <a:r>
               <a:rPr lang="en-US" sz="1000" dirty="0">
                 <a:solidFill>
                   <a:schemeClr val="tx1"/>
                 </a:solidFill>
               </a:rPr>
-              <a:t>▲</a:t>
-            </a:r>
-            <a:r>
-              <a:rPr lang="en-US" sz="1000" i="1" dirty="0">
-                <a:solidFill>
-                  <a:schemeClr val="tx1"/>
-                </a:solidFill>
-              </a:rPr>
-              <a:t> woody_mortality</a:t>
-            </a:r>
-            <a:endParaRPr lang="en-US" sz="1000" dirty="0">
-              <a:solidFill>
-                <a:schemeClr val="tx1"/>
-              </a:solidFill>
-            </a:endParaRPr>
-          </a:p>
-        </p:txBody>
-      </p:sp>
-      <p:sp>
-        <p:nvSpPr>
-          <p:cNvPr id="210" name="Rectangle 209">
-            <a:extLst>
-              <a:ext uri="{FF2B5EF4-FFF2-40B4-BE49-F238E27FC236}">
-                <a16:creationId xmlns:a16="http://schemas.microsoft.com/office/drawing/2014/main" id="{CC29069C-2A6C-AC40-A893-2EB88FF9C208}"/>
-              </a:ext>
-            </a:extLst>
-          </p:cNvPr>
-          <p:cNvSpPr/>
-          <p:nvPr/>
-        </p:nvSpPr>
-        <p:spPr>
-          <a:xfrm>
-            <a:off x="3171036" y="3877800"/>
-            <a:ext cx="1345240" cy="246221"/>
-          </a:xfrm>
-          <a:prstGeom prst="rect">
-            <a:avLst/>
-          </a:prstGeom>
-          <a:solidFill>
-            <a:schemeClr val="bg1"/>
-          </a:solidFill>
-          <a:ln>
-            <a:solidFill>
-              <a:schemeClr val="tx1"/>
-            </a:solidFill>
-          </a:ln>
-        </p:spPr>
-        <p:style>
-          <a:lnRef idx="2">
-            <a:schemeClr val="accent1">
-              <a:shade val="50000"/>
-            </a:schemeClr>
-          </a:lnRef>
-          <a:fillRef idx="1">
-            <a:schemeClr val="accent1"/>
-          </a:fillRef>
-          <a:effectRef idx="0">
-            <a:schemeClr val="accent1"/>
-          </a:effectRef>
-          <a:fontRef idx="minor">
-            <a:schemeClr val="lt1"/>
-          </a:fontRef>
-        </p:style>
-        <p:txBody>
-          <a:bodyPr rtlCol="0" anchor="ctr"/>
-          <a:lstStyle/>
-          <a:p>
-            <a:pPr algn="ctr"/>
-            <a:r>
-              <a:rPr lang="en-US" sz="1000" i="1" dirty="0">
-                <a:solidFill>
-                  <a:schemeClr val="tx1"/>
-                </a:solidFill>
-              </a:rPr>
-              <a:t>▼</a:t>
-            </a:r>
-            <a:r>
-              <a:rPr lang="en-US" sz="1000" dirty="0">
-                <a:solidFill>
-                  <a:schemeClr val="tx1"/>
-                </a:solidFill>
-              </a:rPr>
-              <a:t> ⌀ </a:t>
+              <a:t>Soils</a:t>
             </a:r>
           </a:p>
         </p:txBody>
       </p:sp>
       <p:grpSp>
         <p:nvGrpSpPr>
-          <p:cNvPr id="225" name="Group 224">
+          <p:cNvPr id="324" name="Group 323">
             <a:extLst>
               <a:ext uri="{FF2B5EF4-FFF2-40B4-BE49-F238E27FC236}">
-                <a16:creationId xmlns:a16="http://schemas.microsoft.com/office/drawing/2014/main" id="{C3F7CFDC-7864-D04D-ACED-7073A1009900}"/>
+                <a16:creationId xmlns:a16="http://schemas.microsoft.com/office/drawing/2014/main" id="{5C1014AC-3641-B24A-9BAA-1C4B8595B208}"/>
               </a:ext>
             </a:extLst>
           </p:cNvPr>
@@ -6413,242 +5881,18 @@
         </p:nvGrpSpPr>
         <p:grpSpPr>
           <a:xfrm>
-            <a:off x="3178380" y="404195"/>
-            <a:ext cx="1378817" cy="1220796"/>
-            <a:chOff x="3178380" y="404195"/>
-            <a:chExt cx="1378817" cy="1220796"/>
+            <a:off x="3147692" y="5534863"/>
+            <a:ext cx="1371600" cy="1220397"/>
+            <a:chOff x="3286258" y="5056556"/>
+            <a:chExt cx="1371600" cy="1220397"/>
           </a:xfrm>
         </p:grpSpPr>
-        <p:grpSp>
-          <p:nvGrpSpPr>
-            <p:cNvPr id="72" name="Group 71">
+        <p:sp>
+          <p:nvSpPr>
+            <p:cNvPr id="318" name="Rectangle 317">
               <a:extLst>
                 <a:ext uri="{FF2B5EF4-FFF2-40B4-BE49-F238E27FC236}">
-                  <a16:creationId xmlns:a16="http://schemas.microsoft.com/office/drawing/2014/main" id="{27FBB727-E137-D746-884C-3E899B631639}"/>
-                </a:ext>
-              </a:extLst>
-            </p:cNvPr>
-            <p:cNvGrpSpPr/>
-            <p:nvPr/>
-          </p:nvGrpSpPr>
-          <p:grpSpPr>
-            <a:xfrm>
-              <a:off x="3178380" y="404195"/>
-              <a:ext cx="1374565" cy="493776"/>
-              <a:chOff x="1607960" y="1400841"/>
-              <a:chExt cx="1374565" cy="493776"/>
-            </a:xfrm>
-          </p:grpSpPr>
-          <p:grpSp>
-            <p:nvGrpSpPr>
-              <p:cNvPr id="73" name="Group 72">
-                <a:extLst>
-                  <a:ext uri="{FF2B5EF4-FFF2-40B4-BE49-F238E27FC236}">
-                    <a16:creationId xmlns:a16="http://schemas.microsoft.com/office/drawing/2014/main" id="{92D8DCCE-F704-9E4A-819B-ED188F65070F}"/>
-                  </a:ext>
-                </a:extLst>
-              </p:cNvPr>
-              <p:cNvGrpSpPr/>
-              <p:nvPr/>
-            </p:nvGrpSpPr>
-            <p:grpSpPr>
-              <a:xfrm>
-                <a:off x="1637271" y="1400841"/>
-                <a:ext cx="1345254" cy="493776"/>
-                <a:chOff x="255658" y="1455518"/>
-                <a:chExt cx="1345254" cy="493776"/>
-              </a:xfrm>
-            </p:grpSpPr>
-            <p:sp>
-              <p:nvSpPr>
-                <p:cNvPr id="76" name="Rectangle 75">
-                  <a:extLst>
-                    <a:ext uri="{FF2B5EF4-FFF2-40B4-BE49-F238E27FC236}">
-                      <a16:creationId xmlns:a16="http://schemas.microsoft.com/office/drawing/2014/main" id="{01C70A4A-26C7-874F-ADFE-6F192850C35A}"/>
-                    </a:ext>
-                  </a:extLst>
-                </p:cNvPr>
-                <p:cNvSpPr/>
-                <p:nvPr/>
-              </p:nvSpPr>
-              <p:spPr>
-                <a:xfrm>
-                  <a:off x="255672" y="1455518"/>
-                  <a:ext cx="1345240" cy="493776"/>
-                </a:xfrm>
-                <a:prstGeom prst="rect">
-                  <a:avLst/>
-                </a:prstGeom>
-                <a:solidFill>
-                  <a:schemeClr val="accent6">
-                    <a:lumMod val="40000"/>
-                    <a:lumOff val="60000"/>
-                  </a:schemeClr>
-                </a:solidFill>
-                <a:ln>
-                  <a:solidFill>
-                    <a:schemeClr val="tx1"/>
-                  </a:solidFill>
-                </a:ln>
-              </p:spPr>
-              <p:style>
-                <a:lnRef idx="2">
-                  <a:schemeClr val="accent1">
-                    <a:shade val="50000"/>
-                  </a:schemeClr>
-                </a:lnRef>
-                <a:fillRef idx="1">
-                  <a:schemeClr val="accent1"/>
-                </a:fillRef>
-                <a:effectRef idx="0">
-                  <a:schemeClr val="accent1"/>
-                </a:effectRef>
-                <a:fontRef idx="minor">
-                  <a:schemeClr val="lt1"/>
-                </a:fontRef>
-              </p:style>
-              <p:txBody>
-                <a:bodyPr rtlCol="0" anchor="ctr"/>
-                <a:lstStyle/>
-                <a:p>
-                  <a:pPr algn="ctr"/>
-                  <a:endParaRPr lang="en-US"/>
-                </a:p>
-              </p:txBody>
-            </p:sp>
-            <p:sp>
-              <p:nvSpPr>
-                <p:cNvPr id="77" name="Rectangle 76">
-                  <a:extLst>
-                    <a:ext uri="{FF2B5EF4-FFF2-40B4-BE49-F238E27FC236}">
-                      <a16:creationId xmlns:a16="http://schemas.microsoft.com/office/drawing/2014/main" id="{4B7054FA-839C-A74B-ADC3-44C7CFD0BC7E}"/>
-                    </a:ext>
-                  </a:extLst>
-                </p:cNvPr>
-                <p:cNvSpPr/>
-                <p:nvPr/>
-              </p:nvSpPr>
-              <p:spPr>
-                <a:xfrm>
-                  <a:off x="255658" y="1700515"/>
-                  <a:ext cx="1345240" cy="246221"/>
-                </a:xfrm>
-                <a:prstGeom prst="rect">
-                  <a:avLst/>
-                </a:prstGeom>
-                <a:solidFill>
-                  <a:schemeClr val="bg1"/>
-                </a:solidFill>
-                <a:ln>
-                  <a:solidFill>
-                    <a:schemeClr val="tx1"/>
-                  </a:solidFill>
-                </a:ln>
-              </p:spPr>
-              <p:style>
-                <a:lnRef idx="2">
-                  <a:schemeClr val="accent1">
-                    <a:shade val="50000"/>
-                  </a:schemeClr>
-                </a:lnRef>
-                <a:fillRef idx="1">
-                  <a:schemeClr val="accent1"/>
-                </a:fillRef>
-                <a:effectRef idx="0">
-                  <a:schemeClr val="accent1"/>
-                </a:effectRef>
-                <a:fontRef idx="minor">
-                  <a:schemeClr val="lt1"/>
-                </a:fontRef>
-              </p:style>
-              <p:txBody>
-                <a:bodyPr rtlCol="0" anchor="ctr"/>
-                <a:lstStyle/>
-                <a:p>
-                  <a:pPr algn="ctr"/>
-                  <a:endParaRPr lang="en-US"/>
-                </a:p>
-              </p:txBody>
-            </p:sp>
-          </p:grpSp>
-          <p:sp>
-            <p:nvSpPr>
-              <p:cNvPr id="74" name="TextBox 73">
-                <a:extLst>
-                  <a:ext uri="{FF2B5EF4-FFF2-40B4-BE49-F238E27FC236}">
-                    <a16:creationId xmlns:a16="http://schemas.microsoft.com/office/drawing/2014/main" id="{C2D3AA07-7841-004B-A1D3-04B7228B8A68}"/>
-                  </a:ext>
-                </a:extLst>
-              </p:cNvPr>
-              <p:cNvSpPr txBox="1"/>
-              <p:nvPr/>
-            </p:nvSpPr>
-            <p:spPr>
-              <a:xfrm>
-                <a:off x="1607960" y="1409308"/>
-                <a:ext cx="1348446" cy="246221"/>
-              </a:xfrm>
-              <a:prstGeom prst="rect">
-                <a:avLst/>
-              </a:prstGeom>
-              <a:noFill/>
-            </p:spPr>
-            <p:txBody>
-              <a:bodyPr wrap="none" rtlCol="0">
-                <a:spAutoFit/>
-              </a:bodyPr>
-              <a:lstStyle/>
-              <a:p>
-                <a:r>
-                  <a:rPr lang="en-US" sz="1000" dirty="0"/>
-                  <a:t>Aboveground biomass</a:t>
-                </a:r>
-              </a:p>
-            </p:txBody>
-          </p:sp>
-          <p:sp>
-            <p:nvSpPr>
-              <p:cNvPr id="75" name="TextBox 74">
-                <a:extLst>
-                  <a:ext uri="{FF2B5EF4-FFF2-40B4-BE49-F238E27FC236}">
-                    <a16:creationId xmlns:a16="http://schemas.microsoft.com/office/drawing/2014/main" id="{2D6F4DA7-9020-4E47-BBEC-708D9844B59B}"/>
-                  </a:ext>
-                </a:extLst>
-              </p:cNvPr>
-              <p:cNvSpPr txBox="1"/>
-              <p:nvPr/>
-            </p:nvSpPr>
-            <p:spPr>
-              <a:xfrm>
-                <a:off x="1688913" y="1645838"/>
-                <a:ext cx="1256822" cy="246221"/>
-              </a:xfrm>
-              <a:prstGeom prst="rect">
-                <a:avLst/>
-              </a:prstGeom>
-              <a:noFill/>
-            </p:spPr>
-            <p:txBody>
-              <a:bodyPr wrap="square" rtlCol="0">
-                <a:spAutoFit/>
-              </a:bodyPr>
-              <a:lstStyle/>
-              <a:p>
-                <a:pPr algn="ctr"/>
-                <a:r>
-                  <a:rPr lang="en-US" sz="1000" i="1" dirty="0"/>
-                  <a:t>biomass_ag</a:t>
-                </a:r>
-              </a:p>
-            </p:txBody>
-          </p:sp>
-        </p:grpSp>
-        <p:sp>
-          <p:nvSpPr>
-            <p:cNvPr id="205" name="Rectangle 204">
-              <a:extLst>
-                <a:ext uri="{FF2B5EF4-FFF2-40B4-BE49-F238E27FC236}">
-                  <a16:creationId xmlns:a16="http://schemas.microsoft.com/office/drawing/2014/main" id="{A74FE277-2EF6-374F-9820-426422C8AB52}"/>
+                  <a16:creationId xmlns:a16="http://schemas.microsoft.com/office/drawing/2014/main" id="{71F92886-7359-F94D-B7F1-4FD1BB948B9D}"/>
                 </a:ext>
               </a:extLst>
             </p:cNvPr>
@@ -6657,7 +5901,356 @@
           </p:nvSpPr>
           <p:spPr>
             <a:xfrm>
-              <a:off x="3211957" y="1143568"/>
+              <a:off x="3286258" y="5545483"/>
+              <a:ext cx="1371600" cy="246888"/>
+            </a:xfrm>
+            <a:prstGeom prst="rect">
+              <a:avLst/>
+            </a:prstGeom>
+            <a:solidFill>
+              <a:schemeClr val="bg1"/>
+            </a:solidFill>
+            <a:ln>
+              <a:solidFill>
+                <a:schemeClr val="tx1"/>
+              </a:solidFill>
+            </a:ln>
+          </p:spPr>
+          <p:style>
+            <a:lnRef idx="2">
+              <a:schemeClr val="accent1">
+                <a:shade val="50000"/>
+              </a:schemeClr>
+            </a:lnRef>
+            <a:fillRef idx="1">
+              <a:schemeClr val="accent1"/>
+            </a:fillRef>
+            <a:effectRef idx="0">
+              <a:schemeClr val="accent1"/>
+            </a:effectRef>
+            <a:fontRef idx="minor">
+              <a:schemeClr val="lt1"/>
+            </a:fontRef>
+          </p:style>
+          <p:txBody>
+            <a:bodyPr lIns="45720" rIns="45720" rtlCol="0" anchor="ctr"/>
+            <a:lstStyle/>
+            <a:p>
+              <a:pPr algn="ctr"/>
+              <a:r>
+                <a:rPr lang="en-US" sz="1000" dirty="0">
+                  <a:solidFill>
+                    <a:schemeClr val="tx1"/>
+                  </a:solidFill>
+                </a:rPr>
+                <a:t>△</a:t>
+              </a:r>
+              <a:r>
+                <a:rPr lang="en-US" sz="1000" i="1" dirty="0">
+                  <a:solidFill>
+                    <a:schemeClr val="tx1"/>
+                  </a:solidFill>
+                </a:rPr>
+                <a:t> delta.SOM, delta.SOC</a:t>
+              </a:r>
+              <a:endParaRPr lang="en-US" sz="1000" dirty="0">
+                <a:solidFill>
+                  <a:schemeClr val="tx1"/>
+                </a:solidFill>
+              </a:endParaRPr>
+            </a:p>
+          </p:txBody>
+        </p:sp>
+        <p:sp>
+          <p:nvSpPr>
+            <p:cNvPr id="319" name="Rectangle 318">
+              <a:extLst>
+                <a:ext uri="{FF2B5EF4-FFF2-40B4-BE49-F238E27FC236}">
+                  <a16:creationId xmlns:a16="http://schemas.microsoft.com/office/drawing/2014/main" id="{D2F81C21-6C40-024D-93EE-5DAE8D0B0734}"/>
+                </a:ext>
+              </a:extLst>
+            </p:cNvPr>
+            <p:cNvSpPr/>
+            <p:nvPr/>
+          </p:nvSpPr>
+          <p:spPr>
+            <a:xfrm>
+              <a:off x="3286258" y="5300484"/>
+              <a:ext cx="1371600" cy="246888"/>
+            </a:xfrm>
+            <a:prstGeom prst="rect">
+              <a:avLst/>
+            </a:prstGeom>
+            <a:solidFill>
+              <a:schemeClr val="bg1"/>
+            </a:solidFill>
+            <a:ln>
+              <a:solidFill>
+                <a:schemeClr val="tx1"/>
+              </a:solidFill>
+            </a:ln>
+          </p:spPr>
+          <p:style>
+            <a:lnRef idx="2">
+              <a:schemeClr val="accent1">
+                <a:shade val="50000"/>
+              </a:schemeClr>
+            </a:lnRef>
+            <a:fillRef idx="1">
+              <a:schemeClr val="accent1"/>
+            </a:fillRef>
+            <a:effectRef idx="0">
+              <a:schemeClr val="accent1"/>
+            </a:effectRef>
+            <a:fontRef idx="minor">
+              <a:schemeClr val="lt1"/>
+            </a:fontRef>
+          </p:style>
+          <p:txBody>
+            <a:bodyPr rtlCol="0" anchor="ctr"/>
+            <a:lstStyle/>
+            <a:p>
+              <a:pPr algn="ctr"/>
+              <a:r>
+                <a:rPr lang="en-US" sz="1000" i="1" dirty="0">
+                  <a:solidFill>
+                    <a:schemeClr val="tx1"/>
+                  </a:solidFill>
+                </a:rPr>
+                <a:t>SOM, SOC</a:t>
+              </a:r>
+            </a:p>
+          </p:txBody>
+        </p:sp>
+        <p:sp>
+          <p:nvSpPr>
+            <p:cNvPr id="320" name="Rectangle 319">
+              <a:extLst>
+                <a:ext uri="{FF2B5EF4-FFF2-40B4-BE49-F238E27FC236}">
+                  <a16:creationId xmlns:a16="http://schemas.microsoft.com/office/drawing/2014/main" id="{3F77BC78-347A-1B49-BEF5-EB8D70A7954C}"/>
+                </a:ext>
+              </a:extLst>
+            </p:cNvPr>
+            <p:cNvSpPr/>
+            <p:nvPr/>
+          </p:nvSpPr>
+          <p:spPr>
+            <a:xfrm>
+              <a:off x="3286258" y="5056556"/>
+              <a:ext cx="1371600" cy="246888"/>
+            </a:xfrm>
+            <a:prstGeom prst="rect">
+              <a:avLst/>
+            </a:prstGeom>
+            <a:solidFill>
+              <a:srgbClr val="ACA081"/>
+            </a:solidFill>
+            <a:ln>
+              <a:solidFill>
+                <a:schemeClr val="tx1"/>
+              </a:solidFill>
+            </a:ln>
+          </p:spPr>
+          <p:style>
+            <a:lnRef idx="2">
+              <a:schemeClr val="accent1">
+                <a:shade val="50000"/>
+              </a:schemeClr>
+            </a:lnRef>
+            <a:fillRef idx="1">
+              <a:schemeClr val="accent1"/>
+            </a:fillRef>
+            <a:effectRef idx="0">
+              <a:schemeClr val="accent1"/>
+            </a:effectRef>
+            <a:fontRef idx="minor">
+              <a:schemeClr val="lt1"/>
+            </a:fontRef>
+          </p:style>
+          <p:txBody>
+            <a:bodyPr rtlCol="0" anchor="ctr"/>
+            <a:lstStyle/>
+            <a:p>
+              <a:pPr algn="ctr"/>
+              <a:r>
+                <a:rPr lang="en-US" sz="1000" dirty="0">
+                  <a:solidFill>
+                    <a:schemeClr val="tx1"/>
+                  </a:solidFill>
+                </a:rPr>
+                <a:t>Soil organic matter</a:t>
+              </a:r>
+            </a:p>
+          </p:txBody>
+        </p:sp>
+        <p:sp>
+          <p:nvSpPr>
+            <p:cNvPr id="322" name="Rectangle 321">
+              <a:extLst>
+                <a:ext uri="{FF2B5EF4-FFF2-40B4-BE49-F238E27FC236}">
+                  <a16:creationId xmlns:a16="http://schemas.microsoft.com/office/drawing/2014/main" id="{0A10DC57-4F9C-D34F-9509-8458C0055D37}"/>
+                </a:ext>
+              </a:extLst>
+            </p:cNvPr>
+            <p:cNvSpPr/>
+            <p:nvPr/>
+          </p:nvSpPr>
+          <p:spPr>
+            <a:xfrm>
+              <a:off x="3286258" y="5785627"/>
+              <a:ext cx="1371600" cy="246888"/>
+            </a:xfrm>
+            <a:prstGeom prst="rect">
+              <a:avLst/>
+            </a:prstGeom>
+            <a:solidFill>
+              <a:schemeClr val="bg1"/>
+            </a:solidFill>
+            <a:ln>
+              <a:solidFill>
+                <a:schemeClr val="tx1"/>
+              </a:solidFill>
+            </a:ln>
+          </p:spPr>
+          <p:style>
+            <a:lnRef idx="2">
+              <a:schemeClr val="accent1">
+                <a:shade val="50000"/>
+              </a:schemeClr>
+            </a:lnRef>
+            <a:fillRef idx="1">
+              <a:schemeClr val="accent1"/>
+            </a:fillRef>
+            <a:effectRef idx="0">
+              <a:schemeClr val="accent1"/>
+            </a:effectRef>
+            <a:fontRef idx="minor">
+              <a:schemeClr val="lt1"/>
+            </a:fontRef>
+          </p:style>
+          <p:txBody>
+            <a:bodyPr rtlCol="0" anchor="ctr"/>
+            <a:lstStyle/>
+            <a:p>
+              <a:pPr algn="ctr"/>
+              <a:r>
+                <a:rPr lang="en-US" sz="1000" dirty="0">
+                  <a:solidFill>
+                    <a:schemeClr val="tx1"/>
+                  </a:solidFill>
+                </a:rPr>
+                <a:t>▲⌀</a:t>
+              </a:r>
+              <a:endParaRPr lang="en-US" sz="1000" i="1" dirty="0">
+                <a:solidFill>
+                  <a:schemeClr val="tx1"/>
+                </a:solidFill>
+              </a:endParaRPr>
+            </a:p>
+          </p:txBody>
+        </p:sp>
+        <p:sp>
+          <p:nvSpPr>
+            <p:cNvPr id="323" name="Rectangle 322">
+              <a:extLst>
+                <a:ext uri="{FF2B5EF4-FFF2-40B4-BE49-F238E27FC236}">
+                  <a16:creationId xmlns:a16="http://schemas.microsoft.com/office/drawing/2014/main" id="{082FB594-05DE-1449-9369-6BCBC383FC28}"/>
+                </a:ext>
+              </a:extLst>
+            </p:cNvPr>
+            <p:cNvSpPr/>
+            <p:nvPr/>
+          </p:nvSpPr>
+          <p:spPr>
+            <a:xfrm>
+              <a:off x="3286258" y="6030065"/>
+              <a:ext cx="1371600" cy="246888"/>
+            </a:xfrm>
+            <a:prstGeom prst="rect">
+              <a:avLst/>
+            </a:prstGeom>
+            <a:solidFill>
+              <a:schemeClr val="bg1"/>
+            </a:solidFill>
+            <a:ln>
+              <a:solidFill>
+                <a:schemeClr val="tx1"/>
+              </a:solidFill>
+            </a:ln>
+          </p:spPr>
+          <p:style>
+            <a:lnRef idx="2">
+              <a:schemeClr val="accent1">
+                <a:shade val="50000"/>
+              </a:schemeClr>
+            </a:lnRef>
+            <a:fillRef idx="1">
+              <a:schemeClr val="accent1"/>
+            </a:fillRef>
+            <a:effectRef idx="0">
+              <a:schemeClr val="accent1"/>
+            </a:effectRef>
+            <a:fontRef idx="minor">
+              <a:schemeClr val="lt1"/>
+            </a:fontRef>
+          </p:style>
+          <p:txBody>
+            <a:bodyPr rtlCol="0" anchor="ctr"/>
+            <a:lstStyle/>
+            <a:p>
+              <a:pPr algn="ctr"/>
+              <a:r>
+                <a:rPr lang="en-US" sz="1000" i="1" dirty="0">
+                  <a:solidFill>
+                    <a:schemeClr val="tx1"/>
+                  </a:solidFill>
+                </a:rPr>
+                <a:t>▼ R_soil</a:t>
+              </a:r>
+              <a:endParaRPr lang="en-US" sz="1000" dirty="0">
+                <a:solidFill>
+                  <a:schemeClr val="tx1"/>
+                </a:solidFill>
+              </a:endParaRPr>
+            </a:p>
+          </p:txBody>
+        </p:sp>
+      </p:grpSp>
+      <p:grpSp>
+        <p:nvGrpSpPr>
+          <p:cNvPr id="325" name="Group 324">
+            <a:extLst>
+              <a:ext uri="{FF2B5EF4-FFF2-40B4-BE49-F238E27FC236}">
+                <a16:creationId xmlns:a16="http://schemas.microsoft.com/office/drawing/2014/main" id="{EB822A56-37FC-A049-A7FB-F94494CCDCE4}"/>
+              </a:ext>
+            </a:extLst>
+          </p:cNvPr>
+          <p:cNvGrpSpPr/>
+          <p:nvPr/>
+        </p:nvGrpSpPr>
+        <p:grpSpPr>
+          <a:xfrm>
+            <a:off x="96540" y="2682327"/>
+            <a:ext cx="1346372" cy="1426494"/>
+            <a:chOff x="90095" y="47552"/>
+            <a:chExt cx="1346372" cy="1426494"/>
+          </a:xfrm>
+        </p:grpSpPr>
+        <p:sp>
+          <p:nvSpPr>
+            <p:cNvPr id="326" name="Rectangle 325">
+              <a:extLst>
+                <a:ext uri="{FF2B5EF4-FFF2-40B4-BE49-F238E27FC236}">
+                  <a16:creationId xmlns:a16="http://schemas.microsoft.com/office/drawing/2014/main" id="{5DE7CD7E-ACD1-9346-808C-B44E309CB284}"/>
+                </a:ext>
+              </a:extLst>
+            </p:cNvPr>
+            <p:cNvSpPr/>
+            <p:nvPr/>
+          </p:nvSpPr>
+          <p:spPr>
+            <a:xfrm>
+              <a:off x="91227" y="992623"/>
               <a:ext cx="1345240" cy="246221"/>
             </a:xfrm>
             <a:prstGeom prst="rect">
@@ -6707,25 +6300,30 @@
                     <a:schemeClr val="tx1"/>
                   </a:solidFill>
                 </a:rPr>
-                <a:t>ANPP_woody_stem</a:t>
-              </a:r>
-              <a:r>
-                <a:rPr lang="en-US" sz="1000" dirty="0">
-                  <a:solidFill>
-                    <a:schemeClr val="tx1"/>
-                  </a:solidFill>
-                </a:rPr>
-                <a:t> </a:t>
-              </a:r>
+                <a:t>GPP</a:t>
+              </a:r>
+              <a:r>
+                <a:rPr lang="en-US" sz="1000" i="1" baseline="30000" dirty="0">
+                  <a:solidFill>
+                    <a:schemeClr val="tx1"/>
+                  </a:solidFill>
+                </a:rPr>
+                <a:t>6</a:t>
+              </a:r>
+              <a:endParaRPr lang="en-US" sz="1000" dirty="0">
+                <a:solidFill>
+                  <a:schemeClr val="tx1"/>
+                </a:solidFill>
+              </a:endParaRPr>
             </a:p>
           </p:txBody>
         </p:sp>
         <p:sp>
           <p:nvSpPr>
-            <p:cNvPr id="206" name="Rectangle 205">
+            <p:cNvPr id="327" name="Rectangle 326">
               <a:extLst>
                 <a:ext uri="{FF2B5EF4-FFF2-40B4-BE49-F238E27FC236}">
-                  <a16:creationId xmlns:a16="http://schemas.microsoft.com/office/drawing/2014/main" id="{21D0FA42-69C2-3E48-A438-142F98EA9FAD}"/>
+                  <a16:creationId xmlns:a16="http://schemas.microsoft.com/office/drawing/2014/main" id="{08DA90AC-B53E-864B-9A44-6DD80ABE72D0}"/>
                 </a:ext>
               </a:extLst>
             </p:cNvPr>
@@ -6734,7 +6332,7 @@
           </p:nvSpPr>
           <p:spPr>
             <a:xfrm>
-              <a:off x="3211957" y="1378770"/>
+              <a:off x="91227" y="1227825"/>
               <a:ext cx="1345240" cy="246221"/>
             </a:xfrm>
             <a:prstGeom prst="rect">
@@ -6776,7 +6374,121 @@
                     <a:schemeClr val="tx1"/>
                   </a:solidFill>
                 </a:rPr>
-                <a:t>▼ woody_mortality</a:t>
+                <a:t>▼ R_eco</a:t>
+              </a:r>
+              <a:r>
+                <a:rPr lang="en-US" sz="1000" i="1" baseline="30000" dirty="0">
+                  <a:solidFill>
+                    <a:schemeClr val="tx1"/>
+                  </a:solidFill>
+                </a:rPr>
+                <a:t>6</a:t>
+              </a:r>
+              <a:endParaRPr lang="en-US" sz="1000" baseline="30000" dirty="0">
+                <a:solidFill>
+                  <a:schemeClr val="tx1"/>
+                </a:solidFill>
+              </a:endParaRPr>
+            </a:p>
+          </p:txBody>
+        </p:sp>
+        <p:sp>
+          <p:nvSpPr>
+            <p:cNvPr id="328" name="Rectangle 327">
+              <a:extLst>
+                <a:ext uri="{FF2B5EF4-FFF2-40B4-BE49-F238E27FC236}">
+                  <a16:creationId xmlns:a16="http://schemas.microsoft.com/office/drawing/2014/main" id="{0B84B0C3-723C-B245-9209-223612D347C4}"/>
+                </a:ext>
+              </a:extLst>
+            </p:cNvPr>
+            <p:cNvSpPr/>
+            <p:nvPr/>
+          </p:nvSpPr>
+          <p:spPr>
+            <a:xfrm>
+              <a:off x="91227" y="536478"/>
+              <a:ext cx="1345240" cy="456694"/>
+            </a:xfrm>
+            <a:prstGeom prst="rect">
+              <a:avLst/>
+            </a:prstGeom>
+            <a:solidFill>
+              <a:schemeClr val="bg1"/>
+            </a:solidFill>
+            <a:ln>
+              <a:solidFill>
+                <a:schemeClr val="tx1"/>
+              </a:solidFill>
+            </a:ln>
+          </p:spPr>
+          <p:style>
+            <a:lnRef idx="2">
+              <a:schemeClr val="accent1">
+                <a:shade val="50000"/>
+              </a:schemeClr>
+            </a:lnRef>
+            <a:fillRef idx="1">
+              <a:schemeClr val="accent1"/>
+            </a:fillRef>
+            <a:effectRef idx="0">
+              <a:schemeClr val="accent1"/>
+            </a:effectRef>
+            <a:fontRef idx="minor">
+              <a:schemeClr val="lt1"/>
+            </a:fontRef>
+          </p:style>
+          <p:txBody>
+            <a:bodyPr lIns="45720" rIns="45720" rtlCol="0" anchor="ctr"/>
+            <a:lstStyle/>
+            <a:p>
+              <a:pPr algn="ctr"/>
+              <a:r>
+                <a:rPr lang="en-US" sz="1000" dirty="0">
+                  <a:solidFill>
+                    <a:schemeClr val="tx1"/>
+                  </a:solidFill>
+                </a:rPr>
+                <a:t>△</a:t>
+              </a:r>
+              <a:r>
+                <a:rPr lang="en-US" sz="1000" i="1" dirty="0">
+                  <a:solidFill>
+                    <a:schemeClr val="tx1"/>
+                  </a:solidFill>
+                </a:rPr>
+                <a:t> NEE</a:t>
+              </a:r>
+              <a:r>
+                <a:rPr lang="en-US" sz="1000" i="1" baseline="30000" dirty="0">
+                  <a:solidFill>
+                    <a:schemeClr val="tx1"/>
+                  </a:solidFill>
+                </a:rPr>
+                <a:t>6</a:t>
+              </a:r>
+              <a:r>
+                <a:rPr lang="en-US" sz="1000" i="1" dirty="0">
+                  <a:solidFill>
+                    <a:schemeClr val="tx1"/>
+                  </a:solidFill>
+                </a:rPr>
+                <a:t>, NEP</a:t>
+              </a:r>
+              <a:r>
+                <a:rPr lang="en-US" sz="1000" i="1" baseline="30000" dirty="0">
+                  <a:solidFill>
+                    <a:schemeClr val="tx1"/>
+                  </a:solidFill>
+                </a:rPr>
+                <a:t>6</a:t>
+              </a:r>
+              <a:r>
+                <a:rPr lang="en-US" sz="1000" i="1" dirty="0">
+                  <a:solidFill>
+                    <a:schemeClr val="tx1"/>
+                  </a:solidFill>
+                </a:rPr>
+                <a:t>, delta.total.ecosystem </a:t>
               </a:r>
               <a:endParaRPr lang="en-US" sz="1000" dirty="0">
                 <a:solidFill>
@@ -6788,10 +6500,10 @@
         </p:sp>
         <p:sp>
           <p:nvSpPr>
-            <p:cNvPr id="216" name="Rectangle 215">
+            <p:cNvPr id="329" name="Rectangle 328">
               <a:extLst>
                 <a:ext uri="{FF2B5EF4-FFF2-40B4-BE49-F238E27FC236}">
-                  <a16:creationId xmlns:a16="http://schemas.microsoft.com/office/drawing/2014/main" id="{B87A4E74-3E8E-6E48-A594-FDF1EDFA9B4C}"/>
+                  <a16:creationId xmlns:a16="http://schemas.microsoft.com/office/drawing/2014/main" id="{8C880F57-65BD-5847-AB01-1D973161DE0E}"/>
                 </a:ext>
               </a:extLst>
             </p:cNvPr>
@@ -6800,7 +6512,7 @@
           </p:nvSpPr>
           <p:spPr>
             <a:xfrm>
-              <a:off x="3207677" y="899860"/>
+              <a:off x="91227" y="291480"/>
               <a:ext cx="1345240" cy="246221"/>
             </a:xfrm>
             <a:prstGeom prst="rect">
@@ -6837,105 +6549,84 @@
             <a:p>
               <a:pPr algn="ctr"/>
               <a:r>
+                <a:rPr lang="en-US" sz="1000" i="1" dirty="0">
+                  <a:solidFill>
+                    <a:schemeClr val="tx1"/>
+                  </a:solidFill>
+                </a:rPr>
+                <a:t>total.ecosystem</a:t>
+              </a:r>
+            </a:p>
+          </p:txBody>
+        </p:sp>
+        <p:sp>
+          <p:nvSpPr>
+            <p:cNvPr id="330" name="Rectangle 329">
+              <a:extLst>
+                <a:ext uri="{FF2B5EF4-FFF2-40B4-BE49-F238E27FC236}">
+                  <a16:creationId xmlns:a16="http://schemas.microsoft.com/office/drawing/2014/main" id="{5AC4F47A-C30F-2648-9E87-7EA63DCCB0CA}"/>
+                </a:ext>
+              </a:extLst>
+            </p:cNvPr>
+            <p:cNvSpPr/>
+            <p:nvPr/>
+          </p:nvSpPr>
+          <p:spPr>
+            <a:xfrm>
+              <a:off x="90095" y="47552"/>
+              <a:ext cx="1345240" cy="246221"/>
+            </a:xfrm>
+            <a:prstGeom prst="rect">
+              <a:avLst/>
+            </a:prstGeom>
+            <a:solidFill>
+              <a:srgbClr val="AF8F92"/>
+            </a:solidFill>
+            <a:ln>
+              <a:solidFill>
+                <a:schemeClr val="tx1"/>
+              </a:solidFill>
+            </a:ln>
+          </p:spPr>
+          <p:style>
+            <a:lnRef idx="2">
+              <a:schemeClr val="accent1">
+                <a:shade val="50000"/>
+              </a:schemeClr>
+            </a:lnRef>
+            <a:fillRef idx="1">
+              <a:schemeClr val="accent1"/>
+            </a:fillRef>
+            <a:effectRef idx="0">
+              <a:schemeClr val="accent1"/>
+            </a:effectRef>
+            <a:fontRef idx="minor">
+              <a:schemeClr val="lt1"/>
+            </a:fontRef>
+          </p:style>
+          <p:txBody>
+            <a:bodyPr rtlCol="0" anchor="ctr"/>
+            <a:lstStyle/>
+            <a:p>
+              <a:pPr algn="ctr"/>
+              <a:r>
                 <a:rPr lang="en-US" sz="1000" dirty="0">
                   <a:solidFill>
                     <a:schemeClr val="tx1"/>
                   </a:solidFill>
                 </a:rPr>
-                <a:t>△</a:t>
-              </a:r>
-              <a:r>
-                <a:rPr lang="en-US" sz="1000" i="1" dirty="0">
-                  <a:solidFill>
-                    <a:schemeClr val="tx1"/>
-                  </a:solidFill>
-                </a:rPr>
-                <a:t> delta.agb</a:t>
-              </a:r>
-              <a:endParaRPr lang="en-US" sz="1000" dirty="0">
-                <a:solidFill>
-                  <a:schemeClr val="tx1"/>
-                </a:solidFill>
-              </a:endParaRPr>
+                <a:t>Ecosystem C</a:t>
+              </a:r>
             </a:p>
           </p:txBody>
         </p:sp>
       </p:grpSp>
-      <p:sp>
-        <p:nvSpPr>
-          <p:cNvPr id="221" name="Rectangle 220">
+      <p:grpSp>
+        <p:nvGrpSpPr>
+          <p:cNvPr id="334" name="Group 333">
             <a:extLst>
               <a:ext uri="{FF2B5EF4-FFF2-40B4-BE49-F238E27FC236}">
-                <a16:creationId xmlns:a16="http://schemas.microsoft.com/office/drawing/2014/main" id="{979B9A80-FA51-3C4E-B366-6704630E23F2}"/>
-              </a:ext>
-            </a:extLst>
-          </p:cNvPr>
-          <p:cNvSpPr/>
-          <p:nvPr/>
-        </p:nvSpPr>
-        <p:spPr>
-          <a:xfrm>
-            <a:off x="3183661" y="2258484"/>
-            <a:ext cx="1345240" cy="246221"/>
-          </a:xfrm>
-          <a:prstGeom prst="rect">
-            <a:avLst/>
-          </a:prstGeom>
-          <a:solidFill>
-            <a:schemeClr val="bg1"/>
-          </a:solidFill>
-          <a:ln>
-            <a:solidFill>
-              <a:schemeClr val="tx1"/>
-            </a:solidFill>
-          </a:ln>
-        </p:spPr>
-        <p:style>
-          <a:lnRef idx="2">
-            <a:schemeClr val="accent1">
-              <a:shade val="50000"/>
-            </a:schemeClr>
-          </a:lnRef>
-          <a:fillRef idx="1">
-            <a:schemeClr val="accent1"/>
-          </a:fillRef>
-          <a:effectRef idx="0">
-            <a:schemeClr val="accent1"/>
-          </a:effectRef>
-          <a:fontRef idx="minor">
-            <a:schemeClr val="lt1"/>
-          </a:fontRef>
-        </p:style>
-        <p:txBody>
-          <a:bodyPr rtlCol="0" anchor="ctr"/>
-          <a:lstStyle/>
-          <a:p>
-            <a:pPr algn="ctr"/>
-            <a:r>
-              <a:rPr lang="en-US" sz="1000" dirty="0">
-                <a:solidFill>
-                  <a:schemeClr val="tx1"/>
-                </a:solidFill>
-              </a:rPr>
-              <a:t>△</a:t>
-            </a:r>
-            <a:r>
-              <a:rPr lang="en-US" sz="1000" i="1" dirty="0">
-                <a:solidFill>
-                  <a:schemeClr val="tx1"/>
-                </a:solidFill>
-              </a:rPr>
-              <a:t> delta.biomass_root</a:t>
-            </a:r>
-          </a:p>
-        </p:txBody>
-      </p:sp>
-      <p:grpSp>
-        <p:nvGrpSpPr>
-          <p:cNvPr id="228" name="Group 227">
-            <a:extLst>
-              <a:ext uri="{FF2B5EF4-FFF2-40B4-BE49-F238E27FC236}">
-                <a16:creationId xmlns:a16="http://schemas.microsoft.com/office/drawing/2014/main" id="{5834A25E-4E90-FB4C-9377-3A5023C4EB65}"/>
+                <a16:creationId xmlns:a16="http://schemas.microsoft.com/office/drawing/2014/main" id="{C0ECD083-69E8-5345-A66D-161A7FA02EEE}"/>
               </a:ext>
             </a:extLst>
           </p:cNvPr>
@@ -6944,238 +6635,18 @@
         </p:nvGrpSpPr>
         <p:grpSpPr>
           <a:xfrm>
-            <a:off x="1576815" y="1360363"/>
-            <a:ext cx="1163782" cy="733981"/>
-            <a:chOff x="1576815" y="1360363"/>
-            <a:chExt cx="1163782" cy="733981"/>
+            <a:off x="3147692" y="4174940"/>
+            <a:ext cx="1372732" cy="1223293"/>
+            <a:chOff x="90095" y="47552"/>
+            <a:chExt cx="1372732" cy="1223293"/>
           </a:xfrm>
         </p:grpSpPr>
-        <p:grpSp>
-          <p:nvGrpSpPr>
-            <p:cNvPr id="67" name="Group 66">
+        <p:sp>
+          <p:nvSpPr>
+            <p:cNvPr id="335" name="Rectangle 334">
               <a:extLst>
                 <a:ext uri="{FF2B5EF4-FFF2-40B4-BE49-F238E27FC236}">
-                  <a16:creationId xmlns:a16="http://schemas.microsoft.com/office/drawing/2014/main" id="{FA67D193-4C68-264D-8E04-9E3E4DE19AB3}"/>
-                </a:ext>
-              </a:extLst>
-            </p:cNvPr>
-            <p:cNvGrpSpPr/>
-            <p:nvPr/>
-          </p:nvGrpSpPr>
-          <p:grpSpPr>
-            <a:xfrm>
-              <a:off x="1576815" y="1360363"/>
-              <a:ext cx="1163782" cy="493776"/>
-              <a:chOff x="1637285" y="1400841"/>
-              <a:chExt cx="1163782" cy="493776"/>
-            </a:xfrm>
-          </p:grpSpPr>
-          <p:grpSp>
-            <p:nvGrpSpPr>
-              <p:cNvPr id="47" name="Group 46">
-                <a:extLst>
-                  <a:ext uri="{FF2B5EF4-FFF2-40B4-BE49-F238E27FC236}">
-                    <a16:creationId xmlns:a16="http://schemas.microsoft.com/office/drawing/2014/main" id="{65EFF294-5F90-984B-9412-F191E22FEE21}"/>
-                  </a:ext>
-                </a:extLst>
-              </p:cNvPr>
-              <p:cNvGrpSpPr/>
-              <p:nvPr/>
-            </p:nvGrpSpPr>
-            <p:grpSpPr>
-              <a:xfrm>
-                <a:off x="1637285" y="1400841"/>
-                <a:ext cx="1163782" cy="493776"/>
-                <a:chOff x="255672" y="1455518"/>
-                <a:chExt cx="1163782" cy="493776"/>
-              </a:xfrm>
-            </p:grpSpPr>
-            <p:sp>
-              <p:nvSpPr>
-                <p:cNvPr id="45" name="Rectangle 44">
-                  <a:extLst>
-                    <a:ext uri="{FF2B5EF4-FFF2-40B4-BE49-F238E27FC236}">
-                      <a16:creationId xmlns:a16="http://schemas.microsoft.com/office/drawing/2014/main" id="{A02614BC-3096-9949-BE8F-DD7D83294AC8}"/>
-                    </a:ext>
-                  </a:extLst>
-                </p:cNvPr>
-                <p:cNvSpPr/>
-                <p:nvPr/>
-              </p:nvSpPr>
-              <p:spPr>
-                <a:xfrm>
-                  <a:off x="255672" y="1455518"/>
-                  <a:ext cx="1163782" cy="493776"/>
-                </a:xfrm>
-                <a:prstGeom prst="rect">
-                  <a:avLst/>
-                </a:prstGeom>
-                <a:solidFill>
-                  <a:srgbClr val="B0CEB6"/>
-                </a:solidFill>
-                <a:ln>
-                  <a:solidFill>
-                    <a:schemeClr val="tx1"/>
-                  </a:solidFill>
-                </a:ln>
-              </p:spPr>
-              <p:style>
-                <a:lnRef idx="2">
-                  <a:schemeClr val="accent1">
-                    <a:shade val="50000"/>
-                  </a:schemeClr>
-                </a:lnRef>
-                <a:fillRef idx="1">
-                  <a:schemeClr val="accent1"/>
-                </a:fillRef>
-                <a:effectRef idx="0">
-                  <a:schemeClr val="accent1"/>
-                </a:effectRef>
-                <a:fontRef idx="minor">
-                  <a:schemeClr val="lt1"/>
-                </a:fontRef>
-              </p:style>
-              <p:txBody>
-                <a:bodyPr rtlCol="0" anchor="ctr"/>
-                <a:lstStyle/>
-                <a:p>
-                  <a:pPr algn="ctr"/>
-                  <a:endParaRPr lang="en-US"/>
-                </a:p>
-              </p:txBody>
-            </p:sp>
-            <p:sp>
-              <p:nvSpPr>
-                <p:cNvPr id="46" name="Rectangle 45">
-                  <a:extLst>
-                    <a:ext uri="{FF2B5EF4-FFF2-40B4-BE49-F238E27FC236}">
-                      <a16:creationId xmlns:a16="http://schemas.microsoft.com/office/drawing/2014/main" id="{8D215BA4-3869-1240-B4DF-0183EAB21291}"/>
-                    </a:ext>
-                  </a:extLst>
-                </p:cNvPr>
-                <p:cNvSpPr/>
-                <p:nvPr/>
-              </p:nvSpPr>
-              <p:spPr>
-                <a:xfrm>
-                  <a:off x="255672" y="1700515"/>
-                  <a:ext cx="1163782" cy="246221"/>
-                </a:xfrm>
-                <a:prstGeom prst="rect">
-                  <a:avLst/>
-                </a:prstGeom>
-                <a:solidFill>
-                  <a:schemeClr val="bg1"/>
-                </a:solidFill>
-                <a:ln>
-                  <a:solidFill>
-                    <a:schemeClr val="tx1"/>
-                  </a:solidFill>
-                </a:ln>
-              </p:spPr>
-              <p:style>
-                <a:lnRef idx="2">
-                  <a:schemeClr val="accent1">
-                    <a:shade val="50000"/>
-                  </a:schemeClr>
-                </a:lnRef>
-                <a:fillRef idx="1">
-                  <a:schemeClr val="accent1"/>
-                </a:fillRef>
-                <a:effectRef idx="0">
-                  <a:schemeClr val="accent1"/>
-                </a:effectRef>
-                <a:fontRef idx="minor">
-                  <a:schemeClr val="lt1"/>
-                </a:fontRef>
-              </p:style>
-              <p:txBody>
-                <a:bodyPr rtlCol="0" anchor="ctr"/>
-                <a:lstStyle/>
-                <a:p>
-                  <a:pPr algn="ctr"/>
-                  <a:endParaRPr lang="en-US"/>
-                </a:p>
-              </p:txBody>
-            </p:sp>
-          </p:grpSp>
-          <p:sp>
-            <p:nvSpPr>
-              <p:cNvPr id="4" name="TextBox 3">
-                <a:extLst>
-                  <a:ext uri="{FF2B5EF4-FFF2-40B4-BE49-F238E27FC236}">
-                    <a16:creationId xmlns:a16="http://schemas.microsoft.com/office/drawing/2014/main" id="{659E506B-9A97-2447-B32B-4CFC19C09593}"/>
-                  </a:ext>
-                </a:extLst>
-              </p:cNvPr>
-              <p:cNvSpPr txBox="1"/>
-              <p:nvPr/>
-            </p:nvSpPr>
-            <p:spPr>
-              <a:xfrm>
-                <a:off x="1912041" y="1409338"/>
-                <a:ext cx="614271" cy="246221"/>
-              </a:xfrm>
-              <a:prstGeom prst="rect">
-                <a:avLst/>
-              </a:prstGeom>
-              <a:noFill/>
-            </p:spPr>
-            <p:txBody>
-              <a:bodyPr wrap="none" rtlCol="0">
-                <a:spAutoFit/>
-              </a:bodyPr>
-              <a:lstStyle/>
-              <a:p>
-                <a:r>
-                  <a:rPr lang="en-US" sz="1000" dirty="0"/>
-                  <a:t>Biomass</a:t>
-                </a:r>
-              </a:p>
-            </p:txBody>
-          </p:sp>
-          <p:sp>
-            <p:nvSpPr>
-              <p:cNvPr id="8" name="TextBox 7">
-                <a:extLst>
-                  <a:ext uri="{FF2B5EF4-FFF2-40B4-BE49-F238E27FC236}">
-                    <a16:creationId xmlns:a16="http://schemas.microsoft.com/office/drawing/2014/main" id="{D9CC9AF5-6BB2-6643-8893-95785B66D374}"/>
-                  </a:ext>
-                </a:extLst>
-              </p:cNvPr>
-              <p:cNvSpPr txBox="1"/>
-              <p:nvPr/>
-            </p:nvSpPr>
-            <p:spPr>
-              <a:xfrm>
-                <a:off x="1913644" y="1645838"/>
-                <a:ext cx="611065" cy="246221"/>
-              </a:xfrm>
-              <a:prstGeom prst="rect">
-                <a:avLst/>
-              </a:prstGeom>
-              <a:noFill/>
-            </p:spPr>
-            <p:txBody>
-              <a:bodyPr wrap="none" rtlCol="0">
-                <a:spAutoFit/>
-              </a:bodyPr>
-              <a:lstStyle/>
-              <a:p>
-                <a:r>
-                  <a:rPr lang="en-US" sz="1000" i="1" dirty="0"/>
-                  <a:t>biomass</a:t>
-                </a:r>
-              </a:p>
-            </p:txBody>
-          </p:sp>
-        </p:grpSp>
-        <p:sp>
-          <p:nvSpPr>
-            <p:cNvPr id="222" name="Rectangle 221">
-              <a:extLst>
-                <a:ext uri="{FF2B5EF4-FFF2-40B4-BE49-F238E27FC236}">
-                  <a16:creationId xmlns:a16="http://schemas.microsoft.com/office/drawing/2014/main" id="{4EEB6725-D2C5-5A4D-B2D9-D84C5F5A48F2}"/>
+                  <a16:creationId xmlns:a16="http://schemas.microsoft.com/office/drawing/2014/main" id="{8E5FB316-15AB-C840-9F00-7EB389FFE3D4}"/>
                 </a:ext>
               </a:extLst>
             </p:cNvPr>
@@ -7184,8 +6655,8 @@
           </p:nvSpPr>
           <p:spPr>
             <a:xfrm>
-              <a:off x="1581128" y="1848123"/>
-              <a:ext cx="1159469" cy="246221"/>
+              <a:off x="91227" y="780186"/>
+              <a:ext cx="1371600" cy="246221"/>
             </a:xfrm>
             <a:prstGeom prst="rect">
               <a:avLst/>
@@ -7226,7 +6697,7 @@
                     <a:schemeClr val="tx1"/>
                   </a:solidFill>
                 </a:rPr>
-                <a:t>△</a:t>
+                <a:t>▲ </a:t>
               </a:r>
               <a:r>
                 <a:rPr lang="en-US" sz="1000" i="1" dirty="0">
@@ -7234,258 +6705,30 @@
                     <a:schemeClr val="tx1"/>
                   </a:solidFill>
                 </a:rPr>
-                <a:t> delta.biomass</a:t>
-              </a:r>
+                <a:t>NPP_litter</a:t>
+              </a:r>
+              <a:r>
+                <a:rPr lang="en-US" sz="1000" i="1" baseline="30000" dirty="0">
+                  <a:solidFill>
+                    <a:schemeClr val="tx1"/>
+                  </a:solidFill>
+                </a:rPr>
+                <a:t>5</a:t>
+              </a:r>
+              <a:endParaRPr lang="en-US" sz="1000" dirty="0">
+                <a:solidFill>
+                  <a:schemeClr val="tx1"/>
+                </a:solidFill>
+              </a:endParaRPr>
             </a:p>
           </p:txBody>
         </p:sp>
-      </p:grpSp>
-      <p:grpSp>
-        <p:nvGrpSpPr>
-          <p:cNvPr id="227" name="Group 226">
-            <a:extLst>
-              <a:ext uri="{FF2B5EF4-FFF2-40B4-BE49-F238E27FC236}">
-                <a16:creationId xmlns:a16="http://schemas.microsoft.com/office/drawing/2014/main" id="{1A27F45B-B6BA-CC44-BAFE-0B16CBDF5F26}"/>
-              </a:ext>
-            </a:extLst>
-          </p:cNvPr>
-          <p:cNvGrpSpPr/>
-          <p:nvPr/>
-        </p:nvGrpSpPr>
-        <p:grpSpPr>
-          <a:xfrm>
-            <a:off x="22528" y="2946326"/>
-            <a:ext cx="1460625" cy="809071"/>
-            <a:chOff x="142597" y="2946326"/>
-            <a:chExt cx="1460625" cy="809071"/>
-          </a:xfrm>
-        </p:grpSpPr>
-        <p:grpSp>
-          <p:nvGrpSpPr>
-            <p:cNvPr id="65" name="Group 64">
+        <p:sp>
+          <p:nvSpPr>
+            <p:cNvPr id="336" name="Rectangle 335">
               <a:extLst>
                 <a:ext uri="{FF2B5EF4-FFF2-40B4-BE49-F238E27FC236}">
-                  <a16:creationId xmlns:a16="http://schemas.microsoft.com/office/drawing/2014/main" id="{5BA5679B-F090-AC44-B009-9A9F2027EA7C}"/>
-                </a:ext>
-              </a:extLst>
-            </p:cNvPr>
-            <p:cNvGrpSpPr/>
-            <p:nvPr/>
-          </p:nvGrpSpPr>
-          <p:grpSpPr>
-            <a:xfrm>
-              <a:off x="142597" y="2946326"/>
-              <a:ext cx="1460625" cy="493776"/>
-              <a:chOff x="126117" y="2456183"/>
-              <a:chExt cx="1163782" cy="493776"/>
-            </a:xfrm>
-          </p:grpSpPr>
-          <p:grpSp>
-            <p:nvGrpSpPr>
-              <p:cNvPr id="59" name="Group 58">
-                <a:extLst>
-                  <a:ext uri="{FF2B5EF4-FFF2-40B4-BE49-F238E27FC236}">
-                    <a16:creationId xmlns:a16="http://schemas.microsoft.com/office/drawing/2014/main" id="{1BD6618C-368A-F946-AA52-9C99D89F1F80}"/>
-                  </a:ext>
-                </a:extLst>
-              </p:cNvPr>
-              <p:cNvGrpSpPr/>
-              <p:nvPr/>
-            </p:nvGrpSpPr>
-            <p:grpSpPr>
-              <a:xfrm>
-                <a:off x="126117" y="2456183"/>
-                <a:ext cx="1163782" cy="493776"/>
-                <a:chOff x="255672" y="1455518"/>
-                <a:chExt cx="1163782" cy="493776"/>
-              </a:xfrm>
-            </p:grpSpPr>
-            <p:sp>
-              <p:nvSpPr>
-                <p:cNvPr id="60" name="Rectangle 59">
-                  <a:extLst>
-                    <a:ext uri="{FF2B5EF4-FFF2-40B4-BE49-F238E27FC236}">
-                      <a16:creationId xmlns:a16="http://schemas.microsoft.com/office/drawing/2014/main" id="{1C53C605-0F0B-964C-9A4A-6D135A66E2FC}"/>
-                    </a:ext>
-                  </a:extLst>
-                </p:cNvPr>
-                <p:cNvSpPr/>
-                <p:nvPr/>
-              </p:nvSpPr>
-              <p:spPr>
-                <a:xfrm>
-                  <a:off x="255672" y="1455518"/>
-                  <a:ext cx="1163782" cy="493776"/>
-                </a:xfrm>
-                <a:prstGeom prst="rect">
-                  <a:avLst/>
-                </a:prstGeom>
-                <a:solidFill>
-                  <a:srgbClr val="CCA7AC"/>
-                </a:solidFill>
-                <a:ln>
-                  <a:solidFill>
-                    <a:schemeClr val="tx1"/>
-                  </a:solidFill>
-                </a:ln>
-              </p:spPr>
-              <p:style>
-                <a:lnRef idx="2">
-                  <a:schemeClr val="accent1">
-                    <a:shade val="50000"/>
-                  </a:schemeClr>
-                </a:lnRef>
-                <a:fillRef idx="1">
-                  <a:schemeClr val="accent1"/>
-                </a:fillRef>
-                <a:effectRef idx="0">
-                  <a:schemeClr val="accent1"/>
-                </a:effectRef>
-                <a:fontRef idx="minor">
-                  <a:schemeClr val="lt1"/>
-                </a:fontRef>
-              </p:style>
-              <p:txBody>
-                <a:bodyPr rtlCol="0" anchor="ctr"/>
-                <a:lstStyle/>
-                <a:p>
-                  <a:pPr algn="ctr"/>
-                  <a:endParaRPr lang="en-US"/>
-                </a:p>
-              </p:txBody>
-            </p:sp>
-            <p:sp>
-              <p:nvSpPr>
-                <p:cNvPr id="61" name="Rectangle 60">
-                  <a:extLst>
-                    <a:ext uri="{FF2B5EF4-FFF2-40B4-BE49-F238E27FC236}">
-                      <a16:creationId xmlns:a16="http://schemas.microsoft.com/office/drawing/2014/main" id="{600BC468-519D-0949-AB58-70BEBB7D89C7}"/>
-                    </a:ext>
-                  </a:extLst>
-                </p:cNvPr>
-                <p:cNvSpPr/>
-                <p:nvPr/>
-              </p:nvSpPr>
-              <p:spPr>
-                <a:xfrm>
-                  <a:off x="255672" y="1703073"/>
-                  <a:ext cx="1163782" cy="246221"/>
-                </a:xfrm>
-                <a:prstGeom prst="rect">
-                  <a:avLst/>
-                </a:prstGeom>
-                <a:solidFill>
-                  <a:schemeClr val="bg1"/>
-                </a:solidFill>
-                <a:ln>
-                  <a:solidFill>
-                    <a:schemeClr val="tx1"/>
-                  </a:solidFill>
-                </a:ln>
-              </p:spPr>
-              <p:style>
-                <a:lnRef idx="2">
-                  <a:schemeClr val="accent1">
-                    <a:shade val="50000"/>
-                  </a:schemeClr>
-                </a:lnRef>
-                <a:fillRef idx="1">
-                  <a:schemeClr val="accent1"/>
-                </a:fillRef>
-                <a:effectRef idx="0">
-                  <a:schemeClr val="accent1"/>
-                </a:effectRef>
-                <a:fontRef idx="minor">
-                  <a:schemeClr val="lt1"/>
-                </a:fontRef>
-              </p:style>
-              <p:txBody>
-                <a:bodyPr rtlCol="0" anchor="ctr"/>
-                <a:lstStyle/>
-                <a:p>
-                  <a:pPr algn="ctr"/>
-                  <a:endParaRPr lang="en-US"/>
-                </a:p>
-              </p:txBody>
-            </p:sp>
-          </p:grpSp>
-          <p:sp>
-            <p:nvSpPr>
-              <p:cNvPr id="34" name="TextBox 33">
-                <a:extLst>
-                  <a:ext uri="{FF2B5EF4-FFF2-40B4-BE49-F238E27FC236}">
-                    <a16:creationId xmlns:a16="http://schemas.microsoft.com/office/drawing/2014/main" id="{B878CB69-2C15-7140-B031-648DFB874E9A}"/>
-                  </a:ext>
-                </a:extLst>
-              </p:cNvPr>
-              <p:cNvSpPr txBox="1"/>
-              <p:nvPr/>
-            </p:nvSpPr>
-            <p:spPr>
-              <a:xfrm>
-                <a:off x="276640" y="2456183"/>
-                <a:ext cx="862737" cy="246221"/>
-              </a:xfrm>
-              <a:prstGeom prst="rect">
-                <a:avLst/>
-              </a:prstGeom>
-              <a:noFill/>
-            </p:spPr>
-            <p:txBody>
-              <a:bodyPr wrap="none" rtlCol="0">
-                <a:spAutoFit/>
-              </a:bodyPr>
-              <a:lstStyle/>
-              <a:p>
-                <a:r>
-                  <a:rPr lang="en-US" sz="1000" dirty="0"/>
-                  <a:t>Ecosystem C</a:t>
-                </a:r>
-              </a:p>
-            </p:txBody>
-          </p:sp>
-          <p:sp>
-            <p:nvSpPr>
-              <p:cNvPr id="35" name="TextBox 34">
-                <a:extLst>
-                  <a:ext uri="{FF2B5EF4-FFF2-40B4-BE49-F238E27FC236}">
-                    <a16:creationId xmlns:a16="http://schemas.microsoft.com/office/drawing/2014/main" id="{0891E283-1355-374C-B7AA-175C2E49EE7B}"/>
-                  </a:ext>
-                </a:extLst>
-              </p:cNvPr>
-              <p:cNvSpPr txBox="1"/>
-              <p:nvPr/>
-            </p:nvSpPr>
-            <p:spPr>
-              <a:xfrm>
-                <a:off x="195689" y="2693661"/>
-                <a:ext cx="1024639" cy="246221"/>
-              </a:xfrm>
-              <a:prstGeom prst="rect">
-                <a:avLst/>
-              </a:prstGeom>
-              <a:noFill/>
-            </p:spPr>
-            <p:txBody>
-              <a:bodyPr wrap="none" rtlCol="0">
-                <a:spAutoFit/>
-              </a:bodyPr>
-              <a:lstStyle/>
-              <a:p>
-                <a:r>
-                  <a:rPr lang="en-US" sz="1000" i="1" dirty="0"/>
-                  <a:t>total.ecosystem</a:t>
-                </a:r>
-              </a:p>
-            </p:txBody>
-          </p:sp>
-        </p:grpSp>
-        <p:sp>
-          <p:nvSpPr>
-            <p:cNvPr id="226" name="Rectangle 225">
-              <a:extLst>
-                <a:ext uri="{FF2B5EF4-FFF2-40B4-BE49-F238E27FC236}">
-                  <a16:creationId xmlns:a16="http://schemas.microsoft.com/office/drawing/2014/main" id="{49690A2B-9E09-4440-A153-46B6AFDFA2F6}"/>
+                  <a16:creationId xmlns:a16="http://schemas.microsoft.com/office/drawing/2014/main" id="{47E04E3F-2D1E-694E-8CE1-992357E67680}"/>
                 </a:ext>
               </a:extLst>
             </p:cNvPr>
@@ -7494,8 +6737,8 @@
           </p:nvSpPr>
           <p:spPr>
             <a:xfrm>
-              <a:off x="143802" y="3413816"/>
-              <a:ext cx="1455212" cy="341581"/>
+              <a:off x="91227" y="1024624"/>
+              <a:ext cx="1371600" cy="246221"/>
             </a:xfrm>
             <a:prstGeom prst="rect">
               <a:avLst/>
@@ -7531,11 +6774,80 @@
             <a:p>
               <a:pPr algn="ctr"/>
               <a:r>
+                <a:rPr lang="en-US" sz="1000" i="1" dirty="0">
+                  <a:solidFill>
+                    <a:schemeClr val="tx1"/>
+                  </a:solidFill>
+                </a:rPr>
+                <a:t>▼</a:t>
+              </a:r>
+              <a:r>
                 <a:rPr lang="en-US" sz="1000" dirty="0">
                   <a:solidFill>
                     <a:schemeClr val="tx1"/>
                   </a:solidFill>
                 </a:rPr>
+                <a:t>⌀</a:t>
+              </a:r>
+            </a:p>
+          </p:txBody>
+        </p:sp>
+        <p:sp>
+          <p:nvSpPr>
+            <p:cNvPr id="337" name="Rectangle 336">
+              <a:extLst>
+                <a:ext uri="{FF2B5EF4-FFF2-40B4-BE49-F238E27FC236}">
+                  <a16:creationId xmlns:a16="http://schemas.microsoft.com/office/drawing/2014/main" id="{A369E675-6160-D94A-96A6-A145CBE3492F}"/>
+                </a:ext>
+              </a:extLst>
+            </p:cNvPr>
+            <p:cNvSpPr/>
+            <p:nvPr/>
+          </p:nvSpPr>
+          <p:spPr>
+            <a:xfrm>
+              <a:off x="91227" y="536478"/>
+              <a:ext cx="1371600" cy="246221"/>
+            </a:xfrm>
+            <a:prstGeom prst="rect">
+              <a:avLst/>
+            </a:prstGeom>
+            <a:solidFill>
+              <a:schemeClr val="bg1"/>
+            </a:solidFill>
+            <a:ln>
+              <a:solidFill>
+                <a:schemeClr val="tx1"/>
+              </a:solidFill>
+            </a:ln>
+          </p:spPr>
+          <p:style>
+            <a:lnRef idx="2">
+              <a:schemeClr val="accent1">
+                <a:shade val="50000"/>
+              </a:schemeClr>
+            </a:lnRef>
+            <a:fillRef idx="1">
+              <a:schemeClr val="accent1"/>
+            </a:fillRef>
+            <a:effectRef idx="0">
+              <a:schemeClr val="accent1"/>
+            </a:effectRef>
+            <a:fontRef idx="minor">
+              <a:schemeClr val="lt1"/>
+            </a:fontRef>
+          </p:style>
+          <p:txBody>
+            <a:bodyPr rtlCol="0" anchor="ctr"/>
+            <a:lstStyle/>
+            <a:p>
+              <a:pPr algn="ctr"/>
+              <a:r>
+                <a:rPr lang="en-US" sz="1000" dirty="0">
+                  <a:solidFill>
+                    <a:schemeClr val="tx1"/>
+                  </a:solidFill>
+                </a:rPr>
                 <a:t>△</a:t>
               </a:r>
               <a:r>
@@ -7544,8 +6856,2226 @@
                     <a:schemeClr val="tx1"/>
                   </a:solidFill>
                 </a:rPr>
-                <a:t> delta.total.ecosystem, NEE, NEP </a:t>
-              </a:r>
+                <a:t> delta.organic.layer</a:t>
+              </a:r>
+              <a:r>
+                <a:rPr lang="en-US" sz="1000" baseline="30000" dirty="0">
+                  <a:solidFill>
+                    <a:schemeClr val="tx1"/>
+                  </a:solidFill>
+                </a:rPr>
+                <a:t>1</a:t>
+              </a:r>
+              <a:endParaRPr lang="en-US" sz="1000" dirty="0">
+                <a:solidFill>
+                  <a:schemeClr val="tx1"/>
+                </a:solidFill>
+              </a:endParaRPr>
+            </a:p>
+          </p:txBody>
+        </p:sp>
+        <p:sp>
+          <p:nvSpPr>
+            <p:cNvPr id="338" name="Rectangle 337">
+              <a:extLst>
+                <a:ext uri="{FF2B5EF4-FFF2-40B4-BE49-F238E27FC236}">
+                  <a16:creationId xmlns:a16="http://schemas.microsoft.com/office/drawing/2014/main" id="{4A5BA5A0-F6C0-2C4C-A0E7-22D4EC6F0C81}"/>
+                </a:ext>
+              </a:extLst>
+            </p:cNvPr>
+            <p:cNvSpPr/>
+            <p:nvPr/>
+          </p:nvSpPr>
+          <p:spPr>
+            <a:xfrm>
+              <a:off x="91227" y="291480"/>
+              <a:ext cx="1371600" cy="246221"/>
+            </a:xfrm>
+            <a:prstGeom prst="rect">
+              <a:avLst/>
+            </a:prstGeom>
+            <a:solidFill>
+              <a:schemeClr val="bg1"/>
+            </a:solidFill>
+            <a:ln>
+              <a:solidFill>
+                <a:schemeClr val="tx1"/>
+              </a:solidFill>
+            </a:ln>
+          </p:spPr>
+          <p:style>
+            <a:lnRef idx="2">
+              <a:schemeClr val="accent1">
+                <a:shade val="50000"/>
+              </a:schemeClr>
+            </a:lnRef>
+            <a:fillRef idx="1">
+              <a:schemeClr val="accent1"/>
+            </a:fillRef>
+            <a:effectRef idx="0">
+              <a:schemeClr val="accent1"/>
+            </a:effectRef>
+            <a:fontRef idx="minor">
+              <a:schemeClr val="lt1"/>
+            </a:fontRef>
+          </p:style>
+          <p:txBody>
+            <a:bodyPr rtlCol="0" anchor="ctr"/>
+            <a:lstStyle/>
+            <a:p>
+              <a:pPr algn="ctr"/>
+              <a:r>
+                <a:rPr lang="en-US" sz="1000" i="1" dirty="0">
+                  <a:solidFill>
+                    <a:schemeClr val="tx1"/>
+                  </a:solidFill>
+                </a:rPr>
+                <a:t>organic.layer</a:t>
+              </a:r>
+              <a:r>
+                <a:rPr lang="en-US" sz="1000" baseline="30000" dirty="0">
+                  <a:solidFill>
+                    <a:schemeClr val="tx1"/>
+                  </a:solidFill>
+                </a:rPr>
+                <a:t>1</a:t>
+              </a:r>
+              <a:endParaRPr lang="en-US" sz="1000" i="1" dirty="0">
+                <a:solidFill>
+                  <a:schemeClr val="tx1"/>
+                </a:solidFill>
+              </a:endParaRPr>
+            </a:p>
+          </p:txBody>
+        </p:sp>
+        <p:sp>
+          <p:nvSpPr>
+            <p:cNvPr id="339" name="Rectangle 338">
+              <a:extLst>
+                <a:ext uri="{FF2B5EF4-FFF2-40B4-BE49-F238E27FC236}">
+                  <a16:creationId xmlns:a16="http://schemas.microsoft.com/office/drawing/2014/main" id="{D4354695-9363-7741-AEC1-6E5AE65A4CB5}"/>
+                </a:ext>
+              </a:extLst>
+            </p:cNvPr>
+            <p:cNvSpPr/>
+            <p:nvPr/>
+          </p:nvSpPr>
+          <p:spPr>
+            <a:xfrm>
+              <a:off x="90095" y="47552"/>
+              <a:ext cx="1371600" cy="246221"/>
+            </a:xfrm>
+            <a:prstGeom prst="rect">
+              <a:avLst/>
+            </a:prstGeom>
+            <a:solidFill>
+              <a:srgbClr val="E1DB9A"/>
+            </a:solidFill>
+            <a:ln>
+              <a:solidFill>
+                <a:schemeClr val="tx1"/>
+              </a:solidFill>
+            </a:ln>
+          </p:spPr>
+          <p:style>
+            <a:lnRef idx="2">
+              <a:schemeClr val="accent1">
+                <a:shade val="50000"/>
+              </a:schemeClr>
+            </a:lnRef>
+            <a:fillRef idx="1">
+              <a:schemeClr val="accent1"/>
+            </a:fillRef>
+            <a:effectRef idx="0">
+              <a:schemeClr val="accent1"/>
+            </a:effectRef>
+            <a:fontRef idx="minor">
+              <a:schemeClr val="lt1"/>
+            </a:fontRef>
+          </p:style>
+          <p:txBody>
+            <a:bodyPr rtlCol="0" anchor="ctr"/>
+            <a:lstStyle/>
+            <a:p>
+              <a:pPr algn="ctr"/>
+              <a:r>
+                <a:rPr lang="en-US" sz="1000" dirty="0">
+                  <a:solidFill>
+                    <a:schemeClr val="tx1"/>
+                  </a:solidFill>
+                </a:rPr>
+                <a:t>Litter</a:t>
+              </a:r>
+              <a:r>
+                <a:rPr lang="en-US" sz="1000" baseline="30000" dirty="0">
+                  <a:solidFill>
+                    <a:schemeClr val="tx1"/>
+                  </a:solidFill>
+                </a:rPr>
+                <a:t>1</a:t>
+              </a:r>
+            </a:p>
+          </p:txBody>
+        </p:sp>
+      </p:grpSp>
+      <p:grpSp>
+        <p:nvGrpSpPr>
+          <p:cNvPr id="342" name="Group 341">
+            <a:extLst>
+              <a:ext uri="{FF2B5EF4-FFF2-40B4-BE49-F238E27FC236}">
+                <a16:creationId xmlns:a16="http://schemas.microsoft.com/office/drawing/2014/main" id="{B3841609-F957-0242-874B-1CF36FA8C983}"/>
+              </a:ext>
+            </a:extLst>
+          </p:cNvPr>
+          <p:cNvGrpSpPr/>
+          <p:nvPr/>
+        </p:nvGrpSpPr>
+        <p:grpSpPr>
+          <a:xfrm>
+            <a:off x="3147692" y="1445886"/>
+            <a:ext cx="1371600" cy="1219249"/>
+            <a:chOff x="3285576" y="1375961"/>
+            <a:chExt cx="1371600" cy="1219249"/>
+          </a:xfrm>
+        </p:grpSpPr>
+        <p:sp>
+          <p:nvSpPr>
+            <p:cNvPr id="291" name="Rectangle 290">
+              <a:extLst>
+                <a:ext uri="{FF2B5EF4-FFF2-40B4-BE49-F238E27FC236}">
+                  <a16:creationId xmlns:a16="http://schemas.microsoft.com/office/drawing/2014/main" id="{478B027F-53D4-0C40-8A09-E7F721669E51}"/>
+                </a:ext>
+              </a:extLst>
+            </p:cNvPr>
+            <p:cNvSpPr/>
+            <p:nvPr/>
+          </p:nvSpPr>
+          <p:spPr>
+            <a:xfrm>
+              <a:off x="3285576" y="2108595"/>
+              <a:ext cx="1371600" cy="246221"/>
+            </a:xfrm>
+            <a:prstGeom prst="rect">
+              <a:avLst/>
+            </a:prstGeom>
+            <a:solidFill>
+              <a:schemeClr val="bg1"/>
+            </a:solidFill>
+            <a:ln>
+              <a:solidFill>
+                <a:schemeClr val="tx1"/>
+              </a:solidFill>
+            </a:ln>
+          </p:spPr>
+          <p:style>
+            <a:lnRef idx="2">
+              <a:schemeClr val="accent1">
+                <a:shade val="50000"/>
+              </a:schemeClr>
+            </a:lnRef>
+            <a:fillRef idx="1">
+              <a:schemeClr val="accent1"/>
+            </a:fillRef>
+            <a:effectRef idx="0">
+              <a:schemeClr val="accent1"/>
+            </a:effectRef>
+            <a:fontRef idx="minor">
+              <a:schemeClr val="lt1"/>
+            </a:fontRef>
+          </p:style>
+          <p:txBody>
+            <a:bodyPr rtlCol="0" anchor="ctr"/>
+            <a:lstStyle/>
+            <a:p>
+              <a:pPr algn="ctr"/>
+              <a:r>
+                <a:rPr lang="en-US" sz="1000" dirty="0">
+                  <a:solidFill>
+                    <a:schemeClr val="tx1"/>
+                  </a:solidFill>
+                </a:rPr>
+                <a:t>▲ </a:t>
+              </a:r>
+              <a:r>
+                <a:rPr lang="en-US" sz="1000" i="1" dirty="0">
+                  <a:solidFill>
+                    <a:schemeClr val="tx1"/>
+                  </a:solidFill>
+                </a:rPr>
+                <a:t>BNPP_root</a:t>
+              </a:r>
+              <a:endParaRPr lang="en-US" sz="1000" dirty="0">
+                <a:solidFill>
+                  <a:schemeClr val="tx1"/>
+                </a:solidFill>
+              </a:endParaRPr>
+            </a:p>
+          </p:txBody>
+        </p:sp>
+        <p:sp>
+          <p:nvSpPr>
+            <p:cNvPr id="293" name="Rectangle 292">
+              <a:extLst>
+                <a:ext uri="{FF2B5EF4-FFF2-40B4-BE49-F238E27FC236}">
+                  <a16:creationId xmlns:a16="http://schemas.microsoft.com/office/drawing/2014/main" id="{C3B79A97-C3F1-1A41-8B7F-96CAD9ED014C}"/>
+                </a:ext>
+              </a:extLst>
+            </p:cNvPr>
+            <p:cNvSpPr/>
+            <p:nvPr/>
+          </p:nvSpPr>
+          <p:spPr>
+            <a:xfrm>
+              <a:off x="3285576" y="1864887"/>
+              <a:ext cx="1371600" cy="246221"/>
+            </a:xfrm>
+            <a:prstGeom prst="rect">
+              <a:avLst/>
+            </a:prstGeom>
+            <a:solidFill>
+              <a:schemeClr val="bg1"/>
+            </a:solidFill>
+            <a:ln>
+              <a:solidFill>
+                <a:schemeClr val="tx1"/>
+              </a:solidFill>
+            </a:ln>
+          </p:spPr>
+          <p:style>
+            <a:lnRef idx="2">
+              <a:schemeClr val="accent1">
+                <a:shade val="50000"/>
+              </a:schemeClr>
+            </a:lnRef>
+            <a:fillRef idx="1">
+              <a:schemeClr val="accent1"/>
+            </a:fillRef>
+            <a:effectRef idx="0">
+              <a:schemeClr val="accent1"/>
+            </a:effectRef>
+            <a:fontRef idx="minor">
+              <a:schemeClr val="lt1"/>
+            </a:fontRef>
+          </p:style>
+          <p:txBody>
+            <a:bodyPr rtlCol="0" anchor="ctr"/>
+            <a:lstStyle/>
+            <a:p>
+              <a:pPr algn="ctr"/>
+              <a:r>
+                <a:rPr lang="en-US" sz="1000" dirty="0">
+                  <a:solidFill>
+                    <a:schemeClr val="tx1"/>
+                  </a:solidFill>
+                </a:rPr>
+                <a:t>△</a:t>
+              </a:r>
+              <a:r>
+                <a:rPr lang="en-US" sz="1000" i="1" dirty="0">
+                  <a:solidFill>
+                    <a:schemeClr val="tx1"/>
+                  </a:solidFill>
+                </a:rPr>
+                <a:t> delta.biomass_root</a:t>
+              </a:r>
+              <a:endParaRPr lang="en-US" sz="1000" dirty="0">
+                <a:solidFill>
+                  <a:schemeClr val="tx1"/>
+                </a:solidFill>
+              </a:endParaRPr>
+            </a:p>
+          </p:txBody>
+        </p:sp>
+        <p:sp>
+          <p:nvSpPr>
+            <p:cNvPr id="294" name="Rectangle 293">
+              <a:extLst>
+                <a:ext uri="{FF2B5EF4-FFF2-40B4-BE49-F238E27FC236}">
+                  <a16:creationId xmlns:a16="http://schemas.microsoft.com/office/drawing/2014/main" id="{D95E3524-9053-F144-B28D-5633E223286E}"/>
+                </a:ext>
+              </a:extLst>
+            </p:cNvPr>
+            <p:cNvSpPr/>
+            <p:nvPr/>
+          </p:nvSpPr>
+          <p:spPr>
+            <a:xfrm>
+              <a:off x="3285576" y="1619889"/>
+              <a:ext cx="1371600" cy="246221"/>
+            </a:xfrm>
+            <a:prstGeom prst="rect">
+              <a:avLst/>
+            </a:prstGeom>
+            <a:solidFill>
+              <a:schemeClr val="bg1"/>
+            </a:solidFill>
+            <a:ln>
+              <a:solidFill>
+                <a:schemeClr val="tx1"/>
+              </a:solidFill>
+            </a:ln>
+          </p:spPr>
+          <p:style>
+            <a:lnRef idx="2">
+              <a:schemeClr val="accent1">
+                <a:shade val="50000"/>
+              </a:schemeClr>
+            </a:lnRef>
+            <a:fillRef idx="1">
+              <a:schemeClr val="accent1"/>
+            </a:fillRef>
+            <a:effectRef idx="0">
+              <a:schemeClr val="accent1"/>
+            </a:effectRef>
+            <a:fontRef idx="minor">
+              <a:schemeClr val="lt1"/>
+            </a:fontRef>
+          </p:style>
+          <p:txBody>
+            <a:bodyPr rtlCol="0" anchor="ctr"/>
+            <a:lstStyle/>
+            <a:p>
+              <a:pPr algn="ctr"/>
+              <a:r>
+                <a:rPr lang="en-US" sz="1000" i="1" dirty="0">
+                  <a:solidFill>
+                    <a:schemeClr val="tx1"/>
+                  </a:solidFill>
+                </a:rPr>
+                <a:t>biomass_root</a:t>
+              </a:r>
+            </a:p>
+          </p:txBody>
+        </p:sp>
+        <p:sp>
+          <p:nvSpPr>
+            <p:cNvPr id="295" name="Rectangle 294">
+              <a:extLst>
+                <a:ext uri="{FF2B5EF4-FFF2-40B4-BE49-F238E27FC236}">
+                  <a16:creationId xmlns:a16="http://schemas.microsoft.com/office/drawing/2014/main" id="{7EE3B858-81DA-0048-916D-6873F7EC79FE}"/>
+                </a:ext>
+              </a:extLst>
+            </p:cNvPr>
+            <p:cNvSpPr/>
+            <p:nvPr/>
+          </p:nvSpPr>
+          <p:spPr>
+            <a:xfrm>
+              <a:off x="3285576" y="1375961"/>
+              <a:ext cx="1371600" cy="246221"/>
+            </a:xfrm>
+            <a:prstGeom prst="rect">
+              <a:avLst/>
+            </a:prstGeom>
+            <a:solidFill>
+              <a:srgbClr val="A3C3CF"/>
+            </a:solidFill>
+            <a:ln>
+              <a:solidFill>
+                <a:schemeClr val="tx1"/>
+              </a:solidFill>
+            </a:ln>
+          </p:spPr>
+          <p:style>
+            <a:lnRef idx="2">
+              <a:schemeClr val="accent1">
+                <a:shade val="50000"/>
+              </a:schemeClr>
+            </a:lnRef>
+            <a:fillRef idx="1">
+              <a:schemeClr val="accent1"/>
+            </a:fillRef>
+            <a:effectRef idx="0">
+              <a:schemeClr val="accent1"/>
+            </a:effectRef>
+            <a:fontRef idx="minor">
+              <a:schemeClr val="lt1"/>
+            </a:fontRef>
+          </p:style>
+          <p:txBody>
+            <a:bodyPr rtlCol="0" anchor="ctr"/>
+            <a:lstStyle/>
+            <a:p>
+              <a:pPr algn="ctr"/>
+              <a:r>
+                <a:rPr lang="en-US" sz="1000" dirty="0">
+                  <a:solidFill>
+                    <a:schemeClr val="tx1"/>
+                  </a:solidFill>
+                </a:rPr>
+                <a:t>Belowground biomass</a:t>
+              </a:r>
+            </a:p>
+          </p:txBody>
+        </p:sp>
+        <p:sp>
+          <p:nvSpPr>
+            <p:cNvPr id="341" name="Rectangle 340">
+              <a:extLst>
+                <a:ext uri="{FF2B5EF4-FFF2-40B4-BE49-F238E27FC236}">
+                  <a16:creationId xmlns:a16="http://schemas.microsoft.com/office/drawing/2014/main" id="{C7E95844-95E8-1A4A-BB16-5B3167CDD961}"/>
+                </a:ext>
+              </a:extLst>
+            </p:cNvPr>
+            <p:cNvSpPr/>
+            <p:nvPr/>
+          </p:nvSpPr>
+          <p:spPr>
+            <a:xfrm>
+              <a:off x="3285576" y="2348989"/>
+              <a:ext cx="1371600" cy="246221"/>
+            </a:xfrm>
+            <a:prstGeom prst="rect">
+              <a:avLst/>
+            </a:prstGeom>
+            <a:solidFill>
+              <a:schemeClr val="bg1"/>
+            </a:solidFill>
+            <a:ln>
+              <a:solidFill>
+                <a:schemeClr val="tx1"/>
+              </a:solidFill>
+            </a:ln>
+          </p:spPr>
+          <p:style>
+            <a:lnRef idx="2">
+              <a:schemeClr val="accent1">
+                <a:shade val="50000"/>
+              </a:schemeClr>
+            </a:lnRef>
+            <a:fillRef idx="1">
+              <a:schemeClr val="accent1"/>
+            </a:fillRef>
+            <a:effectRef idx="0">
+              <a:schemeClr val="accent1"/>
+            </a:effectRef>
+            <a:fontRef idx="minor">
+              <a:schemeClr val="lt1"/>
+            </a:fontRef>
+          </p:style>
+          <p:txBody>
+            <a:bodyPr rtlCol="0" anchor="ctr"/>
+            <a:lstStyle/>
+            <a:p>
+              <a:pPr algn="ctr"/>
+              <a:r>
+                <a:rPr lang="en-US" sz="1000" i="1" dirty="0">
+                  <a:solidFill>
+                    <a:schemeClr val="tx1"/>
+                  </a:solidFill>
+                </a:rPr>
+                <a:t>▼</a:t>
+              </a:r>
+              <a:r>
+                <a:rPr lang="en-US" sz="1000" dirty="0">
+                  <a:solidFill>
+                    <a:schemeClr val="tx1"/>
+                  </a:solidFill>
+                </a:rPr>
+                <a:t>⌀</a:t>
+              </a:r>
+            </a:p>
+          </p:txBody>
+        </p:sp>
+      </p:grpSp>
+      <p:cxnSp>
+        <p:nvCxnSpPr>
+          <p:cNvPr id="343" name="Curved Connector 342">
+            <a:extLst>
+              <a:ext uri="{FF2B5EF4-FFF2-40B4-BE49-F238E27FC236}">
+                <a16:creationId xmlns:a16="http://schemas.microsoft.com/office/drawing/2014/main" id="{4E34690D-DE53-2642-9F74-4EA620A92FB0}"/>
+              </a:ext>
+            </a:extLst>
+          </p:cNvPr>
+          <p:cNvCxnSpPr>
+            <a:cxnSpLocks/>
+            <a:stCxn id="273" idx="3"/>
+            <a:endCxn id="335" idx="3"/>
+          </p:cNvCxnSpPr>
+          <p:nvPr/>
+        </p:nvCxnSpPr>
+        <p:spPr>
+          <a:xfrm>
+            <a:off x="4520424" y="3915200"/>
+            <a:ext cx="12700" cy="1115485"/>
+          </a:xfrm>
+          <a:prstGeom prst="curvedConnector3">
+            <a:avLst>
+              <a:gd name="adj1" fmla="val 1800000"/>
+            </a:avLst>
+          </a:prstGeom>
+          <a:ln w="12700">
+            <a:solidFill>
+              <a:srgbClr val="909387"/>
+            </a:solidFill>
+            <a:prstDash val="solid"/>
+            <a:tailEnd type="triangle"/>
+          </a:ln>
+        </p:spPr>
+        <p:style>
+          <a:lnRef idx="1">
+            <a:schemeClr val="dk1"/>
+          </a:lnRef>
+          <a:fillRef idx="0">
+            <a:schemeClr val="dk1"/>
+          </a:fillRef>
+          <a:effectRef idx="0">
+            <a:schemeClr val="dk1"/>
+          </a:effectRef>
+          <a:fontRef idx="minor">
+            <a:schemeClr val="tx1"/>
+          </a:fontRef>
+        </p:style>
+      </p:cxnSp>
+      <p:cxnSp>
+        <p:nvCxnSpPr>
+          <p:cNvPr id="346" name="Curved Connector 345">
+            <a:extLst>
+              <a:ext uri="{FF2B5EF4-FFF2-40B4-BE49-F238E27FC236}">
+                <a16:creationId xmlns:a16="http://schemas.microsoft.com/office/drawing/2014/main" id="{741ADD09-8806-8048-903E-C53B8701C3DF}"/>
+              </a:ext>
+            </a:extLst>
+          </p:cNvPr>
+          <p:cNvCxnSpPr>
+            <a:cxnSpLocks/>
+            <a:stCxn id="336" idx="3"/>
+            <a:endCxn id="322" idx="3"/>
+          </p:cNvCxnSpPr>
+          <p:nvPr/>
+        </p:nvCxnSpPr>
+        <p:spPr>
+          <a:xfrm flipH="1">
+            <a:off x="4519292" y="5275123"/>
+            <a:ext cx="1132" cy="1112255"/>
+          </a:xfrm>
+          <a:prstGeom prst="curvedConnector3">
+            <a:avLst>
+              <a:gd name="adj1" fmla="val -20194346"/>
+            </a:avLst>
+          </a:prstGeom>
+          <a:ln w="12700">
+            <a:solidFill>
+              <a:srgbClr val="9E996D"/>
+            </a:solidFill>
+            <a:prstDash val="solid"/>
+            <a:tailEnd type="triangle"/>
+          </a:ln>
+        </p:spPr>
+        <p:style>
+          <a:lnRef idx="1">
+            <a:schemeClr val="dk1"/>
+          </a:lnRef>
+          <a:fillRef idx="0">
+            <a:schemeClr val="dk1"/>
+          </a:fillRef>
+          <a:effectRef idx="0">
+            <a:schemeClr val="dk1"/>
+          </a:effectRef>
+          <a:fontRef idx="minor">
+            <a:schemeClr val="tx1"/>
+          </a:fontRef>
+        </p:style>
+      </p:cxnSp>
+      <p:cxnSp>
+        <p:nvCxnSpPr>
+          <p:cNvPr id="349" name="Curved Connector 348">
+            <a:extLst>
+              <a:ext uri="{FF2B5EF4-FFF2-40B4-BE49-F238E27FC236}">
+                <a16:creationId xmlns:a16="http://schemas.microsoft.com/office/drawing/2014/main" id="{B390D472-EDF8-A647-B5AF-6947F9AD5923}"/>
+              </a:ext>
+            </a:extLst>
+          </p:cNvPr>
+          <p:cNvCxnSpPr>
+            <a:cxnSpLocks/>
+            <a:stCxn id="387" idx="1"/>
+            <a:endCxn id="335" idx="3"/>
+          </p:cNvCxnSpPr>
+          <p:nvPr/>
+        </p:nvCxnSpPr>
+        <p:spPr>
+          <a:xfrm rot="10800000" flipV="1">
+            <a:off x="4520425" y="4581853"/>
+            <a:ext cx="686857" cy="448831"/>
+          </a:xfrm>
+          <a:prstGeom prst="curvedConnector3">
+            <a:avLst>
+              <a:gd name="adj1" fmla="val 50000"/>
+            </a:avLst>
+          </a:prstGeom>
+          <a:ln w="12700">
+            <a:solidFill>
+              <a:srgbClr val="909387"/>
+            </a:solidFill>
+            <a:prstDash val="solid"/>
+            <a:tailEnd type="triangle"/>
+          </a:ln>
+        </p:spPr>
+        <p:style>
+          <a:lnRef idx="1">
+            <a:schemeClr val="dk1"/>
+          </a:lnRef>
+          <a:fillRef idx="0">
+            <a:schemeClr val="dk1"/>
+          </a:fillRef>
+          <a:effectRef idx="0">
+            <a:schemeClr val="dk1"/>
+          </a:effectRef>
+          <a:fontRef idx="minor">
+            <a:schemeClr val="tx1"/>
+          </a:fontRef>
+        </p:style>
+      </p:cxnSp>
+      <p:cxnSp>
+        <p:nvCxnSpPr>
+          <p:cNvPr id="352" name="Curved Connector 351">
+            <a:extLst>
+              <a:ext uri="{FF2B5EF4-FFF2-40B4-BE49-F238E27FC236}">
+                <a16:creationId xmlns:a16="http://schemas.microsoft.com/office/drawing/2014/main" id="{05EB3DFA-2DA9-1A43-875B-68CEE93916ED}"/>
+              </a:ext>
+            </a:extLst>
+          </p:cNvPr>
+          <p:cNvCxnSpPr>
+            <a:cxnSpLocks/>
+            <a:stCxn id="285" idx="1"/>
+            <a:endCxn id="335" idx="3"/>
+          </p:cNvCxnSpPr>
+          <p:nvPr/>
+        </p:nvCxnSpPr>
+        <p:spPr>
+          <a:xfrm rot="10800000" flipV="1">
+            <a:off x="4520425" y="936703"/>
+            <a:ext cx="687989" cy="4093981"/>
+          </a:xfrm>
+          <a:prstGeom prst="curvedConnector3">
+            <a:avLst>
+              <a:gd name="adj1" fmla="val 50000"/>
+            </a:avLst>
+          </a:prstGeom>
+          <a:ln w="12700">
+            <a:solidFill>
+              <a:schemeClr val="accent6">
+                <a:lumMod val="60000"/>
+                <a:lumOff val="40000"/>
+              </a:schemeClr>
+            </a:solidFill>
+            <a:prstDash val="solid"/>
+            <a:tailEnd type="triangle"/>
+          </a:ln>
+        </p:spPr>
+        <p:style>
+          <a:lnRef idx="1">
+            <a:schemeClr val="dk1"/>
+          </a:lnRef>
+          <a:fillRef idx="0">
+            <a:schemeClr val="dk1"/>
+          </a:fillRef>
+          <a:effectRef idx="0">
+            <a:schemeClr val="dk1"/>
+          </a:effectRef>
+          <a:fontRef idx="minor">
+            <a:schemeClr val="tx1"/>
+          </a:fontRef>
+        </p:style>
+      </p:cxnSp>
+      <p:cxnSp>
+        <p:nvCxnSpPr>
+          <p:cNvPr id="360" name="Curved Connector 359">
+            <a:extLst>
+              <a:ext uri="{FF2B5EF4-FFF2-40B4-BE49-F238E27FC236}">
+                <a16:creationId xmlns:a16="http://schemas.microsoft.com/office/drawing/2014/main" id="{7C803735-BF8F-8043-B3E1-64A03641B5F6}"/>
+              </a:ext>
+            </a:extLst>
+          </p:cNvPr>
+          <p:cNvCxnSpPr>
+            <a:cxnSpLocks/>
+            <a:stCxn id="266" idx="1"/>
+            <a:endCxn id="335" idx="3"/>
+          </p:cNvCxnSpPr>
+          <p:nvPr/>
+        </p:nvCxnSpPr>
+        <p:spPr>
+          <a:xfrm rot="10800000" flipV="1">
+            <a:off x="4520425" y="2014655"/>
+            <a:ext cx="687989" cy="3016030"/>
+          </a:xfrm>
+          <a:prstGeom prst="curvedConnector3">
+            <a:avLst>
+              <a:gd name="adj1" fmla="val 50000"/>
+            </a:avLst>
+          </a:prstGeom>
+          <a:ln w="12700">
+            <a:solidFill>
+              <a:srgbClr val="909387"/>
+            </a:solidFill>
+            <a:prstDash val="solid"/>
+            <a:tailEnd type="triangle"/>
+          </a:ln>
+        </p:spPr>
+        <p:style>
+          <a:lnRef idx="1">
+            <a:schemeClr val="dk1"/>
+          </a:lnRef>
+          <a:fillRef idx="0">
+            <a:schemeClr val="dk1"/>
+          </a:fillRef>
+          <a:effectRef idx="0">
+            <a:schemeClr val="dk1"/>
+          </a:effectRef>
+          <a:fontRef idx="minor">
+            <a:schemeClr val="tx1"/>
+          </a:fontRef>
+        </p:style>
+      </p:cxnSp>
+      <p:grpSp>
+        <p:nvGrpSpPr>
+          <p:cNvPr id="365" name="Group 364">
+            <a:extLst>
+              <a:ext uri="{FF2B5EF4-FFF2-40B4-BE49-F238E27FC236}">
+                <a16:creationId xmlns:a16="http://schemas.microsoft.com/office/drawing/2014/main" id="{628F92F8-AE4A-AB40-9D52-2CA4832B402A}"/>
+              </a:ext>
+            </a:extLst>
+          </p:cNvPr>
+          <p:cNvGrpSpPr/>
+          <p:nvPr/>
+        </p:nvGrpSpPr>
+        <p:grpSpPr>
+          <a:xfrm>
+            <a:off x="113188" y="135300"/>
+            <a:ext cx="1372732" cy="1223293"/>
+            <a:chOff x="90095" y="47552"/>
+            <a:chExt cx="1372732" cy="1223293"/>
+          </a:xfrm>
+        </p:grpSpPr>
+        <p:sp>
+          <p:nvSpPr>
+            <p:cNvPr id="366" name="Rectangle 365">
+              <a:extLst>
+                <a:ext uri="{FF2B5EF4-FFF2-40B4-BE49-F238E27FC236}">
+                  <a16:creationId xmlns:a16="http://schemas.microsoft.com/office/drawing/2014/main" id="{ACE3AEDC-FD8C-364D-8F80-2EB930F84A79}"/>
+                </a:ext>
+              </a:extLst>
+            </p:cNvPr>
+            <p:cNvSpPr/>
+            <p:nvPr/>
+          </p:nvSpPr>
+          <p:spPr>
+            <a:xfrm>
+              <a:off x="91227" y="780186"/>
+              <a:ext cx="1371600" cy="246221"/>
+            </a:xfrm>
+            <a:prstGeom prst="rect">
+              <a:avLst/>
+            </a:prstGeom>
+            <a:solidFill>
+              <a:schemeClr val="bg1"/>
+            </a:solidFill>
+            <a:ln>
+              <a:solidFill>
+                <a:schemeClr val="tx1"/>
+              </a:solidFill>
+            </a:ln>
+          </p:spPr>
+          <p:style>
+            <a:lnRef idx="2">
+              <a:schemeClr val="accent1">
+                <a:shade val="50000"/>
+              </a:schemeClr>
+            </a:lnRef>
+            <a:fillRef idx="1">
+              <a:schemeClr val="accent1"/>
+            </a:fillRef>
+            <a:effectRef idx="0">
+              <a:schemeClr val="accent1"/>
+            </a:effectRef>
+            <a:fontRef idx="minor">
+              <a:schemeClr val="lt1"/>
+            </a:fontRef>
+          </p:style>
+          <p:txBody>
+            <a:bodyPr rtlCol="0" anchor="ctr"/>
+            <a:lstStyle/>
+            <a:p>
+              <a:pPr algn="ctr"/>
+              <a:r>
+                <a:rPr lang="en-US" sz="1000" dirty="0">
+                  <a:solidFill>
+                    <a:schemeClr val="tx1"/>
+                  </a:solidFill>
+                </a:rPr>
+                <a:t>▲ </a:t>
+              </a:r>
+              <a:r>
+                <a:rPr lang="en-US" sz="1000" i="1" dirty="0">
+                  <a:solidFill>
+                    <a:schemeClr val="tx1"/>
+                  </a:solidFill>
+                </a:rPr>
+                <a:t>influx variable(s)</a:t>
+              </a:r>
+              <a:endParaRPr lang="en-US" sz="1000" dirty="0">
+                <a:solidFill>
+                  <a:schemeClr val="tx1"/>
+                </a:solidFill>
+              </a:endParaRPr>
+            </a:p>
+          </p:txBody>
+        </p:sp>
+        <p:sp>
+          <p:nvSpPr>
+            <p:cNvPr id="367" name="Rectangle 366">
+              <a:extLst>
+                <a:ext uri="{FF2B5EF4-FFF2-40B4-BE49-F238E27FC236}">
+                  <a16:creationId xmlns:a16="http://schemas.microsoft.com/office/drawing/2014/main" id="{32CE26EB-716E-8541-A777-20C6EE649545}"/>
+                </a:ext>
+              </a:extLst>
+            </p:cNvPr>
+            <p:cNvSpPr/>
+            <p:nvPr/>
+          </p:nvSpPr>
+          <p:spPr>
+            <a:xfrm>
+              <a:off x="91227" y="1024624"/>
+              <a:ext cx="1371600" cy="246221"/>
+            </a:xfrm>
+            <a:prstGeom prst="rect">
+              <a:avLst/>
+            </a:prstGeom>
+            <a:solidFill>
+              <a:schemeClr val="bg1"/>
+            </a:solidFill>
+            <a:ln>
+              <a:solidFill>
+                <a:schemeClr val="tx1"/>
+              </a:solidFill>
+            </a:ln>
+          </p:spPr>
+          <p:style>
+            <a:lnRef idx="2">
+              <a:schemeClr val="accent1">
+                <a:shade val="50000"/>
+              </a:schemeClr>
+            </a:lnRef>
+            <a:fillRef idx="1">
+              <a:schemeClr val="accent1"/>
+            </a:fillRef>
+            <a:effectRef idx="0">
+              <a:schemeClr val="accent1"/>
+            </a:effectRef>
+            <a:fontRef idx="minor">
+              <a:schemeClr val="lt1"/>
+            </a:fontRef>
+          </p:style>
+          <p:txBody>
+            <a:bodyPr rtlCol="0" anchor="ctr"/>
+            <a:lstStyle/>
+            <a:p>
+              <a:pPr algn="ctr"/>
+              <a:r>
+                <a:rPr lang="en-US" sz="1000" i="1" dirty="0">
+                  <a:solidFill>
+                    <a:schemeClr val="tx1"/>
+                  </a:solidFill>
+                </a:rPr>
+                <a:t>▼ outflux variable(s)</a:t>
+              </a:r>
+              <a:endParaRPr lang="en-US" sz="1000" dirty="0">
+                <a:solidFill>
+                  <a:schemeClr val="tx1"/>
+                </a:solidFill>
+              </a:endParaRPr>
+            </a:p>
+          </p:txBody>
+        </p:sp>
+        <p:sp>
+          <p:nvSpPr>
+            <p:cNvPr id="368" name="Rectangle 367">
+              <a:extLst>
+                <a:ext uri="{FF2B5EF4-FFF2-40B4-BE49-F238E27FC236}">
+                  <a16:creationId xmlns:a16="http://schemas.microsoft.com/office/drawing/2014/main" id="{C5D94E38-37FE-D143-8939-0F2C5A98E531}"/>
+                </a:ext>
+              </a:extLst>
+            </p:cNvPr>
+            <p:cNvSpPr/>
+            <p:nvPr/>
+          </p:nvSpPr>
+          <p:spPr>
+            <a:xfrm>
+              <a:off x="91227" y="536478"/>
+              <a:ext cx="1371600" cy="246221"/>
+            </a:xfrm>
+            <a:prstGeom prst="rect">
+              <a:avLst/>
+            </a:prstGeom>
+            <a:solidFill>
+              <a:schemeClr val="bg1"/>
+            </a:solidFill>
+            <a:ln>
+              <a:solidFill>
+                <a:schemeClr val="tx1"/>
+              </a:solidFill>
+            </a:ln>
+          </p:spPr>
+          <p:style>
+            <a:lnRef idx="2">
+              <a:schemeClr val="accent1">
+                <a:shade val="50000"/>
+              </a:schemeClr>
+            </a:lnRef>
+            <a:fillRef idx="1">
+              <a:schemeClr val="accent1"/>
+            </a:fillRef>
+            <a:effectRef idx="0">
+              <a:schemeClr val="accent1"/>
+            </a:effectRef>
+            <a:fontRef idx="minor">
+              <a:schemeClr val="lt1"/>
+            </a:fontRef>
+          </p:style>
+          <p:txBody>
+            <a:bodyPr lIns="45720" rIns="45720" rtlCol="0" anchor="ctr"/>
+            <a:lstStyle/>
+            <a:p>
+              <a:pPr algn="ctr"/>
+              <a:r>
+                <a:rPr lang="en-US" sz="1000" dirty="0">
+                  <a:solidFill>
+                    <a:schemeClr val="tx1"/>
+                  </a:solidFill>
+                </a:rPr>
+                <a:t>△</a:t>
+              </a:r>
+              <a:r>
+                <a:rPr lang="en-US" sz="1000" i="1" dirty="0">
+                  <a:solidFill>
+                    <a:schemeClr val="tx1"/>
+                  </a:solidFill>
+                </a:rPr>
+                <a:t> increment variable(s)</a:t>
+              </a:r>
+              <a:endParaRPr lang="en-US" sz="1000" dirty="0">
+                <a:solidFill>
+                  <a:schemeClr val="tx1"/>
+                </a:solidFill>
+              </a:endParaRPr>
+            </a:p>
+          </p:txBody>
+        </p:sp>
+        <p:sp>
+          <p:nvSpPr>
+            <p:cNvPr id="369" name="Rectangle 368">
+              <a:extLst>
+                <a:ext uri="{FF2B5EF4-FFF2-40B4-BE49-F238E27FC236}">
+                  <a16:creationId xmlns:a16="http://schemas.microsoft.com/office/drawing/2014/main" id="{469C5A41-E152-0D4E-AB7C-337AA1FB0339}"/>
+                </a:ext>
+              </a:extLst>
+            </p:cNvPr>
+            <p:cNvSpPr/>
+            <p:nvPr/>
+          </p:nvSpPr>
+          <p:spPr>
+            <a:xfrm>
+              <a:off x="91227" y="291480"/>
+              <a:ext cx="1371600" cy="246221"/>
+            </a:xfrm>
+            <a:prstGeom prst="rect">
+              <a:avLst/>
+            </a:prstGeom>
+            <a:solidFill>
+              <a:schemeClr val="bg1"/>
+            </a:solidFill>
+            <a:ln>
+              <a:solidFill>
+                <a:schemeClr val="tx1"/>
+              </a:solidFill>
+            </a:ln>
+          </p:spPr>
+          <p:style>
+            <a:lnRef idx="2">
+              <a:schemeClr val="accent1">
+                <a:shade val="50000"/>
+              </a:schemeClr>
+            </a:lnRef>
+            <a:fillRef idx="1">
+              <a:schemeClr val="accent1"/>
+            </a:fillRef>
+            <a:effectRef idx="0">
+              <a:schemeClr val="accent1"/>
+            </a:effectRef>
+            <a:fontRef idx="minor">
+              <a:schemeClr val="lt1"/>
+            </a:fontRef>
+          </p:style>
+          <p:txBody>
+            <a:bodyPr rtlCol="0" anchor="ctr"/>
+            <a:lstStyle/>
+            <a:p>
+              <a:pPr algn="ctr"/>
+              <a:r>
+                <a:rPr lang="en-US" sz="1000" i="1" dirty="0">
+                  <a:solidFill>
+                    <a:schemeClr val="tx1"/>
+                  </a:solidFill>
+                </a:rPr>
+                <a:t>ForC variable(s)</a:t>
+              </a:r>
+            </a:p>
+          </p:txBody>
+        </p:sp>
+        <p:sp>
+          <p:nvSpPr>
+            <p:cNvPr id="370" name="Rectangle 369">
+              <a:extLst>
+                <a:ext uri="{FF2B5EF4-FFF2-40B4-BE49-F238E27FC236}">
+                  <a16:creationId xmlns:a16="http://schemas.microsoft.com/office/drawing/2014/main" id="{5A5686EA-DDB3-704E-9263-0C701A517B16}"/>
+                </a:ext>
+              </a:extLst>
+            </p:cNvPr>
+            <p:cNvSpPr/>
+            <p:nvPr/>
+          </p:nvSpPr>
+          <p:spPr>
+            <a:xfrm>
+              <a:off x="90095" y="47552"/>
+              <a:ext cx="1371600" cy="246221"/>
+            </a:xfrm>
+            <a:prstGeom prst="rect">
+              <a:avLst/>
+            </a:prstGeom>
+            <a:solidFill>
+              <a:schemeClr val="bg2"/>
+            </a:solidFill>
+            <a:ln>
+              <a:solidFill>
+                <a:schemeClr val="tx1"/>
+              </a:solidFill>
+            </a:ln>
+          </p:spPr>
+          <p:style>
+            <a:lnRef idx="2">
+              <a:schemeClr val="accent1">
+                <a:shade val="50000"/>
+              </a:schemeClr>
+            </a:lnRef>
+            <a:fillRef idx="1">
+              <a:schemeClr val="accent1"/>
+            </a:fillRef>
+            <a:effectRef idx="0">
+              <a:schemeClr val="accent1"/>
+            </a:effectRef>
+            <a:fontRef idx="minor">
+              <a:schemeClr val="lt1"/>
+            </a:fontRef>
+          </p:style>
+          <p:txBody>
+            <a:bodyPr rtlCol="0" anchor="ctr"/>
+            <a:lstStyle/>
+            <a:p>
+              <a:pPr algn="ctr"/>
+              <a:r>
+                <a:rPr lang="en-US" sz="1000" dirty="0">
+                  <a:solidFill>
+                    <a:schemeClr val="tx1"/>
+                  </a:solidFill>
+                </a:rPr>
+                <a:t>Carbon Pool</a:t>
+              </a:r>
+            </a:p>
+          </p:txBody>
+        </p:sp>
+      </p:grpSp>
+      <p:grpSp>
+        <p:nvGrpSpPr>
+          <p:cNvPr id="378" name="Group 377">
+            <a:extLst>
+              <a:ext uri="{FF2B5EF4-FFF2-40B4-BE49-F238E27FC236}">
+                <a16:creationId xmlns:a16="http://schemas.microsoft.com/office/drawing/2014/main" id="{F6F21715-0785-B34D-BF52-F3F962D9E7A2}"/>
+              </a:ext>
+            </a:extLst>
+          </p:cNvPr>
+          <p:cNvGrpSpPr/>
+          <p:nvPr/>
+        </p:nvGrpSpPr>
+        <p:grpSpPr>
+          <a:xfrm>
+            <a:off x="5207281" y="3197142"/>
+            <a:ext cx="1555612" cy="965345"/>
+            <a:chOff x="90095" y="47551"/>
+            <a:chExt cx="1555612" cy="965345"/>
+          </a:xfrm>
+        </p:grpSpPr>
+        <p:sp>
+          <p:nvSpPr>
+            <p:cNvPr id="379" name="Rectangle 378">
+              <a:extLst>
+                <a:ext uri="{FF2B5EF4-FFF2-40B4-BE49-F238E27FC236}">
+                  <a16:creationId xmlns:a16="http://schemas.microsoft.com/office/drawing/2014/main" id="{AF4C5247-F0D4-B24B-BD58-B4E9022B5342}"/>
+                </a:ext>
+              </a:extLst>
+            </p:cNvPr>
+            <p:cNvSpPr/>
+            <p:nvPr/>
+          </p:nvSpPr>
+          <p:spPr>
+            <a:xfrm>
+              <a:off x="91227" y="521569"/>
+              <a:ext cx="1554480" cy="246888"/>
+            </a:xfrm>
+            <a:prstGeom prst="rect">
+              <a:avLst/>
+            </a:prstGeom>
+            <a:solidFill>
+              <a:schemeClr val="bg1"/>
+            </a:solidFill>
+            <a:ln>
+              <a:solidFill>
+                <a:schemeClr val="tx1"/>
+              </a:solidFill>
+            </a:ln>
+          </p:spPr>
+          <p:style>
+            <a:lnRef idx="2">
+              <a:schemeClr val="accent1">
+                <a:shade val="50000"/>
+              </a:schemeClr>
+            </a:lnRef>
+            <a:fillRef idx="1">
+              <a:schemeClr val="accent1"/>
+            </a:fillRef>
+            <a:effectRef idx="0">
+              <a:schemeClr val="accent1"/>
+            </a:effectRef>
+            <a:fontRef idx="minor">
+              <a:schemeClr val="lt1"/>
+            </a:fontRef>
+          </p:style>
+          <p:txBody>
+            <a:bodyPr rtlCol="0" anchor="ctr"/>
+            <a:lstStyle/>
+            <a:p>
+              <a:pPr algn="ctr"/>
+              <a:r>
+                <a:rPr lang="en-US" sz="1000" dirty="0">
+                  <a:solidFill>
+                    <a:schemeClr val="tx1"/>
+                  </a:solidFill>
+                </a:rPr>
+                <a:t>▲ </a:t>
+              </a:r>
+              <a:r>
+                <a:rPr lang="en-US" sz="1000" i="1" dirty="0">
+                  <a:solidFill>
+                    <a:schemeClr val="tx1"/>
+                  </a:solidFill>
+                </a:rPr>
+                <a:t>BNPP_root_coarse</a:t>
+              </a:r>
+              <a:endParaRPr lang="en-US" sz="1000" dirty="0">
+                <a:solidFill>
+                  <a:schemeClr val="tx1"/>
+                </a:solidFill>
+              </a:endParaRPr>
+            </a:p>
+          </p:txBody>
+        </p:sp>
+        <p:sp>
+          <p:nvSpPr>
+            <p:cNvPr id="380" name="Rectangle 379">
+              <a:extLst>
+                <a:ext uri="{FF2B5EF4-FFF2-40B4-BE49-F238E27FC236}">
+                  <a16:creationId xmlns:a16="http://schemas.microsoft.com/office/drawing/2014/main" id="{A64DC2C9-5C20-5549-AC7D-36CDF1FCF53C}"/>
+                </a:ext>
+              </a:extLst>
+            </p:cNvPr>
+            <p:cNvSpPr/>
+            <p:nvPr/>
+          </p:nvSpPr>
+          <p:spPr>
+            <a:xfrm>
+              <a:off x="91227" y="766008"/>
+              <a:ext cx="1554480" cy="246888"/>
+            </a:xfrm>
+            <a:prstGeom prst="rect">
+              <a:avLst/>
+            </a:prstGeom>
+            <a:solidFill>
+              <a:schemeClr val="bg1"/>
+            </a:solidFill>
+            <a:ln>
+              <a:solidFill>
+                <a:schemeClr val="tx1"/>
+              </a:solidFill>
+            </a:ln>
+          </p:spPr>
+          <p:style>
+            <a:lnRef idx="2">
+              <a:schemeClr val="accent1">
+                <a:shade val="50000"/>
+              </a:schemeClr>
+            </a:lnRef>
+            <a:fillRef idx="1">
+              <a:schemeClr val="accent1"/>
+            </a:fillRef>
+            <a:effectRef idx="0">
+              <a:schemeClr val="accent1"/>
+            </a:effectRef>
+            <a:fontRef idx="minor">
+              <a:schemeClr val="lt1"/>
+            </a:fontRef>
+          </p:style>
+          <p:txBody>
+            <a:bodyPr lIns="0" rIns="0" rtlCol="0" anchor="ctr"/>
+            <a:lstStyle/>
+            <a:p>
+              <a:pPr algn="ctr"/>
+              <a:r>
+                <a:rPr lang="en-US" sz="1000" i="1" dirty="0">
+                  <a:solidFill>
+                    <a:schemeClr val="tx1"/>
+                  </a:solidFill>
+                </a:rPr>
+                <a:t>▼</a:t>
+              </a:r>
+              <a:r>
+                <a:rPr lang="en-US" sz="1000" dirty="0">
+                  <a:solidFill>
+                    <a:schemeClr val="tx1"/>
+                  </a:solidFill>
+                </a:rPr>
+                <a:t>⌀</a:t>
+              </a:r>
+            </a:p>
+          </p:txBody>
+        </p:sp>
+        <p:sp>
+          <p:nvSpPr>
+            <p:cNvPr id="381" name="Rectangle 380">
+              <a:extLst>
+                <a:ext uri="{FF2B5EF4-FFF2-40B4-BE49-F238E27FC236}">
+                  <a16:creationId xmlns:a16="http://schemas.microsoft.com/office/drawing/2014/main" id="{9466AF03-5C03-2D40-8BAF-7C302F38716F}"/>
+                </a:ext>
+              </a:extLst>
+            </p:cNvPr>
+            <p:cNvSpPr/>
+            <p:nvPr/>
+          </p:nvSpPr>
+          <p:spPr>
+            <a:xfrm>
+              <a:off x="91227" y="291479"/>
+              <a:ext cx="1554480" cy="246888"/>
+            </a:xfrm>
+            <a:prstGeom prst="rect">
+              <a:avLst/>
+            </a:prstGeom>
+            <a:solidFill>
+              <a:schemeClr val="bg1"/>
+            </a:solidFill>
+            <a:ln>
+              <a:solidFill>
+                <a:schemeClr val="tx1"/>
+              </a:solidFill>
+            </a:ln>
+          </p:spPr>
+          <p:style>
+            <a:lnRef idx="2">
+              <a:schemeClr val="accent1">
+                <a:shade val="50000"/>
+              </a:schemeClr>
+            </a:lnRef>
+            <a:fillRef idx="1">
+              <a:schemeClr val="accent1"/>
+            </a:fillRef>
+            <a:effectRef idx="0">
+              <a:schemeClr val="accent1"/>
+            </a:effectRef>
+            <a:fontRef idx="minor">
+              <a:schemeClr val="lt1"/>
+            </a:fontRef>
+          </p:style>
+          <p:txBody>
+            <a:bodyPr rtlCol="0" anchor="ctr"/>
+            <a:lstStyle/>
+            <a:p>
+              <a:pPr algn="ctr"/>
+              <a:r>
+                <a:rPr lang="en-US" sz="1000" i="1" dirty="0">
+                  <a:solidFill>
+                    <a:schemeClr val="tx1"/>
+                  </a:solidFill>
+                </a:rPr>
+                <a:t>biomass_root_coarse</a:t>
+              </a:r>
+            </a:p>
+          </p:txBody>
+        </p:sp>
+        <p:sp>
+          <p:nvSpPr>
+            <p:cNvPr id="382" name="Rectangle 381">
+              <a:extLst>
+                <a:ext uri="{FF2B5EF4-FFF2-40B4-BE49-F238E27FC236}">
+                  <a16:creationId xmlns:a16="http://schemas.microsoft.com/office/drawing/2014/main" id="{49B97989-7F77-0643-97B8-2B192D8CDDD5}"/>
+                </a:ext>
+              </a:extLst>
+            </p:cNvPr>
+            <p:cNvSpPr/>
+            <p:nvPr/>
+          </p:nvSpPr>
+          <p:spPr>
+            <a:xfrm>
+              <a:off x="90095" y="47551"/>
+              <a:ext cx="1554480" cy="246888"/>
+            </a:xfrm>
+            <a:prstGeom prst="rect">
+              <a:avLst/>
+            </a:prstGeom>
+            <a:solidFill>
+              <a:srgbClr val="A3C3CF"/>
+            </a:solidFill>
+            <a:ln>
+              <a:solidFill>
+                <a:schemeClr val="tx1"/>
+              </a:solidFill>
+            </a:ln>
+          </p:spPr>
+          <p:style>
+            <a:lnRef idx="2">
+              <a:schemeClr val="accent1">
+                <a:shade val="50000"/>
+              </a:schemeClr>
+            </a:lnRef>
+            <a:fillRef idx="1">
+              <a:schemeClr val="accent1"/>
+            </a:fillRef>
+            <a:effectRef idx="0">
+              <a:schemeClr val="accent1"/>
+            </a:effectRef>
+            <a:fontRef idx="minor">
+              <a:schemeClr val="lt1"/>
+            </a:fontRef>
+          </p:style>
+          <p:txBody>
+            <a:bodyPr rtlCol="0" anchor="ctr"/>
+            <a:lstStyle/>
+            <a:p>
+              <a:pPr algn="ctr"/>
+              <a:r>
+                <a:rPr lang="en-US" sz="1000" dirty="0">
+                  <a:solidFill>
+                    <a:schemeClr val="tx1"/>
+                  </a:solidFill>
+                </a:rPr>
+                <a:t>Coarse root biomass</a:t>
+              </a:r>
+            </a:p>
+          </p:txBody>
+        </p:sp>
+      </p:grpSp>
+      <p:cxnSp>
+        <p:nvCxnSpPr>
+          <p:cNvPr id="384" name="Curved Connector 383">
+            <a:extLst>
+              <a:ext uri="{FF2B5EF4-FFF2-40B4-BE49-F238E27FC236}">
+                <a16:creationId xmlns:a16="http://schemas.microsoft.com/office/drawing/2014/main" id="{D6BDCA4A-7A89-E342-BC0B-8337A4BC2E2F}"/>
+              </a:ext>
+            </a:extLst>
+          </p:cNvPr>
+          <p:cNvCxnSpPr>
+            <a:cxnSpLocks/>
+            <a:stCxn id="380" idx="1"/>
+            <a:endCxn id="387" idx="1"/>
+          </p:cNvCxnSpPr>
+          <p:nvPr/>
+        </p:nvCxnSpPr>
+        <p:spPr>
+          <a:xfrm rot="10800000" flipV="1">
+            <a:off x="5207281" y="4039042"/>
+            <a:ext cx="1132" cy="542811"/>
+          </a:xfrm>
+          <a:prstGeom prst="curvedConnector3">
+            <a:avLst>
+              <a:gd name="adj1" fmla="val 10106272"/>
+            </a:avLst>
+          </a:prstGeom>
+          <a:ln w="12700">
+            <a:solidFill>
+              <a:srgbClr val="779099"/>
+            </a:solidFill>
+            <a:prstDash val="solid"/>
+            <a:tailEnd type="triangle"/>
+          </a:ln>
+        </p:spPr>
+        <p:style>
+          <a:lnRef idx="1">
+            <a:schemeClr val="dk1"/>
+          </a:lnRef>
+          <a:fillRef idx="0">
+            <a:schemeClr val="dk1"/>
+          </a:fillRef>
+          <a:effectRef idx="0">
+            <a:schemeClr val="dk1"/>
+          </a:effectRef>
+          <a:fontRef idx="minor">
+            <a:schemeClr val="tx1"/>
+          </a:fontRef>
+        </p:style>
+      </p:cxnSp>
+      <p:grpSp>
+        <p:nvGrpSpPr>
+          <p:cNvPr id="393" name="Group 392">
+            <a:extLst>
+              <a:ext uri="{FF2B5EF4-FFF2-40B4-BE49-F238E27FC236}">
+                <a16:creationId xmlns:a16="http://schemas.microsoft.com/office/drawing/2014/main" id="{AFF6653E-0960-784D-BAE5-E04AC89091D8}"/>
+              </a:ext>
+            </a:extLst>
+          </p:cNvPr>
+          <p:cNvGrpSpPr/>
+          <p:nvPr/>
+        </p:nvGrpSpPr>
+        <p:grpSpPr>
+          <a:xfrm>
+            <a:off x="5207281" y="4204885"/>
+            <a:ext cx="1554480" cy="500413"/>
+            <a:chOff x="5148119" y="4306142"/>
+            <a:chExt cx="1554480" cy="500413"/>
+          </a:xfrm>
+        </p:grpSpPr>
+        <p:sp>
+          <p:nvSpPr>
+            <p:cNvPr id="387" name="Rectangle 386">
+              <a:extLst>
+                <a:ext uri="{FF2B5EF4-FFF2-40B4-BE49-F238E27FC236}">
+                  <a16:creationId xmlns:a16="http://schemas.microsoft.com/office/drawing/2014/main" id="{85A1249E-10EA-424E-B9AD-60A17CD48C71}"/>
+                </a:ext>
+              </a:extLst>
+            </p:cNvPr>
+            <p:cNvSpPr/>
+            <p:nvPr/>
+          </p:nvSpPr>
+          <p:spPr>
+            <a:xfrm>
+              <a:off x="5148119" y="4559667"/>
+              <a:ext cx="1554480" cy="246888"/>
+            </a:xfrm>
+            <a:prstGeom prst="rect">
+              <a:avLst/>
+            </a:prstGeom>
+            <a:solidFill>
+              <a:schemeClr val="bg1"/>
+            </a:solidFill>
+            <a:ln>
+              <a:solidFill>
+                <a:schemeClr val="tx1"/>
+              </a:solidFill>
+            </a:ln>
+          </p:spPr>
+          <p:style>
+            <a:lnRef idx="2">
+              <a:schemeClr val="accent1">
+                <a:shade val="50000"/>
+              </a:schemeClr>
+            </a:lnRef>
+            <a:fillRef idx="1">
+              <a:schemeClr val="accent1"/>
+            </a:fillRef>
+            <a:effectRef idx="0">
+              <a:schemeClr val="accent1"/>
+            </a:effectRef>
+            <a:fontRef idx="minor">
+              <a:schemeClr val="lt1"/>
+            </a:fontRef>
+          </p:style>
+          <p:txBody>
+            <a:bodyPr rtlCol="0" anchor="ctr"/>
+            <a:lstStyle/>
+            <a:p>
+              <a:pPr algn="ctr"/>
+              <a:r>
+                <a:rPr lang="en-US" sz="1000" dirty="0">
+                  <a:solidFill>
+                    <a:schemeClr val="tx1"/>
+                  </a:solidFill>
+                </a:rPr>
+                <a:t>⌀  | ▲ ⌀ | </a:t>
+              </a:r>
+              <a:r>
+                <a:rPr lang="en-US" sz="1000" i="1" dirty="0">
+                  <a:solidFill>
+                    <a:schemeClr val="tx1"/>
+                  </a:solidFill>
+                </a:rPr>
+                <a:t>▼</a:t>
+              </a:r>
+              <a:r>
+                <a:rPr lang="en-US" sz="1000" dirty="0">
+                  <a:solidFill>
+                    <a:schemeClr val="tx1"/>
+                  </a:solidFill>
+                </a:rPr>
+                <a:t>⌀</a:t>
+              </a:r>
+            </a:p>
+          </p:txBody>
+        </p:sp>
+        <p:sp>
+          <p:nvSpPr>
+            <p:cNvPr id="392" name="Rectangle 391">
+              <a:extLst>
+                <a:ext uri="{FF2B5EF4-FFF2-40B4-BE49-F238E27FC236}">
+                  <a16:creationId xmlns:a16="http://schemas.microsoft.com/office/drawing/2014/main" id="{57AFC0E4-00A0-1E4F-82FC-223BC03959EC}"/>
+                </a:ext>
+              </a:extLst>
+            </p:cNvPr>
+            <p:cNvSpPr/>
+            <p:nvPr/>
+          </p:nvSpPr>
+          <p:spPr>
+            <a:xfrm>
+              <a:off x="5148119" y="4306142"/>
+              <a:ext cx="1554480" cy="246888"/>
+            </a:xfrm>
+            <a:prstGeom prst="rect">
+              <a:avLst/>
+            </a:prstGeom>
+            <a:solidFill>
+              <a:srgbClr val="DCE0CE"/>
+            </a:solidFill>
+            <a:ln>
+              <a:solidFill>
+                <a:schemeClr val="tx1"/>
+              </a:solidFill>
+            </a:ln>
+          </p:spPr>
+          <p:style>
+            <a:lnRef idx="2">
+              <a:schemeClr val="accent1">
+                <a:shade val="50000"/>
+              </a:schemeClr>
+            </a:lnRef>
+            <a:fillRef idx="1">
+              <a:schemeClr val="accent1"/>
+            </a:fillRef>
+            <a:effectRef idx="0">
+              <a:schemeClr val="accent1"/>
+            </a:effectRef>
+            <a:fontRef idx="minor">
+              <a:schemeClr val="lt1"/>
+            </a:fontRef>
+          </p:style>
+          <p:txBody>
+            <a:bodyPr rtlCol="0" anchor="ctr"/>
+            <a:lstStyle/>
+            <a:p>
+              <a:pPr algn="ctr"/>
+              <a:r>
+                <a:rPr lang="en-US" sz="1000" dirty="0">
+                  <a:solidFill>
+                    <a:schemeClr val="tx1"/>
+                  </a:solidFill>
+                </a:rPr>
+                <a:t>Dead coarse roots</a:t>
+              </a:r>
+              <a:endParaRPr lang="en-US" sz="1000" baseline="30000" dirty="0">
+                <a:solidFill>
+                  <a:schemeClr val="tx1"/>
+                </a:solidFill>
+              </a:endParaRPr>
+            </a:p>
+          </p:txBody>
+        </p:sp>
+      </p:grpSp>
+      <p:grpSp>
+        <p:nvGrpSpPr>
+          <p:cNvPr id="407" name="Group 406">
+            <a:extLst>
+              <a:ext uri="{FF2B5EF4-FFF2-40B4-BE49-F238E27FC236}">
+                <a16:creationId xmlns:a16="http://schemas.microsoft.com/office/drawing/2014/main" id="{3DDA7150-0BF2-1845-9D9B-D01F5932E603}"/>
+              </a:ext>
+            </a:extLst>
+          </p:cNvPr>
+          <p:cNvGrpSpPr/>
+          <p:nvPr/>
+        </p:nvGrpSpPr>
+        <p:grpSpPr>
+          <a:xfrm>
+            <a:off x="5207281" y="4747696"/>
+            <a:ext cx="1555612" cy="978855"/>
+            <a:chOff x="90095" y="47552"/>
+            <a:chExt cx="1555612" cy="978855"/>
+          </a:xfrm>
+        </p:grpSpPr>
+        <p:sp>
+          <p:nvSpPr>
+            <p:cNvPr id="408" name="Rectangle 407">
+              <a:extLst>
+                <a:ext uri="{FF2B5EF4-FFF2-40B4-BE49-F238E27FC236}">
+                  <a16:creationId xmlns:a16="http://schemas.microsoft.com/office/drawing/2014/main" id="{1DF71F1D-214D-FD4C-A978-1F43FAB64531}"/>
+                </a:ext>
+              </a:extLst>
+            </p:cNvPr>
+            <p:cNvSpPr/>
+            <p:nvPr/>
+          </p:nvSpPr>
+          <p:spPr>
+            <a:xfrm>
+              <a:off x="91227" y="780186"/>
+              <a:ext cx="1554480" cy="246221"/>
+            </a:xfrm>
+            <a:prstGeom prst="rect">
+              <a:avLst/>
+            </a:prstGeom>
+            <a:solidFill>
+              <a:schemeClr val="bg1"/>
+            </a:solidFill>
+            <a:ln>
+              <a:solidFill>
+                <a:schemeClr val="tx1"/>
+              </a:solidFill>
+            </a:ln>
+          </p:spPr>
+          <p:style>
+            <a:lnRef idx="2">
+              <a:schemeClr val="accent1">
+                <a:shade val="50000"/>
+              </a:schemeClr>
+            </a:lnRef>
+            <a:fillRef idx="1">
+              <a:schemeClr val="accent1"/>
+            </a:fillRef>
+            <a:effectRef idx="0">
+              <a:schemeClr val="accent1"/>
+            </a:effectRef>
+            <a:fontRef idx="minor">
+              <a:schemeClr val="lt1"/>
+            </a:fontRef>
+          </p:style>
+          <p:txBody>
+            <a:bodyPr rtlCol="0" anchor="ctr"/>
+            <a:lstStyle/>
+            <a:p>
+              <a:pPr algn="ctr"/>
+              <a:r>
+                <a:rPr lang="en-US" sz="1000" dirty="0">
+                  <a:solidFill>
+                    <a:schemeClr val="tx1"/>
+                  </a:solidFill>
+                </a:rPr>
+                <a:t>▲ ⌀ | </a:t>
+              </a:r>
+              <a:r>
+                <a:rPr lang="en-US" sz="1000" i="1" dirty="0">
+                  <a:solidFill>
+                    <a:schemeClr val="tx1"/>
+                  </a:solidFill>
+                </a:rPr>
+                <a:t>▼</a:t>
+              </a:r>
+              <a:r>
+                <a:rPr lang="en-US" sz="1000" dirty="0">
+                  <a:solidFill>
+                    <a:schemeClr val="tx1"/>
+                  </a:solidFill>
+                </a:rPr>
+                <a:t>⌀</a:t>
+              </a:r>
+            </a:p>
+          </p:txBody>
+        </p:sp>
+        <p:sp>
+          <p:nvSpPr>
+            <p:cNvPr id="410" name="Rectangle 409">
+              <a:extLst>
+                <a:ext uri="{FF2B5EF4-FFF2-40B4-BE49-F238E27FC236}">
+                  <a16:creationId xmlns:a16="http://schemas.microsoft.com/office/drawing/2014/main" id="{06EB50F0-5685-DD40-AA51-C358F48BD206}"/>
+                </a:ext>
+              </a:extLst>
+            </p:cNvPr>
+            <p:cNvSpPr/>
+            <p:nvPr/>
+          </p:nvSpPr>
+          <p:spPr>
+            <a:xfrm>
+              <a:off x="91227" y="536478"/>
+              <a:ext cx="1554480" cy="246221"/>
+            </a:xfrm>
+            <a:prstGeom prst="rect">
+              <a:avLst/>
+            </a:prstGeom>
+            <a:solidFill>
+              <a:schemeClr val="bg1"/>
+            </a:solidFill>
+            <a:ln>
+              <a:solidFill>
+                <a:schemeClr val="tx1"/>
+              </a:solidFill>
+            </a:ln>
+          </p:spPr>
+          <p:style>
+            <a:lnRef idx="2">
+              <a:schemeClr val="accent1">
+                <a:shade val="50000"/>
+              </a:schemeClr>
+            </a:lnRef>
+            <a:fillRef idx="1">
+              <a:schemeClr val="accent1"/>
+            </a:fillRef>
+            <a:effectRef idx="0">
+              <a:schemeClr val="accent1"/>
+            </a:effectRef>
+            <a:fontRef idx="minor">
+              <a:schemeClr val="lt1"/>
+            </a:fontRef>
+          </p:style>
+          <p:txBody>
+            <a:bodyPr lIns="0" rIns="0" rtlCol="0" anchor="ctr"/>
+            <a:lstStyle/>
+            <a:p>
+              <a:pPr algn="ctr"/>
+              <a:r>
+                <a:rPr lang="en-US" sz="1000" dirty="0">
+                  <a:solidFill>
+                    <a:schemeClr val="tx1"/>
+                  </a:solidFill>
+                </a:rPr>
+                <a:t>△</a:t>
+              </a:r>
+              <a:r>
+                <a:rPr lang="en-US" sz="1000" i="1" dirty="0">
+                  <a:solidFill>
+                    <a:schemeClr val="tx1"/>
+                  </a:solidFill>
+                </a:rPr>
+                <a:t> delta.deadwood_standing</a:t>
+              </a:r>
+              <a:endParaRPr lang="en-US" sz="1000" dirty="0">
+                <a:solidFill>
+                  <a:schemeClr val="tx1"/>
+                </a:solidFill>
+              </a:endParaRPr>
+            </a:p>
+          </p:txBody>
+        </p:sp>
+        <p:sp>
+          <p:nvSpPr>
+            <p:cNvPr id="411" name="Rectangle 410">
+              <a:extLst>
+                <a:ext uri="{FF2B5EF4-FFF2-40B4-BE49-F238E27FC236}">
+                  <a16:creationId xmlns:a16="http://schemas.microsoft.com/office/drawing/2014/main" id="{193C47D6-986E-E442-9150-C45B908AF8CD}"/>
+                </a:ext>
+              </a:extLst>
+            </p:cNvPr>
+            <p:cNvSpPr/>
+            <p:nvPr/>
+          </p:nvSpPr>
+          <p:spPr>
+            <a:xfrm>
+              <a:off x="91227" y="291480"/>
+              <a:ext cx="1554480" cy="246221"/>
+            </a:xfrm>
+            <a:prstGeom prst="rect">
+              <a:avLst/>
+            </a:prstGeom>
+            <a:solidFill>
+              <a:schemeClr val="bg1"/>
+            </a:solidFill>
+            <a:ln>
+              <a:solidFill>
+                <a:schemeClr val="tx1"/>
+              </a:solidFill>
+            </a:ln>
+          </p:spPr>
+          <p:style>
+            <a:lnRef idx="2">
+              <a:schemeClr val="accent1">
+                <a:shade val="50000"/>
+              </a:schemeClr>
+            </a:lnRef>
+            <a:fillRef idx="1">
+              <a:schemeClr val="accent1"/>
+            </a:fillRef>
+            <a:effectRef idx="0">
+              <a:schemeClr val="accent1"/>
+            </a:effectRef>
+            <a:fontRef idx="minor">
+              <a:schemeClr val="lt1"/>
+            </a:fontRef>
+          </p:style>
+          <p:txBody>
+            <a:bodyPr rtlCol="0" anchor="ctr"/>
+            <a:lstStyle/>
+            <a:p>
+              <a:pPr algn="ctr"/>
+              <a:r>
+                <a:rPr lang="en-US" sz="1000" i="1" dirty="0">
+                  <a:solidFill>
+                    <a:schemeClr val="tx1"/>
+                  </a:solidFill>
+                </a:rPr>
+                <a:t>deadwood_standing</a:t>
+              </a:r>
+            </a:p>
+          </p:txBody>
+        </p:sp>
+        <p:sp>
+          <p:nvSpPr>
+            <p:cNvPr id="412" name="Rectangle 411">
+              <a:extLst>
+                <a:ext uri="{FF2B5EF4-FFF2-40B4-BE49-F238E27FC236}">
+                  <a16:creationId xmlns:a16="http://schemas.microsoft.com/office/drawing/2014/main" id="{4C767515-F041-B846-8A68-5130C8D8337C}"/>
+                </a:ext>
+              </a:extLst>
+            </p:cNvPr>
+            <p:cNvSpPr/>
+            <p:nvPr/>
+          </p:nvSpPr>
+          <p:spPr>
+            <a:xfrm>
+              <a:off x="90095" y="47552"/>
+              <a:ext cx="1554480" cy="246221"/>
+            </a:xfrm>
+            <a:prstGeom prst="rect">
+              <a:avLst/>
+            </a:prstGeom>
+            <a:solidFill>
+              <a:srgbClr val="DCE0CE"/>
+            </a:solidFill>
+            <a:ln>
+              <a:solidFill>
+                <a:schemeClr val="tx1"/>
+              </a:solidFill>
+            </a:ln>
+          </p:spPr>
+          <p:style>
+            <a:lnRef idx="2">
+              <a:schemeClr val="accent1">
+                <a:shade val="50000"/>
+              </a:schemeClr>
+            </a:lnRef>
+            <a:fillRef idx="1">
+              <a:schemeClr val="accent1"/>
+            </a:fillRef>
+            <a:effectRef idx="0">
+              <a:schemeClr val="accent1"/>
+            </a:effectRef>
+            <a:fontRef idx="minor">
+              <a:schemeClr val="lt1"/>
+            </a:fontRef>
+          </p:style>
+          <p:txBody>
+            <a:bodyPr rtlCol="0" anchor="ctr"/>
+            <a:lstStyle/>
+            <a:p>
+              <a:pPr algn="ctr"/>
+              <a:r>
+                <a:rPr lang="en-US" sz="1000" dirty="0">
+                  <a:solidFill>
+                    <a:schemeClr val="tx1"/>
+                  </a:solidFill>
+                </a:rPr>
+                <a:t>Standing dead wood</a:t>
+              </a:r>
+              <a:endParaRPr lang="en-US" sz="1000" baseline="30000" dirty="0">
+                <a:solidFill>
+                  <a:schemeClr val="tx1"/>
+                </a:solidFill>
+              </a:endParaRPr>
+            </a:p>
+          </p:txBody>
+        </p:sp>
+      </p:grpSp>
+      <p:grpSp>
+        <p:nvGrpSpPr>
+          <p:cNvPr id="414" name="Group 413">
+            <a:extLst>
+              <a:ext uri="{FF2B5EF4-FFF2-40B4-BE49-F238E27FC236}">
+                <a16:creationId xmlns:a16="http://schemas.microsoft.com/office/drawing/2014/main" id="{ACB549B6-0008-E048-BE7C-57BF2729923E}"/>
+              </a:ext>
+            </a:extLst>
+          </p:cNvPr>
+          <p:cNvGrpSpPr/>
+          <p:nvPr/>
+        </p:nvGrpSpPr>
+        <p:grpSpPr>
+          <a:xfrm>
+            <a:off x="5207281" y="5776405"/>
+            <a:ext cx="1555612" cy="978855"/>
+            <a:chOff x="90095" y="47552"/>
+            <a:chExt cx="1555612" cy="978855"/>
+          </a:xfrm>
+        </p:grpSpPr>
+        <p:sp>
+          <p:nvSpPr>
+            <p:cNvPr id="415" name="Rectangle 414">
+              <a:extLst>
+                <a:ext uri="{FF2B5EF4-FFF2-40B4-BE49-F238E27FC236}">
+                  <a16:creationId xmlns:a16="http://schemas.microsoft.com/office/drawing/2014/main" id="{621AEFBB-2CAC-3948-9FBF-793F5323FC6C}"/>
+                </a:ext>
+              </a:extLst>
+            </p:cNvPr>
+            <p:cNvSpPr/>
+            <p:nvPr/>
+          </p:nvSpPr>
+          <p:spPr>
+            <a:xfrm>
+              <a:off x="91227" y="780186"/>
+              <a:ext cx="1554480" cy="246221"/>
+            </a:xfrm>
+            <a:prstGeom prst="rect">
+              <a:avLst/>
+            </a:prstGeom>
+            <a:solidFill>
+              <a:schemeClr val="bg1"/>
+            </a:solidFill>
+            <a:ln>
+              <a:solidFill>
+                <a:schemeClr val="tx1"/>
+              </a:solidFill>
+            </a:ln>
+          </p:spPr>
+          <p:style>
+            <a:lnRef idx="2">
+              <a:schemeClr val="accent1">
+                <a:shade val="50000"/>
+              </a:schemeClr>
+            </a:lnRef>
+            <a:fillRef idx="1">
+              <a:schemeClr val="accent1"/>
+            </a:fillRef>
+            <a:effectRef idx="0">
+              <a:schemeClr val="accent1"/>
+            </a:effectRef>
+            <a:fontRef idx="minor">
+              <a:schemeClr val="lt1"/>
+            </a:fontRef>
+          </p:style>
+          <p:txBody>
+            <a:bodyPr rtlCol="0" anchor="ctr"/>
+            <a:lstStyle/>
+            <a:p>
+              <a:pPr algn="ctr"/>
+              <a:r>
+                <a:rPr lang="en-US" sz="1000" dirty="0">
+                  <a:solidFill>
+                    <a:schemeClr val="tx1"/>
+                  </a:solidFill>
+                </a:rPr>
+                <a:t>▲ ⌀ | </a:t>
+              </a:r>
+              <a:r>
+                <a:rPr lang="en-US" sz="1000" i="1" dirty="0">
+                  <a:solidFill>
+                    <a:schemeClr val="tx1"/>
+                  </a:solidFill>
+                </a:rPr>
+                <a:t>▼</a:t>
+              </a:r>
+              <a:r>
+                <a:rPr lang="en-US" sz="1000" dirty="0">
+                  <a:solidFill>
+                    <a:schemeClr val="tx1"/>
+                  </a:solidFill>
+                </a:rPr>
+                <a:t>⌀</a:t>
+              </a:r>
+            </a:p>
+          </p:txBody>
+        </p:sp>
+        <p:sp>
+          <p:nvSpPr>
+            <p:cNvPr id="417" name="Rectangle 416">
+              <a:extLst>
+                <a:ext uri="{FF2B5EF4-FFF2-40B4-BE49-F238E27FC236}">
+                  <a16:creationId xmlns:a16="http://schemas.microsoft.com/office/drawing/2014/main" id="{5EDDFC7A-0CB2-B743-94F7-EFB418DFDC42}"/>
+                </a:ext>
+              </a:extLst>
+            </p:cNvPr>
+            <p:cNvSpPr/>
+            <p:nvPr/>
+          </p:nvSpPr>
+          <p:spPr>
+            <a:xfrm>
+              <a:off x="91227" y="536478"/>
+              <a:ext cx="1554480" cy="246221"/>
+            </a:xfrm>
+            <a:prstGeom prst="rect">
+              <a:avLst/>
+            </a:prstGeom>
+            <a:solidFill>
+              <a:schemeClr val="bg1"/>
+            </a:solidFill>
+            <a:ln>
+              <a:solidFill>
+                <a:schemeClr val="tx1"/>
+              </a:solidFill>
+            </a:ln>
+          </p:spPr>
+          <p:style>
+            <a:lnRef idx="2">
+              <a:schemeClr val="accent1">
+                <a:shade val="50000"/>
+              </a:schemeClr>
+            </a:lnRef>
+            <a:fillRef idx="1">
+              <a:schemeClr val="accent1"/>
+            </a:fillRef>
+            <a:effectRef idx="0">
+              <a:schemeClr val="accent1"/>
+            </a:effectRef>
+            <a:fontRef idx="minor">
+              <a:schemeClr val="lt1"/>
+            </a:fontRef>
+          </p:style>
+          <p:txBody>
+            <a:bodyPr rtlCol="0" anchor="ctr"/>
+            <a:lstStyle/>
+            <a:p>
+              <a:pPr algn="ctr"/>
+              <a:r>
+                <a:rPr lang="en-US" sz="1000" dirty="0">
+                  <a:solidFill>
+                    <a:schemeClr val="tx1"/>
+                  </a:solidFill>
+                </a:rPr>
+                <a:t>△</a:t>
+              </a:r>
+              <a:r>
+                <a:rPr lang="en-US" sz="1000" i="1" dirty="0">
+                  <a:solidFill>
+                    <a:schemeClr val="tx1"/>
+                  </a:solidFill>
+                </a:rPr>
+                <a:t> delta.deadwood_down</a:t>
+              </a:r>
+              <a:endParaRPr lang="en-US" sz="1000" dirty="0">
+                <a:solidFill>
+                  <a:schemeClr val="tx1"/>
+                </a:solidFill>
+              </a:endParaRPr>
+            </a:p>
+          </p:txBody>
+        </p:sp>
+        <p:sp>
+          <p:nvSpPr>
+            <p:cNvPr id="418" name="Rectangle 417">
+              <a:extLst>
+                <a:ext uri="{FF2B5EF4-FFF2-40B4-BE49-F238E27FC236}">
+                  <a16:creationId xmlns:a16="http://schemas.microsoft.com/office/drawing/2014/main" id="{842B3114-698D-5344-B3D6-E488821C98E9}"/>
+                </a:ext>
+              </a:extLst>
+            </p:cNvPr>
+            <p:cNvSpPr/>
+            <p:nvPr/>
+          </p:nvSpPr>
+          <p:spPr>
+            <a:xfrm>
+              <a:off x="91227" y="291480"/>
+              <a:ext cx="1554480" cy="246221"/>
+            </a:xfrm>
+            <a:prstGeom prst="rect">
+              <a:avLst/>
+            </a:prstGeom>
+            <a:solidFill>
+              <a:schemeClr val="bg1"/>
+            </a:solidFill>
+            <a:ln>
+              <a:solidFill>
+                <a:schemeClr val="tx1"/>
+              </a:solidFill>
+            </a:ln>
+          </p:spPr>
+          <p:style>
+            <a:lnRef idx="2">
+              <a:schemeClr val="accent1">
+                <a:shade val="50000"/>
+              </a:schemeClr>
+            </a:lnRef>
+            <a:fillRef idx="1">
+              <a:schemeClr val="accent1"/>
+            </a:fillRef>
+            <a:effectRef idx="0">
+              <a:schemeClr val="accent1"/>
+            </a:effectRef>
+            <a:fontRef idx="minor">
+              <a:schemeClr val="lt1"/>
+            </a:fontRef>
+          </p:style>
+          <p:txBody>
+            <a:bodyPr rtlCol="0" anchor="ctr"/>
+            <a:lstStyle/>
+            <a:p>
+              <a:pPr algn="ctr"/>
+              <a:r>
+                <a:rPr lang="en-US" sz="1000" i="1" dirty="0">
+                  <a:solidFill>
+                    <a:schemeClr val="tx1"/>
+                  </a:solidFill>
+                </a:rPr>
+                <a:t>deadwood_down</a:t>
+              </a:r>
+            </a:p>
+          </p:txBody>
+        </p:sp>
+        <p:sp>
+          <p:nvSpPr>
+            <p:cNvPr id="419" name="Rectangle 418">
+              <a:extLst>
+                <a:ext uri="{FF2B5EF4-FFF2-40B4-BE49-F238E27FC236}">
+                  <a16:creationId xmlns:a16="http://schemas.microsoft.com/office/drawing/2014/main" id="{9AC5DDC6-1852-4245-883C-0A9D15D080EC}"/>
+                </a:ext>
+              </a:extLst>
+            </p:cNvPr>
+            <p:cNvSpPr/>
+            <p:nvPr/>
+          </p:nvSpPr>
+          <p:spPr>
+            <a:xfrm>
+              <a:off x="90095" y="47552"/>
+              <a:ext cx="1554480" cy="246221"/>
+            </a:xfrm>
+            <a:prstGeom prst="rect">
+              <a:avLst/>
+            </a:prstGeom>
+            <a:solidFill>
+              <a:srgbClr val="DCE0CE"/>
+            </a:solidFill>
+            <a:ln>
+              <a:solidFill>
+                <a:schemeClr val="tx1"/>
+              </a:solidFill>
+            </a:ln>
+          </p:spPr>
+          <p:style>
+            <a:lnRef idx="2">
+              <a:schemeClr val="accent1">
+                <a:shade val="50000"/>
+              </a:schemeClr>
+            </a:lnRef>
+            <a:fillRef idx="1">
+              <a:schemeClr val="accent1"/>
+            </a:fillRef>
+            <a:effectRef idx="0">
+              <a:schemeClr val="accent1"/>
+            </a:effectRef>
+            <a:fontRef idx="minor">
+              <a:schemeClr val="lt1"/>
+            </a:fontRef>
+          </p:style>
+          <p:txBody>
+            <a:bodyPr rtlCol="0" anchor="ctr"/>
+            <a:lstStyle/>
+            <a:p>
+              <a:pPr algn="ctr"/>
+              <a:r>
+                <a:rPr lang="en-US" sz="1000" dirty="0">
+                  <a:solidFill>
+                    <a:schemeClr val="tx1"/>
+                  </a:solidFill>
+                </a:rPr>
+                <a:t>Fallen dead wood</a:t>
+              </a:r>
+              <a:endParaRPr lang="en-US" sz="1000" baseline="30000" dirty="0">
+                <a:solidFill>
+                  <a:schemeClr val="tx1"/>
+                </a:solidFill>
+              </a:endParaRPr>
             </a:p>
           </p:txBody>
         </p:sp>

--- a/doc/manuscript/figures_tables/C_pools_fig.pptx
+++ b/doc/manuscript/figures_tables/C_pools_fig.pptx
@@ -2985,7 +2985,7 @@
         <p:spPr>
           <a:xfrm>
             <a:off x="1441780" y="2805438"/>
-            <a:ext cx="184211" cy="1208507"/>
+            <a:ext cx="184211" cy="1420356"/>
           </a:xfrm>
           <a:prstGeom prst="line">
             <a:avLst/>
@@ -3065,7 +3065,7 @@
         <p:spPr>
           <a:xfrm>
             <a:off x="1441780" y="2805438"/>
-            <a:ext cx="184211" cy="2865353"/>
+            <a:ext cx="184211" cy="3145443"/>
           </a:xfrm>
           <a:prstGeom prst="line">
             <a:avLst/>
@@ -3145,7 +3145,7 @@
         <p:spPr>
           <a:xfrm flipH="1" flipV="1">
             <a:off x="2971231" y="1380026"/>
-            <a:ext cx="176461" cy="188971"/>
+            <a:ext cx="176461" cy="252368"/>
           </a:xfrm>
           <a:prstGeom prst="line">
             <a:avLst/>
@@ -3184,8 +3184,8 @@
         </p:nvCxnSpPr>
         <p:spPr>
           <a:xfrm flipV="1">
-            <a:off x="2971231" y="2938128"/>
-            <a:ext cx="176461" cy="1075817"/>
+            <a:off x="2971231" y="3064922"/>
+            <a:ext cx="176461" cy="1160872"/>
           </a:xfrm>
           <a:prstGeom prst="line">
             <a:avLst/>
@@ -3224,8 +3224,8 @@
         </p:nvCxnSpPr>
         <p:spPr>
           <a:xfrm>
-            <a:off x="2971231" y="4013945"/>
-            <a:ext cx="176461" cy="284106"/>
+            <a:off x="2971231" y="4225794"/>
+            <a:ext cx="176461" cy="275699"/>
           </a:xfrm>
           <a:prstGeom prst="line">
             <a:avLst/>
@@ -3264,7 +3264,7 @@
         </p:nvCxnSpPr>
         <p:spPr>
           <a:xfrm flipV="1">
-            <a:off x="2971231" y="5658307"/>
+            <a:off x="2971231" y="5938397"/>
             <a:ext cx="176461" cy="12484"/>
           </a:xfrm>
           <a:prstGeom prst="line">
@@ -3304,8 +3304,8 @@
         </p:nvCxnSpPr>
         <p:spPr>
           <a:xfrm flipV="1">
-            <a:off x="4492932" y="193887"/>
-            <a:ext cx="714349" cy="1935"/>
+            <a:off x="4519292" y="193887"/>
+            <a:ext cx="687989" cy="1935"/>
           </a:xfrm>
           <a:prstGeom prst="line">
             <a:avLst/>
@@ -3344,8 +3344,8 @@
         </p:nvCxnSpPr>
         <p:spPr>
           <a:xfrm flipH="1" flipV="1">
-            <a:off x="4492932" y="195822"/>
-            <a:ext cx="714349" cy="1065106"/>
+            <a:off x="4519292" y="195822"/>
+            <a:ext cx="687989" cy="1065106"/>
           </a:xfrm>
           <a:prstGeom prst="line">
             <a:avLst/>
@@ -3384,8 +3384,8 @@
         </p:nvCxnSpPr>
         <p:spPr>
           <a:xfrm flipH="1" flipV="1">
-            <a:off x="4519292" y="2938128"/>
-            <a:ext cx="687989" cy="1932679"/>
+            <a:off x="4519292" y="3064922"/>
+            <a:ext cx="687989" cy="2067137"/>
           </a:xfrm>
           <a:prstGeom prst="line">
             <a:avLst/>
@@ -3424,8 +3424,8 @@
         </p:nvCxnSpPr>
         <p:spPr>
           <a:xfrm flipH="1" flipV="1">
-            <a:off x="4519292" y="2938128"/>
-            <a:ext cx="687989" cy="2961388"/>
+            <a:off x="4519292" y="3064922"/>
+            <a:ext cx="687989" cy="3114684"/>
           </a:xfrm>
           <a:prstGeom prst="line">
             <a:avLst/>
@@ -3464,8 +3464,8 @@
         </p:nvCxnSpPr>
         <p:spPr>
           <a:xfrm flipH="1" flipV="1">
-            <a:off x="4519292" y="1568997"/>
-            <a:ext cx="687989" cy="734610"/>
+            <a:off x="4519292" y="1632394"/>
+            <a:ext cx="687989" cy="932465"/>
           </a:xfrm>
           <a:prstGeom prst="line">
             <a:avLst/>
@@ -3504,8 +3504,8 @@
         </p:nvCxnSpPr>
         <p:spPr>
           <a:xfrm flipH="1" flipV="1">
-            <a:off x="4519292" y="1568997"/>
-            <a:ext cx="687989" cy="1751589"/>
+            <a:off x="4519292" y="1632394"/>
+            <a:ext cx="687989" cy="1949444"/>
           </a:xfrm>
           <a:prstGeom prst="line">
             <a:avLst/>
@@ -3544,8 +3544,8 @@
         </p:nvCxnSpPr>
         <p:spPr>
           <a:xfrm flipH="1" flipV="1">
-            <a:off x="4519292" y="2938128"/>
-            <a:ext cx="687989" cy="1390201"/>
+            <a:off x="4519292" y="3064922"/>
+            <a:ext cx="687989" cy="1524659"/>
           </a:xfrm>
           <a:prstGeom prst="line">
             <a:avLst/>
@@ -3580,7 +3580,7 @@
         </p:nvGrpSpPr>
         <p:grpSpPr>
           <a:xfrm>
-            <a:off x="5207281" y="2180163"/>
+            <a:off x="5207281" y="2441415"/>
             <a:ext cx="1555612" cy="974581"/>
             <a:chOff x="90095" y="47551"/>
             <a:chExt cx="1555612" cy="974581"/>
@@ -3790,8 +3790,21 @@
                     <a:schemeClr val="tx1"/>
                   </a:solidFill>
                 </a:rPr>
-                <a:t>biomass_root_fine</a:t>
-              </a:r>
+                <a:t>biomass_root_fine </a:t>
+              </a:r>
+              <a:r>
+                <a:rPr lang="en-US" sz="1000" dirty="0">
+                  <a:solidFill>
+                    <a:schemeClr val="tx1"/>
+                  </a:solidFill>
+                </a:rPr>
+                <a:t>| △ ⌀ </a:t>
+              </a:r>
+              <a:endParaRPr lang="en-US" sz="1000" i="1" dirty="0">
+                <a:solidFill>
+                  <a:schemeClr val="tx1"/>
+                </a:solidFill>
+              </a:endParaRPr>
             </a:p>
           </p:txBody>
         </p:sp>
@@ -3872,9 +3885,9 @@
         <p:grpSpPr>
           <a:xfrm>
             <a:off x="3147692" y="72711"/>
-            <a:ext cx="1346372" cy="1223293"/>
+            <a:ext cx="1372732" cy="1223293"/>
             <a:chOff x="90095" y="47552"/>
-            <a:chExt cx="1346372" cy="1223293"/>
+            <a:chExt cx="1372732" cy="1223293"/>
           </a:xfrm>
         </p:grpSpPr>
         <p:sp>
@@ -3892,7 +3905,7 @@
           <p:spPr>
             <a:xfrm>
               <a:off x="91227" y="780186"/>
-              <a:ext cx="1345240" cy="246221"/>
+              <a:ext cx="1371600" cy="246221"/>
             </a:xfrm>
             <a:prstGeom prst="rect">
               <a:avLst/>
@@ -3923,7 +3936,7 @@
             </a:fontRef>
           </p:style>
           <p:txBody>
-            <a:bodyPr rtlCol="0" anchor="ctr"/>
+            <a:bodyPr lIns="45720" rIns="45720" rtlCol="0" anchor="ctr"/>
             <a:lstStyle/>
             <a:p>
               <a:pPr algn="ctr"/>
@@ -3941,7 +3954,15 @@
                     <a:schemeClr val="tx1"/>
                   </a:solidFill>
                 </a:rPr>
-                <a:t>ANPP_woody_stem</a:t>
+                <a:t>ANPP_woody_stem </a:t>
+              </a:r>
+              <a:r>
+                <a:rPr lang="en-US" sz="1000" i="1" baseline="30000" dirty="0">
+                  <a:solidFill>
+                    <a:schemeClr val="tx1"/>
+                  </a:solidFill>
+                </a:rPr>
+                <a:t>2</a:t>
               </a:r>
               <a:endParaRPr lang="en-US" sz="1000" dirty="0">
                 <a:solidFill>
@@ -3966,7 +3987,7 @@
           <p:spPr>
             <a:xfrm>
               <a:off x="91227" y="1024624"/>
-              <a:ext cx="1345240" cy="246221"/>
+              <a:ext cx="1371600" cy="246221"/>
             </a:xfrm>
             <a:prstGeom prst="rect">
               <a:avLst/>
@@ -4007,7 +4028,7 @@
                     <a:schemeClr val="tx1"/>
                   </a:solidFill>
                 </a:rPr>
-                <a:t>▼ woody_mortality</a:t>
+                <a:t>▼ woody_mortality </a:t>
               </a:r>
               <a:r>
                 <a:rPr lang="en-US" sz="1000" i="1" baseline="30000" dirty="0">
@@ -4015,7 +4036,7 @@
                     <a:schemeClr val="tx1"/>
                   </a:solidFill>
                 </a:rPr>
-                <a:t>2</a:t>
+                <a:t>3</a:t>
               </a:r>
               <a:endParaRPr lang="en-US" sz="1000" dirty="0">
                 <a:solidFill>
@@ -4040,7 +4061,7 @@
           <p:spPr>
             <a:xfrm>
               <a:off x="91227" y="536478"/>
-              <a:ext cx="1345240" cy="246221"/>
+              <a:ext cx="1371600" cy="246221"/>
             </a:xfrm>
             <a:prstGeom prst="rect">
               <a:avLst/>
@@ -4090,6 +4111,14 @@
                   </a:solidFill>
                 </a:rPr>
                 <a:t> delta.agb</a:t>
+              </a:r>
+              <a:r>
+                <a:rPr lang="en-US" sz="1000" i="1" baseline="30000" dirty="0">
+                  <a:solidFill>
+                    <a:schemeClr val="tx1"/>
+                  </a:solidFill>
+                </a:rPr>
+                <a:t> </a:t>
               </a:r>
               <a:endParaRPr lang="en-US" sz="1000" dirty="0">
                 <a:solidFill>
@@ -4114,7 +4143,7 @@
           <p:spPr>
             <a:xfrm>
               <a:off x="91227" y="291480"/>
-              <a:ext cx="1345240" cy="246221"/>
+              <a:ext cx="1371600" cy="246221"/>
             </a:xfrm>
             <a:prstGeom prst="rect">
               <a:avLst/>
@@ -4175,7 +4204,7 @@
           <p:spPr>
             <a:xfrm>
               <a:off x="90095" y="47552"/>
-              <a:ext cx="1345240" cy="246221"/>
+              <a:ext cx="1371600" cy="246221"/>
             </a:xfrm>
             <a:prstGeom prst="rect">
               <a:avLst/>
@@ -4595,9 +4624,9 @@
         <p:grpSpPr>
           <a:xfrm>
             <a:off x="5207281" y="1102546"/>
-            <a:ext cx="1555612" cy="1035219"/>
+            <a:ext cx="1555612" cy="1286428"/>
             <a:chOff x="90095" y="-22990"/>
-            <a:chExt cx="1555612" cy="1035219"/>
+            <a:chExt cx="1555612" cy="1286428"/>
           </a:xfrm>
         </p:grpSpPr>
         <p:sp>
@@ -4614,7 +4643,7 @@
           </p:nvSpPr>
           <p:spPr>
             <a:xfrm>
-              <a:off x="91227" y="530806"/>
+              <a:off x="91227" y="782015"/>
               <a:ext cx="1554480" cy="246221"/>
             </a:xfrm>
             <a:prstGeom prst="rect">
@@ -4688,7 +4717,7 @@
           </p:nvSpPr>
           <p:spPr>
             <a:xfrm>
-              <a:off x="91227" y="766008"/>
+              <a:off x="91227" y="1017217"/>
               <a:ext cx="1554480" cy="246221"/>
             </a:xfrm>
             <a:prstGeom prst="rect">
@@ -4730,7 +4759,7 @@
                     <a:schemeClr val="tx1"/>
                   </a:solidFill>
                 </a:rPr>
-                <a:t>▼ woody_mortality</a:t>
+                <a:t>▼ woody_mortality </a:t>
               </a:r>
               <a:r>
                 <a:rPr lang="en-US" sz="1000" i="1" baseline="30000" dirty="0">
@@ -4738,7 +4767,7 @@
                     <a:schemeClr val="tx1"/>
                   </a:solidFill>
                 </a:rPr>
-                <a:t>2</a:t>
+                <a:t>2,3</a:t>
               </a:r>
               <a:endParaRPr lang="en-US" sz="1000" dirty="0">
                 <a:solidFill>
@@ -4762,7 +4791,7 @@
           </p:nvSpPr>
           <p:spPr>
             <a:xfrm>
-              <a:off x="91227" y="291480"/>
+              <a:off x="91227" y="281432"/>
               <a:ext cx="1554480" cy="246221"/>
             </a:xfrm>
             <a:prstGeom prst="rect">
@@ -4888,7 +4917,7 @@
         </p:nvGrpSpPr>
         <p:grpSpPr>
           <a:xfrm>
-            <a:off x="3147692" y="2815017"/>
+            <a:off x="3147692" y="2941811"/>
             <a:ext cx="1372732" cy="1223293"/>
             <a:chOff x="90095" y="47552"/>
             <a:chExt cx="1372732" cy="1223293"/>
@@ -4958,15 +4987,7 @@
                     <a:schemeClr val="tx1"/>
                   </a:solidFill>
                 </a:rPr>
-                <a:t>woody_mortality</a:t>
-              </a:r>
-              <a:r>
-                <a:rPr lang="en-US" sz="1000" baseline="30000" dirty="0">
-                  <a:solidFill>
-                    <a:schemeClr val="tx1"/>
-                  </a:solidFill>
-                </a:rPr>
-                <a:t>1,</a:t>
+                <a:t>woody_mortality </a:t>
               </a:r>
               <a:r>
                 <a:rPr lang="en-US" sz="1000" i="1" baseline="30000" dirty="0">
@@ -4974,7 +4995,7 @@
                     <a:schemeClr val="tx1"/>
                   </a:solidFill>
                 </a:rPr>
-                <a:t>2</a:t>
+                <a:t>3,4</a:t>
               </a:r>
               <a:endParaRPr lang="en-US" sz="1000" dirty="0">
                 <a:solidFill>
@@ -5040,7 +5061,7 @@
                     <a:schemeClr val="tx1"/>
                   </a:solidFill>
                 </a:rPr>
-                <a:t>▼ R_het_deadwood</a:t>
+                <a:t>▼ R_het_deadwood </a:t>
               </a:r>
               <a:r>
                 <a:rPr lang="en-US" sz="1000" baseline="30000" dirty="0">
@@ -5048,7 +5069,7 @@
                     <a:schemeClr val="tx1"/>
                   </a:solidFill>
                 </a:rPr>
-                <a:t>1,3</a:t>
+                <a:t>4,5</a:t>
               </a:r>
               <a:r>
                 <a:rPr lang="en-US" sz="1000" dirty="0">
@@ -5125,7 +5146,7 @@
                     <a:schemeClr val="tx1"/>
                   </a:solidFill>
                 </a:rPr>
-                <a:t> delta.deadwood</a:t>
+                <a:t> delta.deadwood </a:t>
               </a:r>
               <a:r>
                 <a:rPr lang="en-US" sz="1000" baseline="30000" dirty="0">
@@ -5133,7 +5154,7 @@
                     <a:schemeClr val="tx1"/>
                   </a:solidFill>
                 </a:rPr>
-                <a:t>1</a:t>
+                <a:t>4</a:t>
               </a:r>
               <a:endParaRPr lang="en-US" sz="1000" dirty="0">
                 <a:solidFill>
@@ -5199,15 +5220,15 @@
                     <a:schemeClr val="tx1"/>
                   </a:solidFill>
                 </a:rPr>
-                <a:t>deadwood</a:t>
-              </a:r>
-              <a:r>
-                <a:rPr lang="en-US" sz="1000" baseline="30000" dirty="0">
-                  <a:solidFill>
-                    <a:schemeClr val="tx1"/>
-                  </a:solidFill>
-                </a:rPr>
-                <a:t>1</a:t>
+                <a:t>deadwood </a:t>
+              </a:r>
+              <a:r>
+                <a:rPr lang="en-US" sz="1000" i="1" baseline="30000" dirty="0">
+                  <a:solidFill>
+                    <a:schemeClr val="tx1"/>
+                  </a:solidFill>
+                </a:rPr>
+                <a:t>4</a:t>
               </a:r>
               <a:endParaRPr lang="en-US" sz="1000" i="1" dirty="0">
                 <a:solidFill>
@@ -5298,8 +5319,8 @@
         </p:nvSpPr>
         <p:spPr>
           <a:xfrm>
-            <a:off x="0" y="7680061"/>
-            <a:ext cx="6769459" cy="1528624"/>
+            <a:off x="0" y="7108748"/>
+            <a:ext cx="6769459" cy="1631216"/>
           </a:xfrm>
           <a:prstGeom prst="rect">
             <a:avLst/>
@@ -5318,7 +5339,15 @@
             </a:r>
             <a:r>
               <a:rPr lang="en-US" sz="1000" dirty="0"/>
-              <a:t> incomplete: excludes belowground components </a:t>
+              <a:t> assumes minimal non-respiratory CO</a:t>
+            </a:r>
+            <a:r>
+              <a:rPr lang="en-US" sz="1000" baseline="-25000" dirty="0"/>
+              <a:t>2</a:t>
+            </a:r>
+            <a:r>
+              <a:rPr lang="en-US" sz="1000" dirty="0"/>
+              <a:t> fluxes, …. (Chapin et al. 2006)</a:t>
             </a:r>
           </a:p>
           <a:p>
@@ -5328,15 +5357,18 @@
             </a:r>
             <a:r>
               <a:rPr lang="en-US" sz="1000" dirty="0"/>
-              <a:t>incomplete: excludes large </a:t>
+              <a:t>assumes that change in foliage biomass is negligible (see note 7).</a:t>
             </a:r>
+            <a:endParaRPr lang="en-US" sz="1000" baseline="30000" dirty="0"/>
+          </a:p>
+          <a:p>
             <a:r>
-              <a:rPr lang="en-US" sz="1000" dirty="0" err="1"/>
-              <a:t>branchfall</a:t>
+              <a:rPr lang="en-US" sz="1000" baseline="30000" dirty="0"/>
+              <a:t>3 </a:t>
             </a:r>
             <a:r>
               <a:rPr lang="en-US" sz="1000" dirty="0"/>
-              <a:t>; also, under IPCC definitions, outflux from </a:t>
+              <a:t>incomplete: excludes large branch fall; also, under IPCC definitions, outflux from </a:t>
             </a:r>
             <a:r>
               <a:rPr lang="en-US" sz="1000" i="1" dirty="0"/>
@@ -5344,27 +5376,25 @@
             </a:r>
             <a:r>
               <a:rPr lang="en-US" sz="1000" dirty="0"/>
-              <a:t>should include all sizes, influx to Dead wood should include only above the minimum diameter chosen for dead wood</a:t>
+              <a:t>should include all sizes, influx to </a:t>
             </a:r>
-          </a:p>
-          <a:p>
             <a:r>
-              <a:rPr lang="en-US" sz="1000" baseline="30000" dirty="0"/>
-              <a:t>3 </a:t>
+              <a:rPr lang="en-US" sz="1000" i="1" dirty="0"/>
+              <a:t>deadwood</a:t>
             </a:r>
             <a:r>
               <a:rPr lang="en-US" sz="1000" dirty="0"/>
-              <a:t>incomplete: excludes breakage into pieces less than dead wood threshold size</a:t>
+              <a:t> should include only above the minimum diameter chosen for dead wood</a:t>
             </a:r>
           </a:p>
           <a:p>
             <a:r>
               <a:rPr lang="en-US" sz="1000" baseline="30000" dirty="0"/>
-              <a:t>4</a:t>
+              <a:t>4 </a:t>
             </a:r>
             <a:r>
               <a:rPr lang="en-US" sz="1000" dirty="0"/>
-              <a:t> foliage production is generally measured by collecting leaf-fall, a method that assumes that the influx = outflux (foliage biomass is roughly constant year-to-year)</a:t>
+              <a:t>incomplete: excludes belowground components </a:t>
             </a:r>
           </a:p>
           <a:p>
@@ -5374,7 +5404,7 @@
             </a:r>
             <a:r>
               <a:rPr lang="en-US" sz="1000" dirty="0"/>
-              <a:t>incomplete: excludes woody_mortality of stems &lt;10 cm DBH, decomposition of dead wood (aboveground and coarse roots) into sizes classified as litter. </a:t>
+              <a:t>incomplete: excludes breakage into pieces less than dead wood threshold size</a:t>
             </a:r>
           </a:p>
           <a:p>
@@ -5382,11 +5412,19 @@
               <a:rPr lang="en-US" sz="1000" baseline="30000" dirty="0"/>
               <a:t>6 </a:t>
             </a:r>
+            <a:r>
+              <a:rPr lang="en-US" sz="1000" dirty="0"/>
+              <a:t>incomplete: excludes woody_mortality of stems &lt;10 cm DBH, decomposition of dead wood (aboveground and coarse roots) into sizes classified as litter. </a:t>
+            </a:r>
           </a:p>
           <a:p>
             <a:r>
               <a:rPr lang="en-US" sz="1000" baseline="30000" dirty="0"/>
               <a:t>7</a:t>
+            </a:r>
+            <a:r>
+              <a:rPr lang="en-US" sz="1000" dirty="0"/>
+              <a:t> foliage production is generally measured by collecting leaf-fall, a method that assumes that the influx = outflux (foliage biomass is roughly constant year-to-year)</a:t>
             </a:r>
           </a:p>
         </p:txBody>
@@ -5475,7 +5513,7 @@
                     <a:schemeClr val="tx1"/>
                   </a:solidFill>
                 </a:rPr>
-                <a:t>ANPP_foliage</a:t>
+                <a:t>ANPP_foliage </a:t>
               </a:r>
               <a:r>
                 <a:rPr lang="en-US" sz="1000" i="1" baseline="30000" dirty="0">
@@ -5483,7 +5521,7 @@
                     <a:schemeClr val="tx1"/>
                   </a:solidFill>
                 </a:rPr>
-                <a:t>4</a:t>
+                <a:t>7</a:t>
               </a:r>
               <a:endParaRPr lang="en-US" sz="1000" dirty="0">
                 <a:solidFill>
@@ -5549,7 +5587,7 @@
                     <a:schemeClr val="tx1"/>
                   </a:solidFill>
                 </a:rPr>
-                <a:t>▼ ANPP_foliage</a:t>
+                <a:t>▼ ANPP_foliage </a:t>
               </a:r>
               <a:r>
                 <a:rPr lang="en-US" sz="1000" i="1" baseline="30000" dirty="0">
@@ -5557,7 +5595,7 @@
                     <a:schemeClr val="tx1"/>
                   </a:solidFill>
                 </a:rPr>
-                <a:t>4</a:t>
+                <a:t>7</a:t>
               </a:r>
               <a:endParaRPr lang="en-US" sz="1000" dirty="0">
                 <a:solidFill>
@@ -5623,8 +5661,21 @@
                     <a:schemeClr val="tx1"/>
                   </a:solidFill>
                 </a:rPr>
-                <a:t>biomass_ag_foliage</a:t>
-              </a:r>
+                <a:t>biomass_ag_foliage </a:t>
+              </a:r>
+              <a:r>
+                <a:rPr lang="en-US" sz="1000" dirty="0">
+                  <a:solidFill>
+                    <a:schemeClr val="tx1"/>
+                  </a:solidFill>
+                </a:rPr>
+                <a:t>| △ ⌀ </a:t>
+              </a:r>
+              <a:endParaRPr lang="en-US" sz="1000" i="1" dirty="0">
+                <a:solidFill>
+                  <a:schemeClr val="tx1"/>
+                </a:solidFill>
+              </a:endParaRPr>
             </a:p>
           </p:txBody>
         </p:sp>
@@ -5711,8 +5762,8 @@
         </p:nvCxnSpPr>
         <p:spPr>
           <a:xfrm rot="10800000" flipV="1">
-            <a:off x="4520425" y="2014654"/>
-            <a:ext cx="687989" cy="1656107"/>
+            <a:off x="4520425" y="2265864"/>
+            <a:ext cx="687989" cy="1531692"/>
           </a:xfrm>
           <a:prstGeom prst="curvedConnector3">
             <a:avLst>
@@ -5726,7 +5777,7 @@
                 <a:lumOff val="40000"/>
               </a:schemeClr>
             </a:solidFill>
-            <a:prstDash val="solid"/>
+            <a:prstDash val="sysDash"/>
             <a:tailEnd type="triangle"/>
           </a:ln>
         </p:spPr>
@@ -5759,7 +5810,7 @@
         </p:nvSpPr>
         <p:spPr>
           <a:xfrm>
-            <a:off x="1625991" y="3890834"/>
+            <a:off x="1625991" y="4102683"/>
             <a:ext cx="1345240" cy="246221"/>
           </a:xfrm>
           <a:prstGeom prst="rect">
@@ -5820,7 +5871,7 @@
         </p:nvSpPr>
         <p:spPr>
           <a:xfrm>
-            <a:off x="1625991" y="5547680"/>
+            <a:off x="1625991" y="5827770"/>
             <a:ext cx="1345240" cy="246221"/>
           </a:xfrm>
           <a:prstGeom prst="rect">
@@ -5881,7 +5932,7 @@
         </p:nvGrpSpPr>
         <p:grpSpPr>
           <a:xfrm>
-            <a:off x="3147692" y="5534863"/>
+            <a:off x="3147692" y="5814953"/>
             <a:ext cx="1371600" cy="1220397"/>
             <a:chOff x="3286258" y="5056556"/>
             <a:chExt cx="1371600" cy="1220397"/>
@@ -6300,7 +6351,7 @@
                     <a:schemeClr val="tx1"/>
                   </a:solidFill>
                 </a:rPr>
-                <a:t>GPP</a:t>
+                <a:t>GPP </a:t>
               </a:r>
               <a:r>
                 <a:rPr lang="en-US" sz="1000" i="1" baseline="30000" dirty="0">
@@ -6308,7 +6359,7 @@
                     <a:schemeClr val="tx1"/>
                   </a:solidFill>
                 </a:rPr>
-                <a:t>6</a:t>
+                <a:t>1</a:t>
               </a:r>
               <a:endParaRPr lang="en-US" sz="1000" dirty="0">
                 <a:solidFill>
@@ -6374,7 +6425,7 @@
                     <a:schemeClr val="tx1"/>
                   </a:solidFill>
                 </a:rPr>
-                <a:t>▼ R_eco</a:t>
+                <a:t>▼ R_eco </a:t>
               </a:r>
               <a:r>
                 <a:rPr lang="en-US" sz="1000" i="1" baseline="30000" dirty="0">
@@ -6382,7 +6433,7 @@
                     <a:schemeClr val="tx1"/>
                   </a:solidFill>
                 </a:rPr>
-                <a:t>6</a:t>
+                <a:t>1</a:t>
               </a:r>
               <a:endParaRPr lang="en-US" sz="1000" baseline="30000" dirty="0">
                 <a:solidFill>
@@ -6456,7 +6507,7 @@
                     <a:schemeClr val="tx1"/>
                   </a:solidFill>
                 </a:rPr>
-                <a:t> NEE</a:t>
+                <a:t> NEE </a:t>
               </a:r>
               <a:r>
                 <a:rPr lang="en-US" sz="1000" i="1" baseline="30000" dirty="0">
@@ -6464,7 +6515,7 @@
                     <a:schemeClr val="tx1"/>
                   </a:solidFill>
                 </a:rPr>
-                <a:t>6</a:t>
+                <a:t>1</a:t>
               </a:r>
               <a:r>
                 <a:rPr lang="en-US" sz="1000" i="1" dirty="0">
@@ -6472,7 +6523,7 @@
                     <a:schemeClr val="tx1"/>
                   </a:solidFill>
                 </a:rPr>
-                <a:t>, NEP</a:t>
+                <a:t>, NEP </a:t>
               </a:r>
               <a:r>
                 <a:rPr lang="en-US" sz="1000" i="1" baseline="30000" dirty="0">
@@ -6480,7 +6531,7 @@
                     <a:schemeClr val="tx1"/>
                   </a:solidFill>
                 </a:rPr>
-                <a:t>6</a:t>
+                <a:t>1</a:t>
               </a:r>
               <a:r>
                 <a:rPr lang="en-US" sz="1000" i="1" dirty="0">
@@ -6635,7 +6686,7 @@
         </p:nvGrpSpPr>
         <p:grpSpPr>
           <a:xfrm>
-            <a:off x="3147692" y="4174940"/>
+            <a:off x="3147692" y="4378382"/>
             <a:ext cx="1372732" cy="1223293"/>
             <a:chOff x="90095" y="47552"/>
             <a:chExt cx="1372732" cy="1223293"/>
@@ -6705,7 +6756,7 @@
                     <a:schemeClr val="tx1"/>
                   </a:solidFill>
                 </a:rPr>
-                <a:t>NPP_litter</a:t>
+                <a:t>NPP_litter </a:t>
               </a:r>
               <a:r>
                 <a:rPr lang="en-US" sz="1000" i="1" baseline="30000" dirty="0">
@@ -6713,7 +6764,7 @@
                     <a:schemeClr val="tx1"/>
                   </a:solidFill>
                 </a:rPr>
-                <a:t>5</a:t>
+                <a:t>6</a:t>
               </a:r>
               <a:endParaRPr lang="en-US" sz="1000" dirty="0">
                 <a:solidFill>
@@ -6856,7 +6907,7 @@
                     <a:schemeClr val="tx1"/>
                   </a:solidFill>
                 </a:rPr>
-                <a:t> delta.organic.layer</a:t>
+                <a:t> delta.organic.layer </a:t>
               </a:r>
               <a:r>
                 <a:rPr lang="en-US" sz="1000" baseline="30000" dirty="0">
@@ -6864,7 +6915,7 @@
                     <a:schemeClr val="tx1"/>
                   </a:solidFill>
                 </a:rPr>
-                <a:t>1</a:t>
+                <a:t>4</a:t>
               </a:r>
               <a:endParaRPr lang="en-US" sz="1000" dirty="0">
                 <a:solidFill>
@@ -6930,7 +6981,7 @@
                     <a:schemeClr val="tx1"/>
                   </a:solidFill>
                 </a:rPr>
-                <a:t>organic.layer</a:t>
+                <a:t>organic.layer </a:t>
               </a:r>
               <a:r>
                 <a:rPr lang="en-US" sz="1000" baseline="30000" dirty="0">
@@ -6938,7 +6989,7 @@
                     <a:schemeClr val="tx1"/>
                   </a:solidFill>
                 </a:rPr>
-                <a:t>1</a:t>
+                <a:t>4</a:t>
               </a:r>
               <a:endParaRPr lang="en-US" sz="1000" i="1" dirty="0">
                 <a:solidFill>
@@ -7006,14 +7057,11 @@
                 </a:rPr>
                 <a:t>Litter</a:t>
               </a:r>
-              <a:r>
-                <a:rPr lang="en-US" sz="1000" baseline="30000" dirty="0">
-                  <a:solidFill>
-                    <a:schemeClr val="tx1"/>
-                  </a:solidFill>
-                </a:rPr>
-                <a:t>1</a:t>
-              </a:r>
+              <a:endParaRPr lang="en-US" sz="1000" baseline="30000" dirty="0">
+                <a:solidFill>
+                  <a:schemeClr val="tx1"/>
+                </a:solidFill>
+              </a:endParaRPr>
             </a:p>
           </p:txBody>
         </p:sp>
@@ -7032,7 +7080,7 @@
         </p:nvGrpSpPr>
         <p:grpSpPr>
           <a:xfrm>
-            <a:off x="3147692" y="1445886"/>
+            <a:off x="3147692" y="1509283"/>
             <a:ext cx="1371600" cy="1219249"/>
             <a:chOff x="3285576" y="1375961"/>
             <a:chExt cx="1371600" cy="1219249"/>
@@ -7396,8 +7444,8 @@
         </p:nvCxnSpPr>
         <p:spPr>
           <a:xfrm>
-            <a:off x="4520424" y="3915200"/>
-            <a:ext cx="12700" cy="1115485"/>
+            <a:off x="4520424" y="4041994"/>
+            <a:ext cx="12700" cy="1192133"/>
           </a:xfrm>
           <a:prstGeom prst="curvedConnector3">
             <a:avLst>
@@ -7408,7 +7456,7 @@
             <a:solidFill>
               <a:srgbClr val="909387"/>
             </a:solidFill>
-            <a:prstDash val="solid"/>
+            <a:prstDash val="sysDash"/>
             <a:tailEnd type="triangle"/>
           </a:ln>
         </p:spPr>
@@ -7445,8 +7493,8 @@
         </p:nvCxnSpPr>
         <p:spPr>
           <a:xfrm flipH="1">
-            <a:off x="4519292" y="5275123"/>
-            <a:ext cx="1132" cy="1112255"/>
+            <a:off x="4519292" y="5478565"/>
+            <a:ext cx="1132" cy="1188903"/>
           </a:xfrm>
           <a:prstGeom prst="curvedConnector3">
             <a:avLst>
@@ -7457,7 +7505,7 @@
             <a:solidFill>
               <a:srgbClr val="9E996D"/>
             </a:solidFill>
-            <a:prstDash val="solid"/>
+            <a:prstDash val="sysDash"/>
             <a:tailEnd type="triangle"/>
           </a:ln>
         </p:spPr>
@@ -7494,8 +7542,8 @@
         </p:nvCxnSpPr>
         <p:spPr>
           <a:xfrm rot="10800000" flipV="1">
-            <a:off x="4520425" y="4581853"/>
-            <a:ext cx="686857" cy="448831"/>
+            <a:off x="4520425" y="4843105"/>
+            <a:ext cx="686857" cy="391021"/>
           </a:xfrm>
           <a:prstGeom prst="curvedConnector3">
             <a:avLst>
@@ -7506,7 +7554,7 @@
             <a:solidFill>
               <a:srgbClr val="909387"/>
             </a:solidFill>
-            <a:prstDash val="solid"/>
+            <a:prstDash val="sysDash"/>
             <a:tailEnd type="triangle"/>
           </a:ln>
         </p:spPr>
@@ -7544,7 +7592,7 @@
         <p:spPr>
           <a:xfrm rot="10800000" flipV="1">
             <a:off x="4520425" y="936703"/>
-            <a:ext cx="687989" cy="4093981"/>
+            <a:ext cx="687989" cy="4297423"/>
           </a:xfrm>
           <a:prstGeom prst="curvedConnector3">
             <a:avLst>
@@ -7558,7 +7606,7 @@
                 <a:lumOff val="40000"/>
               </a:schemeClr>
             </a:solidFill>
-            <a:prstDash val="solid"/>
+            <a:prstDash val="sysDash"/>
             <a:tailEnd type="triangle"/>
           </a:ln>
         </p:spPr>
@@ -7595,8 +7643,8 @@
         </p:nvCxnSpPr>
         <p:spPr>
           <a:xfrm rot="10800000" flipV="1">
-            <a:off x="4520425" y="2014655"/>
-            <a:ext cx="687989" cy="3016030"/>
+            <a:off x="4520425" y="2265863"/>
+            <a:ext cx="687989" cy="2968263"/>
           </a:xfrm>
           <a:prstGeom prst="curvedConnector3">
             <a:avLst>
@@ -7607,7 +7655,7 @@
             <a:solidFill>
               <a:srgbClr val="909387"/>
             </a:solidFill>
-            <a:prstDash val="solid"/>
+            <a:prstDash val="sysDash"/>
             <a:tailEnd type="triangle"/>
           </a:ln>
         </p:spPr>
@@ -7997,7 +8045,7 @@
         </p:nvGrpSpPr>
         <p:grpSpPr>
           <a:xfrm>
-            <a:off x="5207281" y="3197142"/>
+            <a:off x="5207281" y="3458394"/>
             <a:ext cx="1555612" cy="965345"/>
             <a:chOff x="90095" y="47551"/>
             <a:chExt cx="1555612" cy="965345"/>
@@ -8192,7 +8240,7 @@
             </a:fontRef>
           </p:style>
           <p:txBody>
-            <a:bodyPr rtlCol="0" anchor="ctr"/>
+            <a:bodyPr lIns="45720" rIns="45720" rtlCol="0" anchor="ctr"/>
             <a:lstStyle/>
             <a:p>
               <a:pPr algn="ctr"/>
@@ -8202,8 +8250,21 @@
                     <a:schemeClr val="tx1"/>
                   </a:solidFill>
                 </a:rPr>
-                <a:t>biomass_root_coarse</a:t>
-              </a:r>
+                <a:t>biomass_root_coarse </a:t>
+              </a:r>
+              <a:r>
+                <a:rPr lang="en-US" sz="1000" dirty="0">
+                  <a:solidFill>
+                    <a:schemeClr val="tx1"/>
+                  </a:solidFill>
+                </a:rPr>
+                <a:t>| △ ⌀ </a:t>
+              </a:r>
+              <a:endParaRPr lang="en-US" sz="1000" i="1" dirty="0">
+                <a:solidFill>
+                  <a:schemeClr val="tx1"/>
+                </a:solidFill>
+              </a:endParaRPr>
             </a:p>
           </p:txBody>
         </p:sp>
@@ -8287,19 +8348,19 @@
         </p:nvCxnSpPr>
         <p:spPr>
           <a:xfrm rot="10800000" flipV="1">
-            <a:off x="5207281" y="4039042"/>
+            <a:off x="5207281" y="4300294"/>
             <a:ext cx="1132" cy="542811"/>
           </a:xfrm>
           <a:prstGeom prst="curvedConnector3">
             <a:avLst>
-              <a:gd name="adj1" fmla="val 10106272"/>
+              <a:gd name="adj1" fmla="val 20294346"/>
             </a:avLst>
           </a:prstGeom>
           <a:ln w="12700">
             <a:solidFill>
-              <a:srgbClr val="779099"/>
+              <a:srgbClr val="8CA9B4"/>
             </a:solidFill>
-            <a:prstDash val="solid"/>
+            <a:prstDash val="sysDash"/>
             <a:tailEnd type="triangle"/>
           </a:ln>
         </p:spPr>
@@ -8332,7 +8393,7 @@
         </p:nvGrpSpPr>
         <p:grpSpPr>
           <a:xfrm>
-            <a:off x="5207281" y="4204885"/>
+            <a:off x="5207281" y="4466137"/>
             <a:ext cx="1554480" cy="500413"/>
             <a:chOff x="5148119" y="4306142"/>
             <a:chExt cx="1554480" cy="500413"/>
@@ -8394,7 +8455,7 @@
                     <a:schemeClr val="tx1"/>
                   </a:solidFill>
                 </a:rPr>
-                <a:t>⌀  | ▲ ⌀ | </a:t>
+                <a:t>⌀  | △ ⌀  | ▲ ⌀ | </a:t>
               </a:r>
               <a:r>
                 <a:rPr lang="en-US" sz="1000" i="1" dirty="0">
@@ -8496,7 +8557,7 @@
         </p:nvGrpSpPr>
         <p:grpSpPr>
           <a:xfrm>
-            <a:off x="5207281" y="4747696"/>
+            <a:off x="5207281" y="5008948"/>
             <a:ext cx="1555612" cy="978855"/>
             <a:chOff x="90095" y="47552"/>
             <a:chExt cx="1555612" cy="978855"/>
@@ -8795,7 +8856,7 @@
         </p:nvGrpSpPr>
         <p:grpSpPr>
           <a:xfrm>
-            <a:off x="5207281" y="5776405"/>
+            <a:off x="5207281" y="6056495"/>
             <a:ext cx="1555612" cy="978855"/>
             <a:chOff x="90095" y="47552"/>
             <a:chExt cx="1555612" cy="978855"/>
@@ -9080,6 +9141,253 @@
           </p:txBody>
         </p:sp>
       </p:grpSp>
+      <p:sp>
+        <p:nvSpPr>
+          <p:cNvPr id="435" name="Rectangle 434">
+            <a:extLst>
+              <a:ext uri="{FF2B5EF4-FFF2-40B4-BE49-F238E27FC236}">
+                <a16:creationId xmlns:a16="http://schemas.microsoft.com/office/drawing/2014/main" id="{02FC17E0-1455-FE4F-8EF5-9C8CA6632D54}"/>
+              </a:ext>
+            </a:extLst>
+          </p:cNvPr>
+          <p:cNvSpPr/>
+          <p:nvPr/>
+        </p:nvSpPr>
+        <p:spPr>
+          <a:xfrm>
+            <a:off x="5207280" y="1657756"/>
+            <a:ext cx="1554480" cy="246221"/>
+          </a:xfrm>
+          <a:prstGeom prst="rect">
+            <a:avLst/>
+          </a:prstGeom>
+          <a:solidFill>
+            <a:schemeClr val="bg1"/>
+          </a:solidFill>
+          <a:ln>
+            <a:solidFill>
+              <a:schemeClr val="tx1"/>
+            </a:solidFill>
+          </a:ln>
+        </p:spPr>
+        <p:style>
+          <a:lnRef idx="2">
+            <a:schemeClr val="accent1">
+              <a:shade val="50000"/>
+            </a:schemeClr>
+          </a:lnRef>
+          <a:fillRef idx="1">
+            <a:schemeClr val="accent1"/>
+          </a:fillRef>
+          <a:effectRef idx="0">
+            <a:schemeClr val="accent1"/>
+          </a:effectRef>
+          <a:fontRef idx="minor">
+            <a:schemeClr val="lt1"/>
+          </a:fontRef>
+        </p:style>
+        <p:txBody>
+          <a:bodyPr rtlCol="0" anchor="ctr"/>
+          <a:lstStyle/>
+          <a:p>
+            <a:pPr algn="ctr"/>
+            <a:r>
+              <a:rPr lang="en-US" sz="1000" dirty="0">
+                <a:solidFill>
+                  <a:schemeClr val="tx1"/>
+                </a:solidFill>
+              </a:rPr>
+              <a:t>△</a:t>
+            </a:r>
+            <a:r>
+              <a:rPr lang="en-US" sz="1000" i="1" dirty="0">
+                <a:solidFill>
+                  <a:schemeClr val="tx1"/>
+                </a:solidFill>
+              </a:rPr>
+              <a:t> delta.agb </a:t>
+            </a:r>
+            <a:r>
+              <a:rPr lang="en-US" sz="1000" i="1" baseline="30000" dirty="0">
+                <a:solidFill>
+                  <a:schemeClr val="tx1"/>
+                </a:solidFill>
+              </a:rPr>
+              <a:t>2</a:t>
+            </a:r>
+            <a:endParaRPr lang="en-US" sz="1000" dirty="0">
+              <a:solidFill>
+                <a:schemeClr val="tx1"/>
+              </a:solidFill>
+            </a:endParaRPr>
+          </a:p>
+        </p:txBody>
+      </p:sp>
+      <p:sp>
+        <p:nvSpPr>
+          <p:cNvPr id="436" name="Rectangle 435">
+            <a:extLst>
+              <a:ext uri="{FF2B5EF4-FFF2-40B4-BE49-F238E27FC236}">
+                <a16:creationId xmlns:a16="http://schemas.microsoft.com/office/drawing/2014/main" id="{B1E79ED9-6827-DB42-BD13-23D1E925A8D6}"/>
+              </a:ext>
+            </a:extLst>
+          </p:cNvPr>
+          <p:cNvSpPr/>
+          <p:nvPr/>
+        </p:nvSpPr>
+        <p:spPr>
+          <a:xfrm>
+            <a:off x="152739" y="1698005"/>
+            <a:ext cx="253595" cy="246221"/>
+          </a:xfrm>
+          <a:prstGeom prst="rect">
+            <a:avLst/>
+          </a:prstGeom>
+        </p:spPr>
+        <p:txBody>
+          <a:bodyPr wrap="none">
+            <a:spAutoFit/>
+          </a:bodyPr>
+          <a:lstStyle/>
+          <a:p>
+            <a:pPr algn="ctr"/>
+            <a:r>
+              <a:rPr lang="en-US" sz="1000" dirty="0"/>
+              <a:t>⌀</a:t>
+            </a:r>
+          </a:p>
+        </p:txBody>
+      </p:sp>
+      <p:cxnSp>
+        <p:nvCxnSpPr>
+          <p:cNvPr id="437" name="Straight Connector 436">
+            <a:extLst>
+              <a:ext uri="{FF2B5EF4-FFF2-40B4-BE49-F238E27FC236}">
+                <a16:creationId xmlns:a16="http://schemas.microsoft.com/office/drawing/2014/main" id="{BEF6CEA4-D75B-8A43-8335-563EC823F776}"/>
+              </a:ext>
+            </a:extLst>
+          </p:cNvPr>
+          <p:cNvCxnSpPr>
+            <a:cxnSpLocks/>
+          </p:cNvCxnSpPr>
+          <p:nvPr/>
+        </p:nvCxnSpPr>
+        <p:spPr>
+          <a:xfrm>
+            <a:off x="229563" y="1522066"/>
+            <a:ext cx="99951" cy="0"/>
+          </a:xfrm>
+          <a:prstGeom prst="line">
+            <a:avLst/>
+          </a:prstGeom>
+        </p:spPr>
+        <p:style>
+          <a:lnRef idx="1">
+            <a:schemeClr val="dk1"/>
+          </a:lnRef>
+          <a:fillRef idx="0">
+            <a:schemeClr val="dk1"/>
+          </a:fillRef>
+          <a:effectRef idx="0">
+            <a:schemeClr val="dk1"/>
+          </a:effectRef>
+          <a:fontRef idx="minor">
+            <a:schemeClr val="tx1"/>
+          </a:fontRef>
+        </p:style>
+      </p:cxnSp>
+      <p:sp>
+        <p:nvSpPr>
+          <p:cNvPr id="440" name="Rectangle 439">
+            <a:extLst>
+              <a:ext uri="{FF2B5EF4-FFF2-40B4-BE49-F238E27FC236}">
+                <a16:creationId xmlns:a16="http://schemas.microsoft.com/office/drawing/2014/main" id="{3207B2B2-74FF-174B-909A-B31888380F23}"/>
+              </a:ext>
+            </a:extLst>
+          </p:cNvPr>
+          <p:cNvSpPr/>
+          <p:nvPr/>
+        </p:nvSpPr>
+        <p:spPr>
+          <a:xfrm>
+            <a:off x="317878" y="1395185"/>
+            <a:ext cx="1047082" cy="553998"/>
+          </a:xfrm>
+          <a:prstGeom prst="rect">
+            <a:avLst/>
+          </a:prstGeom>
+        </p:spPr>
+        <p:txBody>
+          <a:bodyPr wrap="none">
+            <a:spAutoFit/>
+          </a:bodyPr>
+          <a:lstStyle/>
+          <a:p>
+            <a:r>
+              <a:rPr lang="en-US" sz="1000" dirty="0"/>
+              <a:t>component</a:t>
+            </a:r>
+          </a:p>
+          <a:p>
+            <a:r>
+              <a:rPr lang="en-US" sz="1000" dirty="0"/>
+              <a:t>C flow</a:t>
+            </a:r>
+          </a:p>
+          <a:p>
+            <a:r>
+              <a:rPr lang="en-US" sz="1000" dirty="0"/>
+              <a:t>no ForC variable</a:t>
+            </a:r>
+          </a:p>
+        </p:txBody>
+      </p:sp>
+      <p:cxnSp>
+        <p:nvCxnSpPr>
+          <p:cNvPr id="442" name="Straight Arrow Connector 441">
+            <a:extLst>
+              <a:ext uri="{FF2B5EF4-FFF2-40B4-BE49-F238E27FC236}">
+                <a16:creationId xmlns:a16="http://schemas.microsoft.com/office/drawing/2014/main" id="{491650C2-C3C0-AA43-9529-4675E08245EF}"/>
+              </a:ext>
+            </a:extLst>
+          </p:cNvPr>
+          <p:cNvCxnSpPr/>
+          <p:nvPr/>
+        </p:nvCxnSpPr>
+        <p:spPr>
+          <a:xfrm>
+            <a:off x="212834" y="1677903"/>
+            <a:ext cx="133407" cy="0"/>
+          </a:xfrm>
+          <a:prstGeom prst="straightConnector1">
+            <a:avLst/>
+          </a:prstGeom>
+          <a:ln w="12700">
+            <a:solidFill>
+              <a:schemeClr val="tx1">
+                <a:lumMod val="50000"/>
+                <a:lumOff val="50000"/>
+              </a:schemeClr>
+            </a:solidFill>
+            <a:prstDash val="sysDash"/>
+            <a:tailEnd type="triangle"/>
+          </a:ln>
+        </p:spPr>
+        <p:style>
+          <a:lnRef idx="1">
+            <a:schemeClr val="accent1"/>
+          </a:lnRef>
+          <a:fillRef idx="0">
+            <a:schemeClr val="accent1"/>
+          </a:fillRef>
+          <a:effectRef idx="0">
+            <a:schemeClr val="accent1"/>
+          </a:effectRef>
+          <a:fontRef idx="minor">
+            <a:schemeClr val="tx1"/>
+          </a:fontRef>
+        </p:style>
+      </p:cxnSp>
     </p:spTree>
     <p:extLst>
       <p:ext uri="{BB962C8B-B14F-4D97-AF65-F5344CB8AC3E}">

--- a/doc/manuscript/figures_tables/C_pools_fig.pptx
+++ b/doc/manuscript/figures_tables/C_pools_fig.pptx
@@ -4,6 +4,9 @@
   <p:sldMasterIdLst>
     <p:sldMasterId id="2147483660" r:id="rId1"/>
   </p:sldMasterIdLst>
+  <p:notesMasterIdLst>
+    <p:notesMasterId r:id="rId3"/>
+  </p:notesMasterIdLst>
   <p:sldIdLst>
     <p:sldId id="256" r:id="rId2"/>
   </p:sldIdLst>
@@ -105,6 +108,442 @@
     </a:lvl9pPr>
   </p:defaultTextStyle>
 </p:presentation>
+</file>
+
+<file path=ppt/notesMasters/notesMaster1.xml><?xml version="1.0" encoding="utf-8"?>
+<p:notesMaster xmlns:a="http://schemas.openxmlformats.org/drawingml/2006/main" xmlns:r="http://schemas.openxmlformats.org/officeDocument/2006/relationships" xmlns:p="http://schemas.openxmlformats.org/presentationml/2006/main">
+  <p:cSld>
+    <p:bg>
+      <p:bgRef idx="1001">
+        <a:schemeClr val="bg1"/>
+      </p:bgRef>
+    </p:bg>
+    <p:spTree>
+      <p:nvGrpSpPr>
+        <p:cNvPr id="1" name=""/>
+        <p:cNvGrpSpPr/>
+        <p:nvPr/>
+      </p:nvGrpSpPr>
+      <p:grpSpPr>
+        <a:xfrm>
+          <a:off x="0" y="0"/>
+          <a:ext cx="0" cy="0"/>
+          <a:chOff x="0" y="0"/>
+          <a:chExt cx="0" cy="0"/>
+        </a:xfrm>
+      </p:grpSpPr>
+      <p:sp>
+        <p:nvSpPr>
+          <p:cNvPr id="2" name="Header Placeholder 1"/>
+          <p:cNvSpPr>
+            <a:spLocks noGrp="1"/>
+          </p:cNvSpPr>
+          <p:nvPr>
+            <p:ph type="hdr" sz="quarter"/>
+          </p:nvPr>
+        </p:nvSpPr>
+        <p:spPr>
+          <a:xfrm>
+            <a:off x="0" y="0"/>
+            <a:ext cx="2971800" cy="458788"/>
+          </a:xfrm>
+          <a:prstGeom prst="rect">
+            <a:avLst/>
+          </a:prstGeom>
+        </p:spPr>
+        <p:txBody>
+          <a:bodyPr vert="horz" lIns="91440" tIns="45720" rIns="91440" bIns="45720" rtlCol="0"/>
+          <a:lstStyle>
+            <a:lvl1pPr algn="l">
+              <a:defRPr sz="1200"/>
+            </a:lvl1pPr>
+          </a:lstStyle>
+          <a:p>
+            <a:endParaRPr lang="en-US"/>
+          </a:p>
+        </p:txBody>
+      </p:sp>
+      <p:sp>
+        <p:nvSpPr>
+          <p:cNvPr id="3" name="Date Placeholder 2"/>
+          <p:cNvSpPr>
+            <a:spLocks noGrp="1"/>
+          </p:cNvSpPr>
+          <p:nvPr>
+            <p:ph type="dt" idx="1"/>
+          </p:nvPr>
+        </p:nvSpPr>
+        <p:spPr>
+          <a:xfrm>
+            <a:off x="3884613" y="0"/>
+            <a:ext cx="2971800" cy="458788"/>
+          </a:xfrm>
+          <a:prstGeom prst="rect">
+            <a:avLst/>
+          </a:prstGeom>
+        </p:spPr>
+        <p:txBody>
+          <a:bodyPr vert="horz" lIns="91440" tIns="45720" rIns="91440" bIns="45720" rtlCol="0"/>
+          <a:lstStyle>
+            <a:lvl1pPr algn="r">
+              <a:defRPr sz="1200"/>
+            </a:lvl1pPr>
+          </a:lstStyle>
+          <a:p>
+            <a:fld id="{DB657656-E537-AA48-B575-F7F3A3DBC2DD}" type="datetimeFigureOut">
+              <a:rPr lang="en-US" smtClean="0"/>
+              <a:t>6/17/21</a:t>
+            </a:fld>
+            <a:endParaRPr lang="en-US"/>
+          </a:p>
+        </p:txBody>
+      </p:sp>
+      <p:sp>
+        <p:nvSpPr>
+          <p:cNvPr id="4" name="Slide Image Placeholder 3"/>
+          <p:cNvSpPr>
+            <a:spLocks noGrp="1" noRot="1" noChangeAspect="1"/>
+          </p:cNvSpPr>
+          <p:nvPr>
+            <p:ph type="sldImg" idx="2"/>
+          </p:nvPr>
+        </p:nvSpPr>
+        <p:spPr>
+          <a:xfrm>
+            <a:off x="2271713" y="1143000"/>
+            <a:ext cx="2314575" cy="3086100"/>
+          </a:xfrm>
+          <a:prstGeom prst="rect">
+            <a:avLst/>
+          </a:prstGeom>
+          <a:noFill/>
+          <a:ln w="12700">
+            <a:solidFill>
+              <a:prstClr val="black"/>
+            </a:solidFill>
+          </a:ln>
+        </p:spPr>
+        <p:txBody>
+          <a:bodyPr vert="horz" lIns="91440" tIns="45720" rIns="91440" bIns="45720" rtlCol="0" anchor="ctr"/>
+          <a:lstStyle/>
+          <a:p>
+            <a:endParaRPr lang="en-US"/>
+          </a:p>
+        </p:txBody>
+      </p:sp>
+      <p:sp>
+        <p:nvSpPr>
+          <p:cNvPr id="5" name="Notes Placeholder 4"/>
+          <p:cNvSpPr>
+            <a:spLocks noGrp="1"/>
+          </p:cNvSpPr>
+          <p:nvPr>
+            <p:ph type="body" sz="quarter" idx="3"/>
+          </p:nvPr>
+        </p:nvSpPr>
+        <p:spPr>
+          <a:xfrm>
+            <a:off x="685800" y="4400550"/>
+            <a:ext cx="5486400" cy="3600450"/>
+          </a:xfrm>
+          <a:prstGeom prst="rect">
+            <a:avLst/>
+          </a:prstGeom>
+        </p:spPr>
+        <p:txBody>
+          <a:bodyPr vert="horz" lIns="91440" tIns="45720" rIns="91440" bIns="45720" rtlCol="0"/>
+          <a:lstStyle/>
+          <a:p>
+            <a:pPr lvl="0"/>
+            <a:r>
+              <a:rPr lang="en-US"/>
+              <a:t>Click to edit Master text styles</a:t>
+            </a:r>
+          </a:p>
+          <a:p>
+            <a:pPr lvl="1"/>
+            <a:r>
+              <a:rPr lang="en-US"/>
+              <a:t>Second level</a:t>
+            </a:r>
+          </a:p>
+          <a:p>
+            <a:pPr lvl="2"/>
+            <a:r>
+              <a:rPr lang="en-US"/>
+              <a:t>Third level</a:t>
+            </a:r>
+          </a:p>
+          <a:p>
+            <a:pPr lvl="3"/>
+            <a:r>
+              <a:rPr lang="en-US"/>
+              <a:t>Fourth level</a:t>
+            </a:r>
+          </a:p>
+          <a:p>
+            <a:pPr lvl="4"/>
+            <a:r>
+              <a:rPr lang="en-US"/>
+              <a:t>Fifth level</a:t>
+            </a:r>
+          </a:p>
+        </p:txBody>
+      </p:sp>
+      <p:sp>
+        <p:nvSpPr>
+          <p:cNvPr id="6" name="Footer Placeholder 5"/>
+          <p:cNvSpPr>
+            <a:spLocks noGrp="1"/>
+          </p:cNvSpPr>
+          <p:nvPr>
+            <p:ph type="ftr" sz="quarter" idx="4"/>
+          </p:nvPr>
+        </p:nvSpPr>
+        <p:spPr>
+          <a:xfrm>
+            <a:off x="0" y="8685213"/>
+            <a:ext cx="2971800" cy="458787"/>
+          </a:xfrm>
+          <a:prstGeom prst="rect">
+            <a:avLst/>
+          </a:prstGeom>
+        </p:spPr>
+        <p:txBody>
+          <a:bodyPr vert="horz" lIns="91440" tIns="45720" rIns="91440" bIns="45720" rtlCol="0" anchor="b"/>
+          <a:lstStyle>
+            <a:lvl1pPr algn="l">
+              <a:defRPr sz="1200"/>
+            </a:lvl1pPr>
+          </a:lstStyle>
+          <a:p>
+            <a:endParaRPr lang="en-US"/>
+          </a:p>
+        </p:txBody>
+      </p:sp>
+      <p:sp>
+        <p:nvSpPr>
+          <p:cNvPr id="7" name="Slide Number Placeholder 6"/>
+          <p:cNvSpPr>
+            <a:spLocks noGrp="1"/>
+          </p:cNvSpPr>
+          <p:nvPr>
+            <p:ph type="sldNum" sz="quarter" idx="5"/>
+          </p:nvPr>
+        </p:nvSpPr>
+        <p:spPr>
+          <a:xfrm>
+            <a:off x="3884613" y="8685213"/>
+            <a:ext cx="2971800" cy="458787"/>
+          </a:xfrm>
+          <a:prstGeom prst="rect">
+            <a:avLst/>
+          </a:prstGeom>
+        </p:spPr>
+        <p:txBody>
+          <a:bodyPr vert="horz" lIns="91440" tIns="45720" rIns="91440" bIns="45720" rtlCol="0" anchor="b"/>
+          <a:lstStyle>
+            <a:lvl1pPr algn="r">
+              <a:defRPr sz="1200"/>
+            </a:lvl1pPr>
+          </a:lstStyle>
+          <a:p>
+            <a:fld id="{C481CE7E-89F7-694E-8FCF-CB4663C5E526}" type="slidenum">
+              <a:rPr lang="en-US" smtClean="0"/>
+              <a:t>‹#›</a:t>
+            </a:fld>
+            <a:endParaRPr lang="en-US"/>
+          </a:p>
+        </p:txBody>
+      </p:sp>
+    </p:spTree>
+    <p:extLst>
+      <p:ext uri="{BB962C8B-B14F-4D97-AF65-F5344CB8AC3E}">
+        <p14:creationId xmlns:p14="http://schemas.microsoft.com/office/powerpoint/2010/main" val="921701393"/>
+      </p:ext>
+    </p:extLst>
+  </p:cSld>
+  <p:clrMap bg1="lt1" tx1="dk1" bg2="lt2" tx2="dk2" accent1="accent1" accent2="accent2" accent3="accent3" accent4="accent4" accent5="accent5" accent6="accent6" hlink="hlink" folHlink="folHlink"/>
+  <p:notesStyle>
+    <a:lvl1pPr marL="0" algn="l" defTabSz="914400" rtl="0" eaLnBrk="1" latinLnBrk="0" hangingPunct="1">
+      <a:defRPr sz="1200" kern="1200">
+        <a:solidFill>
+          <a:schemeClr val="tx1"/>
+        </a:solidFill>
+        <a:latin typeface="+mn-lt"/>
+        <a:ea typeface="+mn-ea"/>
+        <a:cs typeface="+mn-cs"/>
+      </a:defRPr>
+    </a:lvl1pPr>
+    <a:lvl2pPr marL="457200" algn="l" defTabSz="914400" rtl="0" eaLnBrk="1" latinLnBrk="0" hangingPunct="1">
+      <a:defRPr sz="1200" kern="1200">
+        <a:solidFill>
+          <a:schemeClr val="tx1"/>
+        </a:solidFill>
+        <a:latin typeface="+mn-lt"/>
+        <a:ea typeface="+mn-ea"/>
+        <a:cs typeface="+mn-cs"/>
+      </a:defRPr>
+    </a:lvl2pPr>
+    <a:lvl3pPr marL="914400" algn="l" defTabSz="914400" rtl="0" eaLnBrk="1" latinLnBrk="0" hangingPunct="1">
+      <a:defRPr sz="1200" kern="1200">
+        <a:solidFill>
+          <a:schemeClr val="tx1"/>
+        </a:solidFill>
+        <a:latin typeface="+mn-lt"/>
+        <a:ea typeface="+mn-ea"/>
+        <a:cs typeface="+mn-cs"/>
+      </a:defRPr>
+    </a:lvl3pPr>
+    <a:lvl4pPr marL="1371600" algn="l" defTabSz="914400" rtl="0" eaLnBrk="1" latinLnBrk="0" hangingPunct="1">
+      <a:defRPr sz="1200" kern="1200">
+        <a:solidFill>
+          <a:schemeClr val="tx1"/>
+        </a:solidFill>
+        <a:latin typeface="+mn-lt"/>
+        <a:ea typeface="+mn-ea"/>
+        <a:cs typeface="+mn-cs"/>
+      </a:defRPr>
+    </a:lvl4pPr>
+    <a:lvl5pPr marL="1828800" algn="l" defTabSz="914400" rtl="0" eaLnBrk="1" latinLnBrk="0" hangingPunct="1">
+      <a:defRPr sz="1200" kern="1200">
+        <a:solidFill>
+          <a:schemeClr val="tx1"/>
+        </a:solidFill>
+        <a:latin typeface="+mn-lt"/>
+        <a:ea typeface="+mn-ea"/>
+        <a:cs typeface="+mn-cs"/>
+      </a:defRPr>
+    </a:lvl5pPr>
+    <a:lvl6pPr marL="2286000" algn="l" defTabSz="914400" rtl="0" eaLnBrk="1" latinLnBrk="0" hangingPunct="1">
+      <a:defRPr sz="1200" kern="1200">
+        <a:solidFill>
+          <a:schemeClr val="tx1"/>
+        </a:solidFill>
+        <a:latin typeface="+mn-lt"/>
+        <a:ea typeface="+mn-ea"/>
+        <a:cs typeface="+mn-cs"/>
+      </a:defRPr>
+    </a:lvl6pPr>
+    <a:lvl7pPr marL="2743200" algn="l" defTabSz="914400" rtl="0" eaLnBrk="1" latinLnBrk="0" hangingPunct="1">
+      <a:defRPr sz="1200" kern="1200">
+        <a:solidFill>
+          <a:schemeClr val="tx1"/>
+        </a:solidFill>
+        <a:latin typeface="+mn-lt"/>
+        <a:ea typeface="+mn-ea"/>
+        <a:cs typeface="+mn-cs"/>
+      </a:defRPr>
+    </a:lvl7pPr>
+    <a:lvl8pPr marL="3200400" algn="l" defTabSz="914400" rtl="0" eaLnBrk="1" latinLnBrk="0" hangingPunct="1">
+      <a:defRPr sz="1200" kern="1200">
+        <a:solidFill>
+          <a:schemeClr val="tx1"/>
+        </a:solidFill>
+        <a:latin typeface="+mn-lt"/>
+        <a:ea typeface="+mn-ea"/>
+        <a:cs typeface="+mn-cs"/>
+      </a:defRPr>
+    </a:lvl8pPr>
+    <a:lvl9pPr marL="3657600" algn="l" defTabSz="914400" rtl="0" eaLnBrk="1" latinLnBrk="0" hangingPunct="1">
+      <a:defRPr sz="1200" kern="1200">
+        <a:solidFill>
+          <a:schemeClr val="tx1"/>
+        </a:solidFill>
+        <a:latin typeface="+mn-lt"/>
+        <a:ea typeface="+mn-ea"/>
+        <a:cs typeface="+mn-cs"/>
+      </a:defRPr>
+    </a:lvl9pPr>
+  </p:notesStyle>
+</p:notesMaster>
+</file>
+
+<file path=ppt/notesSlides/notesSlide1.xml><?xml version="1.0" encoding="utf-8"?>
+<p:notes xmlns:a="http://schemas.openxmlformats.org/drawingml/2006/main" xmlns:r="http://schemas.openxmlformats.org/officeDocument/2006/relationships" xmlns:p="http://schemas.openxmlformats.org/presentationml/2006/main">
+  <p:cSld>
+    <p:spTree>
+      <p:nvGrpSpPr>
+        <p:cNvPr id="1" name=""/>
+        <p:cNvGrpSpPr/>
+        <p:nvPr/>
+      </p:nvGrpSpPr>
+      <p:grpSpPr>
+        <a:xfrm>
+          <a:off x="0" y="0"/>
+          <a:ext cx="0" cy="0"/>
+          <a:chOff x="0" y="0"/>
+          <a:chExt cx="0" cy="0"/>
+        </a:xfrm>
+      </p:grpSpPr>
+      <p:sp>
+        <p:nvSpPr>
+          <p:cNvPr id="2" name="Slide Image Placeholder 1"/>
+          <p:cNvSpPr>
+            <a:spLocks noGrp="1" noRot="1" noChangeAspect="1"/>
+          </p:cNvSpPr>
+          <p:nvPr>
+            <p:ph type="sldImg"/>
+          </p:nvPr>
+        </p:nvSpPr>
+        <p:spPr/>
+      </p:sp>
+      <p:sp>
+        <p:nvSpPr>
+          <p:cNvPr id="3" name="Notes Placeholder 2"/>
+          <p:cNvSpPr>
+            <a:spLocks noGrp="1"/>
+          </p:cNvSpPr>
+          <p:nvPr>
+            <p:ph type="body" idx="1"/>
+          </p:nvPr>
+        </p:nvSpPr>
+        <p:spPr/>
+        <p:txBody>
+          <a:bodyPr/>
+          <a:lstStyle/>
+          <a:p>
+            <a:r>
+              <a:rPr lang="en-US" dirty="0"/>
+              <a:t>Figure caption in paper has master set of footnotes. The one above may be out of date</a:t>
+            </a:r>
+          </a:p>
+        </p:txBody>
+      </p:sp>
+      <p:sp>
+        <p:nvSpPr>
+          <p:cNvPr id="4" name="Slide Number Placeholder 3"/>
+          <p:cNvSpPr>
+            <a:spLocks noGrp="1"/>
+          </p:cNvSpPr>
+          <p:nvPr>
+            <p:ph type="sldNum" sz="quarter" idx="5"/>
+          </p:nvPr>
+        </p:nvSpPr>
+        <p:spPr/>
+        <p:txBody>
+          <a:bodyPr/>
+          <a:lstStyle/>
+          <a:p>
+            <a:fld id="{C481CE7E-89F7-694E-8FCF-CB4663C5E526}" type="slidenum">
+              <a:rPr lang="en-US" smtClean="0"/>
+              <a:t>1</a:t>
+            </a:fld>
+            <a:endParaRPr lang="en-US"/>
+          </a:p>
+        </p:txBody>
+      </p:sp>
+    </p:spTree>
+    <p:extLst>
+      <p:ext uri="{BB962C8B-B14F-4D97-AF65-F5344CB8AC3E}">
+        <p14:creationId xmlns:p14="http://schemas.microsoft.com/office/powerpoint/2010/main" val="3434408527"/>
+      </p:ext>
+    </p:extLst>
+  </p:cSld>
+  <p:clrMapOvr>
+    <a:masterClrMapping/>
+  </p:clrMapOvr>
+</p:notes>
 </file>
 
 <file path=ppt/slideLayouts/slideLayout1.xml><?xml version="1.0" encoding="utf-8"?>
@@ -5339,15 +5778,15 @@
             </a:r>
             <a:r>
               <a:rPr lang="en-US" sz="1000" dirty="0"/>
-              <a:t> assumes minimal non-respiratory CO</a:t>
+              <a:t> assumes minimal </a:t>
             </a:r>
             <a:r>
-              <a:rPr lang="en-US" sz="1000" baseline="-25000" dirty="0"/>
-              <a:t>2</a:t>
+              <a:rPr lang="en-US" sz="1000"/>
+              <a:t>non-respiratory C </a:t>
             </a:r>
             <a:r>
               <a:rPr lang="en-US" sz="1000" dirty="0"/>
-              <a:t> fluxes, …. (Chapin et al. 2006)</a:t>
+              <a:t>fluxes, …. (Chapin et al. 2006)</a:t>
             </a:r>
           </a:p>
           <a:p>
@@ -9660,4 +10099,299 @@
     </a:ext>
   </a:extLst>
 </a:theme>
+</file>
+
+<file path=ppt/theme/theme2.xml><?xml version="1.0" encoding="utf-8"?>
+<a:theme xmlns:a="http://schemas.openxmlformats.org/drawingml/2006/main" name="Office Theme">
+  <a:themeElements>
+    <a:clrScheme name="Office">
+      <a:dk1>
+        <a:sysClr val="windowText" lastClr="000000"/>
+      </a:dk1>
+      <a:lt1>
+        <a:sysClr val="window" lastClr="FFFFFF"/>
+      </a:lt1>
+      <a:dk2>
+        <a:srgbClr val="44546A"/>
+      </a:dk2>
+      <a:lt2>
+        <a:srgbClr val="E7E6E6"/>
+      </a:lt2>
+      <a:accent1>
+        <a:srgbClr val="4472C4"/>
+      </a:accent1>
+      <a:accent2>
+        <a:srgbClr val="ED7D31"/>
+      </a:accent2>
+      <a:accent3>
+        <a:srgbClr val="A5A5A5"/>
+      </a:accent3>
+      <a:accent4>
+        <a:srgbClr val="FFC000"/>
+      </a:accent4>
+      <a:accent5>
+        <a:srgbClr val="5B9BD5"/>
+      </a:accent5>
+      <a:accent6>
+        <a:srgbClr val="70AD47"/>
+      </a:accent6>
+      <a:hlink>
+        <a:srgbClr val="0563C1"/>
+      </a:hlink>
+      <a:folHlink>
+        <a:srgbClr val="954F72"/>
+      </a:folHlink>
+    </a:clrScheme>
+    <a:fontScheme name="Office">
+      <a:majorFont>
+        <a:latin typeface="Calibri Light" panose="020F0302020204030204"/>
+        <a:ea typeface=""/>
+        <a:cs typeface=""/>
+        <a:font script="Jpan" typeface="游ゴシック Light"/>
+        <a:font script="Hang" typeface="맑은 고딕"/>
+        <a:font script="Hans" typeface="等线 Light"/>
+        <a:font script="Hant" typeface="新細明體"/>
+        <a:font script="Arab" typeface="Times New Roman"/>
+        <a:font script="Hebr" typeface="Times New Roman"/>
+        <a:font script="Thai" typeface="Angsana New"/>
+        <a:font script="Ethi" typeface="Nyala"/>
+        <a:font script="Beng" typeface="Vrinda"/>
+        <a:font script="Gujr" typeface="Shruti"/>
+        <a:font script="Khmr" typeface="MoolBoran"/>
+        <a:font script="Knda" typeface="Tunga"/>
+        <a:font script="Guru" typeface="Raavi"/>
+        <a:font script="Cans" typeface="Euphemia"/>
+        <a:font script="Cher" typeface="Plantagenet Cherokee"/>
+        <a:font script="Yiii" typeface="Microsoft Yi Baiti"/>
+        <a:font script="Tibt" typeface="Microsoft Himalaya"/>
+        <a:font script="Thaa" typeface="MV Boli"/>
+        <a:font script="Deva" typeface="Mangal"/>
+        <a:font script="Telu" typeface="Gautami"/>
+        <a:font script="Taml" typeface="Latha"/>
+        <a:font script="Syrc" typeface="Estrangelo Edessa"/>
+        <a:font script="Orya" typeface="Kalinga"/>
+        <a:font script="Mlym" typeface="Kartika"/>
+        <a:font script="Laoo" typeface="DokChampa"/>
+        <a:font script="Sinh" typeface="Iskoola Pota"/>
+        <a:font script="Mong" typeface="Mongolian Baiti"/>
+        <a:font script="Viet" typeface="Times New Roman"/>
+        <a:font script="Uigh" typeface="Microsoft Uighur"/>
+        <a:font script="Geor" typeface="Sylfaen"/>
+        <a:font script="Armn" typeface="Arial"/>
+        <a:font script="Bugi" typeface="Leelawadee UI"/>
+        <a:font script="Bopo" typeface="Microsoft JhengHei"/>
+        <a:font script="Java" typeface="Javanese Text"/>
+        <a:font script="Lisu" typeface="Segoe UI"/>
+        <a:font script="Mymr" typeface="Myanmar Text"/>
+        <a:font script="Nkoo" typeface="Ebrima"/>
+        <a:font script="Olck" typeface="Nirmala UI"/>
+        <a:font script="Osma" typeface="Ebrima"/>
+        <a:font script="Phag" typeface="Phagspa"/>
+        <a:font script="Syrn" typeface="Estrangelo Edessa"/>
+        <a:font script="Syrj" typeface="Estrangelo Edessa"/>
+        <a:font script="Syre" typeface="Estrangelo Edessa"/>
+        <a:font script="Sora" typeface="Nirmala UI"/>
+        <a:font script="Tale" typeface="Microsoft Tai Le"/>
+        <a:font script="Talu" typeface="Microsoft New Tai Lue"/>
+        <a:font script="Tfng" typeface="Ebrima"/>
+      </a:majorFont>
+      <a:minorFont>
+        <a:latin typeface="Calibri" panose="020F0502020204030204"/>
+        <a:ea typeface=""/>
+        <a:cs typeface=""/>
+        <a:font script="Jpan" typeface="游ゴシック"/>
+        <a:font script="Hang" typeface="맑은 고딕"/>
+        <a:font script="Hans" typeface="等线"/>
+        <a:font script="Hant" typeface="新細明體"/>
+        <a:font script="Arab" typeface="Arial"/>
+        <a:font script="Hebr" typeface="Arial"/>
+        <a:font script="Thai" typeface="Cordia New"/>
+        <a:font script="Ethi" typeface="Nyala"/>
+        <a:font script="Beng" typeface="Vrinda"/>
+        <a:font script="Gujr" typeface="Shruti"/>
+        <a:font script="Khmr" typeface="DaunPenh"/>
+        <a:font script="Knda" typeface="Tunga"/>
+        <a:font script="Guru" typeface="Raavi"/>
+        <a:font script="Cans" typeface="Euphemia"/>
+        <a:font script="Cher" typeface="Plantagenet Cherokee"/>
+        <a:font script="Yiii" typeface="Microsoft Yi Baiti"/>
+        <a:font script="Tibt" typeface="Microsoft Himalaya"/>
+        <a:font script="Thaa" typeface="MV Boli"/>
+        <a:font script="Deva" typeface="Mangal"/>
+        <a:font script="Telu" typeface="Gautami"/>
+        <a:font script="Taml" typeface="Latha"/>
+        <a:font script="Syrc" typeface="Estrangelo Edessa"/>
+        <a:font script="Orya" typeface="Kalinga"/>
+        <a:font script="Mlym" typeface="Kartika"/>
+        <a:font script="Laoo" typeface="DokChampa"/>
+        <a:font script="Sinh" typeface="Iskoola Pota"/>
+        <a:font script="Mong" typeface="Mongolian Baiti"/>
+        <a:font script="Viet" typeface="Arial"/>
+        <a:font script="Uigh" typeface="Microsoft Uighur"/>
+        <a:font script="Geor" typeface="Sylfaen"/>
+        <a:font script="Armn" typeface="Arial"/>
+        <a:font script="Bugi" typeface="Leelawadee UI"/>
+        <a:font script="Bopo" typeface="Microsoft JhengHei"/>
+        <a:font script="Java" typeface="Javanese Text"/>
+        <a:font script="Lisu" typeface="Segoe UI"/>
+        <a:font script="Mymr" typeface="Myanmar Text"/>
+        <a:font script="Nkoo" typeface="Ebrima"/>
+        <a:font script="Olck" typeface="Nirmala UI"/>
+        <a:font script="Osma" typeface="Ebrima"/>
+        <a:font script="Phag" typeface="Phagspa"/>
+        <a:font script="Syrn" typeface="Estrangelo Edessa"/>
+        <a:font script="Syrj" typeface="Estrangelo Edessa"/>
+        <a:font script="Syre" typeface="Estrangelo Edessa"/>
+        <a:font script="Sora" typeface="Nirmala UI"/>
+        <a:font script="Tale" typeface="Microsoft Tai Le"/>
+        <a:font script="Talu" typeface="Microsoft New Tai Lue"/>
+        <a:font script="Tfng" typeface="Ebrima"/>
+      </a:minorFont>
+    </a:fontScheme>
+    <a:fmtScheme name="Office">
+      <a:fillStyleLst>
+        <a:solidFill>
+          <a:schemeClr val="phClr"/>
+        </a:solidFill>
+        <a:gradFill rotWithShape="1">
+          <a:gsLst>
+            <a:gs pos="0">
+              <a:schemeClr val="phClr">
+                <a:lumMod val="110000"/>
+                <a:satMod val="105000"/>
+                <a:tint val="67000"/>
+              </a:schemeClr>
+            </a:gs>
+            <a:gs pos="50000">
+              <a:schemeClr val="phClr">
+                <a:lumMod val="105000"/>
+                <a:satMod val="103000"/>
+                <a:tint val="73000"/>
+              </a:schemeClr>
+            </a:gs>
+            <a:gs pos="100000">
+              <a:schemeClr val="phClr">
+                <a:lumMod val="105000"/>
+                <a:satMod val="109000"/>
+                <a:tint val="81000"/>
+              </a:schemeClr>
+            </a:gs>
+          </a:gsLst>
+          <a:lin ang="5400000" scaled="0"/>
+        </a:gradFill>
+        <a:gradFill rotWithShape="1">
+          <a:gsLst>
+            <a:gs pos="0">
+              <a:schemeClr val="phClr">
+                <a:satMod val="103000"/>
+                <a:lumMod val="102000"/>
+                <a:tint val="94000"/>
+              </a:schemeClr>
+            </a:gs>
+            <a:gs pos="50000">
+              <a:schemeClr val="phClr">
+                <a:satMod val="110000"/>
+                <a:lumMod val="100000"/>
+                <a:shade val="100000"/>
+              </a:schemeClr>
+            </a:gs>
+            <a:gs pos="100000">
+              <a:schemeClr val="phClr">
+                <a:lumMod val="99000"/>
+                <a:satMod val="120000"/>
+                <a:shade val="78000"/>
+              </a:schemeClr>
+            </a:gs>
+          </a:gsLst>
+          <a:lin ang="5400000" scaled="0"/>
+        </a:gradFill>
+      </a:fillStyleLst>
+      <a:lnStyleLst>
+        <a:ln w="6350" cap="flat" cmpd="sng" algn="ctr">
+          <a:solidFill>
+            <a:schemeClr val="phClr"/>
+          </a:solidFill>
+          <a:prstDash val="solid"/>
+          <a:miter lim="800000"/>
+        </a:ln>
+        <a:ln w="12700" cap="flat" cmpd="sng" algn="ctr">
+          <a:solidFill>
+            <a:schemeClr val="phClr"/>
+          </a:solidFill>
+          <a:prstDash val="solid"/>
+          <a:miter lim="800000"/>
+        </a:ln>
+        <a:ln w="19050" cap="flat" cmpd="sng" algn="ctr">
+          <a:solidFill>
+            <a:schemeClr val="phClr"/>
+          </a:solidFill>
+          <a:prstDash val="solid"/>
+          <a:miter lim="800000"/>
+        </a:ln>
+      </a:lnStyleLst>
+      <a:effectStyleLst>
+        <a:effectStyle>
+          <a:effectLst/>
+        </a:effectStyle>
+        <a:effectStyle>
+          <a:effectLst/>
+        </a:effectStyle>
+        <a:effectStyle>
+          <a:effectLst>
+            <a:outerShdw blurRad="57150" dist="19050" dir="5400000" algn="ctr" rotWithShape="0">
+              <a:srgbClr val="000000">
+                <a:alpha val="63000"/>
+              </a:srgbClr>
+            </a:outerShdw>
+          </a:effectLst>
+        </a:effectStyle>
+      </a:effectStyleLst>
+      <a:bgFillStyleLst>
+        <a:solidFill>
+          <a:schemeClr val="phClr"/>
+        </a:solidFill>
+        <a:solidFill>
+          <a:schemeClr val="phClr">
+            <a:tint val="95000"/>
+            <a:satMod val="170000"/>
+          </a:schemeClr>
+        </a:solidFill>
+        <a:gradFill rotWithShape="1">
+          <a:gsLst>
+            <a:gs pos="0">
+              <a:schemeClr val="phClr">
+                <a:tint val="93000"/>
+                <a:satMod val="150000"/>
+                <a:shade val="98000"/>
+                <a:lumMod val="102000"/>
+              </a:schemeClr>
+            </a:gs>
+            <a:gs pos="50000">
+              <a:schemeClr val="phClr">
+                <a:tint val="98000"/>
+                <a:satMod val="130000"/>
+                <a:shade val="90000"/>
+                <a:lumMod val="103000"/>
+              </a:schemeClr>
+            </a:gs>
+            <a:gs pos="100000">
+              <a:schemeClr val="phClr">
+                <a:shade val="63000"/>
+                <a:satMod val="120000"/>
+              </a:schemeClr>
+            </a:gs>
+          </a:gsLst>
+          <a:lin ang="5400000" scaled="0"/>
+        </a:gradFill>
+      </a:bgFillStyleLst>
+    </a:fmtScheme>
+  </a:themeElements>
+  <a:objectDefaults/>
+  <a:extraClrSchemeLst/>
+  <a:extLst>
+    <a:ext uri="{05A4C25C-085E-4340-85A3-A5531E510DB2}">
+      <thm15:themeFamily xmlns:thm15="http://schemas.microsoft.com/office/thememl/2012/main" name="Office Theme" id="{62F939B6-93AF-4DB8-9C6B-D6C7DFDC589F}" vid="{4A3C46E8-61CC-4603-A589-7422A47A8E4A}"/>
+    </a:ext>
+  </a:extLst>
+</a:theme>
 </file>
--- a/doc/manuscript/figures_tables/C_pools_fig.pptx
+++ b/doc/manuscript/figures_tables/C_pools_fig.pptx
@@ -107,6 +107,11 @@
       </a:defRPr>
     </a:lvl9pPr>
   </p:defaultTextStyle>
+  <p:extLst>
+    <p:ext uri="{EFAFB233-063F-42B5-8137-9DF3F51BA10A}">
+      <p15:sldGuideLst xmlns:p15="http://schemas.microsoft.com/office/powerpoint/2012/main"/>
+    </p:ext>
+  </p:extLst>
 </p:presentation>
 </file>
 
@@ -677,7 +682,7 @@
           <a:p>
             <a:fld id="{6298E0E3-79FA-3742-AA7B-873C13C8E065}" type="datetimeFigureOut">
               <a:rPr lang="en-US" smtClean="0"/>
-              <a:t>6/16/21</a:t>
+              <a:t>6/17/21</a:t>
             </a:fld>
             <a:endParaRPr lang="en-US"/>
           </a:p>
@@ -847,7 +852,7 @@
           <a:p>
             <a:fld id="{6298E0E3-79FA-3742-AA7B-873C13C8E065}" type="datetimeFigureOut">
               <a:rPr lang="en-US" smtClean="0"/>
-              <a:t>6/16/21</a:t>
+              <a:t>6/17/21</a:t>
             </a:fld>
             <a:endParaRPr lang="en-US"/>
           </a:p>
@@ -1027,7 +1032,7 @@
           <a:p>
             <a:fld id="{6298E0E3-79FA-3742-AA7B-873C13C8E065}" type="datetimeFigureOut">
               <a:rPr lang="en-US" smtClean="0"/>
-              <a:t>6/16/21</a:t>
+              <a:t>6/17/21</a:t>
             </a:fld>
             <a:endParaRPr lang="en-US"/>
           </a:p>
@@ -1197,7 +1202,7 @@
           <a:p>
             <a:fld id="{6298E0E3-79FA-3742-AA7B-873C13C8E065}" type="datetimeFigureOut">
               <a:rPr lang="en-US" smtClean="0"/>
-              <a:t>6/16/21</a:t>
+              <a:t>6/17/21</a:t>
             </a:fld>
             <a:endParaRPr lang="en-US"/>
           </a:p>
@@ -1441,7 +1446,7 @@
           <a:p>
             <a:fld id="{6298E0E3-79FA-3742-AA7B-873C13C8E065}" type="datetimeFigureOut">
               <a:rPr lang="en-US" smtClean="0"/>
-              <a:t>6/16/21</a:t>
+              <a:t>6/17/21</a:t>
             </a:fld>
             <a:endParaRPr lang="en-US"/>
           </a:p>
@@ -1673,7 +1678,7 @@
           <a:p>
             <a:fld id="{6298E0E3-79FA-3742-AA7B-873C13C8E065}" type="datetimeFigureOut">
               <a:rPr lang="en-US" smtClean="0"/>
-              <a:t>6/16/21</a:t>
+              <a:t>6/17/21</a:t>
             </a:fld>
             <a:endParaRPr lang="en-US"/>
           </a:p>
@@ -2040,7 +2045,7 @@
           <a:p>
             <a:fld id="{6298E0E3-79FA-3742-AA7B-873C13C8E065}" type="datetimeFigureOut">
               <a:rPr lang="en-US" smtClean="0"/>
-              <a:t>6/16/21</a:t>
+              <a:t>6/17/21</a:t>
             </a:fld>
             <a:endParaRPr lang="en-US"/>
           </a:p>
@@ -2158,7 +2163,7 @@
           <a:p>
             <a:fld id="{6298E0E3-79FA-3742-AA7B-873C13C8E065}" type="datetimeFigureOut">
               <a:rPr lang="en-US" smtClean="0"/>
-              <a:t>6/16/21</a:t>
+              <a:t>6/17/21</a:t>
             </a:fld>
             <a:endParaRPr lang="en-US"/>
           </a:p>
@@ -2253,7 +2258,7 @@
           <a:p>
             <a:fld id="{6298E0E3-79FA-3742-AA7B-873C13C8E065}" type="datetimeFigureOut">
               <a:rPr lang="en-US" smtClean="0"/>
-              <a:t>6/16/21</a:t>
+              <a:t>6/17/21</a:t>
             </a:fld>
             <a:endParaRPr lang="en-US"/>
           </a:p>
@@ -2530,7 +2535,7 @@
           <a:p>
             <a:fld id="{6298E0E3-79FA-3742-AA7B-873C13C8E065}" type="datetimeFigureOut">
               <a:rPr lang="en-US" smtClean="0"/>
-              <a:t>6/16/21</a:t>
+              <a:t>6/17/21</a:t>
             </a:fld>
             <a:endParaRPr lang="en-US"/>
           </a:p>
@@ -2787,7 +2792,7 @@
           <a:p>
             <a:fld id="{6298E0E3-79FA-3742-AA7B-873C13C8E065}" type="datetimeFigureOut">
               <a:rPr lang="en-US" smtClean="0"/>
-              <a:t>6/16/21</a:t>
+              <a:t>6/17/21</a:t>
             </a:fld>
             <a:endParaRPr lang="en-US"/>
           </a:p>
@@ -3000,7 +3005,7 @@
           <a:p>
             <a:fld id="{6298E0E3-79FA-3742-AA7B-873C13C8E065}" type="datetimeFigureOut">
               <a:rPr lang="en-US" smtClean="0"/>
-              <a:t>6/16/21</a:t>
+              <a:t>6/17/21</a:t>
             </a:fld>
             <a:endParaRPr lang="en-US"/>
           </a:p>
@@ -4155,15 +4160,7 @@
                     <a:schemeClr val="tx1"/>
                   </a:solidFill>
                 </a:rPr>
-                <a:t>▼ </a:t>
-              </a:r>
-              <a:r>
-                <a:rPr lang="en-US" sz="900" i="1" dirty="0">
-                  <a:solidFill>
-                    <a:schemeClr val="tx1"/>
-                  </a:solidFill>
-                </a:rPr>
-                <a:t>BNPP_root.turnover_fine</a:t>
+                <a:t>▼ BNPP_root.turnover_fine</a:t>
               </a:r>
               <a:endParaRPr lang="en-US" sz="1000" dirty="0">
                 <a:solidFill>
@@ -9713,7 +9710,7 @@
         </p:nvCxnSpPr>
         <p:spPr>
           <a:xfrm>
-            <a:off x="229563" y="1522066"/>
+            <a:off x="212311" y="1522066"/>
             <a:ext cx="99951" cy="0"/>
           </a:xfrm>
           <a:prstGeom prst="line">

--- a/doc/manuscript/figures_tables/C_pools_fig.pptx
+++ b/doc/manuscript/figures_tables/C_pools_fig.pptx
@@ -197,7 +197,7 @@
           <a:p>
             <a:fld id="{DB657656-E537-AA48-B575-F7F3A3DBC2DD}" type="datetimeFigureOut">
               <a:rPr lang="en-US" smtClean="0"/>
-              <a:t>6/17/21</a:t>
+              <a:t>6/21/21</a:t>
             </a:fld>
             <a:endParaRPr lang="en-US"/>
           </a:p>
@@ -682,7 +682,7 @@
           <a:p>
             <a:fld id="{6298E0E3-79FA-3742-AA7B-873C13C8E065}" type="datetimeFigureOut">
               <a:rPr lang="en-US" smtClean="0"/>
-              <a:t>6/17/21</a:t>
+              <a:t>6/21/21</a:t>
             </a:fld>
             <a:endParaRPr lang="en-US"/>
           </a:p>
@@ -852,7 +852,7 @@
           <a:p>
             <a:fld id="{6298E0E3-79FA-3742-AA7B-873C13C8E065}" type="datetimeFigureOut">
               <a:rPr lang="en-US" smtClean="0"/>
-              <a:t>6/17/21</a:t>
+              <a:t>6/21/21</a:t>
             </a:fld>
             <a:endParaRPr lang="en-US"/>
           </a:p>
@@ -1032,7 +1032,7 @@
           <a:p>
             <a:fld id="{6298E0E3-79FA-3742-AA7B-873C13C8E065}" type="datetimeFigureOut">
               <a:rPr lang="en-US" smtClean="0"/>
-              <a:t>6/17/21</a:t>
+              <a:t>6/21/21</a:t>
             </a:fld>
             <a:endParaRPr lang="en-US"/>
           </a:p>
@@ -1202,7 +1202,7 @@
           <a:p>
             <a:fld id="{6298E0E3-79FA-3742-AA7B-873C13C8E065}" type="datetimeFigureOut">
               <a:rPr lang="en-US" smtClean="0"/>
-              <a:t>6/17/21</a:t>
+              <a:t>6/21/21</a:t>
             </a:fld>
             <a:endParaRPr lang="en-US"/>
           </a:p>
@@ -1446,7 +1446,7 @@
           <a:p>
             <a:fld id="{6298E0E3-79FA-3742-AA7B-873C13C8E065}" type="datetimeFigureOut">
               <a:rPr lang="en-US" smtClean="0"/>
-              <a:t>6/17/21</a:t>
+              <a:t>6/21/21</a:t>
             </a:fld>
             <a:endParaRPr lang="en-US"/>
           </a:p>
@@ -1678,7 +1678,7 @@
           <a:p>
             <a:fld id="{6298E0E3-79FA-3742-AA7B-873C13C8E065}" type="datetimeFigureOut">
               <a:rPr lang="en-US" smtClean="0"/>
-              <a:t>6/17/21</a:t>
+              <a:t>6/21/21</a:t>
             </a:fld>
             <a:endParaRPr lang="en-US"/>
           </a:p>
@@ -2045,7 +2045,7 @@
           <a:p>
             <a:fld id="{6298E0E3-79FA-3742-AA7B-873C13C8E065}" type="datetimeFigureOut">
               <a:rPr lang="en-US" smtClean="0"/>
-              <a:t>6/17/21</a:t>
+              <a:t>6/21/21</a:t>
             </a:fld>
             <a:endParaRPr lang="en-US"/>
           </a:p>
@@ -2163,7 +2163,7 @@
           <a:p>
             <a:fld id="{6298E0E3-79FA-3742-AA7B-873C13C8E065}" type="datetimeFigureOut">
               <a:rPr lang="en-US" smtClean="0"/>
-              <a:t>6/17/21</a:t>
+              <a:t>6/21/21</a:t>
             </a:fld>
             <a:endParaRPr lang="en-US"/>
           </a:p>
@@ -2258,7 +2258,7 @@
           <a:p>
             <a:fld id="{6298E0E3-79FA-3742-AA7B-873C13C8E065}" type="datetimeFigureOut">
               <a:rPr lang="en-US" smtClean="0"/>
-              <a:t>6/17/21</a:t>
+              <a:t>6/21/21</a:t>
             </a:fld>
             <a:endParaRPr lang="en-US"/>
           </a:p>
@@ -2535,7 +2535,7 @@
           <a:p>
             <a:fld id="{6298E0E3-79FA-3742-AA7B-873C13C8E065}" type="datetimeFigureOut">
               <a:rPr lang="en-US" smtClean="0"/>
-              <a:t>6/17/21</a:t>
+              <a:t>6/21/21</a:t>
             </a:fld>
             <a:endParaRPr lang="en-US"/>
           </a:p>
@@ -2792,7 +2792,7 @@
           <a:p>
             <a:fld id="{6298E0E3-79FA-3742-AA7B-873C13C8E065}" type="datetimeFigureOut">
               <a:rPr lang="en-US" smtClean="0"/>
-              <a:t>6/17/21</a:t>
+              <a:t>6/21/21</a:t>
             </a:fld>
             <a:endParaRPr lang="en-US"/>
           </a:p>
@@ -3005,7 +3005,7 @@
           <a:p>
             <a:fld id="{6298E0E3-79FA-3742-AA7B-873C13C8E065}" type="datetimeFigureOut">
               <a:rPr lang="en-US" smtClean="0"/>
-              <a:t>6/17/21</a:t>
+              <a:t>6/21/21</a:t>
             </a:fld>
             <a:endParaRPr lang="en-US"/>
           </a:p>
@@ -7343,7 +7343,7 @@
                     <a:schemeClr val="tx1"/>
                   </a:solidFill>
                 </a:rPr>
-                <a:t> delta.organic.layer </a:t>
+                <a:t> delta.O.horizon</a:t>
               </a:r>
               <a:r>
                 <a:rPr lang="en-US" sz="1000" baseline="30000" dirty="0">
@@ -7417,7 +7417,7 @@
                     <a:schemeClr val="tx1"/>
                   </a:solidFill>
                 </a:rPr>
-                <a:t>organic.layer </a:t>
+                <a:t>O.horizon </a:t>
               </a:r>
               <a:r>
                 <a:rPr lang="en-US" sz="1000" baseline="30000" dirty="0">

--- a/doc/manuscript/figures_tables/C_pools_fig.pptx
+++ b/doc/manuscript/figures_tables/C_pools_fig.pptx
@@ -7343,7 +7343,7 @@
                     <a:schemeClr val="tx1"/>
                   </a:solidFill>
                 </a:rPr>
-                <a:t> delta.O.horizon</a:t>
+                <a:t> delta.O.horizon </a:t>
               </a:r>
               <a:r>
                 <a:rPr lang="en-US" sz="1000" baseline="30000" dirty="0">

--- a/doc/manuscript/figures_tables/C_pools_fig.pptx
+++ b/doc/manuscript/figures_tables/C_pools_fig.pptx
@@ -197,7 +197,7 @@
           <a:p>
             <a:fld id="{DB657656-E537-AA48-B575-F7F3A3DBC2DD}" type="datetimeFigureOut">
               <a:rPr lang="en-US" smtClean="0"/>
-              <a:t>6/21/21</a:t>
+              <a:t>9/8/21</a:t>
             </a:fld>
             <a:endParaRPr lang="en-US"/>
           </a:p>
@@ -682,7 +682,7 @@
           <a:p>
             <a:fld id="{6298E0E3-79FA-3742-AA7B-873C13C8E065}" type="datetimeFigureOut">
               <a:rPr lang="en-US" smtClean="0"/>
-              <a:t>6/21/21</a:t>
+              <a:t>9/8/21</a:t>
             </a:fld>
             <a:endParaRPr lang="en-US"/>
           </a:p>
@@ -852,7 +852,7 @@
           <a:p>
             <a:fld id="{6298E0E3-79FA-3742-AA7B-873C13C8E065}" type="datetimeFigureOut">
               <a:rPr lang="en-US" smtClean="0"/>
-              <a:t>6/21/21</a:t>
+              <a:t>9/8/21</a:t>
             </a:fld>
             <a:endParaRPr lang="en-US"/>
           </a:p>
@@ -1032,7 +1032,7 @@
           <a:p>
             <a:fld id="{6298E0E3-79FA-3742-AA7B-873C13C8E065}" type="datetimeFigureOut">
               <a:rPr lang="en-US" smtClean="0"/>
-              <a:t>6/21/21</a:t>
+              <a:t>9/8/21</a:t>
             </a:fld>
             <a:endParaRPr lang="en-US"/>
           </a:p>
@@ -1202,7 +1202,7 @@
           <a:p>
             <a:fld id="{6298E0E3-79FA-3742-AA7B-873C13C8E065}" type="datetimeFigureOut">
               <a:rPr lang="en-US" smtClean="0"/>
-              <a:t>6/21/21</a:t>
+              <a:t>9/8/21</a:t>
             </a:fld>
             <a:endParaRPr lang="en-US"/>
           </a:p>
@@ -1446,7 +1446,7 @@
           <a:p>
             <a:fld id="{6298E0E3-79FA-3742-AA7B-873C13C8E065}" type="datetimeFigureOut">
               <a:rPr lang="en-US" smtClean="0"/>
-              <a:t>6/21/21</a:t>
+              <a:t>9/8/21</a:t>
             </a:fld>
             <a:endParaRPr lang="en-US"/>
           </a:p>
@@ -1678,7 +1678,7 @@
           <a:p>
             <a:fld id="{6298E0E3-79FA-3742-AA7B-873C13C8E065}" type="datetimeFigureOut">
               <a:rPr lang="en-US" smtClean="0"/>
-              <a:t>6/21/21</a:t>
+              <a:t>9/8/21</a:t>
             </a:fld>
             <a:endParaRPr lang="en-US"/>
           </a:p>
@@ -2045,7 +2045,7 @@
           <a:p>
             <a:fld id="{6298E0E3-79FA-3742-AA7B-873C13C8E065}" type="datetimeFigureOut">
               <a:rPr lang="en-US" smtClean="0"/>
-              <a:t>6/21/21</a:t>
+              <a:t>9/8/21</a:t>
             </a:fld>
             <a:endParaRPr lang="en-US"/>
           </a:p>
@@ -2163,7 +2163,7 @@
           <a:p>
             <a:fld id="{6298E0E3-79FA-3742-AA7B-873C13C8E065}" type="datetimeFigureOut">
               <a:rPr lang="en-US" smtClean="0"/>
-              <a:t>6/21/21</a:t>
+              <a:t>9/8/21</a:t>
             </a:fld>
             <a:endParaRPr lang="en-US"/>
           </a:p>
@@ -2258,7 +2258,7 @@
           <a:p>
             <a:fld id="{6298E0E3-79FA-3742-AA7B-873C13C8E065}" type="datetimeFigureOut">
               <a:rPr lang="en-US" smtClean="0"/>
-              <a:t>6/21/21</a:t>
+              <a:t>9/8/21</a:t>
             </a:fld>
             <a:endParaRPr lang="en-US"/>
           </a:p>
@@ -2535,7 +2535,7 @@
           <a:p>
             <a:fld id="{6298E0E3-79FA-3742-AA7B-873C13C8E065}" type="datetimeFigureOut">
               <a:rPr lang="en-US" smtClean="0"/>
-              <a:t>6/21/21</a:t>
+              <a:t>9/8/21</a:t>
             </a:fld>
             <a:endParaRPr lang="en-US"/>
           </a:p>
@@ -2792,7 +2792,7 @@
           <a:p>
             <a:fld id="{6298E0E3-79FA-3742-AA7B-873C13C8E065}" type="datetimeFigureOut">
               <a:rPr lang="en-US" smtClean="0"/>
-              <a:t>6/21/21</a:t>
+              <a:t>9/8/21</a:t>
             </a:fld>
             <a:endParaRPr lang="en-US"/>
           </a:p>
@@ -3005,7 +3005,7 @@
           <a:p>
             <a:fld id="{6298E0E3-79FA-3742-AA7B-873C13C8E065}" type="datetimeFigureOut">
               <a:rPr lang="en-US" smtClean="0"/>
-              <a:t>6/21/21</a:t>
+              <a:t>9/8/21</a:t>
             </a:fld>
             <a:endParaRPr lang="en-US"/>
           </a:p>
@@ -5775,15 +5775,7 @@
             </a:r>
             <a:r>
               <a:rPr lang="en-US" sz="1000" dirty="0"/>
-              <a:t> assumes minimal </a:t>
-            </a:r>
-            <a:r>
-              <a:rPr lang="en-US" sz="1000"/>
-              <a:t>non-respiratory C </a:t>
-            </a:r>
-            <a:r>
-              <a:rPr lang="en-US" sz="1000" dirty="0"/>
-              <a:t>fluxes, …. (Chapin et al. 2006)</a:t>
+              <a:t> assumes minimal non-respiratory C fluxes, …. (Chapin et al. 2006)</a:t>
             </a:r>
           </a:p>
           <a:p>
@@ -6692,7 +6684,7 @@
                     <a:schemeClr val="tx1"/>
                   </a:solidFill>
                 </a:rPr>
-                <a:t>▼ R_soil</a:t>
+                <a:t>▼ R_het_soil</a:t>
               </a:r>
               <a:endParaRPr lang="en-US" sz="1000" dirty="0">
                 <a:solidFill>

--- a/doc/manuscript/figures_tables/C_pools_fig.pptx
+++ b/doc/manuscript/figures_tables/C_pools_fig.pptx
@@ -197,7 +197,7 @@
           <a:p>
             <a:fld id="{DB657656-E537-AA48-B575-F7F3A3DBC2DD}" type="datetimeFigureOut">
               <a:rPr lang="en-US" smtClean="0"/>
-              <a:t>9/8/21</a:t>
+              <a:t>9/13/21</a:t>
             </a:fld>
             <a:endParaRPr lang="en-US"/>
           </a:p>
@@ -682,7 +682,7 @@
           <a:p>
             <a:fld id="{6298E0E3-79FA-3742-AA7B-873C13C8E065}" type="datetimeFigureOut">
               <a:rPr lang="en-US" smtClean="0"/>
-              <a:t>9/8/21</a:t>
+              <a:t>9/13/21</a:t>
             </a:fld>
             <a:endParaRPr lang="en-US"/>
           </a:p>
@@ -852,7 +852,7 @@
           <a:p>
             <a:fld id="{6298E0E3-79FA-3742-AA7B-873C13C8E065}" type="datetimeFigureOut">
               <a:rPr lang="en-US" smtClean="0"/>
-              <a:t>9/8/21</a:t>
+              <a:t>9/13/21</a:t>
             </a:fld>
             <a:endParaRPr lang="en-US"/>
           </a:p>
@@ -1032,7 +1032,7 @@
           <a:p>
             <a:fld id="{6298E0E3-79FA-3742-AA7B-873C13C8E065}" type="datetimeFigureOut">
               <a:rPr lang="en-US" smtClean="0"/>
-              <a:t>9/8/21</a:t>
+              <a:t>9/13/21</a:t>
             </a:fld>
             <a:endParaRPr lang="en-US"/>
           </a:p>
@@ -1202,7 +1202,7 @@
           <a:p>
             <a:fld id="{6298E0E3-79FA-3742-AA7B-873C13C8E065}" type="datetimeFigureOut">
               <a:rPr lang="en-US" smtClean="0"/>
-              <a:t>9/8/21</a:t>
+              <a:t>9/13/21</a:t>
             </a:fld>
             <a:endParaRPr lang="en-US"/>
           </a:p>
@@ -1446,7 +1446,7 @@
           <a:p>
             <a:fld id="{6298E0E3-79FA-3742-AA7B-873C13C8E065}" type="datetimeFigureOut">
               <a:rPr lang="en-US" smtClean="0"/>
-              <a:t>9/8/21</a:t>
+              <a:t>9/13/21</a:t>
             </a:fld>
             <a:endParaRPr lang="en-US"/>
           </a:p>
@@ -1678,7 +1678,7 @@
           <a:p>
             <a:fld id="{6298E0E3-79FA-3742-AA7B-873C13C8E065}" type="datetimeFigureOut">
               <a:rPr lang="en-US" smtClean="0"/>
-              <a:t>9/8/21</a:t>
+              <a:t>9/13/21</a:t>
             </a:fld>
             <a:endParaRPr lang="en-US"/>
           </a:p>
@@ -2045,7 +2045,7 @@
           <a:p>
             <a:fld id="{6298E0E3-79FA-3742-AA7B-873C13C8E065}" type="datetimeFigureOut">
               <a:rPr lang="en-US" smtClean="0"/>
-              <a:t>9/8/21</a:t>
+              <a:t>9/13/21</a:t>
             </a:fld>
             <a:endParaRPr lang="en-US"/>
           </a:p>
@@ -2163,7 +2163,7 @@
           <a:p>
             <a:fld id="{6298E0E3-79FA-3742-AA7B-873C13C8E065}" type="datetimeFigureOut">
               <a:rPr lang="en-US" smtClean="0"/>
-              <a:t>9/8/21</a:t>
+              <a:t>9/13/21</a:t>
             </a:fld>
             <a:endParaRPr lang="en-US"/>
           </a:p>
@@ -2258,7 +2258,7 @@
           <a:p>
             <a:fld id="{6298E0E3-79FA-3742-AA7B-873C13C8E065}" type="datetimeFigureOut">
               <a:rPr lang="en-US" smtClean="0"/>
-              <a:t>9/8/21</a:t>
+              <a:t>9/13/21</a:t>
             </a:fld>
             <a:endParaRPr lang="en-US"/>
           </a:p>
@@ -2535,7 +2535,7 @@
           <a:p>
             <a:fld id="{6298E0E3-79FA-3742-AA7B-873C13C8E065}" type="datetimeFigureOut">
               <a:rPr lang="en-US" smtClean="0"/>
-              <a:t>9/8/21</a:t>
+              <a:t>9/13/21</a:t>
             </a:fld>
             <a:endParaRPr lang="en-US"/>
           </a:p>
@@ -2792,7 +2792,7 @@
           <a:p>
             <a:fld id="{6298E0E3-79FA-3742-AA7B-873C13C8E065}" type="datetimeFigureOut">
               <a:rPr lang="en-US" smtClean="0"/>
-              <a:t>9/8/21</a:t>
+              <a:t>9/13/21</a:t>
             </a:fld>
             <a:endParaRPr lang="en-US"/>
           </a:p>
@@ -3005,7 +3005,7 @@
           <a:p>
             <a:fld id="{6298E0E3-79FA-3742-AA7B-873C13C8E065}" type="datetimeFigureOut">
               <a:rPr lang="en-US" smtClean="0"/>
-              <a:t>9/8/21</a:t>
+              <a:t>9/13/21</a:t>
             </a:fld>
             <a:endParaRPr lang="en-US"/>
           </a:p>
@@ -5756,7 +5756,7 @@
         <p:spPr>
           <a:xfrm>
             <a:off x="0" y="7108748"/>
-            <a:ext cx="6769459" cy="1631216"/>
+            <a:ext cx="6769459" cy="1785104"/>
           </a:xfrm>
           <a:prstGeom prst="rect">
             <a:avLst/>
@@ -5847,8 +5847,14 @@
           </a:p>
           <a:p>
             <a:r>
+              <a:rPr lang="en-US" sz="1000" dirty="0"/>
+              <a:t>7 incomplete</a:t>
+            </a:r>
+          </a:p>
+          <a:p>
+            <a:r>
               <a:rPr lang="en-US" sz="1000" baseline="30000" dirty="0"/>
-              <a:t>7</a:t>
+              <a:t>8</a:t>
             </a:r>
             <a:r>
               <a:rPr lang="en-US" sz="1000" dirty="0"/>
@@ -5936,12 +5942,20 @@
                 <a:t>▲ </a:t>
               </a:r>
               <a:r>
+                <a:rPr lang="en-US" sz="1000" i="1" dirty="0" err="1">
+                  <a:solidFill>
+                    <a:schemeClr val="tx1"/>
+                  </a:solidFill>
+                </a:rPr>
+                <a:t>ANPP_foliage</a:t>
+              </a:r>
+              <a:r>
                 <a:rPr lang="en-US" sz="1000" i="1" dirty="0">
                   <a:solidFill>
                     <a:schemeClr val="tx1"/>
                   </a:solidFill>
                 </a:rPr>
-                <a:t>ANPP_foliage </a:t>
+                <a:t> </a:t>
               </a:r>
               <a:r>
                 <a:rPr lang="en-US" sz="1000" i="1" baseline="30000" dirty="0">
@@ -5949,7 +5963,7 @@
                     <a:schemeClr val="tx1"/>
                   </a:solidFill>
                 </a:rPr>
-                <a:t>7</a:t>
+                <a:t>8</a:t>
               </a:r>
               <a:endParaRPr lang="en-US" sz="1000" dirty="0">
                 <a:solidFill>
@@ -6015,7 +6029,23 @@
                     <a:schemeClr val="tx1"/>
                   </a:solidFill>
                 </a:rPr>
-                <a:t>▼ ANPP_foliage </a:t>
+                <a:t>▼ </a:t>
+              </a:r>
+              <a:r>
+                <a:rPr lang="en-US" sz="1000" i="1" dirty="0" err="1">
+                  <a:solidFill>
+                    <a:schemeClr val="tx1"/>
+                  </a:solidFill>
+                </a:rPr>
+                <a:t>ANPP_foliage</a:t>
+              </a:r>
+              <a:r>
+                <a:rPr lang="en-US" sz="1000" i="1" dirty="0">
+                  <a:solidFill>
+                    <a:schemeClr val="tx1"/>
+                  </a:solidFill>
+                </a:rPr>
+                <a:t> </a:t>
               </a:r>
               <a:r>
                 <a:rPr lang="en-US" sz="1000" i="1" baseline="30000" dirty="0">
@@ -6023,7 +6053,7 @@
                     <a:schemeClr val="tx1"/>
                   </a:solidFill>
                 </a:rPr>
-                <a:t>7</a:t>
+                <a:t>8</a:t>
               </a:r>
               <a:endParaRPr lang="en-US" sz="1000" dirty="0">
                 <a:solidFill>
@@ -7258,16 +7288,21 @@
                     <a:schemeClr val="tx1"/>
                   </a:solidFill>
                 </a:rPr>
-                <a:t>▼</a:t>
-              </a:r>
-              <a:r>
-                <a:rPr lang="en-US" sz="1000" dirty="0">
-                  <a:solidFill>
-                    <a:schemeClr val="tx1"/>
-                  </a:solidFill>
-                </a:rPr>
-                <a:t>⌀</a:t>
-              </a:r>
+                <a:t>▼R_het_litter </a:t>
+              </a:r>
+              <a:r>
+                <a:rPr lang="en-US" sz="1000" i="1" baseline="30000" dirty="0">
+                  <a:solidFill>
+                    <a:schemeClr val="tx1"/>
+                  </a:solidFill>
+                </a:rPr>
+                <a:t>4,7</a:t>
+              </a:r>
+              <a:endParaRPr lang="en-US" sz="1000" i="1" dirty="0">
+                <a:solidFill>
+                  <a:schemeClr val="tx1"/>
+                </a:solidFill>
+              </a:endParaRPr>
             </a:p>
           </p:txBody>
         </p:sp>

--- a/doc/manuscript/figures_tables/C_pools_fig.pptx
+++ b/doc/manuscript/figures_tables/C_pools_fig.pptx
@@ -508,10 +508,7 @@
           <a:bodyPr/>
           <a:lstStyle/>
           <a:p>
-            <a:r>
-              <a:rPr lang="en-US" dirty="0"/>
-              <a:t>Figure caption in paper has master set of footnotes. The one above may be out of date</a:t>
-            </a:r>
+            <a:endParaRPr lang="en-US" dirty="0"/>
           </a:p>
         </p:txBody>
       </p:sp>
@@ -5129,7 +5126,15 @@
                     <a:schemeClr val="tx1"/>
                   </a:solidFill>
                 </a:rPr>
-                <a:t>ANPP_woody_stem</a:t>
+                <a:t>ANPP_woody_stem </a:t>
+              </a:r>
+              <a:r>
+                <a:rPr lang="en-US" sz="1000" i="1" baseline="30000" dirty="0">
+                  <a:solidFill>
+                    <a:schemeClr val="tx1"/>
+                  </a:solidFill>
+                </a:rPr>
+                <a:t>9</a:t>
               </a:r>
               <a:endParaRPr lang="en-US" sz="1000" dirty="0">
                 <a:solidFill>
@@ -5203,7 +5208,7 @@
                     <a:schemeClr val="tx1"/>
                   </a:solidFill>
                 </a:rPr>
-                <a:t>2,3</a:t>
+                <a:t>2,3,9</a:t>
               </a:r>
               <a:endParaRPr lang="en-US" sz="1000" dirty="0">
                 <a:solidFill>
@@ -5755,8 +5760,8 @@
         </p:nvSpPr>
         <p:spPr>
           <a:xfrm>
-            <a:off x="0" y="7108748"/>
-            <a:ext cx="6769459" cy="1785104"/>
+            <a:off x="44270" y="7802081"/>
+            <a:ext cx="6769459" cy="246221"/>
           </a:xfrm>
           <a:prstGeom prst="rect">
             <a:avLst/>
@@ -5770,95 +5775,8 @@
           <a:lstStyle/>
           <a:p>
             <a:r>
-              <a:rPr lang="en-US" sz="1000" baseline="30000" dirty="0"/>
-              <a:t>1</a:t>
-            </a:r>
-            <a:r>
               <a:rPr lang="en-US" sz="1000" dirty="0"/>
-              <a:t> assumes minimal non-respiratory C fluxes, …. (Chapin et al. 2006)</a:t>
-            </a:r>
-          </a:p>
-          <a:p>
-            <a:r>
-              <a:rPr lang="en-US" sz="1000" baseline="30000" dirty="0"/>
-              <a:t>2 </a:t>
-            </a:r>
-            <a:r>
-              <a:rPr lang="en-US" sz="1000" dirty="0"/>
-              <a:t>assumes that change in foliage biomass is negligible (see note 7).</a:t>
-            </a:r>
-            <a:endParaRPr lang="en-US" sz="1000" baseline="30000" dirty="0"/>
-          </a:p>
-          <a:p>
-            <a:r>
-              <a:rPr lang="en-US" sz="1000" baseline="30000" dirty="0"/>
-              <a:t>3 </a:t>
-            </a:r>
-            <a:r>
-              <a:rPr lang="en-US" sz="1000" dirty="0"/>
-              <a:t>incomplete: excludes large branch fall; also, under IPCC definitions, outflux from </a:t>
-            </a:r>
-            <a:r>
-              <a:rPr lang="en-US" sz="1000" i="1" dirty="0"/>
-              <a:t>biomass_ag </a:t>
-            </a:r>
-            <a:r>
-              <a:rPr lang="en-US" sz="1000" dirty="0"/>
-              <a:t>should include all sizes, influx to </a:t>
-            </a:r>
-            <a:r>
-              <a:rPr lang="en-US" sz="1000" i="1" dirty="0"/>
-              <a:t>deadwood</a:t>
-            </a:r>
-            <a:r>
-              <a:rPr lang="en-US" sz="1000" dirty="0"/>
-              <a:t> should include only above the minimum diameter chosen for dead wood</a:t>
-            </a:r>
-          </a:p>
-          <a:p>
-            <a:r>
-              <a:rPr lang="en-US" sz="1000" baseline="30000" dirty="0"/>
-              <a:t>4 </a:t>
-            </a:r>
-            <a:r>
-              <a:rPr lang="en-US" sz="1000" dirty="0"/>
-              <a:t>incomplete: excludes belowground components </a:t>
-            </a:r>
-          </a:p>
-          <a:p>
-            <a:r>
-              <a:rPr lang="en-US" sz="1000" baseline="30000" dirty="0"/>
-              <a:t>5 </a:t>
-            </a:r>
-            <a:r>
-              <a:rPr lang="en-US" sz="1000" dirty="0"/>
-              <a:t>incomplete: excludes breakage into pieces less than dead wood threshold size</a:t>
-            </a:r>
-          </a:p>
-          <a:p>
-            <a:r>
-              <a:rPr lang="en-US" sz="1000" baseline="30000" dirty="0"/>
-              <a:t>6 </a:t>
-            </a:r>
-            <a:r>
-              <a:rPr lang="en-US" sz="1000" dirty="0"/>
-              <a:t>incomplete: excludes woody_mortality of stems &lt;10 cm DBH, decomposition of dead wood (aboveground and coarse roots) into sizes classified as litter. </a:t>
-            </a:r>
-          </a:p>
-          <a:p>
-            <a:r>
-              <a:rPr lang="en-US" sz="1000" dirty="0"/>
-              <a:t>7 incomplete</a:t>
-            </a:r>
-          </a:p>
-          <a:p>
-            <a:r>
-              <a:rPr lang="en-US" sz="1000" baseline="30000" dirty="0"/>
-              <a:t>8</a:t>
-            </a:r>
-            <a:r>
-              <a:rPr lang="en-US" sz="1000" dirty="0"/>
-              <a:t> foliage production is generally measured by collecting leaf-fall, a method that assumes that the influx = outflux (foliage biomass is roughly constant year-to-year)</a:t>
+              <a:t>For footnotes, see caption in manuscript. </a:t>
             </a:r>
           </a:p>
         </p:txBody>
@@ -5942,20 +5860,12 @@
                 <a:t>▲ </a:t>
               </a:r>
               <a:r>
-                <a:rPr lang="en-US" sz="1000" i="1" dirty="0" err="1">
-                  <a:solidFill>
-                    <a:schemeClr val="tx1"/>
-                  </a:solidFill>
-                </a:rPr>
-                <a:t>ANPP_foliage</a:t>
-              </a:r>
-              <a:r>
                 <a:rPr lang="en-US" sz="1000" i="1" dirty="0">
                   <a:solidFill>
                     <a:schemeClr val="tx1"/>
                   </a:solidFill>
                 </a:rPr>
-                <a:t> </a:t>
+                <a:t>ANPP_foliage </a:t>
               </a:r>
               <a:r>
                 <a:rPr lang="en-US" sz="1000" i="1" baseline="30000" dirty="0">
@@ -6029,23 +5939,7 @@
                     <a:schemeClr val="tx1"/>
                   </a:solidFill>
                 </a:rPr>
-                <a:t>▼ </a:t>
-              </a:r>
-              <a:r>
-                <a:rPr lang="en-US" sz="1000" i="1" dirty="0" err="1">
-                  <a:solidFill>
-                    <a:schemeClr val="tx1"/>
-                  </a:solidFill>
-                </a:rPr>
-                <a:t>ANPP_foliage</a:t>
-              </a:r>
-              <a:r>
-                <a:rPr lang="en-US" sz="1000" i="1" dirty="0">
-                  <a:solidFill>
-                    <a:schemeClr val="tx1"/>
-                  </a:solidFill>
-                </a:rPr>
-                <a:t> </a:t>
+                <a:t>▼ ANPP_foliage </a:t>
               </a:r>
               <a:r>
                 <a:rPr lang="en-US" sz="1000" i="1" baseline="30000" dirty="0">
@@ -7214,7 +7108,7 @@
                     <a:schemeClr val="tx1"/>
                   </a:solidFill>
                 </a:rPr>
-                <a:t>NPP_litter </a:t>
+                <a:t>NPP_litterfall </a:t>
               </a:r>
               <a:r>
                 <a:rPr lang="en-US" sz="1000" i="1" baseline="30000" dirty="0">

--- a/doc/manuscript/figures_tables/C_pools_fig.pptx
+++ b/doc/manuscript/figures_tables/C_pools_fig.pptx
@@ -5,10 +5,11 @@
     <p:sldMasterId id="2147483660" r:id="rId1"/>
   </p:sldMasterIdLst>
   <p:notesMasterIdLst>
-    <p:notesMasterId r:id="rId3"/>
+    <p:notesMasterId r:id="rId4"/>
   </p:notesMasterIdLst>
   <p:sldIdLst>
     <p:sldId id="256" r:id="rId2"/>
+    <p:sldId id="257" r:id="rId3"/>
   </p:sldIdLst>
   <p:sldSz cx="6858000" cy="9144000" type="letter"/>
   <p:notesSz cx="6858000" cy="9144000"/>
@@ -197,7 +198,7 @@
           <a:p>
             <a:fld id="{DB657656-E537-AA48-B575-F7F3A3DBC2DD}" type="datetimeFigureOut">
               <a:rPr lang="en-US" smtClean="0"/>
-              <a:t>9/13/21</a:t>
+              <a:t>9/21/21</a:t>
             </a:fld>
             <a:endParaRPr lang="en-US"/>
           </a:p>
@@ -548,6 +549,90 @@
 </p:notes>
 </file>
 
+<file path=ppt/notesSlides/notesSlide2.xml><?xml version="1.0" encoding="utf-8"?>
+<p:notes xmlns:a="http://schemas.openxmlformats.org/drawingml/2006/main" xmlns:r="http://schemas.openxmlformats.org/officeDocument/2006/relationships" xmlns:p="http://schemas.openxmlformats.org/presentationml/2006/main">
+  <p:cSld>
+    <p:spTree>
+      <p:nvGrpSpPr>
+        <p:cNvPr id="1" name=""/>
+        <p:cNvGrpSpPr/>
+        <p:nvPr/>
+      </p:nvGrpSpPr>
+      <p:grpSpPr>
+        <a:xfrm>
+          <a:off x="0" y="0"/>
+          <a:ext cx="0" cy="0"/>
+          <a:chOff x="0" y="0"/>
+          <a:chExt cx="0" cy="0"/>
+        </a:xfrm>
+      </p:grpSpPr>
+      <p:sp>
+        <p:nvSpPr>
+          <p:cNvPr id="2" name="Slide Image Placeholder 1"/>
+          <p:cNvSpPr>
+            <a:spLocks noGrp="1" noRot="1" noChangeAspect="1"/>
+          </p:cNvSpPr>
+          <p:nvPr>
+            <p:ph type="sldImg"/>
+          </p:nvPr>
+        </p:nvSpPr>
+        <p:spPr/>
+      </p:sp>
+      <p:sp>
+        <p:nvSpPr>
+          <p:cNvPr id="3" name="Notes Placeholder 2"/>
+          <p:cNvSpPr>
+            <a:spLocks noGrp="1"/>
+          </p:cNvSpPr>
+          <p:nvPr>
+            <p:ph type="body" idx="1"/>
+          </p:nvPr>
+        </p:nvSpPr>
+        <p:spPr/>
+        <p:txBody>
+          <a:bodyPr/>
+          <a:lstStyle/>
+          <a:p>
+            <a:endParaRPr lang="en-US" dirty="0"/>
+          </a:p>
+        </p:txBody>
+      </p:sp>
+      <p:sp>
+        <p:nvSpPr>
+          <p:cNvPr id="4" name="Slide Number Placeholder 3"/>
+          <p:cNvSpPr>
+            <a:spLocks noGrp="1"/>
+          </p:cNvSpPr>
+          <p:nvPr>
+            <p:ph type="sldNum" sz="quarter" idx="5"/>
+          </p:nvPr>
+        </p:nvSpPr>
+        <p:spPr/>
+        <p:txBody>
+          <a:bodyPr/>
+          <a:lstStyle/>
+          <a:p>
+            <a:fld id="{C481CE7E-89F7-694E-8FCF-CB4663C5E526}" type="slidenum">
+              <a:rPr lang="en-US" smtClean="0"/>
+              <a:t>2</a:t>
+            </a:fld>
+            <a:endParaRPr lang="en-US"/>
+          </a:p>
+        </p:txBody>
+      </p:sp>
+    </p:spTree>
+    <p:extLst>
+      <p:ext uri="{BB962C8B-B14F-4D97-AF65-F5344CB8AC3E}">
+        <p14:creationId xmlns:p14="http://schemas.microsoft.com/office/powerpoint/2010/main" val="2289891222"/>
+      </p:ext>
+    </p:extLst>
+  </p:cSld>
+  <p:clrMapOvr>
+    <a:masterClrMapping/>
+  </p:clrMapOvr>
+</p:notes>
+</file>
+
 <file path=ppt/slideLayouts/slideLayout1.xml><?xml version="1.0" encoding="utf-8"?>
 <p:sldLayout xmlns:a="http://schemas.openxmlformats.org/drawingml/2006/main" xmlns:r="http://schemas.openxmlformats.org/officeDocument/2006/relationships" xmlns:p="http://schemas.openxmlformats.org/presentationml/2006/main" type="title" preserve="1">
   <p:cSld name="Title Slide">
@@ -679,7 +764,7 @@
           <a:p>
             <a:fld id="{6298E0E3-79FA-3742-AA7B-873C13C8E065}" type="datetimeFigureOut">
               <a:rPr lang="en-US" smtClean="0"/>
-              <a:t>9/13/21</a:t>
+              <a:t>9/21/21</a:t>
             </a:fld>
             <a:endParaRPr lang="en-US"/>
           </a:p>
@@ -849,7 +934,7 @@
           <a:p>
             <a:fld id="{6298E0E3-79FA-3742-AA7B-873C13C8E065}" type="datetimeFigureOut">
               <a:rPr lang="en-US" smtClean="0"/>
-              <a:t>9/13/21</a:t>
+              <a:t>9/21/21</a:t>
             </a:fld>
             <a:endParaRPr lang="en-US"/>
           </a:p>
@@ -1029,7 +1114,7 @@
           <a:p>
             <a:fld id="{6298E0E3-79FA-3742-AA7B-873C13C8E065}" type="datetimeFigureOut">
               <a:rPr lang="en-US" smtClean="0"/>
-              <a:t>9/13/21</a:t>
+              <a:t>9/21/21</a:t>
             </a:fld>
             <a:endParaRPr lang="en-US"/>
           </a:p>
@@ -1199,7 +1284,7 @@
           <a:p>
             <a:fld id="{6298E0E3-79FA-3742-AA7B-873C13C8E065}" type="datetimeFigureOut">
               <a:rPr lang="en-US" smtClean="0"/>
-              <a:t>9/13/21</a:t>
+              <a:t>9/21/21</a:t>
             </a:fld>
             <a:endParaRPr lang="en-US"/>
           </a:p>
@@ -1443,7 +1528,7 @@
           <a:p>
             <a:fld id="{6298E0E3-79FA-3742-AA7B-873C13C8E065}" type="datetimeFigureOut">
               <a:rPr lang="en-US" smtClean="0"/>
-              <a:t>9/13/21</a:t>
+              <a:t>9/21/21</a:t>
             </a:fld>
             <a:endParaRPr lang="en-US"/>
           </a:p>
@@ -1675,7 +1760,7 @@
           <a:p>
             <a:fld id="{6298E0E3-79FA-3742-AA7B-873C13C8E065}" type="datetimeFigureOut">
               <a:rPr lang="en-US" smtClean="0"/>
-              <a:t>9/13/21</a:t>
+              <a:t>9/21/21</a:t>
             </a:fld>
             <a:endParaRPr lang="en-US"/>
           </a:p>
@@ -2042,7 +2127,7 @@
           <a:p>
             <a:fld id="{6298E0E3-79FA-3742-AA7B-873C13C8E065}" type="datetimeFigureOut">
               <a:rPr lang="en-US" smtClean="0"/>
-              <a:t>9/13/21</a:t>
+              <a:t>9/21/21</a:t>
             </a:fld>
             <a:endParaRPr lang="en-US"/>
           </a:p>
@@ -2160,7 +2245,7 @@
           <a:p>
             <a:fld id="{6298E0E3-79FA-3742-AA7B-873C13C8E065}" type="datetimeFigureOut">
               <a:rPr lang="en-US" smtClean="0"/>
-              <a:t>9/13/21</a:t>
+              <a:t>9/21/21</a:t>
             </a:fld>
             <a:endParaRPr lang="en-US"/>
           </a:p>
@@ -2255,7 +2340,7 @@
           <a:p>
             <a:fld id="{6298E0E3-79FA-3742-AA7B-873C13C8E065}" type="datetimeFigureOut">
               <a:rPr lang="en-US" smtClean="0"/>
-              <a:t>9/13/21</a:t>
+              <a:t>9/21/21</a:t>
             </a:fld>
             <a:endParaRPr lang="en-US"/>
           </a:p>
@@ -2532,7 +2617,7 @@
           <a:p>
             <a:fld id="{6298E0E3-79FA-3742-AA7B-873C13C8E065}" type="datetimeFigureOut">
               <a:rPr lang="en-US" smtClean="0"/>
-              <a:t>9/13/21</a:t>
+              <a:t>9/21/21</a:t>
             </a:fld>
             <a:endParaRPr lang="en-US"/>
           </a:p>
@@ -2789,7 +2874,7 @@
           <a:p>
             <a:fld id="{6298E0E3-79FA-3742-AA7B-873C13C8E065}" type="datetimeFigureOut">
               <a:rPr lang="en-US" smtClean="0"/>
-              <a:t>9/13/21</a:t>
+              <a:t>9/21/21</a:t>
             </a:fld>
             <a:endParaRPr lang="en-US"/>
           </a:p>
@@ -3002,7 +3087,7 @@
           <a:p>
             <a:fld id="{6298E0E3-79FA-3742-AA7B-873C13C8E065}" type="datetimeFigureOut">
               <a:rPr lang="en-US" smtClean="0"/>
-              <a:t>9/13/21</a:t>
+              <a:t>9/21/21</a:t>
             </a:fld>
             <a:endParaRPr lang="en-US"/>
           </a:p>
@@ -3391,6 +3476,6098 @@
 </file>
 
 <file path=ppt/slides/slide1.xml><?xml version="1.0" encoding="utf-8"?>
+<p:sld xmlns:a="http://schemas.openxmlformats.org/drawingml/2006/main" xmlns:r="http://schemas.openxmlformats.org/officeDocument/2006/relationships" xmlns:p="http://schemas.openxmlformats.org/presentationml/2006/main">
+  <p:cSld>
+    <p:spTree>
+      <p:nvGrpSpPr>
+        <p:cNvPr id="1" name=""/>
+        <p:cNvGrpSpPr/>
+        <p:nvPr/>
+      </p:nvGrpSpPr>
+      <p:grpSpPr>
+        <a:xfrm>
+          <a:off x="0" y="0"/>
+          <a:ext cx="0" cy="0"/>
+          <a:chOff x="0" y="0"/>
+          <a:chExt cx="0" cy="0"/>
+        </a:xfrm>
+      </p:grpSpPr>
+      <p:cxnSp>
+        <p:nvCxnSpPr>
+          <p:cNvPr id="84" name="Straight Connector 83">
+            <a:extLst>
+              <a:ext uri="{FF2B5EF4-FFF2-40B4-BE49-F238E27FC236}">
+                <a16:creationId xmlns:a16="http://schemas.microsoft.com/office/drawing/2014/main" id="{7DF60959-E702-3B40-A638-4A71FF213310}"/>
+              </a:ext>
+            </a:extLst>
+          </p:cNvPr>
+          <p:cNvCxnSpPr>
+            <a:cxnSpLocks/>
+            <a:stCxn id="260" idx="3"/>
+            <a:endCxn id="251" idx="1"/>
+          </p:cNvCxnSpPr>
+          <p:nvPr/>
+        </p:nvCxnSpPr>
+        <p:spPr>
+          <a:xfrm flipV="1">
+            <a:off x="1549820" y="195822"/>
+            <a:ext cx="1133639" cy="17011"/>
+          </a:xfrm>
+          <a:prstGeom prst="line">
+            <a:avLst/>
+          </a:prstGeom>
+        </p:spPr>
+        <p:style>
+          <a:lnRef idx="1">
+            <a:schemeClr val="dk1"/>
+          </a:lnRef>
+          <a:fillRef idx="0">
+            <a:schemeClr val="dk1"/>
+          </a:fillRef>
+          <a:effectRef idx="0">
+            <a:schemeClr val="dk1"/>
+          </a:effectRef>
+          <a:fontRef idx="minor">
+            <a:schemeClr val="tx1"/>
+          </a:fontRef>
+        </p:style>
+      </p:cxnSp>
+      <p:cxnSp>
+        <p:nvCxnSpPr>
+          <p:cNvPr id="87" name="Straight Connector 86">
+            <a:extLst>
+              <a:ext uri="{FF2B5EF4-FFF2-40B4-BE49-F238E27FC236}">
+                <a16:creationId xmlns:a16="http://schemas.microsoft.com/office/drawing/2014/main" id="{6A1C04E0-F0BE-C04F-B3DB-A065BFAA9A47}"/>
+              </a:ext>
+            </a:extLst>
+          </p:cNvPr>
+          <p:cNvCxnSpPr>
+            <a:cxnSpLocks/>
+            <a:stCxn id="295" idx="1"/>
+            <a:endCxn id="260" idx="3"/>
+          </p:cNvCxnSpPr>
+          <p:nvPr/>
+        </p:nvCxnSpPr>
+        <p:spPr>
+          <a:xfrm flipH="1" flipV="1">
+            <a:off x="1549820" y="212833"/>
+            <a:ext cx="1133639" cy="1419561"/>
+          </a:xfrm>
+          <a:prstGeom prst="line">
+            <a:avLst/>
+          </a:prstGeom>
+        </p:spPr>
+        <p:style>
+          <a:lnRef idx="1">
+            <a:schemeClr val="dk1"/>
+          </a:lnRef>
+          <a:fillRef idx="0">
+            <a:schemeClr val="dk1"/>
+          </a:fillRef>
+          <a:effectRef idx="0">
+            <a:schemeClr val="dk1"/>
+          </a:effectRef>
+          <a:fontRef idx="minor">
+            <a:schemeClr val="tx1"/>
+          </a:fontRef>
+        </p:style>
+      </p:cxnSp>
+      <p:cxnSp>
+        <p:nvCxnSpPr>
+          <p:cNvPr id="97" name="Straight Connector 96">
+            <a:extLst>
+              <a:ext uri="{FF2B5EF4-FFF2-40B4-BE49-F238E27FC236}">
+                <a16:creationId xmlns:a16="http://schemas.microsoft.com/office/drawing/2014/main" id="{9A8AB17D-ED06-544F-9B79-807657A7760B}"/>
+              </a:ext>
+            </a:extLst>
+          </p:cNvPr>
+          <p:cNvCxnSpPr>
+            <a:cxnSpLocks/>
+            <a:stCxn id="302" idx="3"/>
+            <a:endCxn id="276" idx="1"/>
+          </p:cNvCxnSpPr>
+          <p:nvPr/>
+        </p:nvCxnSpPr>
+        <p:spPr>
+          <a:xfrm>
+            <a:off x="1549820" y="3058283"/>
+            <a:ext cx="1133639" cy="6639"/>
+          </a:xfrm>
+          <a:prstGeom prst="line">
+            <a:avLst/>
+          </a:prstGeom>
+        </p:spPr>
+        <p:style>
+          <a:lnRef idx="1">
+            <a:schemeClr val="dk1"/>
+          </a:lnRef>
+          <a:fillRef idx="0">
+            <a:schemeClr val="dk1"/>
+          </a:fillRef>
+          <a:effectRef idx="0">
+            <a:schemeClr val="dk1"/>
+          </a:effectRef>
+          <a:fontRef idx="minor">
+            <a:schemeClr val="tx1"/>
+          </a:fontRef>
+        </p:style>
+      </p:cxnSp>
+      <p:cxnSp>
+        <p:nvCxnSpPr>
+          <p:cNvPr id="111" name="Straight Connector 110">
+            <a:extLst>
+              <a:ext uri="{FF2B5EF4-FFF2-40B4-BE49-F238E27FC236}">
+                <a16:creationId xmlns:a16="http://schemas.microsoft.com/office/drawing/2014/main" id="{8DE235AD-D36B-8947-9EBB-AD349290F1D5}"/>
+              </a:ext>
+            </a:extLst>
+          </p:cNvPr>
+          <p:cNvCxnSpPr>
+            <a:cxnSpLocks/>
+            <a:stCxn id="302" idx="3"/>
+            <a:endCxn id="339" idx="1"/>
+          </p:cNvCxnSpPr>
+          <p:nvPr/>
+        </p:nvCxnSpPr>
+        <p:spPr>
+          <a:xfrm>
+            <a:off x="1549820" y="3058283"/>
+            <a:ext cx="1133639" cy="1443210"/>
+          </a:xfrm>
+          <a:prstGeom prst="line">
+            <a:avLst/>
+          </a:prstGeom>
+        </p:spPr>
+        <p:style>
+          <a:lnRef idx="1">
+            <a:schemeClr val="dk1"/>
+          </a:lnRef>
+          <a:fillRef idx="0">
+            <a:schemeClr val="dk1"/>
+          </a:fillRef>
+          <a:effectRef idx="0">
+            <a:schemeClr val="dk1"/>
+          </a:effectRef>
+          <a:fontRef idx="minor">
+            <a:schemeClr val="tx1"/>
+          </a:fontRef>
+        </p:style>
+      </p:cxnSp>
+      <p:cxnSp>
+        <p:nvCxnSpPr>
+          <p:cNvPr id="121" name="Straight Connector 120">
+            <a:extLst>
+              <a:ext uri="{FF2B5EF4-FFF2-40B4-BE49-F238E27FC236}">
+                <a16:creationId xmlns:a16="http://schemas.microsoft.com/office/drawing/2014/main" id="{9E3C303F-7858-D64E-9D9E-4769967198F0}"/>
+              </a:ext>
+            </a:extLst>
+          </p:cNvPr>
+          <p:cNvCxnSpPr>
+            <a:cxnSpLocks/>
+            <a:stCxn id="309" idx="3"/>
+            <a:endCxn id="320" idx="1"/>
+          </p:cNvCxnSpPr>
+          <p:nvPr/>
+        </p:nvCxnSpPr>
+        <p:spPr>
+          <a:xfrm>
+            <a:off x="1536074" y="4397566"/>
+            <a:ext cx="1147385" cy="1540831"/>
+          </a:xfrm>
+          <a:prstGeom prst="line">
+            <a:avLst/>
+          </a:prstGeom>
+        </p:spPr>
+        <p:style>
+          <a:lnRef idx="1">
+            <a:schemeClr val="dk1"/>
+          </a:lnRef>
+          <a:fillRef idx="0">
+            <a:schemeClr val="dk1"/>
+          </a:fillRef>
+          <a:effectRef idx="0">
+            <a:schemeClr val="dk1"/>
+          </a:effectRef>
+          <a:fontRef idx="minor">
+            <a:schemeClr val="tx1"/>
+          </a:fontRef>
+        </p:style>
+      </p:cxnSp>
+      <p:cxnSp>
+        <p:nvCxnSpPr>
+          <p:cNvPr id="148" name="Straight Connector 147">
+            <a:extLst>
+              <a:ext uri="{FF2B5EF4-FFF2-40B4-BE49-F238E27FC236}">
+                <a16:creationId xmlns:a16="http://schemas.microsoft.com/office/drawing/2014/main" id="{DAFC71AA-5410-DB49-8290-39C03AC7EFE0}"/>
+              </a:ext>
+            </a:extLst>
+          </p:cNvPr>
+          <p:cNvCxnSpPr>
+            <a:cxnSpLocks/>
+            <a:stCxn id="251" idx="3"/>
+            <a:endCxn id="287" idx="1"/>
+          </p:cNvCxnSpPr>
+          <p:nvPr/>
+        </p:nvCxnSpPr>
+        <p:spPr>
+          <a:xfrm flipV="1">
+            <a:off x="4055059" y="193887"/>
+            <a:ext cx="1152222" cy="1935"/>
+          </a:xfrm>
+          <a:prstGeom prst="line">
+            <a:avLst/>
+          </a:prstGeom>
+        </p:spPr>
+        <p:style>
+          <a:lnRef idx="1">
+            <a:schemeClr val="dk1"/>
+          </a:lnRef>
+          <a:fillRef idx="0">
+            <a:schemeClr val="dk1"/>
+          </a:fillRef>
+          <a:effectRef idx="0">
+            <a:schemeClr val="dk1"/>
+          </a:effectRef>
+          <a:fontRef idx="minor">
+            <a:schemeClr val="tx1"/>
+          </a:fontRef>
+        </p:style>
+      </p:cxnSp>
+      <p:cxnSp>
+        <p:nvCxnSpPr>
+          <p:cNvPr id="151" name="Straight Connector 150">
+            <a:extLst>
+              <a:ext uri="{FF2B5EF4-FFF2-40B4-BE49-F238E27FC236}">
+                <a16:creationId xmlns:a16="http://schemas.microsoft.com/office/drawing/2014/main" id="{AA2D45F5-1162-0441-9E7D-5A2D43C398C0}"/>
+              </a:ext>
+            </a:extLst>
+          </p:cNvPr>
+          <p:cNvCxnSpPr>
+            <a:cxnSpLocks/>
+            <a:stCxn id="269" idx="1"/>
+            <a:endCxn id="251" idx="3"/>
+          </p:cNvCxnSpPr>
+          <p:nvPr/>
+        </p:nvCxnSpPr>
+        <p:spPr>
+          <a:xfrm flipH="1" flipV="1">
+            <a:off x="4055059" y="195822"/>
+            <a:ext cx="1152222" cy="1065106"/>
+          </a:xfrm>
+          <a:prstGeom prst="line">
+            <a:avLst/>
+          </a:prstGeom>
+        </p:spPr>
+        <p:style>
+          <a:lnRef idx="1">
+            <a:schemeClr val="dk1"/>
+          </a:lnRef>
+          <a:fillRef idx="0">
+            <a:schemeClr val="dk1"/>
+          </a:fillRef>
+          <a:effectRef idx="0">
+            <a:schemeClr val="dk1"/>
+          </a:effectRef>
+          <a:fontRef idx="minor">
+            <a:schemeClr val="tx1"/>
+          </a:fontRef>
+        </p:style>
+      </p:cxnSp>
+      <p:cxnSp>
+        <p:nvCxnSpPr>
+          <p:cNvPr id="155" name="Straight Connector 154">
+            <a:extLst>
+              <a:ext uri="{FF2B5EF4-FFF2-40B4-BE49-F238E27FC236}">
+                <a16:creationId xmlns:a16="http://schemas.microsoft.com/office/drawing/2014/main" id="{29A20E70-8670-F94E-8101-94B28D402FB5}"/>
+              </a:ext>
+            </a:extLst>
+          </p:cNvPr>
+          <p:cNvCxnSpPr>
+            <a:cxnSpLocks/>
+            <a:stCxn id="412" idx="1"/>
+            <a:endCxn id="276" idx="3"/>
+          </p:cNvCxnSpPr>
+          <p:nvPr/>
+        </p:nvCxnSpPr>
+        <p:spPr>
+          <a:xfrm flipH="1" flipV="1">
+            <a:off x="4055059" y="3064922"/>
+            <a:ext cx="1152222" cy="2067137"/>
+          </a:xfrm>
+          <a:prstGeom prst="line">
+            <a:avLst/>
+          </a:prstGeom>
+        </p:spPr>
+        <p:style>
+          <a:lnRef idx="1">
+            <a:schemeClr val="dk1"/>
+          </a:lnRef>
+          <a:fillRef idx="0">
+            <a:schemeClr val="dk1"/>
+          </a:fillRef>
+          <a:effectRef idx="0">
+            <a:schemeClr val="dk1"/>
+          </a:effectRef>
+          <a:fontRef idx="minor">
+            <a:schemeClr val="tx1"/>
+          </a:fontRef>
+        </p:style>
+      </p:cxnSp>
+      <p:cxnSp>
+        <p:nvCxnSpPr>
+          <p:cNvPr id="158" name="Straight Connector 157">
+            <a:extLst>
+              <a:ext uri="{FF2B5EF4-FFF2-40B4-BE49-F238E27FC236}">
+                <a16:creationId xmlns:a16="http://schemas.microsoft.com/office/drawing/2014/main" id="{5FC1BCBE-36E8-6F47-AF1D-B58BEDCC90FD}"/>
+              </a:ext>
+            </a:extLst>
+          </p:cNvPr>
+          <p:cNvCxnSpPr>
+            <a:cxnSpLocks/>
+            <a:stCxn id="419" idx="1"/>
+            <a:endCxn id="276" idx="3"/>
+          </p:cNvCxnSpPr>
+          <p:nvPr/>
+        </p:nvCxnSpPr>
+        <p:spPr>
+          <a:xfrm flipH="1" flipV="1">
+            <a:off x="4055059" y="3064922"/>
+            <a:ext cx="1152222" cy="3114684"/>
+          </a:xfrm>
+          <a:prstGeom prst="line">
+            <a:avLst/>
+          </a:prstGeom>
+        </p:spPr>
+        <p:style>
+          <a:lnRef idx="1">
+            <a:schemeClr val="dk1"/>
+          </a:lnRef>
+          <a:fillRef idx="0">
+            <a:schemeClr val="dk1"/>
+          </a:fillRef>
+          <a:effectRef idx="0">
+            <a:schemeClr val="dk1"/>
+          </a:effectRef>
+          <a:fontRef idx="minor">
+            <a:schemeClr val="tx1"/>
+          </a:fontRef>
+        </p:style>
+      </p:cxnSp>
+      <p:cxnSp>
+        <p:nvCxnSpPr>
+          <p:cNvPr id="173" name="Straight Connector 172">
+            <a:extLst>
+              <a:ext uri="{FF2B5EF4-FFF2-40B4-BE49-F238E27FC236}">
+                <a16:creationId xmlns:a16="http://schemas.microsoft.com/office/drawing/2014/main" id="{10963FE0-61FF-4844-AA86-79A01104A5A9}"/>
+              </a:ext>
+            </a:extLst>
+          </p:cNvPr>
+          <p:cNvCxnSpPr>
+            <a:cxnSpLocks/>
+            <a:stCxn id="244" idx="1"/>
+            <a:endCxn id="295" idx="3"/>
+          </p:cNvCxnSpPr>
+          <p:nvPr/>
+        </p:nvCxnSpPr>
+        <p:spPr>
+          <a:xfrm flipH="1" flipV="1">
+            <a:off x="4055059" y="1632394"/>
+            <a:ext cx="1152222" cy="932465"/>
+          </a:xfrm>
+          <a:prstGeom prst="line">
+            <a:avLst/>
+          </a:prstGeom>
+        </p:spPr>
+        <p:style>
+          <a:lnRef idx="1">
+            <a:schemeClr val="dk1"/>
+          </a:lnRef>
+          <a:fillRef idx="0">
+            <a:schemeClr val="dk1"/>
+          </a:fillRef>
+          <a:effectRef idx="0">
+            <a:schemeClr val="dk1"/>
+          </a:effectRef>
+          <a:fontRef idx="minor">
+            <a:schemeClr val="tx1"/>
+          </a:fontRef>
+        </p:style>
+      </p:cxnSp>
+      <p:cxnSp>
+        <p:nvCxnSpPr>
+          <p:cNvPr id="176" name="Straight Connector 175">
+            <a:extLst>
+              <a:ext uri="{FF2B5EF4-FFF2-40B4-BE49-F238E27FC236}">
+                <a16:creationId xmlns:a16="http://schemas.microsoft.com/office/drawing/2014/main" id="{1FF7D39C-7D90-484D-9B64-CB982218A35D}"/>
+              </a:ext>
+            </a:extLst>
+          </p:cNvPr>
+          <p:cNvCxnSpPr>
+            <a:cxnSpLocks/>
+            <a:stCxn id="382" idx="1"/>
+            <a:endCxn id="295" idx="3"/>
+          </p:cNvCxnSpPr>
+          <p:nvPr/>
+        </p:nvCxnSpPr>
+        <p:spPr>
+          <a:xfrm flipH="1" flipV="1">
+            <a:off x="4055059" y="1632394"/>
+            <a:ext cx="1152222" cy="1949444"/>
+          </a:xfrm>
+          <a:prstGeom prst="line">
+            <a:avLst/>
+          </a:prstGeom>
+        </p:spPr>
+        <p:style>
+          <a:lnRef idx="1">
+            <a:schemeClr val="dk1"/>
+          </a:lnRef>
+          <a:fillRef idx="0">
+            <a:schemeClr val="dk1"/>
+          </a:fillRef>
+          <a:effectRef idx="0">
+            <a:schemeClr val="dk1"/>
+          </a:effectRef>
+          <a:fontRef idx="minor">
+            <a:schemeClr val="tx1"/>
+          </a:fontRef>
+        </p:style>
+      </p:cxnSp>
+      <p:cxnSp>
+        <p:nvCxnSpPr>
+          <p:cNvPr id="200" name="Straight Connector 199">
+            <a:extLst>
+              <a:ext uri="{FF2B5EF4-FFF2-40B4-BE49-F238E27FC236}">
+                <a16:creationId xmlns:a16="http://schemas.microsoft.com/office/drawing/2014/main" id="{E9FCF53C-91BB-5B4E-9527-54903A5FDD7B}"/>
+              </a:ext>
+            </a:extLst>
+          </p:cNvPr>
+          <p:cNvCxnSpPr>
+            <a:cxnSpLocks/>
+            <a:stCxn id="392" idx="1"/>
+            <a:endCxn id="276" idx="3"/>
+          </p:cNvCxnSpPr>
+          <p:nvPr/>
+        </p:nvCxnSpPr>
+        <p:spPr>
+          <a:xfrm flipH="1" flipV="1">
+            <a:off x="4055059" y="3064922"/>
+            <a:ext cx="1152222" cy="1524659"/>
+          </a:xfrm>
+          <a:prstGeom prst="line">
+            <a:avLst/>
+          </a:prstGeom>
+        </p:spPr>
+        <p:style>
+          <a:lnRef idx="1">
+            <a:schemeClr val="dk1"/>
+          </a:lnRef>
+          <a:fillRef idx="0">
+            <a:schemeClr val="dk1"/>
+          </a:fillRef>
+          <a:effectRef idx="0">
+            <a:schemeClr val="dk1"/>
+          </a:effectRef>
+          <a:fontRef idx="minor">
+            <a:schemeClr val="tx1"/>
+          </a:fontRef>
+        </p:style>
+      </p:cxnSp>
+      <p:grpSp>
+        <p:nvGrpSpPr>
+          <p:cNvPr id="245" name="Group 244">
+            <a:extLst>
+              <a:ext uri="{FF2B5EF4-FFF2-40B4-BE49-F238E27FC236}">
+                <a16:creationId xmlns:a16="http://schemas.microsoft.com/office/drawing/2014/main" id="{F979FDB3-72DD-DC41-8A4D-68061ADC8916}"/>
+              </a:ext>
+            </a:extLst>
+          </p:cNvPr>
+          <p:cNvGrpSpPr/>
+          <p:nvPr/>
+        </p:nvGrpSpPr>
+        <p:grpSpPr>
+          <a:xfrm>
+            <a:off x="5207281" y="2441415"/>
+            <a:ext cx="1555612" cy="974581"/>
+            <a:chOff x="90095" y="47551"/>
+            <a:chExt cx="1555612" cy="974581"/>
+          </a:xfrm>
+        </p:grpSpPr>
+        <p:sp>
+          <p:nvSpPr>
+            <p:cNvPr id="231" name="Rectangle 230">
+              <a:extLst>
+                <a:ext uri="{FF2B5EF4-FFF2-40B4-BE49-F238E27FC236}">
+                  <a16:creationId xmlns:a16="http://schemas.microsoft.com/office/drawing/2014/main" id="{05629D89-9DE6-9742-883C-D6537DA8C9FA}"/>
+                </a:ext>
+              </a:extLst>
+            </p:cNvPr>
+            <p:cNvSpPr/>
+            <p:nvPr/>
+          </p:nvSpPr>
+          <p:spPr>
+            <a:xfrm>
+              <a:off x="91227" y="530805"/>
+              <a:ext cx="1554480" cy="246888"/>
+            </a:xfrm>
+            <a:prstGeom prst="rect">
+              <a:avLst/>
+            </a:prstGeom>
+            <a:solidFill>
+              <a:schemeClr val="bg1"/>
+            </a:solidFill>
+            <a:ln>
+              <a:solidFill>
+                <a:schemeClr val="tx1"/>
+              </a:solidFill>
+            </a:ln>
+          </p:spPr>
+          <p:style>
+            <a:lnRef idx="2">
+              <a:schemeClr val="accent1">
+                <a:shade val="50000"/>
+              </a:schemeClr>
+            </a:lnRef>
+            <a:fillRef idx="1">
+              <a:schemeClr val="accent1"/>
+            </a:fillRef>
+            <a:effectRef idx="0">
+              <a:schemeClr val="accent1"/>
+            </a:effectRef>
+            <a:fontRef idx="minor">
+              <a:schemeClr val="lt1"/>
+            </a:fontRef>
+          </p:style>
+          <p:txBody>
+            <a:bodyPr rtlCol="0" anchor="ctr"/>
+            <a:lstStyle/>
+            <a:p>
+              <a:pPr algn="ctr"/>
+              <a:r>
+                <a:rPr lang="en-US" sz="1000" dirty="0">
+                  <a:solidFill>
+                    <a:schemeClr val="tx1"/>
+                  </a:solidFill>
+                </a:rPr>
+                <a:t>▲ </a:t>
+              </a:r>
+              <a:r>
+                <a:rPr lang="en-US" sz="1000" i="1" dirty="0">
+                  <a:solidFill>
+                    <a:schemeClr val="tx1"/>
+                  </a:solidFill>
+                </a:rPr>
+                <a:t>BNPP_root_fine</a:t>
+              </a:r>
+              <a:endParaRPr lang="en-US" sz="1000" dirty="0">
+                <a:solidFill>
+                  <a:schemeClr val="tx1"/>
+                </a:solidFill>
+              </a:endParaRPr>
+            </a:p>
+          </p:txBody>
+        </p:sp>
+        <p:sp>
+          <p:nvSpPr>
+            <p:cNvPr id="232" name="Rectangle 231">
+              <a:extLst>
+                <a:ext uri="{FF2B5EF4-FFF2-40B4-BE49-F238E27FC236}">
+                  <a16:creationId xmlns:a16="http://schemas.microsoft.com/office/drawing/2014/main" id="{523E8C3D-D146-0444-8FD0-93B3F3AAADF5}"/>
+                </a:ext>
+              </a:extLst>
+            </p:cNvPr>
+            <p:cNvSpPr/>
+            <p:nvPr/>
+          </p:nvSpPr>
+          <p:spPr>
+            <a:xfrm>
+              <a:off x="91227" y="775244"/>
+              <a:ext cx="1554480" cy="246888"/>
+            </a:xfrm>
+            <a:prstGeom prst="rect">
+              <a:avLst/>
+            </a:prstGeom>
+            <a:solidFill>
+              <a:schemeClr val="bg1"/>
+            </a:solidFill>
+            <a:ln>
+              <a:solidFill>
+                <a:schemeClr val="tx1"/>
+              </a:solidFill>
+            </a:ln>
+          </p:spPr>
+          <p:style>
+            <a:lnRef idx="2">
+              <a:schemeClr val="accent1">
+                <a:shade val="50000"/>
+              </a:schemeClr>
+            </a:lnRef>
+            <a:fillRef idx="1">
+              <a:schemeClr val="accent1"/>
+            </a:fillRef>
+            <a:effectRef idx="0">
+              <a:schemeClr val="accent1"/>
+            </a:effectRef>
+            <a:fontRef idx="minor">
+              <a:schemeClr val="lt1"/>
+            </a:fontRef>
+          </p:style>
+          <p:txBody>
+            <a:bodyPr lIns="0" rIns="0" rtlCol="0" anchor="ctr"/>
+            <a:lstStyle/>
+            <a:p>
+              <a:pPr algn="ctr"/>
+              <a:r>
+                <a:rPr lang="en-US" sz="1000" i="1" dirty="0">
+                  <a:solidFill>
+                    <a:schemeClr val="tx1"/>
+                  </a:solidFill>
+                </a:rPr>
+                <a:t>▼ BNPP_root.turnover_fine</a:t>
+              </a:r>
+              <a:endParaRPr lang="en-US" sz="1000" dirty="0">
+                <a:solidFill>
+                  <a:schemeClr val="tx1"/>
+                </a:solidFill>
+              </a:endParaRPr>
+            </a:p>
+          </p:txBody>
+        </p:sp>
+        <p:sp>
+          <p:nvSpPr>
+            <p:cNvPr id="241" name="Rectangle 240">
+              <a:extLst>
+                <a:ext uri="{FF2B5EF4-FFF2-40B4-BE49-F238E27FC236}">
+                  <a16:creationId xmlns:a16="http://schemas.microsoft.com/office/drawing/2014/main" id="{A5B4B88A-9BAC-A84C-8B22-14C62AB86F89}"/>
+                </a:ext>
+              </a:extLst>
+            </p:cNvPr>
+            <p:cNvSpPr/>
+            <p:nvPr/>
+          </p:nvSpPr>
+          <p:spPr>
+            <a:xfrm>
+              <a:off x="91227" y="291479"/>
+              <a:ext cx="1554480" cy="246888"/>
+            </a:xfrm>
+            <a:prstGeom prst="rect">
+              <a:avLst/>
+            </a:prstGeom>
+            <a:solidFill>
+              <a:schemeClr val="bg1"/>
+            </a:solidFill>
+            <a:ln>
+              <a:solidFill>
+                <a:schemeClr val="tx1"/>
+              </a:solidFill>
+            </a:ln>
+          </p:spPr>
+          <p:style>
+            <a:lnRef idx="2">
+              <a:schemeClr val="accent1">
+                <a:shade val="50000"/>
+              </a:schemeClr>
+            </a:lnRef>
+            <a:fillRef idx="1">
+              <a:schemeClr val="accent1"/>
+            </a:fillRef>
+            <a:effectRef idx="0">
+              <a:schemeClr val="accent1"/>
+            </a:effectRef>
+            <a:fontRef idx="minor">
+              <a:schemeClr val="lt1"/>
+            </a:fontRef>
+          </p:style>
+          <p:txBody>
+            <a:bodyPr rtlCol="0" anchor="ctr"/>
+            <a:lstStyle/>
+            <a:p>
+              <a:pPr algn="ctr"/>
+              <a:r>
+                <a:rPr lang="en-US" sz="1000" i="1" dirty="0">
+                  <a:solidFill>
+                    <a:schemeClr val="tx1"/>
+                  </a:solidFill>
+                </a:rPr>
+                <a:t>biomass_root_fine </a:t>
+              </a:r>
+              <a:r>
+                <a:rPr lang="en-US" sz="1000" dirty="0">
+                  <a:solidFill>
+                    <a:schemeClr val="tx1"/>
+                  </a:solidFill>
+                </a:rPr>
+                <a:t>| △ ⌀ </a:t>
+              </a:r>
+              <a:endParaRPr lang="en-US" sz="1000" i="1" dirty="0">
+                <a:solidFill>
+                  <a:schemeClr val="tx1"/>
+                </a:solidFill>
+              </a:endParaRPr>
+            </a:p>
+          </p:txBody>
+        </p:sp>
+        <p:sp>
+          <p:nvSpPr>
+            <p:cNvPr id="244" name="Rectangle 243">
+              <a:extLst>
+                <a:ext uri="{FF2B5EF4-FFF2-40B4-BE49-F238E27FC236}">
+                  <a16:creationId xmlns:a16="http://schemas.microsoft.com/office/drawing/2014/main" id="{6BF72C95-3049-8841-816A-94C36D006694}"/>
+                </a:ext>
+              </a:extLst>
+            </p:cNvPr>
+            <p:cNvSpPr/>
+            <p:nvPr/>
+          </p:nvSpPr>
+          <p:spPr>
+            <a:xfrm>
+              <a:off x="90095" y="47551"/>
+              <a:ext cx="1554480" cy="246888"/>
+            </a:xfrm>
+            <a:prstGeom prst="rect">
+              <a:avLst/>
+            </a:prstGeom>
+            <a:solidFill>
+              <a:srgbClr val="A3C3CF"/>
+            </a:solidFill>
+            <a:ln>
+              <a:solidFill>
+                <a:schemeClr val="tx1"/>
+              </a:solidFill>
+            </a:ln>
+          </p:spPr>
+          <p:style>
+            <a:lnRef idx="2">
+              <a:schemeClr val="accent1">
+                <a:shade val="50000"/>
+              </a:schemeClr>
+            </a:lnRef>
+            <a:fillRef idx="1">
+              <a:schemeClr val="accent1"/>
+            </a:fillRef>
+            <a:effectRef idx="0">
+              <a:schemeClr val="accent1"/>
+            </a:effectRef>
+            <a:fontRef idx="minor">
+              <a:schemeClr val="lt1"/>
+            </a:fontRef>
+          </p:style>
+          <p:txBody>
+            <a:bodyPr rtlCol="0" anchor="ctr"/>
+            <a:lstStyle/>
+            <a:p>
+              <a:pPr algn="ctr"/>
+              <a:r>
+                <a:rPr lang="en-US" sz="1000" dirty="0">
+                  <a:solidFill>
+                    <a:schemeClr val="tx1"/>
+                  </a:solidFill>
+                </a:rPr>
+                <a:t>Fine root biomass</a:t>
+              </a:r>
+            </a:p>
+          </p:txBody>
+        </p:sp>
+      </p:grpSp>
+      <p:grpSp>
+        <p:nvGrpSpPr>
+          <p:cNvPr id="246" name="Group 245">
+            <a:extLst>
+              <a:ext uri="{FF2B5EF4-FFF2-40B4-BE49-F238E27FC236}">
+                <a16:creationId xmlns:a16="http://schemas.microsoft.com/office/drawing/2014/main" id="{A13D904A-9325-3741-9C8D-D7A112212F0E}"/>
+              </a:ext>
+            </a:extLst>
+          </p:cNvPr>
+          <p:cNvGrpSpPr/>
+          <p:nvPr/>
+        </p:nvGrpSpPr>
+        <p:grpSpPr>
+          <a:xfrm>
+            <a:off x="2683459" y="72711"/>
+            <a:ext cx="1372732" cy="1223293"/>
+            <a:chOff x="90095" y="47552"/>
+            <a:chExt cx="1372732" cy="1223293"/>
+          </a:xfrm>
+        </p:grpSpPr>
+        <p:sp>
+          <p:nvSpPr>
+            <p:cNvPr id="247" name="Rectangle 246">
+              <a:extLst>
+                <a:ext uri="{FF2B5EF4-FFF2-40B4-BE49-F238E27FC236}">
+                  <a16:creationId xmlns:a16="http://schemas.microsoft.com/office/drawing/2014/main" id="{543BDB13-5C19-9D4C-B8E3-69DF54CFE741}"/>
+                </a:ext>
+              </a:extLst>
+            </p:cNvPr>
+            <p:cNvSpPr/>
+            <p:nvPr/>
+          </p:nvSpPr>
+          <p:spPr>
+            <a:xfrm>
+              <a:off x="91227" y="780186"/>
+              <a:ext cx="1371600" cy="246221"/>
+            </a:xfrm>
+            <a:prstGeom prst="rect">
+              <a:avLst/>
+            </a:prstGeom>
+            <a:solidFill>
+              <a:schemeClr val="bg1"/>
+            </a:solidFill>
+            <a:ln>
+              <a:solidFill>
+                <a:schemeClr val="tx1"/>
+              </a:solidFill>
+            </a:ln>
+          </p:spPr>
+          <p:style>
+            <a:lnRef idx="2">
+              <a:schemeClr val="accent1">
+                <a:shade val="50000"/>
+              </a:schemeClr>
+            </a:lnRef>
+            <a:fillRef idx="1">
+              <a:schemeClr val="accent1"/>
+            </a:fillRef>
+            <a:effectRef idx="0">
+              <a:schemeClr val="accent1"/>
+            </a:effectRef>
+            <a:fontRef idx="minor">
+              <a:schemeClr val="lt1"/>
+            </a:fontRef>
+          </p:style>
+          <p:txBody>
+            <a:bodyPr lIns="45720" rIns="45720" rtlCol="0" anchor="ctr"/>
+            <a:lstStyle/>
+            <a:p>
+              <a:pPr algn="ctr"/>
+              <a:r>
+                <a:rPr lang="en-US" sz="1000" dirty="0">
+                  <a:solidFill>
+                    <a:schemeClr val="tx1"/>
+                  </a:solidFill>
+                </a:rPr>
+                <a:t>▲ </a:t>
+              </a:r>
+              <a:r>
+                <a:rPr lang="en-US" sz="1000" i="1" dirty="0" err="1">
+                  <a:solidFill>
+                    <a:schemeClr val="tx1"/>
+                  </a:solidFill>
+                </a:rPr>
+                <a:t>ANPP_woody_stem</a:t>
+              </a:r>
+              <a:r>
+                <a:rPr lang="en-US" sz="1000" i="1" dirty="0">
+                  <a:solidFill>
+                    <a:schemeClr val="tx1"/>
+                  </a:solidFill>
+                </a:rPr>
+                <a:t> </a:t>
+              </a:r>
+              <a:r>
+                <a:rPr lang="en-US" sz="1000" i="1" baseline="30000" dirty="0">
+                  <a:solidFill>
+                    <a:schemeClr val="tx1"/>
+                  </a:solidFill>
+                </a:rPr>
+                <a:t>1</a:t>
+              </a:r>
+              <a:endParaRPr lang="en-US" sz="1000" dirty="0">
+                <a:solidFill>
+                  <a:schemeClr val="tx1"/>
+                </a:solidFill>
+              </a:endParaRPr>
+            </a:p>
+          </p:txBody>
+        </p:sp>
+        <p:sp>
+          <p:nvSpPr>
+            <p:cNvPr id="248" name="Rectangle 247">
+              <a:extLst>
+                <a:ext uri="{FF2B5EF4-FFF2-40B4-BE49-F238E27FC236}">
+                  <a16:creationId xmlns:a16="http://schemas.microsoft.com/office/drawing/2014/main" id="{A9ACA5E3-7DAD-E341-9A1C-620D0D593D7C}"/>
+                </a:ext>
+              </a:extLst>
+            </p:cNvPr>
+            <p:cNvSpPr/>
+            <p:nvPr/>
+          </p:nvSpPr>
+          <p:spPr>
+            <a:xfrm>
+              <a:off x="91227" y="1024624"/>
+              <a:ext cx="1371600" cy="246221"/>
+            </a:xfrm>
+            <a:prstGeom prst="rect">
+              <a:avLst/>
+            </a:prstGeom>
+            <a:solidFill>
+              <a:schemeClr val="bg1"/>
+            </a:solidFill>
+            <a:ln>
+              <a:solidFill>
+                <a:schemeClr val="tx1"/>
+              </a:solidFill>
+            </a:ln>
+          </p:spPr>
+          <p:style>
+            <a:lnRef idx="2">
+              <a:schemeClr val="accent1">
+                <a:shade val="50000"/>
+              </a:schemeClr>
+            </a:lnRef>
+            <a:fillRef idx="1">
+              <a:schemeClr val="accent1"/>
+            </a:fillRef>
+            <a:effectRef idx="0">
+              <a:schemeClr val="accent1"/>
+            </a:effectRef>
+            <a:fontRef idx="minor">
+              <a:schemeClr val="lt1"/>
+            </a:fontRef>
+          </p:style>
+          <p:txBody>
+            <a:bodyPr rtlCol="0" anchor="ctr"/>
+            <a:lstStyle/>
+            <a:p>
+              <a:pPr algn="ctr"/>
+              <a:r>
+                <a:rPr lang="en-US" sz="1000" i="1" dirty="0">
+                  <a:solidFill>
+                    <a:schemeClr val="tx1"/>
+                  </a:solidFill>
+                </a:rPr>
+                <a:t>▼ </a:t>
+              </a:r>
+              <a:r>
+                <a:rPr lang="en-US" sz="1000" i="1" dirty="0" err="1">
+                  <a:solidFill>
+                    <a:schemeClr val="tx1"/>
+                  </a:solidFill>
+                </a:rPr>
+                <a:t>woody_mortality</a:t>
+              </a:r>
+              <a:r>
+                <a:rPr lang="en-US" sz="1000" i="1" dirty="0">
+                  <a:solidFill>
+                    <a:schemeClr val="tx1"/>
+                  </a:solidFill>
+                </a:rPr>
+                <a:t> </a:t>
+              </a:r>
+              <a:r>
+                <a:rPr lang="en-US" sz="1000" i="1" baseline="30000" dirty="0">
+                  <a:solidFill>
+                    <a:schemeClr val="tx1"/>
+                  </a:solidFill>
+                </a:rPr>
+                <a:t>2</a:t>
+              </a:r>
+              <a:endParaRPr lang="en-US" sz="1000" dirty="0">
+                <a:solidFill>
+                  <a:schemeClr val="tx1"/>
+                </a:solidFill>
+              </a:endParaRPr>
+            </a:p>
+          </p:txBody>
+        </p:sp>
+        <p:sp>
+          <p:nvSpPr>
+            <p:cNvPr id="249" name="Rectangle 248">
+              <a:extLst>
+                <a:ext uri="{FF2B5EF4-FFF2-40B4-BE49-F238E27FC236}">
+                  <a16:creationId xmlns:a16="http://schemas.microsoft.com/office/drawing/2014/main" id="{5A8B025F-C575-7F42-941B-03CF1F9A6268}"/>
+                </a:ext>
+              </a:extLst>
+            </p:cNvPr>
+            <p:cNvSpPr/>
+            <p:nvPr/>
+          </p:nvSpPr>
+          <p:spPr>
+            <a:xfrm>
+              <a:off x="91227" y="536478"/>
+              <a:ext cx="1371600" cy="246221"/>
+            </a:xfrm>
+            <a:prstGeom prst="rect">
+              <a:avLst/>
+            </a:prstGeom>
+            <a:solidFill>
+              <a:schemeClr val="bg1"/>
+            </a:solidFill>
+            <a:ln>
+              <a:solidFill>
+                <a:schemeClr val="tx1"/>
+              </a:solidFill>
+            </a:ln>
+          </p:spPr>
+          <p:style>
+            <a:lnRef idx="2">
+              <a:schemeClr val="accent1">
+                <a:shade val="50000"/>
+              </a:schemeClr>
+            </a:lnRef>
+            <a:fillRef idx="1">
+              <a:schemeClr val="accent1"/>
+            </a:fillRef>
+            <a:effectRef idx="0">
+              <a:schemeClr val="accent1"/>
+            </a:effectRef>
+            <a:fontRef idx="minor">
+              <a:schemeClr val="lt1"/>
+            </a:fontRef>
+          </p:style>
+          <p:txBody>
+            <a:bodyPr rtlCol="0" anchor="ctr"/>
+            <a:lstStyle/>
+            <a:p>
+              <a:pPr algn="ctr"/>
+              <a:r>
+                <a:rPr lang="en-US" sz="1000" dirty="0">
+                  <a:solidFill>
+                    <a:schemeClr val="tx1"/>
+                  </a:solidFill>
+                </a:rPr>
+                <a:t>△</a:t>
+              </a:r>
+              <a:r>
+                <a:rPr lang="en-US" sz="1000" i="1" dirty="0">
+                  <a:solidFill>
+                    <a:schemeClr val="tx1"/>
+                  </a:solidFill>
+                </a:rPr>
+                <a:t> delta.agb</a:t>
+              </a:r>
+              <a:r>
+                <a:rPr lang="en-US" sz="1000" i="1" baseline="30000" dirty="0">
+                  <a:solidFill>
+                    <a:schemeClr val="tx1"/>
+                  </a:solidFill>
+                </a:rPr>
+                <a:t> </a:t>
+              </a:r>
+              <a:endParaRPr lang="en-US" sz="1000" dirty="0">
+                <a:solidFill>
+                  <a:schemeClr val="tx1"/>
+                </a:solidFill>
+              </a:endParaRPr>
+            </a:p>
+          </p:txBody>
+        </p:sp>
+        <p:sp>
+          <p:nvSpPr>
+            <p:cNvPr id="250" name="Rectangle 249">
+              <a:extLst>
+                <a:ext uri="{FF2B5EF4-FFF2-40B4-BE49-F238E27FC236}">
+                  <a16:creationId xmlns:a16="http://schemas.microsoft.com/office/drawing/2014/main" id="{E5C11E05-4E48-DA4F-B322-626DD143E6F4}"/>
+                </a:ext>
+              </a:extLst>
+            </p:cNvPr>
+            <p:cNvSpPr/>
+            <p:nvPr/>
+          </p:nvSpPr>
+          <p:spPr>
+            <a:xfrm>
+              <a:off x="91227" y="291480"/>
+              <a:ext cx="1371600" cy="246221"/>
+            </a:xfrm>
+            <a:prstGeom prst="rect">
+              <a:avLst/>
+            </a:prstGeom>
+            <a:solidFill>
+              <a:schemeClr val="bg1"/>
+            </a:solidFill>
+            <a:ln>
+              <a:solidFill>
+                <a:schemeClr val="tx1"/>
+              </a:solidFill>
+            </a:ln>
+          </p:spPr>
+          <p:style>
+            <a:lnRef idx="2">
+              <a:schemeClr val="accent1">
+                <a:shade val="50000"/>
+              </a:schemeClr>
+            </a:lnRef>
+            <a:fillRef idx="1">
+              <a:schemeClr val="accent1"/>
+            </a:fillRef>
+            <a:effectRef idx="0">
+              <a:schemeClr val="accent1"/>
+            </a:effectRef>
+            <a:fontRef idx="minor">
+              <a:schemeClr val="lt1"/>
+            </a:fontRef>
+          </p:style>
+          <p:txBody>
+            <a:bodyPr rtlCol="0" anchor="ctr"/>
+            <a:lstStyle/>
+            <a:p>
+              <a:pPr algn="ctr"/>
+              <a:r>
+                <a:rPr lang="en-US" sz="1000" i="1" dirty="0">
+                  <a:solidFill>
+                    <a:schemeClr val="tx1"/>
+                  </a:solidFill>
+                </a:rPr>
+                <a:t>biomass_ag</a:t>
+              </a:r>
+            </a:p>
+          </p:txBody>
+        </p:sp>
+        <p:sp>
+          <p:nvSpPr>
+            <p:cNvPr id="251" name="Rectangle 250">
+              <a:extLst>
+                <a:ext uri="{FF2B5EF4-FFF2-40B4-BE49-F238E27FC236}">
+                  <a16:creationId xmlns:a16="http://schemas.microsoft.com/office/drawing/2014/main" id="{A4EBC0E0-F95B-7C46-B545-1646038C58D9}"/>
+                </a:ext>
+              </a:extLst>
+            </p:cNvPr>
+            <p:cNvSpPr/>
+            <p:nvPr/>
+          </p:nvSpPr>
+          <p:spPr>
+            <a:xfrm>
+              <a:off x="90095" y="47552"/>
+              <a:ext cx="1371600" cy="246221"/>
+            </a:xfrm>
+            <a:prstGeom prst="rect">
+              <a:avLst/>
+            </a:prstGeom>
+            <a:solidFill>
+              <a:schemeClr val="accent6">
+                <a:lumMod val="40000"/>
+                <a:lumOff val="60000"/>
+              </a:schemeClr>
+            </a:solidFill>
+            <a:ln>
+              <a:solidFill>
+                <a:schemeClr val="tx1"/>
+              </a:solidFill>
+            </a:ln>
+          </p:spPr>
+          <p:style>
+            <a:lnRef idx="2">
+              <a:schemeClr val="accent1">
+                <a:shade val="50000"/>
+              </a:schemeClr>
+            </a:lnRef>
+            <a:fillRef idx="1">
+              <a:schemeClr val="accent1"/>
+            </a:fillRef>
+            <a:effectRef idx="0">
+              <a:schemeClr val="accent1"/>
+            </a:effectRef>
+            <a:fontRef idx="minor">
+              <a:schemeClr val="lt1"/>
+            </a:fontRef>
+          </p:style>
+          <p:txBody>
+            <a:bodyPr rtlCol="0" anchor="ctr"/>
+            <a:lstStyle/>
+            <a:p>
+              <a:pPr algn="ctr"/>
+              <a:r>
+                <a:rPr lang="en-US" sz="1000" dirty="0">
+                  <a:solidFill>
+                    <a:schemeClr val="tx1"/>
+                  </a:solidFill>
+                </a:rPr>
+                <a:t>Aboveground biomass</a:t>
+              </a:r>
+            </a:p>
+          </p:txBody>
+        </p:sp>
+      </p:grpSp>
+      <p:grpSp>
+        <p:nvGrpSpPr>
+          <p:cNvPr id="255" name="Group 254">
+            <a:extLst>
+              <a:ext uri="{FF2B5EF4-FFF2-40B4-BE49-F238E27FC236}">
+                <a16:creationId xmlns:a16="http://schemas.microsoft.com/office/drawing/2014/main" id="{21196B20-55A3-7745-A197-34634C6BF9E0}"/>
+              </a:ext>
+            </a:extLst>
+          </p:cNvPr>
+          <p:cNvGrpSpPr/>
+          <p:nvPr/>
+        </p:nvGrpSpPr>
+        <p:grpSpPr>
+          <a:xfrm>
+            <a:off x="204580" y="89722"/>
+            <a:ext cx="1346372" cy="1223293"/>
+            <a:chOff x="90095" y="47552"/>
+            <a:chExt cx="1346372" cy="1223293"/>
+          </a:xfrm>
+        </p:grpSpPr>
+        <p:sp>
+          <p:nvSpPr>
+            <p:cNvPr id="256" name="Rectangle 255">
+              <a:extLst>
+                <a:ext uri="{FF2B5EF4-FFF2-40B4-BE49-F238E27FC236}">
+                  <a16:creationId xmlns:a16="http://schemas.microsoft.com/office/drawing/2014/main" id="{CAB1C4E2-9D7C-804F-B449-6F9D9F426FE4}"/>
+                </a:ext>
+              </a:extLst>
+            </p:cNvPr>
+            <p:cNvSpPr/>
+            <p:nvPr/>
+          </p:nvSpPr>
+          <p:spPr>
+            <a:xfrm>
+              <a:off x="91227" y="780186"/>
+              <a:ext cx="1345240" cy="246221"/>
+            </a:xfrm>
+            <a:prstGeom prst="rect">
+              <a:avLst/>
+            </a:prstGeom>
+            <a:solidFill>
+              <a:schemeClr val="bg1"/>
+            </a:solidFill>
+            <a:ln>
+              <a:solidFill>
+                <a:schemeClr val="tx1"/>
+              </a:solidFill>
+            </a:ln>
+          </p:spPr>
+          <p:style>
+            <a:lnRef idx="2">
+              <a:schemeClr val="accent1">
+                <a:shade val="50000"/>
+              </a:schemeClr>
+            </a:lnRef>
+            <a:fillRef idx="1">
+              <a:schemeClr val="accent1"/>
+            </a:fillRef>
+            <a:effectRef idx="0">
+              <a:schemeClr val="accent1"/>
+            </a:effectRef>
+            <a:fontRef idx="minor">
+              <a:schemeClr val="lt1"/>
+            </a:fontRef>
+          </p:style>
+          <p:txBody>
+            <a:bodyPr rtlCol="0" anchor="ctr"/>
+            <a:lstStyle/>
+            <a:p>
+              <a:pPr algn="ctr"/>
+              <a:r>
+                <a:rPr lang="en-US" sz="1000" dirty="0">
+                  <a:solidFill>
+                    <a:schemeClr val="tx1"/>
+                  </a:solidFill>
+                </a:rPr>
+                <a:t>▲</a:t>
+              </a:r>
+              <a:r>
+                <a:rPr lang="en-US" sz="1000" i="1" dirty="0">
+                  <a:solidFill>
+                    <a:schemeClr val="tx1"/>
+                  </a:solidFill>
+                </a:rPr>
+                <a:t>NPP_woody</a:t>
+              </a:r>
+            </a:p>
+          </p:txBody>
+        </p:sp>
+        <p:sp>
+          <p:nvSpPr>
+            <p:cNvPr id="257" name="Rectangle 256">
+              <a:extLst>
+                <a:ext uri="{FF2B5EF4-FFF2-40B4-BE49-F238E27FC236}">
+                  <a16:creationId xmlns:a16="http://schemas.microsoft.com/office/drawing/2014/main" id="{C800541A-17F6-A747-BF9B-1626B3175E75}"/>
+                </a:ext>
+              </a:extLst>
+            </p:cNvPr>
+            <p:cNvSpPr/>
+            <p:nvPr/>
+          </p:nvSpPr>
+          <p:spPr>
+            <a:xfrm>
+              <a:off x="91227" y="1024624"/>
+              <a:ext cx="1345240" cy="246221"/>
+            </a:xfrm>
+            <a:prstGeom prst="rect">
+              <a:avLst/>
+            </a:prstGeom>
+            <a:solidFill>
+              <a:schemeClr val="bg1"/>
+            </a:solidFill>
+            <a:ln>
+              <a:solidFill>
+                <a:schemeClr val="tx1"/>
+              </a:solidFill>
+            </a:ln>
+          </p:spPr>
+          <p:style>
+            <a:lnRef idx="2">
+              <a:schemeClr val="accent1">
+                <a:shade val="50000"/>
+              </a:schemeClr>
+            </a:lnRef>
+            <a:fillRef idx="1">
+              <a:schemeClr val="accent1"/>
+            </a:fillRef>
+            <a:effectRef idx="0">
+              <a:schemeClr val="accent1"/>
+            </a:effectRef>
+            <a:fontRef idx="minor">
+              <a:schemeClr val="lt1"/>
+            </a:fontRef>
+          </p:style>
+          <p:txBody>
+            <a:bodyPr rtlCol="0" anchor="ctr"/>
+            <a:lstStyle/>
+            <a:p>
+              <a:pPr algn="ctr"/>
+              <a:r>
+                <a:rPr lang="en-US" sz="1000" i="1" dirty="0">
+                  <a:solidFill>
+                    <a:schemeClr val="tx1"/>
+                  </a:solidFill>
+                </a:rPr>
+                <a:t>▼</a:t>
+              </a:r>
+              <a:r>
+                <a:rPr lang="en-US" sz="1000" dirty="0">
+                  <a:solidFill>
+                    <a:schemeClr val="tx1"/>
+                  </a:solidFill>
+                </a:rPr>
+                <a:t>⌀</a:t>
+              </a:r>
+            </a:p>
+          </p:txBody>
+        </p:sp>
+        <p:sp>
+          <p:nvSpPr>
+            <p:cNvPr id="258" name="Rectangle 257">
+              <a:extLst>
+                <a:ext uri="{FF2B5EF4-FFF2-40B4-BE49-F238E27FC236}">
+                  <a16:creationId xmlns:a16="http://schemas.microsoft.com/office/drawing/2014/main" id="{C64FC82D-C69C-124B-B30E-31A411517D0B}"/>
+                </a:ext>
+              </a:extLst>
+            </p:cNvPr>
+            <p:cNvSpPr/>
+            <p:nvPr/>
+          </p:nvSpPr>
+          <p:spPr>
+            <a:xfrm>
+              <a:off x="91227" y="536478"/>
+              <a:ext cx="1345240" cy="246221"/>
+            </a:xfrm>
+            <a:prstGeom prst="rect">
+              <a:avLst/>
+            </a:prstGeom>
+            <a:solidFill>
+              <a:schemeClr val="bg1"/>
+            </a:solidFill>
+            <a:ln>
+              <a:solidFill>
+                <a:schemeClr val="tx1"/>
+              </a:solidFill>
+            </a:ln>
+          </p:spPr>
+          <p:style>
+            <a:lnRef idx="2">
+              <a:schemeClr val="accent1">
+                <a:shade val="50000"/>
+              </a:schemeClr>
+            </a:lnRef>
+            <a:fillRef idx="1">
+              <a:schemeClr val="accent1"/>
+            </a:fillRef>
+            <a:effectRef idx="0">
+              <a:schemeClr val="accent1"/>
+            </a:effectRef>
+            <a:fontRef idx="minor">
+              <a:schemeClr val="lt1"/>
+            </a:fontRef>
+          </p:style>
+          <p:txBody>
+            <a:bodyPr rtlCol="0" anchor="ctr"/>
+            <a:lstStyle/>
+            <a:p>
+              <a:pPr algn="ctr"/>
+              <a:r>
+                <a:rPr lang="en-US" sz="1000" dirty="0">
+                  <a:solidFill>
+                    <a:schemeClr val="tx1"/>
+                  </a:solidFill>
+                </a:rPr>
+                <a:t>△</a:t>
+              </a:r>
+              <a:r>
+                <a:rPr lang="en-US" sz="1000" i="1" dirty="0">
+                  <a:solidFill>
+                    <a:schemeClr val="tx1"/>
+                  </a:solidFill>
+                </a:rPr>
+                <a:t> delta.biomass</a:t>
+              </a:r>
+              <a:endParaRPr lang="en-US" sz="1000" dirty="0">
+                <a:solidFill>
+                  <a:schemeClr val="tx1"/>
+                </a:solidFill>
+              </a:endParaRPr>
+            </a:p>
+          </p:txBody>
+        </p:sp>
+        <p:sp>
+          <p:nvSpPr>
+            <p:cNvPr id="259" name="Rectangle 258">
+              <a:extLst>
+                <a:ext uri="{FF2B5EF4-FFF2-40B4-BE49-F238E27FC236}">
+                  <a16:creationId xmlns:a16="http://schemas.microsoft.com/office/drawing/2014/main" id="{00649335-F2B7-9242-8C28-DE95D716054C}"/>
+                </a:ext>
+              </a:extLst>
+            </p:cNvPr>
+            <p:cNvSpPr/>
+            <p:nvPr/>
+          </p:nvSpPr>
+          <p:spPr>
+            <a:xfrm>
+              <a:off x="91227" y="291480"/>
+              <a:ext cx="1345240" cy="246221"/>
+            </a:xfrm>
+            <a:prstGeom prst="rect">
+              <a:avLst/>
+            </a:prstGeom>
+            <a:solidFill>
+              <a:schemeClr val="bg1"/>
+            </a:solidFill>
+            <a:ln>
+              <a:solidFill>
+                <a:schemeClr val="tx1"/>
+              </a:solidFill>
+            </a:ln>
+          </p:spPr>
+          <p:style>
+            <a:lnRef idx="2">
+              <a:schemeClr val="accent1">
+                <a:shade val="50000"/>
+              </a:schemeClr>
+            </a:lnRef>
+            <a:fillRef idx="1">
+              <a:schemeClr val="accent1"/>
+            </a:fillRef>
+            <a:effectRef idx="0">
+              <a:schemeClr val="accent1"/>
+            </a:effectRef>
+            <a:fontRef idx="minor">
+              <a:schemeClr val="lt1"/>
+            </a:fontRef>
+          </p:style>
+          <p:txBody>
+            <a:bodyPr rtlCol="0" anchor="ctr"/>
+            <a:lstStyle/>
+            <a:p>
+              <a:pPr algn="ctr"/>
+              <a:r>
+                <a:rPr lang="en-US" sz="1000" i="1" dirty="0">
+                  <a:solidFill>
+                    <a:schemeClr val="tx1"/>
+                  </a:solidFill>
+                </a:rPr>
+                <a:t>biomass</a:t>
+              </a:r>
+            </a:p>
+          </p:txBody>
+        </p:sp>
+        <p:sp>
+          <p:nvSpPr>
+            <p:cNvPr id="260" name="Rectangle 259">
+              <a:extLst>
+                <a:ext uri="{FF2B5EF4-FFF2-40B4-BE49-F238E27FC236}">
+                  <a16:creationId xmlns:a16="http://schemas.microsoft.com/office/drawing/2014/main" id="{F47C31C7-D461-4F49-8234-70A0ECA14CFA}"/>
+                </a:ext>
+              </a:extLst>
+            </p:cNvPr>
+            <p:cNvSpPr/>
+            <p:nvPr/>
+          </p:nvSpPr>
+          <p:spPr>
+            <a:xfrm>
+              <a:off x="90095" y="47552"/>
+              <a:ext cx="1345240" cy="246221"/>
+            </a:xfrm>
+            <a:prstGeom prst="rect">
+              <a:avLst/>
+            </a:prstGeom>
+            <a:solidFill>
+              <a:srgbClr val="A8CFC5"/>
+            </a:solidFill>
+            <a:ln>
+              <a:solidFill>
+                <a:schemeClr val="tx1"/>
+              </a:solidFill>
+            </a:ln>
+          </p:spPr>
+          <p:style>
+            <a:lnRef idx="2">
+              <a:schemeClr val="accent1">
+                <a:shade val="50000"/>
+              </a:schemeClr>
+            </a:lnRef>
+            <a:fillRef idx="1">
+              <a:schemeClr val="accent1"/>
+            </a:fillRef>
+            <a:effectRef idx="0">
+              <a:schemeClr val="accent1"/>
+            </a:effectRef>
+            <a:fontRef idx="minor">
+              <a:schemeClr val="lt1"/>
+            </a:fontRef>
+          </p:style>
+          <p:txBody>
+            <a:bodyPr rtlCol="0" anchor="ctr"/>
+            <a:lstStyle/>
+            <a:p>
+              <a:pPr algn="ctr"/>
+              <a:r>
+                <a:rPr lang="en-US" sz="1000" dirty="0">
+                  <a:solidFill>
+                    <a:schemeClr val="tx1"/>
+                  </a:solidFill>
+                </a:rPr>
+                <a:t>Biomass</a:t>
+              </a:r>
+            </a:p>
+          </p:txBody>
+        </p:sp>
+      </p:grpSp>
+      <p:grpSp>
+        <p:nvGrpSpPr>
+          <p:cNvPr id="264" name="Group 263">
+            <a:extLst>
+              <a:ext uri="{FF2B5EF4-FFF2-40B4-BE49-F238E27FC236}">
+                <a16:creationId xmlns:a16="http://schemas.microsoft.com/office/drawing/2014/main" id="{5A2C7F6C-4509-DC44-B251-858CFFBEA84F}"/>
+              </a:ext>
+            </a:extLst>
+          </p:cNvPr>
+          <p:cNvGrpSpPr/>
+          <p:nvPr/>
+        </p:nvGrpSpPr>
+        <p:grpSpPr>
+          <a:xfrm>
+            <a:off x="5207281" y="1102546"/>
+            <a:ext cx="1555612" cy="1286428"/>
+            <a:chOff x="90095" y="-22990"/>
+            <a:chExt cx="1555612" cy="1286428"/>
+          </a:xfrm>
+        </p:grpSpPr>
+        <p:sp>
+          <p:nvSpPr>
+            <p:cNvPr id="265" name="Rectangle 264">
+              <a:extLst>
+                <a:ext uri="{FF2B5EF4-FFF2-40B4-BE49-F238E27FC236}">
+                  <a16:creationId xmlns:a16="http://schemas.microsoft.com/office/drawing/2014/main" id="{34511690-8A18-BE40-AEE4-4CFB2DBD5AD8}"/>
+                </a:ext>
+              </a:extLst>
+            </p:cNvPr>
+            <p:cNvSpPr/>
+            <p:nvPr/>
+          </p:nvSpPr>
+          <p:spPr>
+            <a:xfrm>
+              <a:off x="91227" y="782015"/>
+              <a:ext cx="1554480" cy="246221"/>
+            </a:xfrm>
+            <a:prstGeom prst="rect">
+              <a:avLst/>
+            </a:prstGeom>
+            <a:solidFill>
+              <a:schemeClr val="bg1"/>
+            </a:solidFill>
+            <a:ln>
+              <a:solidFill>
+                <a:schemeClr val="tx1"/>
+              </a:solidFill>
+            </a:ln>
+          </p:spPr>
+          <p:style>
+            <a:lnRef idx="2">
+              <a:schemeClr val="accent1">
+                <a:shade val="50000"/>
+              </a:schemeClr>
+            </a:lnRef>
+            <a:fillRef idx="1">
+              <a:schemeClr val="accent1"/>
+            </a:fillRef>
+            <a:effectRef idx="0">
+              <a:schemeClr val="accent1"/>
+            </a:effectRef>
+            <a:fontRef idx="minor">
+              <a:schemeClr val="lt1"/>
+            </a:fontRef>
+          </p:style>
+          <p:txBody>
+            <a:bodyPr lIns="0" rIns="0" rtlCol="0" anchor="ctr"/>
+            <a:lstStyle/>
+            <a:p>
+              <a:pPr algn="ctr"/>
+              <a:r>
+                <a:rPr lang="en-US" sz="1000" dirty="0">
+                  <a:solidFill>
+                    <a:schemeClr val="tx1"/>
+                  </a:solidFill>
+                </a:rPr>
+                <a:t>▲ </a:t>
+              </a:r>
+              <a:r>
+                <a:rPr lang="en-US" sz="1000" i="1" dirty="0" err="1">
+                  <a:solidFill>
+                    <a:schemeClr val="tx1"/>
+                  </a:solidFill>
+                </a:rPr>
+                <a:t>ANPP_woody_stem</a:t>
+              </a:r>
+              <a:r>
+                <a:rPr lang="en-US" sz="1000" i="1" dirty="0">
+                  <a:solidFill>
+                    <a:schemeClr val="tx1"/>
+                  </a:solidFill>
+                </a:rPr>
+                <a:t> </a:t>
+              </a:r>
+              <a:r>
+                <a:rPr lang="en-US" sz="1000" i="1" baseline="30000" dirty="0">
+                  <a:solidFill>
+                    <a:schemeClr val="tx1"/>
+                  </a:solidFill>
+                </a:rPr>
+                <a:t>8</a:t>
+              </a:r>
+              <a:endParaRPr lang="en-US" sz="1000" dirty="0">
+                <a:solidFill>
+                  <a:schemeClr val="tx1"/>
+                </a:solidFill>
+              </a:endParaRPr>
+            </a:p>
+          </p:txBody>
+        </p:sp>
+        <p:sp>
+          <p:nvSpPr>
+            <p:cNvPr id="266" name="Rectangle 265">
+              <a:extLst>
+                <a:ext uri="{FF2B5EF4-FFF2-40B4-BE49-F238E27FC236}">
+                  <a16:creationId xmlns:a16="http://schemas.microsoft.com/office/drawing/2014/main" id="{098076E1-E407-A54B-A0B7-590E6B29369A}"/>
+                </a:ext>
+              </a:extLst>
+            </p:cNvPr>
+            <p:cNvSpPr/>
+            <p:nvPr/>
+          </p:nvSpPr>
+          <p:spPr>
+            <a:xfrm>
+              <a:off x="91227" y="1017217"/>
+              <a:ext cx="1554480" cy="246221"/>
+            </a:xfrm>
+            <a:prstGeom prst="rect">
+              <a:avLst/>
+            </a:prstGeom>
+            <a:solidFill>
+              <a:schemeClr val="bg1"/>
+            </a:solidFill>
+            <a:ln>
+              <a:solidFill>
+                <a:schemeClr val="tx1"/>
+              </a:solidFill>
+            </a:ln>
+          </p:spPr>
+          <p:style>
+            <a:lnRef idx="2">
+              <a:schemeClr val="accent1">
+                <a:shade val="50000"/>
+              </a:schemeClr>
+            </a:lnRef>
+            <a:fillRef idx="1">
+              <a:schemeClr val="accent1"/>
+            </a:fillRef>
+            <a:effectRef idx="0">
+              <a:schemeClr val="accent1"/>
+            </a:effectRef>
+            <a:fontRef idx="minor">
+              <a:schemeClr val="lt1"/>
+            </a:fontRef>
+          </p:style>
+          <p:txBody>
+            <a:bodyPr lIns="0" rIns="0" rtlCol="0" anchor="ctr"/>
+            <a:lstStyle/>
+            <a:p>
+              <a:pPr algn="ctr"/>
+              <a:r>
+                <a:rPr lang="en-US" sz="1000" i="1" dirty="0">
+                  <a:solidFill>
+                    <a:schemeClr val="tx1"/>
+                  </a:solidFill>
+                </a:rPr>
+                <a:t>▼ </a:t>
+              </a:r>
+              <a:r>
+                <a:rPr lang="en-US" sz="1000" i="1" dirty="0" err="1">
+                  <a:solidFill>
+                    <a:schemeClr val="tx1"/>
+                  </a:solidFill>
+                </a:rPr>
+                <a:t>woody_mortality</a:t>
+              </a:r>
+              <a:r>
+                <a:rPr lang="en-US" sz="1000" i="1" dirty="0">
+                  <a:solidFill>
+                    <a:schemeClr val="tx1"/>
+                  </a:solidFill>
+                </a:rPr>
+                <a:t> </a:t>
+              </a:r>
+              <a:r>
+                <a:rPr lang="en-US" sz="1000" i="1" baseline="30000" dirty="0">
+                  <a:solidFill>
+                    <a:schemeClr val="tx1"/>
+                  </a:solidFill>
+                </a:rPr>
+                <a:t>1,2,8</a:t>
+              </a:r>
+              <a:endParaRPr lang="en-US" sz="1000" dirty="0">
+                <a:solidFill>
+                  <a:schemeClr val="tx1"/>
+                </a:solidFill>
+              </a:endParaRPr>
+            </a:p>
+          </p:txBody>
+        </p:sp>
+        <p:sp>
+          <p:nvSpPr>
+            <p:cNvPr id="268" name="Rectangle 267">
+              <a:extLst>
+                <a:ext uri="{FF2B5EF4-FFF2-40B4-BE49-F238E27FC236}">
+                  <a16:creationId xmlns:a16="http://schemas.microsoft.com/office/drawing/2014/main" id="{925E6E69-1453-C643-A650-118FCA7F72FD}"/>
+                </a:ext>
+              </a:extLst>
+            </p:cNvPr>
+            <p:cNvSpPr/>
+            <p:nvPr/>
+          </p:nvSpPr>
+          <p:spPr>
+            <a:xfrm>
+              <a:off x="91227" y="281432"/>
+              <a:ext cx="1554480" cy="246221"/>
+            </a:xfrm>
+            <a:prstGeom prst="rect">
+              <a:avLst/>
+            </a:prstGeom>
+            <a:solidFill>
+              <a:schemeClr val="bg1"/>
+            </a:solidFill>
+            <a:ln>
+              <a:solidFill>
+                <a:schemeClr val="tx1"/>
+              </a:solidFill>
+            </a:ln>
+          </p:spPr>
+          <p:style>
+            <a:lnRef idx="2">
+              <a:schemeClr val="accent1">
+                <a:shade val="50000"/>
+              </a:schemeClr>
+            </a:lnRef>
+            <a:fillRef idx="1">
+              <a:schemeClr val="accent1"/>
+            </a:fillRef>
+            <a:effectRef idx="0">
+              <a:schemeClr val="accent1"/>
+            </a:effectRef>
+            <a:fontRef idx="minor">
+              <a:schemeClr val="lt1"/>
+            </a:fontRef>
+          </p:style>
+          <p:txBody>
+            <a:bodyPr lIns="0" rIns="0" rtlCol="0" anchor="ctr"/>
+            <a:lstStyle/>
+            <a:p>
+              <a:pPr algn="ctr"/>
+              <a:r>
+                <a:rPr lang="en-US" sz="1000" i="1" dirty="0">
+                  <a:solidFill>
+                    <a:schemeClr val="tx1"/>
+                  </a:solidFill>
+                </a:rPr>
+                <a:t>biomass_ag_woody</a:t>
+              </a:r>
+            </a:p>
+          </p:txBody>
+        </p:sp>
+        <p:sp>
+          <p:nvSpPr>
+            <p:cNvPr id="269" name="Rectangle 268">
+              <a:extLst>
+                <a:ext uri="{FF2B5EF4-FFF2-40B4-BE49-F238E27FC236}">
+                  <a16:creationId xmlns:a16="http://schemas.microsoft.com/office/drawing/2014/main" id="{44367FEB-7307-CF43-B99F-F5DF6DA5BFA0}"/>
+                </a:ext>
+              </a:extLst>
+            </p:cNvPr>
+            <p:cNvSpPr/>
+            <p:nvPr/>
+          </p:nvSpPr>
+          <p:spPr>
+            <a:xfrm>
+              <a:off x="90095" y="-22990"/>
+              <a:ext cx="1554480" cy="316763"/>
+            </a:xfrm>
+            <a:prstGeom prst="rect">
+              <a:avLst/>
+            </a:prstGeom>
+            <a:solidFill>
+              <a:schemeClr val="accent6">
+                <a:lumMod val="40000"/>
+                <a:lumOff val="60000"/>
+              </a:schemeClr>
+            </a:solidFill>
+            <a:ln>
+              <a:solidFill>
+                <a:schemeClr val="tx1"/>
+              </a:solidFill>
+            </a:ln>
+          </p:spPr>
+          <p:style>
+            <a:lnRef idx="2">
+              <a:schemeClr val="accent1">
+                <a:shade val="50000"/>
+              </a:schemeClr>
+            </a:lnRef>
+            <a:fillRef idx="1">
+              <a:schemeClr val="accent1"/>
+            </a:fillRef>
+            <a:effectRef idx="0">
+              <a:schemeClr val="accent1"/>
+            </a:effectRef>
+            <a:fontRef idx="minor">
+              <a:schemeClr val="lt1"/>
+            </a:fontRef>
+          </p:style>
+          <p:txBody>
+            <a:bodyPr lIns="18288" rIns="18288" rtlCol="0" anchor="ctr"/>
+            <a:lstStyle/>
+            <a:p>
+              <a:pPr algn="ctr"/>
+              <a:r>
+                <a:rPr lang="en-US" sz="1000" dirty="0">
+                  <a:solidFill>
+                    <a:schemeClr val="tx1"/>
+                  </a:solidFill>
+                </a:rPr>
+                <a:t>Aboveground woody biomass</a:t>
+              </a:r>
+            </a:p>
+          </p:txBody>
+        </p:sp>
+      </p:grpSp>
+      <p:grpSp>
+        <p:nvGrpSpPr>
+          <p:cNvPr id="271" name="Group 270">
+            <a:extLst>
+              <a:ext uri="{FF2B5EF4-FFF2-40B4-BE49-F238E27FC236}">
+                <a16:creationId xmlns:a16="http://schemas.microsoft.com/office/drawing/2014/main" id="{51588750-BA78-9E4B-A58F-83921A16A1F3}"/>
+              </a:ext>
+            </a:extLst>
+          </p:cNvPr>
+          <p:cNvGrpSpPr/>
+          <p:nvPr/>
+        </p:nvGrpSpPr>
+        <p:grpSpPr>
+          <a:xfrm>
+            <a:off x="2683459" y="2941811"/>
+            <a:ext cx="1372732" cy="1223293"/>
+            <a:chOff x="90095" y="47552"/>
+            <a:chExt cx="1372732" cy="1223293"/>
+          </a:xfrm>
+        </p:grpSpPr>
+        <p:sp>
+          <p:nvSpPr>
+            <p:cNvPr id="272" name="Rectangle 271">
+              <a:extLst>
+                <a:ext uri="{FF2B5EF4-FFF2-40B4-BE49-F238E27FC236}">
+                  <a16:creationId xmlns:a16="http://schemas.microsoft.com/office/drawing/2014/main" id="{46BE2097-3C3B-B241-8A57-CBEC639A8760}"/>
+                </a:ext>
+              </a:extLst>
+            </p:cNvPr>
+            <p:cNvSpPr/>
+            <p:nvPr/>
+          </p:nvSpPr>
+          <p:spPr>
+            <a:xfrm>
+              <a:off x="91227" y="780186"/>
+              <a:ext cx="1371600" cy="246221"/>
+            </a:xfrm>
+            <a:prstGeom prst="rect">
+              <a:avLst/>
+            </a:prstGeom>
+            <a:solidFill>
+              <a:schemeClr val="bg1"/>
+            </a:solidFill>
+            <a:ln>
+              <a:solidFill>
+                <a:schemeClr val="tx1"/>
+              </a:solidFill>
+            </a:ln>
+          </p:spPr>
+          <p:style>
+            <a:lnRef idx="2">
+              <a:schemeClr val="accent1">
+                <a:shade val="50000"/>
+              </a:schemeClr>
+            </a:lnRef>
+            <a:fillRef idx="1">
+              <a:schemeClr val="accent1"/>
+            </a:fillRef>
+            <a:effectRef idx="0">
+              <a:schemeClr val="accent1"/>
+            </a:effectRef>
+            <a:fontRef idx="minor">
+              <a:schemeClr val="lt1"/>
+            </a:fontRef>
+          </p:style>
+          <p:txBody>
+            <a:bodyPr rtlCol="0" anchor="ctr"/>
+            <a:lstStyle/>
+            <a:p>
+              <a:pPr algn="ctr"/>
+              <a:r>
+                <a:rPr lang="en-US" sz="1000" dirty="0">
+                  <a:solidFill>
+                    <a:schemeClr val="tx1"/>
+                  </a:solidFill>
+                </a:rPr>
+                <a:t>▲ </a:t>
+              </a:r>
+              <a:r>
+                <a:rPr lang="en-US" sz="1000" i="1" dirty="0" err="1">
+                  <a:solidFill>
+                    <a:schemeClr val="tx1"/>
+                  </a:solidFill>
+                </a:rPr>
+                <a:t>woody_mortality</a:t>
+              </a:r>
+              <a:r>
+                <a:rPr lang="en-US" sz="1000" i="1" dirty="0">
+                  <a:solidFill>
+                    <a:schemeClr val="tx1"/>
+                  </a:solidFill>
+                </a:rPr>
+                <a:t> </a:t>
+              </a:r>
+              <a:r>
+                <a:rPr lang="en-US" sz="1000" i="1" baseline="30000" dirty="0">
+                  <a:solidFill>
+                    <a:schemeClr val="tx1"/>
+                  </a:solidFill>
+                </a:rPr>
+                <a:t>2,3</a:t>
+              </a:r>
+              <a:endParaRPr lang="en-US" sz="1000" dirty="0">
+                <a:solidFill>
+                  <a:schemeClr val="tx1"/>
+                </a:solidFill>
+              </a:endParaRPr>
+            </a:p>
+          </p:txBody>
+        </p:sp>
+        <p:sp>
+          <p:nvSpPr>
+            <p:cNvPr id="273" name="Rectangle 272">
+              <a:extLst>
+                <a:ext uri="{FF2B5EF4-FFF2-40B4-BE49-F238E27FC236}">
+                  <a16:creationId xmlns:a16="http://schemas.microsoft.com/office/drawing/2014/main" id="{5373C836-F852-3E46-ACE9-FBC89A9EEFD0}"/>
+                </a:ext>
+              </a:extLst>
+            </p:cNvPr>
+            <p:cNvSpPr/>
+            <p:nvPr/>
+          </p:nvSpPr>
+          <p:spPr>
+            <a:xfrm>
+              <a:off x="91227" y="1024624"/>
+              <a:ext cx="1371600" cy="246221"/>
+            </a:xfrm>
+            <a:prstGeom prst="rect">
+              <a:avLst/>
+            </a:prstGeom>
+            <a:solidFill>
+              <a:schemeClr val="bg1"/>
+            </a:solidFill>
+            <a:ln>
+              <a:solidFill>
+                <a:schemeClr val="tx1"/>
+              </a:solidFill>
+            </a:ln>
+          </p:spPr>
+          <p:style>
+            <a:lnRef idx="2">
+              <a:schemeClr val="accent1">
+                <a:shade val="50000"/>
+              </a:schemeClr>
+            </a:lnRef>
+            <a:fillRef idx="1">
+              <a:schemeClr val="accent1"/>
+            </a:fillRef>
+            <a:effectRef idx="0">
+              <a:schemeClr val="accent1"/>
+            </a:effectRef>
+            <a:fontRef idx="minor">
+              <a:schemeClr val="lt1"/>
+            </a:fontRef>
+          </p:style>
+          <p:txBody>
+            <a:bodyPr lIns="45720" rIns="45720" rtlCol="0" anchor="ctr"/>
+            <a:lstStyle/>
+            <a:p>
+              <a:pPr algn="ctr"/>
+              <a:r>
+                <a:rPr lang="en-US" sz="1000" i="1" dirty="0">
+                  <a:solidFill>
+                    <a:schemeClr val="tx1"/>
+                  </a:solidFill>
+                </a:rPr>
+                <a:t>▼ </a:t>
+              </a:r>
+              <a:r>
+                <a:rPr lang="en-US" sz="1000" i="1" dirty="0" err="1">
+                  <a:solidFill>
+                    <a:schemeClr val="tx1"/>
+                  </a:solidFill>
+                </a:rPr>
+                <a:t>R_het_deadwood</a:t>
+              </a:r>
+              <a:r>
+                <a:rPr lang="en-US" sz="1000" i="1" dirty="0">
+                  <a:solidFill>
+                    <a:schemeClr val="tx1"/>
+                  </a:solidFill>
+                </a:rPr>
+                <a:t> </a:t>
+              </a:r>
+              <a:r>
+                <a:rPr lang="en-US" sz="1000" baseline="30000" dirty="0">
+                  <a:solidFill>
+                    <a:schemeClr val="tx1"/>
+                  </a:solidFill>
+                </a:rPr>
+                <a:t>3,4</a:t>
+              </a:r>
+              <a:r>
+                <a:rPr lang="en-US" sz="1000" dirty="0">
+                  <a:solidFill>
+                    <a:schemeClr val="tx1"/>
+                  </a:solidFill>
+                </a:rPr>
+                <a:t> </a:t>
+              </a:r>
+            </a:p>
+          </p:txBody>
+        </p:sp>
+        <p:sp>
+          <p:nvSpPr>
+            <p:cNvPr id="274" name="Rectangle 273">
+              <a:extLst>
+                <a:ext uri="{FF2B5EF4-FFF2-40B4-BE49-F238E27FC236}">
+                  <a16:creationId xmlns:a16="http://schemas.microsoft.com/office/drawing/2014/main" id="{1AAB0F52-7BE7-3643-92A4-33DA0D6A308A}"/>
+                </a:ext>
+              </a:extLst>
+            </p:cNvPr>
+            <p:cNvSpPr/>
+            <p:nvPr/>
+          </p:nvSpPr>
+          <p:spPr>
+            <a:xfrm>
+              <a:off x="91227" y="536478"/>
+              <a:ext cx="1371600" cy="246221"/>
+            </a:xfrm>
+            <a:prstGeom prst="rect">
+              <a:avLst/>
+            </a:prstGeom>
+            <a:solidFill>
+              <a:schemeClr val="bg1"/>
+            </a:solidFill>
+            <a:ln>
+              <a:solidFill>
+                <a:schemeClr val="tx1"/>
+              </a:solidFill>
+            </a:ln>
+          </p:spPr>
+          <p:style>
+            <a:lnRef idx="2">
+              <a:schemeClr val="accent1">
+                <a:shade val="50000"/>
+              </a:schemeClr>
+            </a:lnRef>
+            <a:fillRef idx="1">
+              <a:schemeClr val="accent1"/>
+            </a:fillRef>
+            <a:effectRef idx="0">
+              <a:schemeClr val="accent1"/>
+            </a:effectRef>
+            <a:fontRef idx="minor">
+              <a:schemeClr val="lt1"/>
+            </a:fontRef>
+          </p:style>
+          <p:txBody>
+            <a:bodyPr rtlCol="0" anchor="ctr"/>
+            <a:lstStyle/>
+            <a:p>
+              <a:pPr algn="ctr"/>
+              <a:r>
+                <a:rPr lang="en-US" sz="1000" dirty="0">
+                  <a:solidFill>
+                    <a:schemeClr val="tx1"/>
+                  </a:solidFill>
+                </a:rPr>
+                <a:t>△</a:t>
+              </a:r>
+              <a:r>
+                <a:rPr lang="en-US" sz="1000" i="1" dirty="0">
+                  <a:solidFill>
+                    <a:schemeClr val="tx1"/>
+                  </a:solidFill>
+                </a:rPr>
+                <a:t> </a:t>
+              </a:r>
+              <a:r>
+                <a:rPr lang="en-US" sz="1000" i="1" dirty="0" err="1">
+                  <a:solidFill>
+                    <a:schemeClr val="tx1"/>
+                  </a:solidFill>
+                </a:rPr>
+                <a:t>delta.deadwood</a:t>
+              </a:r>
+              <a:r>
+                <a:rPr lang="en-US" sz="1000" i="1" dirty="0">
+                  <a:solidFill>
+                    <a:schemeClr val="tx1"/>
+                  </a:solidFill>
+                </a:rPr>
+                <a:t> </a:t>
+              </a:r>
+              <a:r>
+                <a:rPr lang="en-US" sz="1000" baseline="30000" dirty="0">
+                  <a:solidFill>
+                    <a:schemeClr val="tx1"/>
+                  </a:solidFill>
+                </a:rPr>
+                <a:t>3</a:t>
+              </a:r>
+              <a:endParaRPr lang="en-US" sz="1000" dirty="0">
+                <a:solidFill>
+                  <a:schemeClr val="tx1"/>
+                </a:solidFill>
+              </a:endParaRPr>
+            </a:p>
+          </p:txBody>
+        </p:sp>
+        <p:sp>
+          <p:nvSpPr>
+            <p:cNvPr id="275" name="Rectangle 274">
+              <a:extLst>
+                <a:ext uri="{FF2B5EF4-FFF2-40B4-BE49-F238E27FC236}">
+                  <a16:creationId xmlns:a16="http://schemas.microsoft.com/office/drawing/2014/main" id="{A8FED04B-5C12-B049-8EDC-8E2C8FAB6BEE}"/>
+                </a:ext>
+              </a:extLst>
+            </p:cNvPr>
+            <p:cNvSpPr/>
+            <p:nvPr/>
+          </p:nvSpPr>
+          <p:spPr>
+            <a:xfrm>
+              <a:off x="91227" y="291480"/>
+              <a:ext cx="1371600" cy="246221"/>
+            </a:xfrm>
+            <a:prstGeom prst="rect">
+              <a:avLst/>
+            </a:prstGeom>
+            <a:solidFill>
+              <a:schemeClr val="bg1"/>
+            </a:solidFill>
+            <a:ln>
+              <a:solidFill>
+                <a:schemeClr val="tx1"/>
+              </a:solidFill>
+            </a:ln>
+          </p:spPr>
+          <p:style>
+            <a:lnRef idx="2">
+              <a:schemeClr val="accent1">
+                <a:shade val="50000"/>
+              </a:schemeClr>
+            </a:lnRef>
+            <a:fillRef idx="1">
+              <a:schemeClr val="accent1"/>
+            </a:fillRef>
+            <a:effectRef idx="0">
+              <a:schemeClr val="accent1"/>
+            </a:effectRef>
+            <a:fontRef idx="minor">
+              <a:schemeClr val="lt1"/>
+            </a:fontRef>
+          </p:style>
+          <p:txBody>
+            <a:bodyPr rtlCol="0" anchor="ctr"/>
+            <a:lstStyle/>
+            <a:p>
+              <a:pPr algn="ctr"/>
+              <a:r>
+                <a:rPr lang="en-US" sz="1000" i="1" dirty="0">
+                  <a:solidFill>
+                    <a:schemeClr val="tx1"/>
+                  </a:solidFill>
+                </a:rPr>
+                <a:t>deadwood </a:t>
+              </a:r>
+              <a:r>
+                <a:rPr lang="en-US" sz="1000" i="1" baseline="30000" dirty="0">
+                  <a:solidFill>
+                    <a:schemeClr val="tx1"/>
+                  </a:solidFill>
+                </a:rPr>
+                <a:t>3</a:t>
+              </a:r>
+              <a:endParaRPr lang="en-US" sz="1000" i="1" dirty="0">
+                <a:solidFill>
+                  <a:schemeClr val="tx1"/>
+                </a:solidFill>
+              </a:endParaRPr>
+            </a:p>
+          </p:txBody>
+        </p:sp>
+        <p:sp>
+          <p:nvSpPr>
+            <p:cNvPr id="276" name="Rectangle 275">
+              <a:extLst>
+                <a:ext uri="{FF2B5EF4-FFF2-40B4-BE49-F238E27FC236}">
+                  <a16:creationId xmlns:a16="http://schemas.microsoft.com/office/drawing/2014/main" id="{ACD90970-8680-C044-B871-378C0CAA215F}"/>
+                </a:ext>
+              </a:extLst>
+            </p:cNvPr>
+            <p:cNvSpPr/>
+            <p:nvPr/>
+          </p:nvSpPr>
+          <p:spPr>
+            <a:xfrm>
+              <a:off x="90095" y="47552"/>
+              <a:ext cx="1371600" cy="246221"/>
+            </a:xfrm>
+            <a:prstGeom prst="rect">
+              <a:avLst/>
+            </a:prstGeom>
+            <a:solidFill>
+              <a:srgbClr val="DCE0CE"/>
+            </a:solidFill>
+            <a:ln>
+              <a:solidFill>
+                <a:schemeClr val="tx1"/>
+              </a:solidFill>
+            </a:ln>
+          </p:spPr>
+          <p:style>
+            <a:lnRef idx="2">
+              <a:schemeClr val="accent1">
+                <a:shade val="50000"/>
+              </a:schemeClr>
+            </a:lnRef>
+            <a:fillRef idx="1">
+              <a:schemeClr val="accent1"/>
+            </a:fillRef>
+            <a:effectRef idx="0">
+              <a:schemeClr val="accent1"/>
+            </a:effectRef>
+            <a:fontRef idx="minor">
+              <a:schemeClr val="lt1"/>
+            </a:fontRef>
+          </p:style>
+          <p:txBody>
+            <a:bodyPr rtlCol="0" anchor="ctr"/>
+            <a:lstStyle/>
+            <a:p>
+              <a:pPr algn="ctr"/>
+              <a:r>
+                <a:rPr lang="en-US" sz="1000" dirty="0">
+                  <a:solidFill>
+                    <a:schemeClr val="tx1"/>
+                  </a:solidFill>
+                </a:rPr>
+                <a:t>Dead wood</a:t>
+              </a:r>
+              <a:endParaRPr lang="en-US" sz="1000" baseline="30000" dirty="0">
+                <a:solidFill>
+                  <a:schemeClr val="tx1"/>
+                </a:solidFill>
+              </a:endParaRPr>
+            </a:p>
+          </p:txBody>
+        </p:sp>
+      </p:grpSp>
+      <p:sp>
+        <p:nvSpPr>
+          <p:cNvPr id="281" name="TextBox 280">
+            <a:extLst>
+              <a:ext uri="{FF2B5EF4-FFF2-40B4-BE49-F238E27FC236}">
+                <a16:creationId xmlns:a16="http://schemas.microsoft.com/office/drawing/2014/main" id="{A79AB057-7A64-D746-8EA8-FAC2B6AB5441}"/>
+              </a:ext>
+            </a:extLst>
+          </p:cNvPr>
+          <p:cNvSpPr txBox="1"/>
+          <p:nvPr/>
+        </p:nvSpPr>
+        <p:spPr>
+          <a:xfrm>
+            <a:off x="44270" y="7802081"/>
+            <a:ext cx="6769459" cy="246221"/>
+          </a:xfrm>
+          <a:prstGeom prst="rect">
+            <a:avLst/>
+          </a:prstGeom>
+          <a:noFill/>
+        </p:spPr>
+        <p:txBody>
+          <a:bodyPr wrap="square" rtlCol="0">
+            <a:spAutoFit/>
+          </a:bodyPr>
+          <a:lstStyle/>
+          <a:p>
+            <a:r>
+              <a:rPr lang="en-US" sz="1000" dirty="0"/>
+              <a:t>For footnotes, see caption in manuscript. </a:t>
+            </a:r>
+          </a:p>
+        </p:txBody>
+      </p:sp>
+      <p:grpSp>
+        <p:nvGrpSpPr>
+          <p:cNvPr id="283" name="Group 282">
+            <a:extLst>
+              <a:ext uri="{FF2B5EF4-FFF2-40B4-BE49-F238E27FC236}">
+                <a16:creationId xmlns:a16="http://schemas.microsoft.com/office/drawing/2014/main" id="{9311EC2D-64C9-EB4F-A553-ED10063CC617}"/>
+              </a:ext>
+            </a:extLst>
+          </p:cNvPr>
+          <p:cNvGrpSpPr/>
+          <p:nvPr/>
+        </p:nvGrpSpPr>
+        <p:grpSpPr>
+          <a:xfrm>
+            <a:off x="5207281" y="70443"/>
+            <a:ext cx="1555612" cy="989705"/>
+            <a:chOff x="90095" y="-22990"/>
+            <a:chExt cx="1555612" cy="989705"/>
+          </a:xfrm>
+        </p:grpSpPr>
+        <p:sp>
+          <p:nvSpPr>
+            <p:cNvPr id="284" name="Rectangle 283">
+              <a:extLst>
+                <a:ext uri="{FF2B5EF4-FFF2-40B4-BE49-F238E27FC236}">
+                  <a16:creationId xmlns:a16="http://schemas.microsoft.com/office/drawing/2014/main" id="{27488537-0569-AA42-AE4A-34FBBDE0D11E}"/>
+                </a:ext>
+              </a:extLst>
+            </p:cNvPr>
+            <p:cNvSpPr/>
+            <p:nvPr/>
+          </p:nvSpPr>
+          <p:spPr>
+            <a:xfrm>
+              <a:off x="91227" y="475389"/>
+              <a:ext cx="1554480" cy="246888"/>
+            </a:xfrm>
+            <a:prstGeom prst="rect">
+              <a:avLst/>
+            </a:prstGeom>
+            <a:solidFill>
+              <a:schemeClr val="bg1"/>
+            </a:solidFill>
+            <a:ln>
+              <a:solidFill>
+                <a:schemeClr val="tx1"/>
+              </a:solidFill>
+            </a:ln>
+          </p:spPr>
+          <p:style>
+            <a:lnRef idx="2">
+              <a:schemeClr val="accent1">
+                <a:shade val="50000"/>
+              </a:schemeClr>
+            </a:lnRef>
+            <a:fillRef idx="1">
+              <a:schemeClr val="accent1"/>
+            </a:fillRef>
+            <a:effectRef idx="0">
+              <a:schemeClr val="accent1"/>
+            </a:effectRef>
+            <a:fontRef idx="minor">
+              <a:schemeClr val="lt1"/>
+            </a:fontRef>
+          </p:style>
+          <p:txBody>
+            <a:bodyPr rtlCol="0" anchor="ctr"/>
+            <a:lstStyle/>
+            <a:p>
+              <a:pPr algn="ctr"/>
+              <a:r>
+                <a:rPr lang="en-US" sz="1000" dirty="0">
+                  <a:solidFill>
+                    <a:schemeClr val="tx1"/>
+                  </a:solidFill>
+                </a:rPr>
+                <a:t>▲ </a:t>
+              </a:r>
+              <a:r>
+                <a:rPr lang="en-US" sz="1000" i="1" dirty="0" err="1">
+                  <a:solidFill>
+                    <a:schemeClr val="tx1"/>
+                  </a:solidFill>
+                </a:rPr>
+                <a:t>ANPP_foliage</a:t>
+              </a:r>
+              <a:r>
+                <a:rPr lang="en-US" sz="1000" i="1" dirty="0">
+                  <a:solidFill>
+                    <a:schemeClr val="tx1"/>
+                  </a:solidFill>
+                </a:rPr>
+                <a:t> </a:t>
+              </a:r>
+              <a:r>
+                <a:rPr lang="en-US" sz="1000" i="1" baseline="30000" dirty="0">
+                  <a:solidFill>
+                    <a:schemeClr val="tx1"/>
+                  </a:solidFill>
+                </a:rPr>
+                <a:t>7</a:t>
+              </a:r>
+              <a:endParaRPr lang="en-US" sz="1000" dirty="0">
+                <a:solidFill>
+                  <a:schemeClr val="tx1"/>
+                </a:solidFill>
+              </a:endParaRPr>
+            </a:p>
+          </p:txBody>
+        </p:sp>
+        <p:sp>
+          <p:nvSpPr>
+            <p:cNvPr id="285" name="Rectangle 284">
+              <a:extLst>
+                <a:ext uri="{FF2B5EF4-FFF2-40B4-BE49-F238E27FC236}">
+                  <a16:creationId xmlns:a16="http://schemas.microsoft.com/office/drawing/2014/main" id="{D8642653-6C38-D448-9AC4-E936A1712F64}"/>
+                </a:ext>
+              </a:extLst>
+            </p:cNvPr>
+            <p:cNvSpPr/>
+            <p:nvPr/>
+          </p:nvSpPr>
+          <p:spPr>
+            <a:xfrm>
+              <a:off x="91227" y="719827"/>
+              <a:ext cx="1554480" cy="246888"/>
+            </a:xfrm>
+            <a:prstGeom prst="rect">
+              <a:avLst/>
+            </a:prstGeom>
+            <a:solidFill>
+              <a:schemeClr val="bg1"/>
+            </a:solidFill>
+            <a:ln>
+              <a:solidFill>
+                <a:schemeClr val="tx1"/>
+              </a:solidFill>
+            </a:ln>
+          </p:spPr>
+          <p:style>
+            <a:lnRef idx="2">
+              <a:schemeClr val="accent1">
+                <a:shade val="50000"/>
+              </a:schemeClr>
+            </a:lnRef>
+            <a:fillRef idx="1">
+              <a:schemeClr val="accent1"/>
+            </a:fillRef>
+            <a:effectRef idx="0">
+              <a:schemeClr val="accent1"/>
+            </a:effectRef>
+            <a:fontRef idx="minor">
+              <a:schemeClr val="lt1"/>
+            </a:fontRef>
+          </p:style>
+          <p:txBody>
+            <a:bodyPr rtlCol="0" anchor="ctr"/>
+            <a:lstStyle/>
+            <a:p>
+              <a:pPr algn="ctr"/>
+              <a:r>
+                <a:rPr lang="en-US" sz="1000" i="1" dirty="0">
+                  <a:solidFill>
+                    <a:schemeClr val="tx1"/>
+                  </a:solidFill>
+                </a:rPr>
+                <a:t>▼ </a:t>
+              </a:r>
+              <a:r>
+                <a:rPr lang="en-US" sz="1000" i="1" dirty="0" err="1">
+                  <a:solidFill>
+                    <a:schemeClr val="tx1"/>
+                  </a:solidFill>
+                </a:rPr>
+                <a:t>ANPP_foliage</a:t>
+              </a:r>
+              <a:r>
+                <a:rPr lang="en-US" sz="1000" i="1" dirty="0">
+                  <a:solidFill>
+                    <a:schemeClr val="tx1"/>
+                  </a:solidFill>
+                </a:rPr>
+                <a:t> </a:t>
+              </a:r>
+              <a:r>
+                <a:rPr lang="en-US" sz="1000" i="1" baseline="30000" dirty="0">
+                  <a:solidFill>
+                    <a:schemeClr val="tx1"/>
+                  </a:solidFill>
+                </a:rPr>
+                <a:t>7</a:t>
+              </a:r>
+              <a:endParaRPr lang="en-US" sz="1000" dirty="0">
+                <a:solidFill>
+                  <a:schemeClr val="tx1"/>
+                </a:solidFill>
+              </a:endParaRPr>
+            </a:p>
+          </p:txBody>
+        </p:sp>
+        <p:sp>
+          <p:nvSpPr>
+            <p:cNvPr id="286" name="Rectangle 285">
+              <a:extLst>
+                <a:ext uri="{FF2B5EF4-FFF2-40B4-BE49-F238E27FC236}">
+                  <a16:creationId xmlns:a16="http://schemas.microsoft.com/office/drawing/2014/main" id="{AA01EBDE-B1C3-ED4A-A294-360E9C1CF4F1}"/>
+                </a:ext>
+              </a:extLst>
+            </p:cNvPr>
+            <p:cNvSpPr/>
+            <p:nvPr/>
+          </p:nvSpPr>
+          <p:spPr>
+            <a:xfrm>
+              <a:off x="91227" y="226827"/>
+              <a:ext cx="1554480" cy="246888"/>
+            </a:xfrm>
+            <a:prstGeom prst="rect">
+              <a:avLst/>
+            </a:prstGeom>
+            <a:solidFill>
+              <a:schemeClr val="bg1"/>
+            </a:solidFill>
+            <a:ln>
+              <a:solidFill>
+                <a:schemeClr val="tx1"/>
+              </a:solidFill>
+            </a:ln>
+          </p:spPr>
+          <p:style>
+            <a:lnRef idx="2">
+              <a:schemeClr val="accent1">
+                <a:shade val="50000"/>
+              </a:schemeClr>
+            </a:lnRef>
+            <a:fillRef idx="1">
+              <a:schemeClr val="accent1"/>
+            </a:fillRef>
+            <a:effectRef idx="0">
+              <a:schemeClr val="accent1"/>
+            </a:effectRef>
+            <a:fontRef idx="minor">
+              <a:schemeClr val="lt1"/>
+            </a:fontRef>
+          </p:style>
+          <p:txBody>
+            <a:bodyPr rtlCol="0" anchor="ctr"/>
+            <a:lstStyle/>
+            <a:p>
+              <a:pPr algn="ctr"/>
+              <a:r>
+                <a:rPr lang="en-US" sz="1000" i="1" dirty="0">
+                  <a:solidFill>
+                    <a:schemeClr val="tx1"/>
+                  </a:solidFill>
+                </a:rPr>
+                <a:t>biomass_ag_foliage </a:t>
+              </a:r>
+              <a:r>
+                <a:rPr lang="en-US" sz="1000" dirty="0">
+                  <a:solidFill>
+                    <a:schemeClr val="tx1"/>
+                  </a:solidFill>
+                </a:rPr>
+                <a:t>| △ ⌀ </a:t>
+              </a:r>
+              <a:endParaRPr lang="en-US" sz="1000" i="1" dirty="0">
+                <a:solidFill>
+                  <a:schemeClr val="tx1"/>
+                </a:solidFill>
+              </a:endParaRPr>
+            </a:p>
+          </p:txBody>
+        </p:sp>
+        <p:sp>
+          <p:nvSpPr>
+            <p:cNvPr id="287" name="Rectangle 286">
+              <a:extLst>
+                <a:ext uri="{FF2B5EF4-FFF2-40B4-BE49-F238E27FC236}">
+                  <a16:creationId xmlns:a16="http://schemas.microsoft.com/office/drawing/2014/main" id="{716411C3-1E65-914D-9EA9-EFE26E2FB6D8}"/>
+                </a:ext>
+              </a:extLst>
+            </p:cNvPr>
+            <p:cNvSpPr/>
+            <p:nvPr/>
+          </p:nvSpPr>
+          <p:spPr>
+            <a:xfrm>
+              <a:off x="90095" y="-22990"/>
+              <a:ext cx="1554480" cy="246888"/>
+            </a:xfrm>
+            <a:prstGeom prst="rect">
+              <a:avLst/>
+            </a:prstGeom>
+            <a:solidFill>
+              <a:schemeClr val="accent6">
+                <a:lumMod val="40000"/>
+                <a:lumOff val="60000"/>
+              </a:schemeClr>
+            </a:solidFill>
+            <a:ln>
+              <a:solidFill>
+                <a:schemeClr val="tx1"/>
+              </a:solidFill>
+            </a:ln>
+          </p:spPr>
+          <p:style>
+            <a:lnRef idx="2">
+              <a:schemeClr val="accent1">
+                <a:shade val="50000"/>
+              </a:schemeClr>
+            </a:lnRef>
+            <a:fillRef idx="1">
+              <a:schemeClr val="accent1"/>
+            </a:fillRef>
+            <a:effectRef idx="0">
+              <a:schemeClr val="accent1"/>
+            </a:effectRef>
+            <a:fontRef idx="minor">
+              <a:schemeClr val="lt1"/>
+            </a:fontRef>
+          </p:style>
+          <p:txBody>
+            <a:bodyPr rtlCol="0" anchor="ctr"/>
+            <a:lstStyle/>
+            <a:p>
+              <a:pPr algn="ctr"/>
+              <a:r>
+                <a:rPr lang="en-US" sz="1000" dirty="0">
+                  <a:solidFill>
+                    <a:schemeClr val="tx1"/>
+                  </a:solidFill>
+                </a:rPr>
+                <a:t>Foliage biomass</a:t>
+              </a:r>
+            </a:p>
+          </p:txBody>
+        </p:sp>
+      </p:grpSp>
+      <p:cxnSp>
+        <p:nvCxnSpPr>
+          <p:cNvPr id="300" name="Curved Connector 299">
+            <a:extLst>
+              <a:ext uri="{FF2B5EF4-FFF2-40B4-BE49-F238E27FC236}">
+                <a16:creationId xmlns:a16="http://schemas.microsoft.com/office/drawing/2014/main" id="{030B4F1E-62F9-A143-A69D-A457562A0024}"/>
+              </a:ext>
+            </a:extLst>
+          </p:cNvPr>
+          <p:cNvCxnSpPr>
+            <a:cxnSpLocks/>
+            <a:stCxn id="266" idx="1"/>
+            <a:endCxn id="272" idx="3"/>
+          </p:cNvCxnSpPr>
+          <p:nvPr/>
+        </p:nvCxnSpPr>
+        <p:spPr>
+          <a:xfrm rot="10800000" flipV="1">
+            <a:off x="4056191" y="2265864"/>
+            <a:ext cx="1152222" cy="1531692"/>
+          </a:xfrm>
+          <a:prstGeom prst="curvedConnector3">
+            <a:avLst>
+              <a:gd name="adj1" fmla="val 50000"/>
+            </a:avLst>
+          </a:prstGeom>
+          <a:ln w="12700">
+            <a:solidFill>
+              <a:schemeClr val="accent6">
+                <a:lumMod val="60000"/>
+                <a:lumOff val="40000"/>
+              </a:schemeClr>
+            </a:solidFill>
+            <a:prstDash val="sysDash"/>
+            <a:tailEnd type="triangle"/>
+          </a:ln>
+        </p:spPr>
+        <p:style>
+          <a:lnRef idx="1">
+            <a:schemeClr val="dk1"/>
+          </a:lnRef>
+          <a:fillRef idx="0">
+            <a:schemeClr val="dk1"/>
+          </a:fillRef>
+          <a:effectRef idx="0">
+            <a:schemeClr val="dk1"/>
+          </a:effectRef>
+          <a:fontRef idx="minor">
+            <a:schemeClr val="tx1"/>
+          </a:fontRef>
+        </p:style>
+      </p:cxnSp>
+      <p:sp>
+        <p:nvSpPr>
+          <p:cNvPr id="302" name="Rectangle 301">
+            <a:extLst>
+              <a:ext uri="{FF2B5EF4-FFF2-40B4-BE49-F238E27FC236}">
+                <a16:creationId xmlns:a16="http://schemas.microsoft.com/office/drawing/2014/main" id="{8AE3A907-6299-B74B-8E04-2A28A6BF7EA8}"/>
+              </a:ext>
+            </a:extLst>
+          </p:cNvPr>
+          <p:cNvSpPr/>
+          <p:nvPr/>
+        </p:nvSpPr>
+        <p:spPr>
+          <a:xfrm>
+            <a:off x="204580" y="2935172"/>
+            <a:ext cx="1345240" cy="246221"/>
+          </a:xfrm>
+          <a:prstGeom prst="rect">
+            <a:avLst/>
+          </a:prstGeom>
+          <a:solidFill>
+            <a:srgbClr val="DBE0BB"/>
+          </a:solidFill>
+          <a:ln>
+            <a:solidFill>
+              <a:schemeClr val="tx1"/>
+            </a:solidFill>
+          </a:ln>
+        </p:spPr>
+        <p:style>
+          <a:lnRef idx="2">
+            <a:schemeClr val="accent1">
+              <a:shade val="50000"/>
+            </a:schemeClr>
+          </a:lnRef>
+          <a:fillRef idx="1">
+            <a:schemeClr val="accent1"/>
+          </a:fillRef>
+          <a:effectRef idx="0">
+            <a:schemeClr val="accent1"/>
+          </a:effectRef>
+          <a:fontRef idx="minor">
+            <a:schemeClr val="lt1"/>
+          </a:fontRef>
+        </p:style>
+        <p:txBody>
+          <a:bodyPr rtlCol="0" anchor="ctr"/>
+          <a:lstStyle/>
+          <a:p>
+            <a:pPr algn="ctr"/>
+            <a:r>
+              <a:rPr lang="en-US" sz="1000" dirty="0">
+                <a:solidFill>
+                  <a:schemeClr val="tx1"/>
+                </a:solidFill>
+              </a:rPr>
+              <a:t>Dead organic matter</a:t>
+            </a:r>
+          </a:p>
+        </p:txBody>
+      </p:sp>
+      <p:sp>
+        <p:nvSpPr>
+          <p:cNvPr id="309" name="Rectangle 308">
+            <a:extLst>
+              <a:ext uri="{FF2B5EF4-FFF2-40B4-BE49-F238E27FC236}">
+                <a16:creationId xmlns:a16="http://schemas.microsoft.com/office/drawing/2014/main" id="{14D267F4-6BC9-5345-85DD-0DD93D31BE48}"/>
+              </a:ext>
+            </a:extLst>
+          </p:cNvPr>
+          <p:cNvSpPr/>
+          <p:nvPr/>
+        </p:nvSpPr>
+        <p:spPr>
+          <a:xfrm>
+            <a:off x="190834" y="4274455"/>
+            <a:ext cx="1345240" cy="246221"/>
+          </a:xfrm>
+          <a:prstGeom prst="rect">
+            <a:avLst/>
+          </a:prstGeom>
+          <a:solidFill>
+            <a:srgbClr val="ACA081"/>
+          </a:solidFill>
+          <a:ln>
+            <a:solidFill>
+              <a:schemeClr val="tx1"/>
+            </a:solidFill>
+          </a:ln>
+        </p:spPr>
+        <p:style>
+          <a:lnRef idx="2">
+            <a:schemeClr val="accent1">
+              <a:shade val="50000"/>
+            </a:schemeClr>
+          </a:lnRef>
+          <a:fillRef idx="1">
+            <a:schemeClr val="accent1"/>
+          </a:fillRef>
+          <a:effectRef idx="0">
+            <a:schemeClr val="accent1"/>
+          </a:effectRef>
+          <a:fontRef idx="minor">
+            <a:schemeClr val="lt1"/>
+          </a:fontRef>
+        </p:style>
+        <p:txBody>
+          <a:bodyPr rtlCol="0" anchor="ctr"/>
+          <a:lstStyle/>
+          <a:p>
+            <a:pPr algn="ctr"/>
+            <a:r>
+              <a:rPr lang="en-US" sz="1000" dirty="0">
+                <a:solidFill>
+                  <a:schemeClr val="tx1"/>
+                </a:solidFill>
+              </a:rPr>
+              <a:t>Soils</a:t>
+            </a:r>
+          </a:p>
+        </p:txBody>
+      </p:sp>
+      <p:grpSp>
+        <p:nvGrpSpPr>
+          <p:cNvPr id="324" name="Group 323">
+            <a:extLst>
+              <a:ext uri="{FF2B5EF4-FFF2-40B4-BE49-F238E27FC236}">
+                <a16:creationId xmlns:a16="http://schemas.microsoft.com/office/drawing/2014/main" id="{5C1014AC-3641-B24A-9BAA-1C4B8595B208}"/>
+              </a:ext>
+            </a:extLst>
+          </p:cNvPr>
+          <p:cNvGrpSpPr/>
+          <p:nvPr/>
+        </p:nvGrpSpPr>
+        <p:grpSpPr>
+          <a:xfrm>
+            <a:off x="2683459" y="5814953"/>
+            <a:ext cx="1371600" cy="1220397"/>
+            <a:chOff x="3286258" y="5056556"/>
+            <a:chExt cx="1371600" cy="1220397"/>
+          </a:xfrm>
+        </p:grpSpPr>
+        <p:sp>
+          <p:nvSpPr>
+            <p:cNvPr id="318" name="Rectangle 317">
+              <a:extLst>
+                <a:ext uri="{FF2B5EF4-FFF2-40B4-BE49-F238E27FC236}">
+                  <a16:creationId xmlns:a16="http://schemas.microsoft.com/office/drawing/2014/main" id="{71F92886-7359-F94D-B7F1-4FD1BB948B9D}"/>
+                </a:ext>
+              </a:extLst>
+            </p:cNvPr>
+            <p:cNvSpPr/>
+            <p:nvPr/>
+          </p:nvSpPr>
+          <p:spPr>
+            <a:xfrm>
+              <a:off x="3286258" y="5545483"/>
+              <a:ext cx="1371600" cy="246888"/>
+            </a:xfrm>
+            <a:prstGeom prst="rect">
+              <a:avLst/>
+            </a:prstGeom>
+            <a:solidFill>
+              <a:schemeClr val="bg1"/>
+            </a:solidFill>
+            <a:ln>
+              <a:solidFill>
+                <a:schemeClr val="tx1"/>
+              </a:solidFill>
+            </a:ln>
+          </p:spPr>
+          <p:style>
+            <a:lnRef idx="2">
+              <a:schemeClr val="accent1">
+                <a:shade val="50000"/>
+              </a:schemeClr>
+            </a:lnRef>
+            <a:fillRef idx="1">
+              <a:schemeClr val="accent1"/>
+            </a:fillRef>
+            <a:effectRef idx="0">
+              <a:schemeClr val="accent1"/>
+            </a:effectRef>
+            <a:fontRef idx="minor">
+              <a:schemeClr val="lt1"/>
+            </a:fontRef>
+          </p:style>
+          <p:txBody>
+            <a:bodyPr lIns="45720" rIns="45720" rtlCol="0" anchor="ctr"/>
+            <a:lstStyle/>
+            <a:p>
+              <a:pPr algn="ctr"/>
+              <a:r>
+                <a:rPr lang="en-US" sz="1000" dirty="0">
+                  <a:solidFill>
+                    <a:schemeClr val="tx1"/>
+                  </a:solidFill>
+                </a:rPr>
+                <a:t>△</a:t>
+              </a:r>
+              <a:r>
+                <a:rPr lang="en-US" sz="1000" i="1" dirty="0">
+                  <a:solidFill>
+                    <a:schemeClr val="tx1"/>
+                  </a:solidFill>
+                </a:rPr>
+                <a:t> delta.SOM, delta.SOC</a:t>
+              </a:r>
+              <a:endParaRPr lang="en-US" sz="1000" dirty="0">
+                <a:solidFill>
+                  <a:schemeClr val="tx1"/>
+                </a:solidFill>
+              </a:endParaRPr>
+            </a:p>
+          </p:txBody>
+        </p:sp>
+        <p:sp>
+          <p:nvSpPr>
+            <p:cNvPr id="319" name="Rectangle 318">
+              <a:extLst>
+                <a:ext uri="{FF2B5EF4-FFF2-40B4-BE49-F238E27FC236}">
+                  <a16:creationId xmlns:a16="http://schemas.microsoft.com/office/drawing/2014/main" id="{D2F81C21-6C40-024D-93EE-5DAE8D0B0734}"/>
+                </a:ext>
+              </a:extLst>
+            </p:cNvPr>
+            <p:cNvSpPr/>
+            <p:nvPr/>
+          </p:nvSpPr>
+          <p:spPr>
+            <a:xfrm>
+              <a:off x="3286258" y="5300484"/>
+              <a:ext cx="1371600" cy="246888"/>
+            </a:xfrm>
+            <a:prstGeom prst="rect">
+              <a:avLst/>
+            </a:prstGeom>
+            <a:solidFill>
+              <a:schemeClr val="bg1"/>
+            </a:solidFill>
+            <a:ln>
+              <a:solidFill>
+                <a:schemeClr val="tx1"/>
+              </a:solidFill>
+            </a:ln>
+          </p:spPr>
+          <p:style>
+            <a:lnRef idx="2">
+              <a:schemeClr val="accent1">
+                <a:shade val="50000"/>
+              </a:schemeClr>
+            </a:lnRef>
+            <a:fillRef idx="1">
+              <a:schemeClr val="accent1"/>
+            </a:fillRef>
+            <a:effectRef idx="0">
+              <a:schemeClr val="accent1"/>
+            </a:effectRef>
+            <a:fontRef idx="minor">
+              <a:schemeClr val="lt1"/>
+            </a:fontRef>
+          </p:style>
+          <p:txBody>
+            <a:bodyPr rtlCol="0" anchor="ctr"/>
+            <a:lstStyle/>
+            <a:p>
+              <a:pPr algn="ctr"/>
+              <a:r>
+                <a:rPr lang="en-US" sz="1000" i="1" dirty="0">
+                  <a:solidFill>
+                    <a:schemeClr val="tx1"/>
+                  </a:solidFill>
+                </a:rPr>
+                <a:t>SOM, SOC</a:t>
+              </a:r>
+            </a:p>
+          </p:txBody>
+        </p:sp>
+        <p:sp>
+          <p:nvSpPr>
+            <p:cNvPr id="320" name="Rectangle 319">
+              <a:extLst>
+                <a:ext uri="{FF2B5EF4-FFF2-40B4-BE49-F238E27FC236}">
+                  <a16:creationId xmlns:a16="http://schemas.microsoft.com/office/drawing/2014/main" id="{3F77BC78-347A-1B49-BEF5-EB8D70A7954C}"/>
+                </a:ext>
+              </a:extLst>
+            </p:cNvPr>
+            <p:cNvSpPr/>
+            <p:nvPr/>
+          </p:nvSpPr>
+          <p:spPr>
+            <a:xfrm>
+              <a:off x="3286258" y="5056556"/>
+              <a:ext cx="1371600" cy="246888"/>
+            </a:xfrm>
+            <a:prstGeom prst="rect">
+              <a:avLst/>
+            </a:prstGeom>
+            <a:solidFill>
+              <a:srgbClr val="ACA081"/>
+            </a:solidFill>
+            <a:ln>
+              <a:solidFill>
+                <a:schemeClr val="tx1"/>
+              </a:solidFill>
+            </a:ln>
+          </p:spPr>
+          <p:style>
+            <a:lnRef idx="2">
+              <a:schemeClr val="accent1">
+                <a:shade val="50000"/>
+              </a:schemeClr>
+            </a:lnRef>
+            <a:fillRef idx="1">
+              <a:schemeClr val="accent1"/>
+            </a:fillRef>
+            <a:effectRef idx="0">
+              <a:schemeClr val="accent1"/>
+            </a:effectRef>
+            <a:fontRef idx="minor">
+              <a:schemeClr val="lt1"/>
+            </a:fontRef>
+          </p:style>
+          <p:txBody>
+            <a:bodyPr rtlCol="0" anchor="ctr"/>
+            <a:lstStyle/>
+            <a:p>
+              <a:pPr algn="ctr"/>
+              <a:r>
+                <a:rPr lang="en-US" sz="1000" dirty="0">
+                  <a:solidFill>
+                    <a:schemeClr val="tx1"/>
+                  </a:solidFill>
+                </a:rPr>
+                <a:t>Soil organic matter</a:t>
+              </a:r>
+            </a:p>
+          </p:txBody>
+        </p:sp>
+        <p:sp>
+          <p:nvSpPr>
+            <p:cNvPr id="322" name="Rectangle 321">
+              <a:extLst>
+                <a:ext uri="{FF2B5EF4-FFF2-40B4-BE49-F238E27FC236}">
+                  <a16:creationId xmlns:a16="http://schemas.microsoft.com/office/drawing/2014/main" id="{0A10DC57-4F9C-D34F-9509-8458C0055D37}"/>
+                </a:ext>
+              </a:extLst>
+            </p:cNvPr>
+            <p:cNvSpPr/>
+            <p:nvPr/>
+          </p:nvSpPr>
+          <p:spPr>
+            <a:xfrm>
+              <a:off x="3286258" y="5785627"/>
+              <a:ext cx="1371600" cy="246888"/>
+            </a:xfrm>
+            <a:prstGeom prst="rect">
+              <a:avLst/>
+            </a:prstGeom>
+            <a:solidFill>
+              <a:schemeClr val="bg1"/>
+            </a:solidFill>
+            <a:ln>
+              <a:solidFill>
+                <a:schemeClr val="tx1"/>
+              </a:solidFill>
+            </a:ln>
+          </p:spPr>
+          <p:style>
+            <a:lnRef idx="2">
+              <a:schemeClr val="accent1">
+                <a:shade val="50000"/>
+              </a:schemeClr>
+            </a:lnRef>
+            <a:fillRef idx="1">
+              <a:schemeClr val="accent1"/>
+            </a:fillRef>
+            <a:effectRef idx="0">
+              <a:schemeClr val="accent1"/>
+            </a:effectRef>
+            <a:fontRef idx="minor">
+              <a:schemeClr val="lt1"/>
+            </a:fontRef>
+          </p:style>
+          <p:txBody>
+            <a:bodyPr rtlCol="0" anchor="ctr"/>
+            <a:lstStyle/>
+            <a:p>
+              <a:pPr algn="ctr"/>
+              <a:r>
+                <a:rPr lang="en-US" sz="1000" dirty="0">
+                  <a:solidFill>
+                    <a:schemeClr val="tx1"/>
+                  </a:solidFill>
+                </a:rPr>
+                <a:t>▲⌀</a:t>
+              </a:r>
+              <a:endParaRPr lang="en-US" sz="1000" i="1" dirty="0">
+                <a:solidFill>
+                  <a:schemeClr val="tx1"/>
+                </a:solidFill>
+              </a:endParaRPr>
+            </a:p>
+          </p:txBody>
+        </p:sp>
+        <p:sp>
+          <p:nvSpPr>
+            <p:cNvPr id="323" name="Rectangle 322">
+              <a:extLst>
+                <a:ext uri="{FF2B5EF4-FFF2-40B4-BE49-F238E27FC236}">
+                  <a16:creationId xmlns:a16="http://schemas.microsoft.com/office/drawing/2014/main" id="{082FB594-05DE-1449-9369-6BCBC383FC28}"/>
+                </a:ext>
+              </a:extLst>
+            </p:cNvPr>
+            <p:cNvSpPr/>
+            <p:nvPr/>
+          </p:nvSpPr>
+          <p:spPr>
+            <a:xfrm>
+              <a:off x="3286258" y="6030065"/>
+              <a:ext cx="1371600" cy="246888"/>
+            </a:xfrm>
+            <a:prstGeom prst="rect">
+              <a:avLst/>
+            </a:prstGeom>
+            <a:solidFill>
+              <a:schemeClr val="bg1"/>
+            </a:solidFill>
+            <a:ln>
+              <a:solidFill>
+                <a:schemeClr val="tx1"/>
+              </a:solidFill>
+            </a:ln>
+          </p:spPr>
+          <p:style>
+            <a:lnRef idx="2">
+              <a:schemeClr val="accent1">
+                <a:shade val="50000"/>
+              </a:schemeClr>
+            </a:lnRef>
+            <a:fillRef idx="1">
+              <a:schemeClr val="accent1"/>
+            </a:fillRef>
+            <a:effectRef idx="0">
+              <a:schemeClr val="accent1"/>
+            </a:effectRef>
+            <a:fontRef idx="minor">
+              <a:schemeClr val="lt1"/>
+            </a:fontRef>
+          </p:style>
+          <p:txBody>
+            <a:bodyPr rtlCol="0" anchor="ctr"/>
+            <a:lstStyle/>
+            <a:p>
+              <a:pPr algn="ctr"/>
+              <a:r>
+                <a:rPr lang="en-US" sz="1000" i="1" dirty="0">
+                  <a:solidFill>
+                    <a:schemeClr val="tx1"/>
+                  </a:solidFill>
+                </a:rPr>
+                <a:t>▼ R_het_soil</a:t>
+              </a:r>
+              <a:endParaRPr lang="en-US" sz="1000" dirty="0">
+                <a:solidFill>
+                  <a:schemeClr val="tx1"/>
+                </a:solidFill>
+              </a:endParaRPr>
+            </a:p>
+          </p:txBody>
+        </p:sp>
+      </p:grpSp>
+      <p:grpSp>
+        <p:nvGrpSpPr>
+          <p:cNvPr id="334" name="Group 333">
+            <a:extLst>
+              <a:ext uri="{FF2B5EF4-FFF2-40B4-BE49-F238E27FC236}">
+                <a16:creationId xmlns:a16="http://schemas.microsoft.com/office/drawing/2014/main" id="{C0ECD083-69E8-5345-A66D-161A7FA02EEE}"/>
+              </a:ext>
+            </a:extLst>
+          </p:cNvPr>
+          <p:cNvGrpSpPr/>
+          <p:nvPr/>
+        </p:nvGrpSpPr>
+        <p:grpSpPr>
+          <a:xfrm>
+            <a:off x="2683459" y="4378382"/>
+            <a:ext cx="1372732" cy="1223293"/>
+            <a:chOff x="90095" y="47552"/>
+            <a:chExt cx="1372732" cy="1223293"/>
+          </a:xfrm>
+        </p:grpSpPr>
+        <p:sp>
+          <p:nvSpPr>
+            <p:cNvPr id="335" name="Rectangle 334">
+              <a:extLst>
+                <a:ext uri="{FF2B5EF4-FFF2-40B4-BE49-F238E27FC236}">
+                  <a16:creationId xmlns:a16="http://schemas.microsoft.com/office/drawing/2014/main" id="{8E5FB316-15AB-C840-9F00-7EB389FFE3D4}"/>
+                </a:ext>
+              </a:extLst>
+            </p:cNvPr>
+            <p:cNvSpPr/>
+            <p:nvPr/>
+          </p:nvSpPr>
+          <p:spPr>
+            <a:xfrm>
+              <a:off x="91227" y="780186"/>
+              <a:ext cx="1371600" cy="246221"/>
+            </a:xfrm>
+            <a:prstGeom prst="rect">
+              <a:avLst/>
+            </a:prstGeom>
+            <a:solidFill>
+              <a:schemeClr val="bg1"/>
+            </a:solidFill>
+            <a:ln>
+              <a:solidFill>
+                <a:schemeClr val="tx1"/>
+              </a:solidFill>
+            </a:ln>
+          </p:spPr>
+          <p:style>
+            <a:lnRef idx="2">
+              <a:schemeClr val="accent1">
+                <a:shade val="50000"/>
+              </a:schemeClr>
+            </a:lnRef>
+            <a:fillRef idx="1">
+              <a:schemeClr val="accent1"/>
+            </a:fillRef>
+            <a:effectRef idx="0">
+              <a:schemeClr val="accent1"/>
+            </a:effectRef>
+            <a:fontRef idx="minor">
+              <a:schemeClr val="lt1"/>
+            </a:fontRef>
+          </p:style>
+          <p:txBody>
+            <a:bodyPr rtlCol="0" anchor="ctr"/>
+            <a:lstStyle/>
+            <a:p>
+              <a:pPr algn="ctr"/>
+              <a:r>
+                <a:rPr lang="en-US" sz="1000" dirty="0">
+                  <a:solidFill>
+                    <a:schemeClr val="tx1"/>
+                  </a:solidFill>
+                </a:rPr>
+                <a:t>▲ </a:t>
+              </a:r>
+              <a:r>
+                <a:rPr lang="en-US" sz="1000" i="1" dirty="0" err="1">
+                  <a:solidFill>
+                    <a:schemeClr val="tx1"/>
+                  </a:solidFill>
+                </a:rPr>
+                <a:t>NPP_litterfall</a:t>
+              </a:r>
+              <a:r>
+                <a:rPr lang="en-US" sz="1000" i="1" dirty="0">
+                  <a:solidFill>
+                    <a:schemeClr val="tx1"/>
+                  </a:solidFill>
+                </a:rPr>
+                <a:t> </a:t>
+              </a:r>
+              <a:r>
+                <a:rPr lang="en-US" sz="1000" i="1" baseline="30000" dirty="0">
+                  <a:solidFill>
+                    <a:schemeClr val="tx1"/>
+                  </a:solidFill>
+                </a:rPr>
+                <a:t>5</a:t>
+              </a:r>
+              <a:endParaRPr lang="en-US" sz="1000" dirty="0">
+                <a:solidFill>
+                  <a:schemeClr val="tx1"/>
+                </a:solidFill>
+              </a:endParaRPr>
+            </a:p>
+          </p:txBody>
+        </p:sp>
+        <p:sp>
+          <p:nvSpPr>
+            <p:cNvPr id="336" name="Rectangle 335">
+              <a:extLst>
+                <a:ext uri="{FF2B5EF4-FFF2-40B4-BE49-F238E27FC236}">
+                  <a16:creationId xmlns:a16="http://schemas.microsoft.com/office/drawing/2014/main" id="{47E04E3F-2D1E-694E-8CE1-992357E67680}"/>
+                </a:ext>
+              </a:extLst>
+            </p:cNvPr>
+            <p:cNvSpPr/>
+            <p:nvPr/>
+          </p:nvSpPr>
+          <p:spPr>
+            <a:xfrm>
+              <a:off x="91227" y="1024624"/>
+              <a:ext cx="1371600" cy="246221"/>
+            </a:xfrm>
+            <a:prstGeom prst="rect">
+              <a:avLst/>
+            </a:prstGeom>
+            <a:solidFill>
+              <a:schemeClr val="bg1"/>
+            </a:solidFill>
+            <a:ln>
+              <a:solidFill>
+                <a:schemeClr val="tx1"/>
+              </a:solidFill>
+            </a:ln>
+          </p:spPr>
+          <p:style>
+            <a:lnRef idx="2">
+              <a:schemeClr val="accent1">
+                <a:shade val="50000"/>
+              </a:schemeClr>
+            </a:lnRef>
+            <a:fillRef idx="1">
+              <a:schemeClr val="accent1"/>
+            </a:fillRef>
+            <a:effectRef idx="0">
+              <a:schemeClr val="accent1"/>
+            </a:effectRef>
+            <a:fontRef idx="minor">
+              <a:schemeClr val="lt1"/>
+            </a:fontRef>
+          </p:style>
+          <p:txBody>
+            <a:bodyPr rtlCol="0" anchor="ctr"/>
+            <a:lstStyle/>
+            <a:p>
+              <a:pPr algn="ctr"/>
+              <a:r>
+                <a:rPr lang="en-US" sz="1000" i="1" dirty="0">
+                  <a:solidFill>
+                    <a:schemeClr val="tx1"/>
+                  </a:solidFill>
+                </a:rPr>
+                <a:t>▼</a:t>
+              </a:r>
+              <a:r>
+                <a:rPr lang="en-US" sz="1000" i="1" dirty="0" err="1">
+                  <a:solidFill>
+                    <a:schemeClr val="tx1"/>
+                  </a:solidFill>
+                </a:rPr>
+                <a:t>R_het_litter</a:t>
+              </a:r>
+              <a:r>
+                <a:rPr lang="en-US" sz="1000" i="1" dirty="0">
+                  <a:solidFill>
+                    <a:schemeClr val="tx1"/>
+                  </a:solidFill>
+                </a:rPr>
+                <a:t> </a:t>
+              </a:r>
+              <a:r>
+                <a:rPr lang="en-US" sz="1000" i="1" baseline="30000" dirty="0">
+                  <a:solidFill>
+                    <a:schemeClr val="tx1"/>
+                  </a:solidFill>
+                </a:rPr>
+                <a:t>3,6</a:t>
+              </a:r>
+              <a:endParaRPr lang="en-US" sz="1000" i="1" dirty="0">
+                <a:solidFill>
+                  <a:schemeClr val="tx1"/>
+                </a:solidFill>
+              </a:endParaRPr>
+            </a:p>
+          </p:txBody>
+        </p:sp>
+        <p:sp>
+          <p:nvSpPr>
+            <p:cNvPr id="337" name="Rectangle 336">
+              <a:extLst>
+                <a:ext uri="{FF2B5EF4-FFF2-40B4-BE49-F238E27FC236}">
+                  <a16:creationId xmlns:a16="http://schemas.microsoft.com/office/drawing/2014/main" id="{A369E675-6160-D94A-96A6-A145CBE3492F}"/>
+                </a:ext>
+              </a:extLst>
+            </p:cNvPr>
+            <p:cNvSpPr/>
+            <p:nvPr/>
+          </p:nvSpPr>
+          <p:spPr>
+            <a:xfrm>
+              <a:off x="91227" y="536478"/>
+              <a:ext cx="1371600" cy="246221"/>
+            </a:xfrm>
+            <a:prstGeom prst="rect">
+              <a:avLst/>
+            </a:prstGeom>
+            <a:solidFill>
+              <a:schemeClr val="bg1"/>
+            </a:solidFill>
+            <a:ln>
+              <a:solidFill>
+                <a:schemeClr val="tx1"/>
+              </a:solidFill>
+            </a:ln>
+          </p:spPr>
+          <p:style>
+            <a:lnRef idx="2">
+              <a:schemeClr val="accent1">
+                <a:shade val="50000"/>
+              </a:schemeClr>
+            </a:lnRef>
+            <a:fillRef idx="1">
+              <a:schemeClr val="accent1"/>
+            </a:fillRef>
+            <a:effectRef idx="0">
+              <a:schemeClr val="accent1"/>
+            </a:effectRef>
+            <a:fontRef idx="minor">
+              <a:schemeClr val="lt1"/>
+            </a:fontRef>
+          </p:style>
+          <p:txBody>
+            <a:bodyPr rtlCol="0" anchor="ctr"/>
+            <a:lstStyle/>
+            <a:p>
+              <a:pPr algn="ctr"/>
+              <a:r>
+                <a:rPr lang="en-US" sz="1000" dirty="0">
+                  <a:solidFill>
+                    <a:schemeClr val="tx1"/>
+                  </a:solidFill>
+                </a:rPr>
+                <a:t>△</a:t>
+              </a:r>
+              <a:r>
+                <a:rPr lang="en-US" sz="1000" i="1" dirty="0">
+                  <a:solidFill>
+                    <a:schemeClr val="tx1"/>
+                  </a:solidFill>
+                </a:rPr>
+                <a:t> </a:t>
+              </a:r>
+              <a:r>
+                <a:rPr lang="en-US" sz="1000" i="1" dirty="0" err="1">
+                  <a:solidFill>
+                    <a:schemeClr val="tx1"/>
+                  </a:solidFill>
+                </a:rPr>
+                <a:t>delta.O.horizon</a:t>
+              </a:r>
+              <a:r>
+                <a:rPr lang="en-US" sz="1000" i="1" dirty="0">
+                  <a:solidFill>
+                    <a:schemeClr val="tx1"/>
+                  </a:solidFill>
+                </a:rPr>
+                <a:t> </a:t>
+              </a:r>
+              <a:r>
+                <a:rPr lang="en-US" sz="1000" baseline="30000" dirty="0">
+                  <a:solidFill>
+                    <a:schemeClr val="tx1"/>
+                  </a:solidFill>
+                </a:rPr>
+                <a:t>3</a:t>
+              </a:r>
+              <a:endParaRPr lang="en-US" sz="1000" dirty="0">
+                <a:solidFill>
+                  <a:schemeClr val="tx1"/>
+                </a:solidFill>
+              </a:endParaRPr>
+            </a:p>
+          </p:txBody>
+        </p:sp>
+        <p:sp>
+          <p:nvSpPr>
+            <p:cNvPr id="338" name="Rectangle 337">
+              <a:extLst>
+                <a:ext uri="{FF2B5EF4-FFF2-40B4-BE49-F238E27FC236}">
+                  <a16:creationId xmlns:a16="http://schemas.microsoft.com/office/drawing/2014/main" id="{4A5BA5A0-F6C0-2C4C-A0E7-22D4EC6F0C81}"/>
+                </a:ext>
+              </a:extLst>
+            </p:cNvPr>
+            <p:cNvSpPr/>
+            <p:nvPr/>
+          </p:nvSpPr>
+          <p:spPr>
+            <a:xfrm>
+              <a:off x="91227" y="291480"/>
+              <a:ext cx="1371600" cy="246221"/>
+            </a:xfrm>
+            <a:prstGeom prst="rect">
+              <a:avLst/>
+            </a:prstGeom>
+            <a:solidFill>
+              <a:schemeClr val="bg1"/>
+            </a:solidFill>
+            <a:ln>
+              <a:solidFill>
+                <a:schemeClr val="tx1"/>
+              </a:solidFill>
+            </a:ln>
+          </p:spPr>
+          <p:style>
+            <a:lnRef idx="2">
+              <a:schemeClr val="accent1">
+                <a:shade val="50000"/>
+              </a:schemeClr>
+            </a:lnRef>
+            <a:fillRef idx="1">
+              <a:schemeClr val="accent1"/>
+            </a:fillRef>
+            <a:effectRef idx="0">
+              <a:schemeClr val="accent1"/>
+            </a:effectRef>
+            <a:fontRef idx="minor">
+              <a:schemeClr val="lt1"/>
+            </a:fontRef>
+          </p:style>
+          <p:txBody>
+            <a:bodyPr rtlCol="0" anchor="ctr"/>
+            <a:lstStyle/>
+            <a:p>
+              <a:pPr algn="ctr"/>
+              <a:r>
+                <a:rPr lang="en-US" sz="1000" i="1" dirty="0" err="1">
+                  <a:solidFill>
+                    <a:schemeClr val="tx1"/>
+                  </a:solidFill>
+                </a:rPr>
+                <a:t>O.horizon</a:t>
+              </a:r>
+              <a:r>
+                <a:rPr lang="en-US" sz="1000" i="1" dirty="0">
+                  <a:solidFill>
+                    <a:schemeClr val="tx1"/>
+                  </a:solidFill>
+                </a:rPr>
+                <a:t> </a:t>
+              </a:r>
+              <a:r>
+                <a:rPr lang="en-US" sz="1000" i="1" baseline="30000" dirty="0">
+                  <a:solidFill>
+                    <a:schemeClr val="tx1"/>
+                  </a:solidFill>
+                </a:rPr>
+                <a:t>3</a:t>
+              </a:r>
+              <a:endParaRPr lang="en-US" sz="1000" i="1" dirty="0">
+                <a:solidFill>
+                  <a:schemeClr val="tx1"/>
+                </a:solidFill>
+              </a:endParaRPr>
+            </a:p>
+          </p:txBody>
+        </p:sp>
+        <p:sp>
+          <p:nvSpPr>
+            <p:cNvPr id="339" name="Rectangle 338">
+              <a:extLst>
+                <a:ext uri="{FF2B5EF4-FFF2-40B4-BE49-F238E27FC236}">
+                  <a16:creationId xmlns:a16="http://schemas.microsoft.com/office/drawing/2014/main" id="{D4354695-9363-7741-AEC1-6E5AE65A4CB5}"/>
+                </a:ext>
+              </a:extLst>
+            </p:cNvPr>
+            <p:cNvSpPr/>
+            <p:nvPr/>
+          </p:nvSpPr>
+          <p:spPr>
+            <a:xfrm>
+              <a:off x="90095" y="47552"/>
+              <a:ext cx="1371600" cy="246221"/>
+            </a:xfrm>
+            <a:prstGeom prst="rect">
+              <a:avLst/>
+            </a:prstGeom>
+            <a:solidFill>
+              <a:srgbClr val="E1DB9A"/>
+            </a:solidFill>
+            <a:ln>
+              <a:solidFill>
+                <a:schemeClr val="tx1"/>
+              </a:solidFill>
+            </a:ln>
+          </p:spPr>
+          <p:style>
+            <a:lnRef idx="2">
+              <a:schemeClr val="accent1">
+                <a:shade val="50000"/>
+              </a:schemeClr>
+            </a:lnRef>
+            <a:fillRef idx="1">
+              <a:schemeClr val="accent1"/>
+            </a:fillRef>
+            <a:effectRef idx="0">
+              <a:schemeClr val="accent1"/>
+            </a:effectRef>
+            <a:fontRef idx="minor">
+              <a:schemeClr val="lt1"/>
+            </a:fontRef>
+          </p:style>
+          <p:txBody>
+            <a:bodyPr rtlCol="0" anchor="ctr"/>
+            <a:lstStyle/>
+            <a:p>
+              <a:pPr algn="ctr"/>
+              <a:r>
+                <a:rPr lang="en-US" sz="1000" dirty="0">
+                  <a:solidFill>
+                    <a:schemeClr val="tx1"/>
+                  </a:solidFill>
+                </a:rPr>
+                <a:t>Litter</a:t>
+              </a:r>
+              <a:endParaRPr lang="en-US" sz="1000" baseline="30000" dirty="0">
+                <a:solidFill>
+                  <a:schemeClr val="tx1"/>
+                </a:solidFill>
+              </a:endParaRPr>
+            </a:p>
+          </p:txBody>
+        </p:sp>
+      </p:grpSp>
+      <p:grpSp>
+        <p:nvGrpSpPr>
+          <p:cNvPr id="342" name="Group 341">
+            <a:extLst>
+              <a:ext uri="{FF2B5EF4-FFF2-40B4-BE49-F238E27FC236}">
+                <a16:creationId xmlns:a16="http://schemas.microsoft.com/office/drawing/2014/main" id="{B3841609-F957-0242-874B-1CF36FA8C983}"/>
+              </a:ext>
+            </a:extLst>
+          </p:cNvPr>
+          <p:cNvGrpSpPr/>
+          <p:nvPr/>
+        </p:nvGrpSpPr>
+        <p:grpSpPr>
+          <a:xfrm>
+            <a:off x="2683459" y="1509283"/>
+            <a:ext cx="1371600" cy="1219249"/>
+            <a:chOff x="3285576" y="1375961"/>
+            <a:chExt cx="1371600" cy="1219249"/>
+          </a:xfrm>
+        </p:grpSpPr>
+        <p:sp>
+          <p:nvSpPr>
+            <p:cNvPr id="291" name="Rectangle 290">
+              <a:extLst>
+                <a:ext uri="{FF2B5EF4-FFF2-40B4-BE49-F238E27FC236}">
+                  <a16:creationId xmlns:a16="http://schemas.microsoft.com/office/drawing/2014/main" id="{478B027F-53D4-0C40-8A09-E7F721669E51}"/>
+                </a:ext>
+              </a:extLst>
+            </p:cNvPr>
+            <p:cNvSpPr/>
+            <p:nvPr/>
+          </p:nvSpPr>
+          <p:spPr>
+            <a:xfrm>
+              <a:off x="3285576" y="2108595"/>
+              <a:ext cx="1371600" cy="246221"/>
+            </a:xfrm>
+            <a:prstGeom prst="rect">
+              <a:avLst/>
+            </a:prstGeom>
+            <a:solidFill>
+              <a:schemeClr val="bg1"/>
+            </a:solidFill>
+            <a:ln>
+              <a:solidFill>
+                <a:schemeClr val="tx1"/>
+              </a:solidFill>
+            </a:ln>
+          </p:spPr>
+          <p:style>
+            <a:lnRef idx="2">
+              <a:schemeClr val="accent1">
+                <a:shade val="50000"/>
+              </a:schemeClr>
+            </a:lnRef>
+            <a:fillRef idx="1">
+              <a:schemeClr val="accent1"/>
+            </a:fillRef>
+            <a:effectRef idx="0">
+              <a:schemeClr val="accent1"/>
+            </a:effectRef>
+            <a:fontRef idx="minor">
+              <a:schemeClr val="lt1"/>
+            </a:fontRef>
+          </p:style>
+          <p:txBody>
+            <a:bodyPr rtlCol="0" anchor="ctr"/>
+            <a:lstStyle/>
+            <a:p>
+              <a:pPr algn="ctr"/>
+              <a:r>
+                <a:rPr lang="en-US" sz="1000" dirty="0">
+                  <a:solidFill>
+                    <a:schemeClr val="tx1"/>
+                  </a:solidFill>
+                </a:rPr>
+                <a:t>▲ </a:t>
+              </a:r>
+              <a:r>
+                <a:rPr lang="en-US" sz="1000" i="1" dirty="0">
+                  <a:solidFill>
+                    <a:schemeClr val="tx1"/>
+                  </a:solidFill>
+                </a:rPr>
+                <a:t>BNPP_root</a:t>
+              </a:r>
+              <a:endParaRPr lang="en-US" sz="1000" dirty="0">
+                <a:solidFill>
+                  <a:schemeClr val="tx1"/>
+                </a:solidFill>
+              </a:endParaRPr>
+            </a:p>
+          </p:txBody>
+        </p:sp>
+        <p:sp>
+          <p:nvSpPr>
+            <p:cNvPr id="293" name="Rectangle 292">
+              <a:extLst>
+                <a:ext uri="{FF2B5EF4-FFF2-40B4-BE49-F238E27FC236}">
+                  <a16:creationId xmlns:a16="http://schemas.microsoft.com/office/drawing/2014/main" id="{C3B79A97-C3F1-1A41-8B7F-96CAD9ED014C}"/>
+                </a:ext>
+              </a:extLst>
+            </p:cNvPr>
+            <p:cNvSpPr/>
+            <p:nvPr/>
+          </p:nvSpPr>
+          <p:spPr>
+            <a:xfrm>
+              <a:off x="3285576" y="1864887"/>
+              <a:ext cx="1371600" cy="246221"/>
+            </a:xfrm>
+            <a:prstGeom prst="rect">
+              <a:avLst/>
+            </a:prstGeom>
+            <a:solidFill>
+              <a:schemeClr val="bg1"/>
+            </a:solidFill>
+            <a:ln>
+              <a:solidFill>
+                <a:schemeClr val="tx1"/>
+              </a:solidFill>
+            </a:ln>
+          </p:spPr>
+          <p:style>
+            <a:lnRef idx="2">
+              <a:schemeClr val="accent1">
+                <a:shade val="50000"/>
+              </a:schemeClr>
+            </a:lnRef>
+            <a:fillRef idx="1">
+              <a:schemeClr val="accent1"/>
+            </a:fillRef>
+            <a:effectRef idx="0">
+              <a:schemeClr val="accent1"/>
+            </a:effectRef>
+            <a:fontRef idx="minor">
+              <a:schemeClr val="lt1"/>
+            </a:fontRef>
+          </p:style>
+          <p:txBody>
+            <a:bodyPr rtlCol="0" anchor="ctr"/>
+            <a:lstStyle/>
+            <a:p>
+              <a:pPr algn="ctr"/>
+              <a:r>
+                <a:rPr lang="en-US" sz="1000" dirty="0">
+                  <a:solidFill>
+                    <a:schemeClr val="tx1"/>
+                  </a:solidFill>
+                </a:rPr>
+                <a:t>△</a:t>
+              </a:r>
+              <a:r>
+                <a:rPr lang="en-US" sz="1000" i="1" dirty="0">
+                  <a:solidFill>
+                    <a:schemeClr val="tx1"/>
+                  </a:solidFill>
+                </a:rPr>
+                <a:t> delta.biomass_root</a:t>
+              </a:r>
+              <a:endParaRPr lang="en-US" sz="1000" dirty="0">
+                <a:solidFill>
+                  <a:schemeClr val="tx1"/>
+                </a:solidFill>
+              </a:endParaRPr>
+            </a:p>
+          </p:txBody>
+        </p:sp>
+        <p:sp>
+          <p:nvSpPr>
+            <p:cNvPr id="294" name="Rectangle 293">
+              <a:extLst>
+                <a:ext uri="{FF2B5EF4-FFF2-40B4-BE49-F238E27FC236}">
+                  <a16:creationId xmlns:a16="http://schemas.microsoft.com/office/drawing/2014/main" id="{D95E3524-9053-F144-B28D-5633E223286E}"/>
+                </a:ext>
+              </a:extLst>
+            </p:cNvPr>
+            <p:cNvSpPr/>
+            <p:nvPr/>
+          </p:nvSpPr>
+          <p:spPr>
+            <a:xfrm>
+              <a:off x="3285576" y="1619889"/>
+              <a:ext cx="1371600" cy="246221"/>
+            </a:xfrm>
+            <a:prstGeom prst="rect">
+              <a:avLst/>
+            </a:prstGeom>
+            <a:solidFill>
+              <a:schemeClr val="bg1"/>
+            </a:solidFill>
+            <a:ln>
+              <a:solidFill>
+                <a:schemeClr val="tx1"/>
+              </a:solidFill>
+            </a:ln>
+          </p:spPr>
+          <p:style>
+            <a:lnRef idx="2">
+              <a:schemeClr val="accent1">
+                <a:shade val="50000"/>
+              </a:schemeClr>
+            </a:lnRef>
+            <a:fillRef idx="1">
+              <a:schemeClr val="accent1"/>
+            </a:fillRef>
+            <a:effectRef idx="0">
+              <a:schemeClr val="accent1"/>
+            </a:effectRef>
+            <a:fontRef idx="minor">
+              <a:schemeClr val="lt1"/>
+            </a:fontRef>
+          </p:style>
+          <p:txBody>
+            <a:bodyPr rtlCol="0" anchor="ctr"/>
+            <a:lstStyle/>
+            <a:p>
+              <a:pPr algn="ctr"/>
+              <a:r>
+                <a:rPr lang="en-US" sz="1000" i="1" dirty="0">
+                  <a:solidFill>
+                    <a:schemeClr val="tx1"/>
+                  </a:solidFill>
+                </a:rPr>
+                <a:t>biomass_root</a:t>
+              </a:r>
+            </a:p>
+          </p:txBody>
+        </p:sp>
+        <p:sp>
+          <p:nvSpPr>
+            <p:cNvPr id="295" name="Rectangle 294">
+              <a:extLst>
+                <a:ext uri="{FF2B5EF4-FFF2-40B4-BE49-F238E27FC236}">
+                  <a16:creationId xmlns:a16="http://schemas.microsoft.com/office/drawing/2014/main" id="{7EE3B858-81DA-0048-916D-6873F7EC79FE}"/>
+                </a:ext>
+              </a:extLst>
+            </p:cNvPr>
+            <p:cNvSpPr/>
+            <p:nvPr/>
+          </p:nvSpPr>
+          <p:spPr>
+            <a:xfrm>
+              <a:off x="3285576" y="1375961"/>
+              <a:ext cx="1371600" cy="246221"/>
+            </a:xfrm>
+            <a:prstGeom prst="rect">
+              <a:avLst/>
+            </a:prstGeom>
+            <a:solidFill>
+              <a:srgbClr val="A3C3CF"/>
+            </a:solidFill>
+            <a:ln>
+              <a:solidFill>
+                <a:schemeClr val="tx1"/>
+              </a:solidFill>
+            </a:ln>
+          </p:spPr>
+          <p:style>
+            <a:lnRef idx="2">
+              <a:schemeClr val="accent1">
+                <a:shade val="50000"/>
+              </a:schemeClr>
+            </a:lnRef>
+            <a:fillRef idx="1">
+              <a:schemeClr val="accent1"/>
+            </a:fillRef>
+            <a:effectRef idx="0">
+              <a:schemeClr val="accent1"/>
+            </a:effectRef>
+            <a:fontRef idx="minor">
+              <a:schemeClr val="lt1"/>
+            </a:fontRef>
+          </p:style>
+          <p:txBody>
+            <a:bodyPr rtlCol="0" anchor="ctr"/>
+            <a:lstStyle/>
+            <a:p>
+              <a:pPr algn="ctr"/>
+              <a:r>
+                <a:rPr lang="en-US" sz="1000" dirty="0">
+                  <a:solidFill>
+                    <a:schemeClr val="tx1"/>
+                  </a:solidFill>
+                </a:rPr>
+                <a:t>Belowground biomass</a:t>
+              </a:r>
+            </a:p>
+          </p:txBody>
+        </p:sp>
+        <p:sp>
+          <p:nvSpPr>
+            <p:cNvPr id="341" name="Rectangle 340">
+              <a:extLst>
+                <a:ext uri="{FF2B5EF4-FFF2-40B4-BE49-F238E27FC236}">
+                  <a16:creationId xmlns:a16="http://schemas.microsoft.com/office/drawing/2014/main" id="{C7E95844-95E8-1A4A-BB16-5B3167CDD961}"/>
+                </a:ext>
+              </a:extLst>
+            </p:cNvPr>
+            <p:cNvSpPr/>
+            <p:nvPr/>
+          </p:nvSpPr>
+          <p:spPr>
+            <a:xfrm>
+              <a:off x="3285576" y="2348989"/>
+              <a:ext cx="1371600" cy="246221"/>
+            </a:xfrm>
+            <a:prstGeom prst="rect">
+              <a:avLst/>
+            </a:prstGeom>
+            <a:solidFill>
+              <a:schemeClr val="bg1"/>
+            </a:solidFill>
+            <a:ln>
+              <a:solidFill>
+                <a:schemeClr val="tx1"/>
+              </a:solidFill>
+            </a:ln>
+          </p:spPr>
+          <p:style>
+            <a:lnRef idx="2">
+              <a:schemeClr val="accent1">
+                <a:shade val="50000"/>
+              </a:schemeClr>
+            </a:lnRef>
+            <a:fillRef idx="1">
+              <a:schemeClr val="accent1"/>
+            </a:fillRef>
+            <a:effectRef idx="0">
+              <a:schemeClr val="accent1"/>
+            </a:effectRef>
+            <a:fontRef idx="minor">
+              <a:schemeClr val="lt1"/>
+            </a:fontRef>
+          </p:style>
+          <p:txBody>
+            <a:bodyPr rtlCol="0" anchor="ctr"/>
+            <a:lstStyle/>
+            <a:p>
+              <a:pPr algn="ctr"/>
+              <a:r>
+                <a:rPr lang="en-US" sz="1000" i="1" dirty="0">
+                  <a:solidFill>
+                    <a:schemeClr val="tx1"/>
+                  </a:solidFill>
+                </a:rPr>
+                <a:t>▼</a:t>
+              </a:r>
+              <a:r>
+                <a:rPr lang="en-US" sz="1000" dirty="0">
+                  <a:solidFill>
+                    <a:schemeClr val="tx1"/>
+                  </a:solidFill>
+                </a:rPr>
+                <a:t>⌀</a:t>
+              </a:r>
+            </a:p>
+          </p:txBody>
+        </p:sp>
+      </p:grpSp>
+      <p:cxnSp>
+        <p:nvCxnSpPr>
+          <p:cNvPr id="343" name="Curved Connector 342">
+            <a:extLst>
+              <a:ext uri="{FF2B5EF4-FFF2-40B4-BE49-F238E27FC236}">
+                <a16:creationId xmlns:a16="http://schemas.microsoft.com/office/drawing/2014/main" id="{4E34690D-DE53-2642-9F74-4EA620A92FB0}"/>
+              </a:ext>
+            </a:extLst>
+          </p:cNvPr>
+          <p:cNvCxnSpPr>
+            <a:cxnSpLocks/>
+            <a:stCxn id="273" idx="3"/>
+            <a:endCxn id="335" idx="3"/>
+          </p:cNvCxnSpPr>
+          <p:nvPr/>
+        </p:nvCxnSpPr>
+        <p:spPr>
+          <a:xfrm>
+            <a:off x="4056191" y="4041994"/>
+            <a:ext cx="12700" cy="1192133"/>
+          </a:xfrm>
+          <a:prstGeom prst="curvedConnector3">
+            <a:avLst>
+              <a:gd name="adj1" fmla="val 1800000"/>
+            </a:avLst>
+          </a:prstGeom>
+          <a:ln w="12700">
+            <a:solidFill>
+              <a:srgbClr val="909387"/>
+            </a:solidFill>
+            <a:prstDash val="sysDash"/>
+            <a:tailEnd type="triangle"/>
+          </a:ln>
+        </p:spPr>
+        <p:style>
+          <a:lnRef idx="1">
+            <a:schemeClr val="dk1"/>
+          </a:lnRef>
+          <a:fillRef idx="0">
+            <a:schemeClr val="dk1"/>
+          </a:fillRef>
+          <a:effectRef idx="0">
+            <a:schemeClr val="dk1"/>
+          </a:effectRef>
+          <a:fontRef idx="minor">
+            <a:schemeClr val="tx1"/>
+          </a:fontRef>
+        </p:style>
+      </p:cxnSp>
+      <p:cxnSp>
+        <p:nvCxnSpPr>
+          <p:cNvPr id="346" name="Curved Connector 345">
+            <a:extLst>
+              <a:ext uri="{FF2B5EF4-FFF2-40B4-BE49-F238E27FC236}">
+                <a16:creationId xmlns:a16="http://schemas.microsoft.com/office/drawing/2014/main" id="{741ADD09-8806-8048-903E-C53B8701C3DF}"/>
+              </a:ext>
+            </a:extLst>
+          </p:cNvPr>
+          <p:cNvCxnSpPr>
+            <a:cxnSpLocks/>
+            <a:stCxn id="336" idx="3"/>
+            <a:endCxn id="322" idx="3"/>
+          </p:cNvCxnSpPr>
+          <p:nvPr/>
+        </p:nvCxnSpPr>
+        <p:spPr>
+          <a:xfrm flipH="1">
+            <a:off x="4055059" y="5478565"/>
+            <a:ext cx="1132" cy="1188903"/>
+          </a:xfrm>
+          <a:prstGeom prst="curvedConnector3">
+            <a:avLst>
+              <a:gd name="adj1" fmla="val -20194346"/>
+            </a:avLst>
+          </a:prstGeom>
+          <a:ln w="12700">
+            <a:solidFill>
+              <a:srgbClr val="9E996D"/>
+            </a:solidFill>
+            <a:prstDash val="sysDash"/>
+            <a:tailEnd type="triangle"/>
+          </a:ln>
+        </p:spPr>
+        <p:style>
+          <a:lnRef idx="1">
+            <a:schemeClr val="dk1"/>
+          </a:lnRef>
+          <a:fillRef idx="0">
+            <a:schemeClr val="dk1"/>
+          </a:fillRef>
+          <a:effectRef idx="0">
+            <a:schemeClr val="dk1"/>
+          </a:effectRef>
+          <a:fontRef idx="minor">
+            <a:schemeClr val="tx1"/>
+          </a:fontRef>
+        </p:style>
+      </p:cxnSp>
+      <p:cxnSp>
+        <p:nvCxnSpPr>
+          <p:cNvPr id="349" name="Curved Connector 348">
+            <a:extLst>
+              <a:ext uri="{FF2B5EF4-FFF2-40B4-BE49-F238E27FC236}">
+                <a16:creationId xmlns:a16="http://schemas.microsoft.com/office/drawing/2014/main" id="{B390D472-EDF8-A647-B5AF-6947F9AD5923}"/>
+              </a:ext>
+            </a:extLst>
+          </p:cNvPr>
+          <p:cNvCxnSpPr>
+            <a:cxnSpLocks/>
+            <a:stCxn id="387" idx="1"/>
+            <a:endCxn id="335" idx="3"/>
+          </p:cNvCxnSpPr>
+          <p:nvPr/>
+        </p:nvCxnSpPr>
+        <p:spPr>
+          <a:xfrm rot="10800000" flipV="1">
+            <a:off x="4056191" y="4843105"/>
+            <a:ext cx="1151090" cy="391021"/>
+          </a:xfrm>
+          <a:prstGeom prst="curvedConnector3">
+            <a:avLst>
+              <a:gd name="adj1" fmla="val 50000"/>
+            </a:avLst>
+          </a:prstGeom>
+          <a:ln w="12700">
+            <a:solidFill>
+              <a:srgbClr val="909387"/>
+            </a:solidFill>
+            <a:prstDash val="sysDash"/>
+            <a:tailEnd type="triangle"/>
+          </a:ln>
+        </p:spPr>
+        <p:style>
+          <a:lnRef idx="1">
+            <a:schemeClr val="dk1"/>
+          </a:lnRef>
+          <a:fillRef idx="0">
+            <a:schemeClr val="dk1"/>
+          </a:fillRef>
+          <a:effectRef idx="0">
+            <a:schemeClr val="dk1"/>
+          </a:effectRef>
+          <a:fontRef idx="minor">
+            <a:schemeClr val="tx1"/>
+          </a:fontRef>
+        </p:style>
+      </p:cxnSp>
+      <p:cxnSp>
+        <p:nvCxnSpPr>
+          <p:cNvPr id="352" name="Curved Connector 351">
+            <a:extLst>
+              <a:ext uri="{FF2B5EF4-FFF2-40B4-BE49-F238E27FC236}">
+                <a16:creationId xmlns:a16="http://schemas.microsoft.com/office/drawing/2014/main" id="{05EB3DFA-2DA9-1A43-875B-68CEE93916ED}"/>
+              </a:ext>
+            </a:extLst>
+          </p:cNvPr>
+          <p:cNvCxnSpPr>
+            <a:cxnSpLocks/>
+            <a:stCxn id="285" idx="1"/>
+            <a:endCxn id="335" idx="3"/>
+          </p:cNvCxnSpPr>
+          <p:nvPr/>
+        </p:nvCxnSpPr>
+        <p:spPr>
+          <a:xfrm rot="10800000" flipV="1">
+            <a:off x="4056191" y="936703"/>
+            <a:ext cx="1152222" cy="4297423"/>
+          </a:xfrm>
+          <a:prstGeom prst="curvedConnector3">
+            <a:avLst>
+              <a:gd name="adj1" fmla="val 50000"/>
+            </a:avLst>
+          </a:prstGeom>
+          <a:ln w="12700">
+            <a:solidFill>
+              <a:schemeClr val="accent6">
+                <a:lumMod val="60000"/>
+                <a:lumOff val="40000"/>
+              </a:schemeClr>
+            </a:solidFill>
+            <a:prstDash val="sysDash"/>
+            <a:tailEnd type="triangle"/>
+          </a:ln>
+        </p:spPr>
+        <p:style>
+          <a:lnRef idx="1">
+            <a:schemeClr val="dk1"/>
+          </a:lnRef>
+          <a:fillRef idx="0">
+            <a:schemeClr val="dk1"/>
+          </a:fillRef>
+          <a:effectRef idx="0">
+            <a:schemeClr val="dk1"/>
+          </a:effectRef>
+          <a:fontRef idx="minor">
+            <a:schemeClr val="tx1"/>
+          </a:fontRef>
+        </p:style>
+      </p:cxnSp>
+      <p:cxnSp>
+        <p:nvCxnSpPr>
+          <p:cNvPr id="360" name="Curved Connector 359">
+            <a:extLst>
+              <a:ext uri="{FF2B5EF4-FFF2-40B4-BE49-F238E27FC236}">
+                <a16:creationId xmlns:a16="http://schemas.microsoft.com/office/drawing/2014/main" id="{7C803735-BF8F-8043-B3E1-64A03641B5F6}"/>
+              </a:ext>
+            </a:extLst>
+          </p:cNvPr>
+          <p:cNvCxnSpPr>
+            <a:cxnSpLocks/>
+            <a:stCxn id="266" idx="1"/>
+            <a:endCxn id="335" idx="3"/>
+          </p:cNvCxnSpPr>
+          <p:nvPr/>
+        </p:nvCxnSpPr>
+        <p:spPr>
+          <a:xfrm rot="10800000" flipV="1">
+            <a:off x="4056191" y="2265863"/>
+            <a:ext cx="1152222" cy="2968263"/>
+          </a:xfrm>
+          <a:prstGeom prst="curvedConnector3">
+            <a:avLst>
+              <a:gd name="adj1" fmla="val 50000"/>
+            </a:avLst>
+          </a:prstGeom>
+          <a:ln w="12700">
+            <a:solidFill>
+              <a:srgbClr val="909387"/>
+            </a:solidFill>
+            <a:prstDash val="sysDash"/>
+            <a:tailEnd type="triangle"/>
+          </a:ln>
+        </p:spPr>
+        <p:style>
+          <a:lnRef idx="1">
+            <a:schemeClr val="dk1"/>
+          </a:lnRef>
+          <a:fillRef idx="0">
+            <a:schemeClr val="dk1"/>
+          </a:fillRef>
+          <a:effectRef idx="0">
+            <a:schemeClr val="dk1"/>
+          </a:effectRef>
+          <a:fontRef idx="minor">
+            <a:schemeClr val="tx1"/>
+          </a:fontRef>
+        </p:style>
+      </p:cxnSp>
+      <p:grpSp>
+        <p:nvGrpSpPr>
+          <p:cNvPr id="365" name="Group 364">
+            <a:extLst>
+              <a:ext uri="{FF2B5EF4-FFF2-40B4-BE49-F238E27FC236}">
+                <a16:creationId xmlns:a16="http://schemas.microsoft.com/office/drawing/2014/main" id="{628F92F8-AE4A-AB40-9D52-2CA4832B402A}"/>
+              </a:ext>
+            </a:extLst>
+          </p:cNvPr>
+          <p:cNvGrpSpPr/>
+          <p:nvPr/>
+        </p:nvGrpSpPr>
+        <p:grpSpPr>
+          <a:xfrm>
+            <a:off x="165029" y="5244259"/>
+            <a:ext cx="1371600" cy="1223293"/>
+            <a:chOff x="90095" y="47552"/>
+            <a:chExt cx="1371600" cy="1223293"/>
+          </a:xfrm>
+        </p:grpSpPr>
+        <p:sp>
+          <p:nvSpPr>
+            <p:cNvPr id="366" name="Rectangle 365">
+              <a:extLst>
+                <a:ext uri="{FF2B5EF4-FFF2-40B4-BE49-F238E27FC236}">
+                  <a16:creationId xmlns:a16="http://schemas.microsoft.com/office/drawing/2014/main" id="{ACE3AEDC-FD8C-364D-8F80-2EB930F84A79}"/>
+                </a:ext>
+              </a:extLst>
+            </p:cNvPr>
+            <p:cNvSpPr/>
+            <p:nvPr/>
+          </p:nvSpPr>
+          <p:spPr>
+            <a:xfrm>
+              <a:off x="90095" y="780186"/>
+              <a:ext cx="1371600" cy="246221"/>
+            </a:xfrm>
+            <a:prstGeom prst="rect">
+              <a:avLst/>
+            </a:prstGeom>
+            <a:solidFill>
+              <a:schemeClr val="bg1"/>
+            </a:solidFill>
+            <a:ln>
+              <a:solidFill>
+                <a:schemeClr val="tx1"/>
+              </a:solidFill>
+            </a:ln>
+          </p:spPr>
+          <p:style>
+            <a:lnRef idx="2">
+              <a:schemeClr val="accent1">
+                <a:shade val="50000"/>
+              </a:schemeClr>
+            </a:lnRef>
+            <a:fillRef idx="1">
+              <a:schemeClr val="accent1"/>
+            </a:fillRef>
+            <a:effectRef idx="0">
+              <a:schemeClr val="accent1"/>
+            </a:effectRef>
+            <a:fontRef idx="minor">
+              <a:schemeClr val="lt1"/>
+            </a:fontRef>
+          </p:style>
+          <p:txBody>
+            <a:bodyPr rtlCol="0" anchor="ctr"/>
+            <a:lstStyle/>
+            <a:p>
+              <a:pPr algn="ctr"/>
+              <a:r>
+                <a:rPr lang="en-US" sz="1000" dirty="0">
+                  <a:solidFill>
+                    <a:schemeClr val="tx1"/>
+                  </a:solidFill>
+                </a:rPr>
+                <a:t>▲ </a:t>
+              </a:r>
+              <a:r>
+                <a:rPr lang="en-US" sz="1000" i="1" dirty="0">
+                  <a:solidFill>
+                    <a:schemeClr val="tx1"/>
+                  </a:solidFill>
+                </a:rPr>
+                <a:t>influx variable(s)</a:t>
+              </a:r>
+              <a:endParaRPr lang="en-US" sz="1000" dirty="0">
+                <a:solidFill>
+                  <a:schemeClr val="tx1"/>
+                </a:solidFill>
+              </a:endParaRPr>
+            </a:p>
+          </p:txBody>
+        </p:sp>
+        <p:sp>
+          <p:nvSpPr>
+            <p:cNvPr id="367" name="Rectangle 366">
+              <a:extLst>
+                <a:ext uri="{FF2B5EF4-FFF2-40B4-BE49-F238E27FC236}">
+                  <a16:creationId xmlns:a16="http://schemas.microsoft.com/office/drawing/2014/main" id="{32CE26EB-716E-8541-A777-20C6EE649545}"/>
+                </a:ext>
+              </a:extLst>
+            </p:cNvPr>
+            <p:cNvSpPr/>
+            <p:nvPr/>
+          </p:nvSpPr>
+          <p:spPr>
+            <a:xfrm>
+              <a:off x="90095" y="1024624"/>
+              <a:ext cx="1371600" cy="246221"/>
+            </a:xfrm>
+            <a:prstGeom prst="rect">
+              <a:avLst/>
+            </a:prstGeom>
+            <a:solidFill>
+              <a:schemeClr val="bg1"/>
+            </a:solidFill>
+            <a:ln>
+              <a:solidFill>
+                <a:schemeClr val="tx1"/>
+              </a:solidFill>
+            </a:ln>
+          </p:spPr>
+          <p:style>
+            <a:lnRef idx="2">
+              <a:schemeClr val="accent1">
+                <a:shade val="50000"/>
+              </a:schemeClr>
+            </a:lnRef>
+            <a:fillRef idx="1">
+              <a:schemeClr val="accent1"/>
+            </a:fillRef>
+            <a:effectRef idx="0">
+              <a:schemeClr val="accent1"/>
+            </a:effectRef>
+            <a:fontRef idx="minor">
+              <a:schemeClr val="lt1"/>
+            </a:fontRef>
+          </p:style>
+          <p:txBody>
+            <a:bodyPr rtlCol="0" anchor="ctr"/>
+            <a:lstStyle/>
+            <a:p>
+              <a:pPr algn="ctr"/>
+              <a:r>
+                <a:rPr lang="en-US" sz="1000" i="1" dirty="0">
+                  <a:solidFill>
+                    <a:schemeClr val="tx1"/>
+                  </a:solidFill>
+                </a:rPr>
+                <a:t>▼ outflux variable(s)</a:t>
+              </a:r>
+              <a:endParaRPr lang="en-US" sz="1000" dirty="0">
+                <a:solidFill>
+                  <a:schemeClr val="tx1"/>
+                </a:solidFill>
+              </a:endParaRPr>
+            </a:p>
+          </p:txBody>
+        </p:sp>
+        <p:sp>
+          <p:nvSpPr>
+            <p:cNvPr id="368" name="Rectangle 367">
+              <a:extLst>
+                <a:ext uri="{FF2B5EF4-FFF2-40B4-BE49-F238E27FC236}">
+                  <a16:creationId xmlns:a16="http://schemas.microsoft.com/office/drawing/2014/main" id="{C5D94E38-37FE-D143-8939-0F2C5A98E531}"/>
+                </a:ext>
+              </a:extLst>
+            </p:cNvPr>
+            <p:cNvSpPr/>
+            <p:nvPr/>
+          </p:nvSpPr>
+          <p:spPr>
+            <a:xfrm>
+              <a:off x="90095" y="536478"/>
+              <a:ext cx="1371600" cy="246221"/>
+            </a:xfrm>
+            <a:prstGeom prst="rect">
+              <a:avLst/>
+            </a:prstGeom>
+            <a:solidFill>
+              <a:schemeClr val="bg1"/>
+            </a:solidFill>
+            <a:ln>
+              <a:solidFill>
+                <a:schemeClr val="tx1"/>
+              </a:solidFill>
+            </a:ln>
+          </p:spPr>
+          <p:style>
+            <a:lnRef idx="2">
+              <a:schemeClr val="accent1">
+                <a:shade val="50000"/>
+              </a:schemeClr>
+            </a:lnRef>
+            <a:fillRef idx="1">
+              <a:schemeClr val="accent1"/>
+            </a:fillRef>
+            <a:effectRef idx="0">
+              <a:schemeClr val="accent1"/>
+            </a:effectRef>
+            <a:fontRef idx="minor">
+              <a:schemeClr val="lt1"/>
+            </a:fontRef>
+          </p:style>
+          <p:txBody>
+            <a:bodyPr lIns="45720" rIns="45720" rtlCol="0" anchor="ctr"/>
+            <a:lstStyle/>
+            <a:p>
+              <a:pPr algn="ctr"/>
+              <a:r>
+                <a:rPr lang="en-US" sz="1000" dirty="0">
+                  <a:solidFill>
+                    <a:schemeClr val="tx1"/>
+                  </a:solidFill>
+                </a:rPr>
+                <a:t>△</a:t>
+              </a:r>
+              <a:r>
+                <a:rPr lang="en-US" sz="1000" i="1" dirty="0">
+                  <a:solidFill>
+                    <a:schemeClr val="tx1"/>
+                  </a:solidFill>
+                </a:rPr>
+                <a:t> increment variable(s)</a:t>
+              </a:r>
+              <a:endParaRPr lang="en-US" sz="1000" dirty="0">
+                <a:solidFill>
+                  <a:schemeClr val="tx1"/>
+                </a:solidFill>
+              </a:endParaRPr>
+            </a:p>
+          </p:txBody>
+        </p:sp>
+        <p:sp>
+          <p:nvSpPr>
+            <p:cNvPr id="369" name="Rectangle 368">
+              <a:extLst>
+                <a:ext uri="{FF2B5EF4-FFF2-40B4-BE49-F238E27FC236}">
+                  <a16:creationId xmlns:a16="http://schemas.microsoft.com/office/drawing/2014/main" id="{469C5A41-E152-0D4E-AB7C-337AA1FB0339}"/>
+                </a:ext>
+              </a:extLst>
+            </p:cNvPr>
+            <p:cNvSpPr/>
+            <p:nvPr/>
+          </p:nvSpPr>
+          <p:spPr>
+            <a:xfrm>
+              <a:off x="90095" y="291480"/>
+              <a:ext cx="1371600" cy="246221"/>
+            </a:xfrm>
+            <a:prstGeom prst="rect">
+              <a:avLst/>
+            </a:prstGeom>
+            <a:solidFill>
+              <a:schemeClr val="bg1"/>
+            </a:solidFill>
+            <a:ln>
+              <a:solidFill>
+                <a:schemeClr val="tx1"/>
+              </a:solidFill>
+            </a:ln>
+          </p:spPr>
+          <p:style>
+            <a:lnRef idx="2">
+              <a:schemeClr val="accent1">
+                <a:shade val="50000"/>
+              </a:schemeClr>
+            </a:lnRef>
+            <a:fillRef idx="1">
+              <a:schemeClr val="accent1"/>
+            </a:fillRef>
+            <a:effectRef idx="0">
+              <a:schemeClr val="accent1"/>
+            </a:effectRef>
+            <a:fontRef idx="minor">
+              <a:schemeClr val="lt1"/>
+            </a:fontRef>
+          </p:style>
+          <p:txBody>
+            <a:bodyPr rtlCol="0" anchor="ctr"/>
+            <a:lstStyle/>
+            <a:p>
+              <a:pPr algn="ctr"/>
+              <a:r>
+                <a:rPr lang="en-US" sz="1000" i="1" dirty="0">
+                  <a:solidFill>
+                    <a:schemeClr val="tx1"/>
+                  </a:solidFill>
+                </a:rPr>
+                <a:t>ForC variable(s)</a:t>
+              </a:r>
+            </a:p>
+          </p:txBody>
+        </p:sp>
+        <p:sp>
+          <p:nvSpPr>
+            <p:cNvPr id="370" name="Rectangle 369">
+              <a:extLst>
+                <a:ext uri="{FF2B5EF4-FFF2-40B4-BE49-F238E27FC236}">
+                  <a16:creationId xmlns:a16="http://schemas.microsoft.com/office/drawing/2014/main" id="{5A5686EA-DDB3-704E-9263-0C701A517B16}"/>
+                </a:ext>
+              </a:extLst>
+            </p:cNvPr>
+            <p:cNvSpPr/>
+            <p:nvPr/>
+          </p:nvSpPr>
+          <p:spPr>
+            <a:xfrm>
+              <a:off x="90095" y="47552"/>
+              <a:ext cx="1371600" cy="246221"/>
+            </a:xfrm>
+            <a:prstGeom prst="rect">
+              <a:avLst/>
+            </a:prstGeom>
+            <a:solidFill>
+              <a:schemeClr val="bg2"/>
+            </a:solidFill>
+            <a:ln>
+              <a:solidFill>
+                <a:schemeClr val="tx1"/>
+              </a:solidFill>
+            </a:ln>
+          </p:spPr>
+          <p:style>
+            <a:lnRef idx="2">
+              <a:schemeClr val="accent1">
+                <a:shade val="50000"/>
+              </a:schemeClr>
+            </a:lnRef>
+            <a:fillRef idx="1">
+              <a:schemeClr val="accent1"/>
+            </a:fillRef>
+            <a:effectRef idx="0">
+              <a:schemeClr val="accent1"/>
+            </a:effectRef>
+            <a:fontRef idx="minor">
+              <a:schemeClr val="lt1"/>
+            </a:fontRef>
+          </p:style>
+          <p:txBody>
+            <a:bodyPr rtlCol="0" anchor="ctr"/>
+            <a:lstStyle/>
+            <a:p>
+              <a:pPr algn="ctr"/>
+              <a:r>
+                <a:rPr lang="en-US" sz="1000" dirty="0">
+                  <a:solidFill>
+                    <a:schemeClr val="tx1"/>
+                  </a:solidFill>
+                </a:rPr>
+                <a:t>Carbon Pool</a:t>
+              </a:r>
+            </a:p>
+          </p:txBody>
+        </p:sp>
+      </p:grpSp>
+      <p:grpSp>
+        <p:nvGrpSpPr>
+          <p:cNvPr id="378" name="Group 377">
+            <a:extLst>
+              <a:ext uri="{FF2B5EF4-FFF2-40B4-BE49-F238E27FC236}">
+                <a16:creationId xmlns:a16="http://schemas.microsoft.com/office/drawing/2014/main" id="{F6F21715-0785-B34D-BF52-F3F962D9E7A2}"/>
+              </a:ext>
+            </a:extLst>
+          </p:cNvPr>
+          <p:cNvGrpSpPr/>
+          <p:nvPr/>
+        </p:nvGrpSpPr>
+        <p:grpSpPr>
+          <a:xfrm>
+            <a:off x="5207281" y="3458394"/>
+            <a:ext cx="1555612" cy="965345"/>
+            <a:chOff x="90095" y="47551"/>
+            <a:chExt cx="1555612" cy="965345"/>
+          </a:xfrm>
+        </p:grpSpPr>
+        <p:sp>
+          <p:nvSpPr>
+            <p:cNvPr id="379" name="Rectangle 378">
+              <a:extLst>
+                <a:ext uri="{FF2B5EF4-FFF2-40B4-BE49-F238E27FC236}">
+                  <a16:creationId xmlns:a16="http://schemas.microsoft.com/office/drawing/2014/main" id="{AF4C5247-F0D4-B24B-BD58-B4E9022B5342}"/>
+                </a:ext>
+              </a:extLst>
+            </p:cNvPr>
+            <p:cNvSpPr/>
+            <p:nvPr/>
+          </p:nvSpPr>
+          <p:spPr>
+            <a:xfrm>
+              <a:off x="91227" y="521569"/>
+              <a:ext cx="1554480" cy="246888"/>
+            </a:xfrm>
+            <a:prstGeom prst="rect">
+              <a:avLst/>
+            </a:prstGeom>
+            <a:solidFill>
+              <a:schemeClr val="bg1"/>
+            </a:solidFill>
+            <a:ln>
+              <a:solidFill>
+                <a:schemeClr val="tx1"/>
+              </a:solidFill>
+            </a:ln>
+          </p:spPr>
+          <p:style>
+            <a:lnRef idx="2">
+              <a:schemeClr val="accent1">
+                <a:shade val="50000"/>
+              </a:schemeClr>
+            </a:lnRef>
+            <a:fillRef idx="1">
+              <a:schemeClr val="accent1"/>
+            </a:fillRef>
+            <a:effectRef idx="0">
+              <a:schemeClr val="accent1"/>
+            </a:effectRef>
+            <a:fontRef idx="minor">
+              <a:schemeClr val="lt1"/>
+            </a:fontRef>
+          </p:style>
+          <p:txBody>
+            <a:bodyPr rtlCol="0" anchor="ctr"/>
+            <a:lstStyle/>
+            <a:p>
+              <a:pPr algn="ctr"/>
+              <a:r>
+                <a:rPr lang="en-US" sz="1000" dirty="0">
+                  <a:solidFill>
+                    <a:schemeClr val="tx1"/>
+                  </a:solidFill>
+                </a:rPr>
+                <a:t>▲ </a:t>
+              </a:r>
+              <a:r>
+                <a:rPr lang="en-US" sz="1000" i="1" dirty="0">
+                  <a:solidFill>
+                    <a:schemeClr val="tx1"/>
+                  </a:solidFill>
+                </a:rPr>
+                <a:t>BNPP_root_coarse</a:t>
+              </a:r>
+              <a:endParaRPr lang="en-US" sz="1000" dirty="0">
+                <a:solidFill>
+                  <a:schemeClr val="tx1"/>
+                </a:solidFill>
+              </a:endParaRPr>
+            </a:p>
+          </p:txBody>
+        </p:sp>
+        <p:sp>
+          <p:nvSpPr>
+            <p:cNvPr id="380" name="Rectangle 379">
+              <a:extLst>
+                <a:ext uri="{FF2B5EF4-FFF2-40B4-BE49-F238E27FC236}">
+                  <a16:creationId xmlns:a16="http://schemas.microsoft.com/office/drawing/2014/main" id="{A64DC2C9-5C20-5549-AC7D-36CDF1FCF53C}"/>
+                </a:ext>
+              </a:extLst>
+            </p:cNvPr>
+            <p:cNvSpPr/>
+            <p:nvPr/>
+          </p:nvSpPr>
+          <p:spPr>
+            <a:xfrm>
+              <a:off x="91227" y="766008"/>
+              <a:ext cx="1554480" cy="246888"/>
+            </a:xfrm>
+            <a:prstGeom prst="rect">
+              <a:avLst/>
+            </a:prstGeom>
+            <a:solidFill>
+              <a:schemeClr val="bg1"/>
+            </a:solidFill>
+            <a:ln>
+              <a:solidFill>
+                <a:schemeClr val="tx1"/>
+              </a:solidFill>
+            </a:ln>
+          </p:spPr>
+          <p:style>
+            <a:lnRef idx="2">
+              <a:schemeClr val="accent1">
+                <a:shade val="50000"/>
+              </a:schemeClr>
+            </a:lnRef>
+            <a:fillRef idx="1">
+              <a:schemeClr val="accent1"/>
+            </a:fillRef>
+            <a:effectRef idx="0">
+              <a:schemeClr val="accent1"/>
+            </a:effectRef>
+            <a:fontRef idx="minor">
+              <a:schemeClr val="lt1"/>
+            </a:fontRef>
+          </p:style>
+          <p:txBody>
+            <a:bodyPr lIns="0" rIns="0" rtlCol="0" anchor="ctr"/>
+            <a:lstStyle/>
+            <a:p>
+              <a:pPr algn="ctr"/>
+              <a:r>
+                <a:rPr lang="en-US" sz="1000" i="1" dirty="0">
+                  <a:solidFill>
+                    <a:schemeClr val="tx1"/>
+                  </a:solidFill>
+                </a:rPr>
+                <a:t>▼</a:t>
+              </a:r>
+              <a:r>
+                <a:rPr lang="en-US" sz="1000" dirty="0">
+                  <a:solidFill>
+                    <a:schemeClr val="tx1"/>
+                  </a:solidFill>
+                </a:rPr>
+                <a:t>⌀</a:t>
+              </a:r>
+            </a:p>
+          </p:txBody>
+        </p:sp>
+        <p:sp>
+          <p:nvSpPr>
+            <p:cNvPr id="381" name="Rectangle 380">
+              <a:extLst>
+                <a:ext uri="{FF2B5EF4-FFF2-40B4-BE49-F238E27FC236}">
+                  <a16:creationId xmlns:a16="http://schemas.microsoft.com/office/drawing/2014/main" id="{9466AF03-5C03-2D40-8BAF-7C302F38716F}"/>
+                </a:ext>
+              </a:extLst>
+            </p:cNvPr>
+            <p:cNvSpPr/>
+            <p:nvPr/>
+          </p:nvSpPr>
+          <p:spPr>
+            <a:xfrm>
+              <a:off x="91227" y="291479"/>
+              <a:ext cx="1554480" cy="246888"/>
+            </a:xfrm>
+            <a:prstGeom prst="rect">
+              <a:avLst/>
+            </a:prstGeom>
+            <a:solidFill>
+              <a:schemeClr val="bg1"/>
+            </a:solidFill>
+            <a:ln>
+              <a:solidFill>
+                <a:schemeClr val="tx1"/>
+              </a:solidFill>
+            </a:ln>
+          </p:spPr>
+          <p:style>
+            <a:lnRef idx="2">
+              <a:schemeClr val="accent1">
+                <a:shade val="50000"/>
+              </a:schemeClr>
+            </a:lnRef>
+            <a:fillRef idx="1">
+              <a:schemeClr val="accent1"/>
+            </a:fillRef>
+            <a:effectRef idx="0">
+              <a:schemeClr val="accent1"/>
+            </a:effectRef>
+            <a:fontRef idx="minor">
+              <a:schemeClr val="lt1"/>
+            </a:fontRef>
+          </p:style>
+          <p:txBody>
+            <a:bodyPr lIns="45720" rIns="45720" rtlCol="0" anchor="ctr"/>
+            <a:lstStyle/>
+            <a:p>
+              <a:pPr algn="ctr"/>
+              <a:r>
+                <a:rPr lang="en-US" sz="1000" i="1" dirty="0">
+                  <a:solidFill>
+                    <a:schemeClr val="tx1"/>
+                  </a:solidFill>
+                </a:rPr>
+                <a:t>biomass_root_coarse </a:t>
+              </a:r>
+              <a:r>
+                <a:rPr lang="en-US" sz="1000" dirty="0">
+                  <a:solidFill>
+                    <a:schemeClr val="tx1"/>
+                  </a:solidFill>
+                </a:rPr>
+                <a:t>| △ ⌀ </a:t>
+              </a:r>
+              <a:endParaRPr lang="en-US" sz="1000" i="1" dirty="0">
+                <a:solidFill>
+                  <a:schemeClr val="tx1"/>
+                </a:solidFill>
+              </a:endParaRPr>
+            </a:p>
+          </p:txBody>
+        </p:sp>
+        <p:sp>
+          <p:nvSpPr>
+            <p:cNvPr id="382" name="Rectangle 381">
+              <a:extLst>
+                <a:ext uri="{FF2B5EF4-FFF2-40B4-BE49-F238E27FC236}">
+                  <a16:creationId xmlns:a16="http://schemas.microsoft.com/office/drawing/2014/main" id="{49B97989-7F77-0643-97B8-2B192D8CDDD5}"/>
+                </a:ext>
+              </a:extLst>
+            </p:cNvPr>
+            <p:cNvSpPr/>
+            <p:nvPr/>
+          </p:nvSpPr>
+          <p:spPr>
+            <a:xfrm>
+              <a:off x="90095" y="47551"/>
+              <a:ext cx="1554480" cy="246888"/>
+            </a:xfrm>
+            <a:prstGeom prst="rect">
+              <a:avLst/>
+            </a:prstGeom>
+            <a:solidFill>
+              <a:srgbClr val="A3C3CF"/>
+            </a:solidFill>
+            <a:ln>
+              <a:solidFill>
+                <a:schemeClr val="tx1"/>
+              </a:solidFill>
+            </a:ln>
+          </p:spPr>
+          <p:style>
+            <a:lnRef idx="2">
+              <a:schemeClr val="accent1">
+                <a:shade val="50000"/>
+              </a:schemeClr>
+            </a:lnRef>
+            <a:fillRef idx="1">
+              <a:schemeClr val="accent1"/>
+            </a:fillRef>
+            <a:effectRef idx="0">
+              <a:schemeClr val="accent1"/>
+            </a:effectRef>
+            <a:fontRef idx="minor">
+              <a:schemeClr val="lt1"/>
+            </a:fontRef>
+          </p:style>
+          <p:txBody>
+            <a:bodyPr rtlCol="0" anchor="ctr"/>
+            <a:lstStyle/>
+            <a:p>
+              <a:pPr algn="ctr"/>
+              <a:r>
+                <a:rPr lang="en-US" sz="1000" dirty="0">
+                  <a:solidFill>
+                    <a:schemeClr val="tx1"/>
+                  </a:solidFill>
+                </a:rPr>
+                <a:t>Coarse root biomass</a:t>
+              </a:r>
+            </a:p>
+          </p:txBody>
+        </p:sp>
+      </p:grpSp>
+      <p:cxnSp>
+        <p:nvCxnSpPr>
+          <p:cNvPr id="384" name="Curved Connector 383">
+            <a:extLst>
+              <a:ext uri="{FF2B5EF4-FFF2-40B4-BE49-F238E27FC236}">
+                <a16:creationId xmlns:a16="http://schemas.microsoft.com/office/drawing/2014/main" id="{D6BDCA4A-7A89-E342-BC0B-8337A4BC2E2F}"/>
+              </a:ext>
+            </a:extLst>
+          </p:cNvPr>
+          <p:cNvCxnSpPr>
+            <a:cxnSpLocks/>
+            <a:stCxn id="380" idx="1"/>
+            <a:endCxn id="387" idx="1"/>
+          </p:cNvCxnSpPr>
+          <p:nvPr/>
+        </p:nvCxnSpPr>
+        <p:spPr>
+          <a:xfrm rot="10800000" flipV="1">
+            <a:off x="5207281" y="4300294"/>
+            <a:ext cx="1132" cy="542811"/>
+          </a:xfrm>
+          <a:prstGeom prst="curvedConnector3">
+            <a:avLst>
+              <a:gd name="adj1" fmla="val 20294346"/>
+            </a:avLst>
+          </a:prstGeom>
+          <a:ln w="12700">
+            <a:solidFill>
+              <a:srgbClr val="8CA9B4"/>
+            </a:solidFill>
+            <a:prstDash val="sysDash"/>
+            <a:tailEnd type="triangle"/>
+          </a:ln>
+        </p:spPr>
+        <p:style>
+          <a:lnRef idx="1">
+            <a:schemeClr val="dk1"/>
+          </a:lnRef>
+          <a:fillRef idx="0">
+            <a:schemeClr val="dk1"/>
+          </a:fillRef>
+          <a:effectRef idx="0">
+            <a:schemeClr val="dk1"/>
+          </a:effectRef>
+          <a:fontRef idx="minor">
+            <a:schemeClr val="tx1"/>
+          </a:fontRef>
+        </p:style>
+      </p:cxnSp>
+      <p:grpSp>
+        <p:nvGrpSpPr>
+          <p:cNvPr id="393" name="Group 392">
+            <a:extLst>
+              <a:ext uri="{FF2B5EF4-FFF2-40B4-BE49-F238E27FC236}">
+                <a16:creationId xmlns:a16="http://schemas.microsoft.com/office/drawing/2014/main" id="{AFF6653E-0960-784D-BAE5-E04AC89091D8}"/>
+              </a:ext>
+            </a:extLst>
+          </p:cNvPr>
+          <p:cNvGrpSpPr/>
+          <p:nvPr/>
+        </p:nvGrpSpPr>
+        <p:grpSpPr>
+          <a:xfrm>
+            <a:off x="5207281" y="4466137"/>
+            <a:ext cx="1554480" cy="500413"/>
+            <a:chOff x="5148119" y="4306142"/>
+            <a:chExt cx="1554480" cy="500413"/>
+          </a:xfrm>
+        </p:grpSpPr>
+        <p:sp>
+          <p:nvSpPr>
+            <p:cNvPr id="387" name="Rectangle 386">
+              <a:extLst>
+                <a:ext uri="{FF2B5EF4-FFF2-40B4-BE49-F238E27FC236}">
+                  <a16:creationId xmlns:a16="http://schemas.microsoft.com/office/drawing/2014/main" id="{85A1249E-10EA-424E-B9AD-60A17CD48C71}"/>
+                </a:ext>
+              </a:extLst>
+            </p:cNvPr>
+            <p:cNvSpPr/>
+            <p:nvPr/>
+          </p:nvSpPr>
+          <p:spPr>
+            <a:xfrm>
+              <a:off x="5148119" y="4559667"/>
+              <a:ext cx="1554480" cy="246888"/>
+            </a:xfrm>
+            <a:prstGeom prst="rect">
+              <a:avLst/>
+            </a:prstGeom>
+            <a:solidFill>
+              <a:schemeClr val="bg1"/>
+            </a:solidFill>
+            <a:ln>
+              <a:solidFill>
+                <a:schemeClr val="tx1"/>
+              </a:solidFill>
+            </a:ln>
+          </p:spPr>
+          <p:style>
+            <a:lnRef idx="2">
+              <a:schemeClr val="accent1">
+                <a:shade val="50000"/>
+              </a:schemeClr>
+            </a:lnRef>
+            <a:fillRef idx="1">
+              <a:schemeClr val="accent1"/>
+            </a:fillRef>
+            <a:effectRef idx="0">
+              <a:schemeClr val="accent1"/>
+            </a:effectRef>
+            <a:fontRef idx="minor">
+              <a:schemeClr val="lt1"/>
+            </a:fontRef>
+          </p:style>
+          <p:txBody>
+            <a:bodyPr rtlCol="0" anchor="ctr"/>
+            <a:lstStyle/>
+            <a:p>
+              <a:pPr algn="ctr"/>
+              <a:r>
+                <a:rPr lang="en-US" sz="1000" dirty="0">
+                  <a:solidFill>
+                    <a:schemeClr val="tx1"/>
+                  </a:solidFill>
+                </a:rPr>
+                <a:t>⌀  | △ ⌀  | ▲ ⌀ | </a:t>
+              </a:r>
+              <a:r>
+                <a:rPr lang="en-US" sz="1000" i="1" dirty="0">
+                  <a:solidFill>
+                    <a:schemeClr val="tx1"/>
+                  </a:solidFill>
+                </a:rPr>
+                <a:t>▼</a:t>
+              </a:r>
+              <a:r>
+                <a:rPr lang="en-US" sz="1000" dirty="0">
+                  <a:solidFill>
+                    <a:schemeClr val="tx1"/>
+                  </a:solidFill>
+                </a:rPr>
+                <a:t>⌀</a:t>
+              </a:r>
+            </a:p>
+          </p:txBody>
+        </p:sp>
+        <p:sp>
+          <p:nvSpPr>
+            <p:cNvPr id="392" name="Rectangle 391">
+              <a:extLst>
+                <a:ext uri="{FF2B5EF4-FFF2-40B4-BE49-F238E27FC236}">
+                  <a16:creationId xmlns:a16="http://schemas.microsoft.com/office/drawing/2014/main" id="{57AFC0E4-00A0-1E4F-82FC-223BC03959EC}"/>
+                </a:ext>
+              </a:extLst>
+            </p:cNvPr>
+            <p:cNvSpPr/>
+            <p:nvPr/>
+          </p:nvSpPr>
+          <p:spPr>
+            <a:xfrm>
+              <a:off x="5148119" y="4306142"/>
+              <a:ext cx="1554480" cy="246888"/>
+            </a:xfrm>
+            <a:prstGeom prst="rect">
+              <a:avLst/>
+            </a:prstGeom>
+            <a:solidFill>
+              <a:srgbClr val="DCE0CE"/>
+            </a:solidFill>
+            <a:ln>
+              <a:solidFill>
+                <a:schemeClr val="tx1"/>
+              </a:solidFill>
+            </a:ln>
+          </p:spPr>
+          <p:style>
+            <a:lnRef idx="2">
+              <a:schemeClr val="accent1">
+                <a:shade val="50000"/>
+              </a:schemeClr>
+            </a:lnRef>
+            <a:fillRef idx="1">
+              <a:schemeClr val="accent1"/>
+            </a:fillRef>
+            <a:effectRef idx="0">
+              <a:schemeClr val="accent1"/>
+            </a:effectRef>
+            <a:fontRef idx="minor">
+              <a:schemeClr val="lt1"/>
+            </a:fontRef>
+          </p:style>
+          <p:txBody>
+            <a:bodyPr rtlCol="0" anchor="ctr"/>
+            <a:lstStyle/>
+            <a:p>
+              <a:pPr algn="ctr"/>
+              <a:r>
+                <a:rPr lang="en-US" sz="1000" dirty="0">
+                  <a:solidFill>
+                    <a:schemeClr val="tx1"/>
+                  </a:solidFill>
+                </a:rPr>
+                <a:t>Dead coarse roots</a:t>
+              </a:r>
+              <a:endParaRPr lang="en-US" sz="1000" baseline="30000" dirty="0">
+                <a:solidFill>
+                  <a:schemeClr val="tx1"/>
+                </a:solidFill>
+              </a:endParaRPr>
+            </a:p>
+          </p:txBody>
+        </p:sp>
+      </p:grpSp>
+      <p:grpSp>
+        <p:nvGrpSpPr>
+          <p:cNvPr id="407" name="Group 406">
+            <a:extLst>
+              <a:ext uri="{FF2B5EF4-FFF2-40B4-BE49-F238E27FC236}">
+                <a16:creationId xmlns:a16="http://schemas.microsoft.com/office/drawing/2014/main" id="{3DDA7150-0BF2-1845-9D9B-D01F5932E603}"/>
+              </a:ext>
+            </a:extLst>
+          </p:cNvPr>
+          <p:cNvGrpSpPr/>
+          <p:nvPr/>
+        </p:nvGrpSpPr>
+        <p:grpSpPr>
+          <a:xfrm>
+            <a:off x="5207281" y="5008948"/>
+            <a:ext cx="1555612" cy="978855"/>
+            <a:chOff x="90095" y="47552"/>
+            <a:chExt cx="1555612" cy="978855"/>
+          </a:xfrm>
+        </p:grpSpPr>
+        <p:sp>
+          <p:nvSpPr>
+            <p:cNvPr id="408" name="Rectangle 407">
+              <a:extLst>
+                <a:ext uri="{FF2B5EF4-FFF2-40B4-BE49-F238E27FC236}">
+                  <a16:creationId xmlns:a16="http://schemas.microsoft.com/office/drawing/2014/main" id="{1DF71F1D-214D-FD4C-A978-1F43FAB64531}"/>
+                </a:ext>
+              </a:extLst>
+            </p:cNvPr>
+            <p:cNvSpPr/>
+            <p:nvPr/>
+          </p:nvSpPr>
+          <p:spPr>
+            <a:xfrm>
+              <a:off x="91227" y="780186"/>
+              <a:ext cx="1554480" cy="246221"/>
+            </a:xfrm>
+            <a:prstGeom prst="rect">
+              <a:avLst/>
+            </a:prstGeom>
+            <a:solidFill>
+              <a:schemeClr val="bg1"/>
+            </a:solidFill>
+            <a:ln>
+              <a:solidFill>
+                <a:schemeClr val="tx1"/>
+              </a:solidFill>
+            </a:ln>
+          </p:spPr>
+          <p:style>
+            <a:lnRef idx="2">
+              <a:schemeClr val="accent1">
+                <a:shade val="50000"/>
+              </a:schemeClr>
+            </a:lnRef>
+            <a:fillRef idx="1">
+              <a:schemeClr val="accent1"/>
+            </a:fillRef>
+            <a:effectRef idx="0">
+              <a:schemeClr val="accent1"/>
+            </a:effectRef>
+            <a:fontRef idx="minor">
+              <a:schemeClr val="lt1"/>
+            </a:fontRef>
+          </p:style>
+          <p:txBody>
+            <a:bodyPr rtlCol="0" anchor="ctr"/>
+            <a:lstStyle/>
+            <a:p>
+              <a:pPr algn="ctr"/>
+              <a:r>
+                <a:rPr lang="en-US" sz="1000" dirty="0">
+                  <a:solidFill>
+                    <a:schemeClr val="tx1"/>
+                  </a:solidFill>
+                </a:rPr>
+                <a:t>▲ ⌀ | </a:t>
+              </a:r>
+              <a:r>
+                <a:rPr lang="en-US" sz="1000" i="1" dirty="0">
+                  <a:solidFill>
+                    <a:schemeClr val="tx1"/>
+                  </a:solidFill>
+                </a:rPr>
+                <a:t>▼</a:t>
+              </a:r>
+              <a:r>
+                <a:rPr lang="en-US" sz="1000" dirty="0">
+                  <a:solidFill>
+                    <a:schemeClr val="tx1"/>
+                  </a:solidFill>
+                </a:rPr>
+                <a:t>⌀</a:t>
+              </a:r>
+            </a:p>
+          </p:txBody>
+        </p:sp>
+        <p:sp>
+          <p:nvSpPr>
+            <p:cNvPr id="410" name="Rectangle 409">
+              <a:extLst>
+                <a:ext uri="{FF2B5EF4-FFF2-40B4-BE49-F238E27FC236}">
+                  <a16:creationId xmlns:a16="http://schemas.microsoft.com/office/drawing/2014/main" id="{06EB50F0-5685-DD40-AA51-C358F48BD206}"/>
+                </a:ext>
+              </a:extLst>
+            </p:cNvPr>
+            <p:cNvSpPr/>
+            <p:nvPr/>
+          </p:nvSpPr>
+          <p:spPr>
+            <a:xfrm>
+              <a:off x="91227" y="536478"/>
+              <a:ext cx="1554480" cy="246221"/>
+            </a:xfrm>
+            <a:prstGeom prst="rect">
+              <a:avLst/>
+            </a:prstGeom>
+            <a:solidFill>
+              <a:schemeClr val="bg1"/>
+            </a:solidFill>
+            <a:ln>
+              <a:solidFill>
+                <a:schemeClr val="tx1"/>
+              </a:solidFill>
+            </a:ln>
+          </p:spPr>
+          <p:style>
+            <a:lnRef idx="2">
+              <a:schemeClr val="accent1">
+                <a:shade val="50000"/>
+              </a:schemeClr>
+            </a:lnRef>
+            <a:fillRef idx="1">
+              <a:schemeClr val="accent1"/>
+            </a:fillRef>
+            <a:effectRef idx="0">
+              <a:schemeClr val="accent1"/>
+            </a:effectRef>
+            <a:fontRef idx="minor">
+              <a:schemeClr val="lt1"/>
+            </a:fontRef>
+          </p:style>
+          <p:txBody>
+            <a:bodyPr lIns="0" rIns="0" rtlCol="0" anchor="ctr"/>
+            <a:lstStyle/>
+            <a:p>
+              <a:pPr algn="ctr"/>
+              <a:r>
+                <a:rPr lang="en-US" sz="1000" dirty="0">
+                  <a:solidFill>
+                    <a:schemeClr val="tx1"/>
+                  </a:solidFill>
+                </a:rPr>
+                <a:t>△</a:t>
+              </a:r>
+              <a:r>
+                <a:rPr lang="en-US" sz="1000" i="1" dirty="0">
+                  <a:solidFill>
+                    <a:schemeClr val="tx1"/>
+                  </a:solidFill>
+                </a:rPr>
+                <a:t> delta.deadwood_standing</a:t>
+              </a:r>
+              <a:endParaRPr lang="en-US" sz="1000" dirty="0">
+                <a:solidFill>
+                  <a:schemeClr val="tx1"/>
+                </a:solidFill>
+              </a:endParaRPr>
+            </a:p>
+          </p:txBody>
+        </p:sp>
+        <p:sp>
+          <p:nvSpPr>
+            <p:cNvPr id="411" name="Rectangle 410">
+              <a:extLst>
+                <a:ext uri="{FF2B5EF4-FFF2-40B4-BE49-F238E27FC236}">
+                  <a16:creationId xmlns:a16="http://schemas.microsoft.com/office/drawing/2014/main" id="{193C47D6-986E-E442-9150-C45B908AF8CD}"/>
+                </a:ext>
+              </a:extLst>
+            </p:cNvPr>
+            <p:cNvSpPr/>
+            <p:nvPr/>
+          </p:nvSpPr>
+          <p:spPr>
+            <a:xfrm>
+              <a:off x="91227" y="291480"/>
+              <a:ext cx="1554480" cy="246221"/>
+            </a:xfrm>
+            <a:prstGeom prst="rect">
+              <a:avLst/>
+            </a:prstGeom>
+            <a:solidFill>
+              <a:schemeClr val="bg1"/>
+            </a:solidFill>
+            <a:ln>
+              <a:solidFill>
+                <a:schemeClr val="tx1"/>
+              </a:solidFill>
+            </a:ln>
+          </p:spPr>
+          <p:style>
+            <a:lnRef idx="2">
+              <a:schemeClr val="accent1">
+                <a:shade val="50000"/>
+              </a:schemeClr>
+            </a:lnRef>
+            <a:fillRef idx="1">
+              <a:schemeClr val="accent1"/>
+            </a:fillRef>
+            <a:effectRef idx="0">
+              <a:schemeClr val="accent1"/>
+            </a:effectRef>
+            <a:fontRef idx="minor">
+              <a:schemeClr val="lt1"/>
+            </a:fontRef>
+          </p:style>
+          <p:txBody>
+            <a:bodyPr rtlCol="0" anchor="ctr"/>
+            <a:lstStyle/>
+            <a:p>
+              <a:pPr algn="ctr"/>
+              <a:r>
+                <a:rPr lang="en-US" sz="1000" i="1" dirty="0">
+                  <a:solidFill>
+                    <a:schemeClr val="tx1"/>
+                  </a:solidFill>
+                </a:rPr>
+                <a:t>deadwood_standing</a:t>
+              </a:r>
+            </a:p>
+          </p:txBody>
+        </p:sp>
+        <p:sp>
+          <p:nvSpPr>
+            <p:cNvPr id="412" name="Rectangle 411">
+              <a:extLst>
+                <a:ext uri="{FF2B5EF4-FFF2-40B4-BE49-F238E27FC236}">
+                  <a16:creationId xmlns:a16="http://schemas.microsoft.com/office/drawing/2014/main" id="{4C767515-F041-B846-8A68-5130C8D8337C}"/>
+                </a:ext>
+              </a:extLst>
+            </p:cNvPr>
+            <p:cNvSpPr/>
+            <p:nvPr/>
+          </p:nvSpPr>
+          <p:spPr>
+            <a:xfrm>
+              <a:off x="90095" y="47552"/>
+              <a:ext cx="1554480" cy="246221"/>
+            </a:xfrm>
+            <a:prstGeom prst="rect">
+              <a:avLst/>
+            </a:prstGeom>
+            <a:solidFill>
+              <a:srgbClr val="DCE0CE"/>
+            </a:solidFill>
+            <a:ln>
+              <a:solidFill>
+                <a:schemeClr val="tx1"/>
+              </a:solidFill>
+            </a:ln>
+          </p:spPr>
+          <p:style>
+            <a:lnRef idx="2">
+              <a:schemeClr val="accent1">
+                <a:shade val="50000"/>
+              </a:schemeClr>
+            </a:lnRef>
+            <a:fillRef idx="1">
+              <a:schemeClr val="accent1"/>
+            </a:fillRef>
+            <a:effectRef idx="0">
+              <a:schemeClr val="accent1"/>
+            </a:effectRef>
+            <a:fontRef idx="minor">
+              <a:schemeClr val="lt1"/>
+            </a:fontRef>
+          </p:style>
+          <p:txBody>
+            <a:bodyPr rtlCol="0" anchor="ctr"/>
+            <a:lstStyle/>
+            <a:p>
+              <a:pPr algn="ctr"/>
+              <a:r>
+                <a:rPr lang="en-US" sz="1000" dirty="0">
+                  <a:solidFill>
+                    <a:schemeClr val="tx1"/>
+                  </a:solidFill>
+                </a:rPr>
+                <a:t>Standing dead wood</a:t>
+              </a:r>
+              <a:endParaRPr lang="en-US" sz="1000" baseline="30000" dirty="0">
+                <a:solidFill>
+                  <a:schemeClr val="tx1"/>
+                </a:solidFill>
+              </a:endParaRPr>
+            </a:p>
+          </p:txBody>
+        </p:sp>
+      </p:grpSp>
+      <p:grpSp>
+        <p:nvGrpSpPr>
+          <p:cNvPr id="414" name="Group 413">
+            <a:extLst>
+              <a:ext uri="{FF2B5EF4-FFF2-40B4-BE49-F238E27FC236}">
+                <a16:creationId xmlns:a16="http://schemas.microsoft.com/office/drawing/2014/main" id="{ACB549B6-0008-E048-BE7C-57BF2729923E}"/>
+              </a:ext>
+            </a:extLst>
+          </p:cNvPr>
+          <p:cNvGrpSpPr/>
+          <p:nvPr/>
+        </p:nvGrpSpPr>
+        <p:grpSpPr>
+          <a:xfrm>
+            <a:off x="5207281" y="6056495"/>
+            <a:ext cx="1555612" cy="978855"/>
+            <a:chOff x="90095" y="47552"/>
+            <a:chExt cx="1555612" cy="978855"/>
+          </a:xfrm>
+        </p:grpSpPr>
+        <p:sp>
+          <p:nvSpPr>
+            <p:cNvPr id="415" name="Rectangle 414">
+              <a:extLst>
+                <a:ext uri="{FF2B5EF4-FFF2-40B4-BE49-F238E27FC236}">
+                  <a16:creationId xmlns:a16="http://schemas.microsoft.com/office/drawing/2014/main" id="{621AEFBB-2CAC-3948-9FBF-793F5323FC6C}"/>
+                </a:ext>
+              </a:extLst>
+            </p:cNvPr>
+            <p:cNvSpPr/>
+            <p:nvPr/>
+          </p:nvSpPr>
+          <p:spPr>
+            <a:xfrm>
+              <a:off x="91227" y="780186"/>
+              <a:ext cx="1554480" cy="246221"/>
+            </a:xfrm>
+            <a:prstGeom prst="rect">
+              <a:avLst/>
+            </a:prstGeom>
+            <a:solidFill>
+              <a:schemeClr val="bg1"/>
+            </a:solidFill>
+            <a:ln>
+              <a:solidFill>
+                <a:schemeClr val="tx1"/>
+              </a:solidFill>
+            </a:ln>
+          </p:spPr>
+          <p:style>
+            <a:lnRef idx="2">
+              <a:schemeClr val="accent1">
+                <a:shade val="50000"/>
+              </a:schemeClr>
+            </a:lnRef>
+            <a:fillRef idx="1">
+              <a:schemeClr val="accent1"/>
+            </a:fillRef>
+            <a:effectRef idx="0">
+              <a:schemeClr val="accent1"/>
+            </a:effectRef>
+            <a:fontRef idx="minor">
+              <a:schemeClr val="lt1"/>
+            </a:fontRef>
+          </p:style>
+          <p:txBody>
+            <a:bodyPr rtlCol="0" anchor="ctr"/>
+            <a:lstStyle/>
+            <a:p>
+              <a:pPr algn="ctr"/>
+              <a:r>
+                <a:rPr lang="en-US" sz="1000" dirty="0">
+                  <a:solidFill>
+                    <a:schemeClr val="tx1"/>
+                  </a:solidFill>
+                </a:rPr>
+                <a:t>▲ ⌀ | </a:t>
+              </a:r>
+              <a:r>
+                <a:rPr lang="en-US" sz="1000" i="1" dirty="0">
+                  <a:solidFill>
+                    <a:schemeClr val="tx1"/>
+                  </a:solidFill>
+                </a:rPr>
+                <a:t>▼</a:t>
+              </a:r>
+              <a:r>
+                <a:rPr lang="en-US" sz="1000" dirty="0">
+                  <a:solidFill>
+                    <a:schemeClr val="tx1"/>
+                  </a:solidFill>
+                </a:rPr>
+                <a:t>⌀</a:t>
+              </a:r>
+            </a:p>
+          </p:txBody>
+        </p:sp>
+        <p:sp>
+          <p:nvSpPr>
+            <p:cNvPr id="417" name="Rectangle 416">
+              <a:extLst>
+                <a:ext uri="{FF2B5EF4-FFF2-40B4-BE49-F238E27FC236}">
+                  <a16:creationId xmlns:a16="http://schemas.microsoft.com/office/drawing/2014/main" id="{5EDDFC7A-0CB2-B743-94F7-EFB418DFDC42}"/>
+                </a:ext>
+              </a:extLst>
+            </p:cNvPr>
+            <p:cNvSpPr/>
+            <p:nvPr/>
+          </p:nvSpPr>
+          <p:spPr>
+            <a:xfrm>
+              <a:off x="91227" y="536478"/>
+              <a:ext cx="1554480" cy="246221"/>
+            </a:xfrm>
+            <a:prstGeom prst="rect">
+              <a:avLst/>
+            </a:prstGeom>
+            <a:solidFill>
+              <a:schemeClr val="bg1"/>
+            </a:solidFill>
+            <a:ln>
+              <a:solidFill>
+                <a:schemeClr val="tx1"/>
+              </a:solidFill>
+            </a:ln>
+          </p:spPr>
+          <p:style>
+            <a:lnRef idx="2">
+              <a:schemeClr val="accent1">
+                <a:shade val="50000"/>
+              </a:schemeClr>
+            </a:lnRef>
+            <a:fillRef idx="1">
+              <a:schemeClr val="accent1"/>
+            </a:fillRef>
+            <a:effectRef idx="0">
+              <a:schemeClr val="accent1"/>
+            </a:effectRef>
+            <a:fontRef idx="minor">
+              <a:schemeClr val="lt1"/>
+            </a:fontRef>
+          </p:style>
+          <p:txBody>
+            <a:bodyPr rtlCol="0" anchor="ctr"/>
+            <a:lstStyle/>
+            <a:p>
+              <a:pPr algn="ctr"/>
+              <a:r>
+                <a:rPr lang="en-US" sz="1000" dirty="0">
+                  <a:solidFill>
+                    <a:schemeClr val="tx1"/>
+                  </a:solidFill>
+                </a:rPr>
+                <a:t>△</a:t>
+              </a:r>
+              <a:r>
+                <a:rPr lang="en-US" sz="1000" i="1" dirty="0">
+                  <a:solidFill>
+                    <a:schemeClr val="tx1"/>
+                  </a:solidFill>
+                </a:rPr>
+                <a:t> delta.deadwood_down</a:t>
+              </a:r>
+              <a:endParaRPr lang="en-US" sz="1000" dirty="0">
+                <a:solidFill>
+                  <a:schemeClr val="tx1"/>
+                </a:solidFill>
+              </a:endParaRPr>
+            </a:p>
+          </p:txBody>
+        </p:sp>
+        <p:sp>
+          <p:nvSpPr>
+            <p:cNvPr id="418" name="Rectangle 417">
+              <a:extLst>
+                <a:ext uri="{FF2B5EF4-FFF2-40B4-BE49-F238E27FC236}">
+                  <a16:creationId xmlns:a16="http://schemas.microsoft.com/office/drawing/2014/main" id="{842B3114-698D-5344-B3D6-E488821C98E9}"/>
+                </a:ext>
+              </a:extLst>
+            </p:cNvPr>
+            <p:cNvSpPr/>
+            <p:nvPr/>
+          </p:nvSpPr>
+          <p:spPr>
+            <a:xfrm>
+              <a:off x="91227" y="291480"/>
+              <a:ext cx="1554480" cy="246221"/>
+            </a:xfrm>
+            <a:prstGeom prst="rect">
+              <a:avLst/>
+            </a:prstGeom>
+            <a:solidFill>
+              <a:schemeClr val="bg1"/>
+            </a:solidFill>
+            <a:ln>
+              <a:solidFill>
+                <a:schemeClr val="tx1"/>
+              </a:solidFill>
+            </a:ln>
+          </p:spPr>
+          <p:style>
+            <a:lnRef idx="2">
+              <a:schemeClr val="accent1">
+                <a:shade val="50000"/>
+              </a:schemeClr>
+            </a:lnRef>
+            <a:fillRef idx="1">
+              <a:schemeClr val="accent1"/>
+            </a:fillRef>
+            <a:effectRef idx="0">
+              <a:schemeClr val="accent1"/>
+            </a:effectRef>
+            <a:fontRef idx="minor">
+              <a:schemeClr val="lt1"/>
+            </a:fontRef>
+          </p:style>
+          <p:txBody>
+            <a:bodyPr rtlCol="0" anchor="ctr"/>
+            <a:lstStyle/>
+            <a:p>
+              <a:pPr algn="ctr"/>
+              <a:r>
+                <a:rPr lang="en-US" sz="1000" i="1" dirty="0">
+                  <a:solidFill>
+                    <a:schemeClr val="tx1"/>
+                  </a:solidFill>
+                </a:rPr>
+                <a:t>deadwood_down</a:t>
+              </a:r>
+            </a:p>
+          </p:txBody>
+        </p:sp>
+        <p:sp>
+          <p:nvSpPr>
+            <p:cNvPr id="419" name="Rectangle 418">
+              <a:extLst>
+                <a:ext uri="{FF2B5EF4-FFF2-40B4-BE49-F238E27FC236}">
+                  <a16:creationId xmlns:a16="http://schemas.microsoft.com/office/drawing/2014/main" id="{9AC5DDC6-1852-4245-883C-0A9D15D080EC}"/>
+                </a:ext>
+              </a:extLst>
+            </p:cNvPr>
+            <p:cNvSpPr/>
+            <p:nvPr/>
+          </p:nvSpPr>
+          <p:spPr>
+            <a:xfrm>
+              <a:off x="90095" y="47552"/>
+              <a:ext cx="1554480" cy="246221"/>
+            </a:xfrm>
+            <a:prstGeom prst="rect">
+              <a:avLst/>
+            </a:prstGeom>
+            <a:solidFill>
+              <a:srgbClr val="DCE0CE"/>
+            </a:solidFill>
+            <a:ln>
+              <a:solidFill>
+                <a:schemeClr val="tx1"/>
+              </a:solidFill>
+            </a:ln>
+          </p:spPr>
+          <p:style>
+            <a:lnRef idx="2">
+              <a:schemeClr val="accent1">
+                <a:shade val="50000"/>
+              </a:schemeClr>
+            </a:lnRef>
+            <a:fillRef idx="1">
+              <a:schemeClr val="accent1"/>
+            </a:fillRef>
+            <a:effectRef idx="0">
+              <a:schemeClr val="accent1"/>
+            </a:effectRef>
+            <a:fontRef idx="minor">
+              <a:schemeClr val="lt1"/>
+            </a:fontRef>
+          </p:style>
+          <p:txBody>
+            <a:bodyPr rtlCol="0" anchor="ctr"/>
+            <a:lstStyle/>
+            <a:p>
+              <a:pPr algn="ctr"/>
+              <a:r>
+                <a:rPr lang="en-US" sz="1000" dirty="0">
+                  <a:solidFill>
+                    <a:schemeClr val="tx1"/>
+                  </a:solidFill>
+                </a:rPr>
+                <a:t>Fallen dead wood</a:t>
+              </a:r>
+              <a:endParaRPr lang="en-US" sz="1000" baseline="30000" dirty="0">
+                <a:solidFill>
+                  <a:schemeClr val="tx1"/>
+                </a:solidFill>
+              </a:endParaRPr>
+            </a:p>
+          </p:txBody>
+        </p:sp>
+      </p:grpSp>
+      <p:sp>
+        <p:nvSpPr>
+          <p:cNvPr id="435" name="Rectangle 434">
+            <a:extLst>
+              <a:ext uri="{FF2B5EF4-FFF2-40B4-BE49-F238E27FC236}">
+                <a16:creationId xmlns:a16="http://schemas.microsoft.com/office/drawing/2014/main" id="{02FC17E0-1455-FE4F-8EF5-9C8CA6632D54}"/>
+              </a:ext>
+            </a:extLst>
+          </p:cNvPr>
+          <p:cNvSpPr/>
+          <p:nvPr/>
+        </p:nvSpPr>
+        <p:spPr>
+          <a:xfrm>
+            <a:off x="5207280" y="1657756"/>
+            <a:ext cx="1554480" cy="246221"/>
+          </a:xfrm>
+          <a:prstGeom prst="rect">
+            <a:avLst/>
+          </a:prstGeom>
+          <a:solidFill>
+            <a:schemeClr val="bg1"/>
+          </a:solidFill>
+          <a:ln>
+            <a:solidFill>
+              <a:schemeClr val="tx1"/>
+            </a:solidFill>
+          </a:ln>
+        </p:spPr>
+        <p:style>
+          <a:lnRef idx="2">
+            <a:schemeClr val="accent1">
+              <a:shade val="50000"/>
+            </a:schemeClr>
+          </a:lnRef>
+          <a:fillRef idx="1">
+            <a:schemeClr val="accent1"/>
+          </a:fillRef>
+          <a:effectRef idx="0">
+            <a:schemeClr val="accent1"/>
+          </a:effectRef>
+          <a:fontRef idx="minor">
+            <a:schemeClr val="lt1"/>
+          </a:fontRef>
+        </p:style>
+        <p:txBody>
+          <a:bodyPr rtlCol="0" anchor="ctr"/>
+          <a:lstStyle/>
+          <a:p>
+            <a:pPr algn="ctr"/>
+            <a:r>
+              <a:rPr lang="en-US" sz="1000" dirty="0">
+                <a:solidFill>
+                  <a:schemeClr val="tx1"/>
+                </a:solidFill>
+              </a:rPr>
+              <a:t>△</a:t>
+            </a:r>
+            <a:r>
+              <a:rPr lang="en-US" sz="1000" i="1" dirty="0">
+                <a:solidFill>
+                  <a:schemeClr val="tx1"/>
+                </a:solidFill>
+              </a:rPr>
+              <a:t> </a:t>
+            </a:r>
+            <a:r>
+              <a:rPr lang="en-US" sz="1000" i="1" dirty="0" err="1">
+                <a:solidFill>
+                  <a:schemeClr val="tx1"/>
+                </a:solidFill>
+              </a:rPr>
+              <a:t>delta.agb</a:t>
+            </a:r>
+            <a:r>
+              <a:rPr lang="en-US" sz="1000" i="1" dirty="0">
+                <a:solidFill>
+                  <a:schemeClr val="tx1"/>
+                </a:solidFill>
+              </a:rPr>
+              <a:t> </a:t>
+            </a:r>
+            <a:r>
+              <a:rPr lang="en-US" sz="1000" i="1" baseline="30000" dirty="0">
+                <a:solidFill>
+                  <a:schemeClr val="tx1"/>
+                </a:solidFill>
+              </a:rPr>
+              <a:t>1</a:t>
+            </a:r>
+            <a:endParaRPr lang="en-US" sz="1000" dirty="0">
+              <a:solidFill>
+                <a:schemeClr val="tx1"/>
+              </a:solidFill>
+            </a:endParaRPr>
+          </a:p>
+        </p:txBody>
+      </p:sp>
+      <p:grpSp>
+        <p:nvGrpSpPr>
+          <p:cNvPr id="2" name="Group 1">
+            <a:extLst>
+              <a:ext uri="{FF2B5EF4-FFF2-40B4-BE49-F238E27FC236}">
+                <a16:creationId xmlns:a16="http://schemas.microsoft.com/office/drawing/2014/main" id="{FC281B05-D2D5-194E-9638-616F2DD6C0CD}"/>
+              </a:ext>
+            </a:extLst>
+          </p:cNvPr>
+          <p:cNvGrpSpPr/>
+          <p:nvPr/>
+        </p:nvGrpSpPr>
+        <p:grpSpPr>
+          <a:xfrm>
+            <a:off x="204580" y="6504144"/>
+            <a:ext cx="1212221" cy="553998"/>
+            <a:chOff x="152739" y="1395185"/>
+            <a:chExt cx="1212221" cy="553998"/>
+          </a:xfrm>
+        </p:grpSpPr>
+        <p:sp>
+          <p:nvSpPr>
+            <p:cNvPr id="436" name="Rectangle 435">
+              <a:extLst>
+                <a:ext uri="{FF2B5EF4-FFF2-40B4-BE49-F238E27FC236}">
+                  <a16:creationId xmlns:a16="http://schemas.microsoft.com/office/drawing/2014/main" id="{B1E79ED9-6827-DB42-BD13-23D1E925A8D6}"/>
+                </a:ext>
+              </a:extLst>
+            </p:cNvPr>
+            <p:cNvSpPr/>
+            <p:nvPr/>
+          </p:nvSpPr>
+          <p:spPr>
+            <a:xfrm>
+              <a:off x="152739" y="1698005"/>
+              <a:ext cx="253595" cy="246221"/>
+            </a:xfrm>
+            <a:prstGeom prst="rect">
+              <a:avLst/>
+            </a:prstGeom>
+          </p:spPr>
+          <p:txBody>
+            <a:bodyPr wrap="none">
+              <a:spAutoFit/>
+            </a:bodyPr>
+            <a:lstStyle/>
+            <a:p>
+              <a:pPr algn="ctr"/>
+              <a:r>
+                <a:rPr lang="en-US" sz="1000" dirty="0"/>
+                <a:t>⌀</a:t>
+              </a:r>
+            </a:p>
+          </p:txBody>
+        </p:sp>
+        <p:cxnSp>
+          <p:nvCxnSpPr>
+            <p:cNvPr id="437" name="Straight Connector 436">
+              <a:extLst>
+                <a:ext uri="{FF2B5EF4-FFF2-40B4-BE49-F238E27FC236}">
+                  <a16:creationId xmlns:a16="http://schemas.microsoft.com/office/drawing/2014/main" id="{BEF6CEA4-D75B-8A43-8335-563EC823F776}"/>
+                </a:ext>
+              </a:extLst>
+            </p:cNvPr>
+            <p:cNvCxnSpPr>
+              <a:cxnSpLocks/>
+            </p:cNvCxnSpPr>
+            <p:nvPr/>
+          </p:nvCxnSpPr>
+          <p:spPr>
+            <a:xfrm>
+              <a:off x="212311" y="1522066"/>
+              <a:ext cx="99951" cy="0"/>
+            </a:xfrm>
+            <a:prstGeom prst="line">
+              <a:avLst/>
+            </a:prstGeom>
+          </p:spPr>
+          <p:style>
+            <a:lnRef idx="1">
+              <a:schemeClr val="dk1"/>
+            </a:lnRef>
+            <a:fillRef idx="0">
+              <a:schemeClr val="dk1"/>
+            </a:fillRef>
+            <a:effectRef idx="0">
+              <a:schemeClr val="dk1"/>
+            </a:effectRef>
+            <a:fontRef idx="minor">
+              <a:schemeClr val="tx1"/>
+            </a:fontRef>
+          </p:style>
+        </p:cxnSp>
+        <p:sp>
+          <p:nvSpPr>
+            <p:cNvPr id="440" name="Rectangle 439">
+              <a:extLst>
+                <a:ext uri="{FF2B5EF4-FFF2-40B4-BE49-F238E27FC236}">
+                  <a16:creationId xmlns:a16="http://schemas.microsoft.com/office/drawing/2014/main" id="{3207B2B2-74FF-174B-909A-B31888380F23}"/>
+                </a:ext>
+              </a:extLst>
+            </p:cNvPr>
+            <p:cNvSpPr/>
+            <p:nvPr/>
+          </p:nvSpPr>
+          <p:spPr>
+            <a:xfrm>
+              <a:off x="317878" y="1395185"/>
+              <a:ext cx="1047082" cy="553998"/>
+            </a:xfrm>
+            <a:prstGeom prst="rect">
+              <a:avLst/>
+            </a:prstGeom>
+          </p:spPr>
+          <p:txBody>
+            <a:bodyPr wrap="none">
+              <a:spAutoFit/>
+            </a:bodyPr>
+            <a:lstStyle/>
+            <a:p>
+              <a:r>
+                <a:rPr lang="en-US" sz="1000" dirty="0"/>
+                <a:t>component</a:t>
+              </a:r>
+            </a:p>
+            <a:p>
+              <a:r>
+                <a:rPr lang="en-US" sz="1000" dirty="0"/>
+                <a:t>C flow</a:t>
+              </a:r>
+            </a:p>
+            <a:p>
+              <a:r>
+                <a:rPr lang="en-US" sz="1000" dirty="0"/>
+                <a:t>no ForC variable</a:t>
+              </a:r>
+            </a:p>
+          </p:txBody>
+        </p:sp>
+        <p:cxnSp>
+          <p:nvCxnSpPr>
+            <p:cNvPr id="442" name="Straight Arrow Connector 441">
+              <a:extLst>
+                <a:ext uri="{FF2B5EF4-FFF2-40B4-BE49-F238E27FC236}">
+                  <a16:creationId xmlns:a16="http://schemas.microsoft.com/office/drawing/2014/main" id="{491650C2-C3C0-AA43-9529-4675E08245EF}"/>
+                </a:ext>
+              </a:extLst>
+            </p:cNvPr>
+            <p:cNvCxnSpPr/>
+            <p:nvPr/>
+          </p:nvCxnSpPr>
+          <p:spPr>
+            <a:xfrm>
+              <a:off x="212834" y="1677903"/>
+              <a:ext cx="133407" cy="0"/>
+            </a:xfrm>
+            <a:prstGeom prst="straightConnector1">
+              <a:avLst/>
+            </a:prstGeom>
+            <a:ln w="12700">
+              <a:solidFill>
+                <a:schemeClr val="tx1">
+                  <a:lumMod val="50000"/>
+                  <a:lumOff val="50000"/>
+                </a:schemeClr>
+              </a:solidFill>
+              <a:prstDash val="sysDash"/>
+              <a:tailEnd type="triangle"/>
+            </a:ln>
+          </p:spPr>
+          <p:style>
+            <a:lnRef idx="1">
+              <a:schemeClr val="accent1"/>
+            </a:lnRef>
+            <a:fillRef idx="0">
+              <a:schemeClr val="accent1"/>
+            </a:fillRef>
+            <a:effectRef idx="0">
+              <a:schemeClr val="accent1"/>
+            </a:effectRef>
+            <a:fontRef idx="minor">
+              <a:schemeClr val="tx1"/>
+            </a:fontRef>
+          </p:style>
+        </p:cxnSp>
+      </p:grpSp>
+      <p:sp>
+        <p:nvSpPr>
+          <p:cNvPr id="10" name="Rectangle 9">
+            <a:extLst>
+              <a:ext uri="{FF2B5EF4-FFF2-40B4-BE49-F238E27FC236}">
+                <a16:creationId xmlns:a16="http://schemas.microsoft.com/office/drawing/2014/main" id="{49ECE82C-54AA-9044-A620-02AC82ED1CF9}"/>
+              </a:ext>
+            </a:extLst>
+          </p:cNvPr>
+          <p:cNvSpPr/>
+          <p:nvPr/>
+        </p:nvSpPr>
+        <p:spPr>
+          <a:xfrm>
+            <a:off x="94689" y="5167981"/>
+            <a:ext cx="1523094" cy="1867369"/>
+          </a:xfrm>
+          <a:prstGeom prst="rect">
+            <a:avLst/>
+          </a:prstGeom>
+          <a:noFill/>
+          <a:ln w="28575">
+            <a:solidFill>
+              <a:schemeClr val="tx1"/>
+            </a:solidFill>
+          </a:ln>
+        </p:spPr>
+        <p:style>
+          <a:lnRef idx="2">
+            <a:schemeClr val="accent1">
+              <a:shade val="50000"/>
+            </a:schemeClr>
+          </a:lnRef>
+          <a:fillRef idx="1">
+            <a:schemeClr val="accent1"/>
+          </a:fillRef>
+          <a:effectRef idx="0">
+            <a:schemeClr val="accent1"/>
+          </a:effectRef>
+          <a:fontRef idx="minor">
+            <a:schemeClr val="lt1"/>
+          </a:fontRef>
+        </p:style>
+        <p:txBody>
+          <a:bodyPr rtlCol="0" anchor="ctr"/>
+          <a:lstStyle/>
+          <a:p>
+            <a:pPr algn="ctr"/>
+            <a:endParaRPr lang="en-US"/>
+          </a:p>
+        </p:txBody>
+      </p:sp>
+    </p:spTree>
+    <p:extLst>
+      <p:ext uri="{BB962C8B-B14F-4D97-AF65-F5344CB8AC3E}">
+        <p14:creationId xmlns:p14="http://schemas.microsoft.com/office/powerpoint/2010/main" val="679528340"/>
+      </p:ext>
+    </p:extLst>
+  </p:cSld>
+  <p:clrMapOvr>
+    <a:masterClrMapping/>
+  </p:clrMapOvr>
+</p:sld>
+</file>
+
+<file path=ppt/slides/slide2.xml><?xml version="1.0" encoding="utf-8"?>
 <p:sld xmlns:a="http://schemas.openxmlformats.org/drawingml/2006/main" xmlns:r="http://schemas.openxmlformats.org/officeDocument/2006/relationships" xmlns:p="http://schemas.openxmlformats.org/presentationml/2006/main">
   <p:cSld>
     <p:spTree>
@@ -9748,7 +15925,7 @@
     </p:spTree>
     <p:extLst>
       <p:ext uri="{BB962C8B-B14F-4D97-AF65-F5344CB8AC3E}">
-        <p14:creationId xmlns:p14="http://schemas.microsoft.com/office/powerpoint/2010/main" val="679528340"/>
+        <p14:creationId xmlns:p14="http://schemas.microsoft.com/office/powerpoint/2010/main" val="511794393"/>
       </p:ext>
     </p:extLst>
   </p:cSld>

--- a/doc/manuscript/figures_tables/C_pools_fig.pptx
+++ b/doc/manuscript/figures_tables/C_pools_fig.pptx
@@ -198,7 +198,7 @@
           <a:p>
             <a:fld id="{DB657656-E537-AA48-B575-F7F3A3DBC2DD}" type="datetimeFigureOut">
               <a:rPr lang="en-US" smtClean="0"/>
-              <a:t>9/21/21</a:t>
+              <a:t>4/15/22</a:t>
             </a:fld>
             <a:endParaRPr lang="en-US"/>
           </a:p>
@@ -764,7 +764,7 @@
           <a:p>
             <a:fld id="{6298E0E3-79FA-3742-AA7B-873C13C8E065}" type="datetimeFigureOut">
               <a:rPr lang="en-US" smtClean="0"/>
-              <a:t>9/21/21</a:t>
+              <a:t>4/15/22</a:t>
             </a:fld>
             <a:endParaRPr lang="en-US"/>
           </a:p>
@@ -934,7 +934,7 @@
           <a:p>
             <a:fld id="{6298E0E3-79FA-3742-AA7B-873C13C8E065}" type="datetimeFigureOut">
               <a:rPr lang="en-US" smtClean="0"/>
-              <a:t>9/21/21</a:t>
+              <a:t>4/15/22</a:t>
             </a:fld>
             <a:endParaRPr lang="en-US"/>
           </a:p>
@@ -1114,7 +1114,7 @@
           <a:p>
             <a:fld id="{6298E0E3-79FA-3742-AA7B-873C13C8E065}" type="datetimeFigureOut">
               <a:rPr lang="en-US" smtClean="0"/>
-              <a:t>9/21/21</a:t>
+              <a:t>4/15/22</a:t>
             </a:fld>
             <a:endParaRPr lang="en-US"/>
           </a:p>
@@ -1284,7 +1284,7 @@
           <a:p>
             <a:fld id="{6298E0E3-79FA-3742-AA7B-873C13C8E065}" type="datetimeFigureOut">
               <a:rPr lang="en-US" smtClean="0"/>
-              <a:t>9/21/21</a:t>
+              <a:t>4/15/22</a:t>
             </a:fld>
             <a:endParaRPr lang="en-US"/>
           </a:p>
@@ -1528,7 +1528,7 @@
           <a:p>
             <a:fld id="{6298E0E3-79FA-3742-AA7B-873C13C8E065}" type="datetimeFigureOut">
               <a:rPr lang="en-US" smtClean="0"/>
-              <a:t>9/21/21</a:t>
+              <a:t>4/15/22</a:t>
             </a:fld>
             <a:endParaRPr lang="en-US"/>
           </a:p>
@@ -1760,7 +1760,7 @@
           <a:p>
             <a:fld id="{6298E0E3-79FA-3742-AA7B-873C13C8E065}" type="datetimeFigureOut">
               <a:rPr lang="en-US" smtClean="0"/>
-              <a:t>9/21/21</a:t>
+              <a:t>4/15/22</a:t>
             </a:fld>
             <a:endParaRPr lang="en-US"/>
           </a:p>
@@ -2127,7 +2127,7 @@
           <a:p>
             <a:fld id="{6298E0E3-79FA-3742-AA7B-873C13C8E065}" type="datetimeFigureOut">
               <a:rPr lang="en-US" smtClean="0"/>
-              <a:t>9/21/21</a:t>
+              <a:t>4/15/22</a:t>
             </a:fld>
             <a:endParaRPr lang="en-US"/>
           </a:p>
@@ -2245,7 +2245,7 @@
           <a:p>
             <a:fld id="{6298E0E3-79FA-3742-AA7B-873C13C8E065}" type="datetimeFigureOut">
               <a:rPr lang="en-US" smtClean="0"/>
-              <a:t>9/21/21</a:t>
+              <a:t>4/15/22</a:t>
             </a:fld>
             <a:endParaRPr lang="en-US"/>
           </a:p>
@@ -2340,7 +2340,7 @@
           <a:p>
             <a:fld id="{6298E0E3-79FA-3742-AA7B-873C13C8E065}" type="datetimeFigureOut">
               <a:rPr lang="en-US" smtClean="0"/>
-              <a:t>9/21/21</a:t>
+              <a:t>4/15/22</a:t>
             </a:fld>
             <a:endParaRPr lang="en-US"/>
           </a:p>
@@ -2617,7 +2617,7 @@
           <a:p>
             <a:fld id="{6298E0E3-79FA-3742-AA7B-873C13C8E065}" type="datetimeFigureOut">
               <a:rPr lang="en-US" smtClean="0"/>
-              <a:t>9/21/21</a:t>
+              <a:t>4/15/22</a:t>
             </a:fld>
             <a:endParaRPr lang="en-US"/>
           </a:p>
@@ -2874,7 +2874,7 @@
           <a:p>
             <a:fld id="{6298E0E3-79FA-3742-AA7B-873C13C8E065}" type="datetimeFigureOut">
               <a:rPr lang="en-US" smtClean="0"/>
-              <a:t>9/21/21</a:t>
+              <a:t>4/15/22</a:t>
             </a:fld>
             <a:endParaRPr lang="en-US"/>
           </a:p>
@@ -3087,7 +3087,7 @@
           <a:p>
             <a:fld id="{6298E0E3-79FA-3742-AA7B-873C13C8E065}" type="datetimeFigureOut">
               <a:rPr lang="en-US" smtClean="0"/>
-              <a:t>9/21/21</a:t>
+              <a:t>4/15/22</a:t>
             </a:fld>
             <a:endParaRPr lang="en-US"/>
           </a:p>
@@ -3509,9 +3509,9 @@
           <p:nvPr/>
         </p:nvCxnSpPr>
         <p:spPr>
-          <a:xfrm flipV="1">
-            <a:off x="1549820" y="195822"/>
-            <a:ext cx="1133639" cy="17011"/>
+          <a:xfrm>
+            <a:off x="1504175" y="193554"/>
+            <a:ext cx="880095" cy="0"/>
           </a:xfrm>
           <a:prstGeom prst="line">
             <a:avLst/>
@@ -3550,8 +3550,8 @@
         </p:nvCxnSpPr>
         <p:spPr>
           <a:xfrm flipH="1" flipV="1">
-            <a:off x="1549820" y="212833"/>
-            <a:ext cx="1133639" cy="1419561"/>
+            <a:off x="1504175" y="193554"/>
+            <a:ext cx="880095" cy="1353776"/>
           </a:xfrm>
           <a:prstGeom prst="line">
             <a:avLst/>
@@ -3590,8 +3590,8 @@
         </p:nvCxnSpPr>
         <p:spPr>
           <a:xfrm>
-            <a:off x="1549820" y="3058283"/>
-            <a:ext cx="1133639" cy="6639"/>
+            <a:off x="1504175" y="3292204"/>
+            <a:ext cx="880095" cy="6639"/>
           </a:xfrm>
           <a:prstGeom prst="line">
             <a:avLst/>
@@ -3630,8 +3630,8 @@
         </p:nvCxnSpPr>
         <p:spPr>
           <a:xfrm>
-            <a:off x="1549820" y="3058283"/>
-            <a:ext cx="1133639" cy="1443210"/>
+            <a:off x="1504175" y="3292204"/>
+            <a:ext cx="880095" cy="1347513"/>
           </a:xfrm>
           <a:prstGeom prst="line">
             <a:avLst/>
@@ -3670,8 +3670,8 @@
         </p:nvCxnSpPr>
         <p:spPr>
           <a:xfrm>
-            <a:off x="1536074" y="4397566"/>
-            <a:ext cx="1147385" cy="1540831"/>
+            <a:off x="1504175" y="4812237"/>
+            <a:ext cx="880095" cy="1617030"/>
           </a:xfrm>
           <a:prstGeom prst="line">
             <a:avLst/>
@@ -3709,9 +3709,9 @@
           <p:nvPr/>
         </p:nvCxnSpPr>
         <p:spPr>
-          <a:xfrm flipV="1">
-            <a:off x="4055059" y="193887"/>
-            <a:ext cx="1152222" cy="1935"/>
+          <a:xfrm>
+            <a:off x="3938750" y="193554"/>
+            <a:ext cx="1108333" cy="333"/>
           </a:xfrm>
           <a:prstGeom prst="line">
             <a:avLst/>
@@ -3750,8 +3750,8 @@
         </p:nvCxnSpPr>
         <p:spPr>
           <a:xfrm flipH="1" flipV="1">
-            <a:off x="4055059" y="195822"/>
-            <a:ext cx="1152222" cy="1065106"/>
+            <a:off x="3938750" y="193554"/>
+            <a:ext cx="1108333" cy="1067374"/>
           </a:xfrm>
           <a:prstGeom prst="line">
             <a:avLst/>
@@ -3790,8 +3790,8 @@
         </p:nvCxnSpPr>
         <p:spPr>
           <a:xfrm flipH="1" flipV="1">
-            <a:off x="4055059" y="3064922"/>
-            <a:ext cx="1152222" cy="2067137"/>
+            <a:off x="3938750" y="3298843"/>
+            <a:ext cx="1108333" cy="2338342"/>
           </a:xfrm>
           <a:prstGeom prst="line">
             <a:avLst/>
@@ -3830,8 +3830,8 @@
         </p:nvCxnSpPr>
         <p:spPr>
           <a:xfrm flipH="1" flipV="1">
-            <a:off x="4055059" y="3064922"/>
-            <a:ext cx="1152222" cy="3114684"/>
+            <a:off x="3938750" y="3298843"/>
+            <a:ext cx="1108333" cy="3375254"/>
           </a:xfrm>
           <a:prstGeom prst="line">
             <a:avLst/>
@@ -3870,8 +3870,8 @@
         </p:nvCxnSpPr>
         <p:spPr>
           <a:xfrm flipH="1" flipV="1">
-            <a:off x="4055059" y="1632394"/>
-            <a:ext cx="1152222" cy="932465"/>
+            <a:off x="3938750" y="1547330"/>
+            <a:ext cx="1108333" cy="996263"/>
           </a:xfrm>
           <a:prstGeom prst="line">
             <a:avLst/>
@@ -3910,8 +3910,8 @@
         </p:nvCxnSpPr>
         <p:spPr>
           <a:xfrm flipH="1" flipV="1">
-            <a:off x="4055059" y="1632394"/>
-            <a:ext cx="1152222" cy="1949444"/>
+            <a:off x="3938750" y="1547330"/>
+            <a:ext cx="1108333" cy="2280199"/>
           </a:xfrm>
           <a:prstGeom prst="line">
             <a:avLst/>
@@ -3950,8 +3950,8 @@
         </p:nvCxnSpPr>
         <p:spPr>
           <a:xfrm flipH="1" flipV="1">
-            <a:off x="4055059" y="3064922"/>
-            <a:ext cx="1152222" cy="1524659"/>
+            <a:off x="3938750" y="3298843"/>
+            <a:ext cx="1108333" cy="1795862"/>
           </a:xfrm>
           <a:prstGeom prst="line">
             <a:avLst/>
@@ -3974,10 +3974,10 @@
       </p:cxnSp>
       <p:grpSp>
         <p:nvGrpSpPr>
-          <p:cNvPr id="245" name="Group 244">
+          <p:cNvPr id="246" name="Group 245">
             <a:extLst>
               <a:ext uri="{FF2B5EF4-FFF2-40B4-BE49-F238E27FC236}">
-                <a16:creationId xmlns:a16="http://schemas.microsoft.com/office/drawing/2014/main" id="{F979FDB3-72DD-DC41-8A4D-68061ADC8916}"/>
+                <a16:creationId xmlns:a16="http://schemas.microsoft.com/office/drawing/2014/main" id="{A13D904A-9325-3741-9C8D-D7A112212F0E}"/>
               </a:ext>
             </a:extLst>
           </p:cNvPr>
@@ -3986,18 +3986,18 @@
         </p:nvGrpSpPr>
         <p:grpSpPr>
           <a:xfrm>
-            <a:off x="5207281" y="2441415"/>
-            <a:ext cx="1555612" cy="974581"/>
-            <a:chOff x="90095" y="47551"/>
-            <a:chExt cx="1555612" cy="974581"/>
+            <a:off x="2384270" y="70443"/>
+            <a:ext cx="1554480" cy="1223293"/>
+            <a:chOff x="90095" y="47552"/>
+            <a:chExt cx="1554480" cy="1223293"/>
           </a:xfrm>
         </p:grpSpPr>
         <p:sp>
           <p:nvSpPr>
-            <p:cNvPr id="231" name="Rectangle 230">
+            <p:cNvPr id="247" name="Rectangle 246">
               <a:extLst>
                 <a:ext uri="{FF2B5EF4-FFF2-40B4-BE49-F238E27FC236}">
-                  <a16:creationId xmlns:a16="http://schemas.microsoft.com/office/drawing/2014/main" id="{05629D89-9DE6-9742-883C-D6537DA8C9FA}"/>
+                  <a16:creationId xmlns:a16="http://schemas.microsoft.com/office/drawing/2014/main" id="{543BDB13-5C19-9D4C-B8E3-69DF54CFE741}"/>
                 </a:ext>
               </a:extLst>
             </p:cNvPr>
@@ -4006,8 +4006,8 @@
           </p:nvSpPr>
           <p:spPr>
             <a:xfrm>
-              <a:off x="91227" y="530805"/>
-              <a:ext cx="1554480" cy="246888"/>
+              <a:off x="90095" y="780186"/>
+              <a:ext cx="1554480" cy="246221"/>
             </a:xfrm>
             <a:prstGeom prst="rect">
               <a:avLst/>
@@ -4038,302 +4038,6 @@
             </a:fontRef>
           </p:style>
           <p:txBody>
-            <a:bodyPr rtlCol="0" anchor="ctr"/>
-            <a:lstStyle/>
-            <a:p>
-              <a:pPr algn="ctr"/>
-              <a:r>
-                <a:rPr lang="en-US" sz="1000" dirty="0">
-                  <a:solidFill>
-                    <a:schemeClr val="tx1"/>
-                  </a:solidFill>
-                </a:rPr>
-                <a:t>▲ </a:t>
-              </a:r>
-              <a:r>
-                <a:rPr lang="en-US" sz="1000" i="1" dirty="0">
-                  <a:solidFill>
-                    <a:schemeClr val="tx1"/>
-                  </a:solidFill>
-                </a:rPr>
-                <a:t>BNPP_root_fine</a:t>
-              </a:r>
-              <a:endParaRPr lang="en-US" sz="1000" dirty="0">
-                <a:solidFill>
-                  <a:schemeClr val="tx1"/>
-                </a:solidFill>
-              </a:endParaRPr>
-            </a:p>
-          </p:txBody>
-        </p:sp>
-        <p:sp>
-          <p:nvSpPr>
-            <p:cNvPr id="232" name="Rectangle 231">
-              <a:extLst>
-                <a:ext uri="{FF2B5EF4-FFF2-40B4-BE49-F238E27FC236}">
-                  <a16:creationId xmlns:a16="http://schemas.microsoft.com/office/drawing/2014/main" id="{523E8C3D-D146-0444-8FD0-93B3F3AAADF5}"/>
-                </a:ext>
-              </a:extLst>
-            </p:cNvPr>
-            <p:cNvSpPr/>
-            <p:nvPr/>
-          </p:nvSpPr>
-          <p:spPr>
-            <a:xfrm>
-              <a:off x="91227" y="775244"/>
-              <a:ext cx="1554480" cy="246888"/>
-            </a:xfrm>
-            <a:prstGeom prst="rect">
-              <a:avLst/>
-            </a:prstGeom>
-            <a:solidFill>
-              <a:schemeClr val="bg1"/>
-            </a:solidFill>
-            <a:ln>
-              <a:solidFill>
-                <a:schemeClr val="tx1"/>
-              </a:solidFill>
-            </a:ln>
-          </p:spPr>
-          <p:style>
-            <a:lnRef idx="2">
-              <a:schemeClr val="accent1">
-                <a:shade val="50000"/>
-              </a:schemeClr>
-            </a:lnRef>
-            <a:fillRef idx="1">
-              <a:schemeClr val="accent1"/>
-            </a:fillRef>
-            <a:effectRef idx="0">
-              <a:schemeClr val="accent1"/>
-            </a:effectRef>
-            <a:fontRef idx="minor">
-              <a:schemeClr val="lt1"/>
-            </a:fontRef>
-          </p:style>
-          <p:txBody>
-            <a:bodyPr lIns="0" rIns="0" rtlCol="0" anchor="ctr"/>
-            <a:lstStyle/>
-            <a:p>
-              <a:pPr algn="ctr"/>
-              <a:r>
-                <a:rPr lang="en-US" sz="1000" i="1" dirty="0">
-                  <a:solidFill>
-                    <a:schemeClr val="tx1"/>
-                  </a:solidFill>
-                </a:rPr>
-                <a:t>▼ BNPP_root.turnover_fine</a:t>
-              </a:r>
-              <a:endParaRPr lang="en-US" sz="1000" dirty="0">
-                <a:solidFill>
-                  <a:schemeClr val="tx1"/>
-                </a:solidFill>
-              </a:endParaRPr>
-            </a:p>
-          </p:txBody>
-        </p:sp>
-        <p:sp>
-          <p:nvSpPr>
-            <p:cNvPr id="241" name="Rectangle 240">
-              <a:extLst>
-                <a:ext uri="{FF2B5EF4-FFF2-40B4-BE49-F238E27FC236}">
-                  <a16:creationId xmlns:a16="http://schemas.microsoft.com/office/drawing/2014/main" id="{A5B4B88A-9BAC-A84C-8B22-14C62AB86F89}"/>
-                </a:ext>
-              </a:extLst>
-            </p:cNvPr>
-            <p:cNvSpPr/>
-            <p:nvPr/>
-          </p:nvSpPr>
-          <p:spPr>
-            <a:xfrm>
-              <a:off x="91227" y="291479"/>
-              <a:ext cx="1554480" cy="246888"/>
-            </a:xfrm>
-            <a:prstGeom prst="rect">
-              <a:avLst/>
-            </a:prstGeom>
-            <a:solidFill>
-              <a:schemeClr val="bg1"/>
-            </a:solidFill>
-            <a:ln>
-              <a:solidFill>
-                <a:schemeClr val="tx1"/>
-              </a:solidFill>
-            </a:ln>
-          </p:spPr>
-          <p:style>
-            <a:lnRef idx="2">
-              <a:schemeClr val="accent1">
-                <a:shade val="50000"/>
-              </a:schemeClr>
-            </a:lnRef>
-            <a:fillRef idx="1">
-              <a:schemeClr val="accent1"/>
-            </a:fillRef>
-            <a:effectRef idx="0">
-              <a:schemeClr val="accent1"/>
-            </a:effectRef>
-            <a:fontRef idx="minor">
-              <a:schemeClr val="lt1"/>
-            </a:fontRef>
-          </p:style>
-          <p:txBody>
-            <a:bodyPr rtlCol="0" anchor="ctr"/>
-            <a:lstStyle/>
-            <a:p>
-              <a:pPr algn="ctr"/>
-              <a:r>
-                <a:rPr lang="en-US" sz="1000" i="1" dirty="0">
-                  <a:solidFill>
-                    <a:schemeClr val="tx1"/>
-                  </a:solidFill>
-                </a:rPr>
-                <a:t>biomass_root_fine </a:t>
-              </a:r>
-              <a:r>
-                <a:rPr lang="en-US" sz="1000" dirty="0">
-                  <a:solidFill>
-                    <a:schemeClr val="tx1"/>
-                  </a:solidFill>
-                </a:rPr>
-                <a:t>| △ ⌀ </a:t>
-              </a:r>
-              <a:endParaRPr lang="en-US" sz="1000" i="1" dirty="0">
-                <a:solidFill>
-                  <a:schemeClr val="tx1"/>
-                </a:solidFill>
-              </a:endParaRPr>
-            </a:p>
-          </p:txBody>
-        </p:sp>
-        <p:sp>
-          <p:nvSpPr>
-            <p:cNvPr id="244" name="Rectangle 243">
-              <a:extLst>
-                <a:ext uri="{FF2B5EF4-FFF2-40B4-BE49-F238E27FC236}">
-                  <a16:creationId xmlns:a16="http://schemas.microsoft.com/office/drawing/2014/main" id="{6BF72C95-3049-8841-816A-94C36D006694}"/>
-                </a:ext>
-              </a:extLst>
-            </p:cNvPr>
-            <p:cNvSpPr/>
-            <p:nvPr/>
-          </p:nvSpPr>
-          <p:spPr>
-            <a:xfrm>
-              <a:off x="90095" y="47551"/>
-              <a:ext cx="1554480" cy="246888"/>
-            </a:xfrm>
-            <a:prstGeom prst="rect">
-              <a:avLst/>
-            </a:prstGeom>
-            <a:solidFill>
-              <a:srgbClr val="A3C3CF"/>
-            </a:solidFill>
-            <a:ln>
-              <a:solidFill>
-                <a:schemeClr val="tx1"/>
-              </a:solidFill>
-            </a:ln>
-          </p:spPr>
-          <p:style>
-            <a:lnRef idx="2">
-              <a:schemeClr val="accent1">
-                <a:shade val="50000"/>
-              </a:schemeClr>
-            </a:lnRef>
-            <a:fillRef idx="1">
-              <a:schemeClr val="accent1"/>
-            </a:fillRef>
-            <a:effectRef idx="0">
-              <a:schemeClr val="accent1"/>
-            </a:effectRef>
-            <a:fontRef idx="minor">
-              <a:schemeClr val="lt1"/>
-            </a:fontRef>
-          </p:style>
-          <p:txBody>
-            <a:bodyPr rtlCol="0" anchor="ctr"/>
-            <a:lstStyle/>
-            <a:p>
-              <a:pPr algn="ctr"/>
-              <a:r>
-                <a:rPr lang="en-US" sz="1000" dirty="0">
-                  <a:solidFill>
-                    <a:schemeClr val="tx1"/>
-                  </a:solidFill>
-                </a:rPr>
-                <a:t>Fine root biomass</a:t>
-              </a:r>
-            </a:p>
-          </p:txBody>
-        </p:sp>
-      </p:grpSp>
-      <p:grpSp>
-        <p:nvGrpSpPr>
-          <p:cNvPr id="246" name="Group 245">
-            <a:extLst>
-              <a:ext uri="{FF2B5EF4-FFF2-40B4-BE49-F238E27FC236}">
-                <a16:creationId xmlns:a16="http://schemas.microsoft.com/office/drawing/2014/main" id="{A13D904A-9325-3741-9C8D-D7A112212F0E}"/>
-              </a:ext>
-            </a:extLst>
-          </p:cNvPr>
-          <p:cNvGrpSpPr/>
-          <p:nvPr/>
-        </p:nvGrpSpPr>
-        <p:grpSpPr>
-          <a:xfrm>
-            <a:off x="2683459" y="72711"/>
-            <a:ext cx="1372732" cy="1223293"/>
-            <a:chOff x="90095" y="47552"/>
-            <a:chExt cx="1372732" cy="1223293"/>
-          </a:xfrm>
-        </p:grpSpPr>
-        <p:sp>
-          <p:nvSpPr>
-            <p:cNvPr id="247" name="Rectangle 246">
-              <a:extLst>
-                <a:ext uri="{FF2B5EF4-FFF2-40B4-BE49-F238E27FC236}">
-                  <a16:creationId xmlns:a16="http://schemas.microsoft.com/office/drawing/2014/main" id="{543BDB13-5C19-9D4C-B8E3-69DF54CFE741}"/>
-                </a:ext>
-              </a:extLst>
-            </p:cNvPr>
-            <p:cNvSpPr/>
-            <p:nvPr/>
-          </p:nvSpPr>
-          <p:spPr>
-            <a:xfrm>
-              <a:off x="91227" y="780186"/>
-              <a:ext cx="1371600" cy="246221"/>
-            </a:xfrm>
-            <a:prstGeom prst="rect">
-              <a:avLst/>
-            </a:prstGeom>
-            <a:solidFill>
-              <a:schemeClr val="bg1"/>
-            </a:solidFill>
-            <a:ln>
-              <a:solidFill>
-                <a:schemeClr val="tx1"/>
-              </a:solidFill>
-            </a:ln>
-          </p:spPr>
-          <p:style>
-            <a:lnRef idx="2">
-              <a:schemeClr val="accent1">
-                <a:shade val="50000"/>
-              </a:schemeClr>
-            </a:lnRef>
-            <a:fillRef idx="1">
-              <a:schemeClr val="accent1"/>
-            </a:fillRef>
-            <a:effectRef idx="0">
-              <a:schemeClr val="accent1"/>
-            </a:effectRef>
-            <a:fontRef idx="minor">
-              <a:schemeClr val="lt1"/>
-            </a:fontRef>
-          </p:style>
-          <p:txBody>
             <a:bodyPr lIns="45720" rIns="45720" rtlCol="0" anchor="ctr"/>
             <a:lstStyle/>
             <a:p>
@@ -4347,20 +4051,12 @@
                 <a:t>▲ </a:t>
               </a:r>
               <a:r>
-                <a:rPr lang="en-US" sz="1000" i="1" dirty="0" err="1">
-                  <a:solidFill>
-                    <a:schemeClr val="tx1"/>
-                  </a:solidFill>
-                </a:rPr>
-                <a:t>ANPP_woody_stem</a:t>
-              </a:r>
-              <a:r>
                 <a:rPr lang="en-US" sz="1000" i="1" dirty="0">
                   <a:solidFill>
                     <a:schemeClr val="tx1"/>
                   </a:solidFill>
                 </a:rPr>
-                <a:t> </a:t>
+                <a:t>ANPP_woody </a:t>
               </a:r>
               <a:r>
                 <a:rPr lang="en-US" sz="1000" i="1" baseline="30000" dirty="0">
@@ -4392,8 +4088,8 @@
           </p:nvSpPr>
           <p:spPr>
             <a:xfrm>
-              <a:off x="91227" y="1024624"/>
-              <a:ext cx="1371600" cy="246221"/>
+              <a:off x="90095" y="1024624"/>
+              <a:ext cx="1554480" cy="246221"/>
             </a:xfrm>
             <a:prstGeom prst="rect">
               <a:avLst/>
@@ -4434,23 +4130,7 @@
                     <a:schemeClr val="tx1"/>
                   </a:solidFill>
                 </a:rPr>
-                <a:t>▼ </a:t>
-              </a:r>
-              <a:r>
-                <a:rPr lang="en-US" sz="1000" i="1" dirty="0" err="1">
-                  <a:solidFill>
-                    <a:schemeClr val="tx1"/>
-                  </a:solidFill>
-                </a:rPr>
-                <a:t>woody_mortality</a:t>
-              </a:r>
-              <a:r>
-                <a:rPr lang="en-US" sz="1000" i="1" dirty="0">
-                  <a:solidFill>
-                    <a:schemeClr val="tx1"/>
-                  </a:solidFill>
-                </a:rPr>
-                <a:t> </a:t>
+                <a:t>▼ woody.mortality_ag </a:t>
               </a:r>
               <a:r>
                 <a:rPr lang="en-US" sz="1000" i="1" baseline="30000" dirty="0">
@@ -4482,8 +4162,8 @@
           </p:nvSpPr>
           <p:spPr>
             <a:xfrm>
-              <a:off x="91227" y="536478"/>
-              <a:ext cx="1371600" cy="246221"/>
+              <a:off x="90095" y="536478"/>
+              <a:ext cx="1554480" cy="246221"/>
             </a:xfrm>
             <a:prstGeom prst="rect">
               <a:avLst/>
@@ -4564,8 +4244,8 @@
           </p:nvSpPr>
           <p:spPr>
             <a:xfrm>
-              <a:off x="91227" y="291480"/>
-              <a:ext cx="1371600" cy="246221"/>
+              <a:off x="90095" y="291480"/>
+              <a:ext cx="1554480" cy="246221"/>
             </a:xfrm>
             <a:prstGeom prst="rect">
               <a:avLst/>
@@ -4626,7 +4306,7 @@
           <p:spPr>
             <a:xfrm>
               <a:off x="90095" y="47552"/>
-              <a:ext cx="1371600" cy="246221"/>
+              <a:ext cx="1554480" cy="246221"/>
             </a:xfrm>
             <a:prstGeom prst="rect">
               <a:avLst/>
@@ -4690,10 +4370,10 @@
         </p:nvGrpSpPr>
         <p:grpSpPr>
           <a:xfrm>
-            <a:off x="204580" y="89722"/>
-            <a:ext cx="1346372" cy="1223293"/>
+            <a:off x="158935" y="70443"/>
+            <a:ext cx="1345240" cy="1223293"/>
             <a:chOff x="90095" y="47552"/>
-            <a:chExt cx="1346372" cy="1223293"/>
+            <a:chExt cx="1345240" cy="1223293"/>
           </a:xfrm>
         </p:grpSpPr>
         <p:sp>
@@ -4710,7 +4390,7 @@
           </p:nvSpPr>
           <p:spPr>
             <a:xfrm>
-              <a:off x="91227" y="780186"/>
+              <a:off x="90095" y="780186"/>
               <a:ext cx="1345240" cy="246221"/>
             </a:xfrm>
             <a:prstGeom prst="rect">
@@ -4779,7 +4459,7 @@
           </p:nvSpPr>
           <p:spPr>
             <a:xfrm>
-              <a:off x="91227" y="1024624"/>
+              <a:off x="90095" y="1024624"/>
               <a:ext cx="1345240" cy="246221"/>
             </a:xfrm>
             <a:prstGeom prst="rect">
@@ -4821,15 +4501,7 @@
                     <a:schemeClr val="tx1"/>
                   </a:solidFill>
                 </a:rPr>
-                <a:t>▼</a:t>
-              </a:r>
-              <a:r>
-                <a:rPr lang="en-US" sz="1000" dirty="0">
-                  <a:solidFill>
-                    <a:schemeClr val="tx1"/>
-                  </a:solidFill>
-                </a:rPr>
-                <a:t>⌀</a:t>
+                <a:t>▼woody.mortality</a:t>
               </a:r>
             </a:p>
           </p:txBody>
@@ -4848,7 +4520,7 @@
           </p:nvSpPr>
           <p:spPr>
             <a:xfrm>
-              <a:off x="91227" y="536478"/>
+              <a:off x="90095" y="536478"/>
               <a:ext cx="1345240" cy="246221"/>
             </a:xfrm>
             <a:prstGeom prst="rect">
@@ -4922,7 +4594,7 @@
           </p:nvSpPr>
           <p:spPr>
             <a:xfrm>
-              <a:off x="91227" y="291480"/>
+              <a:off x="90095" y="291480"/>
               <a:ext cx="1345240" cy="246221"/>
             </a:xfrm>
             <a:prstGeom prst="rect">
@@ -5033,10 +4705,10 @@
       </p:grpSp>
       <p:grpSp>
         <p:nvGrpSpPr>
-          <p:cNvPr id="264" name="Group 263">
+          <p:cNvPr id="271" name="Group 270">
             <a:extLst>
               <a:ext uri="{FF2B5EF4-FFF2-40B4-BE49-F238E27FC236}">
-                <a16:creationId xmlns:a16="http://schemas.microsoft.com/office/drawing/2014/main" id="{5A2C7F6C-4509-DC44-B251-858CFFBEA84F}"/>
+                <a16:creationId xmlns:a16="http://schemas.microsoft.com/office/drawing/2014/main" id="{51588750-BA78-9E4B-A58F-83921A16A1F3}"/>
               </a:ext>
             </a:extLst>
           </p:cNvPr>
@@ -5045,18 +4717,18 @@
         </p:nvGrpSpPr>
         <p:grpSpPr>
           <a:xfrm>
-            <a:off x="5207281" y="1102546"/>
-            <a:ext cx="1555612" cy="1286428"/>
-            <a:chOff x="90095" y="-22990"/>
-            <a:chExt cx="1555612" cy="1286428"/>
+            <a:off x="2384270" y="3175732"/>
+            <a:ext cx="1554480" cy="1223293"/>
+            <a:chOff x="90095" y="47552"/>
+            <a:chExt cx="1554480" cy="1223293"/>
           </a:xfrm>
         </p:grpSpPr>
         <p:sp>
           <p:nvSpPr>
-            <p:cNvPr id="265" name="Rectangle 264">
+            <p:cNvPr id="272" name="Rectangle 271">
               <a:extLst>
                 <a:ext uri="{FF2B5EF4-FFF2-40B4-BE49-F238E27FC236}">
-                  <a16:creationId xmlns:a16="http://schemas.microsoft.com/office/drawing/2014/main" id="{34511690-8A18-BE40-AEE4-4CFB2DBD5AD8}"/>
+                  <a16:creationId xmlns:a16="http://schemas.microsoft.com/office/drawing/2014/main" id="{46BE2097-3C3B-B241-8A57-CBEC639A8760}"/>
                 </a:ext>
               </a:extLst>
             </p:cNvPr>
@@ -5065,7 +4737,7 @@
           </p:nvSpPr>
           <p:spPr>
             <a:xfrm>
-              <a:off x="91227" y="782015"/>
+              <a:off x="90095" y="780186"/>
               <a:ext cx="1554480" cy="246221"/>
             </a:xfrm>
             <a:prstGeom prst="rect">
@@ -5097,332 +4769,6 @@
             </a:fontRef>
           </p:style>
           <p:txBody>
-            <a:bodyPr lIns="0" rIns="0" rtlCol="0" anchor="ctr"/>
-            <a:lstStyle/>
-            <a:p>
-              <a:pPr algn="ctr"/>
-              <a:r>
-                <a:rPr lang="en-US" sz="1000" dirty="0">
-                  <a:solidFill>
-                    <a:schemeClr val="tx1"/>
-                  </a:solidFill>
-                </a:rPr>
-                <a:t>▲ </a:t>
-              </a:r>
-              <a:r>
-                <a:rPr lang="en-US" sz="1000" i="1" dirty="0" err="1">
-                  <a:solidFill>
-                    <a:schemeClr val="tx1"/>
-                  </a:solidFill>
-                </a:rPr>
-                <a:t>ANPP_woody_stem</a:t>
-              </a:r>
-              <a:r>
-                <a:rPr lang="en-US" sz="1000" i="1" dirty="0">
-                  <a:solidFill>
-                    <a:schemeClr val="tx1"/>
-                  </a:solidFill>
-                </a:rPr>
-                <a:t> </a:t>
-              </a:r>
-              <a:r>
-                <a:rPr lang="en-US" sz="1000" i="1" baseline="30000" dirty="0">
-                  <a:solidFill>
-                    <a:schemeClr val="tx1"/>
-                  </a:solidFill>
-                </a:rPr>
-                <a:t>8</a:t>
-              </a:r>
-              <a:endParaRPr lang="en-US" sz="1000" dirty="0">
-                <a:solidFill>
-                  <a:schemeClr val="tx1"/>
-                </a:solidFill>
-              </a:endParaRPr>
-            </a:p>
-          </p:txBody>
-        </p:sp>
-        <p:sp>
-          <p:nvSpPr>
-            <p:cNvPr id="266" name="Rectangle 265">
-              <a:extLst>
-                <a:ext uri="{FF2B5EF4-FFF2-40B4-BE49-F238E27FC236}">
-                  <a16:creationId xmlns:a16="http://schemas.microsoft.com/office/drawing/2014/main" id="{098076E1-E407-A54B-A0B7-590E6B29369A}"/>
-                </a:ext>
-              </a:extLst>
-            </p:cNvPr>
-            <p:cNvSpPr/>
-            <p:nvPr/>
-          </p:nvSpPr>
-          <p:spPr>
-            <a:xfrm>
-              <a:off x="91227" y="1017217"/>
-              <a:ext cx="1554480" cy="246221"/>
-            </a:xfrm>
-            <a:prstGeom prst="rect">
-              <a:avLst/>
-            </a:prstGeom>
-            <a:solidFill>
-              <a:schemeClr val="bg1"/>
-            </a:solidFill>
-            <a:ln>
-              <a:solidFill>
-                <a:schemeClr val="tx1"/>
-              </a:solidFill>
-            </a:ln>
-          </p:spPr>
-          <p:style>
-            <a:lnRef idx="2">
-              <a:schemeClr val="accent1">
-                <a:shade val="50000"/>
-              </a:schemeClr>
-            </a:lnRef>
-            <a:fillRef idx="1">
-              <a:schemeClr val="accent1"/>
-            </a:fillRef>
-            <a:effectRef idx="0">
-              <a:schemeClr val="accent1"/>
-            </a:effectRef>
-            <a:fontRef idx="minor">
-              <a:schemeClr val="lt1"/>
-            </a:fontRef>
-          </p:style>
-          <p:txBody>
-            <a:bodyPr lIns="0" rIns="0" rtlCol="0" anchor="ctr"/>
-            <a:lstStyle/>
-            <a:p>
-              <a:pPr algn="ctr"/>
-              <a:r>
-                <a:rPr lang="en-US" sz="1000" i="1" dirty="0">
-                  <a:solidFill>
-                    <a:schemeClr val="tx1"/>
-                  </a:solidFill>
-                </a:rPr>
-                <a:t>▼ </a:t>
-              </a:r>
-              <a:r>
-                <a:rPr lang="en-US" sz="1000" i="1" dirty="0" err="1">
-                  <a:solidFill>
-                    <a:schemeClr val="tx1"/>
-                  </a:solidFill>
-                </a:rPr>
-                <a:t>woody_mortality</a:t>
-              </a:r>
-              <a:r>
-                <a:rPr lang="en-US" sz="1000" i="1" dirty="0">
-                  <a:solidFill>
-                    <a:schemeClr val="tx1"/>
-                  </a:solidFill>
-                </a:rPr>
-                <a:t> </a:t>
-              </a:r>
-              <a:r>
-                <a:rPr lang="en-US" sz="1000" i="1" baseline="30000" dirty="0">
-                  <a:solidFill>
-                    <a:schemeClr val="tx1"/>
-                  </a:solidFill>
-                </a:rPr>
-                <a:t>1,2,8</a:t>
-              </a:r>
-              <a:endParaRPr lang="en-US" sz="1000" dirty="0">
-                <a:solidFill>
-                  <a:schemeClr val="tx1"/>
-                </a:solidFill>
-              </a:endParaRPr>
-            </a:p>
-          </p:txBody>
-        </p:sp>
-        <p:sp>
-          <p:nvSpPr>
-            <p:cNvPr id="268" name="Rectangle 267">
-              <a:extLst>
-                <a:ext uri="{FF2B5EF4-FFF2-40B4-BE49-F238E27FC236}">
-                  <a16:creationId xmlns:a16="http://schemas.microsoft.com/office/drawing/2014/main" id="{925E6E69-1453-C643-A650-118FCA7F72FD}"/>
-                </a:ext>
-              </a:extLst>
-            </p:cNvPr>
-            <p:cNvSpPr/>
-            <p:nvPr/>
-          </p:nvSpPr>
-          <p:spPr>
-            <a:xfrm>
-              <a:off x="91227" y="281432"/>
-              <a:ext cx="1554480" cy="246221"/>
-            </a:xfrm>
-            <a:prstGeom prst="rect">
-              <a:avLst/>
-            </a:prstGeom>
-            <a:solidFill>
-              <a:schemeClr val="bg1"/>
-            </a:solidFill>
-            <a:ln>
-              <a:solidFill>
-                <a:schemeClr val="tx1"/>
-              </a:solidFill>
-            </a:ln>
-          </p:spPr>
-          <p:style>
-            <a:lnRef idx="2">
-              <a:schemeClr val="accent1">
-                <a:shade val="50000"/>
-              </a:schemeClr>
-            </a:lnRef>
-            <a:fillRef idx="1">
-              <a:schemeClr val="accent1"/>
-            </a:fillRef>
-            <a:effectRef idx="0">
-              <a:schemeClr val="accent1"/>
-            </a:effectRef>
-            <a:fontRef idx="minor">
-              <a:schemeClr val="lt1"/>
-            </a:fontRef>
-          </p:style>
-          <p:txBody>
-            <a:bodyPr lIns="0" rIns="0" rtlCol="0" anchor="ctr"/>
-            <a:lstStyle/>
-            <a:p>
-              <a:pPr algn="ctr"/>
-              <a:r>
-                <a:rPr lang="en-US" sz="1000" i="1" dirty="0">
-                  <a:solidFill>
-                    <a:schemeClr val="tx1"/>
-                  </a:solidFill>
-                </a:rPr>
-                <a:t>biomass_ag_woody</a:t>
-              </a:r>
-            </a:p>
-          </p:txBody>
-        </p:sp>
-        <p:sp>
-          <p:nvSpPr>
-            <p:cNvPr id="269" name="Rectangle 268">
-              <a:extLst>
-                <a:ext uri="{FF2B5EF4-FFF2-40B4-BE49-F238E27FC236}">
-                  <a16:creationId xmlns:a16="http://schemas.microsoft.com/office/drawing/2014/main" id="{44367FEB-7307-CF43-B99F-F5DF6DA5BFA0}"/>
-                </a:ext>
-              </a:extLst>
-            </p:cNvPr>
-            <p:cNvSpPr/>
-            <p:nvPr/>
-          </p:nvSpPr>
-          <p:spPr>
-            <a:xfrm>
-              <a:off x="90095" y="-22990"/>
-              <a:ext cx="1554480" cy="316763"/>
-            </a:xfrm>
-            <a:prstGeom prst="rect">
-              <a:avLst/>
-            </a:prstGeom>
-            <a:solidFill>
-              <a:schemeClr val="accent6">
-                <a:lumMod val="40000"/>
-                <a:lumOff val="60000"/>
-              </a:schemeClr>
-            </a:solidFill>
-            <a:ln>
-              <a:solidFill>
-                <a:schemeClr val="tx1"/>
-              </a:solidFill>
-            </a:ln>
-          </p:spPr>
-          <p:style>
-            <a:lnRef idx="2">
-              <a:schemeClr val="accent1">
-                <a:shade val="50000"/>
-              </a:schemeClr>
-            </a:lnRef>
-            <a:fillRef idx="1">
-              <a:schemeClr val="accent1"/>
-            </a:fillRef>
-            <a:effectRef idx="0">
-              <a:schemeClr val="accent1"/>
-            </a:effectRef>
-            <a:fontRef idx="minor">
-              <a:schemeClr val="lt1"/>
-            </a:fontRef>
-          </p:style>
-          <p:txBody>
-            <a:bodyPr lIns="18288" rIns="18288" rtlCol="0" anchor="ctr"/>
-            <a:lstStyle/>
-            <a:p>
-              <a:pPr algn="ctr"/>
-              <a:r>
-                <a:rPr lang="en-US" sz="1000" dirty="0">
-                  <a:solidFill>
-                    <a:schemeClr val="tx1"/>
-                  </a:solidFill>
-                </a:rPr>
-                <a:t>Aboveground woody biomass</a:t>
-              </a:r>
-            </a:p>
-          </p:txBody>
-        </p:sp>
-      </p:grpSp>
-      <p:grpSp>
-        <p:nvGrpSpPr>
-          <p:cNvPr id="271" name="Group 270">
-            <a:extLst>
-              <a:ext uri="{FF2B5EF4-FFF2-40B4-BE49-F238E27FC236}">
-                <a16:creationId xmlns:a16="http://schemas.microsoft.com/office/drawing/2014/main" id="{51588750-BA78-9E4B-A58F-83921A16A1F3}"/>
-              </a:ext>
-            </a:extLst>
-          </p:cNvPr>
-          <p:cNvGrpSpPr/>
-          <p:nvPr/>
-        </p:nvGrpSpPr>
-        <p:grpSpPr>
-          <a:xfrm>
-            <a:off x="2683459" y="2941811"/>
-            <a:ext cx="1372732" cy="1223293"/>
-            <a:chOff x="90095" y="47552"/>
-            <a:chExt cx="1372732" cy="1223293"/>
-          </a:xfrm>
-        </p:grpSpPr>
-        <p:sp>
-          <p:nvSpPr>
-            <p:cNvPr id="272" name="Rectangle 271">
-              <a:extLst>
-                <a:ext uri="{FF2B5EF4-FFF2-40B4-BE49-F238E27FC236}">
-                  <a16:creationId xmlns:a16="http://schemas.microsoft.com/office/drawing/2014/main" id="{46BE2097-3C3B-B241-8A57-CBEC639A8760}"/>
-                </a:ext>
-              </a:extLst>
-            </p:cNvPr>
-            <p:cNvSpPr/>
-            <p:nvPr/>
-          </p:nvSpPr>
-          <p:spPr>
-            <a:xfrm>
-              <a:off x="91227" y="780186"/>
-              <a:ext cx="1371600" cy="246221"/>
-            </a:xfrm>
-            <a:prstGeom prst="rect">
-              <a:avLst/>
-            </a:prstGeom>
-            <a:solidFill>
-              <a:schemeClr val="bg1"/>
-            </a:solidFill>
-            <a:ln>
-              <a:solidFill>
-                <a:schemeClr val="tx1"/>
-              </a:solidFill>
-            </a:ln>
-          </p:spPr>
-          <p:style>
-            <a:lnRef idx="2">
-              <a:schemeClr val="accent1">
-                <a:shade val="50000"/>
-              </a:schemeClr>
-            </a:lnRef>
-            <a:fillRef idx="1">
-              <a:schemeClr val="accent1"/>
-            </a:fillRef>
-            <a:effectRef idx="0">
-              <a:schemeClr val="accent1"/>
-            </a:effectRef>
-            <a:fontRef idx="minor">
-              <a:schemeClr val="lt1"/>
-            </a:fontRef>
-          </p:style>
-          <p:txBody>
             <a:bodyPr rtlCol="0" anchor="ctr"/>
             <a:lstStyle/>
             <a:p>
@@ -5436,20 +4782,12 @@
                 <a:t>▲ </a:t>
               </a:r>
               <a:r>
-                <a:rPr lang="en-US" sz="1000" i="1" dirty="0" err="1">
-                  <a:solidFill>
-                    <a:schemeClr val="tx1"/>
-                  </a:solidFill>
-                </a:rPr>
-                <a:t>woody_mortality</a:t>
-              </a:r>
-              <a:r>
                 <a:rPr lang="en-US" sz="1000" i="1" dirty="0">
                   <a:solidFill>
                     <a:schemeClr val="tx1"/>
                   </a:solidFill>
                 </a:rPr>
-                <a:t> </a:t>
+                <a:t>woody.mortality </a:t>
               </a:r>
               <a:r>
                 <a:rPr lang="en-US" sz="1000" i="1" baseline="30000" dirty="0">
@@ -5481,8 +4819,8 @@
           </p:nvSpPr>
           <p:spPr>
             <a:xfrm>
-              <a:off x="91227" y="1024624"/>
-              <a:ext cx="1371600" cy="246221"/>
+              <a:off x="90095" y="1024624"/>
+              <a:ext cx="1554480" cy="246221"/>
             </a:xfrm>
             <a:prstGeom prst="rect">
               <a:avLst/>
@@ -5523,23 +4861,7 @@
                     <a:schemeClr val="tx1"/>
                   </a:solidFill>
                 </a:rPr>
-                <a:t>▼ </a:t>
-              </a:r>
-              <a:r>
-                <a:rPr lang="en-US" sz="1000" i="1" dirty="0" err="1">
-                  <a:solidFill>
-                    <a:schemeClr val="tx1"/>
-                  </a:solidFill>
-                </a:rPr>
-                <a:t>R_het_deadwood</a:t>
-              </a:r>
-              <a:r>
-                <a:rPr lang="en-US" sz="1000" i="1" dirty="0">
-                  <a:solidFill>
-                    <a:schemeClr val="tx1"/>
-                  </a:solidFill>
-                </a:rPr>
-                <a:t> </a:t>
+                <a:t>▼ R_het_deadwood </a:t>
               </a:r>
               <a:r>
                 <a:rPr lang="en-US" sz="1000" baseline="30000" dirty="0">
@@ -5574,8 +4896,8 @@
           </p:nvSpPr>
           <p:spPr>
             <a:xfrm>
-              <a:off x="91227" y="536478"/>
-              <a:ext cx="1371600" cy="246221"/>
+              <a:off x="90095" y="536478"/>
+              <a:ext cx="1554480" cy="246221"/>
             </a:xfrm>
             <a:prstGeom prst="rect">
               <a:avLst/>
@@ -5624,23 +4946,7 @@
                     <a:schemeClr val="tx1"/>
                   </a:solidFill>
                 </a:rPr>
-                <a:t> </a:t>
-              </a:r>
-              <a:r>
-                <a:rPr lang="en-US" sz="1000" i="1" dirty="0" err="1">
-                  <a:solidFill>
-                    <a:schemeClr val="tx1"/>
-                  </a:solidFill>
-                </a:rPr>
-                <a:t>delta.deadwood</a:t>
-              </a:r>
-              <a:r>
-                <a:rPr lang="en-US" sz="1000" i="1" dirty="0">
-                  <a:solidFill>
-                    <a:schemeClr val="tx1"/>
-                  </a:solidFill>
-                </a:rPr>
-                <a:t> </a:t>
+                <a:t> delta.deadwood </a:t>
               </a:r>
               <a:r>
                 <a:rPr lang="en-US" sz="1000" baseline="30000" dirty="0">
@@ -5672,8 +4978,8 @@
           </p:nvSpPr>
           <p:spPr>
             <a:xfrm>
-              <a:off x="91227" y="291480"/>
-              <a:ext cx="1371600" cy="246221"/>
+              <a:off x="90095" y="291480"/>
+              <a:ext cx="1554480" cy="246221"/>
             </a:xfrm>
             <a:prstGeom prst="rect">
               <a:avLst/>
@@ -5747,7 +5053,7 @@
           <p:spPr>
             <a:xfrm>
               <a:off x="90095" y="47552"/>
-              <a:ext cx="1371600" cy="246221"/>
+              <a:ext cx="1554480" cy="246221"/>
             </a:xfrm>
             <a:prstGeom prst="rect">
               <a:avLst/>
@@ -5813,7 +5119,7 @@
         </p:nvSpPr>
         <p:spPr>
           <a:xfrm>
-            <a:off x="44270" y="7802081"/>
+            <a:off x="12371" y="7802081"/>
             <a:ext cx="6769459" cy="246221"/>
           </a:xfrm>
           <a:prstGeom prst="rect">
@@ -5848,10 +5154,10 @@
         </p:nvGrpSpPr>
         <p:grpSpPr>
           <a:xfrm>
-            <a:off x="5207281" y="70443"/>
-            <a:ext cx="1555612" cy="989705"/>
+            <a:off x="5047083" y="70443"/>
+            <a:ext cx="1737360" cy="989705"/>
             <a:chOff x="90095" y="-22990"/>
-            <a:chExt cx="1555612" cy="989705"/>
+            <a:chExt cx="1737360" cy="989705"/>
           </a:xfrm>
         </p:grpSpPr>
         <p:sp>
@@ -5868,8 +5174,8 @@
           </p:nvSpPr>
           <p:spPr>
             <a:xfrm>
-              <a:off x="91227" y="475389"/>
-              <a:ext cx="1554480" cy="246888"/>
+              <a:off x="90095" y="475389"/>
+              <a:ext cx="1737360" cy="246888"/>
             </a:xfrm>
             <a:prstGeom prst="rect">
               <a:avLst/>
@@ -5913,20 +5219,12 @@
                 <a:t>▲ </a:t>
               </a:r>
               <a:r>
-                <a:rPr lang="en-US" sz="1000" i="1" dirty="0" err="1">
-                  <a:solidFill>
-                    <a:schemeClr val="tx1"/>
-                  </a:solidFill>
-                </a:rPr>
-                <a:t>ANPP_foliage</a:t>
-              </a:r>
-              <a:r>
                 <a:rPr lang="en-US" sz="1000" i="1" dirty="0">
                   <a:solidFill>
                     <a:schemeClr val="tx1"/>
                   </a:solidFill>
                 </a:rPr>
-                <a:t> </a:t>
+                <a:t>ANPP_foliage </a:t>
               </a:r>
               <a:r>
                 <a:rPr lang="en-US" sz="1000" i="1" baseline="30000" dirty="0">
@@ -5958,8 +5256,8 @@
           </p:nvSpPr>
           <p:spPr>
             <a:xfrm>
-              <a:off x="91227" y="719827"/>
-              <a:ext cx="1554480" cy="246888"/>
+              <a:off x="90095" y="719827"/>
+              <a:ext cx="1737360" cy="246888"/>
             </a:xfrm>
             <a:prstGeom prst="rect">
               <a:avLst/>
@@ -6000,23 +5298,7 @@
                     <a:schemeClr val="tx1"/>
                   </a:solidFill>
                 </a:rPr>
-                <a:t>▼ </a:t>
-              </a:r>
-              <a:r>
-                <a:rPr lang="en-US" sz="1000" i="1" dirty="0" err="1">
-                  <a:solidFill>
-                    <a:schemeClr val="tx1"/>
-                  </a:solidFill>
-                </a:rPr>
-                <a:t>ANPP_foliage</a:t>
-              </a:r>
-              <a:r>
-                <a:rPr lang="en-US" sz="1000" i="1" dirty="0">
-                  <a:solidFill>
-                    <a:schemeClr val="tx1"/>
-                  </a:solidFill>
-                </a:rPr>
-                <a:t> </a:t>
+                <a:t>▼ ANPP_foliage </a:t>
               </a:r>
               <a:r>
                 <a:rPr lang="en-US" sz="1000" i="1" baseline="30000" dirty="0">
@@ -6048,8 +5330,8 @@
           </p:nvSpPr>
           <p:spPr>
             <a:xfrm>
-              <a:off x="91227" y="226827"/>
-              <a:ext cx="1554480" cy="246888"/>
+              <a:off x="90095" y="226827"/>
+              <a:ext cx="1737360" cy="246888"/>
             </a:xfrm>
             <a:prstGeom prst="rect">
               <a:avLst/>
@@ -6123,7 +5405,7 @@
           <p:spPr>
             <a:xfrm>
               <a:off x="90095" y="-22990"/>
-              <a:ext cx="1554480" cy="246888"/>
+              <a:ext cx="1737360" cy="246888"/>
             </a:xfrm>
             <a:prstGeom prst="rect">
               <a:avLst/>
@@ -6191,12 +5473,12 @@
         </p:nvCxnSpPr>
         <p:spPr>
           <a:xfrm rot="10800000" flipV="1">
-            <a:off x="4056191" y="2265864"/>
-            <a:ext cx="1152222" cy="1531692"/>
+            <a:off x="3938751" y="2255231"/>
+            <a:ext cx="1108333" cy="1776246"/>
           </a:xfrm>
           <a:prstGeom prst="curvedConnector3">
             <a:avLst>
-              <a:gd name="adj1" fmla="val 50000"/>
+              <a:gd name="adj1" fmla="val 36569"/>
             </a:avLst>
           </a:prstGeom>
           <a:ln w="12700">
@@ -6239,7 +5521,7 @@
         </p:nvSpPr>
         <p:spPr>
           <a:xfrm>
-            <a:off x="204580" y="2935172"/>
+            <a:off x="158935" y="3169093"/>
             <a:ext cx="1345240" cy="246221"/>
           </a:xfrm>
           <a:prstGeom prst="rect">
@@ -6300,7 +5582,7 @@
         </p:nvSpPr>
         <p:spPr>
           <a:xfrm>
-            <a:off x="190834" y="4274455"/>
+            <a:off x="158935" y="4689126"/>
             <a:ext cx="1345240" cy="246221"/>
           </a:xfrm>
           <a:prstGeom prst="rect">
@@ -6361,10 +5643,10 @@
         </p:nvGrpSpPr>
         <p:grpSpPr>
           <a:xfrm>
-            <a:off x="2683459" y="5814953"/>
-            <a:ext cx="1371600" cy="1220397"/>
+            <a:off x="2384270" y="6305823"/>
+            <a:ext cx="1554480" cy="1220397"/>
             <a:chOff x="3286258" y="5056556"/>
-            <a:chExt cx="1371600" cy="1220397"/>
+            <a:chExt cx="1554480" cy="1220397"/>
           </a:xfrm>
         </p:grpSpPr>
         <p:sp>
@@ -6382,7 +5664,7 @@
           <p:spPr>
             <a:xfrm>
               <a:off x="3286258" y="5545483"/>
-              <a:ext cx="1371600" cy="246888"/>
+              <a:ext cx="1554480" cy="246888"/>
             </a:xfrm>
             <a:prstGeom prst="rect">
               <a:avLst/>
@@ -6456,7 +5738,7 @@
           <p:spPr>
             <a:xfrm>
               <a:off x="3286258" y="5300484"/>
-              <a:ext cx="1371600" cy="246888"/>
+              <a:ext cx="1554480" cy="246888"/>
             </a:xfrm>
             <a:prstGeom prst="rect">
               <a:avLst/>
@@ -6517,7 +5799,7 @@
           <p:spPr>
             <a:xfrm>
               <a:off x="3286258" y="5056556"/>
-              <a:ext cx="1371600" cy="246888"/>
+              <a:ext cx="1554480" cy="246888"/>
             </a:xfrm>
             <a:prstGeom prst="rect">
               <a:avLst/>
@@ -6578,7 +5860,7 @@
           <p:spPr>
             <a:xfrm>
               <a:off x="3286258" y="5785627"/>
-              <a:ext cx="1371600" cy="246888"/>
+              <a:ext cx="1554480" cy="246888"/>
             </a:xfrm>
             <a:prstGeom prst="rect">
               <a:avLst/>
@@ -6644,7 +5926,7 @@
           <p:spPr>
             <a:xfrm>
               <a:off x="3286258" y="6030065"/>
-              <a:ext cx="1371600" cy="246888"/>
+              <a:ext cx="1554480" cy="246888"/>
             </a:xfrm>
             <a:prstGeom prst="rect">
               <a:avLst/>
@@ -6710,10 +5992,10 @@
         </p:nvGrpSpPr>
         <p:grpSpPr>
           <a:xfrm>
-            <a:off x="2683459" y="4378382"/>
-            <a:ext cx="1372732" cy="1223293"/>
+            <a:off x="2384270" y="4516606"/>
+            <a:ext cx="1554480" cy="1223293"/>
             <a:chOff x="90095" y="47552"/>
-            <a:chExt cx="1372732" cy="1223293"/>
+            <a:chExt cx="1554480" cy="1223293"/>
           </a:xfrm>
         </p:grpSpPr>
         <p:sp>
@@ -6730,8 +6012,8 @@
           </p:nvSpPr>
           <p:spPr>
             <a:xfrm>
-              <a:off x="91227" y="780186"/>
-              <a:ext cx="1371600" cy="246221"/>
+              <a:off x="90095" y="780186"/>
+              <a:ext cx="1554480" cy="246221"/>
             </a:xfrm>
             <a:prstGeom prst="rect">
               <a:avLst/>
@@ -6775,20 +6057,12 @@
                 <a:t>▲ </a:t>
               </a:r>
               <a:r>
-                <a:rPr lang="en-US" sz="1000" i="1" dirty="0" err="1">
-                  <a:solidFill>
-                    <a:schemeClr val="tx1"/>
-                  </a:solidFill>
-                </a:rPr>
-                <a:t>NPP_litterfall</a:t>
-              </a:r>
-              <a:r>
                 <a:rPr lang="en-US" sz="1000" i="1" dirty="0">
                   <a:solidFill>
                     <a:schemeClr val="tx1"/>
                   </a:solidFill>
                 </a:rPr>
-                <a:t> </a:t>
+                <a:t>NPP_litterfall </a:t>
               </a:r>
               <a:r>
                 <a:rPr lang="en-US" sz="1000" i="1" baseline="30000" dirty="0">
@@ -6820,8 +6094,8 @@
           </p:nvSpPr>
           <p:spPr>
             <a:xfrm>
-              <a:off x="91227" y="1024624"/>
-              <a:ext cx="1371600" cy="246221"/>
+              <a:off x="90095" y="1024624"/>
+              <a:ext cx="1554480" cy="246221"/>
             </a:xfrm>
             <a:prstGeom prst="rect">
               <a:avLst/>
@@ -6862,23 +6136,7 @@
                     <a:schemeClr val="tx1"/>
                   </a:solidFill>
                 </a:rPr>
-                <a:t>▼</a:t>
-              </a:r>
-              <a:r>
-                <a:rPr lang="en-US" sz="1000" i="1" dirty="0" err="1">
-                  <a:solidFill>
-                    <a:schemeClr val="tx1"/>
-                  </a:solidFill>
-                </a:rPr>
-                <a:t>R_het_litter</a:t>
-              </a:r>
-              <a:r>
-                <a:rPr lang="en-US" sz="1000" i="1" dirty="0">
-                  <a:solidFill>
-                    <a:schemeClr val="tx1"/>
-                  </a:solidFill>
-                </a:rPr>
-                <a:t> </a:t>
+                <a:t>▼R_het_litter </a:t>
               </a:r>
               <a:r>
                 <a:rPr lang="en-US" sz="1000" i="1" baseline="30000" dirty="0">
@@ -6910,8 +6168,8 @@
           </p:nvSpPr>
           <p:spPr>
             <a:xfrm>
-              <a:off x="91227" y="536478"/>
-              <a:ext cx="1371600" cy="246221"/>
+              <a:off x="90095" y="536478"/>
+              <a:ext cx="1554480" cy="246221"/>
             </a:xfrm>
             <a:prstGeom prst="rect">
               <a:avLst/>
@@ -6960,23 +6218,7 @@
                     <a:schemeClr val="tx1"/>
                   </a:solidFill>
                 </a:rPr>
-                <a:t> </a:t>
-              </a:r>
-              <a:r>
-                <a:rPr lang="en-US" sz="1000" i="1" dirty="0" err="1">
-                  <a:solidFill>
-                    <a:schemeClr val="tx1"/>
-                  </a:solidFill>
-                </a:rPr>
-                <a:t>delta.O.horizon</a:t>
-              </a:r>
-              <a:r>
-                <a:rPr lang="en-US" sz="1000" i="1" dirty="0">
-                  <a:solidFill>
-                    <a:schemeClr val="tx1"/>
-                  </a:solidFill>
-                </a:rPr>
-                <a:t> </a:t>
+                <a:t> delta.O.horizon </a:t>
               </a:r>
               <a:r>
                 <a:rPr lang="en-US" sz="1000" baseline="30000" dirty="0">
@@ -7008,8 +6250,8 @@
           </p:nvSpPr>
           <p:spPr>
             <a:xfrm>
-              <a:off x="91227" y="291480"/>
-              <a:ext cx="1371600" cy="246221"/>
+              <a:off x="90095" y="291480"/>
+              <a:ext cx="1554480" cy="246221"/>
             </a:xfrm>
             <a:prstGeom prst="rect">
               <a:avLst/>
@@ -7045,20 +6287,12 @@
             <a:p>
               <a:pPr algn="ctr"/>
               <a:r>
-                <a:rPr lang="en-US" sz="1000" i="1" dirty="0" err="1">
-                  <a:solidFill>
-                    <a:schemeClr val="tx1"/>
-                  </a:solidFill>
-                </a:rPr>
-                <a:t>O.horizon</a:t>
-              </a:r>
-              <a:r>
                 <a:rPr lang="en-US" sz="1000" i="1" dirty="0">
                   <a:solidFill>
                     <a:schemeClr val="tx1"/>
                   </a:solidFill>
                 </a:rPr>
-                <a:t> </a:t>
+                <a:t>O.horizon </a:t>
               </a:r>
               <a:r>
                 <a:rPr lang="en-US" sz="1000" i="1" baseline="30000" dirty="0">
@@ -7091,7 +6325,7 @@
           <p:spPr>
             <a:xfrm>
               <a:off x="90095" y="47552"/>
-              <a:ext cx="1371600" cy="246221"/>
+              <a:ext cx="1554480" cy="246221"/>
             </a:xfrm>
             <a:prstGeom prst="rect">
               <a:avLst/>
@@ -7157,10 +6391,10 @@
         </p:nvGrpSpPr>
         <p:grpSpPr>
           <a:xfrm>
-            <a:off x="2683459" y="1509283"/>
-            <a:ext cx="1371600" cy="1219249"/>
+            <a:off x="2384270" y="1424219"/>
+            <a:ext cx="1554480" cy="1219249"/>
             <a:chOff x="3285576" y="1375961"/>
-            <a:chExt cx="1371600" cy="1219249"/>
+            <a:chExt cx="1554480" cy="1219249"/>
           </a:xfrm>
         </p:grpSpPr>
         <p:sp>
@@ -7178,7 +6412,7 @@
           <p:spPr>
             <a:xfrm>
               <a:off x="3285576" y="2108595"/>
-              <a:ext cx="1371600" cy="246221"/>
+              <a:ext cx="1554480" cy="246221"/>
             </a:xfrm>
             <a:prstGeom prst="rect">
               <a:avLst/>
@@ -7252,7 +6486,7 @@
           <p:spPr>
             <a:xfrm>
               <a:off x="3285576" y="1864887"/>
-              <a:ext cx="1371600" cy="246221"/>
+              <a:ext cx="1554480" cy="246221"/>
             </a:xfrm>
             <a:prstGeom prst="rect">
               <a:avLst/>
@@ -7326,7 +6560,7 @@
           <p:spPr>
             <a:xfrm>
               <a:off x="3285576" y="1619889"/>
-              <a:ext cx="1371600" cy="246221"/>
+              <a:ext cx="1554480" cy="246221"/>
             </a:xfrm>
             <a:prstGeom prst="rect">
               <a:avLst/>
@@ -7387,7 +6621,7 @@
           <p:spPr>
             <a:xfrm>
               <a:off x="3285576" y="1375961"/>
-              <a:ext cx="1371600" cy="246221"/>
+              <a:ext cx="1554480" cy="246221"/>
             </a:xfrm>
             <a:prstGeom prst="rect">
               <a:avLst/>
@@ -7448,7 +6682,7 @@
           <p:spPr>
             <a:xfrm>
               <a:off x="3285576" y="2348989"/>
-              <a:ext cx="1371600" cy="246221"/>
+              <a:ext cx="1554480" cy="246221"/>
             </a:xfrm>
             <a:prstGeom prst="rect">
               <a:avLst/>
@@ -7489,15 +6723,7 @@
                     <a:schemeClr val="tx1"/>
                   </a:solidFill>
                 </a:rPr>
-                <a:t>▼</a:t>
-              </a:r>
-              <a:r>
-                <a:rPr lang="en-US" sz="1000" dirty="0">
-                  <a:solidFill>
-                    <a:schemeClr val="tx1"/>
-                  </a:solidFill>
-                </a:rPr>
-                <a:t>⌀</a:t>
+                <a:t>▼woody.mortality_root</a:t>
               </a:r>
             </a:p>
           </p:txBody>
@@ -7521,8 +6747,8 @@
         </p:nvCxnSpPr>
         <p:spPr>
           <a:xfrm>
-            <a:off x="4056191" y="4041994"/>
-            <a:ext cx="12700" cy="1192133"/>
+            <a:off x="3938750" y="4275915"/>
+            <a:ext cx="12700" cy="1096436"/>
           </a:xfrm>
           <a:prstGeom prst="curvedConnector3">
             <a:avLst>
@@ -7569,13 +6795,13 @@
           <p:nvPr/>
         </p:nvCxnSpPr>
         <p:spPr>
-          <a:xfrm flipH="1">
-            <a:off x="4055059" y="5478565"/>
-            <a:ext cx="1132" cy="1188903"/>
+          <a:xfrm>
+            <a:off x="3938750" y="5616789"/>
+            <a:ext cx="12700" cy="1541549"/>
           </a:xfrm>
           <a:prstGeom prst="curvedConnector3">
             <a:avLst>
-              <a:gd name="adj1" fmla="val -20194346"/>
+              <a:gd name="adj1" fmla="val 1800000"/>
             </a:avLst>
           </a:prstGeom>
           <a:ln w="12700">
@@ -7619,8 +6845,8 @@
         </p:nvCxnSpPr>
         <p:spPr>
           <a:xfrm rot="10800000" flipV="1">
-            <a:off x="4056191" y="4843105"/>
-            <a:ext cx="1151090" cy="391021"/>
+            <a:off x="3938751" y="5337597"/>
+            <a:ext cx="1108333" cy="34754"/>
           </a:xfrm>
           <a:prstGeom prst="curvedConnector3">
             <a:avLst>
@@ -7668,8 +6894,8 @@
         </p:nvCxnSpPr>
         <p:spPr>
           <a:xfrm rot="10800000" flipV="1">
-            <a:off x="4056191" y="936703"/>
-            <a:ext cx="1152222" cy="4297423"/>
+            <a:off x="3938751" y="936703"/>
+            <a:ext cx="1108333" cy="4435647"/>
           </a:xfrm>
           <a:prstGeom prst="curvedConnector3">
             <a:avLst>
@@ -7720,17 +6946,20 @@
         </p:nvCxnSpPr>
         <p:spPr>
           <a:xfrm rot="10800000" flipV="1">
-            <a:off x="4056191" y="2265863"/>
-            <a:ext cx="1152222" cy="2968263"/>
+            <a:off x="3938751" y="2255231"/>
+            <a:ext cx="1108333" cy="3117120"/>
           </a:xfrm>
           <a:prstGeom prst="curvedConnector3">
             <a:avLst>
-              <a:gd name="adj1" fmla="val 50000"/>
+              <a:gd name="adj1" fmla="val 21220"/>
             </a:avLst>
           </a:prstGeom>
           <a:ln w="12700">
             <a:solidFill>
-              <a:srgbClr val="909387"/>
+              <a:schemeClr val="accent6">
+                <a:lumMod val="60000"/>
+                <a:lumOff val="40000"/>
+              </a:schemeClr>
             </a:solidFill>
             <a:prstDash val="sysDash"/>
             <a:tailEnd type="triangle"/>
@@ -7751,662 +6980,6 @@
           </a:fontRef>
         </p:style>
       </p:cxnSp>
-      <p:grpSp>
-        <p:nvGrpSpPr>
-          <p:cNvPr id="365" name="Group 364">
-            <a:extLst>
-              <a:ext uri="{FF2B5EF4-FFF2-40B4-BE49-F238E27FC236}">
-                <a16:creationId xmlns:a16="http://schemas.microsoft.com/office/drawing/2014/main" id="{628F92F8-AE4A-AB40-9D52-2CA4832B402A}"/>
-              </a:ext>
-            </a:extLst>
-          </p:cNvPr>
-          <p:cNvGrpSpPr/>
-          <p:nvPr/>
-        </p:nvGrpSpPr>
-        <p:grpSpPr>
-          <a:xfrm>
-            <a:off x="165029" y="5244259"/>
-            <a:ext cx="1371600" cy="1223293"/>
-            <a:chOff x="90095" y="47552"/>
-            <a:chExt cx="1371600" cy="1223293"/>
-          </a:xfrm>
-        </p:grpSpPr>
-        <p:sp>
-          <p:nvSpPr>
-            <p:cNvPr id="366" name="Rectangle 365">
-              <a:extLst>
-                <a:ext uri="{FF2B5EF4-FFF2-40B4-BE49-F238E27FC236}">
-                  <a16:creationId xmlns:a16="http://schemas.microsoft.com/office/drawing/2014/main" id="{ACE3AEDC-FD8C-364D-8F80-2EB930F84A79}"/>
-                </a:ext>
-              </a:extLst>
-            </p:cNvPr>
-            <p:cNvSpPr/>
-            <p:nvPr/>
-          </p:nvSpPr>
-          <p:spPr>
-            <a:xfrm>
-              <a:off x="90095" y="780186"/>
-              <a:ext cx="1371600" cy="246221"/>
-            </a:xfrm>
-            <a:prstGeom prst="rect">
-              <a:avLst/>
-            </a:prstGeom>
-            <a:solidFill>
-              <a:schemeClr val="bg1"/>
-            </a:solidFill>
-            <a:ln>
-              <a:solidFill>
-                <a:schemeClr val="tx1"/>
-              </a:solidFill>
-            </a:ln>
-          </p:spPr>
-          <p:style>
-            <a:lnRef idx="2">
-              <a:schemeClr val="accent1">
-                <a:shade val="50000"/>
-              </a:schemeClr>
-            </a:lnRef>
-            <a:fillRef idx="1">
-              <a:schemeClr val="accent1"/>
-            </a:fillRef>
-            <a:effectRef idx="0">
-              <a:schemeClr val="accent1"/>
-            </a:effectRef>
-            <a:fontRef idx="minor">
-              <a:schemeClr val="lt1"/>
-            </a:fontRef>
-          </p:style>
-          <p:txBody>
-            <a:bodyPr rtlCol="0" anchor="ctr"/>
-            <a:lstStyle/>
-            <a:p>
-              <a:pPr algn="ctr"/>
-              <a:r>
-                <a:rPr lang="en-US" sz="1000" dirty="0">
-                  <a:solidFill>
-                    <a:schemeClr val="tx1"/>
-                  </a:solidFill>
-                </a:rPr>
-                <a:t>▲ </a:t>
-              </a:r>
-              <a:r>
-                <a:rPr lang="en-US" sz="1000" i="1" dirty="0">
-                  <a:solidFill>
-                    <a:schemeClr val="tx1"/>
-                  </a:solidFill>
-                </a:rPr>
-                <a:t>influx variable(s)</a:t>
-              </a:r>
-              <a:endParaRPr lang="en-US" sz="1000" dirty="0">
-                <a:solidFill>
-                  <a:schemeClr val="tx1"/>
-                </a:solidFill>
-              </a:endParaRPr>
-            </a:p>
-          </p:txBody>
-        </p:sp>
-        <p:sp>
-          <p:nvSpPr>
-            <p:cNvPr id="367" name="Rectangle 366">
-              <a:extLst>
-                <a:ext uri="{FF2B5EF4-FFF2-40B4-BE49-F238E27FC236}">
-                  <a16:creationId xmlns:a16="http://schemas.microsoft.com/office/drawing/2014/main" id="{32CE26EB-716E-8541-A777-20C6EE649545}"/>
-                </a:ext>
-              </a:extLst>
-            </p:cNvPr>
-            <p:cNvSpPr/>
-            <p:nvPr/>
-          </p:nvSpPr>
-          <p:spPr>
-            <a:xfrm>
-              <a:off x="90095" y="1024624"/>
-              <a:ext cx="1371600" cy="246221"/>
-            </a:xfrm>
-            <a:prstGeom prst="rect">
-              <a:avLst/>
-            </a:prstGeom>
-            <a:solidFill>
-              <a:schemeClr val="bg1"/>
-            </a:solidFill>
-            <a:ln>
-              <a:solidFill>
-                <a:schemeClr val="tx1"/>
-              </a:solidFill>
-            </a:ln>
-          </p:spPr>
-          <p:style>
-            <a:lnRef idx="2">
-              <a:schemeClr val="accent1">
-                <a:shade val="50000"/>
-              </a:schemeClr>
-            </a:lnRef>
-            <a:fillRef idx="1">
-              <a:schemeClr val="accent1"/>
-            </a:fillRef>
-            <a:effectRef idx="0">
-              <a:schemeClr val="accent1"/>
-            </a:effectRef>
-            <a:fontRef idx="minor">
-              <a:schemeClr val="lt1"/>
-            </a:fontRef>
-          </p:style>
-          <p:txBody>
-            <a:bodyPr rtlCol="0" anchor="ctr"/>
-            <a:lstStyle/>
-            <a:p>
-              <a:pPr algn="ctr"/>
-              <a:r>
-                <a:rPr lang="en-US" sz="1000" i="1" dirty="0">
-                  <a:solidFill>
-                    <a:schemeClr val="tx1"/>
-                  </a:solidFill>
-                </a:rPr>
-                <a:t>▼ outflux variable(s)</a:t>
-              </a:r>
-              <a:endParaRPr lang="en-US" sz="1000" dirty="0">
-                <a:solidFill>
-                  <a:schemeClr val="tx1"/>
-                </a:solidFill>
-              </a:endParaRPr>
-            </a:p>
-          </p:txBody>
-        </p:sp>
-        <p:sp>
-          <p:nvSpPr>
-            <p:cNvPr id="368" name="Rectangle 367">
-              <a:extLst>
-                <a:ext uri="{FF2B5EF4-FFF2-40B4-BE49-F238E27FC236}">
-                  <a16:creationId xmlns:a16="http://schemas.microsoft.com/office/drawing/2014/main" id="{C5D94E38-37FE-D143-8939-0F2C5A98E531}"/>
-                </a:ext>
-              </a:extLst>
-            </p:cNvPr>
-            <p:cNvSpPr/>
-            <p:nvPr/>
-          </p:nvSpPr>
-          <p:spPr>
-            <a:xfrm>
-              <a:off x="90095" y="536478"/>
-              <a:ext cx="1371600" cy="246221"/>
-            </a:xfrm>
-            <a:prstGeom prst="rect">
-              <a:avLst/>
-            </a:prstGeom>
-            <a:solidFill>
-              <a:schemeClr val="bg1"/>
-            </a:solidFill>
-            <a:ln>
-              <a:solidFill>
-                <a:schemeClr val="tx1"/>
-              </a:solidFill>
-            </a:ln>
-          </p:spPr>
-          <p:style>
-            <a:lnRef idx="2">
-              <a:schemeClr val="accent1">
-                <a:shade val="50000"/>
-              </a:schemeClr>
-            </a:lnRef>
-            <a:fillRef idx="1">
-              <a:schemeClr val="accent1"/>
-            </a:fillRef>
-            <a:effectRef idx="0">
-              <a:schemeClr val="accent1"/>
-            </a:effectRef>
-            <a:fontRef idx="minor">
-              <a:schemeClr val="lt1"/>
-            </a:fontRef>
-          </p:style>
-          <p:txBody>
-            <a:bodyPr lIns="45720" rIns="45720" rtlCol="0" anchor="ctr"/>
-            <a:lstStyle/>
-            <a:p>
-              <a:pPr algn="ctr"/>
-              <a:r>
-                <a:rPr lang="en-US" sz="1000" dirty="0">
-                  <a:solidFill>
-                    <a:schemeClr val="tx1"/>
-                  </a:solidFill>
-                </a:rPr>
-                <a:t>△</a:t>
-              </a:r>
-              <a:r>
-                <a:rPr lang="en-US" sz="1000" i="1" dirty="0">
-                  <a:solidFill>
-                    <a:schemeClr val="tx1"/>
-                  </a:solidFill>
-                </a:rPr>
-                <a:t> increment variable(s)</a:t>
-              </a:r>
-              <a:endParaRPr lang="en-US" sz="1000" dirty="0">
-                <a:solidFill>
-                  <a:schemeClr val="tx1"/>
-                </a:solidFill>
-              </a:endParaRPr>
-            </a:p>
-          </p:txBody>
-        </p:sp>
-        <p:sp>
-          <p:nvSpPr>
-            <p:cNvPr id="369" name="Rectangle 368">
-              <a:extLst>
-                <a:ext uri="{FF2B5EF4-FFF2-40B4-BE49-F238E27FC236}">
-                  <a16:creationId xmlns:a16="http://schemas.microsoft.com/office/drawing/2014/main" id="{469C5A41-E152-0D4E-AB7C-337AA1FB0339}"/>
-                </a:ext>
-              </a:extLst>
-            </p:cNvPr>
-            <p:cNvSpPr/>
-            <p:nvPr/>
-          </p:nvSpPr>
-          <p:spPr>
-            <a:xfrm>
-              <a:off x="90095" y="291480"/>
-              <a:ext cx="1371600" cy="246221"/>
-            </a:xfrm>
-            <a:prstGeom prst="rect">
-              <a:avLst/>
-            </a:prstGeom>
-            <a:solidFill>
-              <a:schemeClr val="bg1"/>
-            </a:solidFill>
-            <a:ln>
-              <a:solidFill>
-                <a:schemeClr val="tx1"/>
-              </a:solidFill>
-            </a:ln>
-          </p:spPr>
-          <p:style>
-            <a:lnRef idx="2">
-              <a:schemeClr val="accent1">
-                <a:shade val="50000"/>
-              </a:schemeClr>
-            </a:lnRef>
-            <a:fillRef idx="1">
-              <a:schemeClr val="accent1"/>
-            </a:fillRef>
-            <a:effectRef idx="0">
-              <a:schemeClr val="accent1"/>
-            </a:effectRef>
-            <a:fontRef idx="minor">
-              <a:schemeClr val="lt1"/>
-            </a:fontRef>
-          </p:style>
-          <p:txBody>
-            <a:bodyPr rtlCol="0" anchor="ctr"/>
-            <a:lstStyle/>
-            <a:p>
-              <a:pPr algn="ctr"/>
-              <a:r>
-                <a:rPr lang="en-US" sz="1000" i="1" dirty="0">
-                  <a:solidFill>
-                    <a:schemeClr val="tx1"/>
-                  </a:solidFill>
-                </a:rPr>
-                <a:t>ForC variable(s)</a:t>
-              </a:r>
-            </a:p>
-          </p:txBody>
-        </p:sp>
-        <p:sp>
-          <p:nvSpPr>
-            <p:cNvPr id="370" name="Rectangle 369">
-              <a:extLst>
-                <a:ext uri="{FF2B5EF4-FFF2-40B4-BE49-F238E27FC236}">
-                  <a16:creationId xmlns:a16="http://schemas.microsoft.com/office/drawing/2014/main" id="{5A5686EA-DDB3-704E-9263-0C701A517B16}"/>
-                </a:ext>
-              </a:extLst>
-            </p:cNvPr>
-            <p:cNvSpPr/>
-            <p:nvPr/>
-          </p:nvSpPr>
-          <p:spPr>
-            <a:xfrm>
-              <a:off x="90095" y="47552"/>
-              <a:ext cx="1371600" cy="246221"/>
-            </a:xfrm>
-            <a:prstGeom prst="rect">
-              <a:avLst/>
-            </a:prstGeom>
-            <a:solidFill>
-              <a:schemeClr val="bg2"/>
-            </a:solidFill>
-            <a:ln>
-              <a:solidFill>
-                <a:schemeClr val="tx1"/>
-              </a:solidFill>
-            </a:ln>
-          </p:spPr>
-          <p:style>
-            <a:lnRef idx="2">
-              <a:schemeClr val="accent1">
-                <a:shade val="50000"/>
-              </a:schemeClr>
-            </a:lnRef>
-            <a:fillRef idx="1">
-              <a:schemeClr val="accent1"/>
-            </a:fillRef>
-            <a:effectRef idx="0">
-              <a:schemeClr val="accent1"/>
-            </a:effectRef>
-            <a:fontRef idx="minor">
-              <a:schemeClr val="lt1"/>
-            </a:fontRef>
-          </p:style>
-          <p:txBody>
-            <a:bodyPr rtlCol="0" anchor="ctr"/>
-            <a:lstStyle/>
-            <a:p>
-              <a:pPr algn="ctr"/>
-              <a:r>
-                <a:rPr lang="en-US" sz="1000" dirty="0">
-                  <a:solidFill>
-                    <a:schemeClr val="tx1"/>
-                  </a:solidFill>
-                </a:rPr>
-                <a:t>Carbon Pool</a:t>
-              </a:r>
-            </a:p>
-          </p:txBody>
-        </p:sp>
-      </p:grpSp>
-      <p:grpSp>
-        <p:nvGrpSpPr>
-          <p:cNvPr id="378" name="Group 377">
-            <a:extLst>
-              <a:ext uri="{FF2B5EF4-FFF2-40B4-BE49-F238E27FC236}">
-                <a16:creationId xmlns:a16="http://schemas.microsoft.com/office/drawing/2014/main" id="{F6F21715-0785-B34D-BF52-F3F962D9E7A2}"/>
-              </a:ext>
-            </a:extLst>
-          </p:cNvPr>
-          <p:cNvGrpSpPr/>
-          <p:nvPr/>
-        </p:nvGrpSpPr>
-        <p:grpSpPr>
-          <a:xfrm>
-            <a:off x="5207281" y="3458394"/>
-            <a:ext cx="1555612" cy="965345"/>
-            <a:chOff x="90095" y="47551"/>
-            <a:chExt cx="1555612" cy="965345"/>
-          </a:xfrm>
-        </p:grpSpPr>
-        <p:sp>
-          <p:nvSpPr>
-            <p:cNvPr id="379" name="Rectangle 378">
-              <a:extLst>
-                <a:ext uri="{FF2B5EF4-FFF2-40B4-BE49-F238E27FC236}">
-                  <a16:creationId xmlns:a16="http://schemas.microsoft.com/office/drawing/2014/main" id="{AF4C5247-F0D4-B24B-BD58-B4E9022B5342}"/>
-                </a:ext>
-              </a:extLst>
-            </p:cNvPr>
-            <p:cNvSpPr/>
-            <p:nvPr/>
-          </p:nvSpPr>
-          <p:spPr>
-            <a:xfrm>
-              <a:off x="91227" y="521569"/>
-              <a:ext cx="1554480" cy="246888"/>
-            </a:xfrm>
-            <a:prstGeom prst="rect">
-              <a:avLst/>
-            </a:prstGeom>
-            <a:solidFill>
-              <a:schemeClr val="bg1"/>
-            </a:solidFill>
-            <a:ln>
-              <a:solidFill>
-                <a:schemeClr val="tx1"/>
-              </a:solidFill>
-            </a:ln>
-          </p:spPr>
-          <p:style>
-            <a:lnRef idx="2">
-              <a:schemeClr val="accent1">
-                <a:shade val="50000"/>
-              </a:schemeClr>
-            </a:lnRef>
-            <a:fillRef idx="1">
-              <a:schemeClr val="accent1"/>
-            </a:fillRef>
-            <a:effectRef idx="0">
-              <a:schemeClr val="accent1"/>
-            </a:effectRef>
-            <a:fontRef idx="minor">
-              <a:schemeClr val="lt1"/>
-            </a:fontRef>
-          </p:style>
-          <p:txBody>
-            <a:bodyPr rtlCol="0" anchor="ctr"/>
-            <a:lstStyle/>
-            <a:p>
-              <a:pPr algn="ctr"/>
-              <a:r>
-                <a:rPr lang="en-US" sz="1000" dirty="0">
-                  <a:solidFill>
-                    <a:schemeClr val="tx1"/>
-                  </a:solidFill>
-                </a:rPr>
-                <a:t>▲ </a:t>
-              </a:r>
-              <a:r>
-                <a:rPr lang="en-US" sz="1000" i="1" dirty="0">
-                  <a:solidFill>
-                    <a:schemeClr val="tx1"/>
-                  </a:solidFill>
-                </a:rPr>
-                <a:t>BNPP_root_coarse</a:t>
-              </a:r>
-              <a:endParaRPr lang="en-US" sz="1000" dirty="0">
-                <a:solidFill>
-                  <a:schemeClr val="tx1"/>
-                </a:solidFill>
-              </a:endParaRPr>
-            </a:p>
-          </p:txBody>
-        </p:sp>
-        <p:sp>
-          <p:nvSpPr>
-            <p:cNvPr id="380" name="Rectangle 379">
-              <a:extLst>
-                <a:ext uri="{FF2B5EF4-FFF2-40B4-BE49-F238E27FC236}">
-                  <a16:creationId xmlns:a16="http://schemas.microsoft.com/office/drawing/2014/main" id="{A64DC2C9-5C20-5549-AC7D-36CDF1FCF53C}"/>
-                </a:ext>
-              </a:extLst>
-            </p:cNvPr>
-            <p:cNvSpPr/>
-            <p:nvPr/>
-          </p:nvSpPr>
-          <p:spPr>
-            <a:xfrm>
-              <a:off x="91227" y="766008"/>
-              <a:ext cx="1554480" cy="246888"/>
-            </a:xfrm>
-            <a:prstGeom prst="rect">
-              <a:avLst/>
-            </a:prstGeom>
-            <a:solidFill>
-              <a:schemeClr val="bg1"/>
-            </a:solidFill>
-            <a:ln>
-              <a:solidFill>
-                <a:schemeClr val="tx1"/>
-              </a:solidFill>
-            </a:ln>
-          </p:spPr>
-          <p:style>
-            <a:lnRef idx="2">
-              <a:schemeClr val="accent1">
-                <a:shade val="50000"/>
-              </a:schemeClr>
-            </a:lnRef>
-            <a:fillRef idx="1">
-              <a:schemeClr val="accent1"/>
-            </a:fillRef>
-            <a:effectRef idx="0">
-              <a:schemeClr val="accent1"/>
-            </a:effectRef>
-            <a:fontRef idx="minor">
-              <a:schemeClr val="lt1"/>
-            </a:fontRef>
-          </p:style>
-          <p:txBody>
-            <a:bodyPr lIns="0" rIns="0" rtlCol="0" anchor="ctr"/>
-            <a:lstStyle/>
-            <a:p>
-              <a:pPr algn="ctr"/>
-              <a:r>
-                <a:rPr lang="en-US" sz="1000" i="1" dirty="0">
-                  <a:solidFill>
-                    <a:schemeClr val="tx1"/>
-                  </a:solidFill>
-                </a:rPr>
-                <a:t>▼</a:t>
-              </a:r>
-              <a:r>
-                <a:rPr lang="en-US" sz="1000" dirty="0">
-                  <a:solidFill>
-                    <a:schemeClr val="tx1"/>
-                  </a:solidFill>
-                </a:rPr>
-                <a:t>⌀</a:t>
-              </a:r>
-            </a:p>
-          </p:txBody>
-        </p:sp>
-        <p:sp>
-          <p:nvSpPr>
-            <p:cNvPr id="381" name="Rectangle 380">
-              <a:extLst>
-                <a:ext uri="{FF2B5EF4-FFF2-40B4-BE49-F238E27FC236}">
-                  <a16:creationId xmlns:a16="http://schemas.microsoft.com/office/drawing/2014/main" id="{9466AF03-5C03-2D40-8BAF-7C302F38716F}"/>
-                </a:ext>
-              </a:extLst>
-            </p:cNvPr>
-            <p:cNvSpPr/>
-            <p:nvPr/>
-          </p:nvSpPr>
-          <p:spPr>
-            <a:xfrm>
-              <a:off x="91227" y="291479"/>
-              <a:ext cx="1554480" cy="246888"/>
-            </a:xfrm>
-            <a:prstGeom prst="rect">
-              <a:avLst/>
-            </a:prstGeom>
-            <a:solidFill>
-              <a:schemeClr val="bg1"/>
-            </a:solidFill>
-            <a:ln>
-              <a:solidFill>
-                <a:schemeClr val="tx1"/>
-              </a:solidFill>
-            </a:ln>
-          </p:spPr>
-          <p:style>
-            <a:lnRef idx="2">
-              <a:schemeClr val="accent1">
-                <a:shade val="50000"/>
-              </a:schemeClr>
-            </a:lnRef>
-            <a:fillRef idx="1">
-              <a:schemeClr val="accent1"/>
-            </a:fillRef>
-            <a:effectRef idx="0">
-              <a:schemeClr val="accent1"/>
-            </a:effectRef>
-            <a:fontRef idx="minor">
-              <a:schemeClr val="lt1"/>
-            </a:fontRef>
-          </p:style>
-          <p:txBody>
-            <a:bodyPr lIns="45720" rIns="45720" rtlCol="0" anchor="ctr"/>
-            <a:lstStyle/>
-            <a:p>
-              <a:pPr algn="ctr"/>
-              <a:r>
-                <a:rPr lang="en-US" sz="1000" i="1" dirty="0">
-                  <a:solidFill>
-                    <a:schemeClr val="tx1"/>
-                  </a:solidFill>
-                </a:rPr>
-                <a:t>biomass_root_coarse </a:t>
-              </a:r>
-              <a:r>
-                <a:rPr lang="en-US" sz="1000" dirty="0">
-                  <a:solidFill>
-                    <a:schemeClr val="tx1"/>
-                  </a:solidFill>
-                </a:rPr>
-                <a:t>| △ ⌀ </a:t>
-              </a:r>
-              <a:endParaRPr lang="en-US" sz="1000" i="1" dirty="0">
-                <a:solidFill>
-                  <a:schemeClr val="tx1"/>
-                </a:solidFill>
-              </a:endParaRPr>
-            </a:p>
-          </p:txBody>
-        </p:sp>
-        <p:sp>
-          <p:nvSpPr>
-            <p:cNvPr id="382" name="Rectangle 381">
-              <a:extLst>
-                <a:ext uri="{FF2B5EF4-FFF2-40B4-BE49-F238E27FC236}">
-                  <a16:creationId xmlns:a16="http://schemas.microsoft.com/office/drawing/2014/main" id="{49B97989-7F77-0643-97B8-2B192D8CDDD5}"/>
-                </a:ext>
-              </a:extLst>
-            </p:cNvPr>
-            <p:cNvSpPr/>
-            <p:nvPr/>
-          </p:nvSpPr>
-          <p:spPr>
-            <a:xfrm>
-              <a:off x="90095" y="47551"/>
-              <a:ext cx="1554480" cy="246888"/>
-            </a:xfrm>
-            <a:prstGeom prst="rect">
-              <a:avLst/>
-            </a:prstGeom>
-            <a:solidFill>
-              <a:srgbClr val="A3C3CF"/>
-            </a:solidFill>
-            <a:ln>
-              <a:solidFill>
-                <a:schemeClr val="tx1"/>
-              </a:solidFill>
-            </a:ln>
-          </p:spPr>
-          <p:style>
-            <a:lnRef idx="2">
-              <a:schemeClr val="accent1">
-                <a:shade val="50000"/>
-              </a:schemeClr>
-            </a:lnRef>
-            <a:fillRef idx="1">
-              <a:schemeClr val="accent1"/>
-            </a:fillRef>
-            <a:effectRef idx="0">
-              <a:schemeClr val="accent1"/>
-            </a:effectRef>
-            <a:fontRef idx="minor">
-              <a:schemeClr val="lt1"/>
-            </a:fontRef>
-          </p:style>
-          <p:txBody>
-            <a:bodyPr rtlCol="0" anchor="ctr"/>
-            <a:lstStyle/>
-            <a:p>
-              <a:pPr algn="ctr"/>
-              <a:r>
-                <a:rPr lang="en-US" sz="1000" dirty="0">
-                  <a:solidFill>
-                    <a:schemeClr val="tx1"/>
-                  </a:solidFill>
-                </a:rPr>
-                <a:t>Coarse root biomass</a:t>
-              </a:r>
-            </a:p>
-          </p:txBody>
-        </p:sp>
-      </p:grpSp>
       <p:cxnSp>
         <p:nvCxnSpPr>
           <p:cNvPr id="384" name="Curved Connector 383">
@@ -8425,12 +6998,12 @@
         </p:nvCxnSpPr>
         <p:spPr>
           <a:xfrm rot="10800000" flipV="1">
-            <a:off x="5207281" y="4300294"/>
-            <a:ext cx="1132" cy="542811"/>
+            <a:off x="5047083" y="4787505"/>
+            <a:ext cx="12700" cy="550092"/>
           </a:xfrm>
           <a:prstGeom prst="curvedConnector3">
             <a:avLst>
-              <a:gd name="adj1" fmla="val 20294346"/>
+              <a:gd name="adj1" fmla="val 1800000"/>
             </a:avLst>
           </a:prstGeom>
           <a:ln w="12700">
@@ -8470,10 +7043,10 @@
         </p:nvGrpSpPr>
         <p:grpSpPr>
           <a:xfrm>
-            <a:off x="5207281" y="4466137"/>
-            <a:ext cx="1554480" cy="500413"/>
+            <a:off x="5047083" y="4971261"/>
+            <a:ext cx="1737360" cy="489780"/>
             <a:chOff x="5148119" y="4306142"/>
-            <a:chExt cx="1554480" cy="500413"/>
+            <a:chExt cx="1737360" cy="489780"/>
           </a:xfrm>
         </p:grpSpPr>
         <p:sp>
@@ -8490,8 +7063,8 @@
           </p:nvSpPr>
           <p:spPr>
             <a:xfrm>
-              <a:off x="5148119" y="4559667"/>
-              <a:ext cx="1554480" cy="246888"/>
+              <a:off x="5148119" y="4549034"/>
+              <a:ext cx="1737360" cy="246888"/>
             </a:xfrm>
             <a:prstGeom prst="rect">
               <a:avLst/>
@@ -8568,7 +7141,7 @@
           <p:spPr>
             <a:xfrm>
               <a:off x="5148119" y="4306142"/>
-              <a:ext cx="1554480" cy="246888"/>
+              <a:ext cx="1737360" cy="246888"/>
             </a:xfrm>
             <a:prstGeom prst="rect">
               <a:avLst/>
@@ -8634,10 +7207,10 @@
         </p:nvGrpSpPr>
         <p:grpSpPr>
           <a:xfrm>
-            <a:off x="5207281" y="5008948"/>
-            <a:ext cx="1555612" cy="978855"/>
+            <a:off x="5047083" y="5514074"/>
+            <a:ext cx="1737360" cy="978855"/>
             <a:chOff x="90095" y="47552"/>
-            <a:chExt cx="1555612" cy="978855"/>
+            <a:chExt cx="1737360" cy="978855"/>
           </a:xfrm>
         </p:grpSpPr>
         <p:sp>
@@ -8654,8 +7227,8 @@
           </p:nvSpPr>
           <p:spPr>
             <a:xfrm>
-              <a:off x="91227" y="780186"/>
-              <a:ext cx="1554480" cy="246221"/>
+              <a:off x="90095" y="780186"/>
+              <a:ext cx="1737360" cy="246221"/>
             </a:xfrm>
             <a:prstGeom prst="rect">
               <a:avLst/>
@@ -8731,8 +7304,8 @@
           </p:nvSpPr>
           <p:spPr>
             <a:xfrm>
-              <a:off x="91227" y="536478"/>
-              <a:ext cx="1554480" cy="246221"/>
+              <a:off x="90095" y="536478"/>
+              <a:ext cx="1737360" cy="246221"/>
             </a:xfrm>
             <a:prstGeom prst="rect">
               <a:avLst/>
@@ -8805,8 +7378,8 @@
           </p:nvSpPr>
           <p:spPr>
             <a:xfrm>
-              <a:off x="91227" y="291480"/>
-              <a:ext cx="1554480" cy="246221"/>
+              <a:off x="90095" y="291480"/>
+              <a:ext cx="1737360" cy="246221"/>
             </a:xfrm>
             <a:prstGeom prst="rect">
               <a:avLst/>
@@ -8867,7 +7440,7 @@
           <p:spPr>
             <a:xfrm>
               <a:off x="90095" y="47552"/>
-              <a:ext cx="1554480" cy="246221"/>
+              <a:ext cx="1737360" cy="246221"/>
             </a:xfrm>
             <a:prstGeom prst="rect">
               <a:avLst/>
@@ -8933,10 +7506,10 @@
         </p:nvGrpSpPr>
         <p:grpSpPr>
           <a:xfrm>
-            <a:off x="5207281" y="6056495"/>
-            <a:ext cx="1555612" cy="978855"/>
+            <a:off x="5047083" y="6550986"/>
+            <a:ext cx="1737360" cy="978855"/>
             <a:chOff x="90095" y="47552"/>
-            <a:chExt cx="1555612" cy="978855"/>
+            <a:chExt cx="1737360" cy="978855"/>
           </a:xfrm>
         </p:grpSpPr>
         <p:sp>
@@ -8953,8 +7526,8 @@
           </p:nvSpPr>
           <p:spPr>
             <a:xfrm>
-              <a:off x="91227" y="780186"/>
-              <a:ext cx="1554480" cy="246221"/>
+              <a:off x="90095" y="780186"/>
+              <a:ext cx="1737360" cy="246221"/>
             </a:xfrm>
             <a:prstGeom prst="rect">
               <a:avLst/>
@@ -9030,8 +7603,8 @@
           </p:nvSpPr>
           <p:spPr>
             <a:xfrm>
-              <a:off x="91227" y="536478"/>
-              <a:ext cx="1554480" cy="246221"/>
+              <a:off x="90095" y="536478"/>
+              <a:ext cx="1737360" cy="246221"/>
             </a:xfrm>
             <a:prstGeom prst="rect">
               <a:avLst/>
@@ -9104,8 +7677,8 @@
           </p:nvSpPr>
           <p:spPr>
             <a:xfrm>
-              <a:off x="91227" y="291480"/>
-              <a:ext cx="1554480" cy="246221"/>
+              <a:off x="90095" y="291480"/>
+              <a:ext cx="1737360" cy="246221"/>
             </a:xfrm>
             <a:prstGeom prst="rect">
               <a:avLst/>
@@ -9166,7 +7739,7 @@
           <p:spPr>
             <a:xfrm>
               <a:off x="90095" y="47552"/>
-              <a:ext cx="1554480" cy="246221"/>
+              <a:ext cx="1737360" cy="246221"/>
             </a:xfrm>
             <a:prstGeom prst="rect">
               <a:avLst/>
@@ -9218,110 +7791,12 @@
           </p:txBody>
         </p:sp>
       </p:grpSp>
-      <p:sp>
-        <p:nvSpPr>
-          <p:cNvPr id="435" name="Rectangle 434">
+      <p:grpSp>
+        <p:nvGrpSpPr>
+          <p:cNvPr id="19" name="Group 18">
             <a:extLst>
               <a:ext uri="{FF2B5EF4-FFF2-40B4-BE49-F238E27FC236}">
-                <a16:creationId xmlns:a16="http://schemas.microsoft.com/office/drawing/2014/main" id="{02FC17E0-1455-FE4F-8EF5-9C8CA6632D54}"/>
-              </a:ext>
-            </a:extLst>
-          </p:cNvPr>
-          <p:cNvSpPr/>
-          <p:nvPr/>
-        </p:nvSpPr>
-        <p:spPr>
-          <a:xfrm>
-            <a:off x="5207280" y="1657756"/>
-            <a:ext cx="1554480" cy="246221"/>
-          </a:xfrm>
-          <a:prstGeom prst="rect">
-            <a:avLst/>
-          </a:prstGeom>
-          <a:solidFill>
-            <a:schemeClr val="bg1"/>
-          </a:solidFill>
-          <a:ln>
-            <a:solidFill>
-              <a:schemeClr val="tx1"/>
-            </a:solidFill>
-          </a:ln>
-        </p:spPr>
-        <p:style>
-          <a:lnRef idx="2">
-            <a:schemeClr val="accent1">
-              <a:shade val="50000"/>
-            </a:schemeClr>
-          </a:lnRef>
-          <a:fillRef idx="1">
-            <a:schemeClr val="accent1"/>
-          </a:fillRef>
-          <a:effectRef idx="0">
-            <a:schemeClr val="accent1"/>
-          </a:effectRef>
-          <a:fontRef idx="minor">
-            <a:schemeClr val="lt1"/>
-          </a:fontRef>
-        </p:style>
-        <p:txBody>
-          <a:bodyPr rtlCol="0" anchor="ctr"/>
-          <a:lstStyle/>
-          <a:p>
-            <a:pPr algn="ctr"/>
-            <a:r>
-              <a:rPr lang="en-US" sz="1000" dirty="0">
-                <a:solidFill>
-                  <a:schemeClr val="tx1"/>
-                </a:solidFill>
-              </a:rPr>
-              <a:t>△</a:t>
-            </a:r>
-            <a:r>
-              <a:rPr lang="en-US" sz="1000" i="1" dirty="0">
-                <a:solidFill>
-                  <a:schemeClr val="tx1"/>
-                </a:solidFill>
-              </a:rPr>
-              <a:t> </a:t>
-            </a:r>
-            <a:r>
-              <a:rPr lang="en-US" sz="1000" i="1" dirty="0" err="1">
-                <a:solidFill>
-                  <a:schemeClr val="tx1"/>
-                </a:solidFill>
-              </a:rPr>
-              <a:t>delta.agb</a:t>
-            </a:r>
-            <a:r>
-              <a:rPr lang="en-US" sz="1000" i="1" dirty="0">
-                <a:solidFill>
-                  <a:schemeClr val="tx1"/>
-                </a:solidFill>
-              </a:rPr>
-              <a:t> </a:t>
-            </a:r>
-            <a:r>
-              <a:rPr lang="en-US" sz="1000" i="1" baseline="30000" dirty="0">
-                <a:solidFill>
-                  <a:schemeClr val="tx1"/>
-                </a:solidFill>
-              </a:rPr>
-              <a:t>1</a:t>
-            </a:r>
-            <a:endParaRPr lang="en-US" sz="1000" dirty="0">
-              <a:solidFill>
-                <a:schemeClr val="tx1"/>
-              </a:solidFill>
-            </a:endParaRPr>
-          </a:p>
-        </p:txBody>
-      </p:sp>
-      <p:grpSp>
-        <p:nvGrpSpPr>
-          <p:cNvPr id="2" name="Group 1">
-            <a:extLst>
-              <a:ext uri="{FF2B5EF4-FFF2-40B4-BE49-F238E27FC236}">
-                <a16:creationId xmlns:a16="http://schemas.microsoft.com/office/drawing/2014/main" id="{FC281B05-D2D5-194E-9638-616F2DD6C0CD}"/>
+                <a16:creationId xmlns:a16="http://schemas.microsoft.com/office/drawing/2014/main" id="{193BF5D8-F5AD-B547-BBCF-D8EF288F7132}"/>
               </a:ext>
             </a:extLst>
           </p:cNvPr>
@@ -9330,18 +7805,320 @@
         </p:nvGrpSpPr>
         <p:grpSpPr>
           <a:xfrm>
-            <a:off x="204580" y="6504144"/>
-            <a:ext cx="1212221" cy="553998"/>
-            <a:chOff x="152739" y="1395185"/>
-            <a:chExt cx="1212221" cy="553998"/>
+            <a:off x="5047083" y="1102546"/>
+            <a:ext cx="1737360" cy="1275795"/>
+            <a:chOff x="5207280" y="1102546"/>
+            <a:chExt cx="1737360" cy="1275795"/>
           </a:xfrm>
         </p:grpSpPr>
+        <p:grpSp>
+          <p:nvGrpSpPr>
+            <p:cNvPr id="264" name="Group 263">
+              <a:extLst>
+                <a:ext uri="{FF2B5EF4-FFF2-40B4-BE49-F238E27FC236}">
+                  <a16:creationId xmlns:a16="http://schemas.microsoft.com/office/drawing/2014/main" id="{5A2C7F6C-4509-DC44-B251-858CFFBEA84F}"/>
+                </a:ext>
+              </a:extLst>
+            </p:cNvPr>
+            <p:cNvGrpSpPr/>
+            <p:nvPr/>
+          </p:nvGrpSpPr>
+          <p:grpSpPr>
+            <a:xfrm>
+              <a:off x="5207280" y="1102546"/>
+              <a:ext cx="1737360" cy="1275795"/>
+              <a:chOff x="90094" y="-22990"/>
+              <a:chExt cx="1737360" cy="1275795"/>
+            </a:xfrm>
+          </p:grpSpPr>
+          <p:sp>
+            <p:nvSpPr>
+              <p:cNvPr id="265" name="Rectangle 264">
+                <a:extLst>
+                  <a:ext uri="{FF2B5EF4-FFF2-40B4-BE49-F238E27FC236}">
+                    <a16:creationId xmlns:a16="http://schemas.microsoft.com/office/drawing/2014/main" id="{34511690-8A18-BE40-AEE4-4CFB2DBD5AD8}"/>
+                  </a:ext>
+                </a:extLst>
+              </p:cNvPr>
+              <p:cNvSpPr/>
+              <p:nvPr/>
+            </p:nvSpPr>
+            <p:spPr>
+              <a:xfrm>
+                <a:off x="90094" y="760749"/>
+                <a:ext cx="1737360" cy="246221"/>
+              </a:xfrm>
+              <a:prstGeom prst="rect">
+                <a:avLst/>
+              </a:prstGeom>
+              <a:solidFill>
+                <a:schemeClr val="bg1"/>
+              </a:solidFill>
+              <a:ln>
+                <a:solidFill>
+                  <a:schemeClr val="tx1"/>
+                </a:solidFill>
+              </a:ln>
+            </p:spPr>
+            <p:style>
+              <a:lnRef idx="2">
+                <a:schemeClr val="accent1">
+                  <a:shade val="50000"/>
+                </a:schemeClr>
+              </a:lnRef>
+              <a:fillRef idx="1">
+                <a:schemeClr val="accent1"/>
+              </a:fillRef>
+              <a:effectRef idx="0">
+                <a:schemeClr val="accent1"/>
+              </a:effectRef>
+              <a:fontRef idx="minor">
+                <a:schemeClr val="lt1"/>
+              </a:fontRef>
+            </p:style>
+            <p:txBody>
+              <a:bodyPr lIns="0" rIns="0" rtlCol="0" anchor="ctr"/>
+              <a:lstStyle/>
+              <a:p>
+                <a:pPr algn="ctr"/>
+                <a:r>
+                  <a:rPr lang="en-US" sz="1000" dirty="0">
+                    <a:solidFill>
+                      <a:schemeClr val="tx1"/>
+                    </a:solidFill>
+                  </a:rPr>
+                  <a:t>▲ </a:t>
+                </a:r>
+                <a:r>
+                  <a:rPr lang="en-US" sz="1000" i="1" dirty="0">
+                    <a:solidFill>
+                      <a:schemeClr val="tx1"/>
+                    </a:solidFill>
+                  </a:rPr>
+                  <a:t>ANPP_woody </a:t>
+                </a:r>
+                <a:r>
+                  <a:rPr lang="en-US" sz="1000" i="1" baseline="30000" dirty="0">
+                    <a:solidFill>
+                      <a:schemeClr val="tx1"/>
+                    </a:solidFill>
+                  </a:rPr>
+                  <a:t>8</a:t>
+                </a:r>
+                <a:endParaRPr lang="en-US" sz="1000" dirty="0">
+                  <a:solidFill>
+                    <a:schemeClr val="tx1"/>
+                  </a:solidFill>
+                </a:endParaRPr>
+              </a:p>
+            </p:txBody>
+          </p:sp>
+          <p:sp>
+            <p:nvSpPr>
+              <p:cNvPr id="266" name="Rectangle 265">
+                <a:extLst>
+                  <a:ext uri="{FF2B5EF4-FFF2-40B4-BE49-F238E27FC236}">
+                    <a16:creationId xmlns:a16="http://schemas.microsoft.com/office/drawing/2014/main" id="{098076E1-E407-A54B-A0B7-590E6B29369A}"/>
+                  </a:ext>
+                </a:extLst>
+              </p:cNvPr>
+              <p:cNvSpPr/>
+              <p:nvPr/>
+            </p:nvSpPr>
+            <p:spPr>
+              <a:xfrm>
+                <a:off x="90094" y="1006584"/>
+                <a:ext cx="1737360" cy="246221"/>
+              </a:xfrm>
+              <a:prstGeom prst="rect">
+                <a:avLst/>
+              </a:prstGeom>
+              <a:solidFill>
+                <a:schemeClr val="bg1"/>
+              </a:solidFill>
+              <a:ln>
+                <a:solidFill>
+                  <a:schemeClr val="tx1"/>
+                </a:solidFill>
+              </a:ln>
+            </p:spPr>
+            <p:style>
+              <a:lnRef idx="2">
+                <a:schemeClr val="accent1">
+                  <a:shade val="50000"/>
+                </a:schemeClr>
+              </a:lnRef>
+              <a:fillRef idx="1">
+                <a:schemeClr val="accent1"/>
+              </a:fillRef>
+              <a:effectRef idx="0">
+                <a:schemeClr val="accent1"/>
+              </a:effectRef>
+              <a:fontRef idx="minor">
+                <a:schemeClr val="lt1"/>
+              </a:fontRef>
+            </p:style>
+            <p:txBody>
+              <a:bodyPr lIns="0" rIns="0" rtlCol="0" anchor="ctr"/>
+              <a:lstStyle/>
+              <a:p>
+                <a:pPr algn="ctr"/>
+                <a:r>
+                  <a:rPr lang="en-US" sz="1000" i="1" dirty="0">
+                    <a:solidFill>
+                      <a:schemeClr val="tx1"/>
+                    </a:solidFill>
+                  </a:rPr>
+                  <a:t>▼ woody.mortality_ag </a:t>
+                </a:r>
+                <a:r>
+                  <a:rPr lang="en-US" sz="1000" i="1" baseline="30000" dirty="0">
+                    <a:solidFill>
+                      <a:schemeClr val="tx1"/>
+                    </a:solidFill>
+                  </a:rPr>
+                  <a:t>1,2,8</a:t>
+                </a:r>
+                <a:endParaRPr lang="en-US" sz="1000" dirty="0">
+                  <a:solidFill>
+                    <a:schemeClr val="tx1"/>
+                  </a:solidFill>
+                </a:endParaRPr>
+              </a:p>
+            </p:txBody>
+          </p:sp>
+          <p:sp>
+            <p:nvSpPr>
+              <p:cNvPr id="268" name="Rectangle 267">
+                <a:extLst>
+                  <a:ext uri="{FF2B5EF4-FFF2-40B4-BE49-F238E27FC236}">
+                    <a16:creationId xmlns:a16="http://schemas.microsoft.com/office/drawing/2014/main" id="{925E6E69-1453-C643-A650-118FCA7F72FD}"/>
+                  </a:ext>
+                </a:extLst>
+              </p:cNvPr>
+              <p:cNvSpPr/>
+              <p:nvPr/>
+            </p:nvSpPr>
+            <p:spPr>
+              <a:xfrm>
+                <a:off x="90094" y="281432"/>
+                <a:ext cx="1737360" cy="246221"/>
+              </a:xfrm>
+              <a:prstGeom prst="rect">
+                <a:avLst/>
+              </a:prstGeom>
+              <a:solidFill>
+                <a:schemeClr val="bg1"/>
+              </a:solidFill>
+              <a:ln>
+                <a:solidFill>
+                  <a:schemeClr val="tx1"/>
+                </a:solidFill>
+              </a:ln>
+            </p:spPr>
+            <p:style>
+              <a:lnRef idx="2">
+                <a:schemeClr val="accent1">
+                  <a:shade val="50000"/>
+                </a:schemeClr>
+              </a:lnRef>
+              <a:fillRef idx="1">
+                <a:schemeClr val="accent1"/>
+              </a:fillRef>
+              <a:effectRef idx="0">
+                <a:schemeClr val="accent1"/>
+              </a:effectRef>
+              <a:fontRef idx="minor">
+                <a:schemeClr val="lt1"/>
+              </a:fontRef>
+            </p:style>
+            <p:txBody>
+              <a:bodyPr lIns="0" rIns="0" rtlCol="0" anchor="ctr"/>
+              <a:lstStyle/>
+              <a:p>
+                <a:pPr algn="ctr"/>
+                <a:r>
+                  <a:rPr lang="en-US" sz="1000" i="1" dirty="0">
+                    <a:solidFill>
+                      <a:schemeClr val="tx1"/>
+                    </a:solidFill>
+                  </a:rPr>
+                  <a:t>biomass_ag_woody</a:t>
+                </a:r>
+              </a:p>
+            </p:txBody>
+          </p:sp>
+          <p:sp>
+            <p:nvSpPr>
+              <p:cNvPr id="269" name="Rectangle 268">
+                <a:extLst>
+                  <a:ext uri="{FF2B5EF4-FFF2-40B4-BE49-F238E27FC236}">
+                    <a16:creationId xmlns:a16="http://schemas.microsoft.com/office/drawing/2014/main" id="{44367FEB-7307-CF43-B99F-F5DF6DA5BFA0}"/>
+                  </a:ext>
+                </a:extLst>
+              </p:cNvPr>
+              <p:cNvSpPr/>
+              <p:nvPr/>
+            </p:nvSpPr>
+            <p:spPr>
+              <a:xfrm>
+                <a:off x="90094" y="-22990"/>
+                <a:ext cx="1737360" cy="316763"/>
+              </a:xfrm>
+              <a:prstGeom prst="rect">
+                <a:avLst/>
+              </a:prstGeom>
+              <a:solidFill>
+                <a:schemeClr val="accent6">
+                  <a:lumMod val="40000"/>
+                  <a:lumOff val="60000"/>
+                </a:schemeClr>
+              </a:solidFill>
+              <a:ln>
+                <a:solidFill>
+                  <a:schemeClr val="tx1"/>
+                </a:solidFill>
+              </a:ln>
+            </p:spPr>
+            <p:style>
+              <a:lnRef idx="2">
+                <a:schemeClr val="accent1">
+                  <a:shade val="50000"/>
+                </a:schemeClr>
+              </a:lnRef>
+              <a:fillRef idx="1">
+                <a:schemeClr val="accent1"/>
+              </a:fillRef>
+              <a:effectRef idx="0">
+                <a:schemeClr val="accent1"/>
+              </a:effectRef>
+              <a:fontRef idx="minor">
+                <a:schemeClr val="lt1"/>
+              </a:fontRef>
+            </p:style>
+            <p:txBody>
+              <a:bodyPr lIns="18288" rIns="18288" rtlCol="0" anchor="ctr"/>
+              <a:lstStyle/>
+              <a:p>
+                <a:pPr algn="ctr"/>
+                <a:r>
+                  <a:rPr lang="en-US" sz="1000" dirty="0">
+                    <a:solidFill>
+                      <a:schemeClr val="tx1"/>
+                    </a:solidFill>
+                  </a:rPr>
+                  <a:t>Aboveground woody biomass</a:t>
+                </a:r>
+              </a:p>
+            </p:txBody>
+          </p:sp>
+        </p:grpSp>
         <p:sp>
           <p:nvSpPr>
-            <p:cNvPr id="436" name="Rectangle 435">
+            <p:cNvPr id="435" name="Rectangle 434">
               <a:extLst>
                 <a:ext uri="{FF2B5EF4-FFF2-40B4-BE49-F238E27FC236}">
-                  <a16:creationId xmlns:a16="http://schemas.microsoft.com/office/drawing/2014/main" id="{B1E79ED9-6827-DB42-BD13-23D1E925A8D6}"/>
+                  <a16:creationId xmlns:a16="http://schemas.microsoft.com/office/drawing/2014/main" id="{02FC17E0-1455-FE4F-8EF5-9C8CA6632D54}"/>
                 </a:ext>
               </a:extLst>
             </p:cNvPr>
@@ -9350,71 +8127,644 @@
           </p:nvSpPr>
           <p:spPr>
             <a:xfrm>
-              <a:off x="152739" y="1698005"/>
-              <a:ext cx="253595" cy="246221"/>
+              <a:off x="5207280" y="1647123"/>
+              <a:ext cx="1737360" cy="246221"/>
             </a:xfrm>
             <a:prstGeom prst="rect">
               <a:avLst/>
             </a:prstGeom>
+            <a:solidFill>
+              <a:schemeClr val="bg1"/>
+            </a:solidFill>
+            <a:ln>
+              <a:solidFill>
+                <a:schemeClr val="tx1"/>
+              </a:solidFill>
+            </a:ln>
           </p:spPr>
+          <p:style>
+            <a:lnRef idx="2">
+              <a:schemeClr val="accent1">
+                <a:shade val="50000"/>
+              </a:schemeClr>
+            </a:lnRef>
+            <a:fillRef idx="1">
+              <a:schemeClr val="accent1"/>
+            </a:fillRef>
+            <a:effectRef idx="0">
+              <a:schemeClr val="accent1"/>
+            </a:effectRef>
+            <a:fontRef idx="minor">
+              <a:schemeClr val="lt1"/>
+            </a:fontRef>
+          </p:style>
           <p:txBody>
-            <a:bodyPr wrap="none">
-              <a:spAutoFit/>
-            </a:bodyPr>
+            <a:bodyPr rtlCol="0" anchor="ctr"/>
             <a:lstStyle/>
             <a:p>
               <a:pPr algn="ctr"/>
               <a:r>
-                <a:rPr lang="en-US" sz="1000" dirty="0"/>
-                <a:t>⌀</a:t>
-              </a:r>
+                <a:rPr lang="en-US" sz="1000" dirty="0">
+                  <a:solidFill>
+                    <a:schemeClr val="tx1"/>
+                  </a:solidFill>
+                </a:rPr>
+                <a:t>△</a:t>
+              </a:r>
+              <a:r>
+                <a:rPr lang="en-US" sz="1000" i="1" dirty="0">
+                  <a:solidFill>
+                    <a:schemeClr val="tx1"/>
+                  </a:solidFill>
+                </a:rPr>
+                <a:t> delta.agb </a:t>
+              </a:r>
+              <a:r>
+                <a:rPr lang="en-US" sz="1000" i="1" baseline="30000" dirty="0">
+                  <a:solidFill>
+                    <a:schemeClr val="tx1"/>
+                  </a:solidFill>
+                </a:rPr>
+                <a:t>1</a:t>
+              </a:r>
+              <a:endParaRPr lang="en-US" sz="1000" dirty="0">
+                <a:solidFill>
+                  <a:schemeClr val="tx1"/>
+                </a:solidFill>
+              </a:endParaRPr>
             </a:p>
           </p:txBody>
         </p:sp>
-        <p:cxnSp>
-          <p:nvCxnSpPr>
-            <p:cNvPr id="437" name="Straight Connector 436">
+      </p:grpSp>
+      <p:grpSp>
+        <p:nvGrpSpPr>
+          <p:cNvPr id="25" name="Group 24">
+            <a:extLst>
+              <a:ext uri="{FF2B5EF4-FFF2-40B4-BE49-F238E27FC236}">
+                <a16:creationId xmlns:a16="http://schemas.microsoft.com/office/drawing/2014/main" id="{FDCA17FF-AF9F-9843-9500-F1F392AF0A2C}"/>
+              </a:ext>
+            </a:extLst>
+          </p:cNvPr>
+          <p:cNvGrpSpPr/>
+          <p:nvPr/>
+        </p:nvGrpSpPr>
+        <p:grpSpPr>
+          <a:xfrm>
+            <a:off x="99630" y="5666922"/>
+            <a:ext cx="1523094" cy="1890161"/>
+            <a:chOff x="94689" y="5167981"/>
+            <a:chExt cx="1523094" cy="1890161"/>
+          </a:xfrm>
+        </p:grpSpPr>
+        <p:grpSp>
+          <p:nvGrpSpPr>
+            <p:cNvPr id="365" name="Group 364">
               <a:extLst>
                 <a:ext uri="{FF2B5EF4-FFF2-40B4-BE49-F238E27FC236}">
-                  <a16:creationId xmlns:a16="http://schemas.microsoft.com/office/drawing/2014/main" id="{BEF6CEA4-D75B-8A43-8335-563EC823F776}"/>
+                  <a16:creationId xmlns:a16="http://schemas.microsoft.com/office/drawing/2014/main" id="{628F92F8-AE4A-AB40-9D52-2CA4832B402A}"/>
                 </a:ext>
               </a:extLst>
             </p:cNvPr>
-            <p:cNvCxnSpPr>
-              <a:cxnSpLocks/>
-            </p:cNvCxnSpPr>
+            <p:cNvGrpSpPr/>
             <p:nvPr/>
-          </p:nvCxnSpPr>
-          <p:spPr>
+          </p:nvGrpSpPr>
+          <p:grpSpPr>
             <a:xfrm>
-              <a:off x="212311" y="1522066"/>
-              <a:ext cx="99951" cy="0"/>
+              <a:off x="165029" y="5244259"/>
+              <a:ext cx="1371600" cy="1223293"/>
+              <a:chOff x="90095" y="47552"/>
+              <a:chExt cx="1371600" cy="1223293"/>
             </a:xfrm>
-            <a:prstGeom prst="line">
-              <a:avLst/>
-            </a:prstGeom>
-          </p:spPr>
-          <p:style>
-            <a:lnRef idx="1">
-              <a:schemeClr val="dk1"/>
-            </a:lnRef>
-            <a:fillRef idx="0">
-              <a:schemeClr val="dk1"/>
-            </a:fillRef>
-            <a:effectRef idx="0">
-              <a:schemeClr val="dk1"/>
-            </a:effectRef>
-            <a:fontRef idx="minor">
-              <a:schemeClr val="tx1"/>
-            </a:fontRef>
-          </p:style>
-        </p:cxnSp>
+          </p:grpSpPr>
+          <p:sp>
+            <p:nvSpPr>
+              <p:cNvPr id="366" name="Rectangle 365">
+                <a:extLst>
+                  <a:ext uri="{FF2B5EF4-FFF2-40B4-BE49-F238E27FC236}">
+                    <a16:creationId xmlns:a16="http://schemas.microsoft.com/office/drawing/2014/main" id="{ACE3AEDC-FD8C-364D-8F80-2EB930F84A79}"/>
+                  </a:ext>
+                </a:extLst>
+              </p:cNvPr>
+              <p:cNvSpPr/>
+              <p:nvPr/>
+            </p:nvSpPr>
+            <p:spPr>
+              <a:xfrm>
+                <a:off x="90095" y="780186"/>
+                <a:ext cx="1371600" cy="246221"/>
+              </a:xfrm>
+              <a:prstGeom prst="rect">
+                <a:avLst/>
+              </a:prstGeom>
+              <a:solidFill>
+                <a:schemeClr val="bg1"/>
+              </a:solidFill>
+              <a:ln>
+                <a:solidFill>
+                  <a:schemeClr val="tx1"/>
+                </a:solidFill>
+              </a:ln>
+            </p:spPr>
+            <p:style>
+              <a:lnRef idx="2">
+                <a:schemeClr val="accent1">
+                  <a:shade val="50000"/>
+                </a:schemeClr>
+              </a:lnRef>
+              <a:fillRef idx="1">
+                <a:schemeClr val="accent1"/>
+              </a:fillRef>
+              <a:effectRef idx="0">
+                <a:schemeClr val="accent1"/>
+              </a:effectRef>
+              <a:fontRef idx="minor">
+                <a:schemeClr val="lt1"/>
+              </a:fontRef>
+            </p:style>
+            <p:txBody>
+              <a:bodyPr rtlCol="0" anchor="ctr"/>
+              <a:lstStyle/>
+              <a:p>
+                <a:pPr algn="ctr"/>
+                <a:r>
+                  <a:rPr lang="en-US" sz="1000" dirty="0">
+                    <a:solidFill>
+                      <a:schemeClr val="tx1"/>
+                    </a:solidFill>
+                  </a:rPr>
+                  <a:t>▲ </a:t>
+                </a:r>
+                <a:r>
+                  <a:rPr lang="en-US" sz="1000" i="1" dirty="0">
+                    <a:solidFill>
+                      <a:schemeClr val="tx1"/>
+                    </a:solidFill>
+                  </a:rPr>
+                  <a:t>influx variable(s)</a:t>
+                </a:r>
+                <a:endParaRPr lang="en-US" sz="1000" dirty="0">
+                  <a:solidFill>
+                    <a:schemeClr val="tx1"/>
+                  </a:solidFill>
+                </a:endParaRPr>
+              </a:p>
+            </p:txBody>
+          </p:sp>
+          <p:sp>
+            <p:nvSpPr>
+              <p:cNvPr id="367" name="Rectangle 366">
+                <a:extLst>
+                  <a:ext uri="{FF2B5EF4-FFF2-40B4-BE49-F238E27FC236}">
+                    <a16:creationId xmlns:a16="http://schemas.microsoft.com/office/drawing/2014/main" id="{32CE26EB-716E-8541-A777-20C6EE649545}"/>
+                  </a:ext>
+                </a:extLst>
+              </p:cNvPr>
+              <p:cNvSpPr/>
+              <p:nvPr/>
+            </p:nvSpPr>
+            <p:spPr>
+              <a:xfrm>
+                <a:off x="90095" y="1024624"/>
+                <a:ext cx="1371600" cy="246221"/>
+              </a:xfrm>
+              <a:prstGeom prst="rect">
+                <a:avLst/>
+              </a:prstGeom>
+              <a:solidFill>
+                <a:schemeClr val="bg1"/>
+              </a:solidFill>
+              <a:ln>
+                <a:solidFill>
+                  <a:schemeClr val="tx1"/>
+                </a:solidFill>
+              </a:ln>
+            </p:spPr>
+            <p:style>
+              <a:lnRef idx="2">
+                <a:schemeClr val="accent1">
+                  <a:shade val="50000"/>
+                </a:schemeClr>
+              </a:lnRef>
+              <a:fillRef idx="1">
+                <a:schemeClr val="accent1"/>
+              </a:fillRef>
+              <a:effectRef idx="0">
+                <a:schemeClr val="accent1"/>
+              </a:effectRef>
+              <a:fontRef idx="minor">
+                <a:schemeClr val="lt1"/>
+              </a:fontRef>
+            </p:style>
+            <p:txBody>
+              <a:bodyPr rtlCol="0" anchor="ctr"/>
+              <a:lstStyle/>
+              <a:p>
+                <a:pPr algn="ctr"/>
+                <a:r>
+                  <a:rPr lang="en-US" sz="1000" i="1" dirty="0">
+                    <a:solidFill>
+                      <a:schemeClr val="tx1"/>
+                    </a:solidFill>
+                  </a:rPr>
+                  <a:t>▼ outflux variable(s)</a:t>
+                </a:r>
+                <a:endParaRPr lang="en-US" sz="1000" dirty="0">
+                  <a:solidFill>
+                    <a:schemeClr val="tx1"/>
+                  </a:solidFill>
+                </a:endParaRPr>
+              </a:p>
+            </p:txBody>
+          </p:sp>
+          <p:sp>
+            <p:nvSpPr>
+              <p:cNvPr id="368" name="Rectangle 367">
+                <a:extLst>
+                  <a:ext uri="{FF2B5EF4-FFF2-40B4-BE49-F238E27FC236}">
+                    <a16:creationId xmlns:a16="http://schemas.microsoft.com/office/drawing/2014/main" id="{C5D94E38-37FE-D143-8939-0F2C5A98E531}"/>
+                  </a:ext>
+                </a:extLst>
+              </p:cNvPr>
+              <p:cNvSpPr/>
+              <p:nvPr/>
+            </p:nvSpPr>
+            <p:spPr>
+              <a:xfrm>
+                <a:off x="90095" y="536478"/>
+                <a:ext cx="1371600" cy="246221"/>
+              </a:xfrm>
+              <a:prstGeom prst="rect">
+                <a:avLst/>
+              </a:prstGeom>
+              <a:solidFill>
+                <a:schemeClr val="bg1"/>
+              </a:solidFill>
+              <a:ln>
+                <a:solidFill>
+                  <a:schemeClr val="tx1"/>
+                </a:solidFill>
+              </a:ln>
+            </p:spPr>
+            <p:style>
+              <a:lnRef idx="2">
+                <a:schemeClr val="accent1">
+                  <a:shade val="50000"/>
+                </a:schemeClr>
+              </a:lnRef>
+              <a:fillRef idx="1">
+                <a:schemeClr val="accent1"/>
+              </a:fillRef>
+              <a:effectRef idx="0">
+                <a:schemeClr val="accent1"/>
+              </a:effectRef>
+              <a:fontRef idx="minor">
+                <a:schemeClr val="lt1"/>
+              </a:fontRef>
+            </p:style>
+            <p:txBody>
+              <a:bodyPr lIns="45720" rIns="45720" rtlCol="0" anchor="ctr"/>
+              <a:lstStyle/>
+              <a:p>
+                <a:pPr algn="ctr"/>
+                <a:r>
+                  <a:rPr lang="en-US" sz="1000" dirty="0">
+                    <a:solidFill>
+                      <a:schemeClr val="tx1"/>
+                    </a:solidFill>
+                  </a:rPr>
+                  <a:t>△</a:t>
+                </a:r>
+                <a:r>
+                  <a:rPr lang="en-US" sz="1000" i="1" dirty="0">
+                    <a:solidFill>
+                      <a:schemeClr val="tx1"/>
+                    </a:solidFill>
+                  </a:rPr>
+                  <a:t> increment variable(s)</a:t>
+                </a:r>
+                <a:endParaRPr lang="en-US" sz="1000" dirty="0">
+                  <a:solidFill>
+                    <a:schemeClr val="tx1"/>
+                  </a:solidFill>
+                </a:endParaRPr>
+              </a:p>
+            </p:txBody>
+          </p:sp>
+          <p:sp>
+            <p:nvSpPr>
+              <p:cNvPr id="369" name="Rectangle 368">
+                <a:extLst>
+                  <a:ext uri="{FF2B5EF4-FFF2-40B4-BE49-F238E27FC236}">
+                    <a16:creationId xmlns:a16="http://schemas.microsoft.com/office/drawing/2014/main" id="{469C5A41-E152-0D4E-AB7C-337AA1FB0339}"/>
+                  </a:ext>
+                </a:extLst>
+              </p:cNvPr>
+              <p:cNvSpPr/>
+              <p:nvPr/>
+            </p:nvSpPr>
+            <p:spPr>
+              <a:xfrm>
+                <a:off x="90095" y="291480"/>
+                <a:ext cx="1371600" cy="246221"/>
+              </a:xfrm>
+              <a:prstGeom prst="rect">
+                <a:avLst/>
+              </a:prstGeom>
+              <a:solidFill>
+                <a:schemeClr val="bg1"/>
+              </a:solidFill>
+              <a:ln>
+                <a:solidFill>
+                  <a:schemeClr val="tx1"/>
+                </a:solidFill>
+              </a:ln>
+            </p:spPr>
+            <p:style>
+              <a:lnRef idx="2">
+                <a:schemeClr val="accent1">
+                  <a:shade val="50000"/>
+                </a:schemeClr>
+              </a:lnRef>
+              <a:fillRef idx="1">
+                <a:schemeClr val="accent1"/>
+              </a:fillRef>
+              <a:effectRef idx="0">
+                <a:schemeClr val="accent1"/>
+              </a:effectRef>
+              <a:fontRef idx="minor">
+                <a:schemeClr val="lt1"/>
+              </a:fontRef>
+            </p:style>
+            <p:txBody>
+              <a:bodyPr rtlCol="0" anchor="ctr"/>
+              <a:lstStyle/>
+              <a:p>
+                <a:pPr algn="ctr"/>
+                <a:r>
+                  <a:rPr lang="en-US" sz="1000" i="1" dirty="0">
+                    <a:solidFill>
+                      <a:schemeClr val="tx1"/>
+                    </a:solidFill>
+                  </a:rPr>
+                  <a:t>ForC variable(s)</a:t>
+                </a:r>
+              </a:p>
+            </p:txBody>
+          </p:sp>
+          <p:sp>
+            <p:nvSpPr>
+              <p:cNvPr id="370" name="Rectangle 369">
+                <a:extLst>
+                  <a:ext uri="{FF2B5EF4-FFF2-40B4-BE49-F238E27FC236}">
+                    <a16:creationId xmlns:a16="http://schemas.microsoft.com/office/drawing/2014/main" id="{5A5686EA-DDB3-704E-9263-0C701A517B16}"/>
+                  </a:ext>
+                </a:extLst>
+              </p:cNvPr>
+              <p:cNvSpPr/>
+              <p:nvPr/>
+            </p:nvSpPr>
+            <p:spPr>
+              <a:xfrm>
+                <a:off x="90095" y="47552"/>
+                <a:ext cx="1371600" cy="246221"/>
+              </a:xfrm>
+              <a:prstGeom prst="rect">
+                <a:avLst/>
+              </a:prstGeom>
+              <a:solidFill>
+                <a:schemeClr val="bg2"/>
+              </a:solidFill>
+              <a:ln>
+                <a:solidFill>
+                  <a:schemeClr val="tx1"/>
+                </a:solidFill>
+              </a:ln>
+            </p:spPr>
+            <p:style>
+              <a:lnRef idx="2">
+                <a:schemeClr val="accent1">
+                  <a:shade val="50000"/>
+                </a:schemeClr>
+              </a:lnRef>
+              <a:fillRef idx="1">
+                <a:schemeClr val="accent1"/>
+              </a:fillRef>
+              <a:effectRef idx="0">
+                <a:schemeClr val="accent1"/>
+              </a:effectRef>
+              <a:fontRef idx="minor">
+                <a:schemeClr val="lt1"/>
+              </a:fontRef>
+            </p:style>
+            <p:txBody>
+              <a:bodyPr rtlCol="0" anchor="ctr"/>
+              <a:lstStyle/>
+              <a:p>
+                <a:pPr algn="ctr"/>
+                <a:r>
+                  <a:rPr lang="en-US" sz="1000" dirty="0">
+                    <a:solidFill>
+                      <a:schemeClr val="tx1"/>
+                    </a:solidFill>
+                  </a:rPr>
+                  <a:t>Carbon Pool</a:t>
+                </a:r>
+              </a:p>
+            </p:txBody>
+          </p:sp>
+        </p:grpSp>
+        <p:grpSp>
+          <p:nvGrpSpPr>
+            <p:cNvPr id="2" name="Group 1">
+              <a:extLst>
+                <a:ext uri="{FF2B5EF4-FFF2-40B4-BE49-F238E27FC236}">
+                  <a16:creationId xmlns:a16="http://schemas.microsoft.com/office/drawing/2014/main" id="{FC281B05-D2D5-194E-9638-616F2DD6C0CD}"/>
+                </a:ext>
+              </a:extLst>
+            </p:cNvPr>
+            <p:cNvGrpSpPr/>
+            <p:nvPr/>
+          </p:nvGrpSpPr>
+          <p:grpSpPr>
+            <a:xfrm>
+              <a:off x="204580" y="6504144"/>
+              <a:ext cx="1212221" cy="553998"/>
+              <a:chOff x="152739" y="1395185"/>
+              <a:chExt cx="1212221" cy="553998"/>
+            </a:xfrm>
+          </p:grpSpPr>
+          <p:sp>
+            <p:nvSpPr>
+              <p:cNvPr id="436" name="Rectangle 435">
+                <a:extLst>
+                  <a:ext uri="{FF2B5EF4-FFF2-40B4-BE49-F238E27FC236}">
+                    <a16:creationId xmlns:a16="http://schemas.microsoft.com/office/drawing/2014/main" id="{B1E79ED9-6827-DB42-BD13-23D1E925A8D6}"/>
+                  </a:ext>
+                </a:extLst>
+              </p:cNvPr>
+              <p:cNvSpPr/>
+              <p:nvPr/>
+            </p:nvSpPr>
+            <p:spPr>
+              <a:xfrm>
+                <a:off x="152739" y="1698005"/>
+                <a:ext cx="253595" cy="246221"/>
+              </a:xfrm>
+              <a:prstGeom prst="rect">
+                <a:avLst/>
+              </a:prstGeom>
+            </p:spPr>
+            <p:txBody>
+              <a:bodyPr wrap="none">
+                <a:spAutoFit/>
+              </a:bodyPr>
+              <a:lstStyle/>
+              <a:p>
+                <a:pPr algn="ctr"/>
+                <a:r>
+                  <a:rPr lang="en-US" sz="1000" dirty="0"/>
+                  <a:t>⌀</a:t>
+                </a:r>
+              </a:p>
+            </p:txBody>
+          </p:sp>
+          <p:cxnSp>
+            <p:nvCxnSpPr>
+              <p:cNvPr id="437" name="Straight Connector 436">
+                <a:extLst>
+                  <a:ext uri="{FF2B5EF4-FFF2-40B4-BE49-F238E27FC236}">
+                    <a16:creationId xmlns:a16="http://schemas.microsoft.com/office/drawing/2014/main" id="{BEF6CEA4-D75B-8A43-8335-563EC823F776}"/>
+                  </a:ext>
+                </a:extLst>
+              </p:cNvPr>
+              <p:cNvCxnSpPr>
+                <a:cxnSpLocks/>
+              </p:cNvCxnSpPr>
+              <p:nvPr/>
+            </p:nvCxnSpPr>
+            <p:spPr>
+              <a:xfrm>
+                <a:off x="212311" y="1522066"/>
+                <a:ext cx="99951" cy="0"/>
+              </a:xfrm>
+              <a:prstGeom prst="line">
+                <a:avLst/>
+              </a:prstGeom>
+            </p:spPr>
+            <p:style>
+              <a:lnRef idx="1">
+                <a:schemeClr val="dk1"/>
+              </a:lnRef>
+              <a:fillRef idx="0">
+                <a:schemeClr val="dk1"/>
+              </a:fillRef>
+              <a:effectRef idx="0">
+                <a:schemeClr val="dk1"/>
+              </a:effectRef>
+              <a:fontRef idx="minor">
+                <a:schemeClr val="tx1"/>
+              </a:fontRef>
+            </p:style>
+          </p:cxnSp>
+          <p:sp>
+            <p:nvSpPr>
+              <p:cNvPr id="440" name="Rectangle 439">
+                <a:extLst>
+                  <a:ext uri="{FF2B5EF4-FFF2-40B4-BE49-F238E27FC236}">
+                    <a16:creationId xmlns:a16="http://schemas.microsoft.com/office/drawing/2014/main" id="{3207B2B2-74FF-174B-909A-B31888380F23}"/>
+                  </a:ext>
+                </a:extLst>
+              </p:cNvPr>
+              <p:cNvSpPr/>
+              <p:nvPr/>
+            </p:nvSpPr>
+            <p:spPr>
+              <a:xfrm>
+                <a:off x="317878" y="1395185"/>
+                <a:ext cx="1047082" cy="553998"/>
+              </a:xfrm>
+              <a:prstGeom prst="rect">
+                <a:avLst/>
+              </a:prstGeom>
+            </p:spPr>
+            <p:txBody>
+              <a:bodyPr wrap="none">
+                <a:spAutoFit/>
+              </a:bodyPr>
+              <a:lstStyle/>
+              <a:p>
+                <a:r>
+                  <a:rPr lang="en-US" sz="1000" dirty="0"/>
+                  <a:t>component</a:t>
+                </a:r>
+              </a:p>
+              <a:p>
+                <a:r>
+                  <a:rPr lang="en-US" sz="1000" dirty="0"/>
+                  <a:t>C flow</a:t>
+                </a:r>
+              </a:p>
+              <a:p>
+                <a:r>
+                  <a:rPr lang="en-US" sz="1000" dirty="0"/>
+                  <a:t>no ForC variable</a:t>
+                </a:r>
+              </a:p>
+            </p:txBody>
+          </p:sp>
+          <p:cxnSp>
+            <p:nvCxnSpPr>
+              <p:cNvPr id="442" name="Straight Arrow Connector 441">
+                <a:extLst>
+                  <a:ext uri="{FF2B5EF4-FFF2-40B4-BE49-F238E27FC236}">
+                    <a16:creationId xmlns:a16="http://schemas.microsoft.com/office/drawing/2014/main" id="{491650C2-C3C0-AA43-9529-4675E08245EF}"/>
+                  </a:ext>
+                </a:extLst>
+              </p:cNvPr>
+              <p:cNvCxnSpPr/>
+              <p:nvPr/>
+            </p:nvCxnSpPr>
+            <p:spPr>
+              <a:xfrm>
+                <a:off x="212834" y="1677903"/>
+                <a:ext cx="133407" cy="0"/>
+              </a:xfrm>
+              <a:prstGeom prst="straightConnector1">
+                <a:avLst/>
+              </a:prstGeom>
+              <a:ln w="12700">
+                <a:solidFill>
+                  <a:schemeClr val="tx1">
+                    <a:lumMod val="50000"/>
+                    <a:lumOff val="50000"/>
+                  </a:schemeClr>
+                </a:solidFill>
+                <a:prstDash val="sysDash"/>
+                <a:tailEnd type="triangle"/>
+              </a:ln>
+            </p:spPr>
+            <p:style>
+              <a:lnRef idx="1">
+                <a:schemeClr val="accent1"/>
+              </a:lnRef>
+              <a:fillRef idx="0">
+                <a:schemeClr val="accent1"/>
+              </a:fillRef>
+              <a:effectRef idx="0">
+                <a:schemeClr val="accent1"/>
+              </a:effectRef>
+              <a:fontRef idx="minor">
+                <a:schemeClr val="tx1"/>
+              </a:fontRef>
+            </p:style>
+          </p:cxnSp>
+        </p:grpSp>
         <p:sp>
           <p:nvSpPr>
-            <p:cNvPr id="440" name="Rectangle 439">
+            <p:cNvPr id="10" name="Rectangle 9">
               <a:extLst>
                 <a:ext uri="{FF2B5EF4-FFF2-40B4-BE49-F238E27FC236}">
-                  <a16:creationId xmlns:a16="http://schemas.microsoft.com/office/drawing/2014/main" id="{3207B2B2-74FF-174B-909A-B31888380F23}"/>
+                  <a16:creationId xmlns:a16="http://schemas.microsoft.com/office/drawing/2014/main" id="{49ECE82C-54AA-9044-A620-02AC82ED1CF9}"/>
                 </a:ext>
               </a:extLst>
             </p:cNvPr>
@@ -9423,137 +8773,850 @@
           </p:nvSpPr>
           <p:spPr>
             <a:xfrm>
-              <a:off x="317878" y="1395185"/>
-              <a:ext cx="1047082" cy="553998"/>
+              <a:off x="94689" y="5167981"/>
+              <a:ext cx="1523094" cy="1867369"/>
             </a:xfrm>
             <a:prstGeom prst="rect">
               <a:avLst/>
             </a:prstGeom>
+            <a:noFill/>
+            <a:ln w="28575">
+              <a:solidFill>
+                <a:schemeClr val="tx1"/>
+              </a:solidFill>
+            </a:ln>
           </p:spPr>
+          <p:style>
+            <a:lnRef idx="2">
+              <a:schemeClr val="accent1">
+                <a:shade val="50000"/>
+              </a:schemeClr>
+            </a:lnRef>
+            <a:fillRef idx="1">
+              <a:schemeClr val="accent1"/>
+            </a:fillRef>
+            <a:effectRef idx="0">
+              <a:schemeClr val="accent1"/>
+            </a:effectRef>
+            <a:fontRef idx="minor">
+              <a:schemeClr val="lt1"/>
+            </a:fontRef>
+          </p:style>
           <p:txBody>
-            <a:bodyPr wrap="none">
-              <a:spAutoFit/>
-            </a:bodyPr>
+            <a:bodyPr rtlCol="0" anchor="ctr"/>
             <a:lstStyle/>
             <a:p>
-              <a:r>
-                <a:rPr lang="en-US" sz="1000" dirty="0"/>
-                <a:t>component</a:t>
-              </a:r>
-            </a:p>
-            <a:p>
-              <a:r>
-                <a:rPr lang="en-US" sz="1000" dirty="0"/>
-                <a:t>C flow</a:t>
-              </a:r>
-            </a:p>
-            <a:p>
-              <a:r>
-                <a:rPr lang="en-US" sz="1000" dirty="0"/>
-                <a:t>no ForC variable</a:t>
-              </a:r>
+              <a:pPr algn="ctr"/>
+              <a:endParaRPr lang="en-US"/>
             </a:p>
           </p:txBody>
         </p:sp>
-        <p:cxnSp>
-          <p:nvCxnSpPr>
-            <p:cNvPr id="442" name="Straight Arrow Connector 441">
+      </p:grpSp>
+      <p:cxnSp>
+        <p:nvCxnSpPr>
+          <p:cNvPr id="107" name="Curved Connector 106">
+            <a:extLst>
+              <a:ext uri="{FF2B5EF4-FFF2-40B4-BE49-F238E27FC236}">
+                <a16:creationId xmlns:a16="http://schemas.microsoft.com/office/drawing/2014/main" id="{CEF30292-8A10-7740-A0D0-7A3010AE4360}"/>
+              </a:ext>
+            </a:extLst>
+          </p:cNvPr>
+          <p:cNvCxnSpPr>
+            <a:cxnSpLocks/>
+            <a:stCxn id="341" idx="3"/>
+            <a:endCxn id="272" idx="3"/>
+          </p:cNvCxnSpPr>
+          <p:nvPr/>
+        </p:nvCxnSpPr>
+        <p:spPr>
+          <a:xfrm>
+            <a:off x="3938750" y="2520358"/>
+            <a:ext cx="12700" cy="1511119"/>
+          </a:xfrm>
+          <a:prstGeom prst="curvedConnector3">
+            <a:avLst>
+              <a:gd name="adj1" fmla="val 1800000"/>
+            </a:avLst>
+          </a:prstGeom>
+          <a:ln w="12700">
+            <a:solidFill>
+              <a:srgbClr val="8CA9B4"/>
+            </a:solidFill>
+            <a:prstDash val="sysDash"/>
+            <a:tailEnd type="triangle"/>
+          </a:ln>
+        </p:spPr>
+        <p:style>
+          <a:lnRef idx="1">
+            <a:schemeClr val="dk1"/>
+          </a:lnRef>
+          <a:fillRef idx="0">
+            <a:schemeClr val="dk1"/>
+          </a:fillRef>
+          <a:effectRef idx="0">
+            <a:schemeClr val="dk1"/>
+          </a:effectRef>
+          <a:fontRef idx="minor">
+            <a:schemeClr val="tx1"/>
+          </a:fontRef>
+        </p:style>
+      </p:cxnSp>
+      <p:cxnSp>
+        <p:nvCxnSpPr>
+          <p:cNvPr id="116" name="Curved Connector 115">
+            <a:extLst>
+              <a:ext uri="{FF2B5EF4-FFF2-40B4-BE49-F238E27FC236}">
+                <a16:creationId xmlns:a16="http://schemas.microsoft.com/office/drawing/2014/main" id="{AE38AC50-8619-5341-B7BE-CB8FDFA99427}"/>
+              </a:ext>
+            </a:extLst>
+          </p:cNvPr>
+          <p:cNvCxnSpPr>
+            <a:cxnSpLocks/>
+            <a:stCxn id="341" idx="3"/>
+            <a:endCxn id="335" idx="3"/>
+          </p:cNvCxnSpPr>
+          <p:nvPr/>
+        </p:nvCxnSpPr>
+        <p:spPr>
+          <a:xfrm>
+            <a:off x="3938750" y="2520358"/>
+            <a:ext cx="12700" cy="2851993"/>
+          </a:xfrm>
+          <a:prstGeom prst="curvedConnector3">
+            <a:avLst>
+              <a:gd name="adj1" fmla="val 3055811"/>
+            </a:avLst>
+          </a:prstGeom>
+          <a:ln w="12700">
+            <a:solidFill>
+              <a:srgbClr val="8CA9B4"/>
+            </a:solidFill>
+            <a:prstDash val="sysDash"/>
+            <a:tailEnd type="triangle"/>
+          </a:ln>
+        </p:spPr>
+        <p:style>
+          <a:lnRef idx="1">
+            <a:schemeClr val="dk1"/>
+          </a:lnRef>
+          <a:fillRef idx="0">
+            <a:schemeClr val="dk1"/>
+          </a:fillRef>
+          <a:effectRef idx="0">
+            <a:schemeClr val="dk1"/>
+          </a:effectRef>
+          <a:fontRef idx="minor">
+            <a:schemeClr val="tx1"/>
+          </a:fontRef>
+        </p:style>
+      </p:cxnSp>
+      <p:grpSp>
+        <p:nvGrpSpPr>
+          <p:cNvPr id="22" name="Group 21">
+            <a:extLst>
+              <a:ext uri="{FF2B5EF4-FFF2-40B4-BE49-F238E27FC236}">
+                <a16:creationId xmlns:a16="http://schemas.microsoft.com/office/drawing/2014/main" id="{682BB7AC-9787-994B-9ADD-9C5FB4A8DBE0}"/>
+              </a:ext>
+            </a:extLst>
+          </p:cNvPr>
+          <p:cNvGrpSpPr/>
+          <p:nvPr/>
+        </p:nvGrpSpPr>
+        <p:grpSpPr>
+          <a:xfrm>
+            <a:off x="5047083" y="2420149"/>
+            <a:ext cx="1737360" cy="1231233"/>
+            <a:chOff x="5206068" y="2441415"/>
+            <a:chExt cx="1737360" cy="1231233"/>
+          </a:xfrm>
+        </p:grpSpPr>
+        <p:sp>
+          <p:nvSpPr>
+            <p:cNvPr id="231" name="Rectangle 230">
               <a:extLst>
                 <a:ext uri="{FF2B5EF4-FFF2-40B4-BE49-F238E27FC236}">
-                  <a16:creationId xmlns:a16="http://schemas.microsoft.com/office/drawing/2014/main" id="{491650C2-C3C0-AA43-9529-4675E08245EF}"/>
+                  <a16:creationId xmlns:a16="http://schemas.microsoft.com/office/drawing/2014/main" id="{05629D89-9DE6-9742-883C-D6537DA8C9FA}"/>
                 </a:ext>
               </a:extLst>
             </p:cNvPr>
-            <p:cNvCxnSpPr/>
+            <p:cNvSpPr/>
             <p:nvPr/>
-          </p:nvCxnSpPr>
+          </p:nvSpPr>
           <p:spPr>
             <a:xfrm>
-              <a:off x="212834" y="1677903"/>
-              <a:ext cx="133407" cy="0"/>
+              <a:off x="5206068" y="3181321"/>
+              <a:ext cx="1737359" cy="246888"/>
             </a:xfrm>
-            <a:prstGeom prst="straightConnector1">
+            <a:prstGeom prst="rect">
               <a:avLst/>
             </a:prstGeom>
-            <a:ln w="12700">
+            <a:solidFill>
+              <a:schemeClr val="bg1"/>
+            </a:solidFill>
+            <a:ln>
               <a:solidFill>
-                <a:schemeClr val="tx1">
-                  <a:lumMod val="50000"/>
-                  <a:lumOff val="50000"/>
-                </a:schemeClr>
+                <a:schemeClr val="tx1"/>
               </a:solidFill>
-              <a:prstDash val="sysDash"/>
-              <a:tailEnd type="triangle"/>
             </a:ln>
           </p:spPr>
           <p:style>
-            <a:lnRef idx="1">
-              <a:schemeClr val="accent1"/>
+            <a:lnRef idx="2">
+              <a:schemeClr val="accent1">
+                <a:shade val="50000"/>
+              </a:schemeClr>
             </a:lnRef>
-            <a:fillRef idx="0">
+            <a:fillRef idx="1">
               <a:schemeClr val="accent1"/>
             </a:fillRef>
             <a:effectRef idx="0">
               <a:schemeClr val="accent1"/>
             </a:effectRef>
             <a:fontRef idx="minor">
-              <a:schemeClr val="tx1"/>
+              <a:schemeClr val="lt1"/>
             </a:fontRef>
           </p:style>
-        </p:cxnSp>
+          <p:txBody>
+            <a:bodyPr rtlCol="0" anchor="ctr"/>
+            <a:lstStyle/>
+            <a:p>
+              <a:pPr algn="ctr"/>
+              <a:r>
+                <a:rPr lang="en-US" sz="1000" dirty="0">
+                  <a:solidFill>
+                    <a:schemeClr val="tx1"/>
+                  </a:solidFill>
+                </a:rPr>
+                <a:t>▲ </a:t>
+              </a:r>
+              <a:r>
+                <a:rPr lang="en-US" sz="1000" i="1" dirty="0">
+                  <a:solidFill>
+                    <a:schemeClr val="tx1"/>
+                  </a:solidFill>
+                </a:rPr>
+                <a:t>BNPP_root_fine</a:t>
+              </a:r>
+              <a:endParaRPr lang="en-US" sz="1000" dirty="0">
+                <a:solidFill>
+                  <a:schemeClr val="tx1"/>
+                </a:solidFill>
+              </a:endParaRPr>
+            </a:p>
+          </p:txBody>
+        </p:sp>
+        <p:sp>
+          <p:nvSpPr>
+            <p:cNvPr id="232" name="Rectangle 231">
+              <a:extLst>
+                <a:ext uri="{FF2B5EF4-FFF2-40B4-BE49-F238E27FC236}">
+                  <a16:creationId xmlns:a16="http://schemas.microsoft.com/office/drawing/2014/main" id="{523E8C3D-D146-0444-8FD0-93B3F3AAADF5}"/>
+                </a:ext>
+              </a:extLst>
+            </p:cNvPr>
+            <p:cNvSpPr/>
+            <p:nvPr/>
+          </p:nvSpPr>
+          <p:spPr>
+            <a:xfrm>
+              <a:off x="5206068" y="3425760"/>
+              <a:ext cx="1737359" cy="246888"/>
+            </a:xfrm>
+            <a:prstGeom prst="rect">
+              <a:avLst/>
+            </a:prstGeom>
+            <a:solidFill>
+              <a:schemeClr val="bg1"/>
+            </a:solidFill>
+            <a:ln>
+              <a:solidFill>
+                <a:schemeClr val="tx1"/>
+              </a:solidFill>
+            </a:ln>
+          </p:spPr>
+          <p:style>
+            <a:lnRef idx="2">
+              <a:schemeClr val="accent1">
+                <a:shade val="50000"/>
+              </a:schemeClr>
+            </a:lnRef>
+            <a:fillRef idx="1">
+              <a:schemeClr val="accent1"/>
+            </a:fillRef>
+            <a:effectRef idx="0">
+              <a:schemeClr val="accent1"/>
+            </a:effectRef>
+            <a:fontRef idx="minor">
+              <a:schemeClr val="lt1"/>
+            </a:fontRef>
+          </p:style>
+          <p:txBody>
+            <a:bodyPr lIns="0" rIns="0" rtlCol="0" anchor="ctr"/>
+            <a:lstStyle/>
+            <a:p>
+              <a:pPr algn="ctr"/>
+              <a:r>
+                <a:rPr lang="en-US" sz="1000" i="1" dirty="0">
+                  <a:solidFill>
+                    <a:schemeClr val="tx1"/>
+                  </a:solidFill>
+                </a:rPr>
+                <a:t>▼ BNPP_root.turnover_fine</a:t>
+              </a:r>
+              <a:endParaRPr lang="en-US" sz="1000" dirty="0">
+                <a:solidFill>
+                  <a:schemeClr val="tx1"/>
+                </a:solidFill>
+              </a:endParaRPr>
+            </a:p>
+          </p:txBody>
+        </p:sp>
+        <p:sp>
+          <p:nvSpPr>
+            <p:cNvPr id="241" name="Rectangle 240">
+              <a:extLst>
+                <a:ext uri="{FF2B5EF4-FFF2-40B4-BE49-F238E27FC236}">
+                  <a16:creationId xmlns:a16="http://schemas.microsoft.com/office/drawing/2014/main" id="{A5B4B88A-9BAC-A84C-8B22-14C62AB86F89}"/>
+                </a:ext>
+              </a:extLst>
+            </p:cNvPr>
+            <p:cNvSpPr/>
+            <p:nvPr/>
+          </p:nvSpPr>
+          <p:spPr>
+            <a:xfrm>
+              <a:off x="5206068" y="2685343"/>
+              <a:ext cx="1737360" cy="246888"/>
+            </a:xfrm>
+            <a:prstGeom prst="rect">
+              <a:avLst/>
+            </a:prstGeom>
+            <a:solidFill>
+              <a:schemeClr val="bg1"/>
+            </a:solidFill>
+            <a:ln>
+              <a:solidFill>
+                <a:schemeClr val="tx1"/>
+              </a:solidFill>
+            </a:ln>
+          </p:spPr>
+          <p:style>
+            <a:lnRef idx="2">
+              <a:schemeClr val="accent1">
+                <a:shade val="50000"/>
+              </a:schemeClr>
+            </a:lnRef>
+            <a:fillRef idx="1">
+              <a:schemeClr val="accent1"/>
+            </a:fillRef>
+            <a:effectRef idx="0">
+              <a:schemeClr val="accent1"/>
+            </a:effectRef>
+            <a:fontRef idx="minor">
+              <a:schemeClr val="lt1"/>
+            </a:fontRef>
+          </p:style>
+          <p:txBody>
+            <a:bodyPr rtlCol="0" anchor="ctr"/>
+            <a:lstStyle/>
+            <a:p>
+              <a:pPr algn="ctr"/>
+              <a:r>
+                <a:rPr lang="en-US" sz="1000" i="1" dirty="0">
+                  <a:solidFill>
+                    <a:schemeClr val="tx1"/>
+                  </a:solidFill>
+                </a:rPr>
+                <a:t>biomass_root_fine</a:t>
+              </a:r>
+            </a:p>
+          </p:txBody>
+        </p:sp>
+        <p:sp>
+          <p:nvSpPr>
+            <p:cNvPr id="244" name="Rectangle 243">
+              <a:extLst>
+                <a:ext uri="{FF2B5EF4-FFF2-40B4-BE49-F238E27FC236}">
+                  <a16:creationId xmlns:a16="http://schemas.microsoft.com/office/drawing/2014/main" id="{6BF72C95-3049-8841-816A-94C36D006694}"/>
+                </a:ext>
+              </a:extLst>
+            </p:cNvPr>
+            <p:cNvSpPr/>
+            <p:nvPr/>
+          </p:nvSpPr>
+          <p:spPr>
+            <a:xfrm>
+              <a:off x="5206068" y="2441415"/>
+              <a:ext cx="1737360" cy="246888"/>
+            </a:xfrm>
+            <a:prstGeom prst="rect">
+              <a:avLst/>
+            </a:prstGeom>
+            <a:solidFill>
+              <a:srgbClr val="A3C3CF"/>
+            </a:solidFill>
+            <a:ln>
+              <a:solidFill>
+                <a:schemeClr val="tx1"/>
+              </a:solidFill>
+            </a:ln>
+          </p:spPr>
+          <p:style>
+            <a:lnRef idx="2">
+              <a:schemeClr val="accent1">
+                <a:shade val="50000"/>
+              </a:schemeClr>
+            </a:lnRef>
+            <a:fillRef idx="1">
+              <a:schemeClr val="accent1"/>
+            </a:fillRef>
+            <a:effectRef idx="0">
+              <a:schemeClr val="accent1"/>
+            </a:effectRef>
+            <a:fontRef idx="minor">
+              <a:schemeClr val="lt1"/>
+            </a:fontRef>
+          </p:style>
+          <p:txBody>
+            <a:bodyPr rtlCol="0" anchor="ctr"/>
+            <a:lstStyle/>
+            <a:p>
+              <a:pPr algn="ctr"/>
+              <a:r>
+                <a:rPr lang="en-US" sz="1000" dirty="0">
+                  <a:solidFill>
+                    <a:schemeClr val="tx1"/>
+                  </a:solidFill>
+                </a:rPr>
+                <a:t>Fine root biomass</a:t>
+              </a:r>
+            </a:p>
+          </p:txBody>
+        </p:sp>
+        <p:sp>
+          <p:nvSpPr>
+            <p:cNvPr id="123" name="Rectangle 122">
+              <a:extLst>
+                <a:ext uri="{FF2B5EF4-FFF2-40B4-BE49-F238E27FC236}">
+                  <a16:creationId xmlns:a16="http://schemas.microsoft.com/office/drawing/2014/main" id="{F8FDA488-2C77-7641-8EAC-66A3FF079052}"/>
+                </a:ext>
+              </a:extLst>
+            </p:cNvPr>
+            <p:cNvSpPr/>
+            <p:nvPr/>
+          </p:nvSpPr>
+          <p:spPr>
+            <a:xfrm>
+              <a:off x="5206068" y="2936216"/>
+              <a:ext cx="1737360" cy="246888"/>
+            </a:xfrm>
+            <a:prstGeom prst="rect">
+              <a:avLst/>
+            </a:prstGeom>
+            <a:solidFill>
+              <a:schemeClr val="bg1"/>
+            </a:solidFill>
+            <a:ln>
+              <a:solidFill>
+                <a:schemeClr val="tx1"/>
+              </a:solidFill>
+            </a:ln>
+          </p:spPr>
+          <p:style>
+            <a:lnRef idx="2">
+              <a:schemeClr val="accent1">
+                <a:shade val="50000"/>
+              </a:schemeClr>
+            </a:lnRef>
+            <a:fillRef idx="1">
+              <a:schemeClr val="accent1"/>
+            </a:fillRef>
+            <a:effectRef idx="0">
+              <a:schemeClr val="accent1"/>
+            </a:effectRef>
+            <a:fontRef idx="minor">
+              <a:schemeClr val="lt1"/>
+            </a:fontRef>
+          </p:style>
+          <p:txBody>
+            <a:bodyPr rtlCol="0" anchor="ctr"/>
+            <a:lstStyle/>
+            <a:p>
+              <a:pPr algn="ctr"/>
+              <a:r>
+                <a:rPr lang="en-US" sz="1000" dirty="0">
+                  <a:solidFill>
+                    <a:schemeClr val="tx1"/>
+                  </a:solidFill>
+                </a:rPr>
+                <a:t>△  </a:t>
+              </a:r>
+              <a:r>
+                <a:rPr lang="en-US" sz="1000" i="1" dirty="0">
+                  <a:solidFill>
+                    <a:schemeClr val="tx1"/>
+                  </a:solidFill>
+                </a:rPr>
+                <a:t>delta.biomass_root_fine</a:t>
+              </a:r>
+            </a:p>
+          </p:txBody>
+        </p:sp>
       </p:grpSp>
-      <p:sp>
-        <p:nvSpPr>
-          <p:cNvPr id="10" name="Rectangle 9">
+      <p:grpSp>
+        <p:nvGrpSpPr>
+          <p:cNvPr id="21" name="Group 20">
             <a:extLst>
               <a:ext uri="{FF2B5EF4-FFF2-40B4-BE49-F238E27FC236}">
-                <a16:creationId xmlns:a16="http://schemas.microsoft.com/office/drawing/2014/main" id="{49ECE82C-54AA-9044-A620-02AC82ED1CF9}"/>
+                <a16:creationId xmlns:a16="http://schemas.microsoft.com/office/drawing/2014/main" id="{EAA454F2-022D-F84A-A836-29BC426384CE}"/>
               </a:ext>
             </a:extLst>
           </p:cNvPr>
-          <p:cNvSpPr/>
+          <p:cNvGrpSpPr/>
           <p:nvPr/>
-        </p:nvSpPr>
-        <p:spPr>
+        </p:nvGrpSpPr>
+        <p:grpSpPr>
           <a:xfrm>
-            <a:off x="94689" y="5167981"/>
-            <a:ext cx="1523094" cy="1867369"/>
+            <a:off x="5047083" y="3704085"/>
+            <a:ext cx="1737360" cy="1206864"/>
+            <a:chOff x="5195945" y="3767883"/>
+            <a:chExt cx="1737360" cy="1206864"/>
           </a:xfrm>
-          <a:prstGeom prst="rect">
-            <a:avLst/>
-          </a:prstGeom>
-          <a:noFill/>
-          <a:ln w="28575">
+        </p:grpSpPr>
+        <p:sp>
+          <p:nvSpPr>
+            <p:cNvPr id="379" name="Rectangle 378">
+              <a:extLst>
+                <a:ext uri="{FF2B5EF4-FFF2-40B4-BE49-F238E27FC236}">
+                  <a16:creationId xmlns:a16="http://schemas.microsoft.com/office/drawing/2014/main" id="{AF4C5247-F0D4-B24B-BD58-B4E9022B5342}"/>
+                </a:ext>
+              </a:extLst>
+            </p:cNvPr>
+            <p:cNvSpPr/>
+            <p:nvPr/>
+          </p:nvSpPr>
+          <p:spPr>
+            <a:xfrm>
+              <a:off x="5195945" y="4483420"/>
+              <a:ext cx="1737360" cy="246888"/>
+            </a:xfrm>
+            <a:prstGeom prst="rect">
+              <a:avLst/>
+            </a:prstGeom>
             <a:solidFill>
-              <a:schemeClr val="tx1"/>
+              <a:schemeClr val="bg1"/>
             </a:solidFill>
-          </a:ln>
-        </p:spPr>
-        <p:style>
-          <a:lnRef idx="2">
-            <a:schemeClr val="accent1">
-              <a:shade val="50000"/>
-            </a:schemeClr>
-          </a:lnRef>
-          <a:fillRef idx="1">
-            <a:schemeClr val="accent1"/>
-          </a:fillRef>
-          <a:effectRef idx="0">
-            <a:schemeClr val="accent1"/>
-          </a:effectRef>
-          <a:fontRef idx="minor">
-            <a:schemeClr val="lt1"/>
-          </a:fontRef>
-        </p:style>
-        <p:txBody>
-          <a:bodyPr rtlCol="0" anchor="ctr"/>
-          <a:lstStyle/>
-          <a:p>
-            <a:pPr algn="ctr"/>
-            <a:endParaRPr lang="en-US"/>
-          </a:p>
-        </p:txBody>
-      </p:sp>
+            <a:ln>
+              <a:solidFill>
+                <a:schemeClr val="tx1"/>
+              </a:solidFill>
+            </a:ln>
+          </p:spPr>
+          <p:style>
+            <a:lnRef idx="2">
+              <a:schemeClr val="accent1">
+                <a:shade val="50000"/>
+              </a:schemeClr>
+            </a:lnRef>
+            <a:fillRef idx="1">
+              <a:schemeClr val="accent1"/>
+            </a:fillRef>
+            <a:effectRef idx="0">
+              <a:schemeClr val="accent1"/>
+            </a:effectRef>
+            <a:fontRef idx="minor">
+              <a:schemeClr val="lt1"/>
+            </a:fontRef>
+          </p:style>
+          <p:txBody>
+            <a:bodyPr rtlCol="0" anchor="ctr"/>
+            <a:lstStyle/>
+            <a:p>
+              <a:pPr algn="ctr"/>
+              <a:r>
+                <a:rPr lang="en-US" sz="1000" dirty="0">
+                  <a:solidFill>
+                    <a:schemeClr val="tx1"/>
+                  </a:solidFill>
+                </a:rPr>
+                <a:t>▲ </a:t>
+              </a:r>
+              <a:r>
+                <a:rPr lang="en-US" sz="1000" i="1" dirty="0">
+                  <a:solidFill>
+                    <a:schemeClr val="tx1"/>
+                  </a:solidFill>
+                </a:rPr>
+                <a:t>BNPP_root_coarse</a:t>
+              </a:r>
+              <a:endParaRPr lang="en-US" sz="1000" dirty="0">
+                <a:solidFill>
+                  <a:schemeClr val="tx1"/>
+                </a:solidFill>
+              </a:endParaRPr>
+            </a:p>
+          </p:txBody>
+        </p:sp>
+        <p:sp>
+          <p:nvSpPr>
+            <p:cNvPr id="380" name="Rectangle 379">
+              <a:extLst>
+                <a:ext uri="{FF2B5EF4-FFF2-40B4-BE49-F238E27FC236}">
+                  <a16:creationId xmlns:a16="http://schemas.microsoft.com/office/drawing/2014/main" id="{A64DC2C9-5C20-5549-AC7D-36CDF1FCF53C}"/>
+                </a:ext>
+              </a:extLst>
+            </p:cNvPr>
+            <p:cNvSpPr/>
+            <p:nvPr/>
+          </p:nvSpPr>
+          <p:spPr>
+            <a:xfrm>
+              <a:off x="5195945" y="4727859"/>
+              <a:ext cx="1737360" cy="246888"/>
+            </a:xfrm>
+            <a:prstGeom prst="rect">
+              <a:avLst/>
+            </a:prstGeom>
+            <a:solidFill>
+              <a:schemeClr val="bg1"/>
+            </a:solidFill>
+            <a:ln>
+              <a:solidFill>
+                <a:schemeClr val="tx1"/>
+              </a:solidFill>
+            </a:ln>
+          </p:spPr>
+          <p:style>
+            <a:lnRef idx="2">
+              <a:schemeClr val="accent1">
+                <a:shade val="50000"/>
+              </a:schemeClr>
+            </a:lnRef>
+            <a:fillRef idx="1">
+              <a:schemeClr val="accent1"/>
+            </a:fillRef>
+            <a:effectRef idx="0">
+              <a:schemeClr val="accent1"/>
+            </a:effectRef>
+            <a:fontRef idx="minor">
+              <a:schemeClr val="lt1"/>
+            </a:fontRef>
+          </p:style>
+          <p:txBody>
+            <a:bodyPr lIns="0" rIns="0" rtlCol="0" anchor="ctr"/>
+            <a:lstStyle/>
+            <a:p>
+              <a:pPr algn="ctr"/>
+              <a:r>
+                <a:rPr lang="en-US" sz="1000" i="1" dirty="0">
+                  <a:solidFill>
+                    <a:schemeClr val="tx1"/>
+                  </a:solidFill>
+                </a:rPr>
+                <a:t>▼</a:t>
+              </a:r>
+              <a:r>
+                <a:rPr lang="en-US" sz="1000" dirty="0">
+                  <a:solidFill>
+                    <a:schemeClr val="tx1"/>
+                  </a:solidFill>
+                </a:rPr>
+                <a:t>⌀</a:t>
+              </a:r>
+            </a:p>
+          </p:txBody>
+        </p:sp>
+        <p:sp>
+          <p:nvSpPr>
+            <p:cNvPr id="381" name="Rectangle 380">
+              <a:extLst>
+                <a:ext uri="{FF2B5EF4-FFF2-40B4-BE49-F238E27FC236}">
+                  <a16:creationId xmlns:a16="http://schemas.microsoft.com/office/drawing/2014/main" id="{9466AF03-5C03-2D40-8BAF-7C302F38716F}"/>
+                </a:ext>
+              </a:extLst>
+            </p:cNvPr>
+            <p:cNvSpPr/>
+            <p:nvPr/>
+          </p:nvSpPr>
+          <p:spPr>
+            <a:xfrm>
+              <a:off x="5195945" y="4011811"/>
+              <a:ext cx="1737360" cy="246888"/>
+            </a:xfrm>
+            <a:prstGeom prst="rect">
+              <a:avLst/>
+            </a:prstGeom>
+            <a:solidFill>
+              <a:schemeClr val="bg1"/>
+            </a:solidFill>
+            <a:ln>
+              <a:solidFill>
+                <a:schemeClr val="tx1"/>
+              </a:solidFill>
+            </a:ln>
+          </p:spPr>
+          <p:style>
+            <a:lnRef idx="2">
+              <a:schemeClr val="accent1">
+                <a:shade val="50000"/>
+              </a:schemeClr>
+            </a:lnRef>
+            <a:fillRef idx="1">
+              <a:schemeClr val="accent1"/>
+            </a:fillRef>
+            <a:effectRef idx="0">
+              <a:schemeClr val="accent1"/>
+            </a:effectRef>
+            <a:fontRef idx="minor">
+              <a:schemeClr val="lt1"/>
+            </a:fontRef>
+          </p:style>
+          <p:txBody>
+            <a:bodyPr lIns="45720" rIns="45720" rtlCol="0" anchor="ctr"/>
+            <a:lstStyle/>
+            <a:p>
+              <a:pPr algn="ctr"/>
+              <a:r>
+                <a:rPr lang="en-US" sz="1000" i="1" dirty="0">
+                  <a:solidFill>
+                    <a:schemeClr val="tx1"/>
+                  </a:solidFill>
+                </a:rPr>
+                <a:t>biomass_root_coarse</a:t>
+              </a:r>
+            </a:p>
+          </p:txBody>
+        </p:sp>
+        <p:sp>
+          <p:nvSpPr>
+            <p:cNvPr id="382" name="Rectangle 381">
+              <a:extLst>
+                <a:ext uri="{FF2B5EF4-FFF2-40B4-BE49-F238E27FC236}">
+                  <a16:creationId xmlns:a16="http://schemas.microsoft.com/office/drawing/2014/main" id="{49B97989-7F77-0643-97B8-2B192D8CDDD5}"/>
+                </a:ext>
+              </a:extLst>
+            </p:cNvPr>
+            <p:cNvSpPr/>
+            <p:nvPr/>
+          </p:nvSpPr>
+          <p:spPr>
+            <a:xfrm>
+              <a:off x="5195945" y="3767883"/>
+              <a:ext cx="1737360" cy="246888"/>
+            </a:xfrm>
+            <a:prstGeom prst="rect">
+              <a:avLst/>
+            </a:prstGeom>
+            <a:solidFill>
+              <a:srgbClr val="A3C3CF"/>
+            </a:solidFill>
+            <a:ln>
+              <a:solidFill>
+                <a:schemeClr val="tx1"/>
+              </a:solidFill>
+            </a:ln>
+          </p:spPr>
+          <p:style>
+            <a:lnRef idx="2">
+              <a:schemeClr val="accent1">
+                <a:shade val="50000"/>
+              </a:schemeClr>
+            </a:lnRef>
+            <a:fillRef idx="1">
+              <a:schemeClr val="accent1"/>
+            </a:fillRef>
+            <a:effectRef idx="0">
+              <a:schemeClr val="accent1"/>
+            </a:effectRef>
+            <a:fontRef idx="minor">
+              <a:schemeClr val="lt1"/>
+            </a:fontRef>
+          </p:style>
+          <p:txBody>
+            <a:bodyPr rtlCol="0" anchor="ctr"/>
+            <a:lstStyle/>
+            <a:p>
+              <a:pPr algn="ctr"/>
+              <a:r>
+                <a:rPr lang="en-US" sz="1000" dirty="0">
+                  <a:solidFill>
+                    <a:schemeClr val="tx1"/>
+                  </a:solidFill>
+                </a:rPr>
+                <a:t>Coarse root biomass</a:t>
+              </a:r>
+            </a:p>
+          </p:txBody>
+        </p:sp>
+        <p:sp>
+          <p:nvSpPr>
+            <p:cNvPr id="125" name="Rectangle 124">
+              <a:extLst>
+                <a:ext uri="{FF2B5EF4-FFF2-40B4-BE49-F238E27FC236}">
+                  <a16:creationId xmlns:a16="http://schemas.microsoft.com/office/drawing/2014/main" id="{3CF664E7-1C98-8645-B9DC-E2D1CCE298D9}"/>
+                </a:ext>
+              </a:extLst>
+            </p:cNvPr>
+            <p:cNvSpPr/>
+            <p:nvPr/>
+          </p:nvSpPr>
+          <p:spPr>
+            <a:xfrm>
+              <a:off x="5195945" y="4240797"/>
+              <a:ext cx="1737360" cy="246888"/>
+            </a:xfrm>
+            <a:prstGeom prst="rect">
+              <a:avLst/>
+            </a:prstGeom>
+            <a:solidFill>
+              <a:schemeClr val="bg1"/>
+            </a:solidFill>
+            <a:ln>
+              <a:solidFill>
+                <a:schemeClr val="tx1"/>
+              </a:solidFill>
+            </a:ln>
+          </p:spPr>
+          <p:style>
+            <a:lnRef idx="2">
+              <a:schemeClr val="accent1">
+                <a:shade val="50000"/>
+              </a:schemeClr>
+            </a:lnRef>
+            <a:fillRef idx="1">
+              <a:schemeClr val="accent1"/>
+            </a:fillRef>
+            <a:effectRef idx="0">
+              <a:schemeClr val="accent1"/>
+            </a:effectRef>
+            <a:fontRef idx="minor">
+              <a:schemeClr val="lt1"/>
+            </a:fontRef>
+          </p:style>
+          <p:txBody>
+            <a:bodyPr rtlCol="0" anchor="ctr"/>
+            <a:lstStyle/>
+            <a:p>
+              <a:pPr algn="ctr"/>
+              <a:r>
+                <a:rPr lang="en-US" sz="1000" dirty="0">
+                  <a:solidFill>
+                    <a:schemeClr val="tx1"/>
+                  </a:solidFill>
+                </a:rPr>
+                <a:t>△  </a:t>
+              </a:r>
+              <a:r>
+                <a:rPr lang="en-US" sz="1000" i="1" dirty="0">
+                  <a:solidFill>
+                    <a:schemeClr val="tx1"/>
+                  </a:solidFill>
+                </a:rPr>
+                <a:t>delta.biomass_root_coarse</a:t>
+              </a:r>
+            </a:p>
+          </p:txBody>
+        </p:sp>
+      </p:grpSp>
     </p:spTree>
     <p:extLst>
       <p:ext uri="{BB962C8B-B14F-4D97-AF65-F5344CB8AC3E}">

--- a/doc/manuscript/figures_tables/C_pools_fig.pptx
+++ b/doc/manuscript/figures_tables/C_pools_fig.pptx
@@ -4059,12 +4059,12 @@
                 <a:t>ANPP_woody </a:t>
               </a:r>
               <a:r>
-                <a:rPr lang="en-US" sz="1000" i="1" baseline="30000" dirty="0">
-                  <a:solidFill>
-                    <a:schemeClr val="tx1"/>
-                  </a:solidFill>
-                </a:rPr>
-                <a:t>1</a:t>
+                <a:rPr lang="en-US" sz="1000" i="1" baseline="30000" dirty="0" err="1">
+                  <a:solidFill>
+                    <a:schemeClr val="tx1"/>
+                  </a:solidFill>
+                </a:rPr>
+                <a:t>a,c</a:t>
               </a:r>
               <a:endParaRPr lang="en-US" sz="1000" dirty="0">
                 <a:solidFill>
@@ -4138,7 +4138,7 @@
                     <a:schemeClr val="tx1"/>
                   </a:solidFill>
                 </a:rPr>
-                <a:t>2</a:t>
+                <a:t>b</a:t>
               </a:r>
               <a:endParaRPr lang="en-US" sz="1000" dirty="0">
                 <a:solidFill>
@@ -4440,8 +4440,21 @@
                     <a:schemeClr val="tx1"/>
                   </a:solidFill>
                 </a:rPr>
-                <a:t>NPP_woody</a:t>
-              </a:r>
+                <a:t>NPP_woody </a:t>
+              </a:r>
+              <a:r>
+                <a:rPr lang="en-US" sz="1000" i="1" baseline="30000" dirty="0" err="1">
+                  <a:solidFill>
+                    <a:schemeClr val="tx1"/>
+                  </a:solidFill>
+                </a:rPr>
+                <a:t>a,c</a:t>
+              </a:r>
+              <a:endParaRPr lang="en-US" sz="1000" i="1" dirty="0">
+                <a:solidFill>
+                  <a:schemeClr val="tx1"/>
+                </a:solidFill>
+              </a:endParaRPr>
             </a:p>
           </p:txBody>
         </p:sp>
@@ -4501,8 +4514,21 @@
                     <a:schemeClr val="tx1"/>
                   </a:solidFill>
                 </a:rPr>
-                <a:t>▼woody.mortality</a:t>
-              </a:r>
+                <a:t>▼woody.mortality </a:t>
+              </a:r>
+              <a:r>
+                <a:rPr lang="en-US" sz="1000" i="1" baseline="30000" dirty="0">
+                  <a:solidFill>
+                    <a:schemeClr val="tx1"/>
+                  </a:solidFill>
+                </a:rPr>
+                <a:t>b</a:t>
+              </a:r>
+              <a:endParaRPr lang="en-US" sz="1000" i="1" dirty="0">
+                <a:solidFill>
+                  <a:schemeClr val="tx1"/>
+                </a:solidFill>
+              </a:endParaRPr>
             </a:p>
           </p:txBody>
         </p:sp>
@@ -4790,12 +4816,12 @@
                 <a:t>woody.mortality </a:t>
               </a:r>
               <a:r>
-                <a:rPr lang="en-US" sz="1000" i="1" baseline="30000" dirty="0">
-                  <a:solidFill>
-                    <a:schemeClr val="tx1"/>
-                  </a:solidFill>
-                </a:rPr>
-                <a:t>2,3</a:t>
+                <a:rPr lang="en-US" sz="1000" i="1" baseline="30000" dirty="0" err="1">
+                  <a:solidFill>
+                    <a:schemeClr val="tx1"/>
+                  </a:solidFill>
+                </a:rPr>
+                <a:t>b,d</a:t>
               </a:r>
               <a:endParaRPr lang="en-US" sz="1000" dirty="0">
                 <a:solidFill>
@@ -4864,12 +4890,12 @@
                 <a:t>▼ R_het_deadwood </a:t>
               </a:r>
               <a:r>
-                <a:rPr lang="en-US" sz="1000" baseline="30000" dirty="0">
-                  <a:solidFill>
-                    <a:schemeClr val="tx1"/>
-                  </a:solidFill>
-                </a:rPr>
-                <a:t>3,4</a:t>
+                <a:rPr lang="en-US" sz="1000" baseline="30000" dirty="0" err="1">
+                  <a:solidFill>
+                    <a:schemeClr val="tx1"/>
+                  </a:solidFill>
+                </a:rPr>
+                <a:t>d,f</a:t>
               </a:r>
               <a:r>
                 <a:rPr lang="en-US" sz="1000" dirty="0">
@@ -4949,12 +4975,12 @@
                 <a:t> delta.deadwood </a:t>
               </a:r>
               <a:r>
-                <a:rPr lang="en-US" sz="1000" baseline="30000" dirty="0">
-                  <a:solidFill>
-                    <a:schemeClr val="tx1"/>
-                  </a:solidFill>
-                </a:rPr>
-                <a:t>3</a:t>
+                <a:rPr lang="en-US" sz="1000" i="1" baseline="30000" dirty="0" err="1">
+                  <a:solidFill>
+                    <a:schemeClr val="tx1"/>
+                  </a:solidFill>
+                </a:rPr>
+                <a:t>d,e</a:t>
               </a:r>
               <a:endParaRPr lang="en-US" sz="1000" dirty="0">
                 <a:solidFill>
@@ -5023,12 +5049,12 @@
                 <a:t>deadwood </a:t>
               </a:r>
               <a:r>
-                <a:rPr lang="en-US" sz="1000" i="1" baseline="30000" dirty="0">
-                  <a:solidFill>
-                    <a:schemeClr val="tx1"/>
-                  </a:solidFill>
-                </a:rPr>
-                <a:t>3</a:t>
+                <a:rPr lang="en-US" sz="1000" i="1" baseline="30000" dirty="0" err="1">
+                  <a:solidFill>
+                    <a:schemeClr val="tx1"/>
+                  </a:solidFill>
+                </a:rPr>
+                <a:t>d,e</a:t>
               </a:r>
               <a:endParaRPr lang="en-US" sz="1000" i="1" dirty="0">
                 <a:solidFill>
@@ -5232,7 +5258,7 @@
                     <a:schemeClr val="tx1"/>
                   </a:solidFill>
                 </a:rPr>
-                <a:t>7</a:t>
+                <a:t>c</a:t>
               </a:r>
               <a:endParaRPr lang="en-US" sz="1000" dirty="0">
                 <a:solidFill>
@@ -5306,7 +5332,7 @@
                     <a:schemeClr val="tx1"/>
                   </a:solidFill>
                 </a:rPr>
-                <a:t>7</a:t>
+                <a:t>c</a:t>
               </a:r>
               <a:endParaRPr lang="en-US" sz="1000" dirty="0">
                 <a:solidFill>
@@ -6065,12 +6091,12 @@
                 <a:t>NPP_litterfall </a:t>
               </a:r>
               <a:r>
-                <a:rPr lang="en-US" sz="1000" i="1" baseline="30000" dirty="0">
-                  <a:solidFill>
-                    <a:schemeClr val="tx1"/>
-                  </a:solidFill>
-                </a:rPr>
-                <a:t>5</a:t>
+                <a:rPr lang="en-US" sz="1000" baseline="30000" dirty="0" err="1">
+                  <a:solidFill>
+                    <a:schemeClr val="tx1"/>
+                  </a:solidFill>
+                </a:rPr>
+                <a:t>b,f</a:t>
               </a:r>
               <a:endParaRPr lang="en-US" sz="1000" dirty="0">
                 <a:solidFill>
@@ -6136,17 +6162,33 @@
                     <a:schemeClr val="tx1"/>
                   </a:solidFill>
                 </a:rPr>
-                <a:t>▼R_het_litter </a:t>
-              </a:r>
-              <a:r>
-                <a:rPr lang="en-US" sz="1000" i="1" baseline="30000" dirty="0">
-                  <a:solidFill>
-                    <a:schemeClr val="tx1"/>
-                  </a:solidFill>
-                </a:rPr>
-                <a:t>3,6</a:t>
-              </a:r>
-              <a:endParaRPr lang="en-US" sz="1000" i="1" dirty="0">
+                <a:t>▼R_het_</a:t>
+              </a:r>
+              <a:r>
+                <a:rPr lang="en-US" sz="1000" i="1">
+                  <a:solidFill>
+                    <a:schemeClr val="tx1"/>
+                  </a:solidFill>
+                </a:rPr>
+                <a:t>litter </a:t>
+              </a:r>
+              <a:r>
+                <a:rPr lang="en-US" sz="1000" baseline="30000">
+                  <a:solidFill>
+                    <a:schemeClr val="tx1"/>
+                  </a:solidFill>
+                </a:rPr>
+                <a:t>b,f,</a:t>
+              </a:r>
+              <a:r>
+                <a:rPr lang="en-US" sz="1000" baseline="30000" dirty="0" err="1">
+                  <a:solidFill>
+                    <a:schemeClr val="tx1"/>
+                  </a:solidFill>
+                </a:rPr>
+                <a:t>g</a:t>
+              </a:r>
+              <a:endParaRPr lang="en-US" sz="1000" dirty="0">
                 <a:solidFill>
                   <a:schemeClr val="tx1"/>
                 </a:solidFill>
@@ -6221,12 +6263,12 @@
                 <a:t> delta.O.horizon </a:t>
               </a:r>
               <a:r>
-                <a:rPr lang="en-US" sz="1000" baseline="30000" dirty="0">
-                  <a:solidFill>
-                    <a:schemeClr val="tx1"/>
-                  </a:solidFill>
-                </a:rPr>
-                <a:t>3</a:t>
+                <a:rPr lang="en-US" sz="1000" baseline="30000" dirty="0" err="1">
+                  <a:solidFill>
+                    <a:schemeClr val="tx1"/>
+                  </a:solidFill>
+                </a:rPr>
+                <a:t>d,e</a:t>
               </a:r>
               <a:endParaRPr lang="en-US" sz="1000" dirty="0">
                 <a:solidFill>
@@ -6295,12 +6337,12 @@
                 <a:t>O.horizon </a:t>
               </a:r>
               <a:r>
-                <a:rPr lang="en-US" sz="1000" i="1" baseline="30000" dirty="0">
-                  <a:solidFill>
-                    <a:schemeClr val="tx1"/>
-                  </a:solidFill>
-                </a:rPr>
-                <a:t>3</a:t>
+                <a:rPr lang="en-US" sz="1000" i="1" baseline="30000" dirty="0" err="1">
+                  <a:solidFill>
+                    <a:schemeClr val="tx1"/>
+                  </a:solidFill>
+                </a:rPr>
+                <a:t>d,e</a:t>
               </a:r>
               <a:endParaRPr lang="en-US" sz="1000" i="1" dirty="0">
                 <a:solidFill>
@@ -7903,7 +7945,7 @@
                       <a:schemeClr val="tx1"/>
                     </a:solidFill>
                   </a:rPr>
-                  <a:t>8</a:t>
+                  <a:t>a</a:t>
                 </a:r>
                 <a:endParaRPr lang="en-US" sz="1000" dirty="0">
                   <a:solidFill>
@@ -7977,7 +8019,7 @@
                       <a:schemeClr val="tx1"/>
                     </a:solidFill>
                   </a:rPr>
-                  <a:t>1,2,8</a:t>
+                  <a:t>b</a:t>
                 </a:r>
                 <a:endParaRPr lang="en-US" sz="1000" dirty="0">
                   <a:solidFill>
@@ -8177,15 +8219,7 @@
                     <a:schemeClr val="tx1"/>
                   </a:solidFill>
                 </a:rPr>
-                <a:t> delta.agb </a:t>
-              </a:r>
-              <a:r>
-                <a:rPr lang="en-US" sz="1000" i="1" baseline="30000" dirty="0">
-                  <a:solidFill>
-                    <a:schemeClr val="tx1"/>
-                  </a:solidFill>
-                </a:rPr>
-                <a:t>1</a:t>
+                <a:t> delta.agb</a:t>
               </a:r>
               <a:endParaRPr lang="en-US" sz="1000" dirty="0">
                 <a:solidFill>
